--- a/Presentation-projet-de-session.pptx
+++ b/Presentation-projet-de-session.pptx
@@ -17818,12 +17818,40 @@
               <a:buNone/>
             </a:pPr>
             <a:r>
-              <a:rPr lang="en" dirty="0"/>
-              <a:t>Lagrangien dans l’espace: </a:t>
+              <a:rPr lang="en-CA" dirty="0" err="1"/>
+              <a:t>Discrétisation</a:t>
             </a:r>
             <a:r>
               <a:rPr lang="en-CA" dirty="0"/>
-              <a:t>on suit des petit volume </a:t>
+              <a:t> </a:t>
+            </a:r>
+            <a:r>
+              <a:rPr lang="en" dirty="0"/>
+              <a:t>Lagrangien</a:t>
+            </a:r>
+            <a:r>
+              <a:rPr lang="en-CA" dirty="0"/>
+              <a:t>ne</a:t>
+            </a:r>
+            <a:r>
+              <a:rPr lang="en" dirty="0"/>
+              <a:t> dans l’espace, </a:t>
+            </a:r>
+            <a:r>
+              <a:rPr lang="en-CA" dirty="0" err="1"/>
+              <a:t>c’est</a:t>
+            </a:r>
+            <a:r>
+              <a:rPr lang="en-CA" dirty="0"/>
+              <a:t>-à-dire </a:t>
+            </a:r>
+            <a:r>
+              <a:rPr lang="en-CA" dirty="0" err="1"/>
+              <a:t>qu’on</a:t>
+            </a:r>
+            <a:r>
+              <a:rPr lang="en-CA" dirty="0"/>
+              <a:t> suit des petit volume </a:t>
             </a:r>
             <a:r>
               <a:rPr lang="en-CA" dirty="0" err="1"/>
@@ -17867,7 +17895,7 @@
             </a:r>
             <a:r>
               <a:rPr lang="en-CA" dirty="0" err="1"/>
-              <a:t>sont</a:t>
+              <a:t>est</a:t>
             </a:r>
             <a:r>
               <a:rPr lang="en-CA" dirty="0"/>
@@ -21462,8 +21490,8 @@
             </p:txBody>
           </p:sp>
         </p:grpSp>
-        <mc:AlternateContent xmlns:mc="http://schemas.openxmlformats.org/markup-compatibility/2006">
-          <mc:Choice xmlns:a14="http://schemas.microsoft.com/office/drawing/2010/main" Requires="a14">
+        <mc:AlternateContent xmlns:mc="http://schemas.openxmlformats.org/markup-compatibility/2006" xmlns:a14="http://schemas.microsoft.com/office/drawing/2010/main">
+          <mc:Choice Requires="a14">
             <p:sp>
               <p:nvSpPr>
                 <p:cNvPr id="143" name="TextBox 142">
@@ -21492,6 +21520,7 @@
                 </a:bodyPr>
                 <a:lstStyle/>
                 <a:p>
+                  <a:pPr/>
                   <a14:m>
                     <m:oMathPara xmlns:m="http://schemas.openxmlformats.org/officeDocument/2006/math">
                       <m:oMathParaPr>
@@ -21613,7 +21642,7 @@
               </p:txBody>
             </p:sp>
           </mc:Choice>
-          <mc:Fallback>
+          <mc:Fallback xmlns="">
             <p:sp>
               <p:nvSpPr>
                 <p:cNvPr id="143" name="TextBox 142">
@@ -21787,8 +21816,8 @@
             <a:chExt cx="3581803" cy="3733836"/>
           </a:xfrm>
         </p:grpSpPr>
-        <mc:AlternateContent xmlns:mc="http://schemas.openxmlformats.org/markup-compatibility/2006">
-          <mc:Choice xmlns:a14="http://schemas.microsoft.com/office/drawing/2010/main" Requires="a14">
+        <mc:AlternateContent xmlns:mc="http://schemas.openxmlformats.org/markup-compatibility/2006" xmlns:a14="http://schemas.microsoft.com/office/drawing/2010/main">
+          <mc:Choice Requires="a14">
             <p:sp>
               <p:nvSpPr>
                 <p:cNvPr id="3" name="TextBox 2">
@@ -21894,7 +21923,16 @@
                                 </a:solidFill>
                                 <a:latin typeface="Cambria Math" panose="02040503050406030204" pitchFamily="18" charset="0"/>
                               </a:rPr>
-                              <m:t>+1</m:t>
+                              <m:t>+</m:t>
+                            </m:r>
+                            <m:r>
+                              <a:rPr lang="fr-CA" i="1">
+                                <a:solidFill>
+                                  <a:schemeClr val="bg1"/>
+                                </a:solidFill>
+                                <a:latin typeface="Cambria Math" panose="02040503050406030204" pitchFamily="18" charset="0"/>
+                              </a:rPr>
+                              <m:t>1</m:t>
                             </m:r>
                           </m:sup>
                         </m:sSubSup>
@@ -22209,7 +22247,16 @@
                                 </a:solidFill>
                                 <a:latin typeface="Cambria Math" panose="02040503050406030204" pitchFamily="18" charset="0"/>
                               </a:rPr>
-                              <m:t>+1</m:t>
+                              <m:t>+</m:t>
+                            </m:r>
+                            <m:r>
+                              <a:rPr lang="fr-CA" i="1">
+                                <a:solidFill>
+                                  <a:schemeClr val="bg1"/>
+                                </a:solidFill>
+                                <a:latin typeface="Cambria Math" panose="02040503050406030204" pitchFamily="18" charset="0"/>
+                              </a:rPr>
+                              <m:t>1</m:t>
                             </m:r>
                           </m:sup>
                         </m:sSubSup>
@@ -22464,7 +22511,7 @@
               </p:txBody>
             </p:sp>
           </mc:Choice>
-          <mc:Fallback>
+          <mc:Fallback xmlns="">
             <p:sp>
               <p:nvSpPr>
                 <p:cNvPr id="3" name="TextBox 2">
@@ -22509,8 +22556,8 @@
             </p:sp>
           </mc:Fallback>
         </mc:AlternateContent>
-        <mc:AlternateContent xmlns:mc="http://schemas.openxmlformats.org/markup-compatibility/2006">
-          <mc:Choice xmlns:a14="http://schemas.microsoft.com/office/drawing/2010/main" Requires="a14">
+        <mc:AlternateContent xmlns:mc="http://schemas.openxmlformats.org/markup-compatibility/2006" xmlns:a14="http://schemas.microsoft.com/office/drawing/2010/main">
+          <mc:Choice Requires="a14">
             <p:sp>
               <p:nvSpPr>
                 <p:cNvPr id="4" name="TextBox 3">
@@ -22611,7 +22658,16 @@
                                 </a:solidFill>
                                 <a:latin typeface="Cambria Math" panose="02040503050406030204" pitchFamily="18" charset="0"/>
                               </a:rPr>
-                              <m:t>+1</m:t>
+                              <m:t>+</m:t>
+                            </m:r>
+                            <m:r>
+                              <a:rPr lang="fr-CA" i="1">
+                                <a:solidFill>
+                                  <a:schemeClr val="bg1"/>
+                                </a:solidFill>
+                                <a:latin typeface="Cambria Math" panose="02040503050406030204" pitchFamily="18" charset="0"/>
+                              </a:rPr>
+                              <m:t>1</m:t>
                             </m:r>
                           </m:sup>
                         </m:sSubSup>
@@ -22787,7 +22843,25 @@
                             </a:solidFill>
                             <a:latin typeface="Cambria Math" panose="02040503050406030204" pitchFamily="18" charset="0"/>
                           </a:rPr>
-                          <m:t>∗(1−</m:t>
+                          <m:t>∗(</m:t>
+                        </m:r>
+                        <m:r>
+                          <a:rPr lang="fr-CA" i="1">
+                            <a:solidFill>
+                              <a:schemeClr val="bg1"/>
+                            </a:solidFill>
+                            <a:latin typeface="Cambria Math" panose="02040503050406030204" pitchFamily="18" charset="0"/>
+                          </a:rPr>
+                          <m:t>1</m:t>
+                        </m:r>
+                        <m:r>
+                          <a:rPr lang="fr-CA" i="1">
+                            <a:solidFill>
+                              <a:schemeClr val="bg1"/>
+                            </a:solidFill>
+                            <a:latin typeface="Cambria Math" panose="02040503050406030204" pitchFamily="18" charset="0"/>
+                          </a:rPr>
+                          <m:t>−</m:t>
                         </m:r>
                         <m:sSup>
                           <m:sSupPr>
@@ -23023,7 +23097,7 @@
               </p:txBody>
             </p:sp>
           </mc:Choice>
-          <mc:Fallback>
+          <mc:Fallback xmlns="">
             <p:sp>
               <p:nvSpPr>
                 <p:cNvPr id="4" name="TextBox 3">
@@ -23068,8 +23142,8 @@
             </p:sp>
           </mc:Fallback>
         </mc:AlternateContent>
-        <mc:AlternateContent xmlns:mc="http://schemas.openxmlformats.org/markup-compatibility/2006">
-          <mc:Choice xmlns:a14="http://schemas.microsoft.com/office/drawing/2010/main" Requires="a14">
+        <mc:AlternateContent xmlns:mc="http://schemas.openxmlformats.org/markup-compatibility/2006" xmlns:a14="http://schemas.microsoft.com/office/drawing/2010/main">
+          <mc:Choice Requires="a14">
             <p:sp>
               <p:nvSpPr>
                 <p:cNvPr id="5" name="TextBox 4">
@@ -23576,7 +23650,7 @@
               </p:txBody>
             </p:sp>
           </mc:Choice>
-          <mc:Fallback>
+          <mc:Fallback xmlns="">
             <p:sp>
               <p:nvSpPr>
                 <p:cNvPr id="5" name="TextBox 4">
@@ -23622,179 +23696,262 @@
           </mc:Fallback>
         </mc:AlternateContent>
       </p:grpSp>
-      <p:sp>
-        <p:nvSpPr>
-          <p:cNvPr id="11" name="Google Shape;187;p21">
-            <a:extLst>
-              <a:ext uri="{FF2B5EF4-FFF2-40B4-BE49-F238E27FC236}">
-                <a16:creationId xmlns:a16="http://schemas.microsoft.com/office/drawing/2014/main" id="{196B02E1-8BBC-4A4C-A064-577E3A655507}"/>
-              </a:ext>
-            </a:extLst>
-          </p:cNvPr>
-          <p:cNvSpPr txBox="1">
-            <a:spLocks noGrp="1"/>
-          </p:cNvSpPr>
-          <p:nvPr>
-            <p:ph type="body" idx="1"/>
-            <p:custDataLst>
-              <p:tags r:id="rId2"/>
-            </p:custDataLst>
-          </p:nvPr>
-        </p:nvSpPr>
-        <p:spPr>
-          <a:xfrm>
-            <a:off x="5541817" y="1156958"/>
-            <a:ext cx="2746091" cy="3221077"/>
-          </a:xfrm>
-          <a:prstGeom prst="rect">
-            <a:avLst/>
-          </a:prstGeom>
-        </p:spPr>
-        <p:txBody>
-          <a:bodyPr spcFirstLastPara="1" wrap="square" lIns="91425" tIns="91425" rIns="91425" bIns="91425" anchor="t" anchorCtr="0">
-            <a:noAutofit/>
-          </a:bodyPr>
-          <a:lstStyle/>
-          <a:p>
-            <a:pPr marL="0" lvl="0" indent="0" algn="l" rtl="0">
-              <a:spcBef>
-                <a:spcPts val="0"/>
-              </a:spcBef>
-              <a:spcAft>
-                <a:spcPts val="600"/>
-              </a:spcAft>
-              <a:buNone/>
-            </a:pPr>
-            <a:r>
-              <a:rPr lang="en-CA" sz="1600" dirty="0" err="1"/>
-              <a:t>Autres</a:t>
-            </a:r>
-            <a:r>
-              <a:rPr lang="en-CA" sz="1600" dirty="0"/>
-              <a:t> </a:t>
-            </a:r>
-            <a:r>
-              <a:rPr lang="en-CA" sz="1600" dirty="0" err="1"/>
-              <a:t>considérations</a:t>
-            </a:r>
-            <a:endParaRPr lang="en" sz="1600" dirty="0"/>
-          </a:p>
-          <a:p>
-            <a:pPr marL="285750" indent="-285750">
-              <a:buSzPct val="90000"/>
-            </a:pPr>
-            <a:r>
-              <a:rPr lang="en" dirty="0"/>
-              <a:t>Il faut avoir le nombre de </a:t>
-            </a:r>
-            <a:r>
-              <a:rPr lang="en-CA" dirty="0"/>
-              <a:t>C</a:t>
-            </a:r>
-            <a:r>
-              <a:rPr lang="en" dirty="0"/>
-              <a:t>ourant &lt; 1, </a:t>
-            </a:r>
-            <a:r>
-              <a:rPr lang="en-CA" dirty="0"/>
-              <a:t>pour </a:t>
-            </a:r>
-            <a:r>
-              <a:rPr lang="en" dirty="0"/>
-              <a:t>évite</a:t>
-            </a:r>
-            <a:r>
-              <a:rPr lang="en-CA" dirty="0"/>
-              <a:t>r</a:t>
-            </a:r>
-            <a:r>
-              <a:rPr lang="en" dirty="0"/>
-              <a:t> de sauter par dessus une composante</a:t>
-            </a:r>
-            <a:endParaRPr dirty="0"/>
-          </a:p>
-          <a:p>
-            <a:pPr marL="285750" indent="-285750">
-              <a:spcBef>
-                <a:spcPts val="1600"/>
-              </a:spcBef>
-              <a:spcAft>
-                <a:spcPts val="1600"/>
-              </a:spcAft>
-              <a:buSzPct val="90000"/>
-            </a:pPr>
-            <a:r>
-              <a:rPr lang="en-CA" dirty="0"/>
-              <a:t>Le p</a:t>
-            </a:r>
-            <a:r>
-              <a:rPr lang="en" dirty="0"/>
-              <a:t>lus grand dV </a:t>
-            </a:r>
-            <a:r>
-              <a:rPr lang="en-CA" dirty="0"/>
-              <a:t>possible </a:t>
-            </a:r>
-            <a:r>
-              <a:rPr lang="en-CA" dirty="0" err="1"/>
-              <a:t>est</a:t>
-            </a:r>
-            <a:r>
-              <a:rPr lang="en-CA" dirty="0"/>
-              <a:t> </a:t>
-            </a:r>
-            <a:r>
-              <a:rPr lang="en-CA" dirty="0" err="1"/>
-              <a:t>égal</a:t>
-            </a:r>
-            <a:r>
-              <a:rPr lang="en-CA" dirty="0"/>
-              <a:t> au</a:t>
-            </a:r>
-            <a:r>
-              <a:rPr lang="en" dirty="0"/>
-              <a:t> plus petit </a:t>
-            </a:r>
-            <a:r>
-              <a:rPr lang="en-CA" dirty="0"/>
-              <a:t>volume </a:t>
-            </a:r>
-            <a:r>
-              <a:rPr lang="en-CA" dirty="0" err="1"/>
-              <a:t>parmi</a:t>
-            </a:r>
-            <a:r>
-              <a:rPr lang="en-CA" dirty="0"/>
-              <a:t> </a:t>
-            </a:r>
-            <a:r>
-              <a:rPr lang="en-CA" dirty="0" err="1"/>
-              <a:t>toutes</a:t>
-            </a:r>
-            <a:r>
-              <a:rPr lang="en-CA" dirty="0"/>
-              <a:t> les </a:t>
-            </a:r>
-            <a:r>
-              <a:rPr lang="en-CA" dirty="0" err="1"/>
-              <a:t>composantes</a:t>
-            </a:r>
-            <a:r>
-              <a:rPr lang="en" dirty="0"/>
-              <a:t> (au moins un </a:t>
-            </a:r>
-            <a:r>
-              <a:rPr lang="fr-CA" dirty="0"/>
-              <a:t>élément</a:t>
-            </a:r>
-            <a:r>
-              <a:rPr lang="en" dirty="0"/>
-              <a:t> par composante)</a:t>
-            </a:r>
-            <a:endParaRPr dirty="0"/>
-          </a:p>
-        </p:txBody>
-      </p:sp>
+      <mc:AlternateContent xmlns:mc="http://schemas.openxmlformats.org/markup-compatibility/2006">
+        <mc:Choice xmlns:a14="http://schemas.microsoft.com/office/drawing/2010/main" Requires="a14">
+          <p:sp>
+            <p:nvSpPr>
+              <p:cNvPr id="11" name="Google Shape;187;p21">
+                <a:extLst>
+                  <a:ext uri="{FF2B5EF4-FFF2-40B4-BE49-F238E27FC236}">
+                    <a16:creationId xmlns:a16="http://schemas.microsoft.com/office/drawing/2014/main" id="{196B02E1-8BBC-4A4C-A064-577E3A655507}"/>
+                  </a:ext>
+                </a:extLst>
+              </p:cNvPr>
+              <p:cNvSpPr txBox="1">
+                <a:spLocks noGrp="1"/>
+              </p:cNvSpPr>
+              <p:nvPr>
+                <p:ph type="body" idx="1"/>
+                <p:custDataLst>
+                  <p:tags r:id="rId2"/>
+                </p:custDataLst>
+              </p:nvPr>
+            </p:nvSpPr>
+            <p:spPr>
+              <a:xfrm>
+                <a:off x="5541817" y="1156958"/>
+                <a:ext cx="2746091" cy="3733837"/>
+              </a:xfrm>
+              <a:prstGeom prst="rect">
+                <a:avLst/>
+              </a:prstGeom>
+            </p:spPr>
+            <p:txBody>
+              <a:bodyPr spcFirstLastPara="1" wrap="square" lIns="91425" tIns="91425" rIns="91425" bIns="91425" anchor="t" anchorCtr="0">
+                <a:noAutofit/>
+              </a:bodyPr>
+              <a:lstStyle/>
+              <a:p>
+                <a:pPr marL="0" lvl="0" indent="0" algn="l" rtl="0">
+                  <a:spcBef>
+                    <a:spcPts val="0"/>
+                  </a:spcBef>
+                  <a:spcAft>
+                    <a:spcPts val="600"/>
+                  </a:spcAft>
+                  <a:buNone/>
+                </a:pPr>
+                <a:r>
+                  <a:rPr lang="fr-FR" sz="1600" dirty="0"/>
+                  <a:t>Autres </a:t>
+                </a:r>
+                <a:r>
+                  <a:rPr lang="fr-FR" sz="1600" dirty="0" err="1"/>
+                  <a:t>considérations</a:t>
+                </a:r>
+                <a:endParaRPr lang="fr-FR" sz="1600" dirty="0"/>
+              </a:p>
+              <a:p>
+                <a:pPr marL="285750" indent="-285750">
+                  <a:buSzPct val="90000"/>
+                </a:pPr>
+                <a:r>
+                  <a:rPr lang="fr-FR" dirty="0"/>
+                  <a:t>Il faut avoir le nombre de Courant &lt; 1, pour éviter de sauter par dessus une composante</a:t>
+                </a:r>
+              </a:p>
+              <a:p>
+                <a:pPr marL="285750" indent="-285750">
+                  <a:buSzPct val="90000"/>
+                </a:pPr>
+                <a:r>
+                  <a:rPr lang="fr-FR" b="0" dirty="0"/>
+                  <a:t>Nombre de Courant </a:t>
+                </a:r>
+              </a:p>
+              <a:p>
+                <a:pPr marL="0" indent="0">
+                  <a:buSzPct val="90000"/>
+                  <a:buNone/>
+                </a:pPr>
+                <a14:m>
+                  <m:oMathPara xmlns:m="http://schemas.openxmlformats.org/officeDocument/2006/math">
+                    <m:oMathParaPr>
+                      <m:jc m:val="centerGroup"/>
+                    </m:oMathParaPr>
+                    <m:oMath xmlns:m="http://schemas.openxmlformats.org/officeDocument/2006/math">
+                      <m:r>
+                        <a:rPr lang="fr-FR" b="0" i="1" smtClean="0">
+                          <a:latin typeface="Cambria Math" panose="02040503050406030204" pitchFamily="18" charset="0"/>
+                        </a:rPr>
+                        <m:t>𝐶</m:t>
+                      </m:r>
+                      <m:r>
+                        <a:rPr lang="fr-CA" b="0" i="1" smtClean="0">
+                          <a:latin typeface="Cambria Math" panose="02040503050406030204" pitchFamily="18" charset="0"/>
+                        </a:rPr>
+                        <m:t>= </m:t>
+                      </m:r>
+                      <m:f>
+                        <m:fPr>
+                          <m:ctrlPr>
+                            <a:rPr lang="fr-CA" b="0" i="1" smtClean="0">
+                              <a:latin typeface="Cambria Math" panose="02040503050406030204" pitchFamily="18" charset="0"/>
+                            </a:rPr>
+                          </m:ctrlPr>
+                        </m:fPr>
+                        <m:num>
+                          <m:r>
+                            <a:rPr lang="fr-CA" b="0" i="1" smtClean="0">
+                              <a:latin typeface="Cambria Math" panose="02040503050406030204" pitchFamily="18" charset="0"/>
+                            </a:rPr>
+                            <m:t>𝑣</m:t>
+                          </m:r>
+                          <m:r>
+                            <a:rPr lang="fr-CA" b="0" i="1" smtClean="0">
+                              <a:latin typeface="Cambria Math" panose="02040503050406030204" pitchFamily="18" charset="0"/>
+                            </a:rPr>
+                            <m:t> ∗ ∆</m:t>
+                          </m:r>
+                          <m:r>
+                            <a:rPr lang="fr-CA" b="0" i="1" smtClean="0">
+                              <a:latin typeface="Cambria Math" panose="02040503050406030204" pitchFamily="18" charset="0"/>
+                              <a:ea typeface="Cambria Math" panose="02040503050406030204" pitchFamily="18" charset="0"/>
+                            </a:rPr>
+                            <m:t>𝑡</m:t>
+                          </m:r>
+                        </m:num>
+                        <m:den>
+                          <m:r>
+                            <a:rPr lang="fr-CA" b="0" i="1" smtClean="0">
+                              <a:latin typeface="Cambria Math" panose="02040503050406030204" pitchFamily="18" charset="0"/>
+                              <a:ea typeface="Cambria Math" panose="02040503050406030204" pitchFamily="18" charset="0"/>
+                            </a:rPr>
+                            <m:t>∆</m:t>
+                          </m:r>
+                          <m:r>
+                            <a:rPr lang="fr-CA" b="0" i="1" smtClean="0">
+                              <a:latin typeface="Cambria Math" panose="02040503050406030204" pitchFamily="18" charset="0"/>
+                              <a:ea typeface="Cambria Math" panose="02040503050406030204" pitchFamily="18" charset="0"/>
+                            </a:rPr>
+                            <m:t>𝑥</m:t>
+                          </m:r>
+                        </m:den>
+                      </m:f>
+                    </m:oMath>
+                  </m:oMathPara>
+                </a14:m>
+                <a:endParaRPr lang="fr-FR" dirty="0"/>
+              </a:p>
+              <a:p>
+                <a:pPr marL="285750" indent="-285750">
+                  <a:spcBef>
+                    <a:spcPts val="1600"/>
+                  </a:spcBef>
+                  <a:spcAft>
+                    <a:spcPts val="1600"/>
+                  </a:spcAft>
+                  <a:buSzPct val="90000"/>
+                </a:pPr>
+                <a:r>
+                  <a:rPr lang="fr-FR" dirty="0"/>
+                  <a:t>Le plus grand dV possible </a:t>
+                </a:r>
+                <a:r>
+                  <a:rPr lang="fr-FR" dirty="0" err="1"/>
+                  <a:t>est</a:t>
+                </a:r>
+                <a:r>
+                  <a:rPr lang="fr-FR" dirty="0"/>
+                  <a:t> </a:t>
+                </a:r>
+                <a:r>
+                  <a:rPr lang="fr-FR" dirty="0" err="1"/>
+                  <a:t>égal</a:t>
+                </a:r>
+                <a:r>
+                  <a:rPr lang="fr-FR" dirty="0"/>
+                  <a:t> au plus petit volume </a:t>
+                </a:r>
+                <a:r>
+                  <a:rPr lang="fr-FR" dirty="0" err="1"/>
+                  <a:t>parmi</a:t>
+                </a:r>
+                <a:r>
+                  <a:rPr lang="fr-FR" dirty="0"/>
+                  <a:t> </a:t>
+                </a:r>
+                <a:r>
+                  <a:rPr lang="fr-FR" dirty="0" err="1"/>
+                  <a:t>toutes</a:t>
+                </a:r>
+                <a:r>
+                  <a:rPr lang="fr-FR" dirty="0"/>
+                  <a:t> les </a:t>
+                </a:r>
+                <a:r>
+                  <a:rPr lang="fr-FR" dirty="0" err="1"/>
+                  <a:t>composantes</a:t>
+                </a:r>
+                <a:r>
+                  <a:rPr lang="fr-FR" dirty="0"/>
+                  <a:t> (au moins un élément par composante)</a:t>
+                </a:r>
+                <a:endParaRPr dirty="0"/>
+              </a:p>
+            </p:txBody>
+          </p:sp>
+        </mc:Choice>
+        <mc:Fallback>
+          <p:sp>
+            <p:nvSpPr>
+              <p:cNvPr id="11" name="Google Shape;187;p21">
+                <a:extLst>
+                  <a:ext uri="{FF2B5EF4-FFF2-40B4-BE49-F238E27FC236}">
+                    <a16:creationId xmlns:a16="http://schemas.microsoft.com/office/drawing/2014/main" id="{196B02E1-8BBC-4A4C-A064-577E3A655507}"/>
+                  </a:ext>
+                </a:extLst>
+              </p:cNvPr>
+              <p:cNvSpPr txBox="1">
+                <a:spLocks noGrp="1" noRot="1" noChangeAspect="1" noMove="1" noResize="1" noEditPoints="1" noAdjustHandles="1" noChangeArrowheads="1" noChangeShapeType="1" noTextEdit="1"/>
+              </p:cNvSpPr>
+              <p:nvPr>
+                <p:ph type="body" idx="1"/>
+                <p:custDataLst>
+                  <p:tags r:id="rId2"/>
+                </p:custDataLst>
+              </p:nvPr>
+            </p:nvSpPr>
+            <p:spPr>
+              <a:xfrm>
+                <a:off x="5541817" y="1156958"/>
+                <a:ext cx="2746091" cy="3733837"/>
+              </a:xfrm>
+              <a:prstGeom prst="rect">
+                <a:avLst/>
+              </a:prstGeom>
+              <a:blipFill>
+                <a:blip r:embed="rId8"/>
+                <a:stretch>
+                  <a:fillRect l="-1109"/>
+                </a:stretch>
+              </a:blipFill>
+            </p:spPr>
+            <p:txBody>
+              <a:bodyPr/>
+              <a:lstStyle/>
+              <a:p>
+                <a:r>
+                  <a:rPr lang="en-CA">
+                    <a:noFill/>
+                  </a:rPr>
+                  <a:t> </a:t>
+                </a:r>
+              </a:p>
+            </p:txBody>
+          </p:sp>
+        </mc:Fallback>
+      </mc:AlternateContent>
     </p:spTree>
     <p:extLst>
       <p:ext uri="{BB962C8B-B14F-4D97-AF65-F5344CB8AC3E}">
@@ -23999,7 +24156,14 @@
           </a:bodyPr>
           <a:lstStyle/>
           <a:p>
-            <a:pPr marL="285750" indent="-285750"/>
+            <a:pPr marL="285750" indent="-285750">
+              <a:lnSpc>
+                <a:spcPct val="100000"/>
+              </a:lnSpc>
+              <a:spcAft>
+                <a:spcPts val="1200"/>
+              </a:spcAft>
+            </a:pPr>
             <a:r>
               <a:rPr lang="en" dirty="0"/>
               <a:t>Vérification une composante à la fois (test unitaire)</a:t>
@@ -24007,25 +24171,116 @@
           </a:p>
           <a:p>
             <a:pPr marL="285750" indent="-285750">
-              <a:spcBef>
-                <a:spcPts val="1600"/>
-              </a:spcBef>
+              <a:lnSpc>
+                <a:spcPct val="100000"/>
+              </a:lnSpc>
+              <a:spcAft>
+                <a:spcPts val="1200"/>
+              </a:spcAft>
             </a:pPr>
             <a:r>
               <a:rPr lang="en" dirty="0"/>
-              <a:t>Par solution exacte de l’équation analytique qui décrit la composante</a:t>
+              <a:t>Utilisation de cas d’étude simpliste</a:t>
+            </a:r>
+            <a:r>
+              <a:rPr lang="en-CA" dirty="0"/>
+              <a:t>s</a:t>
+            </a:r>
+            <a:r>
+              <a:rPr lang="en" dirty="0"/>
+              <a:t> avec u</a:t>
+            </a:r>
+            <a:r>
+              <a:rPr lang="en-CA" dirty="0"/>
+              <a:t>ne </a:t>
+            </a:r>
+            <a:r>
+              <a:rPr lang="en-CA" dirty="0" err="1"/>
+              <a:t>génération</a:t>
+            </a:r>
+            <a:r>
+              <a:rPr lang="en-CA" dirty="0"/>
+              <a:t> de </a:t>
+            </a:r>
+            <a:r>
+              <a:rPr lang="en-CA" dirty="0" err="1"/>
+              <a:t>chaleur</a:t>
+            </a:r>
+            <a:r>
+              <a:rPr lang="en-CA" dirty="0"/>
+              <a:t> </a:t>
+            </a:r>
+            <a:r>
+              <a:rPr lang="en-CA" dirty="0" err="1"/>
+              <a:t>ou</a:t>
+            </a:r>
+            <a:r>
+              <a:rPr lang="en-CA" dirty="0"/>
+              <a:t> un </a:t>
+            </a:r>
+            <a:r>
+              <a:rPr lang="en-CA" dirty="0" err="1"/>
+              <a:t>refroidissement</a:t>
+            </a:r>
+            <a:r>
+              <a:rPr lang="en-CA" dirty="0"/>
+              <a:t> constant</a:t>
+            </a:r>
+            <a:endParaRPr lang="en" dirty="0"/>
+          </a:p>
+          <a:p>
+            <a:pPr marL="285750" indent="-285750">
+              <a:lnSpc>
+                <a:spcPct val="100000"/>
+              </a:lnSpc>
+              <a:spcAft>
+                <a:spcPts val="1200"/>
+              </a:spcAft>
+            </a:pPr>
+            <a:r>
+              <a:rPr lang="en-CA" dirty="0"/>
+              <a:t>V</a:t>
+            </a:r>
+            <a:r>
+              <a:rPr lang="fr-CA" dirty="0" err="1"/>
+              <a:t>érification</a:t>
+            </a:r>
+            <a:r>
+              <a:rPr lang="fr-CA" dirty="0"/>
+              <a:t> par comparaison avec la</a:t>
+            </a:r>
+            <a:r>
+              <a:rPr lang="en" dirty="0"/>
+              <a:t> solution exacte de l’équation analytique qui décrit la composante</a:t>
+            </a:r>
+          </a:p>
+          <a:p>
+            <a:pPr marL="285750" indent="-285750">
+              <a:lnSpc>
+                <a:spcPct val="100000"/>
+              </a:lnSpc>
+              <a:spcAft>
+                <a:spcPts val="1200"/>
+              </a:spcAft>
+            </a:pPr>
+            <a:r>
+              <a:rPr lang="en" dirty="0"/>
+              <a:t>Pour le moteur on fait la vérification du code avec et sans génération de vapeur</a:t>
             </a:r>
             <a:endParaRPr dirty="0"/>
           </a:p>
           <a:p>
             <a:pPr marL="285750" indent="-285750">
-              <a:spcBef>
-                <a:spcPts val="1600"/>
-              </a:spcBef>
+              <a:lnSpc>
+                <a:spcPct val="100000"/>
+              </a:lnSpc>
+              <a:spcAft>
+                <a:spcPts val="1200"/>
+              </a:spcAft>
             </a:pPr>
             <a:r>
               <a:rPr lang="en" dirty="0"/>
-              <a:t>Vérification du swirl pot en vérifiant </a:t>
+              <a:t>Vérification du dégazeur en vérifiant </a:t>
             </a:r>
             <a:r>
               <a:rPr lang="en-CA" dirty="0"/>
@@ -24044,16 +24299,12 @@
               <a:t>sa</a:t>
             </a:r>
             <a:r>
-              <a:rPr lang="en-CA"/>
+              <a:rPr lang="en-CA" dirty="0"/>
               <a:t> sortie</a:t>
             </a:r>
             <a:r>
-              <a:rPr lang="en"/>
-              <a:t> </a:t>
-            </a:r>
-            <a:r>
               <a:rPr lang="en" dirty="0"/>
-              <a:t>soit nul</a:t>
+              <a:t> soit nul</a:t>
             </a:r>
             <a:endParaRPr dirty="0"/>
           </a:p>
@@ -24161,7 +24412,15 @@
             </a:pPr>
             <a:r>
               <a:rPr lang="en" dirty="0"/>
-              <a:t>Vérification de code pour le radiateur</a:t>
+              <a:t>Vérification de code - </a:t>
+            </a:r>
+            <a:r>
+              <a:rPr lang="en-CA" dirty="0"/>
+              <a:t>R</a:t>
+            </a:r>
+            <a:r>
+              <a:rPr lang="en" dirty="0"/>
+              <a:t>adiateur</a:t>
             </a:r>
             <a:endParaRPr dirty="0"/>
           </a:p>
@@ -24183,7 +24442,7 @@
         <p:spPr>
           <a:xfrm>
             <a:off x="1297500" y="1219700"/>
-            <a:ext cx="7095000" cy="3402600"/>
+            <a:ext cx="7095000" cy="729602"/>
           </a:xfrm>
           <a:prstGeom prst="rect">
             <a:avLst/>
@@ -24206,156 +24465,16 @@
             </a:pPr>
             <a:r>
               <a:rPr lang="en" dirty="0"/>
-              <a:t>La solution de la variation de chaleurs à travers un radiateur pour un coefficient de convection constant et un débit à travers le radiateur constant est définie par l’équation suivante.</a:t>
+              <a:t>La solution de la variation de chaleur à travers le radiateur pour un coefficient de convection et un débit à travers le radiateur constant</a:t>
             </a:r>
-            <a:endParaRPr dirty="0"/>
-          </a:p>
-          <a:p>
-            <a:pPr marL="0" lvl="0" indent="0" algn="l" rtl="0">
-              <a:spcBef>
-                <a:spcPts val="1600"/>
-              </a:spcBef>
-              <a:spcAft>
-                <a:spcPts val="0"/>
-              </a:spcAft>
-              <a:buNone/>
-            </a:pPr>
+            <a:r>
+              <a:rPr lang="en-CA" dirty="0"/>
+              <a:t>s</a:t>
+            </a:r>
             <a:r>
               <a:rPr lang="en" dirty="0"/>
-              <a:t>dt/dx=h*(T-T_ext)/(M_dot*K ) avec T(x=0)=T_in dont la solution est :</a:t>
+              <a:t> est définie par l’équation suivante :</a:t>
             </a:r>
-            <a:endParaRPr dirty="0"/>
-          </a:p>
-          <a:p>
-            <a:pPr marL="0" lvl="0" indent="0" algn="l" rtl="0">
-              <a:spcBef>
-                <a:spcPts val="1600"/>
-              </a:spcBef>
-              <a:spcAft>
-                <a:spcPts val="0"/>
-              </a:spcAft>
-              <a:buNone/>
-            </a:pPr>
-            <a:r>
-              <a:rPr lang="en" dirty="0"/>
-              <a:t>T(x)=T_ext+(T_in-T_ext)*e^(-h/m_dot):</a:t>
-            </a:r>
-            <a:endParaRPr dirty="0"/>
-          </a:p>
-          <a:p>
-            <a:pPr marL="0" lvl="0" indent="0" algn="l" rtl="0">
-              <a:spcBef>
-                <a:spcPts val="1600"/>
-              </a:spcBef>
-              <a:spcAft>
-                <a:spcPts val="0"/>
-              </a:spcAft>
-              <a:buNone/>
-            </a:pPr>
-            <a:r>
-              <a:rPr lang="en" dirty="0"/>
-              <a:t>Où x est la position volumétrique d’une particule de fluide de refroidissement, T_ext la température de l’air servant à refroidir le radiateur, T_in la température à l’entrée du radiateur, h le coefficient de convection par unité de volume.  </a:t>
-            </a:r>
-            <a:endParaRPr dirty="0"/>
-          </a:p>
-          <a:p>
-            <a:pPr marL="0" lvl="0" indent="0" algn="l" rtl="0">
-              <a:spcBef>
-                <a:spcPts val="1600"/>
-              </a:spcBef>
-              <a:spcAft>
-                <a:spcPts val="0"/>
-              </a:spcAft>
-              <a:buNone/>
-            </a:pPr>
-            <a:r>
-              <a:rPr lang="en" dirty="0"/>
-              <a:t>Étant donné que l’on connaît la relation non linéair de la variation de la température en fonction de son déplacement dans le radiateur on peut implémenté directement cette équation dans le modèle de radiateur . Ce qui donne que pour une intégration eulérienne du déplacement de la particule à travers le radiateur nous allons avoir une réponses exact . c’est en effet ce que l’on observe avec une erreur de 1.42E-14 pour une dt quelconque.</a:t>
-            </a:r>
-            <a:endParaRPr dirty="0"/>
-          </a:p>
-          <a:p>
-            <a:pPr marL="0" lvl="0" indent="0" algn="l" rtl="0">
-              <a:spcBef>
-                <a:spcPts val="1600"/>
-              </a:spcBef>
-              <a:spcAft>
-                <a:spcPts val="0"/>
-              </a:spcAft>
-              <a:buNone/>
-            </a:pPr>
-            <a:endParaRPr dirty="0"/>
-          </a:p>
-          <a:p>
-            <a:pPr marL="0" lvl="0" indent="0" algn="l" rtl="0">
-              <a:spcBef>
-                <a:spcPts val="1600"/>
-              </a:spcBef>
-              <a:spcAft>
-                <a:spcPts val="0"/>
-              </a:spcAft>
-              <a:buNone/>
-            </a:pPr>
-            <a:endParaRPr dirty="0"/>
-          </a:p>
-          <a:p>
-            <a:pPr marL="0" lvl="0" indent="0" algn="l" rtl="0">
-              <a:spcBef>
-                <a:spcPts val="1600"/>
-              </a:spcBef>
-              <a:spcAft>
-                <a:spcPts val="0"/>
-              </a:spcAft>
-              <a:buNone/>
-            </a:pPr>
-            <a:endParaRPr dirty="0"/>
-          </a:p>
-          <a:p>
-            <a:pPr marL="0" lvl="0" indent="0" algn="l" rtl="0">
-              <a:spcBef>
-                <a:spcPts val="1600"/>
-              </a:spcBef>
-              <a:spcAft>
-                <a:spcPts val="0"/>
-              </a:spcAft>
-              <a:buNone/>
-            </a:pPr>
-            <a:endParaRPr dirty="0"/>
-          </a:p>
-          <a:p>
-            <a:pPr marL="0" lvl="0" indent="0" algn="l" rtl="0">
-              <a:spcBef>
-                <a:spcPts val="1600"/>
-              </a:spcBef>
-              <a:spcAft>
-                <a:spcPts val="0"/>
-              </a:spcAft>
-              <a:buNone/>
-            </a:pPr>
-            <a:endParaRPr dirty="0"/>
-          </a:p>
-          <a:p>
-            <a:pPr marL="0" lvl="0" indent="0" algn="l" rtl="0">
-              <a:spcBef>
-                <a:spcPts val="1600"/>
-              </a:spcBef>
-              <a:spcAft>
-                <a:spcPts val="0"/>
-              </a:spcAft>
-              <a:buNone/>
-            </a:pPr>
-            <a:endParaRPr dirty="0"/>
-          </a:p>
-          <a:p>
-            <a:pPr marL="0" lvl="0" indent="0" algn="l" rtl="0">
-              <a:spcBef>
-                <a:spcPts val="1600"/>
-              </a:spcBef>
-              <a:spcAft>
-                <a:spcPts val="1600"/>
-              </a:spcAft>
-              <a:buNone/>
-            </a:pPr>
             <a:endParaRPr dirty="0"/>
           </a:p>
         </p:txBody>
@@ -24398,76 +24517,802 @@
           </a:p>
         </p:txBody>
       </p:sp>
-      <mc:AlternateContent xmlns:mc="http://schemas.openxmlformats.org/markup-compatibility/2006">
-        <mc:Choice xmlns:a14="http://schemas.microsoft.com/office/drawing/2010/main" Requires="a14">
-          <p:sp>
-            <p:nvSpPr>
-              <p:cNvPr id="3" name="TextBox 2">
-                <a:extLst>
-                  <a:ext uri="{FF2B5EF4-FFF2-40B4-BE49-F238E27FC236}">
-                    <a16:creationId xmlns:a16="http://schemas.microsoft.com/office/drawing/2014/main" id="{98E28EBD-880B-4091-9960-EA220D11FBE2}"/>
-                  </a:ext>
-                </a:extLst>
-              </p:cNvPr>
-              <p:cNvSpPr txBox="1"/>
-              <p:nvPr/>
-            </p:nvSpPr>
-            <p:spPr>
-              <a:xfrm>
-                <a:off x="6497099" y="136628"/>
-                <a:ext cx="5132925" cy="501356"/>
-              </a:xfrm>
-              <a:prstGeom prst="rect">
-                <a:avLst/>
-              </a:prstGeom>
-              <a:noFill/>
-            </p:spPr>
-            <p:txBody>
-              <a:bodyPr wrap="square" rtlCol="0">
-                <a:spAutoFit/>
-              </a:bodyPr>
-              <a:lstStyle/>
-              <a:p>
-                <a14:m>
-                  <m:oMathPara xmlns:m="http://schemas.openxmlformats.org/officeDocument/2006/math">
-                    <m:oMathParaPr>
-                      <m:jc m:val="centerGroup"/>
-                    </m:oMathParaPr>
+      <p:sp>
+        <p:nvSpPr>
+          <p:cNvPr id="6" name="TextBox 5">
+            <a:extLst>
+              <a:ext uri="{FF2B5EF4-FFF2-40B4-BE49-F238E27FC236}">
+                <a16:creationId xmlns:a16="http://schemas.microsoft.com/office/drawing/2014/main" id="{256FB9EA-09EA-4D19-8EEA-29F085155DE4}"/>
+              </a:ext>
+            </a:extLst>
+          </p:cNvPr>
+          <p:cNvSpPr txBox="1"/>
+          <p:nvPr/>
+        </p:nvSpPr>
+        <p:spPr>
+          <a:xfrm>
+            <a:off x="1297499" y="3418151"/>
+            <a:ext cx="7095001" cy="954107"/>
+          </a:xfrm>
+          <a:prstGeom prst="rect">
+            <a:avLst/>
+          </a:prstGeom>
+          <a:noFill/>
+        </p:spPr>
+        <p:txBody>
+          <a:bodyPr wrap="square" rtlCol="0">
+            <a:spAutoFit/>
+          </a:bodyPr>
+          <a:lstStyle/>
+          <a:p>
+            <a:r>
+              <a:rPr lang="fr-FR" dirty="0">
+                <a:solidFill>
+                  <a:schemeClr val="bg1"/>
+                </a:solidFill>
+              </a:rPr>
+              <a:t>Pour une intégration eulérienne du déplacement de la particule à travers le radiateur la réponse sera exacte. En effectuant la vérification, on arrive à une erreur de 1,42E-14, ce qui nous permet de conclure que le code effectue le calcul correctement.</a:t>
+            </a:r>
+          </a:p>
+          <a:p>
+            <a:endParaRPr lang="en-CA" dirty="0">
+              <a:solidFill>
+                <a:schemeClr val="bg1"/>
+              </a:solidFill>
+            </a:endParaRPr>
+          </a:p>
+        </p:txBody>
+      </p:sp>
+      <p:grpSp>
+        <p:nvGrpSpPr>
+          <p:cNvPr id="9" name="Group 8">
+            <a:extLst>
+              <a:ext uri="{FF2B5EF4-FFF2-40B4-BE49-F238E27FC236}">
+                <a16:creationId xmlns:a16="http://schemas.microsoft.com/office/drawing/2014/main" id="{FB675423-EDF9-4DBC-8194-CBE6E01EEA04}"/>
+              </a:ext>
+            </a:extLst>
+          </p:cNvPr>
+          <p:cNvGrpSpPr/>
+          <p:nvPr/>
+        </p:nvGrpSpPr>
+        <p:grpSpPr>
+          <a:xfrm>
+            <a:off x="1297498" y="1821145"/>
+            <a:ext cx="7388891" cy="1401602"/>
+            <a:chOff x="1003610" y="1967994"/>
+            <a:chExt cx="7682780" cy="1401602"/>
+          </a:xfrm>
+        </p:grpSpPr>
+        <mc:AlternateContent xmlns:mc="http://schemas.openxmlformats.org/markup-compatibility/2006">
+          <mc:Choice xmlns:a14="http://schemas.microsoft.com/office/drawing/2010/main" Requires="a14">
+            <p:sp>
+              <p:nvSpPr>
+                <p:cNvPr id="3" name="TextBox 2">
+                  <a:extLst>
+                    <a:ext uri="{FF2B5EF4-FFF2-40B4-BE49-F238E27FC236}">
+                      <a16:creationId xmlns:a16="http://schemas.microsoft.com/office/drawing/2014/main" id="{98E28EBD-880B-4091-9960-EA220D11FBE2}"/>
+                    </a:ext>
+                  </a:extLst>
+                </p:cNvPr>
+                <p:cNvSpPr txBox="1"/>
+                <p:nvPr/>
+              </p:nvSpPr>
+              <p:spPr>
+                <a:xfrm>
+                  <a:off x="1003610" y="2028140"/>
+                  <a:ext cx="2462603" cy="562718"/>
+                </a:xfrm>
+                <a:prstGeom prst="rect">
+                  <a:avLst/>
+                </a:prstGeom>
+                <a:noFill/>
+              </p:spPr>
+              <p:txBody>
+                <a:bodyPr wrap="square" rtlCol="0">
+                  <a:spAutoFit/>
+                </a:bodyPr>
+                <a:lstStyle/>
+                <a:p>
+                  <a:pPr/>
+                  <a14:m>
+                    <m:oMathPara xmlns:m="http://schemas.openxmlformats.org/officeDocument/2006/math">
+                      <m:oMathParaPr>
+                        <m:jc m:val="centerGroup"/>
+                      </m:oMathParaPr>
+                      <m:oMath xmlns:m="http://schemas.openxmlformats.org/officeDocument/2006/math">
+                        <m:f>
+                          <m:fPr>
+                            <m:ctrlPr>
+                              <a:rPr lang="en-CA" i="1" smtClean="0">
+                                <a:solidFill>
+                                  <a:schemeClr val="bg1"/>
+                                </a:solidFill>
+                                <a:latin typeface="Cambria Math" panose="02040503050406030204" pitchFamily="18" charset="0"/>
+                              </a:rPr>
+                            </m:ctrlPr>
+                          </m:fPr>
+                          <m:num>
+                            <m:r>
+                              <a:rPr lang="fr-CA" b="0" i="1" smtClean="0">
+                                <a:solidFill>
+                                  <a:schemeClr val="bg1"/>
+                                </a:solidFill>
+                                <a:latin typeface="Cambria Math" panose="02040503050406030204" pitchFamily="18" charset="0"/>
+                              </a:rPr>
+                              <m:t>𝑑𝑡</m:t>
+                            </m:r>
+                          </m:num>
+                          <m:den>
+                            <m:r>
+                              <a:rPr lang="fr-CA" b="0" i="1" smtClean="0">
+                                <a:solidFill>
+                                  <a:schemeClr val="bg1"/>
+                                </a:solidFill>
+                                <a:latin typeface="Cambria Math" panose="02040503050406030204" pitchFamily="18" charset="0"/>
+                              </a:rPr>
+                              <m:t>𝑑𝑥</m:t>
+                            </m:r>
+                          </m:den>
+                        </m:f>
+                        <m:r>
+                          <a:rPr lang="fr-CA" b="0" i="1" smtClean="0">
+                            <a:solidFill>
+                              <a:schemeClr val="bg1"/>
+                            </a:solidFill>
+                            <a:latin typeface="Cambria Math" panose="02040503050406030204" pitchFamily="18" charset="0"/>
+                          </a:rPr>
+                          <m:t>=</m:t>
+                        </m:r>
+                        <m:f>
+                          <m:fPr>
+                            <m:ctrlPr>
+                              <a:rPr lang="fr-CA" b="0" i="1" smtClean="0">
+                                <a:solidFill>
+                                  <a:schemeClr val="bg1"/>
+                                </a:solidFill>
+                                <a:latin typeface="Cambria Math" panose="02040503050406030204" pitchFamily="18" charset="0"/>
+                              </a:rPr>
+                            </m:ctrlPr>
+                          </m:fPr>
+                          <m:num>
+                            <m:r>
+                              <a:rPr lang="fr-CA" i="1">
+                                <a:solidFill>
+                                  <a:schemeClr val="bg1"/>
+                                </a:solidFill>
+                                <a:latin typeface="Cambria Math" panose="02040503050406030204" pitchFamily="18" charset="0"/>
+                              </a:rPr>
+                              <m:t>h</m:t>
+                            </m:r>
+                            <m:r>
+                              <a:rPr lang="fr-CA" i="1">
+                                <a:solidFill>
+                                  <a:schemeClr val="bg1"/>
+                                </a:solidFill>
+                                <a:latin typeface="Cambria Math" panose="02040503050406030204" pitchFamily="18" charset="0"/>
+                              </a:rPr>
+                              <m:t> ∗(</m:t>
+                            </m:r>
+                            <m:r>
+                              <a:rPr lang="fr-CA" i="1">
+                                <a:solidFill>
+                                  <a:schemeClr val="bg1"/>
+                                </a:solidFill>
+                                <a:latin typeface="Cambria Math" panose="02040503050406030204" pitchFamily="18" charset="0"/>
+                              </a:rPr>
+                              <m:t>𝑇</m:t>
+                            </m:r>
+                            <m:r>
+                              <a:rPr lang="fr-CA" i="1">
+                                <a:solidFill>
+                                  <a:schemeClr val="bg1"/>
+                                </a:solidFill>
+                                <a:latin typeface="Cambria Math" panose="02040503050406030204" pitchFamily="18" charset="0"/>
+                              </a:rPr>
+                              <m:t> − </m:t>
+                            </m:r>
+                            <m:sSub>
+                              <m:sSubPr>
+                                <m:ctrlPr>
+                                  <a:rPr lang="fr-CA" i="1">
+                                    <a:solidFill>
+                                      <a:schemeClr val="bg1"/>
+                                    </a:solidFill>
+                                    <a:latin typeface="Cambria Math" panose="02040503050406030204" pitchFamily="18" charset="0"/>
+                                  </a:rPr>
+                                </m:ctrlPr>
+                              </m:sSubPr>
+                              <m:e>
+                                <m:r>
+                                  <a:rPr lang="fr-CA" i="1">
+                                    <a:solidFill>
+                                      <a:schemeClr val="bg1"/>
+                                    </a:solidFill>
+                                    <a:latin typeface="Cambria Math" panose="02040503050406030204" pitchFamily="18" charset="0"/>
+                                  </a:rPr>
+                                  <m:t>𝑇</m:t>
+                                </m:r>
+                              </m:e>
+                              <m:sub>
+                                <m:r>
+                                  <a:rPr lang="fr-CA" i="1">
+                                    <a:solidFill>
+                                      <a:schemeClr val="bg1"/>
+                                    </a:solidFill>
+                                    <a:latin typeface="Cambria Math" panose="02040503050406030204" pitchFamily="18" charset="0"/>
+                                  </a:rPr>
+                                  <m:t>𝑒𝑥𝑡</m:t>
+                                </m:r>
+                              </m:sub>
+                            </m:sSub>
+                            <m:r>
+                              <a:rPr lang="fr-CA" i="1">
+                                <a:solidFill>
+                                  <a:schemeClr val="bg1"/>
+                                </a:solidFill>
+                                <a:latin typeface="Cambria Math" panose="02040503050406030204" pitchFamily="18" charset="0"/>
+                              </a:rPr>
+                              <m:t>)</m:t>
+                            </m:r>
+                          </m:num>
+                          <m:den>
+                            <m:acc>
+                              <m:accPr>
+                                <m:chr m:val="̇"/>
+                                <m:ctrlPr>
+                                  <a:rPr lang="fr-CA" b="0" i="1" smtClean="0">
+                                    <a:solidFill>
+                                      <a:schemeClr val="bg1"/>
+                                    </a:solidFill>
+                                    <a:latin typeface="Cambria Math" panose="02040503050406030204" pitchFamily="18" charset="0"/>
+                                  </a:rPr>
+                                </m:ctrlPr>
+                              </m:accPr>
+                              <m:e>
+                                <m:r>
+                                  <a:rPr lang="fr-CA" b="0" i="1" smtClean="0">
+                                    <a:solidFill>
+                                      <a:schemeClr val="bg1"/>
+                                    </a:solidFill>
+                                    <a:latin typeface="Cambria Math" panose="02040503050406030204" pitchFamily="18" charset="0"/>
+                                  </a:rPr>
+                                  <m:t>𝑚</m:t>
+                                </m:r>
+                              </m:e>
+                            </m:acc>
+                            <m:r>
+                              <a:rPr lang="fr-CA" b="0" i="1" smtClean="0">
+                                <a:solidFill>
+                                  <a:schemeClr val="bg1"/>
+                                </a:solidFill>
+                                <a:latin typeface="Cambria Math" panose="02040503050406030204" pitchFamily="18" charset="0"/>
+                              </a:rPr>
+                              <m:t>∗</m:t>
+                            </m:r>
+                            <m:sSub>
+                              <m:sSubPr>
+                                <m:ctrlPr>
+                                  <a:rPr lang="fr-CA" b="0" i="1" smtClean="0">
+                                    <a:solidFill>
+                                      <a:schemeClr val="bg1"/>
+                                    </a:solidFill>
+                                    <a:latin typeface="Cambria Math" panose="02040503050406030204" pitchFamily="18" charset="0"/>
+                                  </a:rPr>
+                                </m:ctrlPr>
+                              </m:sSubPr>
+                              <m:e>
+                                <m:r>
+                                  <a:rPr lang="fr-CA" b="0" i="1" smtClean="0">
+                                    <a:solidFill>
+                                      <a:schemeClr val="bg1"/>
+                                    </a:solidFill>
+                                    <a:latin typeface="Cambria Math" panose="02040503050406030204" pitchFamily="18" charset="0"/>
+                                  </a:rPr>
+                                  <m:t>𝐶</m:t>
+                                </m:r>
+                              </m:e>
+                              <m:sub>
+                                <m:r>
+                                  <a:rPr lang="fr-CA" b="0" i="1" smtClean="0">
+                                    <a:solidFill>
+                                      <a:schemeClr val="bg1"/>
+                                    </a:solidFill>
+                                    <a:latin typeface="Cambria Math" panose="02040503050406030204" pitchFamily="18" charset="0"/>
+                                  </a:rPr>
+                                  <m:t>𝑝</m:t>
+                                </m:r>
+                              </m:sub>
+                            </m:sSub>
+                          </m:den>
+                        </m:f>
+                      </m:oMath>
+                    </m:oMathPara>
+                  </a14:m>
+                  <a:endParaRPr lang="en-CA" dirty="0">
+                    <a:solidFill>
+                      <a:schemeClr val="bg1"/>
+                    </a:solidFill>
+                  </a:endParaRPr>
+                </a:p>
+              </p:txBody>
+            </p:sp>
+          </mc:Choice>
+          <mc:Fallback>
+            <p:sp>
+              <p:nvSpPr>
+                <p:cNvPr id="3" name="TextBox 2">
+                  <a:extLst>
+                    <a:ext uri="{FF2B5EF4-FFF2-40B4-BE49-F238E27FC236}">
+                      <a16:creationId xmlns:a16="http://schemas.microsoft.com/office/drawing/2014/main" id="{98E28EBD-880B-4091-9960-EA220D11FBE2}"/>
+                    </a:ext>
+                  </a:extLst>
+                </p:cNvPr>
+                <p:cNvSpPr txBox="1">
+                  <a:spLocks noRot="1" noChangeAspect="1" noMove="1" noResize="1" noEditPoints="1" noAdjustHandles="1" noChangeArrowheads="1" noChangeShapeType="1" noTextEdit="1"/>
+                </p:cNvSpPr>
+                <p:nvPr/>
+              </p:nvSpPr>
+              <p:spPr>
+                <a:xfrm>
+                  <a:off x="1003610" y="2028140"/>
+                  <a:ext cx="2462603" cy="562718"/>
+                </a:xfrm>
+                <a:prstGeom prst="rect">
+                  <a:avLst/>
+                </a:prstGeom>
+                <a:blipFill>
+                  <a:blip r:embed="rId5"/>
+                  <a:stretch>
+                    <a:fillRect/>
+                  </a:stretch>
+                </a:blipFill>
+              </p:spPr>
+              <p:txBody>
+                <a:bodyPr/>
+                <a:lstStyle/>
+                <a:p>
+                  <a:r>
+                    <a:rPr lang="en-CA">
+                      <a:noFill/>
+                    </a:rPr>
+                    <a:t> </a:t>
+                  </a:r>
+                </a:p>
+              </p:txBody>
+            </p:sp>
+          </mc:Fallback>
+        </mc:AlternateContent>
+        <mc:AlternateContent xmlns:mc="http://schemas.openxmlformats.org/markup-compatibility/2006">
+          <mc:Choice xmlns:a14="http://schemas.microsoft.com/office/drawing/2010/main" Requires="a14">
+            <p:sp>
+              <p:nvSpPr>
+                <p:cNvPr id="4" name="TextBox 3">
+                  <a:extLst>
+                    <a:ext uri="{FF2B5EF4-FFF2-40B4-BE49-F238E27FC236}">
+                      <a16:creationId xmlns:a16="http://schemas.microsoft.com/office/drawing/2014/main" id="{8C0B45C6-6AA9-4A23-BE97-8C4162176CB5}"/>
+                    </a:ext>
+                  </a:extLst>
+                </p:cNvPr>
+                <p:cNvSpPr txBox="1"/>
+                <p:nvPr/>
+              </p:nvSpPr>
+              <p:spPr>
+                <a:xfrm>
+                  <a:off x="1105787" y="2929140"/>
+                  <a:ext cx="2926681" cy="411908"/>
+                </a:xfrm>
+                <a:prstGeom prst="rect">
+                  <a:avLst/>
+                </a:prstGeom>
+                <a:noFill/>
+              </p:spPr>
+              <p:txBody>
+                <a:bodyPr wrap="square" rtlCol="0">
+                  <a:spAutoFit/>
+                </a:bodyPr>
+                <a:lstStyle/>
+                <a:p>
+                  <a14:m>
+                    <m:oMathPara xmlns:m="http://schemas.openxmlformats.org/officeDocument/2006/math">
+                      <m:oMathParaPr>
+                        <m:jc m:val="centerGroup"/>
+                      </m:oMathParaPr>
+                      <m:oMath xmlns:m="http://schemas.openxmlformats.org/officeDocument/2006/math">
+                        <m:r>
+                          <a:rPr lang="fr-CA" b="0" i="1" smtClean="0">
+                            <a:solidFill>
+                              <a:schemeClr val="bg1"/>
+                            </a:solidFill>
+                            <a:latin typeface="Cambria Math" panose="02040503050406030204" pitchFamily="18" charset="0"/>
+                          </a:rPr>
+                          <m:t>𝑇</m:t>
+                        </m:r>
+                        <m:d>
+                          <m:dPr>
+                            <m:ctrlPr>
+                              <a:rPr lang="fr-CA" b="0" i="1" smtClean="0">
+                                <a:solidFill>
+                                  <a:schemeClr val="bg1"/>
+                                </a:solidFill>
+                                <a:latin typeface="Cambria Math" panose="02040503050406030204" pitchFamily="18" charset="0"/>
+                              </a:rPr>
+                            </m:ctrlPr>
+                          </m:dPr>
+                          <m:e>
+                            <m:r>
+                              <a:rPr lang="fr-CA" b="0" i="1" smtClean="0">
+                                <a:solidFill>
+                                  <a:schemeClr val="bg1"/>
+                                </a:solidFill>
+                                <a:latin typeface="Cambria Math" panose="02040503050406030204" pitchFamily="18" charset="0"/>
+                              </a:rPr>
+                              <m:t>𝑥</m:t>
+                            </m:r>
+                          </m:e>
+                        </m:d>
+                        <m:r>
+                          <a:rPr lang="fr-CA" b="0" i="1" smtClean="0">
+                            <a:solidFill>
+                              <a:schemeClr val="bg1"/>
+                            </a:solidFill>
+                            <a:latin typeface="Cambria Math" panose="02040503050406030204" pitchFamily="18" charset="0"/>
+                          </a:rPr>
+                          <m:t>= </m:t>
+                        </m:r>
+                        <m:sSub>
+                          <m:sSubPr>
+                            <m:ctrlPr>
+                              <a:rPr lang="fr-CA" b="0" i="1" smtClean="0">
+                                <a:solidFill>
+                                  <a:schemeClr val="bg1"/>
+                                </a:solidFill>
+                                <a:latin typeface="Cambria Math" panose="02040503050406030204" pitchFamily="18" charset="0"/>
+                              </a:rPr>
+                            </m:ctrlPr>
+                          </m:sSubPr>
+                          <m:e>
+                            <m:r>
+                              <a:rPr lang="fr-CA" b="0" i="1" smtClean="0">
+                                <a:solidFill>
+                                  <a:schemeClr val="bg1"/>
+                                </a:solidFill>
+                                <a:latin typeface="Cambria Math" panose="02040503050406030204" pitchFamily="18" charset="0"/>
+                              </a:rPr>
+                              <m:t>𝑇</m:t>
+                            </m:r>
+                          </m:e>
+                          <m:sub>
+                            <m:r>
+                              <a:rPr lang="fr-CA" b="0" i="1" smtClean="0">
+                                <a:solidFill>
+                                  <a:schemeClr val="bg1"/>
+                                </a:solidFill>
+                                <a:latin typeface="Cambria Math" panose="02040503050406030204" pitchFamily="18" charset="0"/>
+                              </a:rPr>
+                              <m:t>𝑒𝑥𝑡</m:t>
+                            </m:r>
+                          </m:sub>
+                        </m:sSub>
+                        <m:r>
+                          <a:rPr lang="fr-CA" b="0" i="1" smtClean="0">
+                            <a:solidFill>
+                              <a:schemeClr val="bg1"/>
+                            </a:solidFill>
+                            <a:latin typeface="Cambria Math" panose="02040503050406030204" pitchFamily="18" charset="0"/>
+                          </a:rPr>
+                          <m:t>+(</m:t>
+                        </m:r>
+                        <m:sSub>
+                          <m:sSubPr>
+                            <m:ctrlPr>
+                              <a:rPr lang="fr-CA" b="0" i="1" smtClean="0">
+                                <a:solidFill>
+                                  <a:schemeClr val="bg1"/>
+                                </a:solidFill>
+                                <a:latin typeface="Cambria Math" panose="02040503050406030204" pitchFamily="18" charset="0"/>
+                              </a:rPr>
+                            </m:ctrlPr>
+                          </m:sSubPr>
+                          <m:e>
+                            <m:r>
+                              <a:rPr lang="fr-CA" b="0" i="1" smtClean="0">
+                                <a:solidFill>
+                                  <a:schemeClr val="bg1"/>
+                                </a:solidFill>
+                                <a:latin typeface="Cambria Math" panose="02040503050406030204" pitchFamily="18" charset="0"/>
+                              </a:rPr>
+                              <m:t>𝑇</m:t>
+                            </m:r>
+                          </m:e>
+                          <m:sub>
+                            <m:r>
+                              <a:rPr lang="fr-CA" b="0" i="1" smtClean="0">
+                                <a:solidFill>
+                                  <a:schemeClr val="bg1"/>
+                                </a:solidFill>
+                                <a:latin typeface="Cambria Math" panose="02040503050406030204" pitchFamily="18" charset="0"/>
+                              </a:rPr>
+                              <m:t>𝑖𝑛</m:t>
+                            </m:r>
+                          </m:sub>
+                        </m:sSub>
+                        <m:r>
+                          <a:rPr lang="fr-CA" b="0" i="1" smtClean="0">
+                            <a:solidFill>
+                              <a:schemeClr val="bg1"/>
+                            </a:solidFill>
+                            <a:latin typeface="Cambria Math" panose="02040503050406030204" pitchFamily="18" charset="0"/>
+                          </a:rPr>
+                          <m:t> − </m:t>
+                        </m:r>
+                        <m:sSub>
+                          <m:sSubPr>
+                            <m:ctrlPr>
+                              <a:rPr lang="fr-CA" b="0" i="1" smtClean="0">
+                                <a:solidFill>
+                                  <a:schemeClr val="bg1"/>
+                                </a:solidFill>
+                                <a:latin typeface="Cambria Math" panose="02040503050406030204" pitchFamily="18" charset="0"/>
+                              </a:rPr>
+                            </m:ctrlPr>
+                          </m:sSubPr>
+                          <m:e>
+                            <m:r>
+                              <a:rPr lang="fr-CA" b="0" i="1" smtClean="0">
+                                <a:solidFill>
+                                  <a:schemeClr val="bg1"/>
+                                </a:solidFill>
+                                <a:latin typeface="Cambria Math" panose="02040503050406030204" pitchFamily="18" charset="0"/>
+                              </a:rPr>
+                              <m:t>𝑇</m:t>
+                            </m:r>
+                          </m:e>
+                          <m:sub>
+                            <m:r>
+                              <a:rPr lang="fr-CA" b="0" i="1" smtClean="0">
+                                <a:solidFill>
+                                  <a:schemeClr val="bg1"/>
+                                </a:solidFill>
+                                <a:latin typeface="Cambria Math" panose="02040503050406030204" pitchFamily="18" charset="0"/>
+                              </a:rPr>
+                              <m:t>𝑒𝑥𝑡</m:t>
+                            </m:r>
+                          </m:sub>
+                        </m:sSub>
+                        <m:r>
+                          <a:rPr lang="fr-CA" b="0" i="1" smtClean="0">
+                            <a:solidFill>
+                              <a:schemeClr val="bg1"/>
+                            </a:solidFill>
+                            <a:latin typeface="Cambria Math" panose="02040503050406030204" pitchFamily="18" charset="0"/>
+                          </a:rPr>
+                          <m:t>)</m:t>
+                        </m:r>
+                        <m:sSup>
+                          <m:sSupPr>
+                            <m:ctrlPr>
+                              <a:rPr lang="fr-CA" b="0" i="1" smtClean="0">
+                                <a:solidFill>
+                                  <a:schemeClr val="bg1"/>
+                                </a:solidFill>
+                                <a:latin typeface="Cambria Math" panose="02040503050406030204" pitchFamily="18" charset="0"/>
+                              </a:rPr>
+                            </m:ctrlPr>
+                          </m:sSupPr>
+                          <m:e>
+                            <m:r>
+                              <a:rPr lang="fr-CA" b="0" i="1" smtClean="0">
+                                <a:solidFill>
+                                  <a:schemeClr val="bg1"/>
+                                </a:solidFill>
+                                <a:latin typeface="Cambria Math" panose="02040503050406030204" pitchFamily="18" charset="0"/>
+                              </a:rPr>
+                              <m:t> ∗ </m:t>
+                            </m:r>
+                            <m:r>
+                              <a:rPr lang="fr-CA" b="0" i="1" smtClean="0">
+                                <a:solidFill>
+                                  <a:schemeClr val="bg1"/>
+                                </a:solidFill>
+                                <a:latin typeface="Cambria Math" panose="02040503050406030204" pitchFamily="18" charset="0"/>
+                              </a:rPr>
+                              <m:t>𝑒</m:t>
+                            </m:r>
+                          </m:e>
+                          <m:sup>
+                            <m:f>
+                              <m:fPr>
+                                <m:ctrlPr>
+                                  <a:rPr lang="fr-CA" b="0" i="1" smtClean="0">
+                                    <a:solidFill>
+                                      <a:schemeClr val="bg1"/>
+                                    </a:solidFill>
+                                    <a:latin typeface="Cambria Math" panose="02040503050406030204" pitchFamily="18" charset="0"/>
+                                  </a:rPr>
+                                </m:ctrlPr>
+                              </m:fPr>
+                              <m:num>
+                                <m:r>
+                                  <a:rPr lang="fr-CA" b="0" i="1" smtClean="0">
+                                    <a:solidFill>
+                                      <a:schemeClr val="bg1"/>
+                                    </a:solidFill>
+                                    <a:latin typeface="Cambria Math" panose="02040503050406030204" pitchFamily="18" charset="0"/>
+                                  </a:rPr>
+                                  <m:t>−</m:t>
+                                </m:r>
+                                <m:r>
+                                  <a:rPr lang="fr-CA" b="0" i="1" smtClean="0">
+                                    <a:solidFill>
+                                      <a:schemeClr val="bg1"/>
+                                    </a:solidFill>
+                                    <a:latin typeface="Cambria Math" panose="02040503050406030204" pitchFamily="18" charset="0"/>
+                                  </a:rPr>
+                                  <m:t>h</m:t>
+                                </m:r>
+                              </m:num>
+                              <m:den>
+                                <m:acc>
+                                  <m:accPr>
+                                    <m:chr m:val="̇"/>
+                                    <m:ctrlPr>
+                                      <a:rPr lang="fr-CA" b="0" i="1" smtClean="0">
+                                        <a:solidFill>
+                                          <a:schemeClr val="bg1"/>
+                                        </a:solidFill>
+                                        <a:latin typeface="Cambria Math" panose="02040503050406030204" pitchFamily="18" charset="0"/>
+                                      </a:rPr>
+                                    </m:ctrlPr>
+                                  </m:accPr>
+                                  <m:e>
+                                    <m:r>
+                                      <a:rPr lang="fr-CA" b="0" i="1" smtClean="0">
+                                        <a:solidFill>
+                                          <a:schemeClr val="bg1"/>
+                                        </a:solidFill>
+                                        <a:latin typeface="Cambria Math" panose="02040503050406030204" pitchFamily="18" charset="0"/>
+                                      </a:rPr>
+                                      <m:t>𝑚</m:t>
+                                    </m:r>
+                                  </m:e>
+                                </m:acc>
+                              </m:den>
+                            </m:f>
+                          </m:sup>
+                        </m:sSup>
+                      </m:oMath>
+                    </m:oMathPara>
+                  </a14:m>
+                  <a:endParaRPr lang="en-CA" dirty="0">
+                    <a:solidFill>
+                      <a:schemeClr val="bg1"/>
+                    </a:solidFill>
+                  </a:endParaRPr>
+                </a:p>
+              </p:txBody>
+            </p:sp>
+          </mc:Choice>
+          <mc:Fallback>
+            <p:sp>
+              <p:nvSpPr>
+                <p:cNvPr id="4" name="TextBox 3">
+                  <a:extLst>
+                    <a:ext uri="{FF2B5EF4-FFF2-40B4-BE49-F238E27FC236}">
+                      <a16:creationId xmlns:a16="http://schemas.microsoft.com/office/drawing/2014/main" id="{8C0B45C6-6AA9-4A23-BE97-8C4162176CB5}"/>
+                    </a:ext>
+                  </a:extLst>
+                </p:cNvPr>
+                <p:cNvSpPr txBox="1">
+                  <a:spLocks noRot="1" noChangeAspect="1" noMove="1" noResize="1" noEditPoints="1" noAdjustHandles="1" noChangeArrowheads="1" noChangeShapeType="1" noTextEdit="1"/>
+                </p:cNvSpPr>
+                <p:nvPr/>
+              </p:nvSpPr>
+              <p:spPr>
+                <a:xfrm>
+                  <a:off x="1105787" y="2929140"/>
+                  <a:ext cx="2926681" cy="411908"/>
+                </a:xfrm>
+                <a:prstGeom prst="rect">
+                  <a:avLst/>
+                </a:prstGeom>
+                <a:blipFill>
+                  <a:blip r:embed="rId6"/>
+                  <a:stretch>
+                    <a:fillRect b="-5882"/>
+                  </a:stretch>
+                </a:blipFill>
+              </p:spPr>
+              <p:txBody>
+                <a:bodyPr/>
+                <a:lstStyle/>
+                <a:p>
+                  <a:r>
+                    <a:rPr lang="en-CA">
+                      <a:noFill/>
+                    </a:rPr>
+                    <a:t> </a:t>
+                  </a:r>
+                </a:p>
+              </p:txBody>
+            </p:sp>
+          </mc:Fallback>
+        </mc:AlternateContent>
+        <p:sp>
+          <p:nvSpPr>
+            <p:cNvPr id="7" name="TextBox 6">
+              <a:extLst>
+                <a:ext uri="{FF2B5EF4-FFF2-40B4-BE49-F238E27FC236}">
+                  <a16:creationId xmlns:a16="http://schemas.microsoft.com/office/drawing/2014/main" id="{5AE5E1B6-60EB-43B0-853A-AD697428C51F}"/>
+                </a:ext>
+              </a:extLst>
+            </p:cNvPr>
+            <p:cNvSpPr txBox="1"/>
+            <p:nvPr/>
+          </p:nvSpPr>
+          <p:spPr>
+            <a:xfrm>
+              <a:off x="1341775" y="2621363"/>
+              <a:ext cx="1902070" cy="307777"/>
+            </a:xfrm>
+            <a:prstGeom prst="rect">
+              <a:avLst/>
+            </a:prstGeom>
+            <a:noFill/>
+          </p:spPr>
+          <p:txBody>
+            <a:bodyPr wrap="square" rtlCol="0">
+              <a:spAutoFit/>
+            </a:bodyPr>
+            <a:lstStyle/>
+            <a:p>
+              <a:r>
+                <a:rPr lang="fr-CA" dirty="0">
+                  <a:solidFill>
+                    <a:schemeClr val="bg1"/>
+                  </a:solidFill>
+                </a:rPr>
+                <a:t>dont la solution est : </a:t>
+              </a:r>
+              <a:endParaRPr lang="en-CA" dirty="0">
+                <a:solidFill>
+                  <a:schemeClr val="bg1"/>
+                </a:solidFill>
+              </a:endParaRPr>
+            </a:p>
+          </p:txBody>
+        </p:sp>
+        <mc:AlternateContent xmlns:mc="http://schemas.openxmlformats.org/markup-compatibility/2006">
+          <mc:Choice xmlns:a14="http://schemas.microsoft.com/office/drawing/2010/main" Requires="a14">
+            <p:sp>
+              <p:nvSpPr>
+                <p:cNvPr id="8" name="TextBox 7">
+                  <a:extLst>
+                    <a:ext uri="{FF2B5EF4-FFF2-40B4-BE49-F238E27FC236}">
+                      <a16:creationId xmlns:a16="http://schemas.microsoft.com/office/drawing/2014/main" id="{CE81B177-78A4-4F1C-BA19-4364761D4C0E}"/>
+                    </a:ext>
+                  </a:extLst>
+                </p:cNvPr>
+                <p:cNvSpPr txBox="1"/>
+                <p:nvPr/>
+              </p:nvSpPr>
+              <p:spPr>
+                <a:xfrm>
+                  <a:off x="4430553" y="1967994"/>
+                  <a:ext cx="4255837" cy="1401602"/>
+                </a:xfrm>
+                <a:prstGeom prst="rect">
+                  <a:avLst/>
+                </a:prstGeom>
+                <a:noFill/>
+              </p:spPr>
+              <p:txBody>
+                <a:bodyPr wrap="square" rtlCol="0">
+                  <a:spAutoFit/>
+                </a:bodyPr>
+                <a:lstStyle/>
+                <a:p>
+                  <a14:m>
                     <m:oMath xmlns:m="http://schemas.openxmlformats.org/officeDocument/2006/math">
-                      <m:f>
-                        <m:fPr>
-                          <m:ctrlPr>
-                            <a:rPr lang="en-CA" i="1" smtClean="0">
-                              <a:solidFill>
-                                <a:schemeClr val="bg1"/>
-                              </a:solidFill>
-                              <a:latin typeface="Cambria Math" panose="02040503050406030204" pitchFamily="18" charset="0"/>
-                            </a:rPr>
-                          </m:ctrlPr>
-                        </m:fPr>
-                        <m:num>
-                          <m:r>
-                            <a:rPr lang="fr-CA" b="0" i="1" smtClean="0">
-                              <a:solidFill>
-                                <a:schemeClr val="bg1"/>
-                              </a:solidFill>
-                              <a:latin typeface="Cambria Math" panose="02040503050406030204" pitchFamily="18" charset="0"/>
-                            </a:rPr>
-                            <m:t>𝑑𝑡</m:t>
-                          </m:r>
-                        </m:num>
-                        <m:den>
-                          <m:r>
-                            <a:rPr lang="fr-CA" b="0" i="1" smtClean="0">
-                              <a:solidFill>
-                                <a:schemeClr val="bg1"/>
-                              </a:solidFill>
-                              <a:latin typeface="Cambria Math" panose="02040503050406030204" pitchFamily="18" charset="0"/>
-                            </a:rPr>
-                            <m:t>𝑑𝑥</m:t>
-                          </m:r>
-                        </m:den>
-                      </m:f>
                       <m:r>
                         <a:rPr lang="fr-CA" b="0" i="1" smtClean="0">
                           <a:solidFill>
@@ -24475,48 +25320,71 @@
                           </a:solidFill>
                           <a:latin typeface="Cambria Math" panose="02040503050406030204" pitchFamily="18" charset="0"/>
                         </a:rPr>
-                        <m:t>=</m:t>
+                        <m:t>𝑥</m:t>
                       </m:r>
-                      <m:r>
-                        <a:rPr lang="fr-CA" b="0" i="1" smtClean="0">
-                          <a:solidFill>
-                            <a:schemeClr val="bg1"/>
-                          </a:solidFill>
-                          <a:latin typeface="Cambria Math" panose="02040503050406030204" pitchFamily="18" charset="0"/>
-                        </a:rPr>
-                        <m:t>h</m:t>
-                      </m:r>
-                      <m:r>
-                        <a:rPr lang="fr-CA" b="0" i="1" smtClean="0">
-                          <a:solidFill>
-                            <a:schemeClr val="bg1"/>
-                          </a:solidFill>
-                          <a:latin typeface="Cambria Math" panose="02040503050406030204" pitchFamily="18" charset="0"/>
-                        </a:rPr>
-                        <m:t> ∗(</m:t>
-                      </m:r>
-                      <m:r>
-                        <a:rPr lang="fr-CA" b="0" i="1" smtClean="0">
-                          <a:solidFill>
-                            <a:schemeClr val="bg1"/>
-                          </a:solidFill>
-                          <a:latin typeface="Cambria Math" panose="02040503050406030204" pitchFamily="18" charset="0"/>
-                        </a:rPr>
-                        <m:t>𝑇</m:t>
-                      </m:r>
-                      <m:r>
-                        <a:rPr lang="fr-CA" b="0" i="1" smtClean="0">
-                          <a:solidFill>
-                            <a:schemeClr val="bg1"/>
-                          </a:solidFill>
-                          <a:latin typeface="Cambria Math" panose="02040503050406030204" pitchFamily="18" charset="0"/>
-                        </a:rPr>
-                        <m:t> − </m:t>
-                      </m:r>
+                    </m:oMath>
+                  </a14:m>
+                  <a:r>
+                    <a:rPr lang="en-CA" dirty="0">
+                      <a:solidFill>
+                        <a:schemeClr val="bg1"/>
+                      </a:solidFill>
+                    </a:rPr>
+                    <a:t> : position </a:t>
+                  </a:r>
+                  <a:r>
+                    <a:rPr lang="en-CA" dirty="0" err="1">
+                      <a:solidFill>
+                        <a:schemeClr val="bg1"/>
+                      </a:solidFill>
+                    </a:rPr>
+                    <a:t>volumétrique</a:t>
+                  </a:r>
+                  <a:r>
+                    <a:rPr lang="en-CA" dirty="0">
+                      <a:solidFill>
+                        <a:schemeClr val="bg1"/>
+                      </a:solidFill>
+                    </a:rPr>
+                    <a:t> </a:t>
+                  </a:r>
+                  <a:r>
+                    <a:rPr lang="en-CA" dirty="0" err="1">
+                      <a:solidFill>
+                        <a:schemeClr val="bg1"/>
+                      </a:solidFill>
+                    </a:rPr>
+                    <a:t>d’une</a:t>
+                  </a:r>
+                  <a:r>
+                    <a:rPr lang="en-CA" dirty="0">
+                      <a:solidFill>
+                        <a:schemeClr val="bg1"/>
+                      </a:solidFill>
+                    </a:rPr>
+                    <a:t> </a:t>
+                  </a:r>
+                  <a:r>
+                    <a:rPr lang="en-CA" dirty="0" err="1">
+                      <a:solidFill>
+                        <a:schemeClr val="bg1"/>
+                      </a:solidFill>
+                    </a:rPr>
+                    <a:t>particule</a:t>
+                  </a:r>
+                  <a:endParaRPr lang="en-CA" dirty="0">
+                    <a:solidFill>
+                      <a:schemeClr val="bg1"/>
+                    </a:solidFill>
+                  </a:endParaRPr>
+                </a:p>
+                <a:p>
+                  <a14:m>
+                    <m:oMath xmlns:m="http://schemas.openxmlformats.org/officeDocument/2006/math">
                       <m:sSub>
                         <m:sSubPr>
                           <m:ctrlPr>
-                            <a:rPr lang="fr-CA" b="0" i="1" smtClean="0">
+                            <a:rPr lang="en-CA" i="1" smtClean="0">
                               <a:solidFill>
                                 <a:schemeClr val="bg1"/>
                               </a:solidFill>
@@ -24548,62 +25416,325 @@
                         </m:sub>
                       </m:sSub>
                     </m:oMath>
-                  </m:oMathPara>
-                </a14:m>
-                <a:endParaRPr lang="en-CA" dirty="0">
-                  <a:solidFill>
-                    <a:schemeClr val="bg1"/>
-                  </a:solidFill>
-                </a:endParaRPr>
-              </a:p>
-            </p:txBody>
-          </p:sp>
-        </mc:Choice>
-        <mc:Fallback>
-          <p:sp>
-            <p:nvSpPr>
-              <p:cNvPr id="3" name="TextBox 2">
-                <a:extLst>
-                  <a:ext uri="{FF2B5EF4-FFF2-40B4-BE49-F238E27FC236}">
-                    <a16:creationId xmlns:a16="http://schemas.microsoft.com/office/drawing/2014/main" id="{98E28EBD-880B-4091-9960-EA220D11FBE2}"/>
-                  </a:ext>
-                </a:extLst>
-              </p:cNvPr>
-              <p:cNvSpPr txBox="1">
-                <a:spLocks noRot="1" noChangeAspect="1" noMove="1" noResize="1" noEditPoints="1" noAdjustHandles="1" noChangeArrowheads="1" noChangeShapeType="1" noTextEdit="1"/>
-              </p:cNvSpPr>
-              <p:nvPr/>
-            </p:nvSpPr>
-            <p:spPr>
-              <a:xfrm>
-                <a:off x="6497099" y="136628"/>
-                <a:ext cx="5132925" cy="501356"/>
-              </a:xfrm>
-              <a:prstGeom prst="rect">
-                <a:avLst/>
-              </a:prstGeom>
-              <a:blipFill>
-                <a:blip r:embed="rId5"/>
-                <a:stretch>
-                  <a:fillRect b="-1205"/>
-                </a:stretch>
-              </a:blipFill>
-            </p:spPr>
-            <p:txBody>
-              <a:bodyPr/>
-              <a:lstStyle/>
-              <a:p>
-                <a:r>
-                  <a:rPr lang="en-CA">
-                    <a:noFill/>
-                  </a:rPr>
-                  <a:t> </a:t>
-                </a:r>
-              </a:p>
-            </p:txBody>
-          </p:sp>
-        </mc:Fallback>
-      </mc:AlternateContent>
+                  </a14:m>
+                  <a:r>
+                    <a:rPr lang="en-CA" dirty="0">
+                      <a:solidFill>
+                        <a:schemeClr val="bg1"/>
+                      </a:solidFill>
+                    </a:rPr>
+                    <a:t> : temperature de </a:t>
+                  </a:r>
+                  <a:r>
+                    <a:rPr lang="en-CA" dirty="0" err="1">
+                      <a:solidFill>
+                        <a:schemeClr val="bg1"/>
+                      </a:solidFill>
+                    </a:rPr>
+                    <a:t>l’air</a:t>
+                  </a:r>
+                  <a:r>
+                    <a:rPr lang="en-CA" dirty="0">
+                      <a:solidFill>
+                        <a:schemeClr val="bg1"/>
+                      </a:solidFill>
+                    </a:rPr>
+                    <a:t> ambient</a:t>
+                  </a:r>
+                </a:p>
+                <a:p>
+                  <a14:m>
+                    <m:oMath xmlns:m="http://schemas.openxmlformats.org/officeDocument/2006/math">
+                      <m:sSub>
+                        <m:sSubPr>
+                          <m:ctrlPr>
+                            <a:rPr lang="fr-CA" b="0" i="1" smtClean="0">
+                              <a:solidFill>
+                                <a:schemeClr val="bg1"/>
+                              </a:solidFill>
+                              <a:latin typeface="Cambria Math" panose="02040503050406030204" pitchFamily="18" charset="0"/>
+                            </a:rPr>
+                          </m:ctrlPr>
+                        </m:sSubPr>
+                        <m:e>
+                          <m:r>
+                            <a:rPr lang="fr-CA" b="0" i="1" smtClean="0">
+                              <a:solidFill>
+                                <a:schemeClr val="bg1"/>
+                              </a:solidFill>
+                              <a:latin typeface="Cambria Math" panose="02040503050406030204" pitchFamily="18" charset="0"/>
+                            </a:rPr>
+                            <m:t>𝑇</m:t>
+                          </m:r>
+                        </m:e>
+                        <m:sub>
+                          <m:r>
+                            <a:rPr lang="fr-CA" b="0" i="1" smtClean="0">
+                              <a:solidFill>
+                                <a:schemeClr val="bg1"/>
+                              </a:solidFill>
+                              <a:latin typeface="Cambria Math" panose="02040503050406030204" pitchFamily="18" charset="0"/>
+                            </a:rPr>
+                            <m:t>𝑖𝑛</m:t>
+                          </m:r>
+                        </m:sub>
+                      </m:sSub>
+                    </m:oMath>
+                  </a14:m>
+                  <a:r>
+                    <a:rPr lang="en-CA" dirty="0">
+                      <a:solidFill>
+                        <a:schemeClr val="bg1"/>
+                      </a:solidFill>
+                    </a:rPr>
+                    <a:t> : temperature à </a:t>
+                  </a:r>
+                  <a:r>
+                    <a:rPr lang="en-CA" dirty="0" err="1">
+                      <a:solidFill>
+                        <a:schemeClr val="bg1"/>
+                      </a:solidFill>
+                    </a:rPr>
+                    <a:t>l’entrée</a:t>
+                  </a:r>
+                  <a:r>
+                    <a:rPr lang="en-CA" dirty="0">
+                      <a:solidFill>
+                        <a:schemeClr val="bg1"/>
+                      </a:solidFill>
+                    </a:rPr>
+                    <a:t> du </a:t>
+                  </a:r>
+                  <a:r>
+                    <a:rPr lang="en-CA" dirty="0" err="1">
+                      <a:solidFill>
+                        <a:schemeClr val="bg1"/>
+                      </a:solidFill>
+                    </a:rPr>
+                    <a:t>radiateur</a:t>
+                  </a:r>
+                  <a:endParaRPr lang="en-CA" dirty="0">
+                    <a:solidFill>
+                      <a:schemeClr val="bg1"/>
+                    </a:solidFill>
+                  </a:endParaRPr>
+                </a:p>
+                <a:p>
+                  <a14:m>
+                    <m:oMath xmlns:m="http://schemas.openxmlformats.org/officeDocument/2006/math">
+                      <m:r>
+                        <a:rPr lang="fr-CA" b="0" i="1" smtClean="0">
+                          <a:solidFill>
+                            <a:schemeClr val="bg1"/>
+                          </a:solidFill>
+                          <a:latin typeface="Cambria Math" panose="02040503050406030204" pitchFamily="18" charset="0"/>
+                        </a:rPr>
+                        <m:t>h</m:t>
+                      </m:r>
+                    </m:oMath>
+                  </a14:m>
+                  <a:r>
+                    <a:rPr lang="en-CA" dirty="0">
+                      <a:solidFill>
+                        <a:schemeClr val="bg1"/>
+                      </a:solidFill>
+                    </a:rPr>
+                    <a:t> : coefficient de convection par unite de volume</a:t>
+                  </a:r>
+                </a:p>
+                <a:p>
+                  <a14:m>
+                    <m:oMath xmlns:m="http://schemas.openxmlformats.org/officeDocument/2006/math">
+                      <m:acc>
+                        <m:accPr>
+                          <m:chr m:val="̇"/>
+                          <m:ctrlPr>
+                            <a:rPr lang="en-CA" i="1" smtClean="0">
+                              <a:solidFill>
+                                <a:schemeClr val="bg1"/>
+                              </a:solidFill>
+                              <a:latin typeface="Cambria Math" panose="02040503050406030204" pitchFamily="18" charset="0"/>
+                            </a:rPr>
+                          </m:ctrlPr>
+                        </m:accPr>
+                        <m:e>
+                          <m:r>
+                            <a:rPr lang="fr-CA" b="0" i="1" smtClean="0">
+                              <a:solidFill>
+                                <a:schemeClr val="bg1"/>
+                              </a:solidFill>
+                              <a:latin typeface="Cambria Math" panose="02040503050406030204" pitchFamily="18" charset="0"/>
+                            </a:rPr>
+                            <m:t>𝑚</m:t>
+                          </m:r>
+                        </m:e>
+                      </m:acc>
+                    </m:oMath>
+                  </a14:m>
+                  <a:r>
+                    <a:rPr lang="en-CA" dirty="0">
+                      <a:solidFill>
+                        <a:schemeClr val="bg1"/>
+                      </a:solidFill>
+                    </a:rPr>
+                    <a:t> : </a:t>
+                  </a:r>
+                  <a:r>
+                    <a:rPr lang="en-CA" dirty="0" err="1">
+                      <a:solidFill>
+                        <a:schemeClr val="bg1"/>
+                      </a:solidFill>
+                    </a:rPr>
+                    <a:t>débit</a:t>
+                  </a:r>
+                  <a:r>
+                    <a:rPr lang="en-CA" dirty="0">
+                      <a:solidFill>
+                        <a:schemeClr val="bg1"/>
+                      </a:solidFill>
+                    </a:rPr>
+                    <a:t> </a:t>
+                  </a:r>
+                  <a:r>
+                    <a:rPr lang="en-CA" dirty="0" err="1">
+                      <a:solidFill>
+                        <a:schemeClr val="bg1"/>
+                      </a:solidFill>
+                    </a:rPr>
+                    <a:t>massique</a:t>
+                  </a:r>
+                  <a:endParaRPr lang="en-CA" dirty="0">
+                    <a:solidFill>
+                      <a:schemeClr val="bg1"/>
+                    </a:solidFill>
+                  </a:endParaRPr>
+                </a:p>
+                <a:p>
+                  <a14:m>
+                    <m:oMath xmlns:m="http://schemas.openxmlformats.org/officeDocument/2006/math">
+                      <m:sSub>
+                        <m:sSubPr>
+                          <m:ctrlPr>
+                            <a:rPr lang="en-CA" i="1" smtClean="0">
+                              <a:solidFill>
+                                <a:schemeClr val="bg1"/>
+                              </a:solidFill>
+                              <a:latin typeface="Cambria Math" panose="02040503050406030204" pitchFamily="18" charset="0"/>
+                            </a:rPr>
+                          </m:ctrlPr>
+                        </m:sSubPr>
+                        <m:e>
+                          <m:r>
+                            <a:rPr lang="fr-CA" b="0" i="1" smtClean="0">
+                              <a:solidFill>
+                                <a:schemeClr val="bg1"/>
+                              </a:solidFill>
+                              <a:latin typeface="Cambria Math" panose="02040503050406030204" pitchFamily="18" charset="0"/>
+                            </a:rPr>
+                            <m:t>𝐶</m:t>
+                          </m:r>
+                        </m:e>
+                        <m:sub>
+                          <m:r>
+                            <a:rPr lang="fr-CA" b="0" i="1" smtClean="0">
+                              <a:solidFill>
+                                <a:schemeClr val="bg1"/>
+                              </a:solidFill>
+                              <a:latin typeface="Cambria Math" panose="02040503050406030204" pitchFamily="18" charset="0"/>
+                            </a:rPr>
+                            <m:t>𝑝</m:t>
+                          </m:r>
+                        </m:sub>
+                      </m:sSub>
+                    </m:oMath>
+                  </a14:m>
+                  <a:r>
+                    <a:rPr lang="en-CA" dirty="0">
+                      <a:solidFill>
+                        <a:schemeClr val="bg1"/>
+                      </a:solidFill>
+                    </a:rPr>
+                    <a:t> : </a:t>
+                  </a:r>
+                  <a:r>
+                    <a:rPr lang="en-CA" dirty="0" err="1">
+                      <a:solidFill>
+                        <a:schemeClr val="bg1"/>
+                      </a:solidFill>
+                    </a:rPr>
+                    <a:t>chaleur</a:t>
+                  </a:r>
+                  <a:r>
+                    <a:rPr lang="en-CA" dirty="0">
+                      <a:solidFill>
+                        <a:schemeClr val="bg1"/>
+                      </a:solidFill>
+                    </a:rPr>
+                    <a:t> </a:t>
+                  </a:r>
+                  <a:r>
+                    <a:rPr lang="en-CA" dirty="0" err="1">
+                      <a:solidFill>
+                        <a:schemeClr val="bg1"/>
+                      </a:solidFill>
+                    </a:rPr>
+                    <a:t>spécifique</a:t>
+                  </a:r>
+                  <a:endParaRPr lang="en-CA" dirty="0">
+                    <a:solidFill>
+                      <a:schemeClr val="bg1"/>
+                    </a:solidFill>
+                  </a:endParaRPr>
+                </a:p>
+              </p:txBody>
+            </p:sp>
+          </mc:Choice>
+          <mc:Fallback>
+            <p:sp>
+              <p:nvSpPr>
+                <p:cNvPr id="8" name="TextBox 7">
+                  <a:extLst>
+                    <a:ext uri="{FF2B5EF4-FFF2-40B4-BE49-F238E27FC236}">
+                      <a16:creationId xmlns:a16="http://schemas.microsoft.com/office/drawing/2014/main" id="{CE81B177-78A4-4F1C-BA19-4364761D4C0E}"/>
+                    </a:ext>
+                  </a:extLst>
+                </p:cNvPr>
+                <p:cNvSpPr txBox="1">
+                  <a:spLocks noRot="1" noChangeAspect="1" noMove="1" noResize="1" noEditPoints="1" noAdjustHandles="1" noChangeArrowheads="1" noChangeShapeType="1" noTextEdit="1"/>
+                </p:cNvSpPr>
+                <p:nvPr/>
+              </p:nvSpPr>
+              <p:spPr>
+                <a:xfrm>
+                  <a:off x="4430553" y="1967994"/>
+                  <a:ext cx="4255837" cy="1401602"/>
+                </a:xfrm>
+                <a:prstGeom prst="rect">
+                  <a:avLst/>
+                </a:prstGeom>
+                <a:blipFill>
+                  <a:blip r:embed="rId7"/>
+                  <a:stretch>
+                    <a:fillRect t="-870" b="-2174"/>
+                  </a:stretch>
+                </a:blipFill>
+              </p:spPr>
+              <p:txBody>
+                <a:bodyPr/>
+                <a:lstStyle/>
+                <a:p>
+                  <a:r>
+                    <a:rPr lang="en-CA">
+                      <a:noFill/>
+                    </a:rPr>
+                    <a:t> </a:t>
+                  </a:r>
+                </a:p>
+              </p:txBody>
+            </p:sp>
+          </mc:Fallback>
+        </mc:AlternateContent>
+      </p:grpSp>
     </p:spTree>
   </p:cSld>
   <p:clrMapOvr>
@@ -24667,10 +25798,10 @@
               <a:buNone/>
             </a:pPr>
             <a:r>
-              <a:rPr lang="en"/>
+              <a:rPr lang="en" sz="2800" dirty="0"/>
               <a:t>Vérification de code - Moteur sans vapeur</a:t>
             </a:r>
-            <a:endParaRPr/>
+            <a:endParaRPr sz="2800" dirty="0"/>
           </a:p>
         </p:txBody>
       </p:sp>
@@ -24689,8 +25820,8 @@
         </p:nvSpPr>
         <p:spPr>
           <a:xfrm>
-            <a:off x="1297500" y="1567550"/>
-            <a:ext cx="7038900" cy="2911200"/>
+            <a:off x="1297500" y="1401647"/>
+            <a:ext cx="7038900" cy="627276"/>
           </a:xfrm>
           <a:prstGeom prst="rect">
             <a:avLst/>
@@ -24712,58 +25843,10 @@
               <a:buNone/>
             </a:pPr>
             <a:r>
-              <a:rPr lang="en"/>
-              <a:t>La solution de la variation de température à travers une source de chaleur constante est connue et est définie par : dT=Q_dot/(M_dot*K)</a:t>
+              <a:rPr lang="en" dirty="0"/>
+              <a:t>La solution de la variation de température à travers une source de chaleur constante est connue et est définie par :</a:t>
             </a:r>
-            <a:endParaRPr/>
-          </a:p>
-          <a:p>
-            <a:pPr marL="0" lvl="0" indent="0" algn="l" rtl="0">
-              <a:spcBef>
-                <a:spcPts val="1600"/>
-              </a:spcBef>
-              <a:spcAft>
-                <a:spcPts val="0"/>
-              </a:spcAft>
-              <a:buNone/>
-            </a:pPr>
-            <a:r>
-              <a:rPr lang="en"/>
-              <a:t>Puisque la génération de chaleur est uniforme dans le moteur,  la solution de la variation de la température dans le moteur est une droite. Cette droite peut donc être résolue de manière exacte par une discrétisation  lagrangien du liquide de refroidissement et une intégration eulérienne de la variation de température à travers le moteur.</a:t>
-            </a:r>
-            <a:endParaRPr/>
-          </a:p>
-          <a:p>
-            <a:pPr marL="0" lvl="0" indent="0" algn="l" rtl="0">
-              <a:spcBef>
-                <a:spcPts val="1600"/>
-              </a:spcBef>
-              <a:spcAft>
-                <a:spcPts val="0"/>
-              </a:spcAft>
-              <a:buNone/>
-            </a:pPr>
-            <a:r>
-              <a:rPr lang="en"/>
-              <a:t>Afin de vérifier la solution, une particule de fluide est suivie à travers le moteur et on vérifie que la variation de température de celle-ci donne bien la solution exacte décrite plus haut dans le cas d’une génération de chaleur constante à débit constante.</a:t>
-            </a:r>
-            <a:endParaRPr/>
-          </a:p>
-          <a:p>
-            <a:pPr marL="0" lvl="0" indent="0" algn="l" rtl="0">
-              <a:spcBef>
-                <a:spcPts val="1600"/>
-              </a:spcBef>
-              <a:spcAft>
-                <a:spcPts val="1600"/>
-              </a:spcAft>
-              <a:buNone/>
-            </a:pPr>
-            <a:r>
-              <a:rPr lang="en"/>
-              <a:t>En effet, la solution ainsi obtenue donne une erreur de 1.5E-15 ce qui se trouve au zéro machine.</a:t>
-            </a:r>
-            <a:endParaRPr/>
+            <a:endParaRPr dirty="0"/>
           </a:p>
         </p:txBody>
       </p:sp>
@@ -24802,6 +25885,394 @@
               <a:t>16</a:t>
             </a:fld>
             <a:endParaRPr lang="en"/>
+          </a:p>
+        </p:txBody>
+      </p:sp>
+      <mc:AlternateContent xmlns:mc="http://schemas.openxmlformats.org/markup-compatibility/2006">
+        <mc:Choice xmlns:a14="http://schemas.microsoft.com/office/drawing/2010/main" Requires="a14">
+          <p:sp>
+            <p:nvSpPr>
+              <p:cNvPr id="3" name="TextBox 2">
+                <a:extLst>
+                  <a:ext uri="{FF2B5EF4-FFF2-40B4-BE49-F238E27FC236}">
+                    <a16:creationId xmlns:a16="http://schemas.microsoft.com/office/drawing/2014/main" id="{0F60110F-CEBD-43B0-9D4B-EBC122931CF1}"/>
+                  </a:ext>
+                </a:extLst>
+              </p:cNvPr>
+              <p:cNvSpPr txBox="1"/>
+              <p:nvPr/>
+            </p:nvSpPr>
+            <p:spPr>
+              <a:xfrm>
+                <a:off x="3310269" y="1814623"/>
+                <a:ext cx="2395870" cy="593496"/>
+              </a:xfrm>
+              <a:prstGeom prst="rect">
+                <a:avLst/>
+              </a:prstGeom>
+              <a:noFill/>
+            </p:spPr>
+            <p:txBody>
+              <a:bodyPr wrap="square" rtlCol="0">
+                <a:spAutoFit/>
+              </a:bodyPr>
+              <a:lstStyle/>
+              <a:p>
+                <a14:m>
+                  <m:oMathPara xmlns:m="http://schemas.openxmlformats.org/officeDocument/2006/math">
+                    <m:oMathParaPr>
+                      <m:jc m:val="centerGroup"/>
+                    </m:oMathParaPr>
+                    <m:oMath xmlns:m="http://schemas.openxmlformats.org/officeDocument/2006/math">
+                      <m:f>
+                        <m:fPr>
+                          <m:ctrlPr>
+                            <a:rPr lang="en-CA" i="1" smtClean="0">
+                              <a:solidFill>
+                                <a:schemeClr val="bg1"/>
+                              </a:solidFill>
+                              <a:latin typeface="Cambria Math" panose="02040503050406030204" pitchFamily="18" charset="0"/>
+                            </a:rPr>
+                          </m:ctrlPr>
+                        </m:fPr>
+                        <m:num>
+                          <m:r>
+                            <a:rPr lang="fr-CA" b="0" i="1" smtClean="0">
+                              <a:solidFill>
+                                <a:schemeClr val="bg1"/>
+                              </a:solidFill>
+                              <a:latin typeface="Cambria Math" panose="02040503050406030204" pitchFamily="18" charset="0"/>
+                            </a:rPr>
+                            <m:t>𝑑𝑇</m:t>
+                          </m:r>
+                        </m:num>
+                        <m:den>
+                          <m:r>
+                            <a:rPr lang="fr-CA" b="0" i="1" smtClean="0">
+                              <a:solidFill>
+                                <a:schemeClr val="bg1"/>
+                              </a:solidFill>
+                              <a:latin typeface="Cambria Math" panose="02040503050406030204" pitchFamily="18" charset="0"/>
+                            </a:rPr>
+                            <m:t>𝑑𝑡</m:t>
+                          </m:r>
+                        </m:den>
+                      </m:f>
+                      <m:r>
+                        <a:rPr lang="fr-CA" b="0" i="1" smtClean="0">
+                          <a:solidFill>
+                            <a:schemeClr val="bg1"/>
+                          </a:solidFill>
+                          <a:latin typeface="Cambria Math" panose="02040503050406030204" pitchFamily="18" charset="0"/>
+                        </a:rPr>
+                        <m:t>= </m:t>
+                      </m:r>
+                      <m:f>
+                        <m:fPr>
+                          <m:ctrlPr>
+                            <a:rPr lang="fr-CA" b="0" i="1" smtClean="0">
+                              <a:solidFill>
+                                <a:schemeClr val="bg1"/>
+                              </a:solidFill>
+                              <a:latin typeface="Cambria Math" panose="02040503050406030204" pitchFamily="18" charset="0"/>
+                            </a:rPr>
+                          </m:ctrlPr>
+                        </m:fPr>
+                        <m:num>
+                          <m:acc>
+                            <m:accPr>
+                              <m:chr m:val="̇"/>
+                              <m:ctrlPr>
+                                <a:rPr lang="fr-CA" i="1">
+                                  <a:solidFill>
+                                    <a:schemeClr val="bg1"/>
+                                  </a:solidFill>
+                                  <a:latin typeface="Cambria Math" panose="02040503050406030204" pitchFamily="18" charset="0"/>
+                                </a:rPr>
+                              </m:ctrlPr>
+                            </m:accPr>
+                            <m:e>
+                              <m:r>
+                                <a:rPr lang="fr-CA" i="1">
+                                  <a:solidFill>
+                                    <a:schemeClr val="bg1"/>
+                                  </a:solidFill>
+                                  <a:latin typeface="Cambria Math" panose="02040503050406030204" pitchFamily="18" charset="0"/>
+                                </a:rPr>
+                                <m:t>𝑄</m:t>
+                              </m:r>
+                            </m:e>
+                          </m:acc>
+                        </m:num>
+                        <m:den>
+                          <m:acc>
+                            <m:accPr>
+                              <m:chr m:val="̇"/>
+                              <m:ctrlPr>
+                                <a:rPr lang="fr-CA" b="0" i="1" smtClean="0">
+                                  <a:solidFill>
+                                    <a:schemeClr val="bg1"/>
+                                  </a:solidFill>
+                                  <a:latin typeface="Cambria Math" panose="02040503050406030204" pitchFamily="18" charset="0"/>
+                                </a:rPr>
+                              </m:ctrlPr>
+                            </m:accPr>
+                            <m:e>
+                              <m:r>
+                                <a:rPr lang="fr-CA" b="0" i="1" smtClean="0">
+                                  <a:solidFill>
+                                    <a:schemeClr val="bg1"/>
+                                  </a:solidFill>
+                                  <a:latin typeface="Cambria Math" panose="02040503050406030204" pitchFamily="18" charset="0"/>
+                                </a:rPr>
+                                <m:t>𝑚</m:t>
+                              </m:r>
+                            </m:e>
+                          </m:acc>
+                          <m:r>
+                            <a:rPr lang="fr-CA" b="0" i="1" smtClean="0">
+                              <a:solidFill>
+                                <a:schemeClr val="bg1"/>
+                              </a:solidFill>
+                              <a:latin typeface="Cambria Math" panose="02040503050406030204" pitchFamily="18" charset="0"/>
+                            </a:rPr>
+                            <m:t> ∗</m:t>
+                          </m:r>
+                          <m:sSub>
+                            <m:sSubPr>
+                              <m:ctrlPr>
+                                <a:rPr lang="fr-CA" b="0" i="1" smtClean="0">
+                                  <a:solidFill>
+                                    <a:schemeClr val="bg1"/>
+                                  </a:solidFill>
+                                  <a:latin typeface="Cambria Math" panose="02040503050406030204" pitchFamily="18" charset="0"/>
+                                </a:rPr>
+                              </m:ctrlPr>
+                            </m:sSubPr>
+                            <m:e>
+                              <m:r>
+                                <a:rPr lang="fr-CA" b="0" i="1" smtClean="0">
+                                  <a:solidFill>
+                                    <a:schemeClr val="bg1"/>
+                                  </a:solidFill>
+                                  <a:latin typeface="Cambria Math" panose="02040503050406030204" pitchFamily="18" charset="0"/>
+                                </a:rPr>
+                                <m:t>𝐶</m:t>
+                              </m:r>
+                            </m:e>
+                            <m:sub>
+                              <m:r>
+                                <a:rPr lang="fr-CA" b="0" i="1" smtClean="0">
+                                  <a:solidFill>
+                                    <a:schemeClr val="bg1"/>
+                                  </a:solidFill>
+                                  <a:latin typeface="Cambria Math" panose="02040503050406030204" pitchFamily="18" charset="0"/>
+                                </a:rPr>
+                                <m:t>𝑝</m:t>
+                              </m:r>
+                            </m:sub>
+                          </m:sSub>
+                        </m:den>
+                      </m:f>
+                    </m:oMath>
+                  </m:oMathPara>
+                </a14:m>
+                <a:endParaRPr lang="en-CA" dirty="0">
+                  <a:solidFill>
+                    <a:schemeClr val="bg1"/>
+                  </a:solidFill>
+                </a:endParaRPr>
+              </a:p>
+            </p:txBody>
+          </p:sp>
+        </mc:Choice>
+        <mc:Fallback>
+          <p:sp>
+            <p:nvSpPr>
+              <p:cNvPr id="3" name="TextBox 2">
+                <a:extLst>
+                  <a:ext uri="{FF2B5EF4-FFF2-40B4-BE49-F238E27FC236}">
+                    <a16:creationId xmlns:a16="http://schemas.microsoft.com/office/drawing/2014/main" id="{0F60110F-CEBD-43B0-9D4B-EBC122931CF1}"/>
+                  </a:ext>
+                </a:extLst>
+              </p:cNvPr>
+              <p:cNvSpPr txBox="1">
+                <a:spLocks noRot="1" noChangeAspect="1" noMove="1" noResize="1" noEditPoints="1" noAdjustHandles="1" noChangeArrowheads="1" noChangeShapeType="1" noTextEdit="1"/>
+              </p:cNvSpPr>
+              <p:nvPr/>
+            </p:nvSpPr>
+            <p:spPr>
+              <a:xfrm>
+                <a:off x="3310269" y="1814623"/>
+                <a:ext cx="2395870" cy="593496"/>
+              </a:xfrm>
+              <a:prstGeom prst="rect">
+                <a:avLst/>
+              </a:prstGeom>
+              <a:blipFill>
+                <a:blip r:embed="rId5"/>
+                <a:stretch>
+                  <a:fillRect/>
+                </a:stretch>
+              </a:blipFill>
+            </p:spPr>
+            <p:txBody>
+              <a:bodyPr/>
+              <a:lstStyle/>
+              <a:p>
+                <a:r>
+                  <a:rPr lang="en-CA">
+                    <a:noFill/>
+                  </a:rPr>
+                  <a:t> </a:t>
+                </a:r>
+              </a:p>
+            </p:txBody>
+          </p:sp>
+        </mc:Fallback>
+      </mc:AlternateContent>
+      <p:grpSp>
+        <p:nvGrpSpPr>
+          <p:cNvPr id="7" name="Group 6">
+            <a:extLst>
+              <a:ext uri="{FF2B5EF4-FFF2-40B4-BE49-F238E27FC236}">
+                <a16:creationId xmlns:a16="http://schemas.microsoft.com/office/drawing/2014/main" id="{7FB93A2F-2614-457F-8E91-8CC94B33114E}"/>
+              </a:ext>
+            </a:extLst>
+          </p:cNvPr>
+          <p:cNvGrpSpPr/>
+          <p:nvPr/>
+        </p:nvGrpSpPr>
+        <p:grpSpPr>
+          <a:xfrm>
+            <a:off x="1297500" y="2441899"/>
+            <a:ext cx="7038900" cy="1477327"/>
+            <a:chOff x="1297500" y="2385192"/>
+            <a:chExt cx="7038900" cy="1477327"/>
+          </a:xfrm>
+        </p:grpSpPr>
+        <p:sp>
+          <p:nvSpPr>
+            <p:cNvPr id="4" name="TextBox 3">
+              <a:extLst>
+                <a:ext uri="{FF2B5EF4-FFF2-40B4-BE49-F238E27FC236}">
+                  <a16:creationId xmlns:a16="http://schemas.microsoft.com/office/drawing/2014/main" id="{F942F59D-2F3F-4036-ABDA-92C6E0274A61}"/>
+                </a:ext>
+              </a:extLst>
+            </p:cNvPr>
+            <p:cNvSpPr txBox="1"/>
+            <p:nvPr/>
+          </p:nvSpPr>
+          <p:spPr>
+            <a:xfrm>
+              <a:off x="1297500" y="2385192"/>
+              <a:ext cx="7038900" cy="523220"/>
+            </a:xfrm>
+            <a:prstGeom prst="rect">
+              <a:avLst/>
+            </a:prstGeom>
+            <a:noFill/>
+          </p:spPr>
+          <p:txBody>
+            <a:bodyPr wrap="square" rtlCol="0">
+              <a:spAutoFit/>
+            </a:bodyPr>
+            <a:lstStyle/>
+            <a:p>
+              <a:r>
+                <a:rPr lang="fr-FR" dirty="0">
+                  <a:solidFill>
+                    <a:schemeClr val="bg1"/>
+                  </a:solidFill>
+                </a:rPr>
+                <a:t>Puisque la génération de chaleur et le débit massique sont uniformes dans le moteur, la variation de la température dans le moteur devient une droite.</a:t>
+              </a:r>
+            </a:p>
+          </p:txBody>
+        </p:sp>
+        <p:sp>
+          <p:nvSpPr>
+            <p:cNvPr id="5" name="TextBox 4">
+              <a:extLst>
+                <a:ext uri="{FF2B5EF4-FFF2-40B4-BE49-F238E27FC236}">
+                  <a16:creationId xmlns:a16="http://schemas.microsoft.com/office/drawing/2014/main" id="{18C935C2-FD83-40CA-A0C0-6E1E35F2EA22}"/>
+                </a:ext>
+              </a:extLst>
+            </p:cNvPr>
+            <p:cNvSpPr txBox="1"/>
+            <p:nvPr/>
+          </p:nvSpPr>
+          <p:spPr>
+            <a:xfrm>
+              <a:off x="1297500" y="2908412"/>
+              <a:ext cx="7038900" cy="954107"/>
+            </a:xfrm>
+            <a:prstGeom prst="rect">
+              <a:avLst/>
+            </a:prstGeom>
+            <a:noFill/>
+          </p:spPr>
+          <p:txBody>
+            <a:bodyPr wrap="square" rtlCol="0">
+              <a:spAutoFit/>
+            </a:bodyPr>
+            <a:lstStyle/>
+            <a:p>
+              <a:r>
+                <a:rPr lang="fr-FR" dirty="0">
+                  <a:solidFill>
+                    <a:schemeClr val="bg1"/>
+                  </a:solidFill>
+                </a:rPr>
+                <a:t>Afin de vérifier le code du moteur sans vapeur, on définit un cas d’étude avec une génération de chaleur et un débit massique constants et où la température de l’eau restera loin de la température d’ébullition. On trace ensuite la variation de température d’une particule à travers le moteur et on vérifie la solution contre la solution exacte.</a:t>
+              </a:r>
+            </a:p>
+          </p:txBody>
+        </p:sp>
+      </p:grpSp>
+      <p:sp>
+        <p:nvSpPr>
+          <p:cNvPr id="6" name="TextBox 5">
+            <a:extLst>
+              <a:ext uri="{FF2B5EF4-FFF2-40B4-BE49-F238E27FC236}">
+                <a16:creationId xmlns:a16="http://schemas.microsoft.com/office/drawing/2014/main" id="{76F2773F-9389-49B1-8AC9-62DD23BCCB7C}"/>
+              </a:ext>
+            </a:extLst>
+          </p:cNvPr>
+          <p:cNvSpPr txBox="1"/>
+          <p:nvPr/>
+        </p:nvSpPr>
+        <p:spPr>
+          <a:xfrm>
+            <a:off x="1297500" y="3924553"/>
+            <a:ext cx="7038900" cy="738664"/>
+          </a:xfrm>
+          <a:prstGeom prst="rect">
+            <a:avLst/>
+          </a:prstGeom>
+          <a:noFill/>
+        </p:spPr>
+        <p:txBody>
+          <a:bodyPr wrap="square" rtlCol="0">
+            <a:spAutoFit/>
+          </a:bodyPr>
+          <a:lstStyle/>
+          <a:p>
+            <a:r>
+              <a:rPr lang="fr-FR" dirty="0">
+                <a:solidFill>
+                  <a:schemeClr val="bg1"/>
+                </a:solidFill>
+              </a:rPr>
+              <a:t>La solution obtenue donne une erreur de 1.5E-15 ce qui vérifie le code du moteur pour le cas où il n’y a pas de formation de vapeur.</a:t>
+            </a:r>
+          </a:p>
+          <a:p>
+            <a:endParaRPr lang="en-CA" dirty="0">
+              <a:solidFill>
+                <a:schemeClr val="bg1"/>
+              </a:solidFill>
+            </a:endParaRPr>
           </a:p>
         </p:txBody>
       </p:sp>
@@ -24868,10 +26339,10 @@
               <a:buNone/>
             </a:pPr>
             <a:r>
-              <a:rPr lang="en"/>
+              <a:rPr lang="en" sz="2800" dirty="0"/>
               <a:t>Vérification de code - Moteur avec vapeur</a:t>
             </a:r>
-            <a:endParaRPr/>
+            <a:endParaRPr sz="2800" dirty="0"/>
           </a:p>
         </p:txBody>
       </p:sp>
@@ -24890,8 +26361,8 @@
         </p:nvSpPr>
         <p:spPr>
           <a:xfrm>
-            <a:off x="1297500" y="1567550"/>
-            <a:ext cx="7038900" cy="2911200"/>
+            <a:off x="1297500" y="1390977"/>
+            <a:ext cx="7038900" cy="1180773"/>
           </a:xfrm>
           <a:prstGeom prst="rect">
             <a:avLst/>
@@ -24914,55 +26385,23 @@
             </a:pPr>
             <a:r>
               <a:rPr lang="en" dirty="0"/>
-              <a:t>Afin de vérifier si le modèle de moteur permet belle et bien une génération de vapeur adéquate on vérifie que le titre et la température à la sortie respect bien le modèle thermodynamique pour une puissance constante à pression constante. On part avec une température initial inférieur à la température de saturation (95 C)</a:t>
+              <a:t>Afin de vérifier si le modèle de moteur permet bel et bien une génération de vapeur adéquate on vérifie que le titre et la température à la sortie respect bien le modèle thermodynamique pour une puissance constante à pression constante. On part avec une température initial</a:t>
             </a:r>
-            <a:endParaRPr dirty="0"/>
-          </a:p>
-          <a:p>
-            <a:pPr marL="0" lvl="0" indent="0" algn="l" rtl="0">
-              <a:spcBef>
-                <a:spcPts val="1600"/>
-              </a:spcBef>
-              <a:spcAft>
-                <a:spcPts val="0"/>
-              </a:spcAft>
-              <a:buNone/>
-            </a:pPr>
+            <a:r>
+              <a:rPr lang="en-CA" dirty="0"/>
+              <a:t>e</a:t>
+            </a:r>
             <a:r>
               <a:rPr lang="en" dirty="0"/>
-              <a:t>T_out=T_sat(P)</a:t>
+              <a:t> inférieur</a:t>
             </a:r>
-            <a:endParaRPr dirty="0"/>
-          </a:p>
-          <a:p>
-            <a:pPr marL="0" lvl="0" indent="0" algn="l" rtl="0">
-              <a:spcBef>
-                <a:spcPts val="1600"/>
-              </a:spcBef>
-              <a:spcAft>
-                <a:spcPts val="0"/>
-              </a:spcAft>
-              <a:buNone/>
-            </a:pPr>
+            <a:r>
+              <a:rPr lang="en-CA" dirty="0"/>
+              <a:t>e</a:t>
+            </a:r>
             <a:r>
               <a:rPr lang="en" dirty="0"/>
-              <a:t>X=(Q_in-(T_sat(P)-T_in)*m_dot*cp)/(H_evap*m_dot)</a:t>
-            </a:r>
-            <a:endParaRPr dirty="0"/>
-          </a:p>
-          <a:p>
-            <a:pPr marL="0" lvl="0" indent="0" algn="l" rtl="0">
-              <a:spcBef>
-                <a:spcPts val="1600"/>
-              </a:spcBef>
-              <a:spcAft>
-                <a:spcPts val="1600"/>
-              </a:spcAft>
-              <a:buNone/>
-            </a:pPr>
-            <a:r>
-              <a:rPr lang="en" dirty="0"/>
-              <a:t>Pour ces conditions on belle et bien une erreur null pour la température et une erreur de 1.3E-17 pour le titre. Ce qui vérifie en effet que le code exécute bien l’évolution du titre et de la température dans le moteur.</a:t>
+              <a:t> à la température de saturation (95 C)</a:t>
             </a:r>
             <a:endParaRPr dirty="0"/>
           </a:p>
@@ -25006,6 +26445,456 @@
           </a:p>
         </p:txBody>
       </p:sp>
+      <p:sp>
+        <p:nvSpPr>
+          <p:cNvPr id="4" name="TextBox 3">
+            <a:extLst>
+              <a:ext uri="{FF2B5EF4-FFF2-40B4-BE49-F238E27FC236}">
+                <a16:creationId xmlns:a16="http://schemas.microsoft.com/office/drawing/2014/main" id="{5C00DEAC-0567-4BFC-874F-CDE5F4219501}"/>
+              </a:ext>
+            </a:extLst>
+          </p:cNvPr>
+          <p:cNvSpPr txBox="1"/>
+          <p:nvPr/>
+        </p:nvSpPr>
+        <p:spPr>
+          <a:xfrm>
+            <a:off x="1297500" y="3374343"/>
+            <a:ext cx="7038900" cy="954107"/>
+          </a:xfrm>
+          <a:prstGeom prst="rect">
+            <a:avLst/>
+          </a:prstGeom>
+          <a:noFill/>
+        </p:spPr>
+        <p:txBody>
+          <a:bodyPr wrap="square" rtlCol="0">
+            <a:spAutoFit/>
+          </a:bodyPr>
+          <a:lstStyle/>
+          <a:p>
+            <a:r>
+              <a:rPr lang="fr-FR" dirty="0">
+                <a:solidFill>
+                  <a:schemeClr val="bg1"/>
+                </a:solidFill>
+              </a:rPr>
+              <a:t>Pour ces conditions on obtient une erreur nulle pour la température et une erreur de 1.3E-17 pour le titre. Le code calcule donc correctement le titre et la température dans le moteur.</a:t>
+            </a:r>
+          </a:p>
+          <a:p>
+            <a:endParaRPr lang="fr-CA" dirty="0">
+              <a:solidFill>
+                <a:schemeClr val="bg1"/>
+              </a:solidFill>
+            </a:endParaRPr>
+          </a:p>
+        </p:txBody>
+      </p:sp>
+      <mc:AlternateContent xmlns:mc="http://schemas.openxmlformats.org/markup-compatibility/2006">
+        <mc:Choice xmlns:a14="http://schemas.microsoft.com/office/drawing/2010/main" Requires="a14">
+          <p:sp>
+            <p:nvSpPr>
+              <p:cNvPr id="5" name="TextBox 4">
+                <a:extLst>
+                  <a:ext uri="{FF2B5EF4-FFF2-40B4-BE49-F238E27FC236}">
+                    <a16:creationId xmlns:a16="http://schemas.microsoft.com/office/drawing/2014/main" id="{D465D4B9-B338-4150-BEEE-FF5D4D05073D}"/>
+                  </a:ext>
+                </a:extLst>
+              </p:cNvPr>
+              <p:cNvSpPr txBox="1"/>
+              <p:nvPr/>
+            </p:nvSpPr>
+            <p:spPr>
+              <a:xfrm>
+                <a:off x="2811422" y="2684318"/>
+                <a:ext cx="3521155" cy="575927"/>
+              </a:xfrm>
+              <a:prstGeom prst="rect">
+                <a:avLst/>
+              </a:prstGeom>
+              <a:noFill/>
+            </p:spPr>
+            <p:txBody>
+              <a:bodyPr wrap="square" rtlCol="0">
+                <a:spAutoFit/>
+              </a:bodyPr>
+              <a:lstStyle/>
+              <a:p>
+                <a14:m>
+                  <m:oMathPara xmlns:m="http://schemas.openxmlformats.org/officeDocument/2006/math">
+                    <m:oMathParaPr>
+                      <m:jc m:val="centerGroup"/>
+                    </m:oMathParaPr>
+                    <m:oMath xmlns:m="http://schemas.openxmlformats.org/officeDocument/2006/math">
+                      <m:r>
+                        <a:rPr lang="fr-CA" b="0" i="1" smtClean="0">
+                          <a:solidFill>
+                            <a:schemeClr val="bg1"/>
+                          </a:solidFill>
+                          <a:latin typeface="Cambria Math" panose="02040503050406030204" pitchFamily="18" charset="0"/>
+                        </a:rPr>
+                        <m:t>𝑋</m:t>
+                      </m:r>
+                      <m:r>
+                        <a:rPr lang="fr-CA" b="0" i="1" smtClean="0">
+                          <a:solidFill>
+                            <a:schemeClr val="bg1"/>
+                          </a:solidFill>
+                          <a:latin typeface="Cambria Math" panose="02040503050406030204" pitchFamily="18" charset="0"/>
+                        </a:rPr>
+                        <m:t>= </m:t>
+                      </m:r>
+                      <m:f>
+                        <m:fPr>
+                          <m:ctrlPr>
+                            <a:rPr lang="fr-CA" b="0" i="1" smtClean="0">
+                              <a:solidFill>
+                                <a:schemeClr val="bg1"/>
+                              </a:solidFill>
+                              <a:latin typeface="Cambria Math" panose="02040503050406030204" pitchFamily="18" charset="0"/>
+                            </a:rPr>
+                          </m:ctrlPr>
+                        </m:fPr>
+                        <m:num>
+                          <m:sSub>
+                            <m:sSubPr>
+                              <m:ctrlPr>
+                                <a:rPr lang="fr-CA" b="0" i="1" smtClean="0">
+                                  <a:solidFill>
+                                    <a:schemeClr val="bg1"/>
+                                  </a:solidFill>
+                                  <a:latin typeface="Cambria Math" panose="02040503050406030204" pitchFamily="18" charset="0"/>
+                                </a:rPr>
+                              </m:ctrlPr>
+                            </m:sSubPr>
+                            <m:e>
+                              <m:r>
+                                <a:rPr lang="fr-CA" b="0" i="1" smtClean="0">
+                                  <a:solidFill>
+                                    <a:schemeClr val="bg1"/>
+                                  </a:solidFill>
+                                  <a:latin typeface="Cambria Math" panose="02040503050406030204" pitchFamily="18" charset="0"/>
+                                </a:rPr>
+                                <m:t>𝑄</m:t>
+                              </m:r>
+                            </m:e>
+                            <m:sub>
+                              <m:r>
+                                <a:rPr lang="fr-CA" b="0" i="1" smtClean="0">
+                                  <a:solidFill>
+                                    <a:schemeClr val="bg1"/>
+                                  </a:solidFill>
+                                  <a:latin typeface="Cambria Math" panose="02040503050406030204" pitchFamily="18" charset="0"/>
+                                </a:rPr>
+                                <m:t>𝑖𝑛</m:t>
+                              </m:r>
+                            </m:sub>
+                          </m:sSub>
+                          <m:r>
+                            <a:rPr lang="fr-CA" b="0" i="1" smtClean="0">
+                              <a:solidFill>
+                                <a:schemeClr val="bg1"/>
+                              </a:solidFill>
+                              <a:latin typeface="Cambria Math" panose="02040503050406030204" pitchFamily="18" charset="0"/>
+                            </a:rPr>
+                            <m:t> −</m:t>
+                          </m:r>
+                          <m:d>
+                            <m:dPr>
+                              <m:ctrlPr>
+                                <a:rPr lang="fr-CA" b="0" i="1" smtClean="0">
+                                  <a:solidFill>
+                                    <a:schemeClr val="bg1"/>
+                                  </a:solidFill>
+                                  <a:latin typeface="Cambria Math" panose="02040503050406030204" pitchFamily="18" charset="0"/>
+                                </a:rPr>
+                              </m:ctrlPr>
+                            </m:dPr>
+                            <m:e>
+                              <m:sSub>
+                                <m:sSubPr>
+                                  <m:ctrlPr>
+                                    <a:rPr lang="fr-CA" b="0" i="1" smtClean="0">
+                                      <a:solidFill>
+                                        <a:schemeClr val="bg1"/>
+                                      </a:solidFill>
+                                      <a:latin typeface="Cambria Math" panose="02040503050406030204" pitchFamily="18" charset="0"/>
+                                    </a:rPr>
+                                  </m:ctrlPr>
+                                </m:sSubPr>
+                                <m:e>
+                                  <m:r>
+                                    <a:rPr lang="fr-CA" b="0" i="1" smtClean="0">
+                                      <a:solidFill>
+                                        <a:schemeClr val="bg1"/>
+                                      </a:solidFill>
+                                      <a:latin typeface="Cambria Math" panose="02040503050406030204" pitchFamily="18" charset="0"/>
+                                    </a:rPr>
+                                    <m:t>𝑇</m:t>
+                                  </m:r>
+                                </m:e>
+                                <m:sub>
+                                  <m:r>
+                                    <a:rPr lang="fr-CA" b="0" i="1" smtClean="0">
+                                      <a:solidFill>
+                                        <a:schemeClr val="bg1"/>
+                                      </a:solidFill>
+                                      <a:latin typeface="Cambria Math" panose="02040503050406030204" pitchFamily="18" charset="0"/>
+                                    </a:rPr>
+                                    <m:t>𝑠𝑎𝑡</m:t>
+                                  </m:r>
+                                </m:sub>
+                              </m:sSub>
+                              <m:r>
+                                <a:rPr lang="fr-CA" b="0" i="1" smtClean="0">
+                                  <a:solidFill>
+                                    <a:schemeClr val="bg1"/>
+                                  </a:solidFill>
+                                  <a:latin typeface="Cambria Math" panose="02040503050406030204" pitchFamily="18" charset="0"/>
+                                </a:rPr>
+                                <m:t> −</m:t>
+                              </m:r>
+                              <m:sSub>
+                                <m:sSubPr>
+                                  <m:ctrlPr>
+                                    <a:rPr lang="fr-CA" b="0" i="1" smtClean="0">
+                                      <a:solidFill>
+                                        <a:schemeClr val="bg1"/>
+                                      </a:solidFill>
+                                      <a:latin typeface="Cambria Math" panose="02040503050406030204" pitchFamily="18" charset="0"/>
+                                    </a:rPr>
+                                  </m:ctrlPr>
+                                </m:sSubPr>
+                                <m:e>
+                                  <m:r>
+                                    <a:rPr lang="fr-CA" b="0" i="1" smtClean="0">
+                                      <a:solidFill>
+                                        <a:schemeClr val="bg1"/>
+                                      </a:solidFill>
+                                      <a:latin typeface="Cambria Math" panose="02040503050406030204" pitchFamily="18" charset="0"/>
+                                    </a:rPr>
+                                    <m:t>𝑇</m:t>
+                                  </m:r>
+                                </m:e>
+                                <m:sub>
+                                  <m:r>
+                                    <a:rPr lang="fr-CA" b="0" i="1" smtClean="0">
+                                      <a:solidFill>
+                                        <a:schemeClr val="bg1"/>
+                                      </a:solidFill>
+                                      <a:latin typeface="Cambria Math" panose="02040503050406030204" pitchFamily="18" charset="0"/>
+                                    </a:rPr>
+                                    <m:t>𝑖𝑛</m:t>
+                                  </m:r>
+                                </m:sub>
+                              </m:sSub>
+                            </m:e>
+                          </m:d>
+                          <m:r>
+                            <a:rPr lang="fr-CA" b="0" i="1" smtClean="0">
+                              <a:solidFill>
+                                <a:schemeClr val="bg1"/>
+                              </a:solidFill>
+                              <a:latin typeface="Cambria Math" panose="02040503050406030204" pitchFamily="18" charset="0"/>
+                            </a:rPr>
+                            <m:t>∗ </m:t>
+                          </m:r>
+                          <m:acc>
+                            <m:accPr>
+                              <m:chr m:val="̇"/>
+                              <m:ctrlPr>
+                                <a:rPr lang="fr-CA" b="0" i="1" smtClean="0">
+                                  <a:solidFill>
+                                    <a:schemeClr val="bg1"/>
+                                  </a:solidFill>
+                                  <a:latin typeface="Cambria Math" panose="02040503050406030204" pitchFamily="18" charset="0"/>
+                                </a:rPr>
+                              </m:ctrlPr>
+                            </m:accPr>
+                            <m:e>
+                              <m:r>
+                                <a:rPr lang="fr-CA" b="0" i="1" smtClean="0">
+                                  <a:solidFill>
+                                    <a:schemeClr val="bg1"/>
+                                  </a:solidFill>
+                                  <a:latin typeface="Cambria Math" panose="02040503050406030204" pitchFamily="18" charset="0"/>
+                                </a:rPr>
+                                <m:t>𝑚</m:t>
+                              </m:r>
+                            </m:e>
+                          </m:acc>
+                          <m:r>
+                            <a:rPr lang="fr-CA" b="0" i="1" smtClean="0">
+                              <a:solidFill>
+                                <a:schemeClr val="bg1"/>
+                              </a:solidFill>
+                              <a:latin typeface="Cambria Math" panose="02040503050406030204" pitchFamily="18" charset="0"/>
+                            </a:rPr>
+                            <m:t> ∗</m:t>
+                          </m:r>
+                          <m:sSub>
+                            <m:sSubPr>
+                              <m:ctrlPr>
+                                <a:rPr lang="fr-CA" b="0" i="1" smtClean="0">
+                                  <a:solidFill>
+                                    <a:schemeClr val="bg1"/>
+                                  </a:solidFill>
+                                  <a:latin typeface="Cambria Math" panose="02040503050406030204" pitchFamily="18" charset="0"/>
+                                </a:rPr>
+                              </m:ctrlPr>
+                            </m:sSubPr>
+                            <m:e>
+                              <m:r>
+                                <a:rPr lang="fr-CA" b="0" i="1" smtClean="0">
+                                  <a:solidFill>
+                                    <a:schemeClr val="bg1"/>
+                                  </a:solidFill>
+                                  <a:latin typeface="Cambria Math" panose="02040503050406030204" pitchFamily="18" charset="0"/>
+                                </a:rPr>
+                                <m:t>𝐶</m:t>
+                              </m:r>
+                            </m:e>
+                            <m:sub>
+                              <m:r>
+                                <a:rPr lang="fr-CA" b="0" i="1" smtClean="0">
+                                  <a:solidFill>
+                                    <a:schemeClr val="bg1"/>
+                                  </a:solidFill>
+                                  <a:latin typeface="Cambria Math" panose="02040503050406030204" pitchFamily="18" charset="0"/>
+                                </a:rPr>
+                                <m:t>𝑝</m:t>
+                              </m:r>
+                            </m:sub>
+                          </m:sSub>
+                        </m:num>
+                        <m:den>
+                          <m:sSub>
+                            <m:sSubPr>
+                              <m:ctrlPr>
+                                <a:rPr lang="fr-CA" b="0" i="1" smtClean="0">
+                                  <a:solidFill>
+                                    <a:schemeClr val="bg1"/>
+                                  </a:solidFill>
+                                  <a:latin typeface="Cambria Math" panose="02040503050406030204" pitchFamily="18" charset="0"/>
+                                </a:rPr>
+                              </m:ctrlPr>
+                            </m:sSubPr>
+                            <m:e>
+                              <m:r>
+                                <a:rPr lang="fr-CA" b="0" i="1" smtClean="0">
+                                  <a:solidFill>
+                                    <a:schemeClr val="bg1"/>
+                                  </a:solidFill>
+                                  <a:latin typeface="Cambria Math" panose="02040503050406030204" pitchFamily="18" charset="0"/>
+                                </a:rPr>
+                                <m:t>𝐻</m:t>
+                              </m:r>
+                            </m:e>
+                            <m:sub>
+                              <m:r>
+                                <a:rPr lang="fr-CA" b="0" i="1" smtClean="0">
+                                  <a:solidFill>
+                                    <a:schemeClr val="bg1"/>
+                                  </a:solidFill>
+                                  <a:latin typeface="Cambria Math" panose="02040503050406030204" pitchFamily="18" charset="0"/>
+                                </a:rPr>
+                                <m:t>𝑒𝑣𝑎𝑝</m:t>
+                              </m:r>
+                            </m:sub>
+                          </m:sSub>
+                          <m:r>
+                            <a:rPr lang="fr-CA" b="0" i="1" smtClean="0">
+                              <a:solidFill>
+                                <a:schemeClr val="bg1"/>
+                              </a:solidFill>
+                              <a:latin typeface="Cambria Math" panose="02040503050406030204" pitchFamily="18" charset="0"/>
+                            </a:rPr>
+                            <m:t> ∗ </m:t>
+                          </m:r>
+                          <m:acc>
+                            <m:accPr>
+                              <m:chr m:val="̇"/>
+                              <m:ctrlPr>
+                                <a:rPr lang="fr-CA" b="0" i="1" smtClean="0">
+                                  <a:solidFill>
+                                    <a:schemeClr val="bg1"/>
+                                  </a:solidFill>
+                                  <a:latin typeface="Cambria Math" panose="02040503050406030204" pitchFamily="18" charset="0"/>
+                                </a:rPr>
+                              </m:ctrlPr>
+                            </m:accPr>
+                            <m:e>
+                              <m:r>
+                                <a:rPr lang="fr-CA" b="0" i="1" smtClean="0">
+                                  <a:solidFill>
+                                    <a:schemeClr val="bg1"/>
+                                  </a:solidFill>
+                                  <a:latin typeface="Cambria Math" panose="02040503050406030204" pitchFamily="18" charset="0"/>
+                                </a:rPr>
+                                <m:t>𝑚</m:t>
+                              </m:r>
+                            </m:e>
+                          </m:acc>
+                        </m:den>
+                      </m:f>
+                    </m:oMath>
+                  </m:oMathPara>
+                </a14:m>
+                <a:endParaRPr lang="en-CA" dirty="0">
+                  <a:solidFill>
+                    <a:schemeClr val="bg1"/>
+                  </a:solidFill>
+                </a:endParaRPr>
+              </a:p>
+            </p:txBody>
+          </p:sp>
+        </mc:Choice>
+        <mc:Fallback>
+          <p:sp>
+            <p:nvSpPr>
+              <p:cNvPr id="5" name="TextBox 4">
+                <a:extLst>
+                  <a:ext uri="{FF2B5EF4-FFF2-40B4-BE49-F238E27FC236}">
+                    <a16:creationId xmlns:a16="http://schemas.microsoft.com/office/drawing/2014/main" id="{D465D4B9-B338-4150-BEEE-FF5D4D05073D}"/>
+                  </a:ext>
+                </a:extLst>
+              </p:cNvPr>
+              <p:cNvSpPr txBox="1">
+                <a:spLocks noRot="1" noChangeAspect="1" noMove="1" noResize="1" noEditPoints="1" noAdjustHandles="1" noChangeArrowheads="1" noChangeShapeType="1" noTextEdit="1"/>
+              </p:cNvSpPr>
+              <p:nvPr/>
+            </p:nvSpPr>
+            <p:spPr>
+              <a:xfrm>
+                <a:off x="2811422" y="2684318"/>
+                <a:ext cx="3521155" cy="575927"/>
+              </a:xfrm>
+              <a:prstGeom prst="rect">
+                <a:avLst/>
+              </a:prstGeom>
+              <a:blipFill>
+                <a:blip r:embed="rId5"/>
+                <a:stretch>
+                  <a:fillRect/>
+                </a:stretch>
+              </a:blipFill>
+            </p:spPr>
+            <p:txBody>
+              <a:bodyPr/>
+              <a:lstStyle/>
+              <a:p>
+                <a:r>
+                  <a:rPr lang="en-CA">
+                    <a:noFill/>
+                  </a:rPr>
+                  <a:t> </a:t>
+                </a:r>
+              </a:p>
+            </p:txBody>
+          </p:sp>
+        </mc:Fallback>
+      </mc:AlternateContent>
     </p:spTree>
   </p:cSld>
   <p:clrMapOvr>
@@ -25069,10 +26958,10 @@
               <a:buNone/>
             </a:pPr>
             <a:r>
-              <a:rPr lang="en"/>
-              <a:t>Vérification de la masse générée par le fait que l’on garde une densité constante de l’eau</a:t>
+              <a:rPr lang="en" sz="2800" dirty="0"/>
+              <a:t>Vérification de la masse totale du système</a:t>
             </a:r>
-            <a:endParaRPr/>
+            <a:endParaRPr sz="2800" dirty="0"/>
           </a:p>
         </p:txBody>
       </p:sp>
@@ -25114,10 +27003,40 @@
               <a:buNone/>
             </a:pPr>
             <a:r>
-              <a:rPr lang="en"/>
-              <a:t>Étant donné que l’on garde la densité constante et que la vapeur doit être accumulée dans le système la masse de vapeur s’ajoute à la masse totale du système nous n’avons donc pas une conservation de la masse dans le système. Toutefois, la masse ajoutée est négligeable. En effet, pour le cas d’étude de base la masse de vapeur accumulée dans le système est de 6.3E-5 kg alors que la masse d’eau du système est d’environ 2 kg. On assume donc que la variation du débit est négligeable.</a:t>
+              <a:rPr lang="en" dirty="0"/>
+              <a:t>Étant donné que l’on garde la densité constante et que la vapeur doit être accumulée dans le système la masse de vapeur s’ajoute à la masse totale du système nous n’avons donc pas une conservation de la masse dans le système. </a:t>
             </a:r>
-            <a:endParaRPr/>
+          </a:p>
+          <a:p>
+            <a:pPr marL="0" lvl="0" indent="0" algn="l" rtl="0">
+              <a:spcBef>
+                <a:spcPts val="0"/>
+              </a:spcBef>
+              <a:spcAft>
+                <a:spcPts val="1600"/>
+              </a:spcAft>
+              <a:buNone/>
+            </a:pPr>
+            <a:r>
+              <a:rPr lang="en" dirty="0"/>
+              <a:t>Toutefois, la masse ajoutée est négligeable. En effet, pour le cas d’étude de base la masse de vapeur accumulée dans le système est de 6.3E-5 kg alors que la masse d’eau du système est d’environ 2 kg. </a:t>
+            </a:r>
+          </a:p>
+          <a:p>
+            <a:pPr marL="0" lvl="0" indent="0" algn="l" rtl="0">
+              <a:spcBef>
+                <a:spcPts val="0"/>
+              </a:spcBef>
+              <a:spcAft>
+                <a:spcPts val="1600"/>
+              </a:spcAft>
+              <a:buNone/>
+            </a:pPr>
+            <a:r>
+              <a:rPr lang="en" dirty="0"/>
+              <a:t>On assume donc que la variation du débit est négligeable.</a:t>
+            </a:r>
+            <a:endParaRPr dirty="0"/>
           </a:p>
         </p:txBody>
       </p:sp>
@@ -25515,10 +27434,10 @@
               <a:buNone/>
             </a:pPr>
             <a:r>
-              <a:rPr lang="en"/>
+              <a:rPr lang="en" sz="2800" dirty="0"/>
               <a:t>Vérification de l’ordre de convergence du schéma de résolution.</a:t>
             </a:r>
-            <a:endParaRPr/>
+            <a:endParaRPr sz="2800" dirty="0"/>
           </a:p>
         </p:txBody>
       </p:sp>
@@ -25560,18 +27479,176 @@
               <a:buNone/>
             </a:pPr>
             <a:r>
-              <a:rPr lang="en"/>
-              <a:t>Malgré que les composante ai une solution exact pour un génération exact d’énergie et un coefficient de convection constant cela n’est pas le cas si c’est valeur ne sont pas constante ce qui est le cas pour les cas que nous étudions. On doit donc s’attendre à avoir une convergence d’</a:t>
+              <a:rPr lang="en-CA" dirty="0"/>
+              <a:t>Les </a:t>
             </a:r>
             <a:r>
-              <a:rPr lang="en" b="1"/>
+              <a:rPr lang="en" dirty="0"/>
+              <a:t>composante </a:t>
+            </a:r>
+            <a:r>
+              <a:rPr lang="fr-CA" dirty="0"/>
+              <a:t>ont </a:t>
+            </a:r>
+            <a:r>
+              <a:rPr lang="en" dirty="0"/>
+              <a:t>une solution exact</a:t>
+            </a:r>
+            <a:r>
+              <a:rPr lang="en-CA" dirty="0"/>
+              <a:t>e</a:t>
+            </a:r>
+            <a:r>
+              <a:rPr lang="en" dirty="0"/>
+              <a:t> pour un</a:t>
+            </a:r>
+            <a:r>
+              <a:rPr lang="en-CA" dirty="0"/>
+              <a:t>e</a:t>
+            </a:r>
+            <a:r>
+              <a:rPr lang="en" dirty="0"/>
+              <a:t> génération d’énergie et un coefficient de convection constant</a:t>
+            </a:r>
+            <a:r>
+              <a:rPr lang="en-CA" dirty="0"/>
+              <a:t>s.</a:t>
+            </a:r>
+          </a:p>
+          <a:p>
+            <a:pPr marL="0" lvl="0" indent="0" algn="l" rtl="0">
+              <a:spcBef>
+                <a:spcPts val="0"/>
+              </a:spcBef>
+              <a:spcAft>
+                <a:spcPts val="1600"/>
+              </a:spcAft>
+              <a:buNone/>
+            </a:pPr>
+            <a:r>
+              <a:rPr lang="en-CA" dirty="0" err="1"/>
+              <a:t>Toutefois</a:t>
+            </a:r>
+            <a:r>
+              <a:rPr lang="en-CA" dirty="0"/>
+              <a:t>, nous </a:t>
+            </a:r>
+            <a:r>
+              <a:rPr lang="en-CA" dirty="0" err="1"/>
+              <a:t>voulons</a:t>
+            </a:r>
+            <a:r>
+              <a:rPr lang="en-CA" dirty="0"/>
+              <a:t> </a:t>
+            </a:r>
+            <a:r>
+              <a:rPr lang="en-CA" dirty="0" err="1"/>
+              <a:t>étudier</a:t>
+            </a:r>
+            <a:r>
+              <a:rPr lang="en-CA" dirty="0"/>
+              <a:t> le </a:t>
+            </a:r>
+            <a:r>
+              <a:rPr lang="en-CA" dirty="0" err="1"/>
+              <a:t>comportement</a:t>
+            </a:r>
+            <a:r>
+              <a:rPr lang="en-CA" dirty="0"/>
+              <a:t> du systems </a:t>
+            </a:r>
+            <a:r>
+              <a:rPr lang="en-CA" dirty="0" err="1"/>
+              <a:t>lorsque</a:t>
+            </a:r>
+            <a:r>
+              <a:rPr lang="en-CA" dirty="0"/>
+              <a:t> </a:t>
+            </a:r>
+            <a:r>
+              <a:rPr lang="en-CA" dirty="0" err="1"/>
+              <a:t>ces</a:t>
+            </a:r>
+            <a:r>
+              <a:rPr lang="en-CA" dirty="0"/>
+              <a:t> deux grandeurs </a:t>
+            </a:r>
+            <a:r>
+              <a:rPr lang="en-CA" dirty="0" err="1"/>
+              <a:t>sont</a:t>
+            </a:r>
+            <a:r>
+              <a:rPr lang="en-CA" dirty="0"/>
+              <a:t> variables dans le temps. La solution pour </a:t>
+            </a:r>
+            <a:r>
+              <a:rPr lang="en-CA" dirty="0" err="1"/>
+              <a:t>ce</a:t>
+            </a:r>
+            <a:r>
+              <a:rPr lang="en-CA" dirty="0"/>
+              <a:t> </a:t>
+            </a:r>
+            <a:r>
+              <a:rPr lang="en-CA" dirty="0" err="1"/>
+              <a:t>cas</a:t>
+            </a:r>
+            <a:r>
+              <a:rPr lang="en-CA" dirty="0"/>
+              <a:t> ne sera pas </a:t>
+            </a:r>
+            <a:r>
+              <a:rPr lang="en-CA" dirty="0" err="1"/>
+              <a:t>exacte</a:t>
+            </a:r>
+            <a:r>
+              <a:rPr lang="en" dirty="0"/>
+              <a:t>.</a:t>
+            </a:r>
+          </a:p>
+          <a:p>
+            <a:pPr marL="0" lvl="0" indent="0" algn="l" rtl="0">
+              <a:spcBef>
+                <a:spcPts val="0"/>
+              </a:spcBef>
+              <a:spcAft>
+                <a:spcPts val="1600"/>
+              </a:spcAft>
+              <a:buNone/>
+            </a:pPr>
+            <a:r>
+              <a:rPr lang="en" dirty="0"/>
+              <a:t>On </a:t>
+            </a:r>
+            <a:r>
+              <a:rPr lang="en-CA" dirty="0" err="1"/>
+              <a:t>s’attend</a:t>
+            </a:r>
+            <a:r>
+              <a:rPr lang="en-CA" dirty="0"/>
+              <a:t> </a:t>
+            </a:r>
+            <a:r>
+              <a:rPr lang="en" dirty="0"/>
+              <a:t>à avoir une convergence d’</a:t>
+            </a:r>
+            <a:r>
+              <a:rPr lang="en" b="1" dirty="0"/>
               <a:t>ordre 1</a:t>
             </a:r>
             <a:r>
-              <a:rPr lang="en"/>
-              <a:t> pour l’ensemble du système étant donné une intégration du déplacement des particule par Euler explicite.</a:t>
+              <a:rPr lang="en" dirty="0"/>
+              <a:t> pour l’ensemble du système étant donné une intégration du déplacement des particule</a:t>
             </a:r>
-            <a:endParaRPr/>
+            <a:r>
+              <a:rPr lang="en-CA" dirty="0"/>
+              <a:t>s</a:t>
+            </a:r>
+            <a:r>
+              <a:rPr lang="en" dirty="0"/>
+              <a:t> par Euler explicite.</a:t>
+            </a:r>
+            <a:endParaRPr dirty="0"/>
           </a:p>
         </p:txBody>
       </p:sp>
@@ -25676,18 +27753,18 @@
               <a:buNone/>
             </a:pPr>
             <a:r>
-              <a:rPr lang="en-CA" dirty="0" err="1"/>
-              <a:t>Vérification</a:t>
+              <a:rPr lang="en" sz="2800" dirty="0"/>
+              <a:t>Convergence de la solution de la température moyenne final</a:t>
             </a:r>
             <a:r>
-              <a:rPr lang="en-CA" dirty="0"/>
-              <a:t> de solution - </a:t>
+              <a:rPr lang="en-CA" sz="2800" dirty="0"/>
+              <a:t>e</a:t>
             </a:r>
             <a:r>
-              <a:rPr lang="en" dirty="0"/>
-              <a:t>Convergence de la solution de la température moyenne final </a:t>
+              <a:rPr lang="en" sz="2800" dirty="0"/>
+              <a:t> </a:t>
             </a:r>
-            <a:endParaRPr dirty="0"/>
+            <a:endParaRPr sz="2800" dirty="0"/>
           </a:p>
         </p:txBody>
       </p:sp>
@@ -25729,10 +27806,10 @@
               <a:buNone/>
             </a:pPr>
             <a:r>
-              <a:rPr lang="en"/>
+              <a:rPr lang="en" dirty="0"/>
               <a:t>Convergence numérique  ordre 1.25.</a:t>
             </a:r>
-            <a:endParaRPr/>
+            <a:endParaRPr dirty="0"/>
           </a:p>
           <a:p>
             <a:pPr marL="0" lvl="0" indent="0" algn="l" rtl="0">
@@ -25745,10 +27822,18 @@
               <a:buNone/>
             </a:pPr>
             <a:r>
-              <a:rPr lang="en"/>
-              <a:t>Le nombre de courant maximal est gardé constant (0.8) et  le le volume de fluide par particule est divisé en 2 pour chaque itération</a:t>
+              <a:rPr lang="en" dirty="0"/>
+              <a:t>Le nombre de courant maximal est gardé constant </a:t>
             </a:r>
-            <a:endParaRPr/>
+            <a:r>
+              <a:rPr lang="en-CA" dirty="0"/>
+              <a:t>à </a:t>
+            </a:r>
+            <a:r>
+              <a:rPr lang="en" dirty="0"/>
+              <a:t>0,8 et le volume de fluide par particule est divisé en 2 pour chaque itération</a:t>
+            </a:r>
+            <a:endParaRPr dirty="0"/>
           </a:p>
         </p:txBody>
       </p:sp>
@@ -25772,8 +27857,8 @@
         </p:blipFill>
         <p:spPr>
           <a:xfrm>
-            <a:off x="3263725" y="1901973"/>
-            <a:ext cx="5180399" cy="2531200"/>
+            <a:off x="3109792" y="1507357"/>
+            <a:ext cx="5362666" cy="3040791"/>
           </a:xfrm>
           <a:prstGeom prst="rect">
             <a:avLst/>
@@ -26304,10 +28389,10 @@
               <a:buNone/>
             </a:pPr>
             <a:r>
-              <a:rPr lang="en"/>
+              <a:rPr lang="en" sz="2800" dirty="0"/>
               <a:t>Propagation des incertitudes</a:t>
             </a:r>
-            <a:endParaRPr/>
+            <a:endParaRPr sz="2800" dirty="0"/>
           </a:p>
         </p:txBody>
       </p:sp>
@@ -26467,7 +28552,7 @@
         <p:spPr>
           <a:xfrm>
             <a:off x="1297500" y="393750"/>
-            <a:ext cx="7038900" cy="914100"/>
+            <a:ext cx="7174958" cy="914100"/>
           </a:xfrm>
           <a:prstGeom prst="rect">
             <a:avLst/>
@@ -26489,10 +28574,10 @@
               <a:buNone/>
             </a:pPr>
             <a:r>
-              <a:rPr lang="en"/>
+              <a:rPr lang="en" sz="2800" dirty="0"/>
               <a:t>Reponse du LHS pour les deux variable ayant la plus grande influence</a:t>
             </a:r>
-            <a:endParaRPr/>
+            <a:endParaRPr sz="2800" dirty="0"/>
           </a:p>
         </p:txBody>
       </p:sp>
@@ -26690,10 +28775,18 @@
               <a:buNone/>
             </a:pPr>
             <a:r>
-              <a:rPr lang="en"/>
-              <a:t>Sensibilité de la température en fonction du ratio puissance thermique et puissance mécanique</a:t>
+              <a:rPr lang="en" dirty="0"/>
+              <a:t>Sensibilité de la température en fonction du ratio </a:t>
             </a:r>
-            <a:endParaRPr/>
+            <a:r>
+              <a:rPr lang="en-CA" dirty="0"/>
+              <a:t>de </a:t>
+            </a:r>
+            <a:r>
+              <a:rPr lang="en" dirty="0"/>
+              <a:t>puissance thermique et mécanique</a:t>
+            </a:r>
+            <a:endParaRPr dirty="0"/>
           </a:p>
         </p:txBody>
       </p:sp>
@@ -26875,10 +28968,22 @@
               <a:buNone/>
             </a:pPr>
             <a:r>
-              <a:rPr lang="en"/>
-              <a:t>Sensibilité de la température en fonction du de la pente du coefficient de convection en fonction de la vitesse</a:t>
+              <a:rPr lang="en" dirty="0"/>
+              <a:t>Sensibilité de la température en fonction du coefficient de convection </a:t>
             </a:r>
-            <a:endParaRPr/>
+            <a:r>
+              <a:rPr lang="en-CA" dirty="0" err="1"/>
+              <a:t>normalisé</a:t>
+            </a:r>
+            <a:r>
+              <a:rPr lang="en-CA" dirty="0"/>
+              <a:t> par </a:t>
+            </a:r>
+            <a:r>
+              <a:rPr lang="en" dirty="0"/>
+              <a:t>la vitesse</a:t>
+            </a:r>
+            <a:endParaRPr dirty="0"/>
           </a:p>
         </p:txBody>
       </p:sp>
@@ -26920,10 +29025,10 @@
               <a:buNone/>
             </a:pPr>
             <a:r>
-              <a:rPr lang="en"/>
+              <a:rPr lang="en" dirty="0"/>
               <a:t>La sensibilité  de la température pour cette variable est d’environ -10.4 degré par W/(K*m/s)</a:t>
             </a:r>
-            <a:endParaRPr/>
+            <a:endParaRPr dirty="0"/>
           </a:p>
         </p:txBody>
       </p:sp>
@@ -27060,10 +29165,10 @@
               <a:buNone/>
             </a:pPr>
             <a:r>
-              <a:rPr lang="en"/>
+              <a:rPr lang="en" sz="2800" dirty="0"/>
               <a:t>Sensibilité de la température en fonction du du débit de la pompe </a:t>
             </a:r>
-            <a:endParaRPr/>
+            <a:endParaRPr sz="2800" dirty="0"/>
           </a:p>
         </p:txBody>
       </p:sp>
@@ -27132,7 +29237,7 @@
         </p:blipFill>
         <p:spPr>
           <a:xfrm>
-            <a:off x="4958475" y="1197001"/>
+            <a:off x="4903056" y="1361692"/>
             <a:ext cx="3948625" cy="3695125"/>
           </a:xfrm>
           <a:prstGeom prst="rect">
@@ -29351,8 +31456,8 @@
           </a:p>
         </p:txBody>
       </p:sp>
-      <mc:AlternateContent xmlns:mc="http://schemas.openxmlformats.org/markup-compatibility/2006">
-        <mc:Choice xmlns:a14="http://schemas.microsoft.com/office/drawing/2010/main" Requires="a14">
+      <mc:AlternateContent xmlns:mc="http://schemas.openxmlformats.org/markup-compatibility/2006" xmlns:a14="http://schemas.microsoft.com/office/drawing/2010/main">
+        <mc:Choice Requires="a14">
           <p:sp>
             <p:nvSpPr>
               <p:cNvPr id="160" name="Google Shape;160;p17"/>
@@ -29844,7 +31949,7 @@
             </p:txBody>
           </p:sp>
         </mc:Choice>
-        <mc:Fallback>
+        <mc:Fallback xmlns="">
           <p:sp>
             <p:nvSpPr>
               <p:cNvPr id="160" name="Google Shape;160;p17"/>
@@ -29854,7 +31959,7 @@
               <p:nvPr>
                 <p:ph type="body" idx="1"/>
                 <p:custDataLst>
-                  <p:tags r:id="rId2"/>
+                  <p:tags r:id="rId6"/>
                 </p:custDataLst>
               </p:nvPr>
             </p:nvSpPr>
@@ -29867,7 +31972,7 @@
                 <a:avLst/>
               </a:prstGeom>
               <a:blipFill>
-                <a:blip r:embed="rId6"/>
+                <a:blip r:embed="rId7"/>
                 <a:stretch>
                   <a:fillRect l="-274"/>
                 </a:stretch>
@@ -29888,8 +31993,8 @@
           </p:sp>
         </mc:Fallback>
       </mc:AlternateContent>
-      <mc:AlternateContent xmlns:mc="http://schemas.openxmlformats.org/markup-compatibility/2006">
-        <mc:Choice xmlns:a14="http://schemas.microsoft.com/office/drawing/2010/main" Requires="a14">
+      <mc:AlternateContent xmlns:mc="http://schemas.openxmlformats.org/markup-compatibility/2006" xmlns:a14="http://schemas.microsoft.com/office/drawing/2010/main">
+        <mc:Choice Requires="a14">
           <p:sp>
             <p:nvSpPr>
               <p:cNvPr id="4" name="Google Shape;160;p17">
@@ -30262,7 +32367,19 @@
                         <a:rPr lang="fr-CA" b="0" i="1" smtClean="0">
                           <a:latin typeface="Cambria Math" panose="02040503050406030204" pitchFamily="18" charset="0"/>
                         </a:rPr>
-                        <m:t>𝐶h𝑎𝑙𝑒𝑢𝑟</m:t>
+                        <m:t>𝐶</m:t>
+                      </m:r>
+                      <m:r>
+                        <a:rPr lang="fr-CA" b="0" i="1" smtClean="0">
+                          <a:latin typeface="Cambria Math" panose="02040503050406030204" pitchFamily="18" charset="0"/>
+                        </a:rPr>
+                        <m:t>h</m:t>
+                      </m:r>
+                      <m:r>
+                        <a:rPr lang="fr-CA" b="0" i="1" smtClean="0">
+                          <a:latin typeface="Cambria Math" panose="02040503050406030204" pitchFamily="18" charset="0"/>
+                        </a:rPr>
+                        <m:t>𝑎𝑙𝑒𝑢𝑟</m:t>
                       </m:r>
                       <m:r>
                         <a:rPr lang="fr-CA" b="0" i="1" smtClean="0">
@@ -30455,7 +32572,19 @@
                         <a:rPr lang="fr-CA" b="0" i="1" smtClean="0">
                           <a:latin typeface="Cambria Math" panose="02040503050406030204" pitchFamily="18" charset="0"/>
                         </a:rPr>
-                        <m:t>𝑡h𝑒𝑟𝑚𝑖𝑞𝑢𝑒</m:t>
+                        <m:t>𝑡</m:t>
+                      </m:r>
+                      <m:r>
+                        <a:rPr lang="fr-CA" b="0" i="1" smtClean="0">
+                          <a:latin typeface="Cambria Math" panose="02040503050406030204" pitchFamily="18" charset="0"/>
+                        </a:rPr>
+                        <m:t>h</m:t>
+                      </m:r>
+                      <m:r>
+                        <a:rPr lang="fr-CA" b="0" i="1" smtClean="0">
+                          <a:latin typeface="Cambria Math" panose="02040503050406030204" pitchFamily="18" charset="0"/>
+                        </a:rPr>
+                        <m:t>𝑒𝑟𝑚𝑖𝑞𝑢𝑒</m:t>
                       </m:r>
                       <m:r>
                         <a:rPr lang="fr-CA" b="0" i="1" smtClean="0">
@@ -30757,7 +32886,7 @@
             </p:txBody>
           </p:sp>
         </mc:Choice>
-        <mc:Fallback>
+        <mc:Fallback xmlns="">
           <p:sp>
             <p:nvSpPr>
               <p:cNvPr id="4" name="Google Shape;160;p17">
@@ -30772,7 +32901,7 @@
               </p:cNvSpPr>
               <p:nvPr>
                 <p:custDataLst>
-                  <p:tags r:id="rId3"/>
+                  <p:tags r:id="rId8"/>
                 </p:custDataLst>
               </p:nvPr>
             </p:nvSpPr>
@@ -30785,7 +32914,7 @@
                 <a:avLst/>
               </a:prstGeom>
               <a:blipFill>
-                <a:blip r:embed="rId7"/>
+                <a:blip r:embed="rId9"/>
                 <a:stretch>
                   <a:fillRect/>
                 </a:stretch>
@@ -30904,8 +33033,8 @@
           </a:p>
         </p:txBody>
       </p:sp>
-      <mc:AlternateContent xmlns:mc="http://schemas.openxmlformats.org/markup-compatibility/2006">
-        <mc:Choice xmlns:a14="http://schemas.microsoft.com/office/drawing/2010/main" Requires="a14">
+      <mc:AlternateContent xmlns:mc="http://schemas.openxmlformats.org/markup-compatibility/2006" xmlns:a14="http://schemas.microsoft.com/office/drawing/2010/main">
+        <mc:Choice Requires="a14">
           <p:sp>
             <p:nvSpPr>
               <p:cNvPr id="3" name="Espace réservé du texte 2">
@@ -31383,7 +33512,7 @@
             </p:txBody>
           </p:sp>
         </mc:Choice>
-        <mc:Fallback>
+        <mc:Fallback xmlns="">
           <p:sp>
             <p:nvSpPr>
               <p:cNvPr id="3" name="Espace réservé du texte 2">
@@ -31399,7 +33528,7 @@
               <p:nvPr>
                 <p:ph type="body" idx="1"/>
                 <p:custDataLst>
-                  <p:tags r:id="rId2"/>
+                  <p:tags r:id="rId5"/>
                 </p:custDataLst>
               </p:nvPr>
             </p:nvSpPr>
@@ -31409,7 +33538,7 @@
                 <a:ext cx="3879476" cy="2517147"/>
               </a:xfrm>
               <a:blipFill>
-                <a:blip r:embed="rId5"/>
+                <a:blip r:embed="rId6"/>
                 <a:stretch>
                   <a:fillRect l="-157"/>
                 </a:stretch>
@@ -31430,8 +33559,8 @@
           </p:sp>
         </mc:Fallback>
       </mc:AlternateContent>
-      <mc:AlternateContent xmlns:mc="http://schemas.openxmlformats.org/markup-compatibility/2006">
-        <mc:Choice xmlns:a14="http://schemas.microsoft.com/office/drawing/2010/main" Requires="a14">
+      <mc:AlternateContent xmlns:mc="http://schemas.openxmlformats.org/markup-compatibility/2006" xmlns:a14="http://schemas.microsoft.com/office/drawing/2010/main">
+        <mc:Choice Requires="a14">
           <p:sp>
             <p:nvSpPr>
               <p:cNvPr id="6" name="Google Shape;160;p17">
@@ -32486,7 +34615,7 @@
             </p:txBody>
           </p:sp>
         </mc:Choice>
-        <mc:Fallback>
+        <mc:Fallback xmlns="">
           <p:sp>
             <p:nvSpPr>
               <p:cNvPr id="6" name="Google Shape;160;p17">
@@ -32501,7 +34630,7 @@
               </p:cNvSpPr>
               <p:nvPr>
                 <p:custDataLst>
-                  <p:tags r:id="rId3"/>
+                  <p:tags r:id="rId7"/>
                 </p:custDataLst>
               </p:nvPr>
             </p:nvSpPr>
@@ -32514,7 +34643,7 @@
                 <a:avLst/>
               </a:prstGeom>
               <a:blipFill>
-                <a:blip r:embed="rId6"/>
+                <a:blip r:embed="rId8"/>
                 <a:stretch>
                   <a:fillRect/>
                 </a:stretch>

--- a/Presentation-projet-de-session.pptx
+++ b/Presentation-projet-de-session.pptx
@@ -45,22 +45,34 @@
   <p:notesSz cx="6858000" cy="9144000"/>
   <p:embeddedFontLst>
     <p:embeddedFont>
+      <p:font typeface="Calibri" panose="020F0502020204030204" pitchFamily="34" charset="0"/>
+      <p:regular r:id="rId35"/>
+      <p:bold r:id="rId36"/>
+      <p:italic r:id="rId37"/>
+      <p:boldItalic r:id="rId38"/>
+    </p:embeddedFont>
+    <p:embeddedFont>
       <p:font typeface="Cambria Math" panose="02040503050406030204" pitchFamily="18" charset="0"/>
-      <p:regular r:id="rId35"/>
+      <p:regular r:id="rId39"/>
     </p:embeddedFont>
     <p:embeddedFont>
       <p:font typeface="Lato" panose="020B0604020202020204" charset="0"/>
-      <p:regular r:id="rId36"/>
-      <p:bold r:id="rId37"/>
-      <p:italic r:id="rId38"/>
-      <p:boldItalic r:id="rId39"/>
-    </p:embeddedFont>
-    <p:embeddedFont>
-      <p:font typeface="Montserrat" panose="020B0604020202020204" charset="0"/>
       <p:regular r:id="rId40"/>
       <p:bold r:id="rId41"/>
       <p:italic r:id="rId42"/>
       <p:boldItalic r:id="rId43"/>
+    </p:embeddedFont>
+    <p:embeddedFont>
+      <p:font typeface="Leelawadee" panose="020B0502040204020203" pitchFamily="34" charset="-34"/>
+      <p:regular r:id="rId44"/>
+      <p:bold r:id="rId45"/>
+    </p:embeddedFont>
+    <p:embeddedFont>
+      <p:font typeface="Montserrat" panose="020B0604020202020204" charset="0"/>
+      <p:regular r:id="rId46"/>
+      <p:bold r:id="rId47"/>
+      <p:italic r:id="rId48"/>
+      <p:boldItalic r:id="rId49"/>
     </p:embeddedFont>
   </p:embeddedFontLst>
   <p:defaultTextStyle>
@@ -377,6 +389,4886 @@
     </p:ext>
   </p:extLst>
 </p:presentation>
+</file>
+
+<file path=ppt/charts/chart1.xml><?xml version="1.0" encoding="utf-8"?>
+<c:chartSpace xmlns:c="http://schemas.openxmlformats.org/drawingml/2006/chart" xmlns:a="http://schemas.openxmlformats.org/drawingml/2006/main" xmlns:r="http://schemas.openxmlformats.org/officeDocument/2006/relationships" xmlns:c16r2="http://schemas.microsoft.com/office/drawing/2015/06/chart">
+  <c:date1904 val="0"/>
+  <c:lang val="en-US"/>
+  <c:roundedCorners val="0"/>
+  <mc:AlternateContent xmlns:mc="http://schemas.openxmlformats.org/markup-compatibility/2006">
+    <mc:Choice xmlns:c14="http://schemas.microsoft.com/office/drawing/2007/8/2/chart" Requires="c14">
+      <c14:style val="103"/>
+    </mc:Choice>
+    <mc:Fallback>
+      <c:style val="3"/>
+    </mc:Fallback>
+  </mc:AlternateContent>
+  <c:chart>
+    <c:autoTitleDeleted val="1"/>
+    <c:plotArea>
+      <c:layout>
+        <c:manualLayout>
+          <c:layoutTarget val="inner"/>
+          <c:xMode val="edge"/>
+          <c:yMode val="edge"/>
+          <c:x val="0.1731658632439747"/>
+          <c:y val="4.0740728859513312E-2"/>
+          <c:w val="0.79222239216292156"/>
+          <c:h val="0.80192598369029344"/>
+        </c:manualLayout>
+      </c:layout>
+      <c:scatterChart>
+        <c:scatterStyle val="lineMarker"/>
+        <c:varyColors val="0"/>
+        <c:ser>
+          <c:idx val="0"/>
+          <c:order val="0"/>
+          <c:spPr>
+            <a:ln w="19050" cap="rnd">
+              <a:noFill/>
+              <a:round/>
+            </a:ln>
+            <a:effectLst/>
+          </c:spPr>
+          <c:marker>
+            <c:symbol val="circle"/>
+            <c:size val="5"/>
+            <c:spPr>
+              <a:solidFill>
+                <a:schemeClr val="tx1"/>
+              </a:solidFill>
+              <a:ln w="9525">
+                <a:solidFill>
+                  <a:schemeClr val="tx1"/>
+                </a:solidFill>
+              </a:ln>
+              <a:effectLst/>
+            </c:spPr>
+          </c:marker>
+          <c:trendline>
+            <c:spPr>
+              <a:ln w="19050" cap="rnd">
+                <a:solidFill>
+                  <a:schemeClr val="tx1"/>
+                </a:solidFill>
+                <a:prstDash val="sysDot"/>
+              </a:ln>
+              <a:effectLst/>
+            </c:spPr>
+            <c:trendlineType val="linear"/>
+            <c:dispRSqr val="1"/>
+            <c:dispEq val="1"/>
+            <c:trendlineLbl>
+              <c:layout>
+                <c:manualLayout>
+                  <c:x val="-0.17801743532058492"/>
+                  <c:y val="9.431634942776701E-2"/>
+                </c:manualLayout>
+              </c:layout>
+              <c:numFmt formatCode="General" sourceLinked="0"/>
+              <c:spPr>
+                <a:noFill/>
+                <a:ln>
+                  <a:noFill/>
+                </a:ln>
+                <a:effectLst/>
+              </c:spPr>
+              <c:txPr>
+                <a:bodyPr rot="0" spcFirstLastPara="1" vertOverflow="ellipsis" vert="horz" wrap="square" anchor="ctr" anchorCtr="1"/>
+                <a:lstStyle/>
+                <a:p>
+                  <a:pPr>
+                    <a:defRPr sz="900" b="0" i="0" u="none" strike="noStrike" kern="1200" baseline="0">
+                      <a:solidFill>
+                        <a:schemeClr val="tx1"/>
+                      </a:solidFill>
+                      <a:latin typeface="+mn-lt"/>
+                      <a:ea typeface="+mn-ea"/>
+                      <a:cs typeface="+mn-cs"/>
+                    </a:defRPr>
+                  </a:pPr>
+                  <a:endParaRPr lang="en-US"/>
+                </a:p>
+              </c:txPr>
+            </c:trendlineLbl>
+          </c:trendline>
+          <c:xVal>
+            <c:numRef>
+              <c:f>variable!$B$21:$B$120</c:f>
+              <c:numCache>
+                <c:formatCode>General</c:formatCode>
+                <c:ptCount val="100"/>
+                <c:pt idx="0">
+                  <c:v>0.68159053045506901</c:v>
+                </c:pt>
+                <c:pt idx="1">
+                  <c:v>0.86136678244547504</c:v>
+                </c:pt>
+                <c:pt idx="2">
+                  <c:v>0.91988091135295902</c:v>
+                </c:pt>
+                <c:pt idx="3">
+                  <c:v>0.67142657849245901</c:v>
+                </c:pt>
+                <c:pt idx="4">
+                  <c:v>0.86800151930486902</c:v>
+                </c:pt>
+                <c:pt idx="5">
+                  <c:v>0.73948734862116705</c:v>
+                </c:pt>
+                <c:pt idx="6">
+                  <c:v>0.83800759267318603</c:v>
+                </c:pt>
+                <c:pt idx="7">
+                  <c:v>0.88165826861585295</c:v>
+                </c:pt>
+                <c:pt idx="8">
+                  <c:v>0.78751623011109595</c:v>
+                </c:pt>
+                <c:pt idx="9">
+                  <c:v>0.81590473627704596</c:v>
+                </c:pt>
+                <c:pt idx="10">
+                  <c:v>0.68820181250612</c:v>
+                </c:pt>
+                <c:pt idx="11">
+                  <c:v>0.74547483021821503</c:v>
+                </c:pt>
+                <c:pt idx="12">
+                  <c:v>0.76139156932920304</c:v>
+                </c:pt>
+                <c:pt idx="13">
+                  <c:v>0.81720438679084395</c:v>
+                </c:pt>
+                <c:pt idx="14">
+                  <c:v>0.99066653941600202</c:v>
+                </c:pt>
+                <c:pt idx="15">
+                  <c:v>0.88901266184298799</c:v>
+                </c:pt>
+                <c:pt idx="16">
+                  <c:v>0.90940465234184498</c:v>
+                </c:pt>
+                <c:pt idx="17">
+                  <c:v>0.84423873054566601</c:v>
+                </c:pt>
+                <c:pt idx="18">
+                  <c:v>0.60793244342809305</c:v>
+                </c:pt>
+                <c:pt idx="19">
+                  <c:v>0.80638574314336797</c:v>
+                </c:pt>
+                <c:pt idx="20">
+                  <c:v>0.66026302283438598</c:v>
+                </c:pt>
+                <c:pt idx="21">
+                  <c:v>0.78831634984041998</c:v>
+                </c:pt>
+                <c:pt idx="22">
+                  <c:v>0.609041043138978</c:v>
+                </c:pt>
+                <c:pt idx="23">
+                  <c:v>0.66723674071866401</c:v>
+                </c:pt>
+                <c:pt idx="24">
+                  <c:v>0.97210773319773702</c:v>
+                </c:pt>
+                <c:pt idx="25">
+                  <c:v>0.76513753214605496</c:v>
+                </c:pt>
+                <c:pt idx="26">
+                  <c:v>0.78276136030445498</c:v>
+                </c:pt>
+                <c:pt idx="27">
+                  <c:v>0.64884641351606998</c:v>
+                </c:pt>
+                <c:pt idx="28">
+                  <c:v>0.71475154458523005</c:v>
+                </c:pt>
+                <c:pt idx="29">
+                  <c:v>0.97684078444580502</c:v>
+                </c:pt>
+                <c:pt idx="30">
+                  <c:v>0.91242772018154294</c:v>
+                </c:pt>
+                <c:pt idx="31">
+                  <c:v>0.79999591405450399</c:v>
+                </c:pt>
+                <c:pt idx="32">
+                  <c:v>0.74353670535907102</c:v>
+                </c:pt>
+                <c:pt idx="33">
+                  <c:v>0.943145752983507</c:v>
+                </c:pt>
+                <c:pt idx="34">
+                  <c:v>0.68663705729086</c:v>
+                </c:pt>
+                <c:pt idx="35">
+                  <c:v>0.69976134311319904</c:v>
+                </c:pt>
+                <c:pt idx="36">
+                  <c:v>0.77284494550399896</c:v>
+                </c:pt>
+                <c:pt idx="37">
+                  <c:v>0.99567515210733404</c:v>
+                </c:pt>
+                <c:pt idx="38">
+                  <c:v>0.98730491847195601</c:v>
+                </c:pt>
+                <c:pt idx="39">
+                  <c:v>0.95695418677575605</c:v>
+                </c:pt>
+                <c:pt idx="40">
+                  <c:v>0.72326647755079598</c:v>
+                </c:pt>
+                <c:pt idx="41">
+                  <c:v>0.95142840216376701</c:v>
+                </c:pt>
+                <c:pt idx="42">
+                  <c:v>0.71696851133264305</c:v>
+                </c:pt>
+                <c:pt idx="43">
+                  <c:v>0.79528360118472696</c:v>
+                </c:pt>
+                <c:pt idx="44">
+                  <c:v>0.62424821978707601</c:v>
+                </c:pt>
+                <c:pt idx="45">
+                  <c:v>0.75516698205444599</c:v>
+                </c:pt>
+                <c:pt idx="46">
+                  <c:v>0.966859514883041</c:v>
+                </c:pt>
+                <c:pt idx="47">
+                  <c:v>0.82408513783655701</c:v>
+                </c:pt>
+                <c:pt idx="48">
+                  <c:v>0.89409897974079</c:v>
+                </c:pt>
+                <c:pt idx="49">
+                  <c:v>0.866921950185507</c:v>
+                </c:pt>
+                <c:pt idx="50">
+                  <c:v>0.81183650998770795</c:v>
+                </c:pt>
+                <c:pt idx="51">
+                  <c:v>0.94498079036569305</c:v>
+                </c:pt>
+                <c:pt idx="52">
+                  <c:v>0.75901794735113903</c:v>
+                </c:pt>
+                <c:pt idx="53">
+                  <c:v>0.96838106080376396</c:v>
+                </c:pt>
+                <c:pt idx="54">
+                  <c:v>0.726158430282976</c:v>
+                </c:pt>
+                <c:pt idx="55">
+                  <c:v>0.88511144788453999</c:v>
+                </c:pt>
+                <c:pt idx="56">
+                  <c:v>0.71176464891589297</c:v>
+                </c:pt>
+                <c:pt idx="57">
+                  <c:v>0.67995282518306399</c:v>
+                </c:pt>
+                <c:pt idx="58">
+                  <c:v>0.67439897226705003</c:v>
+                </c:pt>
+                <c:pt idx="59">
+                  <c:v>0.80001948222617203</c:v>
+                </c:pt>
+                <c:pt idx="60">
+                  <c:v>0.90425868248654495</c:v>
+                </c:pt>
+                <c:pt idx="61">
+                  <c:v>0.693103457114711</c:v>
+                </c:pt>
+                <c:pt idx="62">
+                  <c:v>0.89623629460103305</c:v>
+                </c:pt>
+                <c:pt idx="63">
+                  <c:v>0.84288999881623805</c:v>
+                </c:pt>
+                <c:pt idx="64">
+                  <c:v>0.934421604779063</c:v>
+                </c:pt>
+                <c:pt idx="65">
+                  <c:v>0.98304598075883698</c:v>
+                </c:pt>
+                <c:pt idx="66">
+                  <c:v>0.64489540711061499</c:v>
+                </c:pt>
+                <c:pt idx="67">
+                  <c:v>0.903729646575958</c:v>
+                </c:pt>
+                <c:pt idx="68">
+                  <c:v>0.82201714581602303</c:v>
+                </c:pt>
+                <c:pt idx="69">
+                  <c:v>0.73165001476957903</c:v>
+                </c:pt>
+                <c:pt idx="70">
+                  <c:v>0.92151376805004004</c:v>
+                </c:pt>
+                <c:pt idx="71">
+                  <c:v>0.63873333888320505</c:v>
+                </c:pt>
+                <c:pt idx="72">
+                  <c:v>0.73563129136352301</c:v>
+                </c:pt>
+                <c:pt idx="73">
+                  <c:v>0.61232419138798699</c:v>
+                </c:pt>
+                <c:pt idx="74">
+                  <c:v>0.77944589780286799</c:v>
+                </c:pt>
+                <c:pt idx="75">
+                  <c:v>0.856008565381016</c:v>
+                </c:pt>
+                <c:pt idx="76">
+                  <c:v>0.70461961373650395</c:v>
+                </c:pt>
+                <c:pt idx="77">
+                  <c:v>0.96125017926494605</c:v>
+                </c:pt>
+                <c:pt idx="78">
+                  <c:v>0.74827299386784196</c:v>
+                </c:pt>
+                <c:pt idx="79">
+                  <c:v>0.85371223626810999</c:v>
+                </c:pt>
+                <c:pt idx="80">
+                  <c:v>0.83484694529671799</c:v>
+                </c:pt>
+                <c:pt idx="81">
+                  <c:v>0.65757199220622098</c:v>
+                </c:pt>
+                <c:pt idx="82">
+                  <c:v>0.70215555795145002</c:v>
+                </c:pt>
+                <c:pt idx="83">
+                  <c:v>0.65505285058441698</c:v>
+                </c:pt>
+                <c:pt idx="84">
+                  <c:v>0.92867853253268995</c:v>
+                </c:pt>
+                <c:pt idx="85">
+                  <c:v>0.63488005726337904</c:v>
+                </c:pt>
+                <c:pt idx="86">
+                  <c:v>0.62050350208567495</c:v>
+                </c:pt>
+                <c:pt idx="87">
+                  <c:v>0.92757431220559095</c:v>
+                </c:pt>
+                <c:pt idx="88">
+                  <c:v>0.60339082800100396</c:v>
+                </c:pt>
+                <c:pt idx="89">
+                  <c:v>0.629116872074309</c:v>
+                </c:pt>
+                <c:pt idx="90">
+                  <c:v>0.87976736802300204</c:v>
+                </c:pt>
+                <c:pt idx="91">
+                  <c:v>0.77192211197466698</c:v>
+                </c:pt>
+                <c:pt idx="92">
+                  <c:v>0.87471382011598897</c:v>
+                </c:pt>
+                <c:pt idx="93">
+                  <c:v>0.64127534475803005</c:v>
+                </c:pt>
+                <c:pt idx="94">
+                  <c:v>0.95269088710804095</c:v>
+                </c:pt>
+                <c:pt idx="95">
+                  <c:v>0.93923171969978203</c:v>
+                </c:pt>
+                <c:pt idx="96">
+                  <c:v>0.848328011615197</c:v>
+                </c:pt>
+                <c:pt idx="97">
+                  <c:v>0.82994662543700504</c:v>
+                </c:pt>
+                <c:pt idx="98">
+                  <c:v>0.99740298773334002</c:v>
+                </c:pt>
+                <c:pt idx="99">
+                  <c:v>0.61875886345273501</c:v>
+                </c:pt>
+              </c:numCache>
+            </c:numRef>
+          </c:xVal>
+          <c:yVal>
+            <c:numRef>
+              <c:f>variable!$G$21:$G$120</c:f>
+              <c:numCache>
+                <c:formatCode>General</c:formatCode>
+                <c:ptCount val="100"/>
+                <c:pt idx="0">
+                  <c:v>105.502422350941</c:v>
+                </c:pt>
+                <c:pt idx="1">
+                  <c:v>126.347542671497</c:v>
+                </c:pt>
+                <c:pt idx="2">
+                  <c:v>132.94058525979901</c:v>
+                </c:pt>
+                <c:pt idx="3">
+                  <c:v>103.905337859659</c:v>
+                </c:pt>
+                <c:pt idx="4">
+                  <c:v>129.556462946594</c:v>
+                </c:pt>
+                <c:pt idx="5">
+                  <c:v>111.617134742418</c:v>
+                </c:pt>
+                <c:pt idx="6">
+                  <c:v>123.984713829234</c:v>
+                </c:pt>
+                <c:pt idx="7">
+                  <c:v>130.42313639913201</c:v>
+                </c:pt>
+                <c:pt idx="8">
+                  <c:v>118.722759612795</c:v>
+                </c:pt>
+                <c:pt idx="9">
+                  <c:v>121.186534242455</c:v>
+                </c:pt>
+                <c:pt idx="10">
+                  <c:v>105.097202384041</c:v>
+                </c:pt>
+                <c:pt idx="11">
+                  <c:v>112.955411531219</c:v>
+                </c:pt>
+                <c:pt idx="12">
+                  <c:v>113.641607918792</c:v>
+                </c:pt>
+                <c:pt idx="13">
+                  <c:v>121.96602616906701</c:v>
+                </c:pt>
+                <c:pt idx="14">
+                  <c:v>141.62554811818501</c:v>
+                </c:pt>
+                <c:pt idx="15">
+                  <c:v>132.55718998972301</c:v>
+                </c:pt>
+                <c:pt idx="16">
+                  <c:v>134.05142052657601</c:v>
+                </c:pt>
+                <c:pt idx="17">
+                  <c:v>124.56779245420501</c:v>
+                </c:pt>
+                <c:pt idx="18">
+                  <c:v>97.067443287265604</c:v>
+                </c:pt>
+                <c:pt idx="19">
+                  <c:v>120.987523223964</c:v>
+                </c:pt>
+                <c:pt idx="20">
+                  <c:v>101.575792055175</c:v>
+                </c:pt>
+                <c:pt idx="21">
+                  <c:v>117.779485781598</c:v>
+                </c:pt>
+                <c:pt idx="22">
+                  <c:v>98.174875803121196</c:v>
+                </c:pt>
+                <c:pt idx="23">
+                  <c:v>105.000789876157</c:v>
+                </c:pt>
+                <c:pt idx="24">
+                  <c:v>136.107164943811</c:v>
+                </c:pt>
+                <c:pt idx="25">
+                  <c:v>114.350317782028</c:v>
+                </c:pt>
+                <c:pt idx="26">
+                  <c:v>117.63743100129</c:v>
+                </c:pt>
+                <c:pt idx="27">
+                  <c:v>100.158884880508</c:v>
+                </c:pt>
+                <c:pt idx="28">
+                  <c:v>108.18195694067801</c:v>
+                </c:pt>
+                <c:pt idx="29">
+                  <c:v>140.22834415927301</c:v>
+                </c:pt>
+                <c:pt idx="30">
+                  <c:v>134.39818473858099</c:v>
+                </c:pt>
+                <c:pt idx="31">
+                  <c:v>119.019792119654</c:v>
+                </c:pt>
+                <c:pt idx="32">
+                  <c:v>112.06503625396699</c:v>
+                </c:pt>
+                <c:pt idx="33">
+                  <c:v>136.78826281933101</c:v>
+                </c:pt>
+                <c:pt idx="34">
+                  <c:v>105.63698285058</c:v>
+                </c:pt>
+                <c:pt idx="35">
+                  <c:v>106.273114057667</c:v>
+                </c:pt>
+                <c:pt idx="36">
+                  <c:v>116.121359551756</c:v>
+                </c:pt>
+                <c:pt idx="37">
+                  <c:v>142.270439199989</c:v>
+                </c:pt>
+                <c:pt idx="38">
+                  <c:v>141.67271341791499</c:v>
+                </c:pt>
+                <c:pt idx="39">
+                  <c:v>138.120592327439</c:v>
+                </c:pt>
+                <c:pt idx="40">
+                  <c:v>109.26537117497401</c:v>
+                </c:pt>
+                <c:pt idx="41">
+                  <c:v>137.64353973945001</c:v>
+                </c:pt>
+                <c:pt idx="42">
+                  <c:v>109.107848102468</c:v>
+                </c:pt>
+                <c:pt idx="43">
+                  <c:v>118.807491829138</c:v>
+                </c:pt>
+                <c:pt idx="44">
+                  <c:v>97.821223000005702</c:v>
+                </c:pt>
+                <c:pt idx="45">
+                  <c:v>113.51603113796899</c:v>
+                </c:pt>
+                <c:pt idx="46">
+                  <c:v>138.37879819691301</c:v>
+                </c:pt>
+                <c:pt idx="47">
+                  <c:v>121.936726778777</c:v>
+                </c:pt>
+                <c:pt idx="48">
+                  <c:v>130.350992610302</c:v>
+                </c:pt>
+                <c:pt idx="49">
+                  <c:v>126.745462398171</c:v>
+                </c:pt>
+                <c:pt idx="50">
+                  <c:v>120.263039739532</c:v>
+                </c:pt>
+                <c:pt idx="51">
+                  <c:v>137.44585732457699</c:v>
+                </c:pt>
+                <c:pt idx="52">
+                  <c:v>114.066023869912</c:v>
+                </c:pt>
+                <c:pt idx="53">
+                  <c:v>139.42133129897101</c:v>
+                </c:pt>
+                <c:pt idx="54">
+                  <c:v>109.82612250616999</c:v>
+                </c:pt>
+                <c:pt idx="55">
+                  <c:v>129.054065493824</c:v>
+                </c:pt>
+                <c:pt idx="56">
+                  <c:v>108.362417270333</c:v>
+                </c:pt>
+                <c:pt idx="57">
+                  <c:v>106.238693225316</c:v>
+                </c:pt>
+                <c:pt idx="58">
+                  <c:v>103.20808855072799</c:v>
+                </c:pt>
+                <c:pt idx="59">
+                  <c:v>119.51795642956699</c:v>
+                </c:pt>
+                <c:pt idx="60">
+                  <c:v>132.736016571379</c:v>
+                </c:pt>
+                <c:pt idx="61">
+                  <c:v>108.001303855093</c:v>
+                </c:pt>
+                <c:pt idx="62">
+                  <c:v>131.455542497105</c:v>
+                </c:pt>
+                <c:pt idx="63">
+                  <c:v>124.16443167441101</c:v>
+                </c:pt>
+                <c:pt idx="64">
+                  <c:v>134.97232204510999</c:v>
+                </c:pt>
+                <c:pt idx="65">
+                  <c:v>140.94442039097899</c:v>
+                </c:pt>
+                <c:pt idx="66">
+                  <c:v>101.67479141511301</c:v>
+                </c:pt>
+                <c:pt idx="67">
+                  <c:v>133.37755801974899</c:v>
+                </c:pt>
+                <c:pt idx="68">
+                  <c:v>121.474586435437</c:v>
+                </c:pt>
+                <c:pt idx="69">
+                  <c:v>109.783998924507</c:v>
+                </c:pt>
+                <c:pt idx="70">
+                  <c:v>134.666412023562</c:v>
+                </c:pt>
+                <c:pt idx="71">
+                  <c:v>97.671792133559094</c:v>
+                </c:pt>
+                <c:pt idx="72">
+                  <c:v>111.563393990503</c:v>
+                </c:pt>
+                <c:pt idx="73">
+                  <c:v>95.792035194383004</c:v>
+                </c:pt>
+                <c:pt idx="74">
+                  <c:v>116.724923299247</c:v>
+                </c:pt>
+                <c:pt idx="75">
+                  <c:v>124.053418431944</c:v>
+                </c:pt>
+                <c:pt idx="76">
+                  <c:v>107.218826079092</c:v>
+                </c:pt>
+                <c:pt idx="77">
+                  <c:v>140.19024524605899</c:v>
+                </c:pt>
+                <c:pt idx="78">
+                  <c:v>111.333340461755</c:v>
+                </c:pt>
+                <c:pt idx="79">
+                  <c:v>126.052685744412</c:v>
+                </c:pt>
+                <c:pt idx="80">
+                  <c:v>124.611697657589</c:v>
+                </c:pt>
+                <c:pt idx="81">
+                  <c:v>102.25388940242399</c:v>
+                </c:pt>
+                <c:pt idx="82">
+                  <c:v>105.439975246659</c:v>
+                </c:pt>
+                <c:pt idx="83">
+                  <c:v>100.307484048823</c:v>
+                </c:pt>
+                <c:pt idx="84">
+                  <c:v>134.247308901536</c:v>
+                </c:pt>
+                <c:pt idx="85">
+                  <c:v>96.740663972699906</c:v>
+                </c:pt>
+                <c:pt idx="86">
+                  <c:v>96.473252762314203</c:v>
+                </c:pt>
+                <c:pt idx="87">
+                  <c:v>133.55301313136599</c:v>
+                </c:pt>
+                <c:pt idx="88">
+                  <c:v>95.542691304791603</c:v>
+                </c:pt>
+                <c:pt idx="89">
+                  <c:v>99.713092249318805</c:v>
+                </c:pt>
+                <c:pt idx="90">
+                  <c:v>131.694060424154</c:v>
+                </c:pt>
+                <c:pt idx="91">
+                  <c:v>116.144448668835</c:v>
+                </c:pt>
+                <c:pt idx="92">
+                  <c:v>128.71301004562901</c:v>
+                </c:pt>
+                <c:pt idx="93">
+                  <c:v>100.15116833788301</c:v>
+                </c:pt>
+                <c:pt idx="94">
+                  <c:v>138.772466255674</c:v>
+                </c:pt>
+                <c:pt idx="95">
+                  <c:v>138.27003901583601</c:v>
+                </c:pt>
+                <c:pt idx="96">
+                  <c:v>125.00727574383301</c:v>
+                </c:pt>
+                <c:pt idx="97">
+                  <c:v>123.267067696743</c:v>
+                </c:pt>
+                <c:pt idx="98">
+                  <c:v>143.39593726305199</c:v>
+                </c:pt>
+                <c:pt idx="99">
+                  <c:v>95.985756047966802</c:v>
+                </c:pt>
+              </c:numCache>
+            </c:numRef>
+          </c:yVal>
+          <c:smooth val="0"/>
+          <c:extLst>
+            <c:ext xmlns:c16="http://schemas.microsoft.com/office/drawing/2014/chart" uri="{C3380CC4-5D6E-409C-BE32-E72D297353CC}">
+              <c16:uniqueId val="{00000001-4D1E-48D9-91A6-9853C9FCBAEB}"/>
+            </c:ext>
+          </c:extLst>
+        </c:ser>
+        <c:dLbls>
+          <c:showLegendKey val="0"/>
+          <c:showVal val="0"/>
+          <c:showCatName val="0"/>
+          <c:showSerName val="0"/>
+          <c:showPercent val="0"/>
+          <c:showBubbleSize val="0"/>
+        </c:dLbls>
+        <c:axId val="1774724271"/>
+        <c:axId val="1731466671"/>
+      </c:scatterChart>
+      <c:valAx>
+        <c:axId val="1774724271"/>
+        <c:scaling>
+          <c:orientation val="minMax"/>
+          <c:min val="0.5"/>
+        </c:scaling>
+        <c:delete val="0"/>
+        <c:axPos val="b"/>
+        <c:title>
+          <c:tx>
+            <c:rich>
+              <a:bodyPr rot="0" spcFirstLastPara="1" vertOverflow="ellipsis" vert="horz" wrap="square" anchor="ctr" anchorCtr="1"/>
+              <a:lstStyle/>
+              <a:p>
+                <a:pPr>
+                  <a:defRPr sz="1000" b="0" i="0" u="none" strike="noStrike" kern="1200" baseline="0">
+                    <a:solidFill>
+                      <a:schemeClr val="bg1"/>
+                    </a:solidFill>
+                    <a:latin typeface="+mn-lt"/>
+                    <a:ea typeface="+mn-ea"/>
+                    <a:cs typeface="+mn-cs"/>
+                  </a:defRPr>
+                </a:pPr>
+                <a:r>
+                  <a:rPr lang="en-CA" dirty="0">
+                    <a:solidFill>
+                      <a:schemeClr val="bg1"/>
+                    </a:solidFill>
+                  </a:rPr>
+                  <a:t>Ratio</a:t>
+                </a:r>
+                <a:r>
+                  <a:rPr lang="en-CA" baseline="0" dirty="0">
+                    <a:solidFill>
+                      <a:schemeClr val="bg1"/>
+                    </a:solidFill>
+                  </a:rPr>
+                  <a:t> entre </a:t>
+                </a:r>
+                <a:r>
+                  <a:rPr lang="en-CA" baseline="0">
+                    <a:solidFill>
+                      <a:schemeClr val="bg1"/>
+                    </a:solidFill>
+                  </a:rPr>
+                  <a:t>la génération </a:t>
+                </a:r>
+                <a:r>
+                  <a:rPr lang="en-CA" baseline="0" dirty="0">
+                    <a:solidFill>
+                      <a:schemeClr val="bg1"/>
+                    </a:solidFill>
+                  </a:rPr>
+                  <a:t>de </a:t>
+                </a:r>
+                <a:r>
+                  <a:rPr lang="en-CA" baseline="0" dirty="0" err="1">
+                    <a:solidFill>
+                      <a:schemeClr val="bg1"/>
+                    </a:solidFill>
+                  </a:rPr>
+                  <a:t>chaleur</a:t>
+                </a:r>
+                <a:r>
+                  <a:rPr lang="en-CA" baseline="0" dirty="0">
+                    <a:solidFill>
+                      <a:schemeClr val="bg1"/>
+                    </a:solidFill>
+                  </a:rPr>
+                  <a:t> et la puissance </a:t>
+                </a:r>
+                <a:r>
+                  <a:rPr lang="en-CA" baseline="0" dirty="0" err="1">
+                    <a:solidFill>
+                      <a:schemeClr val="bg1"/>
+                    </a:solidFill>
+                  </a:rPr>
+                  <a:t>mécanique</a:t>
+                </a:r>
+                <a:r>
+                  <a:rPr lang="en-CA" baseline="0" dirty="0">
+                    <a:solidFill>
+                      <a:schemeClr val="bg1"/>
+                    </a:solidFill>
+                  </a:rPr>
+                  <a:t> du </a:t>
+                </a:r>
+                <a:r>
+                  <a:rPr lang="en-CA" baseline="0" dirty="0" err="1">
+                    <a:solidFill>
+                      <a:schemeClr val="bg1"/>
+                    </a:solidFill>
+                  </a:rPr>
+                  <a:t>moteur</a:t>
+                </a:r>
+                <a:endParaRPr lang="en-CA" dirty="0">
+                  <a:solidFill>
+                    <a:schemeClr val="bg1"/>
+                  </a:solidFill>
+                </a:endParaRPr>
+              </a:p>
+            </c:rich>
+          </c:tx>
+          <c:overlay val="0"/>
+          <c:spPr>
+            <a:noFill/>
+            <a:ln>
+              <a:noFill/>
+            </a:ln>
+            <a:effectLst/>
+          </c:spPr>
+          <c:txPr>
+            <a:bodyPr rot="0" spcFirstLastPara="1" vertOverflow="ellipsis" vert="horz" wrap="square" anchor="ctr" anchorCtr="1"/>
+            <a:lstStyle/>
+            <a:p>
+              <a:pPr>
+                <a:defRPr sz="1000" b="0" i="0" u="none" strike="noStrike" kern="1200" baseline="0">
+                  <a:solidFill>
+                    <a:schemeClr val="bg1"/>
+                  </a:solidFill>
+                  <a:latin typeface="+mn-lt"/>
+                  <a:ea typeface="+mn-ea"/>
+                  <a:cs typeface="+mn-cs"/>
+                </a:defRPr>
+              </a:pPr>
+              <a:endParaRPr lang="en-US"/>
+            </a:p>
+          </c:txPr>
+        </c:title>
+        <c:numFmt formatCode="General" sourceLinked="1"/>
+        <c:majorTickMark val="none"/>
+        <c:minorTickMark val="none"/>
+        <c:tickLblPos val="nextTo"/>
+        <c:spPr>
+          <a:noFill/>
+          <a:ln w="9525" cap="flat" cmpd="sng" algn="ctr">
+            <a:solidFill>
+              <a:schemeClr val="tx1">
+                <a:lumMod val="25000"/>
+                <a:lumOff val="75000"/>
+              </a:schemeClr>
+            </a:solidFill>
+            <a:round/>
+          </a:ln>
+          <a:effectLst/>
+        </c:spPr>
+        <c:txPr>
+          <a:bodyPr rot="-60000000" spcFirstLastPara="1" vertOverflow="ellipsis" vert="horz" wrap="square" anchor="ctr" anchorCtr="1"/>
+          <a:lstStyle/>
+          <a:p>
+            <a:pPr>
+              <a:defRPr sz="900" b="0" i="0" u="none" strike="noStrike" kern="1200" baseline="0">
+                <a:solidFill>
+                  <a:schemeClr val="bg1"/>
+                </a:solidFill>
+                <a:latin typeface="+mn-lt"/>
+                <a:ea typeface="+mn-ea"/>
+                <a:cs typeface="+mn-cs"/>
+              </a:defRPr>
+            </a:pPr>
+            <a:endParaRPr lang="en-US"/>
+          </a:p>
+        </c:txPr>
+        <c:crossAx val="1731466671"/>
+        <c:crosses val="autoZero"/>
+        <c:crossBetween val="midCat"/>
+      </c:valAx>
+      <c:valAx>
+        <c:axId val="1731466671"/>
+        <c:scaling>
+          <c:orientation val="minMax"/>
+          <c:min val="80"/>
+        </c:scaling>
+        <c:delete val="0"/>
+        <c:axPos val="l"/>
+        <c:majorGridlines>
+          <c:spPr>
+            <a:ln w="9525" cap="flat" cmpd="sng" algn="ctr">
+              <a:solidFill>
+                <a:schemeClr val="tx1">
+                  <a:lumMod val="15000"/>
+                  <a:lumOff val="85000"/>
+                </a:schemeClr>
+              </a:solidFill>
+              <a:round/>
+            </a:ln>
+            <a:effectLst/>
+          </c:spPr>
+        </c:majorGridlines>
+        <c:title>
+          <c:tx>
+            <c:rich>
+              <a:bodyPr rot="-5400000" spcFirstLastPara="1" vertOverflow="ellipsis" vert="horz" wrap="square" anchor="ctr" anchorCtr="1"/>
+              <a:lstStyle/>
+              <a:p>
+                <a:pPr>
+                  <a:defRPr sz="1000" b="0" i="0" u="none" strike="noStrike" kern="1200" baseline="0">
+                    <a:solidFill>
+                      <a:schemeClr val="bg1"/>
+                    </a:solidFill>
+                    <a:latin typeface="+mn-lt"/>
+                    <a:ea typeface="+mn-ea"/>
+                    <a:cs typeface="+mn-cs"/>
+                  </a:defRPr>
+                </a:pPr>
+                <a:r>
+                  <a:rPr lang="en-CA" dirty="0" err="1">
+                    <a:solidFill>
+                      <a:schemeClr val="bg1"/>
+                    </a:solidFill>
+                  </a:rPr>
+                  <a:t>Température</a:t>
+                </a:r>
+                <a:r>
+                  <a:rPr lang="en-CA" dirty="0">
+                    <a:solidFill>
+                      <a:schemeClr val="bg1"/>
+                    </a:solidFill>
+                  </a:rPr>
+                  <a:t> </a:t>
+                </a:r>
+                <a:r>
+                  <a:rPr lang="en-CA" dirty="0" err="1">
+                    <a:solidFill>
+                      <a:schemeClr val="bg1"/>
+                    </a:solidFill>
+                  </a:rPr>
+                  <a:t>moyenne</a:t>
+                </a:r>
+                <a:r>
+                  <a:rPr lang="en-CA" dirty="0">
+                    <a:solidFill>
+                      <a:schemeClr val="bg1"/>
+                    </a:solidFill>
+                  </a:rPr>
+                  <a:t> après 200 seconds </a:t>
+                </a:r>
+                <a:r>
+                  <a:rPr lang="en-CA" sz="1000" b="0" i="0" u="none" strike="noStrike" baseline="0" dirty="0">
+                    <a:effectLst/>
+                  </a:rPr>
+                  <a:t>(°C)</a:t>
+                </a:r>
+                <a:endParaRPr lang="en-CA" dirty="0">
+                  <a:solidFill>
+                    <a:schemeClr val="bg1"/>
+                  </a:solidFill>
+                </a:endParaRPr>
+              </a:p>
+            </c:rich>
+          </c:tx>
+          <c:layout>
+            <c:manualLayout>
+              <c:xMode val="edge"/>
+              <c:yMode val="edge"/>
+              <c:x val="7.3076657316477625E-2"/>
+              <c:y val="7.6243243702156224E-2"/>
+            </c:manualLayout>
+          </c:layout>
+          <c:overlay val="0"/>
+          <c:spPr>
+            <a:noFill/>
+            <a:ln>
+              <a:noFill/>
+            </a:ln>
+            <a:effectLst/>
+          </c:spPr>
+          <c:txPr>
+            <a:bodyPr rot="-5400000" spcFirstLastPara="1" vertOverflow="ellipsis" vert="horz" wrap="square" anchor="ctr" anchorCtr="1"/>
+            <a:lstStyle/>
+            <a:p>
+              <a:pPr>
+                <a:defRPr sz="1000" b="0" i="0" u="none" strike="noStrike" kern="1200" baseline="0">
+                  <a:solidFill>
+                    <a:schemeClr val="bg1"/>
+                  </a:solidFill>
+                  <a:latin typeface="+mn-lt"/>
+                  <a:ea typeface="+mn-ea"/>
+                  <a:cs typeface="+mn-cs"/>
+                </a:defRPr>
+              </a:pPr>
+              <a:endParaRPr lang="en-US"/>
+            </a:p>
+          </c:txPr>
+        </c:title>
+        <c:numFmt formatCode="General" sourceLinked="1"/>
+        <c:majorTickMark val="none"/>
+        <c:minorTickMark val="none"/>
+        <c:tickLblPos val="nextTo"/>
+        <c:spPr>
+          <a:noFill/>
+          <a:ln w="9525" cap="flat" cmpd="sng" algn="ctr">
+            <a:solidFill>
+              <a:schemeClr val="tx1">
+                <a:lumMod val="25000"/>
+                <a:lumOff val="75000"/>
+              </a:schemeClr>
+            </a:solidFill>
+            <a:round/>
+          </a:ln>
+          <a:effectLst/>
+        </c:spPr>
+        <c:txPr>
+          <a:bodyPr rot="-60000000" spcFirstLastPara="1" vertOverflow="ellipsis" vert="horz" wrap="square" anchor="ctr" anchorCtr="1"/>
+          <a:lstStyle/>
+          <a:p>
+            <a:pPr>
+              <a:defRPr sz="900" b="0" i="0" u="none" strike="noStrike" kern="1200" baseline="0">
+                <a:solidFill>
+                  <a:schemeClr val="bg1"/>
+                </a:solidFill>
+                <a:latin typeface="+mn-lt"/>
+                <a:ea typeface="+mn-ea"/>
+                <a:cs typeface="+mn-cs"/>
+              </a:defRPr>
+            </a:pPr>
+            <a:endParaRPr lang="en-US"/>
+          </a:p>
+        </c:txPr>
+        <c:crossAx val="1774724271"/>
+        <c:crosses val="autoZero"/>
+        <c:crossBetween val="midCat"/>
+      </c:valAx>
+      <c:spPr>
+        <a:solidFill>
+          <a:schemeClr val="bg1">
+            <a:lumMod val="75000"/>
+          </a:schemeClr>
+        </a:solidFill>
+        <a:ln>
+          <a:noFill/>
+        </a:ln>
+        <a:effectLst/>
+      </c:spPr>
+    </c:plotArea>
+    <c:plotVisOnly val="1"/>
+    <c:dispBlanksAs val="gap"/>
+    <c:extLst>
+      <c:ext xmlns:c16r3="http://schemas.microsoft.com/office/drawing/2017/03/chart" uri="{56B9EC1D-385E-4148-901F-78D8002777C0}">
+        <c16r3:dataDisplayOptions16>
+          <c16r3:dispNaAsBlank val="1"/>
+        </c16r3:dataDisplayOptions16>
+      </c:ext>
+    </c:extLst>
+    <c:showDLblsOverMax val="0"/>
+  </c:chart>
+  <c:spPr>
+    <a:noFill/>
+    <a:ln>
+      <a:noFill/>
+    </a:ln>
+    <a:effectLst/>
+  </c:spPr>
+  <c:txPr>
+    <a:bodyPr/>
+    <a:lstStyle/>
+    <a:p>
+      <a:pPr>
+        <a:defRPr/>
+      </a:pPr>
+      <a:endParaRPr lang="en-US"/>
+    </a:p>
+  </c:txPr>
+  <c:externalData r:id="rId3">
+    <c:autoUpdate val="0"/>
+  </c:externalData>
+</c:chartSpace>
+</file>
+
+<file path=ppt/charts/chart2.xml><?xml version="1.0" encoding="utf-8"?>
+<c:chartSpace xmlns:c="http://schemas.openxmlformats.org/drawingml/2006/chart" xmlns:a="http://schemas.openxmlformats.org/drawingml/2006/main" xmlns:r="http://schemas.openxmlformats.org/officeDocument/2006/relationships" xmlns:c16r2="http://schemas.microsoft.com/office/drawing/2015/06/chart">
+  <c:date1904 val="0"/>
+  <c:lang val="en-US"/>
+  <c:roundedCorners val="0"/>
+  <mc:AlternateContent xmlns:mc="http://schemas.openxmlformats.org/markup-compatibility/2006">
+    <mc:Choice xmlns:c14="http://schemas.microsoft.com/office/drawing/2007/8/2/chart" Requires="c14">
+      <c14:style val="102"/>
+    </mc:Choice>
+    <mc:Fallback>
+      <c:style val="2"/>
+    </mc:Fallback>
+  </mc:AlternateContent>
+  <c:chart>
+    <c:autoTitleDeleted val="1"/>
+    <c:plotArea>
+      <c:layout/>
+      <c:scatterChart>
+        <c:scatterStyle val="lineMarker"/>
+        <c:varyColors val="0"/>
+        <c:ser>
+          <c:idx val="0"/>
+          <c:order val="0"/>
+          <c:spPr>
+            <a:ln w="19050" cap="rnd">
+              <a:noFill/>
+              <a:round/>
+            </a:ln>
+            <a:effectLst/>
+          </c:spPr>
+          <c:marker>
+            <c:symbol val="circle"/>
+            <c:size val="5"/>
+            <c:spPr>
+              <a:solidFill>
+                <a:schemeClr val="tx1"/>
+              </a:solidFill>
+              <a:ln w="9525">
+                <a:solidFill>
+                  <a:schemeClr val="tx1"/>
+                </a:solidFill>
+              </a:ln>
+              <a:effectLst/>
+            </c:spPr>
+          </c:marker>
+          <c:trendline>
+            <c:spPr>
+              <a:ln w="19050" cap="rnd">
+                <a:solidFill>
+                  <a:schemeClr val="tx1"/>
+                </a:solidFill>
+                <a:prstDash val="sysDot"/>
+              </a:ln>
+              <a:effectLst/>
+            </c:spPr>
+            <c:trendlineType val="linear"/>
+            <c:dispRSqr val="1"/>
+            <c:dispEq val="1"/>
+            <c:trendlineLbl>
+              <c:layout>
+                <c:manualLayout>
+                  <c:x val="-0.16938603532303598"/>
+                  <c:y val="-0.39316712461856596"/>
+                </c:manualLayout>
+              </c:layout>
+              <c:numFmt formatCode="General" sourceLinked="0"/>
+              <c:spPr>
+                <a:noFill/>
+                <a:ln>
+                  <a:noFill/>
+                </a:ln>
+                <a:effectLst/>
+              </c:spPr>
+              <c:txPr>
+                <a:bodyPr rot="0" spcFirstLastPara="1" vertOverflow="ellipsis" vert="horz" wrap="square" anchor="ctr" anchorCtr="1"/>
+                <a:lstStyle/>
+                <a:p>
+                  <a:pPr>
+                    <a:defRPr sz="900" b="0" i="0" u="none" strike="noStrike" kern="1200" baseline="0">
+                      <a:solidFill>
+                        <a:schemeClr val="tx1"/>
+                      </a:solidFill>
+                      <a:latin typeface="+mn-lt"/>
+                      <a:ea typeface="+mn-ea"/>
+                      <a:cs typeface="+mn-cs"/>
+                    </a:defRPr>
+                  </a:pPr>
+                  <a:endParaRPr lang="en-US"/>
+                </a:p>
+              </c:txPr>
+            </c:trendlineLbl>
+          </c:trendline>
+          <c:xVal>
+            <c:numRef>
+              <c:f>variable!$C$21:$C$120</c:f>
+              <c:numCache>
+                <c:formatCode>General</c:formatCode>
+                <c:ptCount val="100"/>
+                <c:pt idx="0">
+                  <c:v>8.2430135175955304</c:v>
+                </c:pt>
+                <c:pt idx="1">
+                  <c:v>8.1057558223306394</c:v>
+                </c:pt>
+                <c:pt idx="2">
+                  <c:v>8.5544557234971403</c:v>
+                </c:pt>
+                <c:pt idx="3">
+                  <c:v>8.1396368517588407</c:v>
+                </c:pt>
+                <c:pt idx="4">
+                  <c:v>7.0331075940859797</c:v>
+                </c:pt>
+                <c:pt idx="5">
+                  <c:v>7.7176872890456902</c:v>
+                </c:pt>
+                <c:pt idx="6">
+                  <c:v>8.5776378987870707</c:v>
+                </c:pt>
+                <c:pt idx="7">
+                  <c:v>7.2544965728057704</c:v>
+                </c:pt>
+                <c:pt idx="8">
+                  <c:v>7.1366591832399102</c:v>
+                </c:pt>
+                <c:pt idx="9">
+                  <c:v>7.8744858377557003</c:v>
+                </c:pt>
+                <c:pt idx="10">
+                  <c:v>7.7606964847572204</c:v>
+                </c:pt>
+                <c:pt idx="11">
+                  <c:v>8.3552926482040206</c:v>
+                </c:pt>
+                <c:pt idx="12">
+                  <c:v>6.9761134661077602</c:v>
+                </c:pt>
+                <c:pt idx="13">
+                  <c:v>7.0742584217992599</c:v>
+                </c:pt>
+                <c:pt idx="14">
+                  <c:v>8.7193707093656503</c:v>
+                </c:pt>
+                <c:pt idx="15">
+                  <c:v>7.0023864504924704</c:v>
+                </c:pt>
+                <c:pt idx="16">
+                  <c:v>7.5418526478339496</c:v>
+                </c:pt>
+                <c:pt idx="17">
+                  <c:v>8.5979372348620693</c:v>
+                </c:pt>
+                <c:pt idx="18">
+                  <c:v>8.3026702051469403</c:v>
+                </c:pt>
+                <c:pt idx="19">
+                  <c:v>7.1737256139232102</c:v>
+                </c:pt>
+                <c:pt idx="20">
+                  <c:v>7.6145201904075002</c:v>
+                </c:pt>
+                <c:pt idx="21">
+                  <c:v>8.1439003996213302</c:v>
+                </c:pt>
+                <c:pt idx="22">
+                  <c:v>8.63133241905118</c:v>
+                </c:pt>
+                <c:pt idx="23">
+                  <c:v>8.7019452607590893</c:v>
+                </c:pt>
+                <c:pt idx="24">
+                  <c:v>7.4918257155652803</c:v>
+                </c:pt>
+                <c:pt idx="25">
+                  <c:v>8.06984124409807</c:v>
+                </c:pt>
+                <c:pt idx="26">
+                  <c:v>7.21073294734573</c:v>
+                </c:pt>
+                <c:pt idx="27">
+                  <c:v>7.5108221774488104</c:v>
+                </c:pt>
+                <c:pt idx="28">
+                  <c:v>7.6433068805658202</c:v>
+                </c:pt>
+                <c:pt idx="29">
+                  <c:v>8.1644688948540303</c:v>
+                </c:pt>
+                <c:pt idx="30">
+                  <c:v>7.3842538509295199</c:v>
+                </c:pt>
+                <c:pt idx="31">
+                  <c:v>8.0871898560939108</c:v>
+                </c:pt>
+                <c:pt idx="32">
+                  <c:v>7.4086902151416298</c:v>
+                </c:pt>
+                <c:pt idx="33">
+                  <c:v>8.0289913219064601</c:v>
+                </c:pt>
+                <c:pt idx="34">
+                  <c:v>8.2154737024118596</c:v>
+                </c:pt>
+                <c:pt idx="35">
+                  <c:v>7.5645010384274398</c:v>
+                </c:pt>
+                <c:pt idx="36">
+                  <c:v>7.0916857476915798</c:v>
+                </c:pt>
+                <c:pt idx="37">
+                  <c:v>8.3817839250119697</c:v>
+                </c:pt>
+                <c:pt idx="38">
+                  <c:v>7.93339799243331</c:v>
+                </c:pt>
+                <c:pt idx="39">
+                  <c:v>7.0559402460108203</c:v>
+                </c:pt>
+                <c:pt idx="40">
+                  <c:v>7.7987573838861204</c:v>
+                </c:pt>
+                <c:pt idx="41">
+                  <c:v>8.2223229438674998</c:v>
+                </c:pt>
+                <c:pt idx="42">
+                  <c:v>7.0107590704099199</c:v>
+                </c:pt>
+                <c:pt idx="43">
+                  <c:v>7.9742367299435903</c:v>
+                </c:pt>
+                <c:pt idx="44">
+                  <c:v>7.7512287776745197</c:v>
+                </c:pt>
+                <c:pt idx="45">
+                  <c:v>7.2893012959502901</c:v>
+                </c:pt>
+                <c:pt idx="46">
+                  <c:v>8.7660932909101206</c:v>
+                </c:pt>
+                <c:pt idx="47">
+                  <c:v>8.5027534814317001</c:v>
+                </c:pt>
+                <c:pt idx="48">
+                  <c:v>8.3846071224682905</c:v>
+                </c:pt>
+                <c:pt idx="49">
+                  <c:v>8.4416905926817005</c:v>
+                </c:pt>
+                <c:pt idx="50">
+                  <c:v>8.3216472357315698</c:v>
+                </c:pt>
+                <c:pt idx="51">
+                  <c:v>7.7779106264571398</c:v>
+                </c:pt>
+                <c:pt idx="52">
+                  <c:v>7.8468762347358698</c:v>
+                </c:pt>
+                <c:pt idx="53">
+                  <c:v>7.3649883402219496</c:v>
+                </c:pt>
+                <c:pt idx="54">
+                  <c:v>7.2501465469800301</c:v>
+                </c:pt>
+                <c:pt idx="55">
+                  <c:v>8.4638796228257505</c:v>
+                </c:pt>
+                <c:pt idx="56">
+                  <c:v>7.8092981713605001</c:v>
+                </c:pt>
+                <c:pt idx="57">
+                  <c:v>8.6107233480262693</c:v>
+                </c:pt>
+                <c:pt idx="58">
+                  <c:v>7.2246434463132498</c:v>
+                </c:pt>
+                <c:pt idx="59">
+                  <c:v>8.0522785281198104</c:v>
+                </c:pt>
+                <c:pt idx="60">
+                  <c:v>7.32305288155748</c:v>
+                </c:pt>
+                <c:pt idx="61">
+                  <c:v>8.7484983375178107</c:v>
+                </c:pt>
+                <c:pt idx="62">
+                  <c:v>7.5718530768619798</c:v>
+                </c:pt>
+                <c:pt idx="63">
+                  <c:v>8.4864770955138606</c:v>
+                </c:pt>
+                <c:pt idx="64">
+                  <c:v>8.2640124914014592</c:v>
+                </c:pt>
+                <c:pt idx="65">
+                  <c:v>8.5327910135296001</c:v>
+                </c:pt>
+                <c:pt idx="66">
+                  <c:v>8.4058904886290904</c:v>
+                </c:pt>
+                <c:pt idx="67">
+                  <c:v>7.4465604349562504</c:v>
+                </c:pt>
+                <c:pt idx="68">
+                  <c:v>8.6751244546681097</c:v>
+                </c:pt>
+                <c:pt idx="69">
+                  <c:v>7.5228473409169103</c:v>
+                </c:pt>
+                <c:pt idx="70">
+                  <c:v>7.8287266174688996</c:v>
+                </c:pt>
+                <c:pt idx="71">
+                  <c:v>7.1801699291863699</c:v>
+                </c:pt>
+                <c:pt idx="72">
+                  <c:v>7.1200198896707603</c:v>
+                </c:pt>
+                <c:pt idx="73">
+                  <c:v>7.4699946973329698</c:v>
+                </c:pt>
+                <c:pt idx="74">
+                  <c:v>7.9795684577582202</c:v>
+                </c:pt>
+                <c:pt idx="75">
+                  <c:v>8.2819651349295302</c:v>
+                </c:pt>
+                <c:pt idx="76">
+                  <c:v>7.8846111284373199</c:v>
+                </c:pt>
+                <c:pt idx="77">
+                  <c:v>7.6763841589932698</c:v>
+                </c:pt>
+                <c:pt idx="78">
+                  <c:v>7.5892925921270198</c:v>
+                </c:pt>
+                <c:pt idx="79">
+                  <c:v>7.94356082597157</c:v>
+                </c:pt>
+                <c:pt idx="80">
+                  <c:v>7.1463146868494096</c:v>
+                </c:pt>
+                <c:pt idx="81">
+                  <c:v>8.0058999612972297</c:v>
+                </c:pt>
+                <c:pt idx="82">
+                  <c:v>7.3550228946962601</c:v>
+                </c:pt>
+                <c:pt idx="83">
+                  <c:v>7.4368944095858804</c:v>
+                </c:pt>
+                <c:pt idx="84">
+                  <c:v>7.3441715997822996</c:v>
+                </c:pt>
+                <c:pt idx="85">
+                  <c:v>6.9253471107880999</c:v>
+                </c:pt>
+                <c:pt idx="86">
+                  <c:v>7.2878957955676604</c:v>
+                </c:pt>
+                <c:pt idx="87">
+                  <c:v>8.5293669957394105</c:v>
+                </c:pt>
+                <c:pt idx="88">
+                  <c:v>7.91678541076719</c:v>
+                </c:pt>
+                <c:pt idx="89">
+                  <c:v>8.33377755762025</c:v>
+                </c:pt>
+                <c:pt idx="90">
+                  <c:v>6.9592905620916001</c:v>
+                </c:pt>
+                <c:pt idx="91">
+                  <c:v>8.4223046258279908</c:v>
+                </c:pt>
+                <c:pt idx="92">
+                  <c:v>7.6314559760499003</c:v>
+                </c:pt>
+                <c:pt idx="93">
+                  <c:v>8.1792802090491001</c:v>
+                </c:pt>
+                <c:pt idx="94">
+                  <c:v>7.6846181918898804</c:v>
+                </c:pt>
+                <c:pt idx="95">
+                  <c:v>6.9482304006644897</c:v>
+                </c:pt>
+                <c:pt idx="96">
+                  <c:v>8.6444646313013305</c:v>
+                </c:pt>
+                <c:pt idx="97">
+                  <c:v>8.6847338570780899</c:v>
+                </c:pt>
+                <c:pt idx="98">
+                  <c:v>8.0390078454591194</c:v>
+                </c:pt>
+                <c:pt idx="99">
+                  <c:v>7.71399717793392</c:v>
+                </c:pt>
+              </c:numCache>
+            </c:numRef>
+          </c:xVal>
+          <c:yVal>
+            <c:numRef>
+              <c:f>variable!$F$21:$F$120</c:f>
+              <c:numCache>
+                <c:formatCode>General</c:formatCode>
+                <c:ptCount val="100"/>
+                <c:pt idx="0">
+                  <c:v>115.37142681340799</c:v>
+                </c:pt>
+                <c:pt idx="1">
+                  <c:v>116.36068498236099</c:v>
+                </c:pt>
+                <c:pt idx="2">
+                  <c:v>111.343568558839</c:v>
+                </c:pt>
+                <c:pt idx="3">
+                  <c:v>116.05642355262501</c:v>
+                </c:pt>
+                <c:pt idx="4">
+                  <c:v>129.97497083737201</c:v>
+                </c:pt>
+                <c:pt idx="5">
+                  <c:v>120.11115338062299</c:v>
+                </c:pt>
+                <c:pt idx="6">
+                  <c:v>111.84071723929</c:v>
+                </c:pt>
+                <c:pt idx="7">
+                  <c:v>126.91473993672901</c:v>
+                </c:pt>
+                <c:pt idx="8">
+                  <c:v>127.591427494488</c:v>
+                </c:pt>
+                <c:pt idx="9">
+                  <c:v>118.995836854712</c:v>
+                </c:pt>
+                <c:pt idx="10">
+                  <c:v>119.215387550354</c:v>
+                </c:pt>
+                <c:pt idx="11">
+                  <c:v>114.088256809531</c:v>
+                </c:pt>
+                <c:pt idx="12">
+                  <c:v>127.278763828813</c:v>
+                </c:pt>
+                <c:pt idx="13">
+                  <c:v>127.97025562684399</c:v>
+                </c:pt>
+                <c:pt idx="14">
+                  <c:v>109.92601073842199</c:v>
+                </c:pt>
+                <c:pt idx="15">
+                  <c:v>130.80821698642299</c:v>
+                </c:pt>
+                <c:pt idx="16">
+                  <c:v>124.25948225700699</c:v>
+                </c:pt>
+                <c:pt idx="17">
+                  <c:v>111.47416268337599</c:v>
+                </c:pt>
+                <c:pt idx="18">
+                  <c:v>115.036135174036</c:v>
+                </c:pt>
+                <c:pt idx="19">
+                  <c:v>127.235075405833</c:v>
+                </c:pt>
+                <c:pt idx="20">
+                  <c:v>120.527364961126</c:v>
+                </c:pt>
+                <c:pt idx="21">
+                  <c:v>116.044798405664</c:v>
+                </c:pt>
+                <c:pt idx="22">
+                  <c:v>112.583341450403</c:v>
+                </c:pt>
+                <c:pt idx="23">
+                  <c:v>111.781408889652</c:v>
+                </c:pt>
+                <c:pt idx="24">
+                  <c:v>119.41228868601</c:v>
+                </c:pt>
+                <c:pt idx="25">
+                  <c:v>116.132972045111</c:v>
+                </c:pt>
+                <c:pt idx="26">
+                  <c:v>126.29632199762599</c:v>
+                </c:pt>
+                <c:pt idx="27">
+                  <c:v>121.54422281042299</c:v>
+                </c:pt>
+                <c:pt idx="28">
+                  <c:v>120.381036596268</c:v>
+                </c:pt>
+                <c:pt idx="29">
+                  <c:v>115.95528388029599</c:v>
+                </c:pt>
+                <c:pt idx="30">
+                  <c:v>125.892513441505</c:v>
+                </c:pt>
+                <c:pt idx="31">
+                  <c:v>116.493754879823</c:v>
+                </c:pt>
+                <c:pt idx="32">
+                  <c:v>123.303343398493</c:v>
+                </c:pt>
+                <c:pt idx="33">
+                  <c:v>117.918584828996</c:v>
+                </c:pt>
+                <c:pt idx="34">
+                  <c:v>115.195736562237</c:v>
+                </c:pt>
+                <c:pt idx="35">
+                  <c:v>121.069417626331</c:v>
+                </c:pt>
+                <c:pt idx="36">
+                  <c:v>127.19651177063901</c:v>
+                </c:pt>
+                <c:pt idx="37">
+                  <c:v>113.499879999825</c:v>
+                </c:pt>
+                <c:pt idx="38">
+                  <c:v>118.571338761258</c:v>
+                </c:pt>
+                <c:pt idx="39">
+                  <c:v>127.767716236692</c:v>
+                </c:pt>
+                <c:pt idx="40">
+                  <c:v>118.834345607892</c:v>
+                </c:pt>
+                <c:pt idx="41">
+                  <c:v>115.77604591454499</c:v>
+                </c:pt>
+                <c:pt idx="42">
+                  <c:v>127.64382045726801</c:v>
+                </c:pt>
+                <c:pt idx="43">
+                  <c:v>118.01790162920101</c:v>
+                </c:pt>
+                <c:pt idx="44">
+                  <c:v>119.611134547289</c:v>
+                </c:pt>
+                <c:pt idx="45">
+                  <c:v>124.62275211943501</c:v>
+                </c:pt>
+                <c:pt idx="46">
+                  <c:v>109.010867027537</c:v>
+                </c:pt>
+                <c:pt idx="47">
+                  <c:v>112.22260634239299</c:v>
+                </c:pt>
+                <c:pt idx="48">
+                  <c:v>113.57893785066901</c:v>
+                </c:pt>
+                <c:pt idx="49">
+                  <c:v>112.595971109822</c:v>
+                </c:pt>
+                <c:pt idx="50">
+                  <c:v>113.888811226291</c:v>
+                </c:pt>
+                <c:pt idx="51">
+                  <c:v>120.97842727472</c:v>
+                </c:pt>
+                <c:pt idx="52">
+                  <c:v>118.89952558590601</c:v>
+                </c:pt>
+                <c:pt idx="53">
+                  <c:v>124.491044482948</c:v>
+                </c:pt>
+                <c:pt idx="54">
+                  <c:v>124.77634270695199</c:v>
+                </c:pt>
+                <c:pt idx="55">
+                  <c:v>112.51919814253699</c:v>
+                </c:pt>
+                <c:pt idx="56">
+                  <c:v>119.183387278224</c:v>
+                </c:pt>
+                <c:pt idx="57">
+                  <c:v>112.46528397166701</c:v>
+                </c:pt>
+                <c:pt idx="58">
+                  <c:v>124.55338695327301</c:v>
+                </c:pt>
+                <c:pt idx="59">
+                  <c:v>117.353360472624</c:v>
+                </c:pt>
+                <c:pt idx="60">
+                  <c:v>125.836180658408</c:v>
+                </c:pt>
+                <c:pt idx="61">
+                  <c:v>111.233271196149</c:v>
+                </c:pt>
+                <c:pt idx="62">
+                  <c:v>122.909915181541</c:v>
+                </c:pt>
+                <c:pt idx="63">
+                  <c:v>112.393380131759</c:v>
+                </c:pt>
+                <c:pt idx="64">
+                  <c:v>114.683707770122</c:v>
+                </c:pt>
+                <c:pt idx="65">
+                  <c:v>112.093855325023</c:v>
+                </c:pt>
+                <c:pt idx="66">
+                  <c:v>114.18967703609</c:v>
+                </c:pt>
+                <c:pt idx="67">
+                  <c:v>125.251804919739</c:v>
+                </c:pt>
+                <c:pt idx="68">
+                  <c:v>110.206986409634</c:v>
+                </c:pt>
+                <c:pt idx="69">
+                  <c:v>121.238838647858</c:v>
+                </c:pt>
+                <c:pt idx="70">
+                  <c:v>120.44762063881301</c:v>
+                </c:pt>
+                <c:pt idx="71">
+                  <c:v>123.704367094338</c:v>
+                </c:pt>
+                <c:pt idx="72">
+                  <c:v>126.749521995119</c:v>
+                </c:pt>
+                <c:pt idx="73">
+                  <c:v>121.928041760073</c:v>
+                </c:pt>
+                <c:pt idx="74">
+                  <c:v>117.755099898007</c:v>
+                </c:pt>
+                <c:pt idx="75">
+                  <c:v>112.86264157652801</c:v>
+                </c:pt>
+                <c:pt idx="76">
+                  <c:v>118.10011774068001</c:v>
+                </c:pt>
+                <c:pt idx="77">
+                  <c:v>122.855536863713</c:v>
+                </c:pt>
+                <c:pt idx="78">
+                  <c:v>120.126572674928</c:v>
+                </c:pt>
+                <c:pt idx="79">
+                  <c:v>118.664417847161</c:v>
+                </c:pt>
+                <c:pt idx="80">
+                  <c:v>127.775047892811</c:v>
+                </c:pt>
+                <c:pt idx="81">
+                  <c:v>117.440826245056</c:v>
+                </c:pt>
+                <c:pt idx="82">
+                  <c:v>122.138270746394</c:v>
+                </c:pt>
+                <c:pt idx="83">
+                  <c:v>121.72919095995501</c:v>
+                </c:pt>
+                <c:pt idx="84">
+                  <c:v>124.23550763362201</c:v>
+                </c:pt>
+                <c:pt idx="85">
+                  <c:v>125.888100699718</c:v>
+                </c:pt>
+                <c:pt idx="86">
+                  <c:v>123.540570237368</c:v>
+                </c:pt>
+                <c:pt idx="87">
+                  <c:v>111.306748524106</c:v>
+                </c:pt>
+                <c:pt idx="88">
+                  <c:v>118.075130544459</c:v>
+                </c:pt>
+                <c:pt idx="89">
+                  <c:v>114.84872331903399</c:v>
+                </c:pt>
+                <c:pt idx="90">
+                  <c:v>131.489474289968</c:v>
+                </c:pt>
+                <c:pt idx="91">
+                  <c:v>113.446446685247</c:v>
+                </c:pt>
+                <c:pt idx="92">
+                  <c:v>122.094086913209</c:v>
+                </c:pt>
+                <c:pt idx="93">
+                  <c:v>115.45895630699199</c:v>
+                </c:pt>
+                <c:pt idx="94">
+                  <c:v>122.36538481915601</c:v>
+                </c:pt>
+                <c:pt idx="95">
+                  <c:v>131.139480406903</c:v>
+                </c:pt>
+                <c:pt idx="96">
+                  <c:v>110.94399790588299</c:v>
+                </c:pt>
+                <c:pt idx="97">
+                  <c:v>110.96025716422101</c:v>
+                </c:pt>
+                <c:pt idx="98">
+                  <c:v>117.996983775565</c:v>
+                </c:pt>
+                <c:pt idx="99">
+                  <c:v>118.814119419165</c:v>
+                </c:pt>
+              </c:numCache>
+            </c:numRef>
+          </c:yVal>
+          <c:smooth val="0"/>
+          <c:extLst>
+            <c:ext xmlns:c16="http://schemas.microsoft.com/office/drawing/2014/chart" uri="{C3380CC4-5D6E-409C-BE32-E72D297353CC}">
+              <c16:uniqueId val="{00000001-E65E-42E5-A3BD-529040D45995}"/>
+            </c:ext>
+          </c:extLst>
+        </c:ser>
+        <c:dLbls>
+          <c:showLegendKey val="0"/>
+          <c:showVal val="0"/>
+          <c:showCatName val="0"/>
+          <c:showSerName val="0"/>
+          <c:showPercent val="0"/>
+          <c:showBubbleSize val="0"/>
+        </c:dLbls>
+        <c:axId val="1784841903"/>
+        <c:axId val="1731447535"/>
+      </c:scatterChart>
+      <c:valAx>
+        <c:axId val="1784841903"/>
+        <c:scaling>
+          <c:orientation val="minMax"/>
+          <c:min val="6.5"/>
+        </c:scaling>
+        <c:delete val="0"/>
+        <c:axPos val="b"/>
+        <c:title>
+          <c:tx>
+            <c:rich>
+              <a:bodyPr rot="0" spcFirstLastPara="1" vertOverflow="ellipsis" vert="horz" wrap="square" anchor="ctr" anchorCtr="1"/>
+              <a:lstStyle/>
+              <a:p>
+                <a:pPr>
+                  <a:defRPr sz="1000" b="0" i="0" u="none" strike="noStrike" kern="1200" baseline="0">
+                    <a:solidFill>
+                      <a:schemeClr val="bg1"/>
+                    </a:solidFill>
+                    <a:latin typeface="+mn-lt"/>
+                    <a:ea typeface="+mn-ea"/>
+                    <a:cs typeface="+mn-cs"/>
+                  </a:defRPr>
+                </a:pPr>
+                <a:r>
+                  <a:rPr lang="en-CA" dirty="0">
+                    <a:solidFill>
+                      <a:schemeClr val="bg1"/>
+                    </a:solidFill>
+                  </a:rPr>
+                  <a:t>Coefficient</a:t>
+                </a:r>
+                <a:r>
+                  <a:rPr lang="en-CA" baseline="0" dirty="0">
+                    <a:solidFill>
+                      <a:schemeClr val="bg1"/>
+                    </a:solidFill>
+                  </a:rPr>
+                  <a:t> de convection </a:t>
+                </a:r>
+                <a:r>
+                  <a:rPr lang="en-CA" baseline="0" dirty="0" err="1">
+                    <a:solidFill>
+                      <a:schemeClr val="bg1"/>
+                    </a:solidFill>
+                  </a:rPr>
+                  <a:t>normalisée</a:t>
+                </a:r>
+                <a:r>
+                  <a:rPr lang="en-CA" baseline="0" dirty="0">
+                    <a:solidFill>
+                      <a:schemeClr val="bg1"/>
+                    </a:solidFill>
+                  </a:rPr>
+                  <a:t> par la </a:t>
+                </a:r>
+                <a:r>
+                  <a:rPr lang="en-CA" baseline="0" dirty="0" err="1">
+                    <a:solidFill>
+                      <a:schemeClr val="bg1"/>
+                    </a:solidFill>
+                  </a:rPr>
+                  <a:t>vitesse</a:t>
+                </a:r>
+                <a:r>
+                  <a:rPr lang="en-CA" baseline="0" dirty="0">
+                    <a:solidFill>
+                      <a:schemeClr val="bg1"/>
+                    </a:solidFill>
+                  </a:rPr>
+                  <a:t> (W/(K*m/s))</a:t>
+                </a:r>
+                <a:endParaRPr lang="en-CA" dirty="0">
+                  <a:solidFill>
+                    <a:schemeClr val="bg1"/>
+                  </a:solidFill>
+                </a:endParaRPr>
+              </a:p>
+            </c:rich>
+          </c:tx>
+          <c:layout>
+            <c:manualLayout>
+              <c:xMode val="edge"/>
+              <c:yMode val="edge"/>
+              <c:x val="0.20416151591331469"/>
+              <c:y val="0.91971061428361889"/>
+            </c:manualLayout>
+          </c:layout>
+          <c:overlay val="0"/>
+          <c:spPr>
+            <a:noFill/>
+            <a:ln>
+              <a:noFill/>
+            </a:ln>
+            <a:effectLst/>
+          </c:spPr>
+          <c:txPr>
+            <a:bodyPr rot="0" spcFirstLastPara="1" vertOverflow="ellipsis" vert="horz" wrap="square" anchor="ctr" anchorCtr="1"/>
+            <a:lstStyle/>
+            <a:p>
+              <a:pPr>
+                <a:defRPr sz="1000" b="0" i="0" u="none" strike="noStrike" kern="1200" baseline="0">
+                  <a:solidFill>
+                    <a:schemeClr val="bg1"/>
+                  </a:solidFill>
+                  <a:latin typeface="+mn-lt"/>
+                  <a:ea typeface="+mn-ea"/>
+                  <a:cs typeface="+mn-cs"/>
+                </a:defRPr>
+              </a:pPr>
+              <a:endParaRPr lang="en-US"/>
+            </a:p>
+          </c:txPr>
+        </c:title>
+        <c:numFmt formatCode="General" sourceLinked="1"/>
+        <c:majorTickMark val="none"/>
+        <c:minorTickMark val="none"/>
+        <c:tickLblPos val="nextTo"/>
+        <c:spPr>
+          <a:noFill/>
+          <a:ln w="9525" cap="flat" cmpd="sng" algn="ctr">
+            <a:solidFill>
+              <a:schemeClr val="tx1">
+                <a:lumMod val="25000"/>
+                <a:lumOff val="75000"/>
+              </a:schemeClr>
+            </a:solidFill>
+            <a:round/>
+          </a:ln>
+          <a:effectLst/>
+        </c:spPr>
+        <c:txPr>
+          <a:bodyPr rot="-60000000" spcFirstLastPara="1" vertOverflow="ellipsis" vert="horz" wrap="square" anchor="ctr" anchorCtr="1"/>
+          <a:lstStyle/>
+          <a:p>
+            <a:pPr>
+              <a:defRPr sz="900" b="0" i="0" u="none" strike="noStrike" kern="1200" baseline="0">
+                <a:solidFill>
+                  <a:schemeClr val="bg1"/>
+                </a:solidFill>
+                <a:latin typeface="+mn-lt"/>
+                <a:ea typeface="+mn-ea"/>
+                <a:cs typeface="+mn-cs"/>
+              </a:defRPr>
+            </a:pPr>
+            <a:endParaRPr lang="en-US"/>
+          </a:p>
+        </c:txPr>
+        <c:crossAx val="1731447535"/>
+        <c:crosses val="autoZero"/>
+        <c:crossBetween val="midCat"/>
+      </c:valAx>
+      <c:valAx>
+        <c:axId val="1731447535"/>
+        <c:scaling>
+          <c:orientation val="minMax"/>
+          <c:min val="100"/>
+        </c:scaling>
+        <c:delete val="0"/>
+        <c:axPos val="l"/>
+        <c:majorGridlines>
+          <c:spPr>
+            <a:ln w="9525" cap="flat" cmpd="sng" algn="ctr">
+              <a:solidFill>
+                <a:schemeClr val="tx1">
+                  <a:lumMod val="15000"/>
+                  <a:lumOff val="85000"/>
+                </a:schemeClr>
+              </a:solidFill>
+              <a:round/>
+            </a:ln>
+            <a:effectLst/>
+          </c:spPr>
+        </c:majorGridlines>
+        <c:title>
+          <c:tx>
+            <c:rich>
+              <a:bodyPr rot="-5400000" spcFirstLastPara="1" vertOverflow="ellipsis" vert="horz" wrap="square" anchor="ctr" anchorCtr="1"/>
+              <a:lstStyle/>
+              <a:p>
+                <a:pPr>
+                  <a:defRPr sz="1000" b="0" i="0" u="none" strike="noStrike" kern="1200" baseline="0">
+                    <a:solidFill>
+                      <a:schemeClr val="bg1"/>
+                    </a:solidFill>
+                    <a:latin typeface="+mn-lt"/>
+                    <a:ea typeface="+mn-ea"/>
+                    <a:cs typeface="+mn-cs"/>
+                  </a:defRPr>
+                </a:pPr>
+                <a:r>
+                  <a:rPr lang="en-CA" dirty="0" err="1">
+                    <a:solidFill>
+                      <a:schemeClr val="bg1"/>
+                    </a:solidFill>
+                  </a:rPr>
+                  <a:t>Température</a:t>
+                </a:r>
+                <a:r>
+                  <a:rPr lang="en-CA" dirty="0">
+                    <a:solidFill>
+                      <a:schemeClr val="bg1"/>
+                    </a:solidFill>
+                  </a:rPr>
+                  <a:t> </a:t>
+                </a:r>
+                <a:r>
+                  <a:rPr lang="en-CA" dirty="0" err="1">
+                    <a:solidFill>
+                      <a:schemeClr val="bg1"/>
+                    </a:solidFill>
+                  </a:rPr>
+                  <a:t>moyenne</a:t>
+                </a:r>
+                <a:r>
+                  <a:rPr lang="en-CA" dirty="0">
+                    <a:solidFill>
+                      <a:schemeClr val="bg1"/>
+                    </a:solidFill>
+                  </a:rPr>
+                  <a:t> après 200 seconds (</a:t>
+                </a:r>
+                <a:r>
+                  <a:rPr lang="en-CA" dirty="0">
+                    <a:solidFill>
+                      <a:schemeClr val="bg1"/>
+                    </a:solidFill>
+                    <a:latin typeface="Leelawadee" panose="020B0502040204020203" pitchFamily="34" charset="-34"/>
+                    <a:cs typeface="Leelawadee" panose="020B0502040204020203" pitchFamily="34" charset="-34"/>
+                  </a:rPr>
+                  <a:t>°C)</a:t>
+                </a:r>
+                <a:endParaRPr lang="en-CA" dirty="0">
+                  <a:solidFill>
+                    <a:schemeClr val="bg1"/>
+                  </a:solidFill>
+                </a:endParaRPr>
+              </a:p>
+            </c:rich>
+          </c:tx>
+          <c:layout>
+            <c:manualLayout>
+              <c:xMode val="edge"/>
+              <c:yMode val="edge"/>
+              <c:x val="1.0585741589544955E-2"/>
+              <c:y val="4.5602727581200327E-2"/>
+            </c:manualLayout>
+          </c:layout>
+          <c:overlay val="0"/>
+          <c:spPr>
+            <a:noFill/>
+            <a:ln>
+              <a:noFill/>
+            </a:ln>
+            <a:effectLst/>
+          </c:spPr>
+          <c:txPr>
+            <a:bodyPr rot="-5400000" spcFirstLastPara="1" vertOverflow="ellipsis" vert="horz" wrap="square" anchor="ctr" anchorCtr="1"/>
+            <a:lstStyle/>
+            <a:p>
+              <a:pPr>
+                <a:defRPr sz="1000" b="0" i="0" u="none" strike="noStrike" kern="1200" baseline="0">
+                  <a:solidFill>
+                    <a:schemeClr val="bg1"/>
+                  </a:solidFill>
+                  <a:latin typeface="+mn-lt"/>
+                  <a:ea typeface="+mn-ea"/>
+                  <a:cs typeface="+mn-cs"/>
+                </a:defRPr>
+              </a:pPr>
+              <a:endParaRPr lang="en-US"/>
+            </a:p>
+          </c:txPr>
+        </c:title>
+        <c:numFmt formatCode="General" sourceLinked="1"/>
+        <c:majorTickMark val="none"/>
+        <c:minorTickMark val="none"/>
+        <c:tickLblPos val="nextTo"/>
+        <c:spPr>
+          <a:noFill/>
+          <a:ln w="9525" cap="flat" cmpd="sng" algn="ctr">
+            <a:solidFill>
+              <a:schemeClr val="tx1">
+                <a:lumMod val="25000"/>
+                <a:lumOff val="75000"/>
+              </a:schemeClr>
+            </a:solidFill>
+            <a:round/>
+          </a:ln>
+          <a:effectLst/>
+        </c:spPr>
+        <c:txPr>
+          <a:bodyPr rot="-60000000" spcFirstLastPara="1" vertOverflow="ellipsis" vert="horz" wrap="square" anchor="ctr" anchorCtr="1"/>
+          <a:lstStyle/>
+          <a:p>
+            <a:pPr>
+              <a:defRPr sz="900" b="0" i="0" u="none" strike="noStrike" kern="1200" baseline="0">
+                <a:solidFill>
+                  <a:schemeClr val="bg1"/>
+                </a:solidFill>
+                <a:latin typeface="+mn-lt"/>
+                <a:ea typeface="+mn-ea"/>
+                <a:cs typeface="+mn-cs"/>
+              </a:defRPr>
+            </a:pPr>
+            <a:endParaRPr lang="en-US"/>
+          </a:p>
+        </c:txPr>
+        <c:crossAx val="1784841903"/>
+        <c:crosses val="autoZero"/>
+        <c:crossBetween val="midCat"/>
+      </c:valAx>
+      <c:spPr>
+        <a:solidFill>
+          <a:schemeClr val="bg1">
+            <a:lumMod val="75000"/>
+          </a:schemeClr>
+        </a:solidFill>
+        <a:ln>
+          <a:noFill/>
+        </a:ln>
+        <a:effectLst/>
+      </c:spPr>
+    </c:plotArea>
+    <c:plotVisOnly val="1"/>
+    <c:dispBlanksAs val="gap"/>
+    <c:extLst>
+      <c:ext xmlns:c16r3="http://schemas.microsoft.com/office/drawing/2017/03/chart" uri="{56B9EC1D-385E-4148-901F-78D8002777C0}">
+        <c16r3:dataDisplayOptions16>
+          <c16r3:dispNaAsBlank val="1"/>
+        </c16r3:dataDisplayOptions16>
+      </c:ext>
+    </c:extLst>
+    <c:showDLblsOverMax val="0"/>
+  </c:chart>
+  <c:spPr>
+    <a:noFill/>
+    <a:ln>
+      <a:noFill/>
+    </a:ln>
+    <a:effectLst/>
+  </c:spPr>
+  <c:txPr>
+    <a:bodyPr/>
+    <a:lstStyle/>
+    <a:p>
+      <a:pPr>
+        <a:defRPr/>
+      </a:pPr>
+      <a:endParaRPr lang="en-US"/>
+    </a:p>
+  </c:txPr>
+  <c:externalData r:id="rId3">
+    <c:autoUpdate val="0"/>
+  </c:externalData>
+</c:chartSpace>
+</file>
+
+<file path=ppt/charts/chart3.xml><?xml version="1.0" encoding="utf-8"?>
+<c:chartSpace xmlns:c="http://schemas.openxmlformats.org/drawingml/2006/chart" xmlns:a="http://schemas.openxmlformats.org/drawingml/2006/main" xmlns:r="http://schemas.openxmlformats.org/officeDocument/2006/relationships" xmlns:c16r2="http://schemas.microsoft.com/office/drawing/2015/06/chart">
+  <c:date1904 val="0"/>
+  <c:lang val="en-US"/>
+  <c:roundedCorners val="0"/>
+  <mc:AlternateContent xmlns:mc="http://schemas.openxmlformats.org/markup-compatibility/2006">
+    <mc:Choice xmlns:c14="http://schemas.microsoft.com/office/drawing/2007/8/2/chart" Requires="c14">
+      <c14:style val="102"/>
+    </mc:Choice>
+    <mc:Fallback>
+      <c:style val="2"/>
+    </mc:Fallback>
+  </mc:AlternateContent>
+  <c:chart>
+    <c:autoTitleDeleted val="1"/>
+    <c:plotArea>
+      <c:layout/>
+      <c:scatterChart>
+        <c:scatterStyle val="lineMarker"/>
+        <c:varyColors val="0"/>
+        <c:ser>
+          <c:idx val="0"/>
+          <c:order val="0"/>
+          <c:spPr>
+            <a:ln w="19050" cap="rnd">
+              <a:noFill/>
+              <a:round/>
+            </a:ln>
+            <a:effectLst/>
+          </c:spPr>
+          <c:marker>
+            <c:symbol val="circle"/>
+            <c:size val="5"/>
+            <c:spPr>
+              <a:solidFill>
+                <a:schemeClr val="tx1"/>
+              </a:solidFill>
+              <a:ln w="9525">
+                <a:solidFill>
+                  <a:schemeClr val="tx1"/>
+                </a:solidFill>
+              </a:ln>
+              <a:effectLst/>
+            </c:spPr>
+          </c:marker>
+          <c:trendline>
+            <c:spPr>
+              <a:ln w="19050" cap="rnd">
+                <a:solidFill>
+                  <a:schemeClr val="tx1"/>
+                </a:solidFill>
+                <a:prstDash val="sysDot"/>
+              </a:ln>
+              <a:effectLst/>
+            </c:spPr>
+            <c:trendlineType val="linear"/>
+            <c:dispRSqr val="1"/>
+            <c:dispEq val="1"/>
+            <c:trendlineLbl>
+              <c:layout>
+                <c:manualLayout>
+                  <c:x val="2.3284589426322438E-3"/>
+                  <c:y val="-0.23659633006400516"/>
+                </c:manualLayout>
+              </c:layout>
+              <c:numFmt formatCode="General" sourceLinked="0"/>
+              <c:spPr>
+                <a:noFill/>
+                <a:ln>
+                  <a:noFill/>
+                </a:ln>
+                <a:effectLst/>
+              </c:spPr>
+              <c:txPr>
+                <a:bodyPr rot="0" spcFirstLastPara="1" vertOverflow="ellipsis" vert="horz" wrap="square" anchor="ctr" anchorCtr="1"/>
+                <a:lstStyle/>
+                <a:p>
+                  <a:pPr>
+                    <a:defRPr sz="900" b="0" i="0" u="none" strike="noStrike" kern="1200" baseline="0">
+                      <a:solidFill>
+                        <a:schemeClr val="tx1"/>
+                      </a:solidFill>
+                      <a:latin typeface="+mn-lt"/>
+                      <a:ea typeface="+mn-ea"/>
+                      <a:cs typeface="+mn-cs"/>
+                    </a:defRPr>
+                  </a:pPr>
+                  <a:endParaRPr lang="en-US"/>
+                </a:p>
+              </c:txPr>
+            </c:trendlineLbl>
+          </c:trendline>
+          <c:xVal>
+            <c:numRef>
+              <c:f>variable!$E$21:$E$120</c:f>
+              <c:numCache>
+                <c:formatCode>General</c:formatCode>
+                <c:ptCount val="100"/>
+                <c:pt idx="0">
+                  <c:v>1.13527282251832E-4</c:v>
+                </c:pt>
+                <c:pt idx="1">
+                  <c:v>9.9990908412485313E-5</c:v>
+                </c:pt>
+                <c:pt idx="2">
+                  <c:v>1.12466184000779E-4</c:v>
+                </c:pt>
+                <c:pt idx="3">
+                  <c:v>9.7584411070164811E-5</c:v>
+                </c:pt>
+                <c:pt idx="4">
+                  <c:v>1.01506688158583E-4</c:v>
+                </c:pt>
+                <c:pt idx="5">
+                  <c:v>1.08489448308536E-4</c:v>
+                </c:pt>
+                <c:pt idx="6">
+                  <c:v>1.0636300352212301E-4</c:v>
+                </c:pt>
+                <c:pt idx="7">
+                  <c:v>1.15666179352599E-4</c:v>
+                </c:pt>
+                <c:pt idx="8">
+                  <c:v>1.0783042080171501E-4</c:v>
+                </c:pt>
+                <c:pt idx="9">
+                  <c:v>1.02349116858434E-4</c:v>
+                </c:pt>
+                <c:pt idx="10">
+                  <c:v>1.08049949400886E-4</c:v>
+                </c:pt>
+                <c:pt idx="11">
+                  <c:v>9.5338522329552604E-5</c:v>
+                </c:pt>
+                <c:pt idx="12">
+                  <c:v>1.1030445669560201E-4</c:v>
+                </c:pt>
+                <c:pt idx="13">
+                  <c:v>1.1094277821935901E-4</c:v>
+                </c:pt>
+                <c:pt idx="14">
+                  <c:v>1.05708895389187E-4</c:v>
+                </c:pt>
+                <c:pt idx="15">
+                  <c:v>1.02659074007794E-4</c:v>
+                </c:pt>
+                <c:pt idx="16">
+                  <c:v>1.0698553932592201E-4</c:v>
+                </c:pt>
+                <c:pt idx="17">
+                  <c:v>1.1505448635770701E-4</c:v>
+                </c:pt>
+                <c:pt idx="18">
+                  <c:v>9.6528102040332802E-5</c:v>
+                </c:pt>
+                <c:pt idx="19">
+                  <c:v>1.0740043259638402E-4</c:v>
+                </c:pt>
+                <c:pt idx="20">
+                  <c:v>9.6923275540442209E-5</c:v>
+                </c:pt>
+                <c:pt idx="21">
+                  <c:v>1.1497237522103801E-4</c:v>
+                </c:pt>
+                <c:pt idx="22">
+                  <c:v>1.1534048069052001E-4</c:v>
+                </c:pt>
+                <c:pt idx="23">
+                  <c:v>9.7693963185345001E-5</c:v>
+                </c:pt>
+                <c:pt idx="24">
+                  <c:v>1.0056135233249802E-4</c:v>
+                </c:pt>
+                <c:pt idx="25">
+                  <c:v>1.1147076770392702E-4</c:v>
+                </c:pt>
+                <c:pt idx="26">
+                  <c:v>9.9441617821617608E-5</c:v>
+                </c:pt>
+                <c:pt idx="27">
+                  <c:v>1.0894034299281801E-4</c:v>
+                </c:pt>
+                <c:pt idx="28">
+                  <c:v>9.7379478704462101E-5</c:v>
+                </c:pt>
+                <c:pt idx="29">
+                  <c:v>1.0433166163277701E-4</c:v>
+                </c:pt>
+                <c:pt idx="30">
+                  <c:v>9.8183290773063103E-5</c:v>
+                </c:pt>
+                <c:pt idx="31">
+                  <c:v>9.8860628764193704E-5</c:v>
+                </c:pt>
+                <c:pt idx="32">
+                  <c:v>9.6079702814545303E-5</c:v>
+                </c:pt>
+                <c:pt idx="33">
+                  <c:v>1.01905998322403E-4</c:v>
+                </c:pt>
+                <c:pt idx="34">
+                  <c:v>1.09877579980373E-4</c:v>
+                </c:pt>
+                <c:pt idx="35">
+                  <c:v>1.1316272847345902E-4</c:v>
+                </c:pt>
+                <c:pt idx="36">
+                  <c:v>1.00924968357067E-4</c:v>
+                </c:pt>
+                <c:pt idx="37">
+                  <c:v>1.15947954048431E-4</c:v>
+                </c:pt>
+                <c:pt idx="38">
+                  <c:v>9.8663781095079703E-5</c:v>
+                </c:pt>
+                <c:pt idx="39">
+                  <c:v>9.9214246321819308E-5</c:v>
+                </c:pt>
+                <c:pt idx="40">
+                  <c:v>1.0619893442078602E-4</c:v>
+                </c:pt>
+                <c:pt idx="41">
+                  <c:v>1.0500369938466301E-4</c:v>
+                </c:pt>
+                <c:pt idx="42">
+                  <c:v>1.0957286211471799E-4</c:v>
+                </c:pt>
+                <c:pt idx="43">
+                  <c:v>9.6210816885310008E-5</c:v>
+                </c:pt>
+                <c:pt idx="44">
+                  <c:v>1.0825568149952301E-4</c:v>
+                </c:pt>
+                <c:pt idx="45">
+                  <c:v>9.5574419318150409E-5</c:v>
+                </c:pt>
+                <c:pt idx="46">
+                  <c:v>1.00833746590272E-4</c:v>
+                </c:pt>
+                <c:pt idx="47">
+                  <c:v>1.0554523536136901E-4</c:v>
+                </c:pt>
+                <c:pt idx="48">
+                  <c:v>1.1271610621262401E-4</c:v>
+                </c:pt>
+                <c:pt idx="49">
+                  <c:v>1.04596384388729E-4</c:v>
+                </c:pt>
+                <c:pt idx="50">
+                  <c:v>1.0017150783770501E-4</c:v>
+                </c:pt>
+                <c:pt idx="51">
+                  <c:v>1.0930301416167001E-4</c:v>
+                </c:pt>
+                <c:pt idx="52">
+                  <c:v>1.05953456379161E-4</c:v>
+                </c:pt>
+                <c:pt idx="53">
+                  <c:v>1.1178491307263901E-4</c:v>
+                </c:pt>
+                <c:pt idx="54">
+                  <c:v>1.0723280273904602E-4</c:v>
+                </c:pt>
+                <c:pt idx="55">
+                  <c:v>1.13927055390546E-4</c:v>
+                </c:pt>
+                <c:pt idx="56">
+                  <c:v>9.5957892587068103E-5</c:v>
+                </c:pt>
+                <c:pt idx="57">
+                  <c:v>1.1238704062435301E-4</c:v>
+                </c:pt>
+                <c:pt idx="58">
+                  <c:v>1.0380915048186501E-4</c:v>
+                </c:pt>
+                <c:pt idx="59">
+                  <c:v>1.06931819831441E-4</c:v>
+                </c:pt>
+                <c:pt idx="60">
+                  <c:v>1.1102358704964701E-4</c:v>
+                </c:pt>
+                <c:pt idx="61">
+                  <c:v>1.1346676947674E-4</c:v>
+                </c:pt>
+                <c:pt idx="62">
+                  <c:v>1.1563447358772302E-4</c:v>
+                </c:pt>
+                <c:pt idx="63">
+                  <c:v>9.5414240820822314E-5</c:v>
+                </c:pt>
+                <c:pt idx="64">
+                  <c:v>1.1223143415184001E-4</c:v>
+                </c:pt>
+                <c:pt idx="65">
+                  <c:v>1.0873784552928102E-4</c:v>
+                </c:pt>
+                <c:pt idx="66">
+                  <c:v>1.0341274600572199E-4</c:v>
+                </c:pt>
+                <c:pt idx="67">
+                  <c:v>1.0301867688317501E-4</c:v>
+                </c:pt>
+                <c:pt idx="68">
+                  <c:v>1.10709790072602E-4</c:v>
+                </c:pt>
+                <c:pt idx="69">
+                  <c:v>9.8362743961163607E-5</c:v>
+                </c:pt>
+                <c:pt idx="70">
+                  <c:v>1.04080571195347E-4</c:v>
+                </c:pt>
+                <c:pt idx="71">
+                  <c:v>1.1607568130964701E-4</c:v>
+                </c:pt>
+                <c:pt idx="72">
+                  <c:v>1.04664086519656E-4</c:v>
+                </c:pt>
+                <c:pt idx="73">
+                  <c:v>1.14299069379016E-4</c:v>
+                </c:pt>
+                <c:pt idx="74">
+                  <c:v>1.09223403731686E-4</c:v>
+                </c:pt>
+                <c:pt idx="75">
+                  <c:v>1.10401453990599E-4</c:v>
+                </c:pt>
+                <c:pt idx="76">
+                  <c:v>1.0276190646855401E-4</c:v>
+                </c:pt>
+                <c:pt idx="77">
+                  <c:v>9.794665115662241E-5</c:v>
+                </c:pt>
+                <c:pt idx="78">
+                  <c:v>1.10075094405016E-4</c:v>
+                </c:pt>
+                <c:pt idx="79">
+                  <c:v>1.1309166919898701E-4</c:v>
+                </c:pt>
+                <c:pt idx="80">
+                  <c:v>1.0672153587953E-4</c:v>
+                </c:pt>
+                <c:pt idx="81">
+                  <c:v>1.0528386348175401E-4</c:v>
+                </c:pt>
+                <c:pt idx="82">
+                  <c:v>9.9689610351559699E-5</c:v>
+                </c:pt>
+                <c:pt idx="83">
+                  <c:v>1.0024779319338699E-4</c:v>
+                </c:pt>
+                <c:pt idx="84">
+                  <c:v>1.01166816720614E-4</c:v>
+                </c:pt>
+                <c:pt idx="85">
+                  <c:v>1.1189010728826202E-4</c:v>
+                </c:pt>
+                <c:pt idx="86">
+                  <c:v>1.14544865461236E-4</c:v>
+                </c:pt>
+                <c:pt idx="87">
+                  <c:v>9.9012536409989906E-5</c:v>
+                </c:pt>
+                <c:pt idx="88">
+                  <c:v>1.1477557252723101E-4</c:v>
+                </c:pt>
+                <c:pt idx="89">
+                  <c:v>1.0326773353639501E-4</c:v>
+                </c:pt>
+                <c:pt idx="90">
+                  <c:v>9.7066129238302306E-5</c:v>
+                </c:pt>
+                <c:pt idx="91">
+                  <c:v>1.0189440112616802E-4</c:v>
+                </c:pt>
+                <c:pt idx="92">
+                  <c:v>1.0218514348519901E-4</c:v>
+                </c:pt>
+                <c:pt idx="93">
+                  <c:v>1.11394203244841E-4</c:v>
+                </c:pt>
+                <c:pt idx="94">
+                  <c:v>9.6624620181794796E-5</c:v>
+                </c:pt>
+                <c:pt idx="95">
+                  <c:v>1.0362127942889801E-4</c:v>
+                </c:pt>
+                <c:pt idx="96">
+                  <c:v>1.1398236592831199E-4</c:v>
+                </c:pt>
+                <c:pt idx="97">
+                  <c:v>1.07652324231036E-4</c:v>
+                </c:pt>
+                <c:pt idx="98">
+                  <c:v>1.05129756069418E-4</c:v>
+                </c:pt>
+                <c:pt idx="99">
+                  <c:v>1.01302974681503E-4</c:v>
+                </c:pt>
+              </c:numCache>
+            </c:numRef>
+          </c:xVal>
+          <c:yVal>
+            <c:numRef>
+              <c:f>variable!$H$21:$H$120</c:f>
+              <c:numCache>
+                <c:formatCode>General</c:formatCode>
+                <c:ptCount val="100"/>
+                <c:pt idx="0">
+                  <c:v>119.523665876576</c:v>
+                </c:pt>
+                <c:pt idx="1">
+                  <c:v>119.080905937463</c:v>
+                </c:pt>
+                <c:pt idx="2">
+                  <c:v>118.745103609431</c:v>
+                </c:pt>
+                <c:pt idx="3">
+                  <c:v>119.130127404023</c:v>
+                </c:pt>
+                <c:pt idx="4">
+                  <c:v>121.504185827618</c:v>
+                </c:pt>
+                <c:pt idx="5">
+                  <c:v>118.78263108849001</c:v>
+                </c:pt>
+                <c:pt idx="6">
+                  <c:v>119.484113372683</c:v>
+                </c:pt>
+                <c:pt idx="7">
+                  <c:v>120.753719970321</c:v>
+                </c:pt>
+                <c:pt idx="8">
+                  <c:v>120.20100268239899</c:v>
+                </c:pt>
+                <c:pt idx="9">
+                  <c:v>119.303203615196</c:v>
+                </c:pt>
+                <c:pt idx="10">
+                  <c:v>118.335582883512</c:v>
+                </c:pt>
+                <c:pt idx="11">
+                  <c:v>119.411911055498</c:v>
+                </c:pt>
+                <c:pt idx="12">
+                  <c:v>118.21335552190401</c:v>
+                </c:pt>
+                <c:pt idx="13">
+                  <c:v>119.928799772979</c:v>
+                </c:pt>
+                <c:pt idx="14">
+                  <c:v>119.04811413747299</c:v>
+                </c:pt>
+                <c:pt idx="15">
+                  <c:v>122.016916366659</c:v>
+                </c:pt>
+                <c:pt idx="16">
+                  <c:v>121.096466170157</c:v>
+                </c:pt>
+                <c:pt idx="17">
+                  <c:v>119.32934305797301</c:v>
+                </c:pt>
+                <c:pt idx="18">
+                  <c:v>119.81077618469401</c:v>
+                </c:pt>
+                <c:pt idx="19">
+                  <c:v>120.2313669803</c:v>
+                </c:pt>
+                <c:pt idx="20">
+                  <c:v>118.122493884894</c:v>
+                </c:pt>
+                <c:pt idx="21">
+                  <c:v>119.16298411822</c:v>
+                </c:pt>
+                <c:pt idx="22">
+                  <c:v>120.78693586756999</c:v>
+                </c:pt>
+                <c:pt idx="23">
+                  <c:v>120.721711494966</c:v>
+                </c:pt>
+                <c:pt idx="24">
+                  <c:v>115.727338490026</c:v>
+                </c:pt>
+                <c:pt idx="25">
+                  <c:v>118.478493962222</c:v>
+                </c:pt>
+                <c:pt idx="26">
+                  <c:v>119.678713393237</c:v>
+                </c:pt>
+                <c:pt idx="27">
+                  <c:v>118.057463887824</c:v>
+                </c:pt>
+                <c:pt idx="28">
+                  <c:v>118.276498856527</c:v>
+                </c:pt>
+                <c:pt idx="29">
+                  <c:v>119.28806198836099</c:v>
+                </c:pt>
+                <c:pt idx="30">
+                  <c:v>121.085259262641</c:v>
+                </c:pt>
+                <c:pt idx="31">
+                  <c:v>119.020275949512</c:v>
+                </c:pt>
+                <c:pt idx="32">
+                  <c:v>118.751035333793</c:v>
+                </c:pt>
+                <c:pt idx="33">
+                  <c:v>119.837916956321</c:v>
+                </c:pt>
+                <c:pt idx="34">
+                  <c:v>119.060651013406</c:v>
+                </c:pt>
+                <c:pt idx="35">
+                  <c:v>118.14269361320299</c:v>
+                </c:pt>
+                <c:pt idx="36">
+                  <c:v>119.33687629635099</c:v>
+                </c:pt>
+                <c:pt idx="37">
+                  <c:v>119.099919391424</c:v>
+                </c:pt>
+                <c:pt idx="38">
+                  <c:v>119.493339711254</c:v>
+                </c:pt>
+                <c:pt idx="39">
+                  <c:v>119.535145710639</c:v>
+                </c:pt>
+                <c:pt idx="40">
+                  <c:v>118.351632679015</c:v>
+                </c:pt>
+                <c:pt idx="41">
+                  <c:v>119.71241892963801</c:v>
+                </c:pt>
+                <c:pt idx="42">
+                  <c:v>118.93987190407201</c:v>
+                </c:pt>
+                <c:pt idx="43">
+                  <c:v>119.365975678505</c:v>
+                </c:pt>
+                <c:pt idx="44">
+                  <c:v>118.632552701083</c:v>
+                </c:pt>
+                <c:pt idx="45">
+                  <c:v>118.82485200356</c:v>
+                </c:pt>
+                <c:pt idx="46">
+                  <c:v>118.62043003821999</c:v>
+                </c:pt>
+                <c:pt idx="47">
+                  <c:v>119.084728672099</c:v>
+                </c:pt>
+                <c:pt idx="48">
+                  <c:v>119.20843183767199</c:v>
+                </c:pt>
+                <c:pt idx="49">
+                  <c:v>118.82102050709901</c:v>
+                </c:pt>
+                <c:pt idx="50">
+                  <c:v>118.86144078237901</c:v>
+                </c:pt>
+                <c:pt idx="51">
+                  <c:v>120.27821882345999</c:v>
+                </c:pt>
+                <c:pt idx="52">
+                  <c:v>118.918839633537</c:v>
+                </c:pt>
+                <c:pt idx="53">
+                  <c:v>119.482792027511</c:v>
+                </c:pt>
+                <c:pt idx="54">
+                  <c:v>118.569938649394</c:v>
+                </c:pt>
+                <c:pt idx="55">
+                  <c:v>118.975747077275</c:v>
+                </c:pt>
+                <c:pt idx="56">
+                  <c:v>118.810647043465</c:v>
+                </c:pt>
+                <c:pt idx="57">
+                  <c:v>120.45386266355101</c:v>
+                </c:pt>
+                <c:pt idx="58">
+                  <c:v>118.080907453488</c:v>
+                </c:pt>
+                <c:pt idx="59">
+                  <c:v>119.515649476934</c:v>
+                </c:pt>
+                <c:pt idx="60">
+                  <c:v>120.39041294336</c:v>
+                </c:pt>
+                <c:pt idx="61">
+                  <c:v>120.65926495907701</c:v>
+                </c:pt>
+                <c:pt idx="62">
+                  <c:v>120.059895444622</c:v>
+                </c:pt>
+                <c:pt idx="63">
+                  <c:v>119.085689910532</c:v>
+                </c:pt>
+                <c:pt idx="64">
+                  <c:v>119.05503043864201</c:v>
+                </c:pt>
+                <c:pt idx="65">
+                  <c:v>119.269361103306</c:v>
+                </c:pt>
+                <c:pt idx="66">
+                  <c:v>120.041221711646</c:v>
+                </c:pt>
+                <c:pt idx="67">
+                  <c:v>121.094599223808</c:v>
+                </c:pt>
+                <c:pt idx="68">
+                  <c:v>118.867465869724</c:v>
+                </c:pt>
+                <c:pt idx="69">
+                  <c:v>117.877539006836</c:v>
+                </c:pt>
+                <c:pt idx="70">
+                  <c:v>120.277578595839</c:v>
+                </c:pt>
+                <c:pt idx="71">
+                  <c:v>116.76789261247001</c:v>
+                </c:pt>
+                <c:pt idx="72">
+                  <c:v>119.185498393903</c:v>
+                </c:pt>
+                <c:pt idx="73">
+                  <c:v>118.015327187266</c:v>
+                </c:pt>
+                <c:pt idx="74">
+                  <c:v>119.15880019663</c:v>
+                </c:pt>
+                <c:pt idx="75">
+                  <c:v>117.421265296332</c:v>
+                </c:pt>
+                <c:pt idx="76">
+                  <c:v>118.51312229128899</c:v>
+                </c:pt>
+                <c:pt idx="77">
+                  <c:v>121.09609643587299</c:v>
+                </c:pt>
+                <c:pt idx="78">
+                  <c:v>117.45850049007301</c:v>
+                </c:pt>
+                <c:pt idx="79">
+                  <c:v>119.69244827425101</c:v>
+                </c:pt>
+                <c:pt idx="80">
+                  <c:v>120.485359552981</c:v>
+                </c:pt>
+                <c:pt idx="81">
+                  <c:v>119.119244764816</c:v>
+                </c:pt>
+                <c:pt idx="82">
+                  <c:v>117.026048175328</c:v>
+                </c:pt>
+                <c:pt idx="83">
+                  <c:v>117.471139017578</c:v>
+                </c:pt>
+                <c:pt idx="84">
+                  <c:v>119.01007282492699</c:v>
+                </c:pt>
+                <c:pt idx="85">
+                  <c:v>116.293043836799</c:v>
+                </c:pt>
+                <c:pt idx="86">
+                  <c:v>117.728006448212</c:v>
+                </c:pt>
+                <c:pt idx="87">
+                  <c:v>118.446531310914</c:v>
+                </c:pt>
+                <c:pt idx="88">
+                  <c:v>118.82381139228001</c:v>
+                </c:pt>
+                <c:pt idx="89">
+                  <c:v>119.947909281069</c:v>
+                </c:pt>
+                <c:pt idx="90">
+                  <c:v>122.24855157466899</c:v>
+                </c:pt>
+                <c:pt idx="91">
+                  <c:v>119.469241079456</c:v>
+                </c:pt>
+                <c:pt idx="92">
+                  <c:v>119.865907946424</c:v>
+                </c:pt>
+                <c:pt idx="93">
+                  <c:v>118.94626178119501</c:v>
+                </c:pt>
+                <c:pt idx="94">
+                  <c:v>120.69185057083899</c:v>
+                </c:pt>
+                <c:pt idx="95">
+                  <c:v>121.78316633659701</c:v>
+                </c:pt>
+                <c:pt idx="96">
+                  <c:v>119.284601513718</c:v>
+                </c:pt>
+                <c:pt idx="97">
+                  <c:v>119.72099211987501</c:v>
+                </c:pt>
+                <c:pt idx="98">
+                  <c:v>120.020818918765</c:v>
+                </c:pt>
+                <c:pt idx="99">
+                  <c:v>117.447097967312</c:v>
+                </c:pt>
+              </c:numCache>
+            </c:numRef>
+          </c:yVal>
+          <c:smooth val="0"/>
+          <c:extLst>
+            <c:ext xmlns:c16="http://schemas.microsoft.com/office/drawing/2014/chart" uri="{C3380CC4-5D6E-409C-BE32-E72D297353CC}">
+              <c16:uniqueId val="{00000001-98DD-4130-8E0C-E723C90FA35A}"/>
+            </c:ext>
+          </c:extLst>
+        </c:ser>
+        <c:dLbls>
+          <c:showLegendKey val="0"/>
+          <c:showVal val="0"/>
+          <c:showCatName val="0"/>
+          <c:showSerName val="0"/>
+          <c:showPercent val="0"/>
+          <c:showBubbleSize val="0"/>
+        </c:dLbls>
+        <c:axId val="1879425215"/>
+        <c:axId val="1731460015"/>
+      </c:scatterChart>
+      <c:valAx>
+        <c:axId val="1879425215"/>
+        <c:scaling>
+          <c:orientation val="minMax"/>
+          <c:min val="9.0000000000000033E-5"/>
+        </c:scaling>
+        <c:delete val="0"/>
+        <c:axPos val="b"/>
+        <c:title>
+          <c:tx>
+            <c:rich>
+              <a:bodyPr rot="0" spcFirstLastPara="1" vertOverflow="ellipsis" vert="horz" wrap="square" anchor="ctr" anchorCtr="1"/>
+              <a:lstStyle/>
+              <a:p>
+                <a:pPr>
+                  <a:defRPr sz="1000" b="0" i="0" u="none" strike="noStrike" kern="1200" baseline="0">
+                    <a:solidFill>
+                      <a:schemeClr val="bg1"/>
+                    </a:solidFill>
+                    <a:latin typeface="+mn-lt"/>
+                    <a:ea typeface="+mn-ea"/>
+                    <a:cs typeface="+mn-cs"/>
+                  </a:defRPr>
+                </a:pPr>
+                <a:r>
+                  <a:rPr lang="en-CA" dirty="0" err="1"/>
+                  <a:t>Débit</a:t>
+                </a:r>
+                <a:r>
+                  <a:rPr lang="en-CA" dirty="0"/>
+                  <a:t> </a:t>
+                </a:r>
+                <a:r>
+                  <a:rPr lang="en-CA" dirty="0" err="1"/>
+                  <a:t>massique</a:t>
+                </a:r>
+                <a:r>
+                  <a:rPr lang="en-CA" dirty="0"/>
+                  <a:t> de la </a:t>
+                </a:r>
+                <a:r>
+                  <a:rPr lang="en-CA" dirty="0" err="1"/>
+                  <a:t>pompe</a:t>
+                </a:r>
+                <a:r>
+                  <a:rPr lang="en-CA" dirty="0"/>
+                  <a:t> normalise par la </a:t>
+                </a:r>
+                <a:r>
+                  <a:rPr lang="en-CA" dirty="0" err="1"/>
+                  <a:t>vitesse</a:t>
+                </a:r>
+                <a:r>
+                  <a:rPr lang="en-CA" baseline="0" dirty="0"/>
+                  <a:t> de </a:t>
+                </a:r>
+                <a:r>
+                  <a:rPr lang="en-CA" baseline="0" dirty="0" err="1"/>
+                  <a:t>révolution</a:t>
+                </a:r>
+                <a:r>
+                  <a:rPr lang="en-CA" baseline="0" dirty="0"/>
+                  <a:t> du </a:t>
+                </a:r>
+                <a:r>
+                  <a:rPr lang="en-CA" baseline="0" dirty="0" err="1"/>
+                  <a:t>moteur</a:t>
+                </a:r>
+                <a:r>
+                  <a:rPr lang="en-CA" dirty="0"/>
+                  <a:t> (kg/(s*RPM))</a:t>
+                </a:r>
+              </a:p>
+            </c:rich>
+          </c:tx>
+          <c:overlay val="0"/>
+          <c:spPr>
+            <a:noFill/>
+            <a:ln>
+              <a:noFill/>
+            </a:ln>
+            <a:effectLst/>
+          </c:spPr>
+          <c:txPr>
+            <a:bodyPr rot="0" spcFirstLastPara="1" vertOverflow="ellipsis" vert="horz" wrap="square" anchor="ctr" anchorCtr="1"/>
+            <a:lstStyle/>
+            <a:p>
+              <a:pPr>
+                <a:defRPr sz="1000" b="0" i="0" u="none" strike="noStrike" kern="1200" baseline="0">
+                  <a:solidFill>
+                    <a:schemeClr val="bg1"/>
+                  </a:solidFill>
+                  <a:latin typeface="+mn-lt"/>
+                  <a:ea typeface="+mn-ea"/>
+                  <a:cs typeface="+mn-cs"/>
+                </a:defRPr>
+              </a:pPr>
+              <a:endParaRPr lang="en-US"/>
+            </a:p>
+          </c:txPr>
+        </c:title>
+        <c:numFmt formatCode="General" sourceLinked="1"/>
+        <c:majorTickMark val="none"/>
+        <c:minorTickMark val="none"/>
+        <c:tickLblPos val="nextTo"/>
+        <c:spPr>
+          <a:noFill/>
+          <a:ln w="9525" cap="flat" cmpd="sng" algn="ctr">
+            <a:solidFill>
+              <a:schemeClr val="tx1">
+                <a:lumMod val="25000"/>
+                <a:lumOff val="75000"/>
+              </a:schemeClr>
+            </a:solidFill>
+            <a:round/>
+          </a:ln>
+          <a:effectLst/>
+        </c:spPr>
+        <c:txPr>
+          <a:bodyPr rot="-60000000" spcFirstLastPara="1" vertOverflow="ellipsis" vert="horz" wrap="square" anchor="ctr" anchorCtr="1"/>
+          <a:lstStyle/>
+          <a:p>
+            <a:pPr>
+              <a:defRPr sz="900" b="0" i="0" u="none" strike="noStrike" kern="1200" baseline="0">
+                <a:solidFill>
+                  <a:schemeClr val="bg1"/>
+                </a:solidFill>
+                <a:latin typeface="+mn-lt"/>
+                <a:ea typeface="+mn-ea"/>
+                <a:cs typeface="+mn-cs"/>
+              </a:defRPr>
+            </a:pPr>
+            <a:endParaRPr lang="en-US"/>
+          </a:p>
+        </c:txPr>
+        <c:crossAx val="1731460015"/>
+        <c:crosses val="autoZero"/>
+        <c:crossBetween val="midCat"/>
+      </c:valAx>
+      <c:valAx>
+        <c:axId val="1731460015"/>
+        <c:scaling>
+          <c:orientation val="minMax"/>
+        </c:scaling>
+        <c:delete val="0"/>
+        <c:axPos val="l"/>
+        <c:majorGridlines>
+          <c:spPr>
+            <a:ln w="9525" cap="flat" cmpd="sng" algn="ctr">
+              <a:solidFill>
+                <a:schemeClr val="tx1">
+                  <a:lumMod val="15000"/>
+                  <a:lumOff val="85000"/>
+                </a:schemeClr>
+              </a:solidFill>
+              <a:round/>
+            </a:ln>
+            <a:effectLst/>
+          </c:spPr>
+        </c:majorGridlines>
+        <c:title>
+          <c:tx>
+            <c:rich>
+              <a:bodyPr rot="-5400000" spcFirstLastPara="1" vertOverflow="ellipsis" vert="horz" wrap="square" anchor="ctr" anchorCtr="1"/>
+              <a:lstStyle/>
+              <a:p>
+                <a:pPr>
+                  <a:defRPr sz="1000" b="0" i="0" u="none" strike="noStrike" kern="1200" baseline="0">
+                    <a:solidFill>
+                      <a:schemeClr val="bg1"/>
+                    </a:solidFill>
+                    <a:latin typeface="+mn-lt"/>
+                    <a:ea typeface="+mn-ea"/>
+                    <a:cs typeface="+mn-cs"/>
+                  </a:defRPr>
+                </a:pPr>
+                <a:r>
+                  <a:rPr lang="en-CA" dirty="0" err="1"/>
+                  <a:t>Température</a:t>
+                </a:r>
+                <a:r>
+                  <a:rPr lang="en-CA" dirty="0"/>
+                  <a:t> </a:t>
+                </a:r>
+                <a:r>
+                  <a:rPr lang="en-CA" dirty="0" err="1"/>
+                  <a:t>moyenne</a:t>
+                </a:r>
+                <a:r>
+                  <a:rPr lang="en-CA" dirty="0"/>
+                  <a:t> après 200 seconds </a:t>
+                </a:r>
+                <a:r>
+                  <a:rPr lang="en-CA" sz="1000" b="0" i="0" u="none" strike="noStrike" baseline="0" dirty="0">
+                    <a:effectLst/>
+                  </a:rPr>
+                  <a:t>(°C)</a:t>
+                </a:r>
+                <a:endParaRPr lang="en-CA" dirty="0"/>
+              </a:p>
+            </c:rich>
+          </c:tx>
+          <c:layout>
+            <c:manualLayout>
+              <c:xMode val="edge"/>
+              <c:yMode val="edge"/>
+              <c:x val="1.1904761904761904E-2"/>
+              <c:y val="5.5994152046783624E-2"/>
+            </c:manualLayout>
+          </c:layout>
+          <c:overlay val="0"/>
+          <c:spPr>
+            <a:noFill/>
+            <a:ln>
+              <a:noFill/>
+            </a:ln>
+            <a:effectLst/>
+          </c:spPr>
+          <c:txPr>
+            <a:bodyPr rot="-5400000" spcFirstLastPara="1" vertOverflow="ellipsis" vert="horz" wrap="square" anchor="ctr" anchorCtr="1"/>
+            <a:lstStyle/>
+            <a:p>
+              <a:pPr>
+                <a:defRPr sz="1000" b="0" i="0" u="none" strike="noStrike" kern="1200" baseline="0">
+                  <a:solidFill>
+                    <a:schemeClr val="bg1"/>
+                  </a:solidFill>
+                  <a:latin typeface="+mn-lt"/>
+                  <a:ea typeface="+mn-ea"/>
+                  <a:cs typeface="+mn-cs"/>
+                </a:defRPr>
+              </a:pPr>
+              <a:endParaRPr lang="en-US"/>
+            </a:p>
+          </c:txPr>
+        </c:title>
+        <c:numFmt formatCode="General" sourceLinked="1"/>
+        <c:majorTickMark val="none"/>
+        <c:minorTickMark val="none"/>
+        <c:tickLblPos val="nextTo"/>
+        <c:spPr>
+          <a:noFill/>
+          <a:ln w="9525" cap="flat" cmpd="sng" algn="ctr">
+            <a:solidFill>
+              <a:schemeClr val="tx1">
+                <a:lumMod val="25000"/>
+                <a:lumOff val="75000"/>
+              </a:schemeClr>
+            </a:solidFill>
+            <a:round/>
+          </a:ln>
+          <a:effectLst/>
+        </c:spPr>
+        <c:txPr>
+          <a:bodyPr rot="-60000000" spcFirstLastPara="1" vertOverflow="ellipsis" vert="horz" wrap="square" anchor="ctr" anchorCtr="1"/>
+          <a:lstStyle/>
+          <a:p>
+            <a:pPr>
+              <a:defRPr sz="900" b="0" i="0" u="none" strike="noStrike" kern="1200" baseline="0">
+                <a:solidFill>
+                  <a:schemeClr val="bg1"/>
+                </a:solidFill>
+                <a:latin typeface="+mn-lt"/>
+                <a:ea typeface="+mn-ea"/>
+                <a:cs typeface="+mn-cs"/>
+              </a:defRPr>
+            </a:pPr>
+            <a:endParaRPr lang="en-US"/>
+          </a:p>
+        </c:txPr>
+        <c:crossAx val="1879425215"/>
+        <c:crosses val="autoZero"/>
+        <c:crossBetween val="midCat"/>
+      </c:valAx>
+      <c:spPr>
+        <a:solidFill>
+          <a:schemeClr val="bg1">
+            <a:lumMod val="75000"/>
+          </a:schemeClr>
+        </a:solidFill>
+        <a:ln>
+          <a:noFill/>
+        </a:ln>
+        <a:effectLst/>
+      </c:spPr>
+    </c:plotArea>
+    <c:plotVisOnly val="1"/>
+    <c:dispBlanksAs val="gap"/>
+    <c:extLst>
+      <c:ext xmlns:c16r3="http://schemas.microsoft.com/office/drawing/2017/03/chart" uri="{56B9EC1D-385E-4148-901F-78D8002777C0}">
+        <c16r3:dataDisplayOptions16>
+          <c16r3:dispNaAsBlank val="1"/>
+        </c16r3:dataDisplayOptions16>
+      </c:ext>
+    </c:extLst>
+    <c:showDLblsOverMax val="0"/>
+  </c:chart>
+  <c:spPr>
+    <a:noFill/>
+    <a:ln>
+      <a:noFill/>
+    </a:ln>
+    <a:effectLst/>
+  </c:spPr>
+  <c:txPr>
+    <a:bodyPr/>
+    <a:lstStyle/>
+    <a:p>
+      <a:pPr>
+        <a:defRPr>
+          <a:solidFill>
+            <a:schemeClr val="bg1"/>
+          </a:solidFill>
+        </a:defRPr>
+      </a:pPr>
+      <a:endParaRPr lang="en-US"/>
+    </a:p>
+  </c:txPr>
+  <c:externalData r:id="rId3">
+    <c:autoUpdate val="0"/>
+  </c:externalData>
+</c:chartSpace>
+</file>
+
+<file path=ppt/charts/colors1.xml><?xml version="1.0" encoding="utf-8"?>
+<cs:colorStyle xmlns:cs="http://schemas.microsoft.com/office/drawing/2012/chartStyle" xmlns:a="http://schemas.openxmlformats.org/drawingml/2006/main" meth="withinLinear" id="14">
+  <a:schemeClr val="accent1"/>
+</cs:colorStyle>
+</file>
+
+<file path=ppt/charts/colors2.xml><?xml version="1.0" encoding="utf-8"?>
+<cs:colorStyle xmlns:cs="http://schemas.microsoft.com/office/drawing/2012/chartStyle" xmlns:a="http://schemas.openxmlformats.org/drawingml/2006/main" meth="cycle" id="10">
+  <a:schemeClr val="accent1"/>
+  <a:schemeClr val="accent2"/>
+  <a:schemeClr val="accent3"/>
+  <a:schemeClr val="accent4"/>
+  <a:schemeClr val="accent5"/>
+  <a:schemeClr val="accent6"/>
+  <cs:variation/>
+  <cs:variation>
+    <a:lumMod val="60000"/>
+  </cs:variation>
+  <cs:variation>
+    <a:lumMod val="80000"/>
+    <a:lumOff val="20000"/>
+  </cs:variation>
+  <cs:variation>
+    <a:lumMod val="80000"/>
+  </cs:variation>
+  <cs:variation>
+    <a:lumMod val="60000"/>
+    <a:lumOff val="40000"/>
+  </cs:variation>
+  <cs:variation>
+    <a:lumMod val="50000"/>
+  </cs:variation>
+  <cs:variation>
+    <a:lumMod val="70000"/>
+    <a:lumOff val="30000"/>
+  </cs:variation>
+  <cs:variation>
+    <a:lumMod val="70000"/>
+  </cs:variation>
+  <cs:variation>
+    <a:lumMod val="50000"/>
+    <a:lumOff val="50000"/>
+  </cs:variation>
+</cs:colorStyle>
+</file>
+
+<file path=ppt/charts/colors3.xml><?xml version="1.0" encoding="utf-8"?>
+<cs:colorStyle xmlns:cs="http://schemas.microsoft.com/office/drawing/2012/chartStyle" xmlns:a="http://schemas.openxmlformats.org/drawingml/2006/main" meth="cycle" id="10">
+  <a:schemeClr val="accent1"/>
+  <a:schemeClr val="accent2"/>
+  <a:schemeClr val="accent3"/>
+  <a:schemeClr val="accent4"/>
+  <a:schemeClr val="accent5"/>
+  <a:schemeClr val="accent6"/>
+  <cs:variation/>
+  <cs:variation>
+    <a:lumMod val="60000"/>
+  </cs:variation>
+  <cs:variation>
+    <a:lumMod val="80000"/>
+    <a:lumOff val="20000"/>
+  </cs:variation>
+  <cs:variation>
+    <a:lumMod val="80000"/>
+  </cs:variation>
+  <cs:variation>
+    <a:lumMod val="60000"/>
+    <a:lumOff val="40000"/>
+  </cs:variation>
+  <cs:variation>
+    <a:lumMod val="50000"/>
+  </cs:variation>
+  <cs:variation>
+    <a:lumMod val="70000"/>
+    <a:lumOff val="30000"/>
+  </cs:variation>
+  <cs:variation>
+    <a:lumMod val="70000"/>
+  </cs:variation>
+  <cs:variation>
+    <a:lumMod val="50000"/>
+    <a:lumOff val="50000"/>
+  </cs:variation>
+</cs:colorStyle>
+</file>
+
+<file path=ppt/charts/style1.xml><?xml version="1.0" encoding="utf-8"?>
+<cs:chartStyle xmlns:cs="http://schemas.microsoft.com/office/drawing/2012/chartStyle" xmlns:a="http://schemas.openxmlformats.org/drawingml/2006/main" id="240">
+  <cs:axisTitle>
+    <cs:lnRef idx="0"/>
+    <cs:fillRef idx="0"/>
+    <cs:effectRef idx="0"/>
+    <cs:fontRef idx="minor">
+      <a:schemeClr val="tx1">
+        <a:lumMod val="65000"/>
+        <a:lumOff val="35000"/>
+      </a:schemeClr>
+    </cs:fontRef>
+    <cs:defRPr sz="1000" kern="1200"/>
+  </cs:axisTitle>
+  <cs:categoryAxis>
+    <cs:lnRef idx="0"/>
+    <cs:fillRef idx="0"/>
+    <cs:effectRef idx="0"/>
+    <cs:fontRef idx="minor">
+      <a:schemeClr val="tx1">
+        <a:lumMod val="65000"/>
+        <a:lumOff val="35000"/>
+      </a:schemeClr>
+    </cs:fontRef>
+    <cs:spPr>
+      <a:ln w="9525" cap="flat" cmpd="sng" algn="ctr">
+        <a:solidFill>
+          <a:schemeClr val="tx1">
+            <a:lumMod val="25000"/>
+            <a:lumOff val="75000"/>
+          </a:schemeClr>
+        </a:solidFill>
+        <a:round/>
+      </a:ln>
+    </cs:spPr>
+    <cs:defRPr sz="900" kern="1200"/>
+  </cs:categoryAxis>
+  <cs:chartArea mods="allowNoFillOverride allowNoLineOverride">
+    <cs:lnRef idx="0"/>
+    <cs:fillRef idx="0"/>
+    <cs:effectRef idx="0"/>
+    <cs:fontRef idx="minor">
+      <a:schemeClr val="tx1"/>
+    </cs:fontRef>
+    <cs:spPr>
+      <a:solidFill>
+        <a:schemeClr val="bg1"/>
+      </a:solidFill>
+      <a:ln w="9525" cap="flat" cmpd="sng" algn="ctr">
+        <a:solidFill>
+          <a:schemeClr val="tx1">
+            <a:lumMod val="15000"/>
+            <a:lumOff val="85000"/>
+          </a:schemeClr>
+        </a:solidFill>
+        <a:round/>
+      </a:ln>
+    </cs:spPr>
+    <cs:defRPr sz="1000" kern="1200"/>
+  </cs:chartArea>
+  <cs:dataLabel>
+    <cs:lnRef idx="0"/>
+    <cs:fillRef idx="0"/>
+    <cs:effectRef idx="0"/>
+    <cs:fontRef idx="minor">
+      <a:schemeClr val="tx1">
+        <a:lumMod val="75000"/>
+        <a:lumOff val="25000"/>
+      </a:schemeClr>
+    </cs:fontRef>
+    <cs:defRPr sz="900" kern="1200"/>
+  </cs:dataLabel>
+  <cs:dataLabelCallout>
+    <cs:lnRef idx="0"/>
+    <cs:fillRef idx="0"/>
+    <cs:effectRef idx="0"/>
+    <cs:fontRef idx="minor">
+      <a:schemeClr val="dk1">
+        <a:lumMod val="65000"/>
+        <a:lumOff val="35000"/>
+      </a:schemeClr>
+    </cs:fontRef>
+    <cs:spPr>
+      <a:solidFill>
+        <a:schemeClr val="lt1"/>
+      </a:solidFill>
+      <a:ln>
+        <a:solidFill>
+          <a:schemeClr val="dk1">
+            <a:lumMod val="25000"/>
+            <a:lumOff val="75000"/>
+          </a:schemeClr>
+        </a:solidFill>
+      </a:ln>
+    </cs:spPr>
+    <cs:defRPr sz="900" kern="1200"/>
+    <cs:bodyPr rot="0" spcFirstLastPara="1" vertOverflow="clip" horzOverflow="clip" vert="horz" wrap="square" lIns="36576" tIns="18288" rIns="36576" bIns="18288" anchor="ctr" anchorCtr="1">
+      <a:spAutoFit/>
+    </cs:bodyPr>
+  </cs:dataLabelCallout>
+  <cs:dataPoint>
+    <cs:lnRef idx="0"/>
+    <cs:fillRef idx="1">
+      <cs:styleClr val="auto"/>
+    </cs:fillRef>
+    <cs:effectRef idx="0"/>
+    <cs:fontRef idx="minor">
+      <a:schemeClr val="tx1"/>
+    </cs:fontRef>
+  </cs:dataPoint>
+  <cs:dataPoint3D>
+    <cs:lnRef idx="0"/>
+    <cs:fillRef idx="1">
+      <cs:styleClr val="auto"/>
+    </cs:fillRef>
+    <cs:effectRef idx="0"/>
+    <cs:fontRef idx="minor">
+      <a:schemeClr val="tx1"/>
+    </cs:fontRef>
+  </cs:dataPoint3D>
+  <cs:dataPointLine>
+    <cs:lnRef idx="0">
+      <cs:styleClr val="auto"/>
+    </cs:lnRef>
+    <cs:fillRef idx="1"/>
+    <cs:effectRef idx="0"/>
+    <cs:fontRef idx="minor">
+      <a:schemeClr val="tx1"/>
+    </cs:fontRef>
+    <cs:spPr>
+      <a:ln w="19050" cap="rnd">
+        <a:solidFill>
+          <a:schemeClr val="phClr"/>
+        </a:solidFill>
+        <a:round/>
+      </a:ln>
+    </cs:spPr>
+  </cs:dataPointLine>
+  <cs:dataPointMarker>
+    <cs:lnRef idx="0">
+      <cs:styleClr val="auto"/>
+    </cs:lnRef>
+    <cs:fillRef idx="1">
+      <cs:styleClr val="auto"/>
+    </cs:fillRef>
+    <cs:effectRef idx="0"/>
+    <cs:fontRef idx="minor">
+      <a:schemeClr val="tx1"/>
+    </cs:fontRef>
+    <cs:spPr>
+      <a:ln w="9525">
+        <a:solidFill>
+          <a:schemeClr val="phClr"/>
+        </a:solidFill>
+      </a:ln>
+    </cs:spPr>
+  </cs:dataPointMarker>
+  <cs:dataPointMarkerLayout symbol="circle" size="5"/>
+  <cs:dataPointWireframe>
+    <cs:lnRef idx="0">
+      <cs:styleClr val="auto"/>
+    </cs:lnRef>
+    <cs:fillRef idx="0"/>
+    <cs:effectRef idx="0"/>
+    <cs:fontRef idx="minor">
+      <a:schemeClr val="dk1"/>
+    </cs:fontRef>
+    <cs:spPr>
+      <a:ln w="9525" cap="rnd">
+        <a:solidFill>
+          <a:schemeClr val="phClr"/>
+        </a:solidFill>
+        <a:round/>
+      </a:ln>
+    </cs:spPr>
+  </cs:dataPointWireframe>
+  <cs:dataTable>
+    <cs:lnRef idx="0"/>
+    <cs:fillRef idx="0"/>
+    <cs:effectRef idx="0"/>
+    <cs:fontRef idx="minor">
+      <a:schemeClr val="tx1">
+        <a:lumMod val="65000"/>
+        <a:lumOff val="35000"/>
+      </a:schemeClr>
+    </cs:fontRef>
+    <cs:spPr>
+      <a:noFill/>
+      <a:ln w="9525" cap="flat" cmpd="sng" algn="ctr">
+        <a:solidFill>
+          <a:schemeClr val="tx1">
+            <a:lumMod val="15000"/>
+            <a:lumOff val="85000"/>
+          </a:schemeClr>
+        </a:solidFill>
+        <a:round/>
+      </a:ln>
+    </cs:spPr>
+    <cs:defRPr sz="900" kern="1200"/>
+  </cs:dataTable>
+  <cs:downBar>
+    <cs:lnRef idx="0"/>
+    <cs:fillRef idx="0"/>
+    <cs:effectRef idx="0"/>
+    <cs:fontRef idx="minor">
+      <a:schemeClr val="tx1"/>
+    </cs:fontRef>
+    <cs:spPr>
+      <a:solidFill>
+        <a:schemeClr val="dk1">
+          <a:lumMod val="75000"/>
+          <a:lumOff val="25000"/>
+        </a:schemeClr>
+      </a:solidFill>
+      <a:ln w="9525" cap="flat" cmpd="sng" algn="ctr">
+        <a:solidFill>
+          <a:schemeClr val="tx1">
+            <a:lumMod val="65000"/>
+            <a:lumOff val="35000"/>
+          </a:schemeClr>
+        </a:solidFill>
+        <a:round/>
+      </a:ln>
+    </cs:spPr>
+  </cs:downBar>
+  <cs:dropLine>
+    <cs:lnRef idx="0"/>
+    <cs:fillRef idx="0"/>
+    <cs:effectRef idx="0"/>
+    <cs:fontRef idx="minor">
+      <a:schemeClr val="tx1"/>
+    </cs:fontRef>
+    <cs:spPr>
+      <a:ln w="9525" cap="flat" cmpd="sng" algn="ctr">
+        <a:solidFill>
+          <a:schemeClr val="tx1">
+            <a:lumMod val="35000"/>
+            <a:lumOff val="65000"/>
+          </a:schemeClr>
+        </a:solidFill>
+        <a:round/>
+      </a:ln>
+    </cs:spPr>
+  </cs:dropLine>
+  <cs:errorBar>
+    <cs:lnRef idx="0"/>
+    <cs:fillRef idx="0"/>
+    <cs:effectRef idx="0"/>
+    <cs:fontRef idx="minor">
+      <a:schemeClr val="tx1"/>
+    </cs:fontRef>
+    <cs:spPr>
+      <a:ln w="9525" cap="flat" cmpd="sng" algn="ctr">
+        <a:solidFill>
+          <a:schemeClr val="tx1">
+            <a:lumMod val="65000"/>
+            <a:lumOff val="35000"/>
+          </a:schemeClr>
+        </a:solidFill>
+        <a:round/>
+      </a:ln>
+    </cs:spPr>
+  </cs:errorBar>
+  <cs:floor>
+    <cs:lnRef idx="0"/>
+    <cs:fillRef idx="0"/>
+    <cs:effectRef idx="0"/>
+    <cs:fontRef idx="minor">
+      <a:schemeClr val="tx1"/>
+    </cs:fontRef>
+    <cs:spPr>
+      <a:noFill/>
+      <a:ln>
+        <a:noFill/>
+      </a:ln>
+    </cs:spPr>
+  </cs:floor>
+  <cs:gridlineMajor>
+    <cs:lnRef idx="0"/>
+    <cs:fillRef idx="0"/>
+    <cs:effectRef idx="0"/>
+    <cs:fontRef idx="minor">
+      <a:schemeClr val="tx1"/>
+    </cs:fontRef>
+    <cs:spPr>
+      <a:ln w="9525" cap="flat" cmpd="sng" algn="ctr">
+        <a:solidFill>
+          <a:schemeClr val="tx1">
+            <a:lumMod val="15000"/>
+            <a:lumOff val="85000"/>
+          </a:schemeClr>
+        </a:solidFill>
+        <a:round/>
+      </a:ln>
+    </cs:spPr>
+  </cs:gridlineMajor>
+  <cs:gridlineMinor>
+    <cs:lnRef idx="0"/>
+    <cs:fillRef idx="0"/>
+    <cs:effectRef idx="0"/>
+    <cs:fontRef idx="minor">
+      <a:schemeClr val="tx1"/>
+    </cs:fontRef>
+    <cs:spPr>
+      <a:ln w="9525" cap="flat" cmpd="sng" algn="ctr">
+        <a:solidFill>
+          <a:schemeClr val="tx1">
+            <a:lumMod val="5000"/>
+            <a:lumOff val="95000"/>
+          </a:schemeClr>
+        </a:solidFill>
+        <a:round/>
+      </a:ln>
+    </cs:spPr>
+  </cs:gridlineMinor>
+  <cs:hiLoLine>
+    <cs:lnRef idx="0"/>
+    <cs:fillRef idx="0"/>
+    <cs:effectRef idx="0"/>
+    <cs:fontRef idx="minor">
+      <a:schemeClr val="tx1"/>
+    </cs:fontRef>
+    <cs:spPr>
+      <a:ln w="9525" cap="flat" cmpd="sng" algn="ctr">
+        <a:solidFill>
+          <a:schemeClr val="tx1">
+            <a:lumMod val="50000"/>
+            <a:lumOff val="50000"/>
+          </a:schemeClr>
+        </a:solidFill>
+        <a:round/>
+      </a:ln>
+    </cs:spPr>
+  </cs:hiLoLine>
+  <cs:leaderLine>
+    <cs:lnRef idx="0"/>
+    <cs:fillRef idx="0"/>
+    <cs:effectRef idx="0"/>
+    <cs:fontRef idx="minor">
+      <a:schemeClr val="tx1"/>
+    </cs:fontRef>
+    <cs:spPr>
+      <a:ln w="9525" cap="flat" cmpd="sng" algn="ctr">
+        <a:solidFill>
+          <a:schemeClr val="tx1">
+            <a:lumMod val="35000"/>
+            <a:lumOff val="65000"/>
+          </a:schemeClr>
+        </a:solidFill>
+        <a:round/>
+      </a:ln>
+    </cs:spPr>
+  </cs:leaderLine>
+  <cs:legend>
+    <cs:lnRef idx="0"/>
+    <cs:fillRef idx="0"/>
+    <cs:effectRef idx="0"/>
+    <cs:fontRef idx="minor">
+      <a:schemeClr val="tx1">
+        <a:lumMod val="65000"/>
+        <a:lumOff val="35000"/>
+      </a:schemeClr>
+    </cs:fontRef>
+    <cs:defRPr sz="900" kern="1200"/>
+  </cs:legend>
+  <cs:plotArea mods="allowNoFillOverride allowNoLineOverride">
+    <cs:lnRef idx="0"/>
+    <cs:fillRef idx="0"/>
+    <cs:effectRef idx="0"/>
+    <cs:fontRef idx="minor">
+      <a:schemeClr val="tx1"/>
+    </cs:fontRef>
+  </cs:plotArea>
+  <cs:plotArea3D mods="allowNoFillOverride allowNoLineOverride">
+    <cs:lnRef idx="0"/>
+    <cs:fillRef idx="0"/>
+    <cs:effectRef idx="0"/>
+    <cs:fontRef idx="minor">
+      <a:schemeClr val="tx1"/>
+    </cs:fontRef>
+  </cs:plotArea3D>
+  <cs:seriesAxis>
+    <cs:lnRef idx="0"/>
+    <cs:fillRef idx="0"/>
+    <cs:effectRef idx="0"/>
+    <cs:fontRef idx="minor">
+      <a:schemeClr val="tx1">
+        <a:lumMod val="65000"/>
+        <a:lumOff val="35000"/>
+      </a:schemeClr>
+    </cs:fontRef>
+    <cs:defRPr sz="900" kern="1200"/>
+  </cs:seriesAxis>
+  <cs:seriesLine>
+    <cs:lnRef idx="0"/>
+    <cs:fillRef idx="0"/>
+    <cs:effectRef idx="0"/>
+    <cs:fontRef idx="minor">
+      <a:schemeClr val="tx1"/>
+    </cs:fontRef>
+    <cs:spPr>
+      <a:ln w="9525" cap="flat" cmpd="sng" algn="ctr">
+        <a:solidFill>
+          <a:schemeClr val="tx1">
+            <a:lumMod val="35000"/>
+            <a:lumOff val="65000"/>
+          </a:schemeClr>
+        </a:solidFill>
+        <a:round/>
+      </a:ln>
+    </cs:spPr>
+  </cs:seriesLine>
+  <cs:title>
+    <cs:lnRef idx="0"/>
+    <cs:fillRef idx="0"/>
+    <cs:effectRef idx="0"/>
+    <cs:fontRef idx="minor">
+      <a:schemeClr val="tx1">
+        <a:lumMod val="65000"/>
+        <a:lumOff val="35000"/>
+      </a:schemeClr>
+    </cs:fontRef>
+    <cs:defRPr sz="1400" b="0" kern="1200" spc="0" baseline="0"/>
+  </cs:title>
+  <cs:trendline>
+    <cs:lnRef idx="0">
+      <cs:styleClr val="auto"/>
+    </cs:lnRef>
+    <cs:fillRef idx="0"/>
+    <cs:effectRef idx="0"/>
+    <cs:fontRef idx="minor">
+      <a:schemeClr val="tx1"/>
+    </cs:fontRef>
+    <cs:spPr>
+      <a:ln w="19050" cap="rnd">
+        <a:solidFill>
+          <a:schemeClr val="phClr"/>
+        </a:solidFill>
+        <a:prstDash val="sysDot"/>
+      </a:ln>
+    </cs:spPr>
+  </cs:trendline>
+  <cs:trendlineLabel>
+    <cs:lnRef idx="0"/>
+    <cs:fillRef idx="0"/>
+    <cs:effectRef idx="0"/>
+    <cs:fontRef idx="minor">
+      <a:schemeClr val="tx1">
+        <a:lumMod val="65000"/>
+        <a:lumOff val="35000"/>
+      </a:schemeClr>
+    </cs:fontRef>
+    <cs:defRPr sz="900" kern="1200"/>
+  </cs:trendlineLabel>
+  <cs:upBar>
+    <cs:lnRef idx="0"/>
+    <cs:fillRef idx="0"/>
+    <cs:effectRef idx="0"/>
+    <cs:fontRef idx="minor">
+      <a:schemeClr val="tx1"/>
+    </cs:fontRef>
+    <cs:spPr>
+      <a:solidFill>
+        <a:schemeClr val="lt1"/>
+      </a:solidFill>
+      <a:ln w="9525" cap="flat" cmpd="sng" algn="ctr">
+        <a:solidFill>
+          <a:schemeClr val="tx1">
+            <a:lumMod val="65000"/>
+            <a:lumOff val="35000"/>
+          </a:schemeClr>
+        </a:solidFill>
+        <a:round/>
+      </a:ln>
+    </cs:spPr>
+  </cs:upBar>
+  <cs:valueAxis>
+    <cs:lnRef idx="0"/>
+    <cs:fillRef idx="0"/>
+    <cs:effectRef idx="0"/>
+    <cs:fontRef idx="minor">
+      <a:schemeClr val="tx1">
+        <a:lumMod val="65000"/>
+        <a:lumOff val="35000"/>
+      </a:schemeClr>
+    </cs:fontRef>
+    <cs:spPr>
+      <a:ln w="9525" cap="flat" cmpd="sng" algn="ctr">
+        <a:solidFill>
+          <a:schemeClr val="tx1">
+            <a:lumMod val="25000"/>
+            <a:lumOff val="75000"/>
+          </a:schemeClr>
+        </a:solidFill>
+        <a:round/>
+      </a:ln>
+    </cs:spPr>
+    <cs:defRPr sz="900" kern="1200"/>
+  </cs:valueAxis>
+  <cs:wall>
+    <cs:lnRef idx="0"/>
+    <cs:fillRef idx="0"/>
+    <cs:effectRef idx="0"/>
+    <cs:fontRef idx="minor">
+      <a:schemeClr val="tx1"/>
+    </cs:fontRef>
+    <cs:spPr>
+      <a:noFill/>
+      <a:ln>
+        <a:noFill/>
+      </a:ln>
+    </cs:spPr>
+  </cs:wall>
+</cs:chartStyle>
+</file>
+
+<file path=ppt/charts/style2.xml><?xml version="1.0" encoding="utf-8"?>
+<cs:chartStyle xmlns:cs="http://schemas.microsoft.com/office/drawing/2012/chartStyle" xmlns:a="http://schemas.openxmlformats.org/drawingml/2006/main" id="240">
+  <cs:axisTitle>
+    <cs:lnRef idx="0"/>
+    <cs:fillRef idx="0"/>
+    <cs:effectRef idx="0"/>
+    <cs:fontRef idx="minor">
+      <a:schemeClr val="tx1">
+        <a:lumMod val="65000"/>
+        <a:lumOff val="35000"/>
+      </a:schemeClr>
+    </cs:fontRef>
+    <cs:defRPr sz="1000" kern="1200"/>
+  </cs:axisTitle>
+  <cs:categoryAxis>
+    <cs:lnRef idx="0"/>
+    <cs:fillRef idx="0"/>
+    <cs:effectRef idx="0"/>
+    <cs:fontRef idx="minor">
+      <a:schemeClr val="tx1">
+        <a:lumMod val="65000"/>
+        <a:lumOff val="35000"/>
+      </a:schemeClr>
+    </cs:fontRef>
+    <cs:spPr>
+      <a:ln w="9525" cap="flat" cmpd="sng" algn="ctr">
+        <a:solidFill>
+          <a:schemeClr val="tx1">
+            <a:lumMod val="25000"/>
+            <a:lumOff val="75000"/>
+          </a:schemeClr>
+        </a:solidFill>
+        <a:round/>
+      </a:ln>
+    </cs:spPr>
+    <cs:defRPr sz="900" kern="1200"/>
+  </cs:categoryAxis>
+  <cs:chartArea mods="allowNoFillOverride allowNoLineOverride">
+    <cs:lnRef idx="0"/>
+    <cs:fillRef idx="0"/>
+    <cs:effectRef idx="0"/>
+    <cs:fontRef idx="minor">
+      <a:schemeClr val="tx1"/>
+    </cs:fontRef>
+    <cs:spPr>
+      <a:solidFill>
+        <a:schemeClr val="bg1"/>
+      </a:solidFill>
+      <a:ln w="9525" cap="flat" cmpd="sng" algn="ctr">
+        <a:solidFill>
+          <a:schemeClr val="tx1">
+            <a:lumMod val="15000"/>
+            <a:lumOff val="85000"/>
+          </a:schemeClr>
+        </a:solidFill>
+        <a:round/>
+      </a:ln>
+    </cs:spPr>
+    <cs:defRPr sz="1000" kern="1200"/>
+  </cs:chartArea>
+  <cs:dataLabel>
+    <cs:lnRef idx="0"/>
+    <cs:fillRef idx="0"/>
+    <cs:effectRef idx="0"/>
+    <cs:fontRef idx="minor">
+      <a:schemeClr val="tx1">
+        <a:lumMod val="75000"/>
+        <a:lumOff val="25000"/>
+      </a:schemeClr>
+    </cs:fontRef>
+    <cs:defRPr sz="900" kern="1200"/>
+  </cs:dataLabel>
+  <cs:dataLabelCallout>
+    <cs:lnRef idx="0"/>
+    <cs:fillRef idx="0"/>
+    <cs:effectRef idx="0"/>
+    <cs:fontRef idx="minor">
+      <a:schemeClr val="dk1">
+        <a:lumMod val="65000"/>
+        <a:lumOff val="35000"/>
+      </a:schemeClr>
+    </cs:fontRef>
+    <cs:spPr>
+      <a:solidFill>
+        <a:schemeClr val="lt1"/>
+      </a:solidFill>
+      <a:ln>
+        <a:solidFill>
+          <a:schemeClr val="dk1">
+            <a:lumMod val="25000"/>
+            <a:lumOff val="75000"/>
+          </a:schemeClr>
+        </a:solidFill>
+      </a:ln>
+    </cs:spPr>
+    <cs:defRPr sz="900" kern="1200"/>
+    <cs:bodyPr rot="0" spcFirstLastPara="1" vertOverflow="clip" horzOverflow="clip" vert="horz" wrap="square" lIns="36576" tIns="18288" rIns="36576" bIns="18288" anchor="ctr" anchorCtr="1">
+      <a:spAutoFit/>
+    </cs:bodyPr>
+  </cs:dataLabelCallout>
+  <cs:dataPoint>
+    <cs:lnRef idx="0"/>
+    <cs:fillRef idx="1">
+      <cs:styleClr val="auto"/>
+    </cs:fillRef>
+    <cs:effectRef idx="0"/>
+    <cs:fontRef idx="minor">
+      <a:schemeClr val="tx1"/>
+    </cs:fontRef>
+  </cs:dataPoint>
+  <cs:dataPoint3D>
+    <cs:lnRef idx="0"/>
+    <cs:fillRef idx="1">
+      <cs:styleClr val="auto"/>
+    </cs:fillRef>
+    <cs:effectRef idx="0"/>
+    <cs:fontRef idx="minor">
+      <a:schemeClr val="tx1"/>
+    </cs:fontRef>
+  </cs:dataPoint3D>
+  <cs:dataPointLine>
+    <cs:lnRef idx="0">
+      <cs:styleClr val="auto"/>
+    </cs:lnRef>
+    <cs:fillRef idx="1"/>
+    <cs:effectRef idx="0"/>
+    <cs:fontRef idx="minor">
+      <a:schemeClr val="tx1"/>
+    </cs:fontRef>
+    <cs:spPr>
+      <a:ln w="19050" cap="rnd">
+        <a:solidFill>
+          <a:schemeClr val="phClr"/>
+        </a:solidFill>
+        <a:round/>
+      </a:ln>
+    </cs:spPr>
+  </cs:dataPointLine>
+  <cs:dataPointMarker>
+    <cs:lnRef idx="0">
+      <cs:styleClr val="auto"/>
+    </cs:lnRef>
+    <cs:fillRef idx="1">
+      <cs:styleClr val="auto"/>
+    </cs:fillRef>
+    <cs:effectRef idx="0"/>
+    <cs:fontRef idx="minor">
+      <a:schemeClr val="tx1"/>
+    </cs:fontRef>
+    <cs:spPr>
+      <a:ln w="9525">
+        <a:solidFill>
+          <a:schemeClr val="phClr"/>
+        </a:solidFill>
+      </a:ln>
+    </cs:spPr>
+  </cs:dataPointMarker>
+  <cs:dataPointMarkerLayout symbol="circle" size="5"/>
+  <cs:dataPointWireframe>
+    <cs:lnRef idx="0">
+      <cs:styleClr val="auto"/>
+    </cs:lnRef>
+    <cs:fillRef idx="0"/>
+    <cs:effectRef idx="0"/>
+    <cs:fontRef idx="minor">
+      <a:schemeClr val="dk1"/>
+    </cs:fontRef>
+    <cs:spPr>
+      <a:ln w="9525" cap="rnd">
+        <a:solidFill>
+          <a:schemeClr val="phClr"/>
+        </a:solidFill>
+        <a:round/>
+      </a:ln>
+    </cs:spPr>
+  </cs:dataPointWireframe>
+  <cs:dataTable>
+    <cs:lnRef idx="0"/>
+    <cs:fillRef idx="0"/>
+    <cs:effectRef idx="0"/>
+    <cs:fontRef idx="minor">
+      <a:schemeClr val="tx1">
+        <a:lumMod val="65000"/>
+        <a:lumOff val="35000"/>
+      </a:schemeClr>
+    </cs:fontRef>
+    <cs:spPr>
+      <a:noFill/>
+      <a:ln w="9525" cap="flat" cmpd="sng" algn="ctr">
+        <a:solidFill>
+          <a:schemeClr val="tx1">
+            <a:lumMod val="15000"/>
+            <a:lumOff val="85000"/>
+          </a:schemeClr>
+        </a:solidFill>
+        <a:round/>
+      </a:ln>
+    </cs:spPr>
+    <cs:defRPr sz="900" kern="1200"/>
+  </cs:dataTable>
+  <cs:downBar>
+    <cs:lnRef idx="0"/>
+    <cs:fillRef idx="0"/>
+    <cs:effectRef idx="0"/>
+    <cs:fontRef idx="minor">
+      <a:schemeClr val="tx1"/>
+    </cs:fontRef>
+    <cs:spPr>
+      <a:solidFill>
+        <a:schemeClr val="dk1">
+          <a:lumMod val="75000"/>
+          <a:lumOff val="25000"/>
+        </a:schemeClr>
+      </a:solidFill>
+      <a:ln w="9525" cap="flat" cmpd="sng" algn="ctr">
+        <a:solidFill>
+          <a:schemeClr val="tx1">
+            <a:lumMod val="65000"/>
+            <a:lumOff val="35000"/>
+          </a:schemeClr>
+        </a:solidFill>
+        <a:round/>
+      </a:ln>
+    </cs:spPr>
+  </cs:downBar>
+  <cs:dropLine>
+    <cs:lnRef idx="0"/>
+    <cs:fillRef idx="0"/>
+    <cs:effectRef idx="0"/>
+    <cs:fontRef idx="minor">
+      <a:schemeClr val="tx1"/>
+    </cs:fontRef>
+    <cs:spPr>
+      <a:ln w="9525" cap="flat" cmpd="sng" algn="ctr">
+        <a:solidFill>
+          <a:schemeClr val="tx1">
+            <a:lumMod val="35000"/>
+            <a:lumOff val="65000"/>
+          </a:schemeClr>
+        </a:solidFill>
+        <a:round/>
+      </a:ln>
+    </cs:spPr>
+  </cs:dropLine>
+  <cs:errorBar>
+    <cs:lnRef idx="0"/>
+    <cs:fillRef idx="0"/>
+    <cs:effectRef idx="0"/>
+    <cs:fontRef idx="minor">
+      <a:schemeClr val="tx1"/>
+    </cs:fontRef>
+    <cs:spPr>
+      <a:ln w="9525" cap="flat" cmpd="sng" algn="ctr">
+        <a:solidFill>
+          <a:schemeClr val="tx1">
+            <a:lumMod val="65000"/>
+            <a:lumOff val="35000"/>
+          </a:schemeClr>
+        </a:solidFill>
+        <a:round/>
+      </a:ln>
+    </cs:spPr>
+  </cs:errorBar>
+  <cs:floor>
+    <cs:lnRef idx="0"/>
+    <cs:fillRef idx="0"/>
+    <cs:effectRef idx="0"/>
+    <cs:fontRef idx="minor">
+      <a:schemeClr val="tx1"/>
+    </cs:fontRef>
+    <cs:spPr>
+      <a:noFill/>
+      <a:ln>
+        <a:noFill/>
+      </a:ln>
+    </cs:spPr>
+  </cs:floor>
+  <cs:gridlineMajor>
+    <cs:lnRef idx="0"/>
+    <cs:fillRef idx="0"/>
+    <cs:effectRef idx="0"/>
+    <cs:fontRef idx="minor">
+      <a:schemeClr val="tx1"/>
+    </cs:fontRef>
+    <cs:spPr>
+      <a:ln w="9525" cap="flat" cmpd="sng" algn="ctr">
+        <a:solidFill>
+          <a:schemeClr val="tx1">
+            <a:lumMod val="15000"/>
+            <a:lumOff val="85000"/>
+          </a:schemeClr>
+        </a:solidFill>
+        <a:round/>
+      </a:ln>
+    </cs:spPr>
+  </cs:gridlineMajor>
+  <cs:gridlineMinor>
+    <cs:lnRef idx="0"/>
+    <cs:fillRef idx="0"/>
+    <cs:effectRef idx="0"/>
+    <cs:fontRef idx="minor">
+      <a:schemeClr val="tx1"/>
+    </cs:fontRef>
+    <cs:spPr>
+      <a:ln w="9525" cap="flat" cmpd="sng" algn="ctr">
+        <a:solidFill>
+          <a:schemeClr val="tx1">
+            <a:lumMod val="5000"/>
+            <a:lumOff val="95000"/>
+          </a:schemeClr>
+        </a:solidFill>
+        <a:round/>
+      </a:ln>
+    </cs:spPr>
+  </cs:gridlineMinor>
+  <cs:hiLoLine>
+    <cs:lnRef idx="0"/>
+    <cs:fillRef idx="0"/>
+    <cs:effectRef idx="0"/>
+    <cs:fontRef idx="minor">
+      <a:schemeClr val="tx1"/>
+    </cs:fontRef>
+    <cs:spPr>
+      <a:ln w="9525" cap="flat" cmpd="sng" algn="ctr">
+        <a:solidFill>
+          <a:schemeClr val="tx1">
+            <a:lumMod val="50000"/>
+            <a:lumOff val="50000"/>
+          </a:schemeClr>
+        </a:solidFill>
+        <a:round/>
+      </a:ln>
+    </cs:spPr>
+  </cs:hiLoLine>
+  <cs:leaderLine>
+    <cs:lnRef idx="0"/>
+    <cs:fillRef idx="0"/>
+    <cs:effectRef idx="0"/>
+    <cs:fontRef idx="minor">
+      <a:schemeClr val="tx1"/>
+    </cs:fontRef>
+    <cs:spPr>
+      <a:ln w="9525" cap="flat" cmpd="sng" algn="ctr">
+        <a:solidFill>
+          <a:schemeClr val="tx1">
+            <a:lumMod val="35000"/>
+            <a:lumOff val="65000"/>
+          </a:schemeClr>
+        </a:solidFill>
+        <a:round/>
+      </a:ln>
+    </cs:spPr>
+  </cs:leaderLine>
+  <cs:legend>
+    <cs:lnRef idx="0"/>
+    <cs:fillRef idx="0"/>
+    <cs:effectRef idx="0"/>
+    <cs:fontRef idx="minor">
+      <a:schemeClr val="tx1">
+        <a:lumMod val="65000"/>
+        <a:lumOff val="35000"/>
+      </a:schemeClr>
+    </cs:fontRef>
+    <cs:defRPr sz="900" kern="1200"/>
+  </cs:legend>
+  <cs:plotArea mods="allowNoFillOverride allowNoLineOverride">
+    <cs:lnRef idx="0"/>
+    <cs:fillRef idx="0"/>
+    <cs:effectRef idx="0"/>
+    <cs:fontRef idx="minor">
+      <a:schemeClr val="tx1"/>
+    </cs:fontRef>
+  </cs:plotArea>
+  <cs:plotArea3D mods="allowNoFillOverride allowNoLineOverride">
+    <cs:lnRef idx="0"/>
+    <cs:fillRef idx="0"/>
+    <cs:effectRef idx="0"/>
+    <cs:fontRef idx="minor">
+      <a:schemeClr val="tx1"/>
+    </cs:fontRef>
+  </cs:plotArea3D>
+  <cs:seriesAxis>
+    <cs:lnRef idx="0"/>
+    <cs:fillRef idx="0"/>
+    <cs:effectRef idx="0"/>
+    <cs:fontRef idx="minor">
+      <a:schemeClr val="tx1">
+        <a:lumMod val="65000"/>
+        <a:lumOff val="35000"/>
+      </a:schemeClr>
+    </cs:fontRef>
+    <cs:defRPr sz="900" kern="1200"/>
+  </cs:seriesAxis>
+  <cs:seriesLine>
+    <cs:lnRef idx="0"/>
+    <cs:fillRef idx="0"/>
+    <cs:effectRef idx="0"/>
+    <cs:fontRef idx="minor">
+      <a:schemeClr val="tx1"/>
+    </cs:fontRef>
+    <cs:spPr>
+      <a:ln w="9525" cap="flat" cmpd="sng" algn="ctr">
+        <a:solidFill>
+          <a:schemeClr val="tx1">
+            <a:lumMod val="35000"/>
+            <a:lumOff val="65000"/>
+          </a:schemeClr>
+        </a:solidFill>
+        <a:round/>
+      </a:ln>
+    </cs:spPr>
+  </cs:seriesLine>
+  <cs:title>
+    <cs:lnRef idx="0"/>
+    <cs:fillRef idx="0"/>
+    <cs:effectRef idx="0"/>
+    <cs:fontRef idx="minor">
+      <a:schemeClr val="tx1">
+        <a:lumMod val="65000"/>
+        <a:lumOff val="35000"/>
+      </a:schemeClr>
+    </cs:fontRef>
+    <cs:defRPr sz="1400" b="0" kern="1200" spc="0" baseline="0"/>
+  </cs:title>
+  <cs:trendline>
+    <cs:lnRef idx="0">
+      <cs:styleClr val="auto"/>
+    </cs:lnRef>
+    <cs:fillRef idx="0"/>
+    <cs:effectRef idx="0"/>
+    <cs:fontRef idx="minor">
+      <a:schemeClr val="tx1"/>
+    </cs:fontRef>
+    <cs:spPr>
+      <a:ln w="19050" cap="rnd">
+        <a:solidFill>
+          <a:schemeClr val="phClr"/>
+        </a:solidFill>
+        <a:prstDash val="sysDot"/>
+      </a:ln>
+    </cs:spPr>
+  </cs:trendline>
+  <cs:trendlineLabel>
+    <cs:lnRef idx="0"/>
+    <cs:fillRef idx="0"/>
+    <cs:effectRef idx="0"/>
+    <cs:fontRef idx="minor">
+      <a:schemeClr val="tx1">
+        <a:lumMod val="65000"/>
+        <a:lumOff val="35000"/>
+      </a:schemeClr>
+    </cs:fontRef>
+    <cs:defRPr sz="900" kern="1200"/>
+  </cs:trendlineLabel>
+  <cs:upBar>
+    <cs:lnRef idx="0"/>
+    <cs:fillRef idx="0"/>
+    <cs:effectRef idx="0"/>
+    <cs:fontRef idx="minor">
+      <a:schemeClr val="tx1"/>
+    </cs:fontRef>
+    <cs:spPr>
+      <a:solidFill>
+        <a:schemeClr val="lt1"/>
+      </a:solidFill>
+      <a:ln w="9525" cap="flat" cmpd="sng" algn="ctr">
+        <a:solidFill>
+          <a:schemeClr val="tx1">
+            <a:lumMod val="65000"/>
+            <a:lumOff val="35000"/>
+          </a:schemeClr>
+        </a:solidFill>
+        <a:round/>
+      </a:ln>
+    </cs:spPr>
+  </cs:upBar>
+  <cs:valueAxis>
+    <cs:lnRef idx="0"/>
+    <cs:fillRef idx="0"/>
+    <cs:effectRef idx="0"/>
+    <cs:fontRef idx="minor">
+      <a:schemeClr val="tx1">
+        <a:lumMod val="65000"/>
+        <a:lumOff val="35000"/>
+      </a:schemeClr>
+    </cs:fontRef>
+    <cs:spPr>
+      <a:ln w="9525" cap="flat" cmpd="sng" algn="ctr">
+        <a:solidFill>
+          <a:schemeClr val="tx1">
+            <a:lumMod val="25000"/>
+            <a:lumOff val="75000"/>
+          </a:schemeClr>
+        </a:solidFill>
+        <a:round/>
+      </a:ln>
+    </cs:spPr>
+    <cs:defRPr sz="900" kern="1200"/>
+  </cs:valueAxis>
+  <cs:wall>
+    <cs:lnRef idx="0"/>
+    <cs:fillRef idx="0"/>
+    <cs:effectRef idx="0"/>
+    <cs:fontRef idx="minor">
+      <a:schemeClr val="tx1"/>
+    </cs:fontRef>
+    <cs:spPr>
+      <a:noFill/>
+      <a:ln>
+        <a:noFill/>
+      </a:ln>
+    </cs:spPr>
+  </cs:wall>
+</cs:chartStyle>
+</file>
+
+<file path=ppt/charts/style3.xml><?xml version="1.0" encoding="utf-8"?>
+<cs:chartStyle xmlns:cs="http://schemas.microsoft.com/office/drawing/2012/chartStyle" xmlns:a="http://schemas.openxmlformats.org/drawingml/2006/main" id="240">
+  <cs:axisTitle>
+    <cs:lnRef idx="0"/>
+    <cs:fillRef idx="0"/>
+    <cs:effectRef idx="0"/>
+    <cs:fontRef idx="minor">
+      <a:schemeClr val="tx1">
+        <a:lumMod val="65000"/>
+        <a:lumOff val="35000"/>
+      </a:schemeClr>
+    </cs:fontRef>
+    <cs:defRPr sz="1000" kern="1200"/>
+  </cs:axisTitle>
+  <cs:categoryAxis>
+    <cs:lnRef idx="0"/>
+    <cs:fillRef idx="0"/>
+    <cs:effectRef idx="0"/>
+    <cs:fontRef idx="minor">
+      <a:schemeClr val="tx1">
+        <a:lumMod val="65000"/>
+        <a:lumOff val="35000"/>
+      </a:schemeClr>
+    </cs:fontRef>
+    <cs:spPr>
+      <a:ln w="9525" cap="flat" cmpd="sng" algn="ctr">
+        <a:solidFill>
+          <a:schemeClr val="tx1">
+            <a:lumMod val="25000"/>
+            <a:lumOff val="75000"/>
+          </a:schemeClr>
+        </a:solidFill>
+        <a:round/>
+      </a:ln>
+    </cs:spPr>
+    <cs:defRPr sz="900" kern="1200"/>
+  </cs:categoryAxis>
+  <cs:chartArea mods="allowNoFillOverride allowNoLineOverride">
+    <cs:lnRef idx="0"/>
+    <cs:fillRef idx="0"/>
+    <cs:effectRef idx="0"/>
+    <cs:fontRef idx="minor">
+      <a:schemeClr val="tx1"/>
+    </cs:fontRef>
+    <cs:spPr>
+      <a:solidFill>
+        <a:schemeClr val="bg1"/>
+      </a:solidFill>
+      <a:ln w="9525" cap="flat" cmpd="sng" algn="ctr">
+        <a:solidFill>
+          <a:schemeClr val="tx1">
+            <a:lumMod val="15000"/>
+            <a:lumOff val="85000"/>
+          </a:schemeClr>
+        </a:solidFill>
+        <a:round/>
+      </a:ln>
+    </cs:spPr>
+    <cs:defRPr sz="1000" kern="1200"/>
+  </cs:chartArea>
+  <cs:dataLabel>
+    <cs:lnRef idx="0"/>
+    <cs:fillRef idx="0"/>
+    <cs:effectRef idx="0"/>
+    <cs:fontRef idx="minor">
+      <a:schemeClr val="tx1">
+        <a:lumMod val="75000"/>
+        <a:lumOff val="25000"/>
+      </a:schemeClr>
+    </cs:fontRef>
+    <cs:defRPr sz="900" kern="1200"/>
+  </cs:dataLabel>
+  <cs:dataLabelCallout>
+    <cs:lnRef idx="0"/>
+    <cs:fillRef idx="0"/>
+    <cs:effectRef idx="0"/>
+    <cs:fontRef idx="minor">
+      <a:schemeClr val="dk1">
+        <a:lumMod val="65000"/>
+        <a:lumOff val="35000"/>
+      </a:schemeClr>
+    </cs:fontRef>
+    <cs:spPr>
+      <a:solidFill>
+        <a:schemeClr val="lt1"/>
+      </a:solidFill>
+      <a:ln>
+        <a:solidFill>
+          <a:schemeClr val="dk1">
+            <a:lumMod val="25000"/>
+            <a:lumOff val="75000"/>
+          </a:schemeClr>
+        </a:solidFill>
+      </a:ln>
+    </cs:spPr>
+    <cs:defRPr sz="900" kern="1200"/>
+    <cs:bodyPr rot="0" spcFirstLastPara="1" vertOverflow="clip" horzOverflow="clip" vert="horz" wrap="square" lIns="36576" tIns="18288" rIns="36576" bIns="18288" anchor="ctr" anchorCtr="1">
+      <a:spAutoFit/>
+    </cs:bodyPr>
+  </cs:dataLabelCallout>
+  <cs:dataPoint>
+    <cs:lnRef idx="0"/>
+    <cs:fillRef idx="1">
+      <cs:styleClr val="auto"/>
+    </cs:fillRef>
+    <cs:effectRef idx="0"/>
+    <cs:fontRef idx="minor">
+      <a:schemeClr val="tx1"/>
+    </cs:fontRef>
+  </cs:dataPoint>
+  <cs:dataPoint3D>
+    <cs:lnRef idx="0"/>
+    <cs:fillRef idx="1">
+      <cs:styleClr val="auto"/>
+    </cs:fillRef>
+    <cs:effectRef idx="0"/>
+    <cs:fontRef idx="minor">
+      <a:schemeClr val="tx1"/>
+    </cs:fontRef>
+  </cs:dataPoint3D>
+  <cs:dataPointLine>
+    <cs:lnRef idx="0">
+      <cs:styleClr val="auto"/>
+    </cs:lnRef>
+    <cs:fillRef idx="1"/>
+    <cs:effectRef idx="0"/>
+    <cs:fontRef idx="minor">
+      <a:schemeClr val="tx1"/>
+    </cs:fontRef>
+    <cs:spPr>
+      <a:ln w="19050" cap="rnd">
+        <a:solidFill>
+          <a:schemeClr val="phClr"/>
+        </a:solidFill>
+        <a:round/>
+      </a:ln>
+    </cs:spPr>
+  </cs:dataPointLine>
+  <cs:dataPointMarker>
+    <cs:lnRef idx="0">
+      <cs:styleClr val="auto"/>
+    </cs:lnRef>
+    <cs:fillRef idx="1">
+      <cs:styleClr val="auto"/>
+    </cs:fillRef>
+    <cs:effectRef idx="0"/>
+    <cs:fontRef idx="minor">
+      <a:schemeClr val="tx1"/>
+    </cs:fontRef>
+    <cs:spPr>
+      <a:ln w="9525">
+        <a:solidFill>
+          <a:schemeClr val="phClr"/>
+        </a:solidFill>
+      </a:ln>
+    </cs:spPr>
+  </cs:dataPointMarker>
+  <cs:dataPointMarkerLayout symbol="circle" size="5"/>
+  <cs:dataPointWireframe>
+    <cs:lnRef idx="0">
+      <cs:styleClr val="auto"/>
+    </cs:lnRef>
+    <cs:fillRef idx="0"/>
+    <cs:effectRef idx="0"/>
+    <cs:fontRef idx="minor">
+      <a:schemeClr val="dk1"/>
+    </cs:fontRef>
+    <cs:spPr>
+      <a:ln w="9525" cap="rnd">
+        <a:solidFill>
+          <a:schemeClr val="phClr"/>
+        </a:solidFill>
+        <a:round/>
+      </a:ln>
+    </cs:spPr>
+  </cs:dataPointWireframe>
+  <cs:dataTable>
+    <cs:lnRef idx="0"/>
+    <cs:fillRef idx="0"/>
+    <cs:effectRef idx="0"/>
+    <cs:fontRef idx="minor">
+      <a:schemeClr val="tx1">
+        <a:lumMod val="65000"/>
+        <a:lumOff val="35000"/>
+      </a:schemeClr>
+    </cs:fontRef>
+    <cs:spPr>
+      <a:noFill/>
+      <a:ln w="9525" cap="flat" cmpd="sng" algn="ctr">
+        <a:solidFill>
+          <a:schemeClr val="tx1">
+            <a:lumMod val="15000"/>
+            <a:lumOff val="85000"/>
+          </a:schemeClr>
+        </a:solidFill>
+        <a:round/>
+      </a:ln>
+    </cs:spPr>
+    <cs:defRPr sz="900" kern="1200"/>
+  </cs:dataTable>
+  <cs:downBar>
+    <cs:lnRef idx="0"/>
+    <cs:fillRef idx="0"/>
+    <cs:effectRef idx="0"/>
+    <cs:fontRef idx="minor">
+      <a:schemeClr val="tx1"/>
+    </cs:fontRef>
+    <cs:spPr>
+      <a:solidFill>
+        <a:schemeClr val="dk1">
+          <a:lumMod val="75000"/>
+          <a:lumOff val="25000"/>
+        </a:schemeClr>
+      </a:solidFill>
+      <a:ln w="9525" cap="flat" cmpd="sng" algn="ctr">
+        <a:solidFill>
+          <a:schemeClr val="tx1">
+            <a:lumMod val="65000"/>
+            <a:lumOff val="35000"/>
+          </a:schemeClr>
+        </a:solidFill>
+        <a:round/>
+      </a:ln>
+    </cs:spPr>
+  </cs:downBar>
+  <cs:dropLine>
+    <cs:lnRef idx="0"/>
+    <cs:fillRef idx="0"/>
+    <cs:effectRef idx="0"/>
+    <cs:fontRef idx="minor">
+      <a:schemeClr val="tx1"/>
+    </cs:fontRef>
+    <cs:spPr>
+      <a:ln w="9525" cap="flat" cmpd="sng" algn="ctr">
+        <a:solidFill>
+          <a:schemeClr val="tx1">
+            <a:lumMod val="35000"/>
+            <a:lumOff val="65000"/>
+          </a:schemeClr>
+        </a:solidFill>
+        <a:round/>
+      </a:ln>
+    </cs:spPr>
+  </cs:dropLine>
+  <cs:errorBar>
+    <cs:lnRef idx="0"/>
+    <cs:fillRef idx="0"/>
+    <cs:effectRef idx="0"/>
+    <cs:fontRef idx="minor">
+      <a:schemeClr val="tx1"/>
+    </cs:fontRef>
+    <cs:spPr>
+      <a:ln w="9525" cap="flat" cmpd="sng" algn="ctr">
+        <a:solidFill>
+          <a:schemeClr val="tx1">
+            <a:lumMod val="65000"/>
+            <a:lumOff val="35000"/>
+          </a:schemeClr>
+        </a:solidFill>
+        <a:round/>
+      </a:ln>
+    </cs:spPr>
+  </cs:errorBar>
+  <cs:floor>
+    <cs:lnRef idx="0"/>
+    <cs:fillRef idx="0"/>
+    <cs:effectRef idx="0"/>
+    <cs:fontRef idx="minor">
+      <a:schemeClr val="tx1"/>
+    </cs:fontRef>
+    <cs:spPr>
+      <a:noFill/>
+      <a:ln>
+        <a:noFill/>
+      </a:ln>
+    </cs:spPr>
+  </cs:floor>
+  <cs:gridlineMajor>
+    <cs:lnRef idx="0"/>
+    <cs:fillRef idx="0"/>
+    <cs:effectRef idx="0"/>
+    <cs:fontRef idx="minor">
+      <a:schemeClr val="tx1"/>
+    </cs:fontRef>
+    <cs:spPr>
+      <a:ln w="9525" cap="flat" cmpd="sng" algn="ctr">
+        <a:solidFill>
+          <a:schemeClr val="tx1">
+            <a:lumMod val="15000"/>
+            <a:lumOff val="85000"/>
+          </a:schemeClr>
+        </a:solidFill>
+        <a:round/>
+      </a:ln>
+    </cs:spPr>
+  </cs:gridlineMajor>
+  <cs:gridlineMinor>
+    <cs:lnRef idx="0"/>
+    <cs:fillRef idx="0"/>
+    <cs:effectRef idx="0"/>
+    <cs:fontRef idx="minor">
+      <a:schemeClr val="tx1"/>
+    </cs:fontRef>
+    <cs:spPr>
+      <a:ln w="9525" cap="flat" cmpd="sng" algn="ctr">
+        <a:solidFill>
+          <a:schemeClr val="tx1">
+            <a:lumMod val="5000"/>
+            <a:lumOff val="95000"/>
+          </a:schemeClr>
+        </a:solidFill>
+        <a:round/>
+      </a:ln>
+    </cs:spPr>
+  </cs:gridlineMinor>
+  <cs:hiLoLine>
+    <cs:lnRef idx="0"/>
+    <cs:fillRef idx="0"/>
+    <cs:effectRef idx="0"/>
+    <cs:fontRef idx="minor">
+      <a:schemeClr val="tx1"/>
+    </cs:fontRef>
+    <cs:spPr>
+      <a:ln w="9525" cap="flat" cmpd="sng" algn="ctr">
+        <a:solidFill>
+          <a:schemeClr val="tx1">
+            <a:lumMod val="50000"/>
+            <a:lumOff val="50000"/>
+          </a:schemeClr>
+        </a:solidFill>
+        <a:round/>
+      </a:ln>
+    </cs:spPr>
+  </cs:hiLoLine>
+  <cs:leaderLine>
+    <cs:lnRef idx="0"/>
+    <cs:fillRef idx="0"/>
+    <cs:effectRef idx="0"/>
+    <cs:fontRef idx="minor">
+      <a:schemeClr val="tx1"/>
+    </cs:fontRef>
+    <cs:spPr>
+      <a:ln w="9525" cap="flat" cmpd="sng" algn="ctr">
+        <a:solidFill>
+          <a:schemeClr val="tx1">
+            <a:lumMod val="35000"/>
+            <a:lumOff val="65000"/>
+          </a:schemeClr>
+        </a:solidFill>
+        <a:round/>
+      </a:ln>
+    </cs:spPr>
+  </cs:leaderLine>
+  <cs:legend>
+    <cs:lnRef idx="0"/>
+    <cs:fillRef idx="0"/>
+    <cs:effectRef idx="0"/>
+    <cs:fontRef idx="minor">
+      <a:schemeClr val="tx1">
+        <a:lumMod val="65000"/>
+        <a:lumOff val="35000"/>
+      </a:schemeClr>
+    </cs:fontRef>
+    <cs:defRPr sz="900" kern="1200"/>
+  </cs:legend>
+  <cs:plotArea mods="allowNoFillOverride allowNoLineOverride">
+    <cs:lnRef idx="0"/>
+    <cs:fillRef idx="0"/>
+    <cs:effectRef idx="0"/>
+    <cs:fontRef idx="minor">
+      <a:schemeClr val="tx1"/>
+    </cs:fontRef>
+  </cs:plotArea>
+  <cs:plotArea3D mods="allowNoFillOverride allowNoLineOverride">
+    <cs:lnRef idx="0"/>
+    <cs:fillRef idx="0"/>
+    <cs:effectRef idx="0"/>
+    <cs:fontRef idx="minor">
+      <a:schemeClr val="tx1"/>
+    </cs:fontRef>
+  </cs:plotArea3D>
+  <cs:seriesAxis>
+    <cs:lnRef idx="0"/>
+    <cs:fillRef idx="0"/>
+    <cs:effectRef idx="0"/>
+    <cs:fontRef idx="minor">
+      <a:schemeClr val="tx1">
+        <a:lumMod val="65000"/>
+        <a:lumOff val="35000"/>
+      </a:schemeClr>
+    </cs:fontRef>
+    <cs:defRPr sz="900" kern="1200"/>
+  </cs:seriesAxis>
+  <cs:seriesLine>
+    <cs:lnRef idx="0"/>
+    <cs:fillRef idx="0"/>
+    <cs:effectRef idx="0"/>
+    <cs:fontRef idx="minor">
+      <a:schemeClr val="tx1"/>
+    </cs:fontRef>
+    <cs:spPr>
+      <a:ln w="9525" cap="flat" cmpd="sng" algn="ctr">
+        <a:solidFill>
+          <a:schemeClr val="tx1">
+            <a:lumMod val="35000"/>
+            <a:lumOff val="65000"/>
+          </a:schemeClr>
+        </a:solidFill>
+        <a:round/>
+      </a:ln>
+    </cs:spPr>
+  </cs:seriesLine>
+  <cs:title>
+    <cs:lnRef idx="0"/>
+    <cs:fillRef idx="0"/>
+    <cs:effectRef idx="0"/>
+    <cs:fontRef idx="minor">
+      <a:schemeClr val="tx1">
+        <a:lumMod val="65000"/>
+        <a:lumOff val="35000"/>
+      </a:schemeClr>
+    </cs:fontRef>
+    <cs:defRPr sz="1400" b="0" kern="1200" spc="0" baseline="0"/>
+  </cs:title>
+  <cs:trendline>
+    <cs:lnRef idx="0">
+      <cs:styleClr val="auto"/>
+    </cs:lnRef>
+    <cs:fillRef idx="0"/>
+    <cs:effectRef idx="0"/>
+    <cs:fontRef idx="minor">
+      <a:schemeClr val="tx1"/>
+    </cs:fontRef>
+    <cs:spPr>
+      <a:ln w="19050" cap="rnd">
+        <a:solidFill>
+          <a:schemeClr val="phClr"/>
+        </a:solidFill>
+        <a:prstDash val="sysDot"/>
+      </a:ln>
+    </cs:spPr>
+  </cs:trendline>
+  <cs:trendlineLabel>
+    <cs:lnRef idx="0"/>
+    <cs:fillRef idx="0"/>
+    <cs:effectRef idx="0"/>
+    <cs:fontRef idx="minor">
+      <a:schemeClr val="tx1">
+        <a:lumMod val="65000"/>
+        <a:lumOff val="35000"/>
+      </a:schemeClr>
+    </cs:fontRef>
+    <cs:defRPr sz="900" kern="1200"/>
+  </cs:trendlineLabel>
+  <cs:upBar>
+    <cs:lnRef idx="0"/>
+    <cs:fillRef idx="0"/>
+    <cs:effectRef idx="0"/>
+    <cs:fontRef idx="minor">
+      <a:schemeClr val="tx1"/>
+    </cs:fontRef>
+    <cs:spPr>
+      <a:solidFill>
+        <a:schemeClr val="lt1"/>
+      </a:solidFill>
+      <a:ln w="9525" cap="flat" cmpd="sng" algn="ctr">
+        <a:solidFill>
+          <a:schemeClr val="tx1">
+            <a:lumMod val="65000"/>
+            <a:lumOff val="35000"/>
+          </a:schemeClr>
+        </a:solidFill>
+        <a:round/>
+      </a:ln>
+    </cs:spPr>
+  </cs:upBar>
+  <cs:valueAxis>
+    <cs:lnRef idx="0"/>
+    <cs:fillRef idx="0"/>
+    <cs:effectRef idx="0"/>
+    <cs:fontRef idx="minor">
+      <a:schemeClr val="tx1">
+        <a:lumMod val="65000"/>
+        <a:lumOff val="35000"/>
+      </a:schemeClr>
+    </cs:fontRef>
+    <cs:spPr>
+      <a:ln w="9525" cap="flat" cmpd="sng" algn="ctr">
+        <a:solidFill>
+          <a:schemeClr val="tx1">
+            <a:lumMod val="25000"/>
+            <a:lumOff val="75000"/>
+          </a:schemeClr>
+        </a:solidFill>
+        <a:round/>
+      </a:ln>
+    </cs:spPr>
+    <cs:defRPr sz="900" kern="1200"/>
+  </cs:valueAxis>
+  <cs:wall>
+    <cs:lnRef idx="0"/>
+    <cs:fillRef idx="0"/>
+    <cs:effectRef idx="0"/>
+    <cs:fontRef idx="minor">
+      <a:schemeClr val="tx1"/>
+    </cs:fontRef>
+    <cs:spPr>
+      <a:noFill/>
+      <a:ln>
+        <a:noFill/>
+      </a:ln>
+    </cs:spPr>
+  </cs:wall>
+</cs:chartStyle>
 </file>
 
 <file path=ppt/diagrams/colors1.xml><?xml version="1.0" encoding="utf-8"?>
@@ -2241,7 +7133,7 @@
       <dgm:spPr/>
     </dgm:pt>
     <dgm:pt modelId="{BC126227-3B83-4EB3-9C32-E357CDDAD557}" type="pres">
-      <dgm:prSet presAssocID="{4B537148-17CA-4E96-BCAE-8B42AB909124}" presName="node" presStyleLbl="node1" presStyleIdx="1" presStyleCnt="3" custScaleX="147116" custRadScaleRad="102161" custRadScaleInc="-27916">
+      <dgm:prSet presAssocID="{4B537148-17CA-4E96-BCAE-8B42AB909124}" presName="node" presStyleLbl="node1" presStyleIdx="1" presStyleCnt="3" custScaleX="147116" custRadScaleRad="105095" custRadScaleInc="-18994">
         <dgm:presLayoutVars>
           <dgm:bulletEnabled val="1"/>
         </dgm:presLayoutVars>
@@ -2257,7 +7149,7 @@
       <dgm:spPr/>
     </dgm:pt>
     <dgm:pt modelId="{FB5C8263-4980-44A5-AD16-FF5E35D92CFE}" type="pres">
-      <dgm:prSet presAssocID="{C92E48A8-26C6-4A3B-8E4B-1A078CCAA3B5}" presName="node" presStyleLbl="node1" presStyleIdx="2" presStyleCnt="3" custScaleX="147116" custRadScaleRad="100585" custRadScaleInc="27150">
+      <dgm:prSet presAssocID="{C92E48A8-26C6-4A3B-8E4B-1A078CCAA3B5}" presName="node" presStyleLbl="node1" presStyleIdx="2" presStyleCnt="3" custScaleX="147116" custRadScaleRad="103058" custRadScaleInc="16400">
         <dgm:presLayoutVars>
           <dgm:bulletEnabled val="1"/>
         </dgm:presLayoutVars>
@@ -3042,7 +7934,7 @@
       </dsp:nvSpPr>
       <dsp:spPr>
         <a:xfrm>
-          <a:off x="1002448" y="1149578"/>
+          <a:off x="997556" y="1163412"/>
           <a:ext cx="3232152" cy="3232152"/>
         </a:xfrm>
         <a:custGeom>
@@ -3054,9 +7946,9 @@
           <a:pathLst>
             <a:path>
               <a:moveTo>
-                <a:pt x="2684272" y="403368"/>
+                <a:pt x="2684791" y="403826"/>
               </a:moveTo>
-              <a:arcTo wR="1616076" hR="1616076" stAng="18682486" swAng="1187062"/>
+              <a:arcTo wR="1616076" hR="1616076" stAng="18683956" swAng="1360360"/>
             </a:path>
           </a:pathLst>
         </a:custGeom>
@@ -3091,7 +7983,7 @@
       </dsp:nvSpPr>
       <dsp:spPr>
         <a:xfrm>
-          <a:off x="3227010" y="2149995"/>
+          <a:off x="3234640" y="2264299"/>
           <a:ext cx="2743840" cy="1212306"/>
         </a:xfrm>
         <a:prstGeom prst="roundRect">
@@ -3196,7 +8088,7 @@
         </a:p>
       </dsp:txBody>
       <dsp:txXfrm>
-        <a:off x="3286190" y="2209175"/>
+        <a:off x="3293820" y="2323479"/>
         <a:ext cx="2625480" cy="1093946"/>
       </dsp:txXfrm>
     </dsp:sp>
@@ -3207,7 +8099,7 @@
       </dsp:nvSpPr>
       <dsp:spPr>
         <a:xfrm>
-          <a:off x="1437968" y="639175"/>
+          <a:off x="1445741" y="696068"/>
           <a:ext cx="3232152" cy="3232152"/>
         </a:xfrm>
         <a:custGeom>
@@ -3219,9 +8111,9 @@
           <a:pathLst>
             <a:path>
               <a:moveTo>
-                <a:pt x="2425727" y="3014706"/>
+                <a:pt x="2377814" y="3041368"/>
               </a:moveTo>
-              <a:arcTo wR="1616076" hR="1616076" stAng="3596036" swAng="3607935"/>
+              <a:arcTo wR="1616076" hR="1616076" stAng="3712681" swAng="3327569"/>
             </a:path>
           </a:pathLst>
         </a:custGeom>
@@ -3256,7 +8148,7 @@
       </dsp:nvSpPr>
       <dsp:spPr>
         <a:xfrm>
-          <a:off x="128733" y="2149993"/>
+          <a:off x="136350" y="2279533"/>
           <a:ext cx="2743840" cy="1212306"/>
         </a:xfrm>
         <a:prstGeom prst="roundRect">
@@ -3342,7 +8234,7 @@
         </a:p>
       </dsp:txBody>
       <dsp:txXfrm>
-        <a:off x="187913" y="2209173"/>
+        <a:off x="195530" y="2338713"/>
         <a:ext cx="2625480" cy="1093946"/>
       </dsp:txXfrm>
     </dsp:sp>
@@ -3353,7 +8245,7 @@
       </dsp:nvSpPr>
       <dsp:spPr>
         <a:xfrm>
-          <a:off x="1867579" y="1155181"/>
+          <a:off x="1886288" y="1165099"/>
           <a:ext cx="3232152" cy="3232152"/>
         </a:xfrm>
         <a:custGeom>
@@ -3365,9 +8257,9 @@
           <a:pathLst>
             <a:path>
               <a:moveTo>
-                <a:pt x="203740" y="830576"/>
+                <a:pt x="157892" y="919367"/>
               </a:moveTo>
-              <a:arcTo wR="1616076" hR="1616076" stAng="12544893" swAng="1191994"/>
+              <a:arcTo wR="1616076" hR="1616076" stAng="12332287" swAng="1383211"/>
             </a:path>
           </a:pathLst>
         </a:custGeom>
@@ -17468,10 +22360,9 @@
               <a:buNone/>
             </a:pPr>
             <a:r>
-              <a:rPr lang="en" dirty="0"/>
+              <a:rPr lang="fr-CA" noProof="0" dirty="0"/>
               <a:t>Simulation du système de refroidissement d’une Formule SAE</a:t>
             </a:r>
-            <a:endParaRPr dirty="0"/>
           </a:p>
         </p:txBody>
       </p:sp>
@@ -17513,8 +22404,16 @@
               <a:buNone/>
             </a:pPr>
             <a:r>
-              <a:rPr lang="fr-CA" sz="1600" dirty="0"/>
-              <a:t>Présenté par Lucka Barbeau et Matthew Coffey</a:t>
+              <a:rPr lang="fr-CA" sz="1600" noProof="0" dirty="0"/>
+              <a:t>Présenté par </a:t>
+            </a:r>
+            <a:r>
+              <a:rPr lang="fr-CA" sz="1600" noProof="0" dirty="0" err="1"/>
+              <a:t>Lucka</a:t>
+            </a:r>
+            <a:r>
+              <a:rPr lang="fr-CA" sz="1600" noProof="0" dirty="0"/>
+              <a:t> Barbeau et Matthew Coffey</a:t>
             </a:r>
           </a:p>
         </p:txBody>
@@ -17659,10 +22558,9 @@
           <a:lstStyle/>
           <a:p>
             <a:r>
-              <a:rPr lang="fr-CA" sz="4000" dirty="0"/>
+              <a:rPr lang="fr-CA" sz="4000" noProof="0" dirty="0"/>
               <a:t>Discrétisation du problème</a:t>
             </a:r>
-            <a:endParaRPr lang="en-CA" sz="4000" dirty="0"/>
           </a:p>
         </p:txBody>
       </p:sp>
@@ -17772,14 +22670,13 @@
               <a:buNone/>
             </a:pPr>
             <a:r>
-              <a:rPr lang="en" sz="2800" dirty="0"/>
+              <a:rPr lang="fr-CA" sz="2800" noProof="0" dirty="0"/>
               <a:t>Discrétisation</a:t>
             </a:r>
             <a:r>
-              <a:rPr lang="en" dirty="0"/>
+              <a:rPr lang="fr-CA" noProof="0" dirty="0"/>
               <a:t> du problème</a:t>
             </a:r>
-            <a:endParaRPr dirty="0"/>
           </a:p>
         </p:txBody>
       </p:sp>
@@ -17818,98 +22715,9 @@
               <a:buNone/>
             </a:pPr>
             <a:r>
-              <a:rPr lang="en-CA" dirty="0" err="1"/>
-              <a:t>Discrétisation</a:t>
+              <a:rPr lang="fr-CA" noProof="0" dirty="0"/>
+              <a:t>Discrétisation Lagrangienne dans l’espace, c’est-à-dire qu’on suit des petit volume d’eau en déplacement. Le déplacement de ceux-ci est volumétrique.</a:t>
             </a:r>
-            <a:r>
-              <a:rPr lang="en-CA" dirty="0"/>
-              <a:t> </a:t>
-            </a:r>
-            <a:r>
-              <a:rPr lang="en" dirty="0"/>
-              <a:t>Lagrangien</a:t>
-            </a:r>
-            <a:r>
-              <a:rPr lang="en-CA" dirty="0"/>
-              <a:t>ne</a:t>
-            </a:r>
-            <a:r>
-              <a:rPr lang="en" dirty="0"/>
-              <a:t> dans l’espace, </a:t>
-            </a:r>
-            <a:r>
-              <a:rPr lang="en-CA" dirty="0" err="1"/>
-              <a:t>c’est</a:t>
-            </a:r>
-            <a:r>
-              <a:rPr lang="en-CA" dirty="0"/>
-              <a:t>-à-dire </a:t>
-            </a:r>
-            <a:r>
-              <a:rPr lang="en-CA" dirty="0" err="1"/>
-              <a:t>qu’on</a:t>
-            </a:r>
-            <a:r>
-              <a:rPr lang="en-CA" dirty="0"/>
-              <a:t> suit des petit volume </a:t>
-            </a:r>
-            <a:r>
-              <a:rPr lang="en-CA" dirty="0" err="1"/>
-              <a:t>d’eau</a:t>
-            </a:r>
-            <a:r>
-              <a:rPr lang="en-CA" dirty="0"/>
-              <a:t> </a:t>
-            </a:r>
-            <a:r>
-              <a:rPr lang="en-CA" dirty="0" err="1"/>
-              <a:t>en</a:t>
-            </a:r>
-            <a:r>
-              <a:rPr lang="en-CA" dirty="0"/>
-              <a:t> </a:t>
-            </a:r>
-            <a:r>
-              <a:rPr lang="en-CA" dirty="0" err="1"/>
-              <a:t>déplacement</a:t>
-            </a:r>
-            <a:r>
-              <a:rPr lang="en-CA" dirty="0"/>
-              <a:t>. Le </a:t>
-            </a:r>
-            <a:r>
-              <a:rPr lang="en-CA" dirty="0" err="1"/>
-              <a:t>déplacement</a:t>
-            </a:r>
-            <a:r>
-              <a:rPr lang="en-CA" dirty="0"/>
-              <a:t> de </a:t>
-            </a:r>
-            <a:r>
-              <a:rPr lang="en-CA" dirty="0" err="1"/>
-              <a:t>ceux</a:t>
-            </a:r>
-            <a:r>
-              <a:rPr lang="en-CA" dirty="0"/>
-              <a:t>-ci </a:t>
-            </a:r>
-            <a:r>
-              <a:rPr lang="en-CA" dirty="0" err="1"/>
-              <a:t>est</a:t>
-            </a:r>
-            <a:r>
-              <a:rPr lang="en-CA" dirty="0"/>
-              <a:t> </a:t>
-            </a:r>
-            <a:r>
-              <a:rPr lang="en-CA" dirty="0" err="1"/>
-              <a:t>volumétrique</a:t>
-            </a:r>
-            <a:r>
-              <a:rPr lang="en-CA" dirty="0"/>
-              <a:t>.</a:t>
-            </a:r>
-            <a:endParaRPr dirty="0"/>
           </a:p>
           <a:p>
             <a:pPr marL="0" lvl="0" indent="0" algn="l" rtl="0">
@@ -17921,7 +22729,7 @@
               </a:spcAft>
               <a:buNone/>
             </a:pPr>
-            <a:endParaRPr dirty="0"/>
+            <a:endParaRPr lang="fr-CA" noProof="0" dirty="0"/>
           </a:p>
         </p:txBody>
       </p:sp>
@@ -21751,10 +26559,9 @@
               <a:buNone/>
             </a:pPr>
             <a:r>
-              <a:rPr lang="en" sz="2800" dirty="0"/>
+              <a:rPr lang="fr-CA" sz="2800" noProof="0" dirty="0"/>
               <a:t>Discrétisation du problème</a:t>
             </a:r>
-            <a:endParaRPr sz="2800" dirty="0"/>
           </a:p>
         </p:txBody>
       </p:sp>
@@ -23742,21 +28549,16 @@
                   <a:buNone/>
                 </a:pPr>
                 <a:r>
-                  <a:rPr lang="fr-FR" sz="1600" dirty="0"/>
-                  <a:t>Autres </a:t>
+                  <a:rPr lang="fr-CA" sz="1600" noProof="0" dirty="0"/>
+                  <a:t>Autres considérations</a:t>
                 </a:r>
-                <a:r>
-                  <a:rPr lang="fr-FR" sz="1600" dirty="0" err="1"/>
-                  <a:t>considérations</a:t>
-                </a:r>
-                <a:endParaRPr lang="fr-FR" sz="1600" dirty="0"/>
               </a:p>
               <a:p>
                 <a:pPr marL="285750" indent="-285750">
                   <a:buSzPct val="90000"/>
                 </a:pPr>
                 <a:r>
-                  <a:rPr lang="fr-FR" dirty="0"/>
+                  <a:rPr lang="fr-CA" noProof="0" dirty="0"/>
                   <a:t>Il faut avoir le nombre de Courant &lt; 1, pour éviter de sauter par dessus une composante</a:t>
                 </a:r>
               </a:p>
@@ -23765,7 +28567,7 @@
                   <a:buSzPct val="90000"/>
                 </a:pPr>
                 <a:r>
-                  <a:rPr lang="fr-FR" b="0" dirty="0"/>
+                  <a:rPr lang="fr-CA" b="0" noProof="0" dirty="0"/>
                   <a:t>Nombre de Courant </a:t>
                 </a:r>
               </a:p>
@@ -23781,13 +28583,13 @@
                     </m:oMathParaPr>
                     <m:oMath xmlns:m="http://schemas.openxmlformats.org/officeDocument/2006/math">
                       <m:r>
-                        <a:rPr lang="fr-FR" b="0" i="1" smtClean="0">
+                        <a:rPr lang="fr-CA" b="0" i="1" noProof="0" smtClean="0">
                           <a:latin typeface="Cambria Math" panose="02040503050406030204" pitchFamily="18" charset="0"/>
                         </a:rPr>
                         <m:t>𝐶</m:t>
                       </m:r>
                       <m:r>
-                        <a:rPr lang="fr-CA" b="0" i="1" smtClean="0">
+                        <a:rPr lang="fr-CA" b="0" i="1" noProof="0" smtClean="0">
                           <a:latin typeface="Cambria Math" panose="02040503050406030204" pitchFamily="18" charset="0"/>
                         </a:rPr>
                         <m:t>= </m:t>
@@ -23795,26 +28597,26 @@
                       <m:f>
                         <m:fPr>
                           <m:ctrlPr>
-                            <a:rPr lang="fr-CA" b="0" i="1" smtClean="0">
+                            <a:rPr lang="fr-CA" b="0" i="1" noProof="0" smtClean="0">
                               <a:latin typeface="Cambria Math" panose="02040503050406030204" pitchFamily="18" charset="0"/>
                             </a:rPr>
                           </m:ctrlPr>
                         </m:fPr>
                         <m:num>
                           <m:r>
-                            <a:rPr lang="fr-CA" b="0" i="1" smtClean="0">
+                            <a:rPr lang="fr-CA" b="0" i="1" noProof="0" smtClean="0">
                               <a:latin typeface="Cambria Math" panose="02040503050406030204" pitchFamily="18" charset="0"/>
                             </a:rPr>
                             <m:t>𝑣</m:t>
                           </m:r>
                           <m:r>
-                            <a:rPr lang="fr-CA" b="0" i="1" smtClean="0">
+                            <a:rPr lang="fr-CA" b="0" i="1" noProof="0" smtClean="0">
                               <a:latin typeface="Cambria Math" panose="02040503050406030204" pitchFamily="18" charset="0"/>
                             </a:rPr>
                             <m:t> ∗ ∆</m:t>
                           </m:r>
                           <m:r>
-                            <a:rPr lang="fr-CA" b="0" i="1" smtClean="0">
+                            <a:rPr lang="fr-CA" b="0" i="1" noProof="0" smtClean="0">
                               <a:latin typeface="Cambria Math" panose="02040503050406030204" pitchFamily="18" charset="0"/>
                               <a:ea typeface="Cambria Math" panose="02040503050406030204" pitchFamily="18" charset="0"/>
                             </a:rPr>
@@ -23823,14 +28625,14 @@
                         </m:num>
                         <m:den>
                           <m:r>
-                            <a:rPr lang="fr-CA" b="0" i="1" smtClean="0">
+                            <a:rPr lang="fr-CA" b="0" i="1" noProof="0" smtClean="0">
                               <a:latin typeface="Cambria Math" panose="02040503050406030204" pitchFamily="18" charset="0"/>
                               <a:ea typeface="Cambria Math" panose="02040503050406030204" pitchFamily="18" charset="0"/>
                             </a:rPr>
                             <m:t>∆</m:t>
                           </m:r>
                           <m:r>
-                            <a:rPr lang="fr-CA" b="0" i="1" smtClean="0">
+                            <a:rPr lang="fr-CA" b="0" i="1" noProof="0" smtClean="0">
                               <a:latin typeface="Cambria Math" panose="02040503050406030204" pitchFamily="18" charset="0"/>
                               <a:ea typeface="Cambria Math" panose="02040503050406030204" pitchFamily="18" charset="0"/>
                             </a:rPr>
@@ -23841,7 +28643,7 @@
                     </m:oMath>
                   </m:oMathPara>
                 </a14:m>
-                <a:endParaRPr lang="fr-FR" dirty="0"/>
+                <a:endParaRPr lang="fr-CA" noProof="0" dirty="0"/>
               </a:p>
               <a:p>
                 <a:pPr marL="285750" indent="-285750">
@@ -23854,50 +28656,17 @@
                   <a:buSzPct val="90000"/>
                 </a:pPr>
                 <a:r>
-                  <a:rPr lang="fr-FR" dirty="0"/>
-                  <a:t>Le plus grand dV possible </a:t>
+                  <a:rPr lang="fr-CA" noProof="0" dirty="0"/>
+                  <a:t>Le plus grand </a:t>
                 </a:r>
                 <a:r>
-                  <a:rPr lang="fr-FR" dirty="0" err="1"/>
-                  <a:t>est</a:t>
+                  <a:rPr lang="fr-CA" noProof="0" dirty="0" err="1"/>
+                  <a:t>dV</a:t>
                 </a:r>
                 <a:r>
-                  <a:rPr lang="fr-FR" dirty="0"/>
-                  <a:t> </a:t>
+                  <a:rPr lang="fr-CA" noProof="0" dirty="0"/>
+                  <a:t> possible est égal au plus petit volume parmi toutes les composantes (au moins un élément par composante)</a:t>
                 </a:r>
-                <a:r>
-                  <a:rPr lang="fr-FR" dirty="0" err="1"/>
-                  <a:t>égal</a:t>
-                </a:r>
-                <a:r>
-                  <a:rPr lang="fr-FR" dirty="0"/>
-                  <a:t> au plus petit volume </a:t>
-                </a:r>
-                <a:r>
-                  <a:rPr lang="fr-FR" dirty="0" err="1"/>
-                  <a:t>parmi</a:t>
-                </a:r>
-                <a:r>
-                  <a:rPr lang="fr-FR" dirty="0"/>
-                  <a:t> </a:t>
-                </a:r>
-                <a:r>
-                  <a:rPr lang="fr-FR" dirty="0" err="1"/>
-                  <a:t>toutes</a:t>
-                </a:r>
-                <a:r>
-                  <a:rPr lang="fr-FR" dirty="0"/>
-                  <a:t> les </a:t>
-                </a:r>
-                <a:r>
-                  <a:rPr lang="fr-FR" dirty="0" err="1"/>
-                  <a:t>composantes</a:t>
-                </a:r>
-                <a:r>
-                  <a:rPr lang="fr-FR" dirty="0"/>
-                  <a:t> (au moins un élément par composante)</a:t>
-                </a:r>
-                <a:endParaRPr dirty="0"/>
               </a:p>
             </p:txBody>
           </p:sp>
@@ -24004,10 +28773,9 @@
           <a:lstStyle/>
           <a:p>
             <a:r>
-              <a:rPr lang="fr-CA" sz="4000" dirty="0"/>
+              <a:rPr lang="fr-CA" sz="4000" noProof="0" dirty="0"/>
               <a:t>Vérification de code</a:t>
             </a:r>
-            <a:endParaRPr lang="en-CA" sz="4000" dirty="0"/>
           </a:p>
         </p:txBody>
       </p:sp>
@@ -24117,14 +28885,17 @@
               <a:buNone/>
             </a:pPr>
             <a:r>
-              <a:rPr lang="en-CA" sz="2800" dirty="0" err="1"/>
-              <a:t>Méthodologie</a:t>
+              <a:rPr lang="fr-CA" sz="2800" noProof="0" dirty="0"/>
+              <a:t>Méthodologie pour la </a:t>
             </a:r>
             <a:r>
-              <a:rPr lang="en-CA" sz="2800" dirty="0"/>
-              <a:t> pour la verification de code</a:t>
+              <a:rPr lang="fr-CA" sz="2800" noProof="0" dirty="0" err="1"/>
+              <a:t>verification</a:t>
             </a:r>
-            <a:endParaRPr sz="2800" dirty="0"/>
+            <a:r>
+              <a:rPr lang="fr-CA" sz="2800" noProof="0" dirty="0"/>
+              <a:t> de code</a:t>
+            </a:r>
           </a:p>
         </p:txBody>
       </p:sp>
@@ -24165,7 +28936,7 @@
               </a:spcAft>
             </a:pPr>
             <a:r>
-              <a:rPr lang="en" dirty="0"/>
+              <a:rPr lang="fr-CA" noProof="0" dirty="0"/>
               <a:t>Vérification une composante à la fois (test unitaire)</a:t>
             </a:r>
           </a:p>
@@ -24179,79 +28950,8 @@
               </a:spcAft>
             </a:pPr>
             <a:r>
-              <a:rPr lang="en" dirty="0"/>
-              <a:t>Utilisation de cas d’étude simpliste</a:t>
-            </a:r>
-            <a:r>
-              <a:rPr lang="en-CA" dirty="0"/>
-              <a:t>s</a:t>
-            </a:r>
-            <a:r>
-              <a:rPr lang="en" dirty="0"/>
-              <a:t> avec u</a:t>
-            </a:r>
-            <a:r>
-              <a:rPr lang="en-CA" dirty="0"/>
-              <a:t>ne </a:t>
-            </a:r>
-            <a:r>
-              <a:rPr lang="en-CA" dirty="0" err="1"/>
-              <a:t>génération</a:t>
-            </a:r>
-            <a:r>
-              <a:rPr lang="en-CA" dirty="0"/>
-              <a:t> de </a:t>
-            </a:r>
-            <a:r>
-              <a:rPr lang="en-CA" dirty="0" err="1"/>
-              <a:t>chaleur</a:t>
-            </a:r>
-            <a:r>
-              <a:rPr lang="en-CA" dirty="0"/>
-              <a:t> </a:t>
-            </a:r>
-            <a:r>
-              <a:rPr lang="en-CA" dirty="0" err="1"/>
-              <a:t>ou</a:t>
-            </a:r>
-            <a:r>
-              <a:rPr lang="en-CA" dirty="0"/>
-              <a:t> un </a:t>
-            </a:r>
-            <a:r>
-              <a:rPr lang="en-CA" dirty="0" err="1"/>
-              <a:t>refroidissement</a:t>
-            </a:r>
-            <a:r>
-              <a:rPr lang="en-CA" dirty="0"/>
-              <a:t> constant</a:t>
-            </a:r>
-            <a:endParaRPr lang="en" dirty="0"/>
-          </a:p>
-          <a:p>
-            <a:pPr marL="285750" indent="-285750">
-              <a:lnSpc>
-                <a:spcPct val="100000"/>
-              </a:lnSpc>
-              <a:spcAft>
-                <a:spcPts val="1200"/>
-              </a:spcAft>
-            </a:pPr>
-            <a:r>
-              <a:rPr lang="en-CA" dirty="0"/>
-              <a:t>V</a:t>
-            </a:r>
-            <a:r>
-              <a:rPr lang="fr-CA" dirty="0" err="1"/>
-              <a:t>érification</a:t>
-            </a:r>
-            <a:r>
-              <a:rPr lang="fr-CA" dirty="0"/>
-              <a:t> par comparaison avec la</a:t>
-            </a:r>
-            <a:r>
-              <a:rPr lang="en" dirty="0"/>
-              <a:t> solution exacte de l’équation analytique qui décrit la composante</a:t>
+              <a:rPr lang="fr-CA" noProof="0" dirty="0"/>
+              <a:t>Utilisation de cas d’étude simplistes avec une génération de chaleur ou un refroidissement constant</a:t>
             </a:r>
           </a:p>
           <a:p>
@@ -24264,10 +28964,9 @@
               </a:spcAft>
             </a:pPr>
             <a:r>
-              <a:rPr lang="en" dirty="0"/>
-              <a:t>Pour le moteur on fait la vérification du code avec et sans génération de vapeur</a:t>
+              <a:rPr lang="fr-CA" noProof="0" dirty="0"/>
+              <a:t>Vérification par comparaison avec la solution exacte de l’équation analytique qui décrit la composante</a:t>
             </a:r>
-            <a:endParaRPr dirty="0"/>
           </a:p>
           <a:p>
             <a:pPr marL="285750" indent="-285750">
@@ -24279,34 +28978,23 @@
               </a:spcAft>
             </a:pPr>
             <a:r>
-              <a:rPr lang="en" dirty="0"/>
-              <a:t>Vérification du dégazeur en vérifiant </a:t>
+              <a:rPr lang="fr-CA" noProof="0" dirty="0"/>
+              <a:t>Pour le moteur on fait la vérification du code avec et sans génération de vapeur</a:t>
             </a:r>
+          </a:p>
+          <a:p>
+            <a:pPr marL="285750" indent="-285750">
+              <a:lnSpc>
+                <a:spcPct val="100000"/>
+              </a:lnSpc>
+              <a:spcAft>
+                <a:spcPts val="1200"/>
+              </a:spcAft>
+            </a:pPr>
             <a:r>
-              <a:rPr lang="en-CA" dirty="0"/>
-              <a:t>que </a:t>
+              <a:rPr lang="fr-CA" noProof="0" dirty="0"/>
+              <a:t>Vérification du dégazeur en vérifiant que le titre à sa sortie soit nul</a:t>
             </a:r>
-            <a:r>
-              <a:rPr lang="en" dirty="0"/>
-              <a:t>le titre </a:t>
-            </a:r>
-            <a:r>
-              <a:rPr lang="en-CA" dirty="0"/>
-              <a:t>à </a:t>
-            </a:r>
-            <a:r>
-              <a:rPr lang="en-CA" dirty="0" err="1"/>
-              <a:t>sa</a:t>
-            </a:r>
-            <a:r>
-              <a:rPr lang="en-CA" dirty="0"/>
-              <a:t> sortie</a:t>
-            </a:r>
-            <a:r>
-              <a:rPr lang="en" dirty="0"/>
-              <a:t> soit nul</a:t>
-            </a:r>
-            <a:endParaRPr dirty="0"/>
           </a:p>
         </p:txBody>
       </p:sp>
@@ -24411,18 +29099,9 @@
               <a:buNone/>
             </a:pPr>
             <a:r>
-              <a:rPr lang="en" dirty="0"/>
-              <a:t>Vérification de code - </a:t>
+              <a:rPr lang="fr-CA" noProof="0" dirty="0"/>
+              <a:t>Vérification de code - Radiateur</a:t>
             </a:r>
-            <a:r>
-              <a:rPr lang="en-CA" dirty="0"/>
-              <a:t>R</a:t>
-            </a:r>
-            <a:r>
-              <a:rPr lang="en" dirty="0"/>
-              <a:t>adiateur</a:t>
-            </a:r>
-            <a:endParaRPr dirty="0"/>
           </a:p>
         </p:txBody>
       </p:sp>
@@ -24464,18 +29143,9 @@
               <a:buNone/>
             </a:pPr>
             <a:r>
-              <a:rPr lang="en" dirty="0"/>
-              <a:t>La solution de la variation de chaleur à travers le radiateur pour un coefficient de convection et un débit à travers le radiateur constant</a:t>
+              <a:rPr lang="fr-CA" noProof="0" dirty="0"/>
+              <a:t>La solution de la variation de chaleur à travers le radiateur pour un coefficient de convection et un débit à travers le radiateur constants est définie par l’équation suivante :</a:t>
             </a:r>
-            <a:r>
-              <a:rPr lang="en-CA" dirty="0"/>
-              <a:t>s</a:t>
-            </a:r>
-            <a:r>
-              <a:rPr lang="en" dirty="0"/>
-              <a:t> est définie par l’équation suivante :</a:t>
-            </a:r>
-            <a:endParaRPr dirty="0"/>
           </a:p>
         </p:txBody>
       </p:sp>
@@ -24600,7 +29270,7 @@
               <p:spPr>
                 <a:xfrm>
                   <a:off x="1003610" y="2028140"/>
-                  <a:ext cx="2462603" cy="562718"/>
+                  <a:ext cx="2462603" cy="537904"/>
                 </a:xfrm>
                 <a:prstGeom prst="rect">
                   <a:avLst/>
@@ -24819,7 +29489,7 @@
                                     </a:solidFill>
                                     <a:latin typeface="Cambria Math" panose="02040503050406030204" pitchFamily="18" charset="0"/>
                                   </a:rPr>
-                                  <m:t>𝑝</m:t>
+                                  <m:t>𝑣</m:t>
                                 </m:r>
                               </m:sub>
                             </m:sSub>
@@ -24855,7 +29525,7 @@
               <p:spPr>
                 <a:xfrm>
                   <a:off x="1003610" y="2028140"/>
-                  <a:ext cx="2462603" cy="562718"/>
+                  <a:ext cx="2462603" cy="537904"/>
                 </a:xfrm>
                 <a:prstGeom prst="rect">
                   <a:avLst/>
@@ -25642,7 +30312,7 @@
                               </a:solidFill>
                               <a:latin typeface="Cambria Math" panose="02040503050406030204" pitchFamily="18" charset="0"/>
                             </a:rPr>
-                            <m:t>𝑝</m:t>
+                            <m:t>𝑣</m:t>
                           </m:r>
                         </m:sub>
                       </m:sSub>
@@ -25798,10 +30468,9 @@
               <a:buNone/>
             </a:pPr>
             <a:r>
-              <a:rPr lang="en" sz="2800" dirty="0"/>
+              <a:rPr lang="fr-CA" sz="2800" noProof="0" dirty="0"/>
               <a:t>Vérification de code - Moteur sans vapeur</a:t>
             </a:r>
-            <a:endParaRPr sz="2800" dirty="0"/>
           </a:p>
         </p:txBody>
       </p:sp>
@@ -25843,10 +30512,9 @@
               <a:buNone/>
             </a:pPr>
             <a:r>
-              <a:rPr lang="en" dirty="0"/>
+              <a:rPr lang="fr-CA" noProof="0" dirty="0"/>
               <a:t>La solution de la variation de température à travers une source de chaleur constante est connue et est définie par :</a:t>
             </a:r>
-            <a:endParaRPr dirty="0"/>
           </a:p>
         </p:txBody>
       </p:sp>
@@ -25905,7 +30573,7 @@
             <p:spPr>
               <a:xfrm>
                 <a:off x="3310269" y="1814623"/>
-                <a:ext cx="2395870" cy="593496"/>
+                <a:ext cx="2395870" cy="568682"/>
               </a:xfrm>
               <a:prstGeom prst="rect">
                 <a:avLst/>
@@ -26068,7 +30736,7 @@
                                   </a:solidFill>
                                   <a:latin typeface="Cambria Math" panose="02040503050406030204" pitchFamily="18" charset="0"/>
                                 </a:rPr>
-                                <m:t>𝑝</m:t>
+                                <m:t>𝑣</m:t>
                               </m:r>
                             </m:sub>
                           </m:sSub>
@@ -26104,7 +30772,7 @@
             <p:spPr>
               <a:xfrm>
                 <a:off x="3310269" y="1814623"/>
-                <a:ext cx="2395870" cy="593496"/>
+                <a:ext cx="2395870" cy="568682"/>
               </a:xfrm>
               <a:prstGeom prst="rect">
                 <a:avLst/>
@@ -26339,10 +31007,9 @@
               <a:buNone/>
             </a:pPr>
             <a:r>
-              <a:rPr lang="en" sz="2800" dirty="0"/>
+              <a:rPr lang="fr-CA" sz="2800" noProof="0" dirty="0"/>
               <a:t>Vérification de code - Moteur avec vapeur</a:t>
             </a:r>
-            <a:endParaRPr sz="2800" dirty="0"/>
           </a:p>
         </p:txBody>
       </p:sp>
@@ -26384,26 +31051,9 @@
               <a:buNone/>
             </a:pPr>
             <a:r>
-              <a:rPr lang="en" dirty="0"/>
-              <a:t>Afin de vérifier si le modèle de moteur permet bel et bien une génération de vapeur adéquate on vérifie que le titre et la température à la sortie respect bien le modèle thermodynamique pour une puissance constante à pression constante. On part avec une température initial</a:t>
+              <a:rPr lang="fr-CA" noProof="0" dirty="0"/>
+              <a:t>Afin de vérifier si le modèle de moteur permet bel et bien une génération de vapeur adéquate on vérifie que le titre et la température à la sortie respect bien le modèle thermodynamique pour une puissance constante à pression constante. On part avec une température initiale inférieure à la température de saturation (95 C)</a:t>
             </a:r>
-            <a:r>
-              <a:rPr lang="en-CA" dirty="0"/>
-              <a:t>e</a:t>
-            </a:r>
-            <a:r>
-              <a:rPr lang="en" dirty="0"/>
-              <a:t> inférieur</a:t>
-            </a:r>
-            <a:r>
-              <a:rPr lang="en-CA" dirty="0"/>
-              <a:t>e</a:t>
-            </a:r>
-            <a:r>
-              <a:rPr lang="en" dirty="0"/>
-              <a:t> à la température de saturation (95 C)</a:t>
-            </a:r>
-            <a:endParaRPr dirty="0"/>
           </a:p>
         </p:txBody>
       </p:sp>
@@ -26958,10 +31608,9 @@
               <a:buNone/>
             </a:pPr>
             <a:r>
-              <a:rPr lang="en" sz="2800" dirty="0"/>
+              <a:rPr lang="fr-CA" sz="2800" noProof="0" dirty="0"/>
               <a:t>Vérification de la masse totale du système</a:t>
             </a:r>
-            <a:endParaRPr sz="2800" dirty="0"/>
           </a:p>
         </p:txBody>
       </p:sp>
@@ -27003,7 +31652,7 @@
               <a:buNone/>
             </a:pPr>
             <a:r>
-              <a:rPr lang="en" dirty="0"/>
+              <a:rPr lang="fr-CA" noProof="0" dirty="0"/>
               <a:t>Étant donné que l’on garde la densité constante et que la vapeur doit être accumulée dans le système la masse de vapeur s’ajoute à la masse totale du système nous n’avons donc pas une conservation de la masse dans le système. </a:t>
             </a:r>
           </a:p>
@@ -27018,7 +31667,7 @@
               <a:buNone/>
             </a:pPr>
             <a:r>
-              <a:rPr lang="en" dirty="0"/>
+              <a:rPr lang="fr-CA" noProof="0" dirty="0"/>
               <a:t>Toutefois, la masse ajoutée est négligeable. En effet, pour le cas d’étude de base la masse de vapeur accumulée dans le système est de 6.3E-5 kg alors que la masse d’eau du système est d’environ 2 kg. </a:t>
             </a:r>
           </a:p>
@@ -27033,10 +31682,9 @@
               <a:buNone/>
             </a:pPr>
             <a:r>
-              <a:rPr lang="en" dirty="0"/>
+              <a:rPr lang="fr-CA" noProof="0" dirty="0"/>
               <a:t>On assume donc que la variation du débit est négligeable.</a:t>
             </a:r>
-            <a:endParaRPr dirty="0"/>
           </a:p>
         </p:txBody>
       </p:sp>
@@ -27125,10 +31773,9 @@
           <a:lstStyle/>
           <a:p>
             <a:r>
-              <a:rPr lang="fr-CA" sz="4000" dirty="0"/>
+              <a:rPr lang="fr-CA" sz="4000" noProof="0" dirty="0"/>
               <a:t>Vérification de solution</a:t>
             </a:r>
-            <a:endParaRPr lang="en-CA" sz="4000" dirty="0"/>
           </a:p>
         </p:txBody>
       </p:sp>
@@ -27227,10 +31874,9 @@
           <a:lstStyle/>
           <a:p>
             <a:r>
-              <a:rPr lang="fr-CA" sz="3600" dirty="0"/>
+              <a:rPr lang="fr-CA" sz="3600" noProof="0" dirty="0"/>
               <a:t>Plan de la présentation</a:t>
             </a:r>
-            <a:endParaRPr lang="en-CA" sz="3600" dirty="0"/>
           </a:p>
         </p:txBody>
       </p:sp>
@@ -27266,7 +31912,7 @@
               </a:lnSpc>
             </a:pPr>
             <a:r>
-              <a:rPr lang="fr-CA" sz="1600" dirty="0"/>
+              <a:rPr lang="fr-CA" sz="1600" noProof="0" dirty="0"/>
               <a:t>Définition du modèle</a:t>
             </a:r>
           </a:p>
@@ -27277,7 +31923,7 @@
               </a:lnSpc>
             </a:pPr>
             <a:r>
-              <a:rPr lang="fr-CA" sz="1600" dirty="0"/>
+              <a:rPr lang="fr-CA" sz="1600" noProof="0" dirty="0"/>
               <a:t>Discrétisation du problème</a:t>
             </a:r>
           </a:p>
@@ -27288,7 +31934,7 @@
               </a:lnSpc>
             </a:pPr>
             <a:r>
-              <a:rPr lang="fr-CA" sz="1600" dirty="0"/>
+              <a:rPr lang="fr-CA" sz="1600" noProof="0" dirty="0"/>
               <a:t>Vérification de code</a:t>
             </a:r>
           </a:p>
@@ -27299,7 +31945,7 @@
               </a:lnSpc>
             </a:pPr>
             <a:r>
-              <a:rPr lang="fr-CA" sz="1600" dirty="0"/>
+              <a:rPr lang="fr-CA" sz="1600" noProof="0" dirty="0"/>
               <a:t>Vérification de solution</a:t>
             </a:r>
           </a:p>
@@ -27310,7 +31956,7 @@
               </a:lnSpc>
             </a:pPr>
             <a:r>
-              <a:rPr lang="fr-CA" sz="1600" dirty="0"/>
+              <a:rPr lang="fr-CA" sz="1600" noProof="0" dirty="0"/>
               <a:t>Validation</a:t>
             </a:r>
           </a:p>
@@ -27321,10 +31967,9 @@
               </a:lnSpc>
             </a:pPr>
             <a:r>
-              <a:rPr lang="fr-CA" sz="1600" dirty="0"/>
+              <a:rPr lang="fr-CA" sz="1600" noProof="0" dirty="0"/>
               <a:t>Propagation des incertitudes</a:t>
             </a:r>
-            <a:endParaRPr lang="en-CA" sz="1600" dirty="0"/>
           </a:p>
         </p:txBody>
       </p:sp>
@@ -27434,10 +32079,9 @@
               <a:buNone/>
             </a:pPr>
             <a:r>
-              <a:rPr lang="en" sz="2800" dirty="0"/>
+              <a:rPr lang="fr-CA" sz="2800" noProof="0" dirty="0"/>
               <a:t>Vérification de l’ordre de convergence du schéma de résolution.</a:t>
             </a:r>
-            <a:endParaRPr sz="2800" dirty="0"/>
           </a:p>
         </p:txBody>
       </p:sp>
@@ -27479,40 +32123,8 @@
               <a:buNone/>
             </a:pPr>
             <a:r>
-              <a:rPr lang="en-CA" dirty="0"/>
-              <a:t>Les </a:t>
-            </a:r>
-            <a:r>
-              <a:rPr lang="en" dirty="0"/>
-              <a:t>composante </a:t>
-            </a:r>
-            <a:r>
-              <a:rPr lang="fr-CA" dirty="0"/>
-              <a:t>ont </a:t>
-            </a:r>
-            <a:r>
-              <a:rPr lang="en" dirty="0"/>
-              <a:t>une solution exact</a:t>
-            </a:r>
-            <a:r>
-              <a:rPr lang="en-CA" dirty="0"/>
-              <a:t>e</a:t>
-            </a:r>
-            <a:r>
-              <a:rPr lang="en" dirty="0"/>
-              <a:t> pour un</a:t>
-            </a:r>
-            <a:r>
-              <a:rPr lang="en-CA" dirty="0"/>
-              <a:t>e</a:t>
-            </a:r>
-            <a:r>
-              <a:rPr lang="en" dirty="0"/>
-              <a:t> génération d’énergie et un coefficient de convection constant</a:t>
-            </a:r>
-            <a:r>
-              <a:rPr lang="en-CA" dirty="0"/>
-              <a:t>s.</a:t>
+              <a:rPr lang="fr-CA" noProof="0" dirty="0"/>
+              <a:t>Les composante ont une solution exacte pour une génération d’énergie et un coefficient de convection constants.</a:t>
             </a:r>
           </a:p>
           <a:p>
@@ -27526,84 +32138,16 @@
               <a:buNone/>
             </a:pPr>
             <a:r>
-              <a:rPr lang="en-CA" dirty="0" err="1"/>
-              <a:t>Toutefois</a:t>
+              <a:rPr lang="fr-CA" noProof="0" dirty="0"/>
+              <a:t>Toutefois, nous voulons étudier le comportement du </a:t>
             </a:r>
             <a:r>
-              <a:rPr lang="en-CA" dirty="0"/>
-              <a:t>, nous </a:t>
+              <a:rPr lang="fr-CA" noProof="0" dirty="0" err="1"/>
+              <a:t>systems</a:t>
             </a:r>
             <a:r>
-              <a:rPr lang="en-CA" dirty="0" err="1"/>
-              <a:t>voulons</a:t>
-            </a:r>
-            <a:r>
-              <a:rPr lang="en-CA" dirty="0"/>
-              <a:t> </a:t>
-            </a:r>
-            <a:r>
-              <a:rPr lang="en-CA" dirty="0" err="1"/>
-              <a:t>étudier</a:t>
-            </a:r>
-            <a:r>
-              <a:rPr lang="en-CA" dirty="0"/>
-              <a:t> le </a:t>
-            </a:r>
-            <a:r>
-              <a:rPr lang="en-CA" dirty="0" err="1"/>
-              <a:t>comportement</a:t>
-            </a:r>
-            <a:r>
-              <a:rPr lang="en-CA" dirty="0"/>
-              <a:t> du systems </a:t>
-            </a:r>
-            <a:r>
-              <a:rPr lang="en-CA" dirty="0" err="1"/>
-              <a:t>lorsque</a:t>
-            </a:r>
-            <a:r>
-              <a:rPr lang="en-CA" dirty="0"/>
-              <a:t> </a:t>
-            </a:r>
-            <a:r>
-              <a:rPr lang="en-CA" dirty="0" err="1"/>
-              <a:t>ces</a:t>
-            </a:r>
-            <a:r>
-              <a:rPr lang="en-CA" dirty="0"/>
-              <a:t> deux grandeurs </a:t>
-            </a:r>
-            <a:r>
-              <a:rPr lang="en-CA" dirty="0" err="1"/>
-              <a:t>sont</a:t>
-            </a:r>
-            <a:r>
-              <a:rPr lang="en-CA" dirty="0"/>
-              <a:t> variables dans le temps. La solution pour </a:t>
-            </a:r>
-            <a:r>
-              <a:rPr lang="en-CA" dirty="0" err="1"/>
-              <a:t>ce</a:t>
-            </a:r>
-            <a:r>
-              <a:rPr lang="en-CA" dirty="0"/>
-              <a:t> </a:t>
-            </a:r>
-            <a:r>
-              <a:rPr lang="en-CA" dirty="0" err="1"/>
-              <a:t>cas</a:t>
-            </a:r>
-            <a:r>
-              <a:rPr lang="en-CA" dirty="0"/>
-              <a:t> ne sera pas </a:t>
-            </a:r>
-            <a:r>
-              <a:rPr lang="en-CA" dirty="0" err="1"/>
-              <a:t>exacte</a:t>
-            </a:r>
-            <a:r>
-              <a:rPr lang="en" dirty="0"/>
-              <a:t>.</a:t>
+              <a:rPr lang="fr-CA" noProof="0" dirty="0"/>
+              <a:t> lorsque ces deux grandeurs sont variables dans le temps. La solution pour ce cas ne sera pas exacte.</a:t>
             </a:r>
           </a:p>
           <a:p>
@@ -27617,38 +32161,17 @@
               <a:buNone/>
             </a:pPr>
             <a:r>
-              <a:rPr lang="en" dirty="0"/>
-              <a:t>On </a:t>
+              <a:rPr lang="fr-CA" noProof="0" dirty="0"/>
+              <a:t>On s’attend à avoir une convergence d’</a:t>
             </a:r>
             <a:r>
-              <a:rPr lang="en-CA" dirty="0" err="1"/>
-              <a:t>s’attend</a:t>
-            </a:r>
-            <a:r>
-              <a:rPr lang="en-CA" dirty="0"/>
-              <a:t> </a:t>
-            </a:r>
-            <a:r>
-              <a:rPr lang="en" dirty="0"/>
-              <a:t>à avoir une convergence d’</a:t>
-            </a:r>
-            <a:r>
-              <a:rPr lang="en" b="1" dirty="0"/>
+              <a:rPr lang="fr-CA" b="1" noProof="0" dirty="0"/>
               <a:t>ordre 1</a:t>
             </a:r>
             <a:r>
-              <a:rPr lang="en" dirty="0"/>
-              <a:t> pour l’ensemble du système étant donné une intégration du déplacement des particule</a:t>
+              <a:rPr lang="fr-CA" noProof="0" dirty="0"/>
+              <a:t> pour l’ensemble du système étant donné une intégration du déplacement des particules par Euler explicite.</a:t>
             </a:r>
-            <a:r>
-              <a:rPr lang="en-CA" dirty="0"/>
-              <a:t>s</a:t>
-            </a:r>
-            <a:r>
-              <a:rPr lang="en" dirty="0"/>
-              <a:t> par Euler explicite.</a:t>
-            </a:r>
-            <a:endParaRPr dirty="0"/>
           </a:p>
         </p:txBody>
       </p:sp>
@@ -27753,18 +32276,9 @@
               <a:buNone/>
             </a:pPr>
             <a:r>
-              <a:rPr lang="en" sz="2800" dirty="0"/>
-              <a:t>Convergence de la solution de la température moyenne final</a:t>
+              <a:rPr lang="fr-CA" sz="2800" noProof="0" dirty="0"/>
+              <a:t>Convergence de la solution de la température moyenne finale </a:t>
             </a:r>
-            <a:r>
-              <a:rPr lang="en-CA" sz="2800" dirty="0"/>
-              <a:t>e</a:t>
-            </a:r>
-            <a:r>
-              <a:rPr lang="en" sz="2800" dirty="0"/>
-              <a:t> </a:t>
-            </a:r>
-            <a:endParaRPr sz="2800" dirty="0"/>
           </a:p>
         </p:txBody>
       </p:sp>
@@ -27806,10 +32320,9 @@
               <a:buNone/>
             </a:pPr>
             <a:r>
-              <a:rPr lang="en" dirty="0"/>
+              <a:rPr lang="fr-CA" noProof="0" dirty="0"/>
               <a:t>Convergence numérique  ordre 1.25.</a:t>
             </a:r>
-            <a:endParaRPr dirty="0"/>
           </a:p>
           <a:p>
             <a:pPr marL="0" lvl="0" indent="0" algn="l" rtl="0">
@@ -27822,18 +32335,9 @@
               <a:buNone/>
             </a:pPr>
             <a:r>
-              <a:rPr lang="en" dirty="0"/>
-              <a:t>Le nombre de courant maximal est gardé constant </a:t>
+              <a:rPr lang="fr-CA" noProof="0" dirty="0"/>
+              <a:t>Le nombre de courant maximal est gardé constant à 0,8 et le volume de fluide par particule est divisé en 2 pour chaque itération</a:t>
             </a:r>
-            <a:r>
-              <a:rPr lang="en-CA" dirty="0"/>
-              <a:t>à </a:t>
-            </a:r>
-            <a:r>
-              <a:rPr lang="en" dirty="0"/>
-              <a:t>0,8 et le volume de fluide par particule est divisé en 2 pour chaque itération</a:t>
-            </a:r>
-            <a:endParaRPr dirty="0"/>
           </a:p>
         </p:txBody>
       </p:sp>
@@ -27954,10 +32458,9 @@
           <a:lstStyle/>
           <a:p>
             <a:r>
-              <a:rPr lang="fr-CA" sz="4000" dirty="0"/>
+              <a:rPr lang="fr-CA" sz="4000" noProof="0" dirty="0"/>
               <a:t>Propagation des incertitudes</a:t>
             </a:r>
-            <a:endParaRPr lang="en-CA" sz="4000" dirty="0"/>
           </a:p>
         </p:txBody>
       </p:sp>
@@ -28067,224 +32570,9 @@
               <a:buNone/>
             </a:pPr>
             <a:r>
-              <a:rPr lang="en-CA" sz="2800" dirty="0"/>
-              <a:t>Étude </a:t>
+              <a:rPr lang="fr-CA" sz="2800" noProof="0" dirty="0"/>
+              <a:t>Étude statistique par Latin Hypercube Sampling</a:t>
             </a:r>
-            <a:r>
-              <a:rPr lang="en" sz="2800" dirty="0"/>
-              <a:t>statistique par </a:t>
-            </a:r>
-            <a:r>
-              <a:rPr lang="en-CA" sz="2800" dirty="0"/>
-              <a:t>Latin </a:t>
-            </a:r>
-            <a:r>
-              <a:rPr lang="en" sz="2800" dirty="0"/>
-              <a:t>Hypercube </a:t>
-            </a:r>
-            <a:r>
-              <a:rPr lang="en-CA" sz="2800" dirty="0"/>
-              <a:t>Sampling</a:t>
-            </a:r>
-            <a:endParaRPr sz="2800" dirty="0"/>
-          </a:p>
-        </p:txBody>
-      </p:sp>
-      <p:sp>
-        <p:nvSpPr>
-          <p:cNvPr id="235" name="Google Shape;235;p29"/>
-          <p:cNvSpPr txBox="1">
-            <a:spLocks noGrp="1"/>
-          </p:cNvSpPr>
-          <p:nvPr>
-            <p:ph type="body" idx="1"/>
-            <p:custDataLst>
-              <p:tags r:id="rId2"/>
-            </p:custDataLst>
-          </p:nvPr>
-        </p:nvSpPr>
-        <p:spPr>
-          <a:xfrm>
-            <a:off x="1297500" y="1567550"/>
-            <a:ext cx="7038900" cy="378900"/>
-          </a:xfrm>
-          <a:prstGeom prst="rect">
-            <a:avLst/>
-          </a:prstGeom>
-        </p:spPr>
-        <p:txBody>
-          <a:bodyPr spcFirstLastPara="1" wrap="square" lIns="91425" tIns="91425" rIns="91425" bIns="91425" anchor="t" anchorCtr="0">
-            <a:noAutofit/>
-          </a:bodyPr>
-          <a:lstStyle/>
-          <a:p>
-            <a:pPr marL="0" lvl="0" indent="0" algn="l" rtl="0">
-              <a:spcBef>
-                <a:spcPts val="0"/>
-              </a:spcBef>
-              <a:spcAft>
-                <a:spcPts val="0"/>
-              </a:spcAft>
-              <a:buNone/>
-            </a:pPr>
-            <a:r>
-              <a:rPr lang="en"/>
-              <a:t>Choix des variables du modèle à étudier:</a:t>
-            </a:r>
-            <a:endParaRPr/>
-          </a:p>
-          <a:p>
-            <a:pPr marL="0" lvl="0" indent="0" algn="l" rtl="0">
-              <a:spcBef>
-                <a:spcPts val="1600"/>
-              </a:spcBef>
-              <a:spcAft>
-                <a:spcPts val="0"/>
-              </a:spcAft>
-              <a:buNone/>
-            </a:pPr>
-            <a:endParaRPr/>
-          </a:p>
-          <a:p>
-            <a:pPr marL="0" lvl="0" indent="0" algn="l" rtl="0">
-              <a:spcBef>
-                <a:spcPts val="1600"/>
-              </a:spcBef>
-              <a:spcAft>
-                <a:spcPts val="1600"/>
-              </a:spcAft>
-              <a:buNone/>
-            </a:pPr>
-            <a:endParaRPr/>
-          </a:p>
-        </p:txBody>
-      </p:sp>
-      <p:pic>
-        <p:nvPicPr>
-          <p:cNvPr id="236" name="Google Shape;236;p29"/>
-          <p:cNvPicPr preferRelativeResize="0"/>
-          <p:nvPr>
-            <p:custDataLst>
-              <p:tags r:id="rId3"/>
-            </p:custDataLst>
-          </p:nvPr>
-        </p:nvPicPr>
-        <p:blipFill>
-          <a:blip r:embed="rId7">
-            <a:alphaModFix/>
-          </a:blip>
-          <a:stretch>
-            <a:fillRect/>
-          </a:stretch>
-        </p:blipFill>
-        <p:spPr>
-          <a:xfrm>
-            <a:off x="1408525" y="1946448"/>
-            <a:ext cx="6080100" cy="678300"/>
-          </a:xfrm>
-          <a:prstGeom prst="rect">
-            <a:avLst/>
-          </a:prstGeom>
-          <a:noFill/>
-          <a:ln>
-            <a:noFill/>
-          </a:ln>
-        </p:spPr>
-      </p:pic>
-      <p:sp>
-        <p:nvSpPr>
-          <p:cNvPr id="237" name="Google Shape;237;p29"/>
-          <p:cNvSpPr txBox="1">
-            <a:spLocks noGrp="1"/>
-          </p:cNvSpPr>
-          <p:nvPr>
-            <p:ph type="body" idx="1"/>
-            <p:custDataLst>
-              <p:tags r:id="rId4"/>
-            </p:custDataLst>
-          </p:nvPr>
-        </p:nvSpPr>
-        <p:spPr>
-          <a:xfrm>
-            <a:off x="1297500" y="2741250"/>
-            <a:ext cx="7502100" cy="2157900"/>
-          </a:xfrm>
-          <a:prstGeom prst="rect">
-            <a:avLst/>
-          </a:prstGeom>
-        </p:spPr>
-        <p:txBody>
-          <a:bodyPr spcFirstLastPara="1" wrap="square" lIns="91425" tIns="91425" rIns="91425" bIns="91425" anchor="t" anchorCtr="0">
-            <a:noAutofit/>
-          </a:bodyPr>
-          <a:lstStyle/>
-          <a:p>
-            <a:pPr marL="0" lvl="0" indent="0" algn="l" rtl="0">
-              <a:spcBef>
-                <a:spcPts val="0"/>
-              </a:spcBef>
-              <a:spcAft>
-                <a:spcPts val="0"/>
-              </a:spcAft>
-              <a:buNone/>
-            </a:pPr>
-            <a:r>
-              <a:rPr lang="en"/>
-              <a:t>Ces variables on été choisie car se sont des variable qui ont un impact direct sur la quantité d’énergie fourni au système et la capacité du système à dissiper l’énergie à l’environnement. De plus, ces variables ont une grande incertitude car il sont difficile à évaluer de manière précise.</a:t>
-            </a:r>
-            <a:endParaRPr/>
-          </a:p>
-          <a:p>
-            <a:pPr marL="0" lvl="0" indent="0" algn="l" rtl="0">
-              <a:spcBef>
-                <a:spcPts val="1600"/>
-              </a:spcBef>
-              <a:spcAft>
-                <a:spcPts val="0"/>
-              </a:spcAft>
-              <a:buNone/>
-            </a:pPr>
-            <a:r>
-              <a:rPr lang="en"/>
-              <a:t>Le domaine de variation du ratio entre la puissance thermique et la puissance mécanique est défini à partir de divers valeurs retrouvé dans la littérature pour les moteurs thermique à essences.</a:t>
-            </a:r>
-            <a:endParaRPr/>
-          </a:p>
-          <a:p>
-            <a:pPr marL="0" lvl="0" indent="0" algn="l" rtl="0">
-              <a:spcBef>
-                <a:spcPts val="1600"/>
-              </a:spcBef>
-              <a:spcAft>
-                <a:spcPts val="0"/>
-              </a:spcAft>
-              <a:buNone/>
-            </a:pPr>
-            <a:endParaRPr/>
-          </a:p>
-          <a:p>
-            <a:pPr marL="0" lvl="0" indent="0" algn="l" rtl="0">
-              <a:spcBef>
-                <a:spcPts val="1600"/>
-              </a:spcBef>
-              <a:spcAft>
-                <a:spcPts val="0"/>
-              </a:spcAft>
-              <a:buNone/>
-            </a:pPr>
-            <a:endParaRPr/>
-          </a:p>
-          <a:p>
-            <a:pPr marL="0" lvl="0" indent="0" algn="l" rtl="0">
-              <a:spcBef>
-                <a:spcPts val="1600"/>
-              </a:spcBef>
-              <a:spcAft>
-                <a:spcPts val="1600"/>
-              </a:spcAft>
-              <a:buNone/>
-            </a:pPr>
-            <a:endParaRPr/>
           </a:p>
         </p:txBody>
       </p:sp>
@@ -28323,6 +32611,664 @@
               <a:t>23</a:t>
             </a:fld>
             <a:endParaRPr lang="en"/>
+          </a:p>
+        </p:txBody>
+      </p:sp>
+      <p:graphicFrame>
+        <p:nvGraphicFramePr>
+          <p:cNvPr id="3" name="Table 2">
+            <a:extLst>
+              <a:ext uri="{FF2B5EF4-FFF2-40B4-BE49-F238E27FC236}">
+                <a16:creationId xmlns:a16="http://schemas.microsoft.com/office/drawing/2014/main" id="{F4C41FEC-D7E9-4753-A5B9-3FA0DC9ECE03}"/>
+              </a:ext>
+            </a:extLst>
+          </p:cNvPr>
+          <p:cNvGraphicFramePr>
+            <a:graphicFrameLocks noGrp="1"/>
+          </p:cNvGraphicFramePr>
+          <p:nvPr>
+            <p:extLst>
+              <p:ext uri="{D42A27DB-BD31-4B8C-83A1-F6EECF244321}">
+                <p14:modId xmlns:p14="http://schemas.microsoft.com/office/powerpoint/2010/main" val="3410648745"/>
+              </p:ext>
+            </p:extLst>
+          </p:nvPr>
+        </p:nvGraphicFramePr>
+        <p:xfrm>
+          <a:off x="1297500" y="2051282"/>
+          <a:ext cx="7040880" cy="1080135"/>
+        </p:xfrm>
+        <a:graphic>
+          <a:graphicData uri="http://schemas.openxmlformats.org/drawingml/2006/table">
+            <a:tbl>
+              <a:tblPr>
+                <a:tableStyleId>{5C22544A-7EE6-4342-B048-85BDC9FD1C3A}</a:tableStyleId>
+              </a:tblPr>
+              <a:tblGrid>
+                <a:gridCol w="3121406">
+                  <a:extLst>
+                    <a:ext uri="{9D8B030D-6E8A-4147-A177-3AD203B41FA5}">
+                      <a16:colId xmlns:a16="http://schemas.microsoft.com/office/drawing/2014/main" val="1322446597"/>
+                    </a:ext>
+                  </a:extLst>
+                </a:gridCol>
+                <a:gridCol w="1108030">
+                  <a:extLst>
+                    <a:ext uri="{9D8B030D-6E8A-4147-A177-3AD203B41FA5}">
+                      <a16:colId xmlns:a16="http://schemas.microsoft.com/office/drawing/2014/main" val="36356812"/>
+                    </a:ext>
+                  </a:extLst>
+                </a:gridCol>
+                <a:gridCol w="1211263">
+                  <a:extLst>
+                    <a:ext uri="{9D8B030D-6E8A-4147-A177-3AD203B41FA5}">
+                      <a16:colId xmlns:a16="http://schemas.microsoft.com/office/drawing/2014/main" val="3785533196"/>
+                    </a:ext>
+                  </a:extLst>
+                </a:gridCol>
+                <a:gridCol w="1114912">
+                  <a:extLst>
+                    <a:ext uri="{9D8B030D-6E8A-4147-A177-3AD203B41FA5}">
+                      <a16:colId xmlns:a16="http://schemas.microsoft.com/office/drawing/2014/main" val="1853170842"/>
+                    </a:ext>
+                  </a:extLst>
+                </a:gridCol>
+                <a:gridCol w="485269">
+                  <a:extLst>
+                    <a:ext uri="{9D8B030D-6E8A-4147-A177-3AD203B41FA5}">
+                      <a16:colId xmlns:a16="http://schemas.microsoft.com/office/drawing/2014/main" val="3233229307"/>
+                    </a:ext>
+                  </a:extLst>
+                </a:gridCol>
+              </a:tblGrid>
+              <a:tr h="200025">
+                <a:tc>
+                  <a:txBody>
+                    <a:bodyPr/>
+                    <a:lstStyle/>
+                    <a:p>
+                      <a:pPr algn="ctr" fontAlgn="b"/>
+                      <a:r>
+                        <a:rPr lang="fr-CA" sz="1100" u="none" strike="noStrike" noProof="0" dirty="0">
+                          <a:effectLst/>
+                        </a:rPr>
+                        <a:t>Variables</a:t>
+                      </a:r>
+                      <a:endParaRPr lang="fr-CA" sz="1100" b="0" i="0" u="none" strike="noStrike" noProof="0" dirty="0">
+                        <a:solidFill>
+                          <a:srgbClr val="000000"/>
+                        </a:solidFill>
+                        <a:effectLst/>
+                        <a:latin typeface="Calibri" panose="020F0502020204030204" pitchFamily="34" charset="0"/>
+                      </a:endParaRPr>
+                    </a:p>
+                  </a:txBody>
+                  <a:tcPr marL="9525" marR="9525" marT="9525" marB="0" anchor="b"/>
+                </a:tc>
+                <a:tc>
+                  <a:txBody>
+                    <a:bodyPr/>
+                    <a:lstStyle/>
+                    <a:p>
+                      <a:pPr algn="ctr" fontAlgn="b"/>
+                      <a:r>
+                        <a:rPr lang="fr-CA" sz="1100" u="none" strike="noStrike" noProof="0" dirty="0">
+                          <a:effectLst/>
+                        </a:rPr>
+                        <a:t>Borne inférieure</a:t>
+                      </a:r>
+                      <a:endParaRPr lang="fr-CA" sz="1100" b="0" i="0" u="none" strike="noStrike" noProof="0" dirty="0">
+                        <a:solidFill>
+                          <a:srgbClr val="000000"/>
+                        </a:solidFill>
+                        <a:effectLst/>
+                        <a:latin typeface="Calibri" panose="020F0502020204030204" pitchFamily="34" charset="0"/>
+                      </a:endParaRPr>
+                    </a:p>
+                  </a:txBody>
+                  <a:tcPr marL="9525" marR="9525" marT="9525" marB="0" anchor="b"/>
+                </a:tc>
+                <a:tc>
+                  <a:txBody>
+                    <a:bodyPr/>
+                    <a:lstStyle/>
+                    <a:p>
+                      <a:pPr algn="ctr" fontAlgn="b"/>
+                      <a:r>
+                        <a:rPr lang="fr-CA" sz="1100" u="none" strike="noStrike" noProof="0" dirty="0">
+                          <a:effectLst/>
+                        </a:rPr>
+                        <a:t>Borne supérieure</a:t>
+                      </a:r>
+                      <a:endParaRPr lang="fr-CA" sz="1100" b="0" i="0" u="none" strike="noStrike" noProof="0" dirty="0">
+                        <a:solidFill>
+                          <a:srgbClr val="000000"/>
+                        </a:solidFill>
+                        <a:effectLst/>
+                        <a:latin typeface="Calibri" panose="020F0502020204030204" pitchFamily="34" charset="0"/>
+                      </a:endParaRPr>
+                    </a:p>
+                  </a:txBody>
+                  <a:tcPr marL="9525" marR="9525" marT="9525" marB="0" anchor="b"/>
+                </a:tc>
+                <a:tc>
+                  <a:txBody>
+                    <a:bodyPr/>
+                    <a:lstStyle/>
+                    <a:p>
+                      <a:pPr algn="ctr" fontAlgn="b"/>
+                      <a:r>
+                        <a:rPr lang="fr-CA" sz="1100" u="none" strike="noStrike" noProof="0" dirty="0">
+                          <a:effectLst/>
+                        </a:rPr>
+                        <a:t>Valeur moyenne</a:t>
+                      </a:r>
+                      <a:endParaRPr lang="fr-CA" sz="1100" b="0" i="0" u="none" strike="noStrike" noProof="0" dirty="0">
+                        <a:solidFill>
+                          <a:srgbClr val="000000"/>
+                        </a:solidFill>
+                        <a:effectLst/>
+                        <a:latin typeface="Calibri" panose="020F0502020204030204" pitchFamily="34" charset="0"/>
+                      </a:endParaRPr>
+                    </a:p>
+                  </a:txBody>
+                  <a:tcPr marL="9525" marR="9525" marT="9525" marB="0" anchor="b"/>
+                </a:tc>
+                <a:tc>
+                  <a:txBody>
+                    <a:bodyPr/>
+                    <a:lstStyle/>
+                    <a:p>
+                      <a:pPr algn="ctr" fontAlgn="b"/>
+                      <a:r>
+                        <a:rPr lang="fr-CA" sz="1100" u="none" strike="noStrike" noProof="0" dirty="0">
+                          <a:effectLst/>
+                        </a:rPr>
+                        <a:t>Rayon</a:t>
+                      </a:r>
+                      <a:endParaRPr lang="fr-CA" sz="1100" b="0" i="0" u="none" strike="noStrike" noProof="0" dirty="0">
+                        <a:solidFill>
+                          <a:srgbClr val="000000"/>
+                        </a:solidFill>
+                        <a:effectLst/>
+                        <a:latin typeface="Calibri" panose="020F0502020204030204" pitchFamily="34" charset="0"/>
+                      </a:endParaRPr>
+                    </a:p>
+                  </a:txBody>
+                  <a:tcPr marL="9525" marR="9525" marT="9525" marB="0" anchor="b"/>
+                </a:tc>
+                <a:extLst>
+                  <a:ext uri="{0D108BD9-81ED-4DB2-BD59-A6C34878D82A}">
+                    <a16:rowId xmlns:a16="http://schemas.microsoft.com/office/drawing/2014/main" val="2983744780"/>
+                  </a:ext>
+                </a:extLst>
+              </a:tr>
+              <a:tr h="190500">
+                <a:tc>
+                  <a:txBody>
+                    <a:bodyPr/>
+                    <a:lstStyle/>
+                    <a:p>
+                      <a:pPr algn="l" fontAlgn="b"/>
+                      <a:r>
+                        <a:rPr lang="fr-CA" sz="1100" u="none" strike="noStrike" noProof="0" dirty="0">
+                          <a:effectLst/>
+                        </a:rPr>
+                        <a:t>Ratio de génération de chaleur vs puissance mécanique du moteur</a:t>
+                      </a:r>
+                      <a:endParaRPr lang="fr-CA" sz="1100" b="0" i="0" u="none" strike="noStrike" noProof="0" dirty="0">
+                        <a:solidFill>
+                          <a:srgbClr val="000000"/>
+                        </a:solidFill>
+                        <a:effectLst/>
+                        <a:latin typeface="Calibri" panose="020F0502020204030204" pitchFamily="34" charset="0"/>
+                      </a:endParaRPr>
+                    </a:p>
+                  </a:txBody>
+                  <a:tcPr marL="9525" marR="9525" marT="9525" marB="0" anchor="b"/>
+                </a:tc>
+                <a:tc>
+                  <a:txBody>
+                    <a:bodyPr/>
+                    <a:lstStyle/>
+                    <a:p>
+                      <a:pPr algn="ctr" fontAlgn="b"/>
+                      <a:r>
+                        <a:rPr lang="en-CA" sz="1100" b="0" i="0" u="none" strike="noStrike" dirty="0">
+                          <a:solidFill>
+                            <a:srgbClr val="000000"/>
+                          </a:solidFill>
+                          <a:effectLst/>
+                          <a:latin typeface="Calibri" panose="020F0502020204030204" pitchFamily="34" charset="0"/>
+                        </a:rPr>
+                        <a:t>0.600</a:t>
+                      </a:r>
+                    </a:p>
+                  </a:txBody>
+                  <a:tcPr marL="9525" marR="9525" marT="9525" marB="0" anchor="b"/>
+                </a:tc>
+                <a:tc>
+                  <a:txBody>
+                    <a:bodyPr/>
+                    <a:lstStyle/>
+                    <a:p>
+                      <a:pPr algn="ctr" fontAlgn="b"/>
+                      <a:r>
+                        <a:rPr lang="en-CA" sz="1100" b="0" i="0" u="none" strike="noStrike" dirty="0">
+                          <a:solidFill>
+                            <a:srgbClr val="000000"/>
+                          </a:solidFill>
+                          <a:effectLst/>
+                          <a:latin typeface="Calibri" panose="020F0502020204030204" pitchFamily="34" charset="0"/>
+                        </a:rPr>
+                        <a:t>1.000</a:t>
+                      </a:r>
+                    </a:p>
+                  </a:txBody>
+                  <a:tcPr marL="9525" marR="9525" marT="9525" marB="0" anchor="b"/>
+                </a:tc>
+                <a:tc>
+                  <a:txBody>
+                    <a:bodyPr/>
+                    <a:lstStyle/>
+                    <a:p>
+                      <a:pPr algn="ctr" fontAlgn="b"/>
+                      <a:r>
+                        <a:rPr lang="en-CA" sz="1100" b="0" i="0" u="none" strike="noStrike" dirty="0">
+                          <a:solidFill>
+                            <a:srgbClr val="000000"/>
+                          </a:solidFill>
+                          <a:effectLst/>
+                          <a:latin typeface="Calibri" panose="020F0502020204030204" pitchFamily="34" charset="0"/>
+                        </a:rPr>
+                        <a:t>0.800</a:t>
+                      </a:r>
+                    </a:p>
+                  </a:txBody>
+                  <a:tcPr marL="9525" marR="9525" marT="9525" marB="0" anchor="b"/>
+                </a:tc>
+                <a:tc>
+                  <a:txBody>
+                    <a:bodyPr/>
+                    <a:lstStyle/>
+                    <a:p>
+                      <a:pPr algn="ctr" fontAlgn="b"/>
+                      <a:r>
+                        <a:rPr lang="en-CA" sz="1100" b="0" i="0" u="none" strike="noStrike" dirty="0">
+                          <a:solidFill>
+                            <a:srgbClr val="000000"/>
+                          </a:solidFill>
+                          <a:effectLst/>
+                          <a:latin typeface="Calibri" panose="020F0502020204030204" pitchFamily="34" charset="0"/>
+                        </a:rPr>
+                        <a:t>0.200</a:t>
+                      </a:r>
+                    </a:p>
+                  </a:txBody>
+                  <a:tcPr marL="9525" marR="9525" marT="9525" marB="0" anchor="b"/>
+                </a:tc>
+                <a:extLst>
+                  <a:ext uri="{0D108BD9-81ED-4DB2-BD59-A6C34878D82A}">
+                    <a16:rowId xmlns:a16="http://schemas.microsoft.com/office/drawing/2014/main" val="801930623"/>
+                  </a:ext>
+                </a:extLst>
+              </a:tr>
+              <a:tr h="190500">
+                <a:tc>
+                  <a:txBody>
+                    <a:bodyPr/>
+                    <a:lstStyle/>
+                    <a:p>
+                      <a:pPr algn="l" fontAlgn="b"/>
+                      <a:r>
+                        <a:rPr lang="fr-CA" sz="1100" u="none" strike="noStrike" noProof="0" dirty="0">
+                          <a:effectLst/>
+                        </a:rPr>
+                        <a:t>Coefficient de convection normalisé par la vitesse</a:t>
+                      </a:r>
+                      <a:endParaRPr lang="fr-CA" sz="1100" b="0" i="0" u="none" strike="noStrike" noProof="0" dirty="0">
+                        <a:solidFill>
+                          <a:srgbClr val="000000"/>
+                        </a:solidFill>
+                        <a:effectLst/>
+                        <a:latin typeface="Calibri" panose="020F0502020204030204" pitchFamily="34" charset="0"/>
+                      </a:endParaRPr>
+                    </a:p>
+                  </a:txBody>
+                  <a:tcPr marL="9525" marR="9525" marT="9525" marB="0" anchor="b"/>
+                </a:tc>
+                <a:tc>
+                  <a:txBody>
+                    <a:bodyPr/>
+                    <a:lstStyle/>
+                    <a:p>
+                      <a:pPr algn="ctr" fontAlgn="b"/>
+                      <a:r>
+                        <a:rPr lang="en-CA" sz="1100" b="0" i="0" u="none" strike="noStrike">
+                          <a:solidFill>
+                            <a:srgbClr val="000000"/>
+                          </a:solidFill>
+                          <a:effectLst/>
+                          <a:latin typeface="Calibri" panose="020F0502020204030204" pitchFamily="34" charset="0"/>
+                        </a:rPr>
+                        <a:t>6.918</a:t>
+                      </a:r>
+                    </a:p>
+                  </a:txBody>
+                  <a:tcPr marL="9525" marR="9525" marT="9525" marB="0" anchor="b"/>
+                </a:tc>
+                <a:tc>
+                  <a:txBody>
+                    <a:bodyPr/>
+                    <a:lstStyle/>
+                    <a:p>
+                      <a:pPr algn="ctr" fontAlgn="b"/>
+                      <a:r>
+                        <a:rPr lang="en-CA" sz="1100" b="0" i="0" u="none" strike="noStrike">
+                          <a:solidFill>
+                            <a:srgbClr val="000000"/>
+                          </a:solidFill>
+                          <a:effectLst/>
+                          <a:latin typeface="Calibri" panose="020F0502020204030204" pitchFamily="34" charset="0"/>
+                        </a:rPr>
+                        <a:t>8.772</a:t>
+                      </a:r>
+                    </a:p>
+                  </a:txBody>
+                  <a:tcPr marL="9525" marR="9525" marT="9525" marB="0" anchor="b"/>
+                </a:tc>
+                <a:tc>
+                  <a:txBody>
+                    <a:bodyPr/>
+                    <a:lstStyle/>
+                    <a:p>
+                      <a:pPr algn="ctr" fontAlgn="b"/>
+                      <a:r>
+                        <a:rPr lang="en-CA" sz="1100" b="0" i="0" u="none" strike="noStrike">
+                          <a:solidFill>
+                            <a:srgbClr val="000000"/>
+                          </a:solidFill>
+                          <a:effectLst/>
+                          <a:latin typeface="Calibri" panose="020F0502020204030204" pitchFamily="34" charset="0"/>
+                        </a:rPr>
+                        <a:t>7.845</a:t>
+                      </a:r>
+                    </a:p>
+                  </a:txBody>
+                  <a:tcPr marL="9525" marR="9525" marT="9525" marB="0" anchor="b"/>
+                </a:tc>
+                <a:tc>
+                  <a:txBody>
+                    <a:bodyPr/>
+                    <a:lstStyle/>
+                    <a:p>
+                      <a:pPr algn="ctr" fontAlgn="b"/>
+                      <a:r>
+                        <a:rPr lang="en-CA" sz="1100" b="0" i="0" u="none" strike="noStrike" dirty="0">
+                          <a:solidFill>
+                            <a:srgbClr val="000000"/>
+                          </a:solidFill>
+                          <a:effectLst/>
+                          <a:latin typeface="Calibri" panose="020F0502020204030204" pitchFamily="34" charset="0"/>
+                        </a:rPr>
+                        <a:t>0.927</a:t>
+                      </a:r>
+                    </a:p>
+                  </a:txBody>
+                  <a:tcPr marL="9525" marR="9525" marT="9525" marB="0" anchor="b"/>
+                </a:tc>
+                <a:extLst>
+                  <a:ext uri="{0D108BD9-81ED-4DB2-BD59-A6C34878D82A}">
+                    <a16:rowId xmlns:a16="http://schemas.microsoft.com/office/drawing/2014/main" val="3061848047"/>
+                  </a:ext>
+                </a:extLst>
+              </a:tr>
+              <a:tr h="200025">
+                <a:tc>
+                  <a:txBody>
+                    <a:bodyPr/>
+                    <a:lstStyle/>
+                    <a:p>
+                      <a:pPr algn="l" fontAlgn="b"/>
+                      <a:r>
+                        <a:rPr lang="fr-CA" sz="1100" u="none" strike="noStrike" noProof="0" dirty="0">
+                          <a:effectLst/>
+                        </a:rPr>
+                        <a:t>Débit de la pompe normalisée par la vitesse de rotation du moteur</a:t>
+                      </a:r>
+                      <a:endParaRPr lang="fr-CA" sz="1100" b="0" i="0" u="none" strike="noStrike" noProof="0" dirty="0">
+                        <a:solidFill>
+                          <a:srgbClr val="000000"/>
+                        </a:solidFill>
+                        <a:effectLst/>
+                        <a:latin typeface="Calibri" panose="020F0502020204030204" pitchFamily="34" charset="0"/>
+                      </a:endParaRPr>
+                    </a:p>
+                  </a:txBody>
+                  <a:tcPr marL="9525" marR="9525" marT="9525" marB="0" anchor="b"/>
+                </a:tc>
+                <a:tc>
+                  <a:txBody>
+                    <a:bodyPr/>
+                    <a:lstStyle/>
+                    <a:p>
+                      <a:pPr algn="ctr" fontAlgn="b"/>
+                      <a:r>
+                        <a:rPr lang="en-CA" sz="1100" b="0" i="0" u="none" strike="noStrike" dirty="0">
+                          <a:solidFill>
+                            <a:srgbClr val="000000"/>
+                          </a:solidFill>
+                          <a:effectLst/>
+                          <a:latin typeface="Calibri" panose="020F0502020204030204" pitchFamily="34" charset="0"/>
+                        </a:rPr>
+                        <a:t>0.951</a:t>
+                      </a:r>
+                    </a:p>
+                  </a:txBody>
+                  <a:tcPr marL="9525" marR="9525" marT="9525" marB="0" anchor="b"/>
+                </a:tc>
+                <a:tc>
+                  <a:txBody>
+                    <a:bodyPr/>
+                    <a:lstStyle/>
+                    <a:p>
+                      <a:pPr algn="ctr" fontAlgn="b"/>
+                      <a:r>
+                        <a:rPr lang="en-CA" sz="1100" b="0" i="0" u="none" strike="noStrike">
+                          <a:solidFill>
+                            <a:srgbClr val="000000"/>
+                          </a:solidFill>
+                          <a:effectLst/>
+                          <a:latin typeface="Calibri" panose="020F0502020204030204" pitchFamily="34" charset="0"/>
+                        </a:rPr>
+                        <a:t>1.163</a:t>
+                      </a:r>
+                    </a:p>
+                  </a:txBody>
+                  <a:tcPr marL="9525" marR="9525" marT="9525" marB="0" anchor="b"/>
+                </a:tc>
+                <a:tc>
+                  <a:txBody>
+                    <a:bodyPr/>
+                    <a:lstStyle/>
+                    <a:p>
+                      <a:pPr algn="ctr" fontAlgn="b"/>
+                      <a:r>
+                        <a:rPr lang="en-CA" sz="1100" b="0" i="0" u="none" strike="noStrike">
+                          <a:solidFill>
+                            <a:srgbClr val="000000"/>
+                          </a:solidFill>
+                          <a:effectLst/>
+                          <a:latin typeface="Calibri" panose="020F0502020204030204" pitchFamily="34" charset="0"/>
+                        </a:rPr>
+                        <a:t>1.057</a:t>
+                      </a:r>
+                    </a:p>
+                  </a:txBody>
+                  <a:tcPr marL="9525" marR="9525" marT="9525" marB="0" anchor="b"/>
+                </a:tc>
+                <a:tc>
+                  <a:txBody>
+                    <a:bodyPr/>
+                    <a:lstStyle/>
+                    <a:p>
+                      <a:pPr algn="ctr" fontAlgn="b"/>
+                      <a:r>
+                        <a:rPr lang="en-CA" sz="1100" b="0" i="0" u="none" strike="noStrike" dirty="0">
+                          <a:solidFill>
+                            <a:srgbClr val="000000"/>
+                          </a:solidFill>
+                          <a:effectLst/>
+                          <a:latin typeface="Calibri" panose="020F0502020204030204" pitchFamily="34" charset="0"/>
+                        </a:rPr>
+                        <a:t>0.106</a:t>
+                      </a:r>
+                    </a:p>
+                  </a:txBody>
+                  <a:tcPr marL="9525" marR="9525" marT="9525" marB="0" anchor="b"/>
+                </a:tc>
+                <a:extLst>
+                  <a:ext uri="{0D108BD9-81ED-4DB2-BD59-A6C34878D82A}">
+                    <a16:rowId xmlns:a16="http://schemas.microsoft.com/office/drawing/2014/main" val="2775683091"/>
+                  </a:ext>
+                </a:extLst>
+              </a:tr>
+            </a:tbl>
+          </a:graphicData>
+        </a:graphic>
+      </p:graphicFrame>
+      <p:sp>
+        <p:nvSpPr>
+          <p:cNvPr id="6" name="TextBox 5">
+            <a:extLst>
+              <a:ext uri="{FF2B5EF4-FFF2-40B4-BE49-F238E27FC236}">
+                <a16:creationId xmlns:a16="http://schemas.microsoft.com/office/drawing/2014/main" id="{9810CEB5-68EC-436D-9ADD-A7FFDF171047}"/>
+              </a:ext>
+            </a:extLst>
+          </p:cNvPr>
+          <p:cNvSpPr txBox="1"/>
+          <p:nvPr/>
+        </p:nvSpPr>
+        <p:spPr>
+          <a:xfrm>
+            <a:off x="2737322" y="1631828"/>
+            <a:ext cx="3669355" cy="307777"/>
+          </a:xfrm>
+          <a:prstGeom prst="rect">
+            <a:avLst/>
+          </a:prstGeom>
+          <a:noFill/>
+        </p:spPr>
+        <p:txBody>
+          <a:bodyPr wrap="square" rtlCol="0">
+            <a:spAutoFit/>
+          </a:bodyPr>
+          <a:lstStyle/>
+          <a:p>
+            <a:pPr algn="ctr"/>
+            <a:r>
+              <a:rPr lang="fr-CA" dirty="0">
+                <a:solidFill>
+                  <a:schemeClr val="bg1"/>
+                </a:solidFill>
+              </a:rPr>
+              <a:t>Définition des variables à l’étude</a:t>
+            </a:r>
+            <a:endParaRPr lang="en-CA" dirty="0">
+              <a:solidFill>
+                <a:schemeClr val="bg1"/>
+              </a:solidFill>
+            </a:endParaRPr>
+          </a:p>
+        </p:txBody>
+      </p:sp>
+      <p:sp>
+        <p:nvSpPr>
+          <p:cNvPr id="7" name="TextBox 6">
+            <a:extLst>
+              <a:ext uri="{FF2B5EF4-FFF2-40B4-BE49-F238E27FC236}">
+                <a16:creationId xmlns:a16="http://schemas.microsoft.com/office/drawing/2014/main" id="{B4015918-4058-455A-B44C-BF10E27048AC}"/>
+              </a:ext>
+            </a:extLst>
+          </p:cNvPr>
+          <p:cNvSpPr txBox="1"/>
+          <p:nvPr/>
+        </p:nvSpPr>
+        <p:spPr>
+          <a:xfrm>
+            <a:off x="1998517" y="3397795"/>
+            <a:ext cx="5146963" cy="954107"/>
+          </a:xfrm>
+          <a:prstGeom prst="rect">
+            <a:avLst/>
+          </a:prstGeom>
+          <a:noFill/>
+        </p:spPr>
+        <p:txBody>
+          <a:bodyPr wrap="square" rtlCol="0">
+            <a:spAutoFit/>
+          </a:bodyPr>
+          <a:lstStyle/>
+          <a:p>
+            <a:r>
+              <a:rPr lang="fr-CA" dirty="0">
+                <a:solidFill>
+                  <a:schemeClr val="bg1"/>
+                </a:solidFill>
+              </a:rPr>
+              <a:t>Critères pour le choix des variables</a:t>
+            </a:r>
+          </a:p>
+          <a:p>
+            <a:pPr marL="285750" indent="-285750">
+              <a:buClr>
+                <a:schemeClr val="bg1"/>
+              </a:buClr>
+              <a:buFont typeface="Arial" panose="020B0604020202020204" pitchFamily="34" charset="0"/>
+              <a:buChar char="•"/>
+            </a:pPr>
+            <a:r>
+              <a:rPr lang="fr-CA" dirty="0">
+                <a:solidFill>
+                  <a:schemeClr val="bg1"/>
+                </a:solidFill>
+              </a:rPr>
+              <a:t>Impact sur la quantité d’énergie fournie au système</a:t>
+            </a:r>
+          </a:p>
+          <a:p>
+            <a:pPr marL="285750" indent="-285750">
+              <a:buClr>
+                <a:schemeClr val="bg1"/>
+              </a:buClr>
+              <a:buFont typeface="Arial" panose="020B0604020202020204" pitchFamily="34" charset="0"/>
+              <a:buChar char="•"/>
+            </a:pPr>
+            <a:r>
+              <a:rPr lang="fr-CA" dirty="0">
+                <a:solidFill>
+                  <a:schemeClr val="bg1"/>
+                </a:solidFill>
+              </a:rPr>
+              <a:t>Impact sur la capacité du système à dissiper de l’énergie</a:t>
+            </a:r>
+          </a:p>
+          <a:p>
+            <a:pPr marL="285750" indent="-285750">
+              <a:buClr>
+                <a:schemeClr val="bg1"/>
+              </a:buClr>
+              <a:buFont typeface="Arial" panose="020B0604020202020204" pitchFamily="34" charset="0"/>
+              <a:buChar char="•"/>
+            </a:pPr>
+            <a:r>
+              <a:rPr lang="fr-CA" dirty="0">
+                <a:solidFill>
+                  <a:schemeClr val="bg1"/>
+                </a:solidFill>
+              </a:rPr>
+              <a:t>Grandeurs difficiles à quantifier de manière exacte</a:t>
+            </a:r>
           </a:p>
         </p:txBody>
       </p:sp>
@@ -28389,10 +33335,9 @@
               <a:buNone/>
             </a:pPr>
             <a:r>
-              <a:rPr lang="en" sz="2800" dirty="0"/>
-              <a:t>Propagation des incertitudes</a:t>
+              <a:rPr lang="fr-CA" sz="2800" noProof="0" dirty="0"/>
+              <a:t>Résultats de l’étude par LHS</a:t>
             </a:r>
-            <a:endParaRPr sz="2800" dirty="0"/>
           </a:p>
         </p:txBody>
       </p:sp>
@@ -28411,8 +33356,8 @@
         </p:nvSpPr>
         <p:spPr>
           <a:xfrm>
-            <a:off x="1297500" y="1433175"/>
-            <a:ext cx="1616700" cy="3045600"/>
+            <a:off x="6028827" y="1307849"/>
+            <a:ext cx="2720318" cy="3181023"/>
           </a:xfrm>
           <a:prstGeom prst="rect">
             <a:avLst/>
@@ -28434,10 +33379,36 @@
               <a:buNone/>
             </a:pPr>
             <a:r>
-              <a:rPr lang="en"/>
-              <a:t>Monte-Carlo pour tous les paramètres d’influences. La réponse de la température varie grandement avec une intervale de la valeur de réponse de 57 degré C</a:t>
+              <a:rPr lang="fr-CA" noProof="0" dirty="0"/>
+              <a:t>Large plage de valeurs (89°C à 146°C) pour la température stabilisée après 200 secondes.</a:t>
             </a:r>
-            <a:endParaRPr/>
+          </a:p>
+          <a:p>
+            <a:pPr marL="0" lvl="0" indent="0" algn="l" rtl="0">
+              <a:spcBef>
+                <a:spcPts val="0"/>
+              </a:spcBef>
+              <a:spcAft>
+                <a:spcPts val="1600"/>
+              </a:spcAft>
+              <a:buNone/>
+            </a:pPr>
+            <a:r>
+              <a:rPr lang="fr-CA" noProof="0" dirty="0"/>
+              <a:t>L’étendue de la plage de valeurs est due à la sommation dans le temps.</a:t>
+            </a:r>
+          </a:p>
+          <a:p>
+            <a:pPr marL="0" lvl="0" indent="0" algn="l" rtl="0">
+              <a:spcBef>
+                <a:spcPts val="0"/>
+              </a:spcBef>
+              <a:spcAft>
+                <a:spcPts val="1600"/>
+              </a:spcAft>
+              <a:buNone/>
+            </a:pPr>
+            <a:endParaRPr lang="fr-CA" noProof="0" dirty="0"/>
           </a:p>
         </p:txBody>
       </p:sp>
@@ -28461,7 +33432,7 @@
         </p:blipFill>
         <p:spPr>
           <a:xfrm>
-            <a:off x="3532825" y="1307850"/>
+            <a:off x="1297500" y="1307850"/>
             <a:ext cx="4609487" cy="3530850"/>
           </a:xfrm>
           <a:prstGeom prst="rect">
@@ -28574,10 +33545,9 @@
               <a:buNone/>
             </a:pPr>
             <a:r>
-              <a:rPr lang="en" sz="2800" dirty="0"/>
-              <a:t>Reponse du LHS pour les deux variable ayant la plus grande influence</a:t>
+              <a:rPr lang="fr-CA" sz="2800" noProof="0" dirty="0"/>
+              <a:t>Surface de réponse de l’étude par LHS</a:t>
             </a:r>
-            <a:endParaRPr sz="2800" dirty="0"/>
           </a:p>
         </p:txBody>
       </p:sp>
@@ -28596,8 +33566,8 @@
         </p:nvSpPr>
         <p:spPr>
           <a:xfrm>
-            <a:off x="6090800" y="1354325"/>
-            <a:ext cx="3019500" cy="3208800"/>
+            <a:off x="6779542" y="1301684"/>
+            <a:ext cx="2241616" cy="3208800"/>
           </a:xfrm>
           <a:prstGeom prst="rect">
             <a:avLst/>
@@ -28619,10 +33589,9 @@
               <a:buNone/>
             </a:pPr>
             <a:r>
-              <a:rPr lang="en"/>
-              <a:t>Les résultats suivre une tendance presque bilinéaire. Pour cette raison on est capable d’extraire une sensibilité de la réponses de la température pour c’est deux variables</a:t>
+              <a:rPr lang="fr-CA" noProof="0" dirty="0"/>
+              <a:t>Les résultats suivent une tendance presque bilinéaire. Pour cette raison on est capable d’extraire une sensibilité de la réponses de la température pour les deux variables.</a:t>
             </a:r>
-            <a:endParaRPr/>
           </a:p>
           <a:p>
             <a:pPr marL="0" lvl="0" indent="0" algn="l" rtl="0">
@@ -28635,10 +33604,17 @@
               <a:buNone/>
             </a:pPr>
             <a:r>
-              <a:rPr lang="en"/>
-              <a:t>La variation dus à la variation du débit semble négligeable dans la plage de valeur étudier.</a:t>
+              <a:rPr lang="fr-CA" noProof="0" dirty="0"/>
+              <a:t>La sensibilité de la </a:t>
             </a:r>
-            <a:endParaRPr/>
+            <a:r>
+              <a:rPr lang="fr-CA" noProof="0" dirty="0" err="1"/>
+              <a:t>temperature</a:t>
+            </a:r>
+            <a:r>
+              <a:rPr lang="fr-CA" noProof="0" dirty="0"/>
+              <a:t> stabilisée par rapport au débit de la pompe est négligeable.</a:t>
+            </a:r>
           </a:p>
         </p:txBody>
       </p:sp>
@@ -28662,7 +33638,7 @@
         </p:blipFill>
         <p:spPr>
           <a:xfrm>
-            <a:off x="300425" y="1460250"/>
+            <a:off x="1133405" y="1287112"/>
             <a:ext cx="5604884" cy="3530850"/>
           </a:xfrm>
           <a:prstGeom prst="rect">
@@ -28753,7 +33729,7 @@
         <p:spPr>
           <a:xfrm>
             <a:off x="1297500" y="393750"/>
-            <a:ext cx="7038900" cy="914100"/>
+            <a:ext cx="7174958" cy="914100"/>
           </a:xfrm>
           <a:prstGeom prst="rect">
             <a:avLst/>
@@ -28775,98 +33751,12 @@
               <a:buNone/>
             </a:pPr>
             <a:r>
-              <a:rPr lang="en" dirty="0"/>
-              <a:t>Sensibilité de la température en fonction du ratio </a:t>
+              <a:rPr lang="fr-CA" sz="2000" noProof="0" dirty="0"/>
+              <a:t>Sensibilité de la température par rapport au ratio entre la génération de chaleur et la puissance mécanique du moteur</a:t>
             </a:r>
-            <a:r>
-              <a:rPr lang="en-CA" dirty="0"/>
-              <a:t>de </a:t>
-            </a:r>
-            <a:r>
-              <a:rPr lang="en" dirty="0"/>
-              <a:t>puissance thermique et mécanique</a:t>
-            </a:r>
-            <a:endParaRPr dirty="0"/>
           </a:p>
         </p:txBody>
       </p:sp>
-      <p:sp>
-        <p:nvSpPr>
-          <p:cNvPr id="257" name="Google Shape;257;p32"/>
-          <p:cNvSpPr txBox="1">
-            <a:spLocks noGrp="1"/>
-          </p:cNvSpPr>
-          <p:nvPr>
-            <p:ph type="body" idx="1"/>
-            <p:custDataLst>
-              <p:tags r:id="rId2"/>
-            </p:custDataLst>
-          </p:nvPr>
-        </p:nvSpPr>
-        <p:spPr>
-          <a:xfrm>
-            <a:off x="5720750" y="1854350"/>
-            <a:ext cx="2797500" cy="2802000"/>
-          </a:xfrm>
-          <a:prstGeom prst="rect">
-            <a:avLst/>
-          </a:prstGeom>
-        </p:spPr>
-        <p:txBody>
-          <a:bodyPr spcFirstLastPara="1" wrap="square" lIns="91425" tIns="91425" rIns="91425" bIns="91425" anchor="t" anchorCtr="0">
-            <a:noAutofit/>
-          </a:bodyPr>
-          <a:lstStyle/>
-          <a:p>
-            <a:pPr marL="0" lvl="0" indent="0" algn="l" rtl="0">
-              <a:spcBef>
-                <a:spcPts val="0"/>
-              </a:spcBef>
-              <a:spcAft>
-                <a:spcPts val="1600"/>
-              </a:spcAft>
-              <a:buNone/>
-            </a:pPr>
-            <a:r>
-              <a:rPr lang="en"/>
-              <a:t>La sensibilité est donc d’environ 1 .2 degré par % du ratio entre la puissance thermique et la puissance mécanique.</a:t>
-            </a:r>
-            <a:endParaRPr/>
-          </a:p>
-        </p:txBody>
-      </p:sp>
-      <p:pic>
-        <p:nvPicPr>
-          <p:cNvPr id="258" name="Google Shape;258;p32"/>
-          <p:cNvPicPr preferRelativeResize="0"/>
-          <p:nvPr>
-            <p:custDataLst>
-              <p:tags r:id="rId3"/>
-            </p:custDataLst>
-          </p:nvPr>
-        </p:nvPicPr>
-        <p:blipFill>
-          <a:blip r:embed="rId6">
-            <a:alphaModFix/>
-          </a:blip>
-          <a:stretch>
-            <a:fillRect/>
-          </a:stretch>
-        </p:blipFill>
-        <p:spPr>
-          <a:xfrm>
-            <a:off x="1028216" y="1759275"/>
-            <a:ext cx="3903858" cy="3170900"/>
-          </a:xfrm>
-          <a:prstGeom prst="rect">
-            <a:avLst/>
-          </a:prstGeom>
-          <a:noFill/>
-          <a:ln>
-            <a:noFill/>
-          </a:ln>
-        </p:spPr>
-      </p:pic>
       <p:sp>
         <p:nvSpPr>
           <p:cNvPr id="2" name="Slide Number Placeholder 1">
@@ -28905,6 +33795,36 @@
           </a:p>
         </p:txBody>
       </p:sp>
+      <p:graphicFrame>
+        <p:nvGraphicFramePr>
+          <p:cNvPr id="6" name="Graphique 4">
+            <a:extLst>
+              <a:ext uri="{FF2B5EF4-FFF2-40B4-BE49-F238E27FC236}">
+                <a16:creationId xmlns:a16="http://schemas.microsoft.com/office/drawing/2014/main" id="{3FF3FDD1-4DCB-4F95-A0F9-1CDA943A9A35}"/>
+              </a:ext>
+            </a:extLst>
+          </p:cNvPr>
+          <p:cNvGraphicFramePr>
+            <a:graphicFrameLocks/>
+          </p:cNvGraphicFramePr>
+          <p:nvPr>
+            <p:extLst>
+              <p:ext uri="{D42A27DB-BD31-4B8C-83A1-F6EECF244321}">
+                <p14:modId xmlns:p14="http://schemas.microsoft.com/office/powerpoint/2010/main" val="3885764377"/>
+              </p:ext>
+            </p:extLst>
+          </p:nvPr>
+        </p:nvGraphicFramePr>
+        <p:xfrm>
+          <a:off x="1371600" y="1447799"/>
+          <a:ext cx="6400800" cy="3474721"/>
+        </p:xfrm>
+        <a:graphic>
+          <a:graphicData uri="http://schemas.openxmlformats.org/drawingml/2006/chart">
+            <c:chart xmlns:c="http://schemas.openxmlformats.org/drawingml/2006/chart" xmlns:r="http://schemas.openxmlformats.org/officeDocument/2006/relationships" r:id="rId4"/>
+          </a:graphicData>
+        </a:graphic>
+      </p:graphicFrame>
     </p:spTree>
   </p:cSld>
   <p:clrMapOvr>
@@ -28968,102 +33888,12 @@
               <a:buNone/>
             </a:pPr>
             <a:r>
-              <a:rPr lang="en" dirty="0"/>
-              <a:t>Sensibilité de la température en fonction du coefficient de convection </a:t>
+              <a:rPr lang="fr-CA" noProof="0" dirty="0"/>
+              <a:t>Sensibilité de la température par rapport au coefficient de convection normalisé par la vitesse</a:t>
             </a:r>
-            <a:r>
-              <a:rPr lang="en-CA" dirty="0" err="1"/>
-              <a:t>normalisé</a:t>
-            </a:r>
-            <a:r>
-              <a:rPr lang="en-CA" dirty="0"/>
-              <a:t> par </a:t>
-            </a:r>
-            <a:r>
-              <a:rPr lang="en" dirty="0"/>
-              <a:t>la vitesse</a:t>
-            </a:r>
-            <a:endParaRPr dirty="0"/>
           </a:p>
         </p:txBody>
       </p:sp>
-      <p:sp>
-        <p:nvSpPr>
-          <p:cNvPr id="264" name="Google Shape;264;p33"/>
-          <p:cNvSpPr txBox="1">
-            <a:spLocks noGrp="1"/>
-          </p:cNvSpPr>
-          <p:nvPr>
-            <p:ph type="body" idx="1"/>
-            <p:custDataLst>
-              <p:tags r:id="rId2"/>
-            </p:custDataLst>
-          </p:nvPr>
-        </p:nvSpPr>
-        <p:spPr>
-          <a:xfrm>
-            <a:off x="1297500" y="1835375"/>
-            <a:ext cx="2824800" cy="2643300"/>
-          </a:xfrm>
-          <a:prstGeom prst="rect">
-            <a:avLst/>
-          </a:prstGeom>
-        </p:spPr>
-        <p:txBody>
-          <a:bodyPr spcFirstLastPara="1" wrap="square" lIns="91425" tIns="91425" rIns="91425" bIns="91425" anchor="t" anchorCtr="0">
-            <a:noAutofit/>
-          </a:bodyPr>
-          <a:lstStyle/>
-          <a:p>
-            <a:pPr marL="0" lvl="0" indent="0" algn="l" rtl="0">
-              <a:spcBef>
-                <a:spcPts val="0"/>
-              </a:spcBef>
-              <a:spcAft>
-                <a:spcPts val="1600"/>
-              </a:spcAft>
-              <a:buNone/>
-            </a:pPr>
-            <a:r>
-              <a:rPr lang="en" dirty="0"/>
-              <a:t>La sensibilité  de la température pour cette variable est d’environ -10.4 degré par W/(K*m/s)</a:t>
-            </a:r>
-            <a:endParaRPr dirty="0"/>
-          </a:p>
-        </p:txBody>
-      </p:sp>
-      <p:pic>
-        <p:nvPicPr>
-          <p:cNvPr id="265" name="Google Shape;265;p33"/>
-          <p:cNvPicPr preferRelativeResize="0"/>
-          <p:nvPr>
-            <p:custDataLst>
-              <p:tags r:id="rId3"/>
-            </p:custDataLst>
-          </p:nvPr>
-        </p:nvPicPr>
-        <p:blipFill>
-          <a:blip r:embed="rId6">
-            <a:alphaModFix/>
-          </a:blip>
-          <a:stretch>
-            <a:fillRect/>
-          </a:stretch>
-        </p:blipFill>
-        <p:spPr>
-          <a:xfrm>
-            <a:off x="4307225" y="1700300"/>
-            <a:ext cx="4129325" cy="3340225"/>
-          </a:xfrm>
-          <a:prstGeom prst="rect">
-            <a:avLst/>
-          </a:prstGeom>
-          <a:noFill/>
-          <a:ln>
-            <a:noFill/>
-          </a:ln>
-        </p:spPr>
-      </p:pic>
       <p:sp>
         <p:nvSpPr>
           <p:cNvPr id="2" name="Slide Number Placeholder 1">
@@ -29102,6 +33932,36 @@
           </a:p>
         </p:txBody>
       </p:sp>
+      <p:graphicFrame>
+        <p:nvGraphicFramePr>
+          <p:cNvPr id="8" name="Graphique 5">
+            <a:extLst>
+              <a:ext uri="{FF2B5EF4-FFF2-40B4-BE49-F238E27FC236}">
+                <a16:creationId xmlns:a16="http://schemas.microsoft.com/office/drawing/2014/main" id="{E4AD0F27-F63E-4690-A20A-2516D6B76DDF}"/>
+              </a:ext>
+            </a:extLst>
+          </p:cNvPr>
+          <p:cNvGraphicFramePr>
+            <a:graphicFrameLocks/>
+          </p:cNvGraphicFramePr>
+          <p:nvPr>
+            <p:extLst>
+              <p:ext uri="{D42A27DB-BD31-4B8C-83A1-F6EECF244321}">
+                <p14:modId xmlns:p14="http://schemas.microsoft.com/office/powerpoint/2010/main" val="2354974381"/>
+              </p:ext>
+            </p:extLst>
+          </p:nvPr>
+        </p:nvGraphicFramePr>
+        <p:xfrm>
+          <a:off x="1371600" y="1582097"/>
+          <a:ext cx="6400800" cy="3474720"/>
+        </p:xfrm>
+        <a:graphic>
+          <a:graphicData uri="http://schemas.openxmlformats.org/drawingml/2006/chart">
+            <c:chart xmlns:c="http://schemas.openxmlformats.org/drawingml/2006/chart" xmlns:r="http://schemas.openxmlformats.org/officeDocument/2006/relationships" r:id="rId4"/>
+          </a:graphicData>
+        </a:graphic>
+      </p:graphicFrame>
     </p:spTree>
   </p:cSld>
   <p:clrMapOvr>
@@ -29165,90 +34025,12 @@
               <a:buNone/>
             </a:pPr>
             <a:r>
-              <a:rPr lang="en" sz="2800" dirty="0"/>
-              <a:t>Sensibilité de la température en fonction du du débit de la pompe </a:t>
+              <a:rPr lang="fr-CA" sz="2800" noProof="0" dirty="0"/>
+              <a:t>Sensibilité de la température en fonction du débit de la pompe </a:t>
             </a:r>
-            <a:endParaRPr sz="2800" dirty="0"/>
           </a:p>
         </p:txBody>
       </p:sp>
-      <p:sp>
-        <p:nvSpPr>
-          <p:cNvPr id="271" name="Google Shape;271;p34"/>
-          <p:cNvSpPr txBox="1">
-            <a:spLocks noGrp="1"/>
-          </p:cNvSpPr>
-          <p:nvPr>
-            <p:ph type="body" idx="1"/>
-            <p:custDataLst>
-              <p:tags r:id="rId2"/>
-            </p:custDataLst>
-          </p:nvPr>
-        </p:nvSpPr>
-        <p:spPr>
-          <a:xfrm>
-            <a:off x="1297500" y="1617525"/>
-            <a:ext cx="3105900" cy="2782800"/>
-          </a:xfrm>
-          <a:prstGeom prst="rect">
-            <a:avLst/>
-          </a:prstGeom>
-        </p:spPr>
-        <p:txBody>
-          <a:bodyPr spcFirstLastPara="1" wrap="square" lIns="91425" tIns="91425" rIns="91425" bIns="91425" anchor="t" anchorCtr="0">
-            <a:noAutofit/>
-          </a:bodyPr>
-          <a:lstStyle/>
-          <a:p>
-            <a:pPr marL="0" lvl="0" indent="0" algn="l" rtl="0">
-              <a:spcBef>
-                <a:spcPts val="0"/>
-              </a:spcBef>
-              <a:spcAft>
-                <a:spcPts val="1600"/>
-              </a:spcAft>
-              <a:buNone/>
-            </a:pPr>
-            <a:r>
-              <a:rPr lang="en"/>
-              <a:t>On remarque que la température moyenne final ne semble pas avoir de corrélation avec le débit de la pompe même après avoir filtré pour l’influence de la pente du coefficient de convection et l’influence du ratio de puissance thermique.</a:t>
-            </a:r>
-            <a:endParaRPr/>
-          </a:p>
-        </p:txBody>
-      </p:sp>
-      <p:pic>
-        <p:nvPicPr>
-          <p:cNvPr id="272" name="Google Shape;272;p34"/>
-          <p:cNvPicPr preferRelativeResize="0"/>
-          <p:nvPr>
-            <p:custDataLst>
-              <p:tags r:id="rId3"/>
-            </p:custDataLst>
-          </p:nvPr>
-        </p:nvPicPr>
-        <p:blipFill>
-          <a:blip r:embed="rId6">
-            <a:alphaModFix/>
-          </a:blip>
-          <a:stretch>
-            <a:fillRect/>
-          </a:stretch>
-        </p:blipFill>
-        <p:spPr>
-          <a:xfrm>
-            <a:off x="4903056" y="1361692"/>
-            <a:ext cx="3948625" cy="3695125"/>
-          </a:xfrm>
-          <a:prstGeom prst="rect">
-            <a:avLst/>
-          </a:prstGeom>
-          <a:noFill/>
-          <a:ln>
-            <a:noFill/>
-          </a:ln>
-        </p:spPr>
-      </p:pic>
       <p:sp>
         <p:nvSpPr>
           <p:cNvPr id="2" name="Slide Number Placeholder 1">
@@ -29287,6 +34069,36 @@
           </a:p>
         </p:txBody>
       </p:sp>
+      <p:graphicFrame>
+        <p:nvGraphicFramePr>
+          <p:cNvPr id="8" name="Graphique 7">
+            <a:extLst>
+              <a:ext uri="{FF2B5EF4-FFF2-40B4-BE49-F238E27FC236}">
+                <a16:creationId xmlns:a16="http://schemas.microsoft.com/office/drawing/2014/main" id="{427FBDF5-EFFE-43AA-8DB6-DC1B65F7D860}"/>
+              </a:ext>
+            </a:extLst>
+          </p:cNvPr>
+          <p:cNvGraphicFramePr>
+            <a:graphicFrameLocks/>
+          </p:cNvGraphicFramePr>
+          <p:nvPr>
+            <p:extLst>
+              <p:ext uri="{D42A27DB-BD31-4B8C-83A1-F6EECF244321}">
+                <p14:modId xmlns:p14="http://schemas.microsoft.com/office/powerpoint/2010/main" val="1789251493"/>
+              </p:ext>
+            </p:extLst>
+          </p:nvPr>
+        </p:nvGraphicFramePr>
+        <p:xfrm>
+          <a:off x="1371600" y="1470659"/>
+          <a:ext cx="6400800" cy="3474720"/>
+        </p:xfrm>
+        <a:graphic>
+          <a:graphicData uri="http://schemas.openxmlformats.org/drawingml/2006/chart">
+            <c:chart xmlns:c="http://schemas.openxmlformats.org/drawingml/2006/chart" xmlns:r="http://schemas.openxmlformats.org/officeDocument/2006/relationships" r:id="rId4"/>
+          </a:graphicData>
+        </a:graphic>
+      </p:graphicFrame>
     </p:spTree>
   </p:cSld>
   <p:clrMapOvr>
@@ -29328,16 +34140,20 @@
             <p:ph type="title"/>
           </p:nvPr>
         </p:nvSpPr>
-        <p:spPr/>
+        <p:spPr>
+          <a:xfrm>
+            <a:off x="1417320" y="2053000"/>
+            <a:ext cx="3993530" cy="1148700"/>
+          </a:xfrm>
+        </p:spPr>
         <p:txBody>
           <a:bodyPr/>
           <a:lstStyle/>
           <a:p>
             <a:r>
-              <a:rPr lang="fr-CA" sz="4000" dirty="0"/>
+              <a:rPr lang="fr-CA" sz="4000" noProof="0" dirty="0"/>
               <a:t>Validation</a:t>
             </a:r>
-            <a:endParaRPr lang="en-CA" sz="4000" dirty="0"/>
           </a:p>
         </p:txBody>
       </p:sp>
@@ -29431,10 +34247,9 @@
           <a:lstStyle/>
           <a:p>
             <a:r>
-              <a:rPr lang="fr-CA" sz="4000" dirty="0"/>
+              <a:rPr lang="fr-CA" sz="4000" noProof="0" dirty="0"/>
               <a:t>Définition du modèle</a:t>
             </a:r>
-            <a:endParaRPr lang="en-CA" sz="4000" dirty="0"/>
           </a:p>
         </p:txBody>
       </p:sp>
@@ -29544,10 +34359,9 @@
               <a:buNone/>
             </a:pPr>
             <a:r>
-              <a:rPr lang="en"/>
+              <a:rPr lang="fr-CA" sz="2800" noProof="0" dirty="0"/>
               <a:t>Calibration</a:t>
             </a:r>
-            <a:endParaRPr/>
           </a:p>
           <a:p>
             <a:pPr marL="0" lvl="0" indent="0" algn="l" rtl="0">
@@ -29559,13 +34373,13 @@
               </a:spcAft>
               <a:buNone/>
             </a:pPr>
-            <a:endParaRPr/>
+            <a:endParaRPr lang="fr-CA" sz="2800" noProof="0" dirty="0"/>
           </a:p>
         </p:txBody>
       </p:sp>
       <p:sp>
         <p:nvSpPr>
-          <p:cNvPr id="278" name="Google Shape;278;p35"/>
+          <p:cNvPr id="279" name="Google Shape;279;p35"/>
           <p:cNvSpPr txBox="1">
             <a:spLocks noGrp="1"/>
           </p:cNvSpPr>
@@ -29578,8 +34392,8 @@
         </p:nvSpPr>
         <p:spPr>
           <a:xfrm>
-            <a:off x="1402125" y="2675250"/>
-            <a:ext cx="2682900" cy="2151600"/>
+            <a:off x="5222121" y="927868"/>
+            <a:ext cx="3275850" cy="2194428"/>
           </a:xfrm>
           <a:prstGeom prst="rect">
             <a:avLst/>
@@ -29596,45 +34410,15 @@
                 <a:spcPts val="0"/>
               </a:spcBef>
               <a:spcAft>
-                <a:spcPts val="1600"/>
+                <a:spcPts val="1200"/>
               </a:spcAft>
               <a:buNone/>
             </a:pPr>
             <a:r>
-              <a:rPr lang="en"/>
-              <a:t>L’erreur moyenne de la température pour cette évolution est de 1.51 Degrée. Ces résultat on été obtenu à partir d’une calibration des paramètres de convection et le paramètre de rapport de puissance thermique et puissance mécanique.</a:t>
+              <a:rPr lang="fr-CA" noProof="0" dirty="0"/>
+              <a:t>Avant de pouvoir utiliser le modèle il faut en faire la calibration pour trouver les paramètres qui correspondent le mieux au véhicule de la Formule SAE. </a:t>
             </a:r>
-            <a:endParaRPr/>
           </a:p>
-        </p:txBody>
-      </p:sp>
-      <p:sp>
-        <p:nvSpPr>
-          <p:cNvPr id="279" name="Google Shape;279;p35"/>
-          <p:cNvSpPr txBox="1">
-            <a:spLocks noGrp="1"/>
-          </p:cNvSpPr>
-          <p:nvPr>
-            <p:ph type="body" idx="1"/>
-            <p:custDataLst>
-              <p:tags r:id="rId3"/>
-            </p:custDataLst>
-          </p:nvPr>
-        </p:nvSpPr>
-        <p:spPr>
-          <a:xfrm>
-            <a:off x="1402125" y="1094700"/>
-            <a:ext cx="2682900" cy="1477200"/>
-          </a:xfrm>
-          <a:prstGeom prst="rect">
-            <a:avLst/>
-          </a:prstGeom>
-        </p:spPr>
-        <p:txBody>
-          <a:bodyPr spcFirstLastPara="1" wrap="square" lIns="91425" tIns="91425" rIns="91425" bIns="91425" anchor="t" anchorCtr="0">
-            <a:noAutofit/>
-          </a:bodyPr>
-          <a:lstStyle/>
           <a:p>
             <a:pPr marL="0" lvl="0" indent="0" algn="l" rtl="0">
               <a:spcBef>
@@ -29646,25 +34430,27 @@
               <a:buNone/>
             </a:pPr>
             <a:r>
-              <a:rPr lang="en"/>
-              <a:t>Étant donné la vaste plage de valeur que nous avons pour le rapport de puissance thermique et mécanique on doit faire un choix qui minimise l’erreur de notre model.</a:t>
+              <a:rPr lang="fr-CA" dirty="0"/>
+              <a:t>On effectue la calibration en jouant avec le ratio entre la génération de chaleur et la puissance mécanique du moteur et le coefficient de convection.</a:t>
             </a:r>
-            <a:endParaRPr/>
+            <a:endParaRPr lang="fr-CA" noProof="0" dirty="0"/>
           </a:p>
         </p:txBody>
       </p:sp>
       <p:pic>
         <p:nvPicPr>
           <p:cNvPr id="280" name="Google Shape;280;p35"/>
-          <p:cNvPicPr preferRelativeResize="0"/>
+          <p:cNvPicPr preferRelativeResize="0">
+            <a:picLocks noChangeAspect="1"/>
+          </p:cNvPicPr>
           <p:nvPr>
             <p:custDataLst>
-              <p:tags r:id="rId4"/>
+              <p:tags r:id="rId3"/>
             </p:custDataLst>
           </p:nvPr>
         </p:nvPicPr>
         <p:blipFill>
-          <a:blip r:embed="rId8">
+          <a:blip r:embed="rId6">
             <a:alphaModFix/>
           </a:blip>
           <a:stretch>
@@ -29673,40 +34459,8 @@
         </p:blipFill>
         <p:spPr>
           <a:xfrm>
-            <a:off x="4237425" y="1460250"/>
-            <a:ext cx="3050055" cy="2288930"/>
-          </a:xfrm>
-          <a:prstGeom prst="rect">
-            <a:avLst/>
-          </a:prstGeom>
-          <a:noFill/>
-          <a:ln>
-            <a:noFill/>
-          </a:ln>
-        </p:spPr>
-      </p:pic>
-      <p:pic>
-        <p:nvPicPr>
-          <p:cNvPr id="281" name="Google Shape;281;p35"/>
-          <p:cNvPicPr preferRelativeResize="0"/>
-          <p:nvPr>
-            <p:custDataLst>
-              <p:tags r:id="rId5"/>
-            </p:custDataLst>
-          </p:nvPr>
-        </p:nvPicPr>
-        <p:blipFill>
-          <a:blip r:embed="rId9">
-            <a:alphaModFix/>
-          </a:blip>
-          <a:stretch>
-            <a:fillRect/>
-          </a:stretch>
-        </p:blipFill>
-        <p:spPr>
-          <a:xfrm>
-            <a:off x="4237425" y="3901580"/>
-            <a:ext cx="4057650" cy="981075"/>
+            <a:off x="1135929" y="1307850"/>
+            <a:ext cx="4004129" cy="3004920"/>
           </a:xfrm>
           <a:prstGeom prst="rect">
             <a:avLst/>
@@ -29755,6 +34509,709 @@
           </a:p>
         </p:txBody>
       </p:sp>
+      <p:graphicFrame>
+        <p:nvGraphicFramePr>
+          <p:cNvPr id="6" name="Table 5">
+            <a:extLst>
+              <a:ext uri="{FF2B5EF4-FFF2-40B4-BE49-F238E27FC236}">
+                <a16:creationId xmlns:a16="http://schemas.microsoft.com/office/drawing/2014/main" id="{0D480A58-D0F5-45F6-A750-F9D6D36D7932}"/>
+              </a:ext>
+            </a:extLst>
+          </p:cNvPr>
+          <p:cNvGraphicFramePr>
+            <a:graphicFrameLocks noGrp="1"/>
+          </p:cNvGraphicFramePr>
+          <p:nvPr>
+            <p:extLst>
+              <p:ext uri="{D42A27DB-BD31-4B8C-83A1-F6EECF244321}">
+                <p14:modId xmlns:p14="http://schemas.microsoft.com/office/powerpoint/2010/main" val="690079348"/>
+              </p:ext>
+            </p:extLst>
+          </p:nvPr>
+        </p:nvGraphicFramePr>
+        <p:xfrm>
+          <a:off x="5302906" y="3118418"/>
+          <a:ext cx="3114279" cy="1434465"/>
+        </p:xfrm>
+        <a:graphic>
+          <a:graphicData uri="http://schemas.openxmlformats.org/drawingml/2006/table">
+            <a:tbl>
+              <a:tblPr>
+                <a:tableStyleId>{D03447BB-5D67-496B-8E87-E561075AD55C}</a:tableStyleId>
+              </a:tblPr>
+              <a:tblGrid>
+                <a:gridCol w="2535039">
+                  <a:extLst>
+                    <a:ext uri="{9D8B030D-6E8A-4147-A177-3AD203B41FA5}">
+                      <a16:colId xmlns:a16="http://schemas.microsoft.com/office/drawing/2014/main" val="1167832345"/>
+                    </a:ext>
+                  </a:extLst>
+                </a:gridCol>
+                <a:gridCol w="579240">
+                  <a:extLst>
+                    <a:ext uri="{9D8B030D-6E8A-4147-A177-3AD203B41FA5}">
+                      <a16:colId xmlns:a16="http://schemas.microsoft.com/office/drawing/2014/main" val="2621246950"/>
+                    </a:ext>
+                  </a:extLst>
+                </a:gridCol>
+              </a:tblGrid>
+              <a:tr h="200025">
+                <a:tc>
+                  <a:txBody>
+                    <a:bodyPr/>
+                    <a:lstStyle/>
+                    <a:p>
+                      <a:pPr algn="ctr" fontAlgn="b"/>
+                      <a:r>
+                        <a:rPr lang="en-CA" sz="1100" u="none" strike="noStrike" dirty="0">
+                          <a:effectLst/>
+                        </a:rPr>
+                        <a:t>Variables</a:t>
+                      </a:r>
+                      <a:endParaRPr lang="en-CA" sz="1100" b="0" i="0" u="none" strike="noStrike" dirty="0">
+                        <a:solidFill>
+                          <a:srgbClr val="000000"/>
+                        </a:solidFill>
+                        <a:effectLst/>
+                        <a:latin typeface="Calibri" panose="020F0502020204030204" pitchFamily="34" charset="0"/>
+                      </a:endParaRPr>
+                    </a:p>
+                  </a:txBody>
+                  <a:tcPr marL="9525" marR="9525" marT="9525" marB="0" anchor="b">
+                    <a:lnL w="12700" cap="flat" cmpd="sng" algn="ctr">
+                      <a:solidFill>
+                        <a:schemeClr val="bg1"/>
+                      </a:solidFill>
+                      <a:prstDash val="solid"/>
+                      <a:round/>
+                      <a:headEnd type="none" w="med" len="med"/>
+                      <a:tailEnd type="none" w="med" len="med"/>
+                    </a:lnL>
+                    <a:lnR w="12700" cap="flat" cmpd="sng" algn="ctr">
+                      <a:solidFill>
+                        <a:schemeClr val="bg1"/>
+                      </a:solidFill>
+                      <a:prstDash val="solid"/>
+                      <a:round/>
+                      <a:headEnd type="none" w="med" len="med"/>
+                      <a:tailEnd type="none" w="med" len="med"/>
+                    </a:lnR>
+                    <a:lnT w="12700" cap="flat" cmpd="sng" algn="ctr">
+                      <a:solidFill>
+                        <a:schemeClr val="bg1"/>
+                      </a:solidFill>
+                      <a:prstDash val="solid"/>
+                      <a:round/>
+                      <a:headEnd type="none" w="med" len="med"/>
+                      <a:tailEnd type="none" w="med" len="med"/>
+                    </a:lnT>
+                    <a:lnB w="12700" cap="flat" cmpd="sng" algn="ctr">
+                      <a:solidFill>
+                        <a:schemeClr val="bg1"/>
+                      </a:solidFill>
+                      <a:prstDash val="solid"/>
+                      <a:round/>
+                      <a:headEnd type="none" w="med" len="med"/>
+                      <a:tailEnd type="none" w="med" len="med"/>
+                    </a:lnB>
+                  </a:tcPr>
+                </a:tc>
+                <a:tc>
+                  <a:txBody>
+                    <a:bodyPr/>
+                    <a:lstStyle/>
+                    <a:p>
+                      <a:pPr algn="ctr" fontAlgn="b"/>
+                      <a:r>
+                        <a:rPr lang="en-CA" sz="1100" u="none" strike="noStrike" dirty="0" err="1">
+                          <a:effectLst/>
+                        </a:rPr>
+                        <a:t>Valeurs</a:t>
+                      </a:r>
+                      <a:r>
+                        <a:rPr lang="en-CA" sz="1100" u="none" strike="noStrike" dirty="0">
+                          <a:effectLst/>
+                        </a:rPr>
+                        <a:t> </a:t>
+                      </a:r>
+                      <a:endParaRPr lang="en-CA" sz="1100" b="0" i="0" u="none" strike="noStrike" dirty="0">
+                        <a:solidFill>
+                          <a:srgbClr val="000000"/>
+                        </a:solidFill>
+                        <a:effectLst/>
+                        <a:latin typeface="Calibri" panose="020F0502020204030204" pitchFamily="34" charset="0"/>
+                      </a:endParaRPr>
+                    </a:p>
+                  </a:txBody>
+                  <a:tcPr marL="9525" marR="9525" marT="9525" marB="0" anchor="b">
+                    <a:lnL w="12700" cap="flat" cmpd="sng" algn="ctr">
+                      <a:solidFill>
+                        <a:schemeClr val="bg1"/>
+                      </a:solidFill>
+                      <a:prstDash val="solid"/>
+                      <a:round/>
+                      <a:headEnd type="none" w="med" len="med"/>
+                      <a:tailEnd type="none" w="med" len="med"/>
+                    </a:lnL>
+                    <a:lnR w="12700" cap="flat" cmpd="sng" algn="ctr">
+                      <a:solidFill>
+                        <a:schemeClr val="bg1"/>
+                      </a:solidFill>
+                      <a:prstDash val="solid"/>
+                      <a:round/>
+                      <a:headEnd type="none" w="med" len="med"/>
+                      <a:tailEnd type="none" w="med" len="med"/>
+                    </a:lnR>
+                    <a:lnT w="12700" cap="flat" cmpd="sng" algn="ctr">
+                      <a:solidFill>
+                        <a:schemeClr val="bg1"/>
+                      </a:solidFill>
+                      <a:prstDash val="solid"/>
+                      <a:round/>
+                      <a:headEnd type="none" w="med" len="med"/>
+                      <a:tailEnd type="none" w="med" len="med"/>
+                    </a:lnT>
+                    <a:lnB w="12700" cap="flat" cmpd="sng" algn="ctr">
+                      <a:solidFill>
+                        <a:schemeClr val="bg1"/>
+                      </a:solidFill>
+                      <a:prstDash val="solid"/>
+                      <a:round/>
+                      <a:headEnd type="none" w="med" len="med"/>
+                      <a:tailEnd type="none" w="med" len="med"/>
+                    </a:lnB>
+                  </a:tcPr>
+                </a:tc>
+                <a:extLst>
+                  <a:ext uri="{0D108BD9-81ED-4DB2-BD59-A6C34878D82A}">
+                    <a16:rowId xmlns:a16="http://schemas.microsoft.com/office/drawing/2014/main" val="3761981025"/>
+                  </a:ext>
+                </a:extLst>
+              </a:tr>
+              <a:tr h="190500">
+                <a:tc>
+                  <a:txBody>
+                    <a:bodyPr/>
+                    <a:lstStyle/>
+                    <a:p>
+                      <a:pPr algn="l" fontAlgn="b"/>
+                      <a:r>
+                        <a:rPr lang="fr-CA" sz="1100" u="none" strike="noStrike" noProof="0" dirty="0">
+                          <a:effectLst/>
+                        </a:rPr>
+                        <a:t>Ratio de génération de chaleur vs puissance mécanique du moteur</a:t>
+                      </a:r>
+                      <a:endParaRPr lang="fr-CA" sz="1100" b="0" i="0" u="none" strike="noStrike" noProof="0" dirty="0">
+                        <a:solidFill>
+                          <a:srgbClr val="000000"/>
+                        </a:solidFill>
+                        <a:effectLst/>
+                        <a:latin typeface="Calibri" panose="020F0502020204030204" pitchFamily="34" charset="0"/>
+                      </a:endParaRPr>
+                    </a:p>
+                  </a:txBody>
+                  <a:tcPr marL="9525" marR="9525" marT="9525" marB="0" anchor="b">
+                    <a:lnL w="12700" cap="flat" cmpd="sng" algn="ctr">
+                      <a:solidFill>
+                        <a:schemeClr val="bg1"/>
+                      </a:solidFill>
+                      <a:prstDash val="solid"/>
+                      <a:round/>
+                      <a:headEnd type="none" w="med" len="med"/>
+                      <a:tailEnd type="none" w="med" len="med"/>
+                    </a:lnL>
+                    <a:lnR w="12700" cap="flat" cmpd="sng" algn="ctr">
+                      <a:solidFill>
+                        <a:schemeClr val="bg1"/>
+                      </a:solidFill>
+                      <a:prstDash val="solid"/>
+                      <a:round/>
+                      <a:headEnd type="none" w="med" len="med"/>
+                      <a:tailEnd type="none" w="med" len="med"/>
+                    </a:lnR>
+                    <a:lnT w="12700" cap="flat" cmpd="sng" algn="ctr">
+                      <a:solidFill>
+                        <a:schemeClr val="bg1"/>
+                      </a:solidFill>
+                      <a:prstDash val="solid"/>
+                      <a:round/>
+                      <a:headEnd type="none" w="med" len="med"/>
+                      <a:tailEnd type="none" w="med" len="med"/>
+                    </a:lnT>
+                    <a:lnB w="12700" cap="flat" cmpd="sng" algn="ctr">
+                      <a:solidFill>
+                        <a:schemeClr val="bg1"/>
+                      </a:solidFill>
+                      <a:prstDash val="solid"/>
+                      <a:round/>
+                      <a:headEnd type="none" w="med" len="med"/>
+                      <a:tailEnd type="none" w="med" len="med"/>
+                    </a:lnB>
+                  </a:tcPr>
+                </a:tc>
+                <a:tc>
+                  <a:txBody>
+                    <a:bodyPr/>
+                    <a:lstStyle/>
+                    <a:p>
+                      <a:pPr algn="r" fontAlgn="b"/>
+                      <a:r>
+                        <a:rPr lang="en-CA" sz="1100" u="none" strike="noStrike" dirty="0">
+                          <a:effectLst/>
+                        </a:rPr>
+                        <a:t>0.70</a:t>
+                      </a:r>
+                      <a:endParaRPr lang="en-CA" sz="1100" b="0" i="0" u="none" strike="noStrike" dirty="0">
+                        <a:solidFill>
+                          <a:srgbClr val="000000"/>
+                        </a:solidFill>
+                        <a:effectLst/>
+                        <a:latin typeface="Calibri" panose="020F0502020204030204" pitchFamily="34" charset="0"/>
+                      </a:endParaRPr>
+                    </a:p>
+                  </a:txBody>
+                  <a:tcPr marL="9525" marR="9525" marT="9525" marB="0" anchor="b">
+                    <a:lnL w="12700" cap="flat" cmpd="sng" algn="ctr">
+                      <a:solidFill>
+                        <a:schemeClr val="bg1"/>
+                      </a:solidFill>
+                      <a:prstDash val="solid"/>
+                      <a:round/>
+                      <a:headEnd type="none" w="med" len="med"/>
+                      <a:tailEnd type="none" w="med" len="med"/>
+                    </a:lnL>
+                    <a:lnR w="12700" cap="flat" cmpd="sng" algn="ctr">
+                      <a:solidFill>
+                        <a:schemeClr val="bg1"/>
+                      </a:solidFill>
+                      <a:prstDash val="solid"/>
+                      <a:round/>
+                      <a:headEnd type="none" w="med" len="med"/>
+                      <a:tailEnd type="none" w="med" len="med"/>
+                    </a:lnR>
+                    <a:lnT w="12700" cap="flat" cmpd="sng" algn="ctr">
+                      <a:solidFill>
+                        <a:schemeClr val="bg1"/>
+                      </a:solidFill>
+                      <a:prstDash val="solid"/>
+                      <a:round/>
+                      <a:headEnd type="none" w="med" len="med"/>
+                      <a:tailEnd type="none" w="med" len="med"/>
+                    </a:lnT>
+                    <a:lnB w="12700" cap="flat" cmpd="sng" algn="ctr">
+                      <a:solidFill>
+                        <a:schemeClr val="bg1"/>
+                      </a:solidFill>
+                      <a:prstDash val="solid"/>
+                      <a:round/>
+                      <a:headEnd type="none" w="med" len="med"/>
+                      <a:tailEnd type="none" w="med" len="med"/>
+                    </a:lnB>
+                  </a:tcPr>
+                </a:tc>
+                <a:extLst>
+                  <a:ext uri="{0D108BD9-81ED-4DB2-BD59-A6C34878D82A}">
+                    <a16:rowId xmlns:a16="http://schemas.microsoft.com/office/drawing/2014/main" val="2707806080"/>
+                  </a:ext>
+                </a:extLst>
+              </a:tr>
+              <a:tr h="190500">
+                <a:tc>
+                  <a:txBody>
+                    <a:bodyPr/>
+                    <a:lstStyle/>
+                    <a:p>
+                      <a:pPr algn="l" fontAlgn="b"/>
+                      <a:r>
+                        <a:rPr lang="fr-CA" sz="1100" u="none" strike="noStrike" noProof="0" dirty="0">
+                          <a:effectLst/>
+                        </a:rPr>
+                        <a:t>Coefficient de convection normalisé par la vitesse</a:t>
+                      </a:r>
+                      <a:endParaRPr lang="fr-CA" sz="1100" b="0" i="0" u="none" strike="noStrike" noProof="0" dirty="0">
+                        <a:solidFill>
+                          <a:srgbClr val="000000"/>
+                        </a:solidFill>
+                        <a:effectLst/>
+                        <a:latin typeface="Calibri" panose="020F0502020204030204" pitchFamily="34" charset="0"/>
+                      </a:endParaRPr>
+                    </a:p>
+                  </a:txBody>
+                  <a:tcPr marL="9525" marR="9525" marT="9525" marB="0" anchor="b">
+                    <a:lnL w="12700" cap="flat" cmpd="sng" algn="ctr">
+                      <a:solidFill>
+                        <a:schemeClr val="bg1"/>
+                      </a:solidFill>
+                      <a:prstDash val="solid"/>
+                      <a:round/>
+                      <a:headEnd type="none" w="med" len="med"/>
+                      <a:tailEnd type="none" w="med" len="med"/>
+                    </a:lnL>
+                    <a:lnR w="12700" cap="flat" cmpd="sng" algn="ctr">
+                      <a:solidFill>
+                        <a:schemeClr val="bg1"/>
+                      </a:solidFill>
+                      <a:prstDash val="solid"/>
+                      <a:round/>
+                      <a:headEnd type="none" w="med" len="med"/>
+                      <a:tailEnd type="none" w="med" len="med"/>
+                    </a:lnR>
+                    <a:lnT w="12700" cap="flat" cmpd="sng" algn="ctr">
+                      <a:solidFill>
+                        <a:schemeClr val="bg1"/>
+                      </a:solidFill>
+                      <a:prstDash val="solid"/>
+                      <a:round/>
+                      <a:headEnd type="none" w="med" len="med"/>
+                      <a:tailEnd type="none" w="med" len="med"/>
+                    </a:lnT>
+                    <a:lnB w="12700" cap="flat" cmpd="sng" algn="ctr">
+                      <a:solidFill>
+                        <a:schemeClr val="bg1"/>
+                      </a:solidFill>
+                      <a:prstDash val="solid"/>
+                      <a:round/>
+                      <a:headEnd type="none" w="med" len="med"/>
+                      <a:tailEnd type="none" w="med" len="med"/>
+                    </a:lnB>
+                  </a:tcPr>
+                </a:tc>
+                <a:tc>
+                  <a:txBody>
+                    <a:bodyPr/>
+                    <a:lstStyle/>
+                    <a:p>
+                      <a:pPr algn="r" fontAlgn="b"/>
+                      <a:r>
+                        <a:rPr lang="en-CA" sz="1100" u="none" strike="noStrike" dirty="0">
+                          <a:effectLst/>
+                        </a:rPr>
+                        <a:t>8.4726</a:t>
+                      </a:r>
+                      <a:endParaRPr lang="en-CA" sz="1100" b="0" i="0" u="none" strike="noStrike" dirty="0">
+                        <a:solidFill>
+                          <a:srgbClr val="000000"/>
+                        </a:solidFill>
+                        <a:effectLst/>
+                        <a:latin typeface="Calibri" panose="020F0502020204030204" pitchFamily="34" charset="0"/>
+                      </a:endParaRPr>
+                    </a:p>
+                  </a:txBody>
+                  <a:tcPr marL="9525" marR="9525" marT="9525" marB="0" anchor="b">
+                    <a:lnL w="12700" cap="flat" cmpd="sng" algn="ctr">
+                      <a:solidFill>
+                        <a:schemeClr val="bg1"/>
+                      </a:solidFill>
+                      <a:prstDash val="solid"/>
+                      <a:round/>
+                      <a:headEnd type="none" w="med" len="med"/>
+                      <a:tailEnd type="none" w="med" len="med"/>
+                    </a:lnL>
+                    <a:lnR w="12700" cap="flat" cmpd="sng" algn="ctr">
+                      <a:solidFill>
+                        <a:schemeClr val="bg1"/>
+                      </a:solidFill>
+                      <a:prstDash val="solid"/>
+                      <a:round/>
+                      <a:headEnd type="none" w="med" len="med"/>
+                      <a:tailEnd type="none" w="med" len="med"/>
+                    </a:lnR>
+                    <a:lnT w="12700" cap="flat" cmpd="sng" algn="ctr">
+                      <a:solidFill>
+                        <a:schemeClr val="bg1"/>
+                      </a:solidFill>
+                      <a:prstDash val="solid"/>
+                      <a:round/>
+                      <a:headEnd type="none" w="med" len="med"/>
+                      <a:tailEnd type="none" w="med" len="med"/>
+                    </a:lnT>
+                    <a:lnB w="12700" cap="flat" cmpd="sng" algn="ctr">
+                      <a:solidFill>
+                        <a:schemeClr val="bg1"/>
+                      </a:solidFill>
+                      <a:prstDash val="solid"/>
+                      <a:round/>
+                      <a:headEnd type="none" w="med" len="med"/>
+                      <a:tailEnd type="none" w="med" len="med"/>
+                    </a:lnB>
+                  </a:tcPr>
+                </a:tc>
+                <a:extLst>
+                  <a:ext uri="{0D108BD9-81ED-4DB2-BD59-A6C34878D82A}">
+                    <a16:rowId xmlns:a16="http://schemas.microsoft.com/office/drawing/2014/main" val="232108948"/>
+                  </a:ext>
+                </a:extLst>
+              </a:tr>
+              <a:tr h="190500">
+                <a:tc>
+                  <a:txBody>
+                    <a:bodyPr/>
+                    <a:lstStyle/>
+                    <a:p>
+                      <a:pPr algn="l" fontAlgn="b"/>
+                      <a:r>
+                        <a:rPr lang="fr-CA" sz="1100" u="none" strike="noStrike" noProof="0" dirty="0">
+                          <a:effectLst/>
+                        </a:rPr>
+                        <a:t>Débit de la pompe normalisée par la vitesse de rotation du moteur</a:t>
+                      </a:r>
+                      <a:endParaRPr lang="fr-CA" sz="1100" b="0" i="0" u="none" strike="noStrike" noProof="0" dirty="0">
+                        <a:solidFill>
+                          <a:srgbClr val="000000"/>
+                        </a:solidFill>
+                        <a:effectLst/>
+                        <a:latin typeface="Calibri" panose="020F0502020204030204" pitchFamily="34" charset="0"/>
+                      </a:endParaRPr>
+                    </a:p>
+                  </a:txBody>
+                  <a:tcPr marL="9525" marR="9525" marT="9525" marB="0" anchor="b">
+                    <a:lnL w="12700" cap="flat" cmpd="sng" algn="ctr">
+                      <a:solidFill>
+                        <a:schemeClr val="bg1"/>
+                      </a:solidFill>
+                      <a:prstDash val="solid"/>
+                      <a:round/>
+                      <a:headEnd type="none" w="med" len="med"/>
+                      <a:tailEnd type="none" w="med" len="med"/>
+                    </a:lnL>
+                    <a:lnR w="12700" cap="flat" cmpd="sng" algn="ctr">
+                      <a:solidFill>
+                        <a:schemeClr val="bg1"/>
+                      </a:solidFill>
+                      <a:prstDash val="solid"/>
+                      <a:round/>
+                      <a:headEnd type="none" w="med" len="med"/>
+                      <a:tailEnd type="none" w="med" len="med"/>
+                    </a:lnR>
+                    <a:lnT w="12700" cap="flat" cmpd="sng" algn="ctr">
+                      <a:solidFill>
+                        <a:schemeClr val="bg1"/>
+                      </a:solidFill>
+                      <a:prstDash val="solid"/>
+                      <a:round/>
+                      <a:headEnd type="none" w="med" len="med"/>
+                      <a:tailEnd type="none" w="med" len="med"/>
+                    </a:lnT>
+                    <a:lnB w="12700" cap="flat" cmpd="sng" algn="ctr">
+                      <a:solidFill>
+                        <a:schemeClr val="bg1"/>
+                      </a:solidFill>
+                      <a:prstDash val="solid"/>
+                      <a:round/>
+                      <a:headEnd type="none" w="med" len="med"/>
+                      <a:tailEnd type="none" w="med" len="med"/>
+                    </a:lnB>
+                  </a:tcPr>
+                </a:tc>
+                <a:tc>
+                  <a:txBody>
+                    <a:bodyPr/>
+                    <a:lstStyle/>
+                    <a:p>
+                      <a:pPr algn="r" fontAlgn="b"/>
+                      <a:r>
+                        <a:rPr lang="en-CA" sz="1100" u="none" strike="noStrike" dirty="0">
+                          <a:effectLst/>
+                        </a:rPr>
+                        <a:t>1.057</a:t>
+                      </a:r>
+                      <a:endParaRPr lang="en-CA" sz="1100" b="0" i="0" u="none" strike="noStrike" dirty="0">
+                        <a:solidFill>
+                          <a:srgbClr val="000000"/>
+                        </a:solidFill>
+                        <a:effectLst/>
+                        <a:latin typeface="Calibri" panose="020F0502020204030204" pitchFamily="34" charset="0"/>
+                      </a:endParaRPr>
+                    </a:p>
+                  </a:txBody>
+                  <a:tcPr marL="9525" marR="9525" marT="9525" marB="0" anchor="b">
+                    <a:lnL w="12700" cap="flat" cmpd="sng" algn="ctr">
+                      <a:solidFill>
+                        <a:schemeClr val="bg1"/>
+                      </a:solidFill>
+                      <a:prstDash val="solid"/>
+                      <a:round/>
+                      <a:headEnd type="none" w="med" len="med"/>
+                      <a:tailEnd type="none" w="med" len="med"/>
+                    </a:lnL>
+                    <a:lnR w="12700" cap="flat" cmpd="sng" algn="ctr">
+                      <a:solidFill>
+                        <a:schemeClr val="bg1"/>
+                      </a:solidFill>
+                      <a:prstDash val="solid"/>
+                      <a:round/>
+                      <a:headEnd type="none" w="med" len="med"/>
+                      <a:tailEnd type="none" w="med" len="med"/>
+                    </a:lnR>
+                    <a:lnT w="12700" cap="flat" cmpd="sng" algn="ctr">
+                      <a:solidFill>
+                        <a:schemeClr val="bg1"/>
+                      </a:solidFill>
+                      <a:prstDash val="solid"/>
+                      <a:round/>
+                      <a:headEnd type="none" w="med" len="med"/>
+                      <a:tailEnd type="none" w="med" len="med"/>
+                    </a:lnT>
+                    <a:lnB w="12700" cap="flat" cmpd="sng" algn="ctr">
+                      <a:solidFill>
+                        <a:schemeClr val="bg1"/>
+                      </a:solidFill>
+                      <a:prstDash val="solid"/>
+                      <a:round/>
+                      <a:headEnd type="none" w="med" len="med"/>
+                      <a:tailEnd type="none" w="med" len="med"/>
+                    </a:lnB>
+                  </a:tcPr>
+                </a:tc>
+                <a:extLst>
+                  <a:ext uri="{0D108BD9-81ED-4DB2-BD59-A6C34878D82A}">
+                    <a16:rowId xmlns:a16="http://schemas.microsoft.com/office/drawing/2014/main" val="1533737460"/>
+                  </a:ext>
+                </a:extLst>
+              </a:tr>
+              <a:tr h="200025">
+                <a:tc>
+                  <a:txBody>
+                    <a:bodyPr/>
+                    <a:lstStyle/>
+                    <a:p>
+                      <a:pPr algn="l" fontAlgn="b"/>
+                      <a:r>
+                        <a:rPr lang="en-CA" sz="1100" u="none" strike="noStrike" dirty="0" err="1">
+                          <a:effectLst/>
+                        </a:rPr>
+                        <a:t>Température</a:t>
+                      </a:r>
+                      <a:r>
+                        <a:rPr lang="en-CA" sz="1100" u="none" strike="noStrike" dirty="0">
+                          <a:effectLst/>
+                        </a:rPr>
+                        <a:t> </a:t>
+                      </a:r>
+                      <a:r>
+                        <a:rPr lang="en-CA" sz="1100" u="none" strike="noStrike" dirty="0" err="1">
+                          <a:effectLst/>
+                        </a:rPr>
+                        <a:t>extérieure</a:t>
+                      </a:r>
+                      <a:endParaRPr lang="en-CA" sz="1100" b="0" i="0" u="none" strike="noStrike" dirty="0">
+                        <a:solidFill>
+                          <a:srgbClr val="000000"/>
+                        </a:solidFill>
+                        <a:effectLst/>
+                        <a:latin typeface="Calibri" panose="020F0502020204030204" pitchFamily="34" charset="0"/>
+                      </a:endParaRPr>
+                    </a:p>
+                  </a:txBody>
+                  <a:tcPr marL="9525" marR="9525" marT="9525" marB="0" anchor="b">
+                    <a:lnL w="12700" cap="flat" cmpd="sng" algn="ctr">
+                      <a:solidFill>
+                        <a:schemeClr val="bg1"/>
+                      </a:solidFill>
+                      <a:prstDash val="solid"/>
+                      <a:round/>
+                      <a:headEnd type="none" w="med" len="med"/>
+                      <a:tailEnd type="none" w="med" len="med"/>
+                    </a:lnL>
+                    <a:lnR w="12700" cap="flat" cmpd="sng" algn="ctr">
+                      <a:solidFill>
+                        <a:schemeClr val="bg1"/>
+                      </a:solidFill>
+                      <a:prstDash val="solid"/>
+                      <a:round/>
+                      <a:headEnd type="none" w="med" len="med"/>
+                      <a:tailEnd type="none" w="med" len="med"/>
+                    </a:lnR>
+                    <a:lnT w="12700" cap="flat" cmpd="sng" algn="ctr">
+                      <a:solidFill>
+                        <a:schemeClr val="bg1"/>
+                      </a:solidFill>
+                      <a:prstDash val="solid"/>
+                      <a:round/>
+                      <a:headEnd type="none" w="med" len="med"/>
+                      <a:tailEnd type="none" w="med" len="med"/>
+                    </a:lnT>
+                    <a:lnB w="12700" cap="flat" cmpd="sng" algn="ctr">
+                      <a:solidFill>
+                        <a:schemeClr val="bg1"/>
+                      </a:solidFill>
+                      <a:prstDash val="solid"/>
+                      <a:round/>
+                      <a:headEnd type="none" w="med" len="med"/>
+                      <a:tailEnd type="none" w="med" len="med"/>
+                    </a:lnB>
+                  </a:tcPr>
+                </a:tc>
+                <a:tc>
+                  <a:txBody>
+                    <a:bodyPr/>
+                    <a:lstStyle/>
+                    <a:p>
+                      <a:pPr algn="r" fontAlgn="b"/>
+                      <a:r>
+                        <a:rPr lang="en-CA" sz="1100" u="none" strike="noStrike" dirty="0">
+                          <a:effectLst/>
+                        </a:rPr>
+                        <a:t>18</a:t>
+                      </a:r>
+                      <a:endParaRPr lang="en-CA" sz="1100" b="0" i="0" u="none" strike="noStrike" dirty="0">
+                        <a:solidFill>
+                          <a:srgbClr val="000000"/>
+                        </a:solidFill>
+                        <a:effectLst/>
+                        <a:latin typeface="Calibri" panose="020F0502020204030204" pitchFamily="34" charset="0"/>
+                      </a:endParaRPr>
+                    </a:p>
+                  </a:txBody>
+                  <a:tcPr marL="9525" marR="9525" marT="9525" marB="0" anchor="b">
+                    <a:lnL w="12700" cap="flat" cmpd="sng" algn="ctr">
+                      <a:solidFill>
+                        <a:schemeClr val="bg1"/>
+                      </a:solidFill>
+                      <a:prstDash val="solid"/>
+                      <a:round/>
+                      <a:headEnd type="none" w="med" len="med"/>
+                      <a:tailEnd type="none" w="med" len="med"/>
+                    </a:lnL>
+                    <a:lnR w="12700" cap="flat" cmpd="sng" algn="ctr">
+                      <a:solidFill>
+                        <a:schemeClr val="bg1"/>
+                      </a:solidFill>
+                      <a:prstDash val="solid"/>
+                      <a:round/>
+                      <a:headEnd type="none" w="med" len="med"/>
+                      <a:tailEnd type="none" w="med" len="med"/>
+                    </a:lnR>
+                    <a:lnT w="12700" cap="flat" cmpd="sng" algn="ctr">
+                      <a:solidFill>
+                        <a:schemeClr val="bg1"/>
+                      </a:solidFill>
+                      <a:prstDash val="solid"/>
+                      <a:round/>
+                      <a:headEnd type="none" w="med" len="med"/>
+                      <a:tailEnd type="none" w="med" len="med"/>
+                    </a:lnT>
+                    <a:lnB w="12700" cap="flat" cmpd="sng" algn="ctr">
+                      <a:solidFill>
+                        <a:schemeClr val="bg1"/>
+                      </a:solidFill>
+                      <a:prstDash val="solid"/>
+                      <a:round/>
+                      <a:headEnd type="none" w="med" len="med"/>
+                      <a:tailEnd type="none" w="med" len="med"/>
+                    </a:lnB>
+                  </a:tcPr>
+                </a:tc>
+                <a:extLst>
+                  <a:ext uri="{0D108BD9-81ED-4DB2-BD59-A6C34878D82A}">
+                    <a16:rowId xmlns:a16="http://schemas.microsoft.com/office/drawing/2014/main" val="2781602755"/>
+                  </a:ext>
+                </a:extLst>
+              </a:tr>
+            </a:tbl>
+          </a:graphicData>
+        </a:graphic>
+      </p:graphicFrame>
     </p:spTree>
   </p:cSld>
   <p:clrMapOvr>
@@ -29818,10 +35275,9 @@
               <a:buNone/>
             </a:pPr>
             <a:r>
-              <a:rPr lang="en"/>
+              <a:rPr lang="fr-CA" noProof="0" dirty="0"/>
               <a:t>Validation</a:t>
             </a:r>
-            <a:endParaRPr/>
           </a:p>
         </p:txBody>
       </p:sp>
@@ -29840,8 +35296,8 @@
         </p:nvSpPr>
         <p:spPr>
           <a:xfrm>
-            <a:off x="1297500" y="1307850"/>
-            <a:ext cx="2675700" cy="3720600"/>
+            <a:off x="1211580" y="1170480"/>
+            <a:ext cx="2761620" cy="3720600"/>
           </a:xfrm>
           <a:prstGeom prst="rect">
             <a:avLst/>
@@ -29863,10 +35319,9 @@
               <a:buNone/>
             </a:pPr>
             <a:r>
-              <a:rPr lang="en"/>
-              <a:t>Après avoir calibré les paramètres de convection et de rapport de puissance. On a utilisé une autre série de donné afin de vérifier l’évolution de la température.</a:t>
+              <a:rPr lang="fr-CA" noProof="0" dirty="0"/>
+              <a:t>Après avoir calibré les paramètres, on a utilisé une autre série de données afin de valider la solution du modèle.</a:t>
             </a:r>
-            <a:endParaRPr/>
           </a:p>
           <a:p>
             <a:pPr marL="0" lvl="0" indent="0" algn="l" rtl="0">
@@ -29879,10 +35334,20 @@
               <a:buNone/>
             </a:pPr>
             <a:r>
-              <a:rPr lang="en"/>
-              <a:t>La différence avec le cas précédent est seulement la modification de la température extérieur qui ce trouvais à 20.5 C lors de cette essaie.</a:t>
+              <a:rPr lang="fr-CA" noProof="0" dirty="0"/>
+              <a:t>La différence avec le cas précédent est seulement la modification de la température extérieur qui ce trouvais à 20,5 </a:t>
             </a:r>
-            <a:endParaRPr/>
+            <a:r>
+              <a:rPr lang="fr-CA" noProof="0" dirty="0">
+                <a:latin typeface="Leelawadee" panose="020B0502040204020203" pitchFamily="34" charset="-34"/>
+                <a:cs typeface="Leelawadee" panose="020B0502040204020203" pitchFamily="34" charset="-34"/>
+              </a:rPr>
+              <a:t>°</a:t>
+            </a:r>
+            <a:r>
+              <a:rPr lang="fr-CA" noProof="0" dirty="0"/>
+              <a:t>C lors de cette essaie.</a:t>
+            </a:r>
           </a:p>
           <a:p>
             <a:pPr marL="0" lvl="0" indent="0" algn="l" rtl="0">
@@ -29895,10 +35360,20 @@
               <a:buNone/>
             </a:pPr>
             <a:r>
-              <a:rPr lang="en"/>
-              <a:t>L’erreur moyenne mesuré est encore plus faible pour ce cas avec 1.39 d’erreur en moyenne</a:t>
+              <a:rPr lang="fr-CA" noProof="0" dirty="0"/>
+              <a:t>L’erreur moyenne entre la température mesurée et celle de la simulation est de seulement 1,39</a:t>
             </a:r>
-            <a:endParaRPr/>
+            <a:r>
+              <a:rPr lang="fr-CA" noProof="0" dirty="0">
+                <a:latin typeface="Leelawadee" panose="020B0502040204020203" pitchFamily="34" charset="-34"/>
+                <a:cs typeface="Leelawadee" panose="020B0502040204020203" pitchFamily="34" charset="-34"/>
+              </a:rPr>
+              <a:t>°C</a:t>
+            </a:r>
+            <a:r>
+              <a:rPr lang="fr-CA" noProof="0" dirty="0"/>
+              <a:t>.</a:t>
+            </a:r>
           </a:p>
         </p:txBody>
       </p:sp>
@@ -30035,10 +35510,9 @@
               <a:buNone/>
             </a:pPr>
             <a:r>
-              <a:rPr lang="en"/>
+              <a:rPr lang="fr-CA" noProof="0" dirty="0"/>
               <a:t>Conclusion </a:t>
             </a:r>
-            <a:endParaRPr/>
           </a:p>
         </p:txBody>
       </p:sp>
@@ -30080,10 +35554,9 @@
               <a:buNone/>
             </a:pPr>
             <a:r>
-              <a:rPr lang="en"/>
+              <a:rPr lang="fr-CA" noProof="0" dirty="0"/>
               <a:t>Le modèle numérique présentes bien les caractéristique attendue et semble être capable de modéliser adéquatement la température dans le système de refroidissement de la Formule SAE.</a:t>
             </a:r>
-            <a:endParaRPr/>
           </a:p>
           <a:p>
             <a:pPr marL="0" lvl="0" indent="0" algn="l" rtl="0">
@@ -30096,10 +35569,25 @@
               <a:buNone/>
             </a:pPr>
             <a:r>
-              <a:rPr lang="en"/>
-              <a:t>En effet, une erreur moyenne inférieur à 2 degrée celcius est parfaitement adéquat pour l’utilisation désirer de ce modèle numérique pour l’équipe de la Formule SAE. Soit de prédire approximativement si dans les conditions de course à venir le système de refroidissement sera suffisamment performant et donc de prévenir une surchauffe du système de refroidissement.</a:t>
+              <a:rPr lang="fr-CA" noProof="0" dirty="0"/>
+              <a:t>En effet, une erreur moyenne inférieur à 2 </a:t>
             </a:r>
-            <a:endParaRPr/>
+            <a:r>
+              <a:rPr lang="fr-CA" noProof="0" dirty="0" err="1"/>
+              <a:t>degrée</a:t>
+            </a:r>
+            <a:r>
+              <a:rPr lang="fr-CA" noProof="0" dirty="0"/>
+              <a:t> </a:t>
+            </a:r>
+            <a:r>
+              <a:rPr lang="fr-CA" noProof="0" dirty="0" err="1"/>
+              <a:t>celcius</a:t>
+            </a:r>
+            <a:r>
+              <a:rPr lang="fr-CA" noProof="0" dirty="0"/>
+              <a:t> est parfaitement adéquat pour l’utilisation désirer de ce modèle numérique pour l’équipe de la Formule SAE. Soit de prédire approximativement si dans les conditions de course à venir le système de refroidissement sera suffisamment performant et donc de prévenir une surchauffe du système de refroidissement.</a:t>
+            </a:r>
           </a:p>
         </p:txBody>
       </p:sp>
@@ -30204,18 +35692,9 @@
               <a:buNone/>
             </a:pPr>
             <a:r>
-              <a:rPr lang="fr-CA" sz="2800" dirty="0"/>
-              <a:t>Définition</a:t>
+              <a:rPr lang="fr-CA" sz="2800" noProof="0" dirty="0"/>
+              <a:t>Définition du système à l’étude</a:t>
             </a:r>
-            <a:r>
-              <a:rPr lang="en-CA" sz="2800" dirty="0"/>
-              <a:t> </a:t>
-            </a:r>
-            <a:r>
-              <a:rPr lang="en" sz="2800" dirty="0"/>
-              <a:t>du système à l’étude</a:t>
-            </a:r>
-            <a:endParaRPr sz="2800" dirty="0"/>
           </a:p>
         </p:txBody>
       </p:sp>
@@ -30234,8 +35713,8 @@
         </p:nvSpPr>
         <p:spPr>
           <a:xfrm>
-            <a:off x="419748" y="1638050"/>
-            <a:ext cx="2531100" cy="2946900"/>
+            <a:off x="1297500" y="1098300"/>
+            <a:ext cx="2948292" cy="2946900"/>
           </a:xfrm>
           <a:prstGeom prst="rect">
             <a:avLst/>
@@ -30260,30 +35739,11 @@
               <a:buNone/>
             </a:pPr>
             <a:r>
-              <a:rPr lang="en" dirty="0"/>
-              <a:t>Le système à l’étude est le système de refroidissement de la </a:t>
+              <a:rPr lang="fr-CA" sz="1400" noProof="0" dirty="0">
+                <a:latin typeface="+mn-lt"/>
+              </a:rPr>
+              <a:t>Le système à l’étude est le système de refroidissement de la voiture de course de la Formule SAE Polytechnique Montréal (FPM).</a:t>
             </a:r>
-            <a:r>
-              <a:rPr lang="en-CA" dirty="0" err="1"/>
-              <a:t>voiture</a:t>
-            </a:r>
-            <a:r>
-              <a:rPr lang="en-CA" dirty="0"/>
-              <a:t> de course de la F</a:t>
-            </a:r>
-            <a:r>
-              <a:rPr lang="en" dirty="0"/>
-              <a:t>ormule </a:t>
-            </a:r>
-            <a:r>
-              <a:rPr lang="en-CA" dirty="0"/>
-              <a:t>SAE P</a:t>
-            </a:r>
-            <a:r>
-              <a:rPr lang="en" dirty="0"/>
-              <a:t>olytechnique Montréal (FPM).</a:t>
-            </a:r>
-            <a:endParaRPr dirty="0"/>
           </a:p>
           <a:p>
             <a:pPr marL="0" lvl="0" indent="0" algn="l" rtl="0">
@@ -30298,7 +35758,9 @@
               </a:spcAft>
               <a:buNone/>
             </a:pPr>
-            <a:endParaRPr lang="en" dirty="0"/>
+            <a:endParaRPr lang="fr-CA" sz="1400" noProof="0" dirty="0">
+              <a:latin typeface="+mn-lt"/>
+            </a:endParaRPr>
           </a:p>
           <a:p>
             <a:pPr marL="0" lvl="0" indent="0" algn="l" rtl="0">
@@ -30314,14 +35776,11 @@
               <a:buNone/>
             </a:pPr>
             <a:r>
-              <a:rPr lang="en" dirty="0"/>
-              <a:t>Le fluide de refroidissement utilisé est de l’eau distillée, un requis des </a:t>
+              <a:rPr lang="fr-CA" sz="1400" noProof="0" dirty="0">
+                <a:latin typeface="+mn-lt"/>
+              </a:rPr>
+              <a:t>Le fluide de refroidissement utilisé est de l’eau distillée, un requis des règlements.</a:t>
             </a:r>
-            <a:r>
-              <a:rPr lang="fr-CA" dirty="0"/>
-              <a:t>règlements.</a:t>
-            </a:r>
-            <a:endParaRPr dirty="0"/>
           </a:p>
           <a:p>
             <a:pPr marL="0" lvl="0" indent="0" algn="l" rtl="0">
@@ -30333,7 +35792,7 @@
               </a:spcAft>
               <a:buNone/>
             </a:pPr>
-            <a:endParaRPr dirty="0"/>
+            <a:endParaRPr lang="fr-CA" noProof="0" dirty="0"/>
           </a:p>
         </p:txBody>
       </p:sp>
@@ -30350,7 +35809,7 @@
           <p:nvPr>
             <p:extLst>
               <p:ext uri="{D42A27DB-BD31-4B8C-83A1-F6EECF244321}">
-                <p14:modId xmlns:p14="http://schemas.microsoft.com/office/powerpoint/2010/main" val="2371994601"/>
+                <p14:modId xmlns:p14="http://schemas.microsoft.com/office/powerpoint/2010/main" val="2512250222"/>
               </p:ext>
             </p:extLst>
           </p:nvPr>
@@ -30466,26 +35925,9 @@
               <a:buNone/>
             </a:pPr>
             <a:r>
-              <a:rPr lang="en" sz="2800" dirty="0"/>
-              <a:t>Variables </a:t>
+              <a:rPr lang="fr-CA" sz="2800" noProof="0" dirty="0"/>
+              <a:t>Variables et paramètres du système</a:t>
             </a:r>
-            <a:r>
-              <a:rPr lang="en-CA" sz="2800" dirty="0"/>
-              <a:t>et </a:t>
-            </a:r>
-            <a:r>
-              <a:rPr lang="en-CA" sz="2800" dirty="0" err="1"/>
-              <a:t>paramètres</a:t>
-            </a:r>
-            <a:r>
-              <a:rPr lang="en-CA" sz="2800" dirty="0"/>
-              <a:t> du </a:t>
-            </a:r>
-            <a:r>
-              <a:rPr lang="en-CA" sz="2800" dirty="0" err="1"/>
-              <a:t>système</a:t>
-            </a:r>
-            <a:endParaRPr sz="2800" dirty="0"/>
           </a:p>
         </p:txBody>
       </p:sp>
@@ -30569,8 +36011,8 @@
         </p:nvSpPr>
         <p:spPr>
           <a:xfrm>
-            <a:off x="1377365" y="1129876"/>
-            <a:ext cx="2195945" cy="2800767"/>
+            <a:off x="1377365" y="1503256"/>
+            <a:ext cx="2195945" cy="2462213"/>
           </a:xfrm>
           <a:prstGeom prst="rect">
             <a:avLst/>
@@ -30584,24 +36026,7 @@
           <a:lstStyle/>
           <a:p>
             <a:r>
-              <a:rPr lang="fr-CA" sz="1600" dirty="0">
-                <a:solidFill>
-                  <a:schemeClr val="bg1"/>
-                </a:solidFill>
-              </a:rPr>
-              <a:t>Obtention des variables d’entrée</a:t>
-            </a:r>
-          </a:p>
-          <a:p>
-            <a:endParaRPr lang="fr-CA" sz="1200" dirty="0">
-              <a:solidFill>
-                <a:schemeClr val="bg1"/>
-              </a:solidFill>
-            </a:endParaRPr>
-          </a:p>
-          <a:p>
-            <a:r>
-              <a:rPr lang="fr-CA" sz="1200" dirty="0">
+              <a:rPr lang="fr-CA" dirty="0">
                 <a:solidFill>
                   <a:schemeClr val="bg1"/>
                 </a:solidFill>
@@ -30610,7 +36035,7 @@
             </a:r>
           </a:p>
           <a:p>
-            <a:endParaRPr lang="fr-CA" sz="1200" dirty="0">
+            <a:endParaRPr lang="fr-CA" dirty="0">
               <a:solidFill>
                 <a:schemeClr val="bg1"/>
               </a:solidFill>
@@ -30618,14 +36043,14 @@
           </a:p>
           <a:p>
             <a:r>
-              <a:rPr lang="fr-CA" sz="1200" dirty="0">
+              <a:rPr lang="fr-CA" dirty="0">
                 <a:solidFill>
                   <a:schemeClr val="bg1"/>
                 </a:solidFill>
               </a:rPr>
               <a:t>La vitesse de rotation du moteur et la vitesse du véhicule viennent de données enregistrées par le système d’acquisition installé sur la voiture.</a:t>
             </a:r>
-            <a:endParaRPr lang="en-CA" sz="1200" dirty="0">
+            <a:endParaRPr lang="en-CA" dirty="0">
               <a:solidFill>
                 <a:schemeClr val="bg1"/>
               </a:solidFill>
@@ -30696,18 +36121,9 @@
               <a:buNone/>
             </a:pPr>
             <a:r>
-              <a:rPr lang="en" sz="2800" dirty="0"/>
-              <a:t>Hypothèses </a:t>
+              <a:rPr lang="fr-CA" sz="2800" noProof="0" dirty="0"/>
+              <a:t>Hypothèses de modélisation</a:t>
             </a:r>
-            <a:r>
-              <a:rPr lang="en-CA" sz="2800" dirty="0"/>
-              <a:t>de </a:t>
-            </a:r>
-            <a:r>
-              <a:rPr lang="en-CA" sz="2800" dirty="0" err="1"/>
-              <a:t>modélisation</a:t>
-            </a:r>
-            <a:endParaRPr sz="2800" dirty="0"/>
           </a:p>
         </p:txBody>
       </p:sp>
@@ -31076,28 +36492,8 @@
           <a:lstStyle/>
           <a:p>
             <a:r>
-              <a:rPr lang="en" sz="2800" dirty="0"/>
-              <a:t>Hypothèses </a:t>
-            </a:r>
-            <a:r>
-              <a:rPr lang="en-CA" sz="2800" dirty="0"/>
-              <a:t>de </a:t>
-            </a:r>
-            <a:r>
-              <a:rPr lang="en-CA" sz="2800" dirty="0" err="1"/>
-              <a:t>modélisation</a:t>
-            </a:r>
-            <a:r>
-              <a:rPr lang="en-CA" sz="2800" dirty="0"/>
-              <a:t> </a:t>
-            </a:r>
-            <a:r>
-              <a:rPr lang="en" sz="2800" dirty="0"/>
-              <a:t>(</a:t>
-            </a:r>
-            <a:r>
-              <a:rPr lang="en-CA" sz="2800" dirty="0"/>
-              <a:t>suite)</a:t>
+              <a:rPr lang="fr-CA" sz="2800" noProof="0" dirty="0"/>
+              <a:t>Hypothèses de modélisation (suite)</a:t>
             </a:r>
           </a:p>
         </p:txBody>
@@ -31449,10 +36845,9 @@
               <a:buNone/>
             </a:pPr>
             <a:r>
-              <a:rPr lang="en" sz="2800" dirty="0"/>
+              <a:rPr lang="fr-CA" sz="2800" noProof="0" dirty="0"/>
               <a:t>Équations du modèle</a:t>
             </a:r>
-            <a:endParaRPr sz="2800" dirty="0"/>
           </a:p>
         </p:txBody>
       </p:sp>
@@ -31493,7 +36888,7 @@
                   <a:buNone/>
                 </a:pPr>
                 <a:r>
-                  <a:rPr lang="fr-CA" dirty="0"/>
+                  <a:rPr lang="fr-CA" noProof="0" dirty="0"/>
                   <a:t>Équation de l’évolution de la température dans le moteur</a:t>
                 </a:r>
               </a:p>
@@ -31505,7 +36900,7 @@
                   <a:buNone/>
                 </a:pPr>
                 <a:r>
-                  <a:rPr lang="fr-CA" dirty="0"/>
+                  <a:rPr lang="fr-CA" noProof="0" dirty="0"/>
                   <a:t> </a:t>
                 </a:r>
                 <a14:m>
@@ -31513,14 +36908,14 @@
                     <m:f>
                       <m:fPr>
                         <m:ctrlPr>
-                          <a:rPr lang="fr-CA" i="1">
+                          <a:rPr lang="fr-CA" i="1" noProof="0">
                             <a:latin typeface="Cambria Math" panose="02040503050406030204" pitchFamily="18" charset="0"/>
                           </a:rPr>
                         </m:ctrlPr>
                       </m:fPr>
                       <m:num>
                         <m:r>
-                          <a:rPr lang="fr-CA" i="1">
+                          <a:rPr lang="fr-CA" i="1" noProof="0">
                             <a:latin typeface="Cambria Math" panose="02040503050406030204" pitchFamily="18" charset="0"/>
                           </a:rPr>
                           <m:t>𝑑𝑇</m:t>
@@ -31528,7 +36923,7 @@
                       </m:num>
                       <m:den>
                         <m:r>
-                          <a:rPr lang="fr-CA" i="1">
+                          <a:rPr lang="fr-CA" i="1" noProof="0">
                             <a:latin typeface="Cambria Math" panose="02040503050406030204" pitchFamily="18" charset="0"/>
                           </a:rPr>
                           <m:t>𝑑𝑡</m:t>
@@ -31536,7 +36931,7 @@
                       </m:den>
                     </m:f>
                     <m:r>
-                      <a:rPr lang="fr-CA" i="1">
+                      <a:rPr lang="fr-CA" i="1" noProof="0">
                         <a:latin typeface="Cambria Math" panose="02040503050406030204" pitchFamily="18" charset="0"/>
                       </a:rPr>
                       <m:t>=</m:t>
@@ -31544,7 +36939,7 @@
                     <m:f>
                       <m:fPr>
                         <m:ctrlPr>
-                          <a:rPr lang="fr-CA" i="1">
+                          <a:rPr lang="fr-CA" i="1" noProof="0">
                             <a:latin typeface="Cambria Math" panose="02040503050406030204" pitchFamily="18" charset="0"/>
                           </a:rPr>
                         </m:ctrlPr>
@@ -31554,14 +36949,14 @@
                           <m:accPr>
                             <m:chr m:val="̇"/>
                             <m:ctrlPr>
-                              <a:rPr lang="fr-CA" i="1" smtClean="0">
+                              <a:rPr lang="fr-CA" i="1" noProof="0" smtClean="0">
                                 <a:latin typeface="Cambria Math" panose="02040503050406030204" pitchFamily="18" charset="0"/>
                               </a:rPr>
                             </m:ctrlPr>
                           </m:accPr>
                           <m:e>
                             <m:r>
-                              <a:rPr lang="fr-CA" b="0" i="1" smtClean="0">
+                              <a:rPr lang="fr-CA" b="0" i="1" noProof="0" smtClean="0">
                                 <a:latin typeface="Cambria Math" panose="02040503050406030204" pitchFamily="18" charset="0"/>
                               </a:rPr>
                               <m:t>𝑄</m:t>
@@ -31573,7 +36968,7 @@
                         <m:sSub>
                           <m:sSubPr>
                             <m:ctrlPr>
-                              <a:rPr lang="fr-CA" i="1">
+                              <a:rPr lang="fr-CA" i="1" noProof="0">
                                 <a:latin typeface="Cambria Math" panose="02040503050406030204" pitchFamily="18" charset="0"/>
                               </a:rPr>
                             </m:ctrlPr>
@@ -31583,14 +36978,14 @@
                               <m:accPr>
                                 <m:chr m:val="̇"/>
                                 <m:ctrlPr>
-                                  <a:rPr lang="fr-CA" i="1">
+                                  <a:rPr lang="fr-CA" i="1" noProof="0">
                                     <a:latin typeface="Cambria Math" panose="02040503050406030204" pitchFamily="18" charset="0"/>
                                   </a:rPr>
                                 </m:ctrlPr>
                               </m:accPr>
                               <m:e>
                                 <m:r>
-                                  <a:rPr lang="fr-CA" i="1">
+                                  <a:rPr lang="fr-CA" i="1" noProof="0">
                                     <a:latin typeface="Cambria Math" panose="02040503050406030204" pitchFamily="18" charset="0"/>
                                   </a:rPr>
                                   <m:t>𝑚</m:t>
@@ -31598,7 +36993,7 @@
                               </m:e>
                             </m:acc>
                             <m:r>
-                              <a:rPr lang="fr-CA" i="1">
+                              <a:rPr lang="fr-CA" i="1" noProof="0">
                                 <a:latin typeface="Cambria Math" panose="02040503050406030204" pitchFamily="18" charset="0"/>
                               </a:rPr>
                               <m:t>𝐶</m:t>
@@ -31606,7 +37001,7 @@
                           </m:e>
                           <m:sub>
                             <m:r>
-                              <a:rPr lang="fr-CA" i="1">
+                              <a:rPr lang="fr-CA" i="1" noProof="0">
                                 <a:latin typeface="Cambria Math" panose="02040503050406030204" pitchFamily="18" charset="0"/>
                               </a:rPr>
                               <m:t>𝑣</m:t>
@@ -31617,7 +37012,7 @@
                     </m:f>
                   </m:oMath>
                 </a14:m>
-                <a:endParaRPr lang="fr-CA" dirty="0"/>
+                <a:endParaRPr lang="fr-CA" noProof="0" dirty="0"/>
               </a:p>
               <a:p>
                 <a:pPr marL="0" lvl="0" indent="0">
@@ -31627,7 +37022,7 @@
                   <a:buNone/>
                 </a:pPr>
                 <a:r>
-                  <a:rPr lang="fr-CA" dirty="0"/>
+                  <a:rPr lang="fr-CA" noProof="0" dirty="0"/>
                   <a:t>Équation de l’évolution du titre dans le moteur</a:t>
                 </a:r>
               </a:p>
@@ -31639,7 +37034,7 @@
                   <a:buNone/>
                 </a:pPr>
                 <a:r>
-                  <a:rPr lang="fr-CA" dirty="0"/>
+                  <a:rPr lang="fr-CA" noProof="0" dirty="0"/>
                   <a:t> </a:t>
                 </a:r>
                 <a14:m>
@@ -31647,20 +37042,20 @@
                     <m:f>
                       <m:fPr>
                         <m:ctrlPr>
-                          <a:rPr lang="fr-CA" i="1">
+                          <a:rPr lang="fr-CA" i="1" noProof="0">
                             <a:latin typeface="Cambria Math" panose="02040503050406030204" pitchFamily="18" charset="0"/>
                           </a:rPr>
                         </m:ctrlPr>
                       </m:fPr>
                       <m:num>
                         <m:r>
-                          <a:rPr lang="fr-CA" i="1">
+                          <a:rPr lang="fr-CA" i="1" noProof="0">
                             <a:latin typeface="Cambria Math" panose="02040503050406030204" pitchFamily="18" charset="0"/>
                           </a:rPr>
                           <m:t>𝑑</m:t>
                         </m:r>
                         <m:r>
-                          <a:rPr lang="fr-CA" b="0" i="1" smtClean="0">
+                          <a:rPr lang="fr-CA" b="0" i="1" noProof="0" smtClean="0">
                             <a:latin typeface="Cambria Math" panose="02040503050406030204" pitchFamily="18" charset="0"/>
                           </a:rPr>
                           <m:t>𝑋</m:t>
@@ -31668,7 +37063,7 @@
                       </m:num>
                       <m:den>
                         <m:r>
-                          <a:rPr lang="fr-CA" i="1">
+                          <a:rPr lang="fr-CA" i="1" noProof="0">
                             <a:latin typeface="Cambria Math" panose="02040503050406030204" pitchFamily="18" charset="0"/>
                           </a:rPr>
                           <m:t>𝑑𝑡</m:t>
@@ -31676,7 +37071,7 @@
                       </m:den>
                     </m:f>
                     <m:r>
-                      <a:rPr lang="fr-CA" i="1">
+                      <a:rPr lang="fr-CA" i="1" noProof="0">
                         <a:latin typeface="Cambria Math" panose="02040503050406030204" pitchFamily="18" charset="0"/>
                       </a:rPr>
                       <m:t>=</m:t>
@@ -31684,7 +37079,7 @@
                     <m:f>
                       <m:fPr>
                         <m:ctrlPr>
-                          <a:rPr lang="fr-CA" i="1">
+                          <a:rPr lang="fr-CA" i="1" noProof="0">
                             <a:latin typeface="Cambria Math" panose="02040503050406030204" pitchFamily="18" charset="0"/>
                           </a:rPr>
                         </m:ctrlPr>
@@ -31694,14 +37089,14 @@
                           <m:accPr>
                             <m:chr m:val="̇"/>
                             <m:ctrlPr>
-                              <a:rPr lang="fr-CA" i="1" smtClean="0">
+                              <a:rPr lang="fr-CA" i="1" noProof="0" smtClean="0">
                                 <a:latin typeface="Cambria Math" panose="02040503050406030204" pitchFamily="18" charset="0"/>
                               </a:rPr>
                             </m:ctrlPr>
                           </m:accPr>
                           <m:e>
                             <m:r>
-                              <a:rPr lang="fr-CA" b="0" i="1" smtClean="0">
+                              <a:rPr lang="fr-CA" b="0" i="1" noProof="0" smtClean="0">
                                 <a:latin typeface="Cambria Math" panose="02040503050406030204" pitchFamily="18" charset="0"/>
                               </a:rPr>
                               <m:t>𝑄</m:t>
@@ -31713,7 +37108,7 @@
                         <m:sSub>
                           <m:sSubPr>
                             <m:ctrlPr>
-                              <a:rPr lang="fr-CA" i="1">
+                              <a:rPr lang="fr-CA" i="1" noProof="0">
                                 <a:latin typeface="Cambria Math" panose="02040503050406030204" pitchFamily="18" charset="0"/>
                               </a:rPr>
                             </m:ctrlPr>
@@ -31723,14 +37118,14 @@
                               <m:accPr>
                                 <m:chr m:val="̇"/>
                                 <m:ctrlPr>
-                                  <a:rPr lang="fr-CA" i="1">
+                                  <a:rPr lang="fr-CA" i="1" noProof="0">
                                     <a:latin typeface="Cambria Math" panose="02040503050406030204" pitchFamily="18" charset="0"/>
                                   </a:rPr>
                                 </m:ctrlPr>
                               </m:accPr>
                               <m:e>
                                 <m:r>
-                                  <a:rPr lang="fr-CA" i="1">
+                                  <a:rPr lang="fr-CA" i="1" noProof="0">
                                     <a:latin typeface="Cambria Math" panose="02040503050406030204" pitchFamily="18" charset="0"/>
                                   </a:rPr>
                                   <m:t>𝑚</m:t>
@@ -31738,7 +37133,7 @@
                               </m:e>
                             </m:acc>
                             <m:r>
-                              <a:rPr lang="fr-CA" b="0" i="1" smtClean="0">
+                              <a:rPr lang="fr-CA" b="0" i="1" noProof="0" smtClean="0">
                                 <a:latin typeface="Cambria Math" panose="02040503050406030204" pitchFamily="18" charset="0"/>
                               </a:rPr>
                               <m:t>𝐸</m:t>
@@ -31746,13 +37141,13 @@
                           </m:e>
                           <m:sub>
                             <m:r>
-                              <a:rPr lang="fr-CA" i="1">
+                              <a:rPr lang="fr-CA" i="1" noProof="0">
                                 <a:latin typeface="Cambria Math" panose="02040503050406030204" pitchFamily="18" charset="0"/>
                               </a:rPr>
                               <m:t>𝑣</m:t>
                             </m:r>
                             <m:r>
-                              <a:rPr lang="fr-CA" b="0" i="1" smtClean="0">
+                              <a:rPr lang="fr-CA" b="0" i="1" noProof="0" smtClean="0">
                                 <a:latin typeface="Cambria Math" panose="02040503050406030204" pitchFamily="18" charset="0"/>
                               </a:rPr>
                               <m:t>𝑎𝑝</m:t>
@@ -31763,7 +37158,7 @@
                     </m:f>
                   </m:oMath>
                 </a14:m>
-                <a:endParaRPr lang="fr-CA" dirty="0"/>
+                <a:endParaRPr lang="fr-CA" noProof="0" dirty="0"/>
               </a:p>
               <a:p>
                 <a:pPr marL="0" indent="0">
@@ -31773,10 +37168,10 @@
                   <a:buNone/>
                 </a:pPr>
                 <a:r>
-                  <a:rPr lang="fr-CA" dirty="0"/>
+                  <a:rPr lang="fr-CA" noProof="0" dirty="0"/>
                   <a:t>Équation de l’évolution de la température dans le radiateur </a:t>
                 </a:r>
-                <a:endParaRPr lang="fr-CA" i="1" dirty="0">
+                <a:endParaRPr lang="fr-CA" i="1" noProof="0" dirty="0">
                   <a:latin typeface="Cambria Math" panose="02040503050406030204" pitchFamily="18" charset="0"/>
                 </a:endParaRPr>
               </a:p>
@@ -31796,14 +37191,14 @@
                       <m:f>
                         <m:fPr>
                           <m:ctrlPr>
-                            <a:rPr lang="fr-CA" i="1">
+                            <a:rPr lang="fr-CA" i="1" noProof="0">
                               <a:latin typeface="Cambria Math" panose="02040503050406030204" pitchFamily="18" charset="0"/>
                             </a:rPr>
                           </m:ctrlPr>
                         </m:fPr>
                         <m:num>
                           <m:r>
-                            <a:rPr lang="fr-CA" i="1">
+                            <a:rPr lang="fr-CA" i="1" noProof="0">
                               <a:latin typeface="Cambria Math" panose="02040503050406030204" pitchFamily="18" charset="0"/>
                             </a:rPr>
                             <m:t>𝑑𝑇</m:t>
@@ -31811,7 +37206,7 @@
                         </m:num>
                         <m:den>
                           <m:r>
-                            <a:rPr lang="fr-CA" i="1">
+                            <a:rPr lang="fr-CA" i="1" noProof="0">
                               <a:latin typeface="Cambria Math" panose="02040503050406030204" pitchFamily="18" charset="0"/>
                             </a:rPr>
                             <m:t>𝑑𝑡</m:t>
@@ -31819,13 +37214,13 @@
                         </m:den>
                       </m:f>
                       <m:r>
-                        <a:rPr lang="fr-CA" i="1">
+                        <a:rPr lang="fr-CA" i="1" noProof="0">
                           <a:latin typeface="Cambria Math" panose="02040503050406030204" pitchFamily="18" charset="0"/>
                         </a:rPr>
                         <m:t>=</m:t>
                       </m:r>
                       <m:r>
-                        <a:rPr lang="fr-CA" b="0" i="1" smtClean="0">
+                        <a:rPr lang="fr-CA" b="0" i="1" noProof="0" smtClean="0">
                           <a:latin typeface="Cambria Math" panose="02040503050406030204" pitchFamily="18" charset="0"/>
                         </a:rPr>
                         <m:t>−</m:t>
@@ -31833,32 +37228,32 @@
                       <m:f>
                         <m:fPr>
                           <m:ctrlPr>
-                            <a:rPr lang="fr-CA" i="1">
+                            <a:rPr lang="fr-CA" i="1" noProof="0">
                               <a:latin typeface="Cambria Math" panose="02040503050406030204" pitchFamily="18" charset="0"/>
                             </a:rPr>
                           </m:ctrlPr>
                         </m:fPr>
                         <m:num>
                           <m:r>
-                            <a:rPr lang="fr-CA" b="0" i="1" smtClean="0">
+                            <a:rPr lang="fr-CA" b="0" i="1" noProof="0" smtClean="0">
                               <a:latin typeface="Cambria Math" panose="02040503050406030204" pitchFamily="18" charset="0"/>
                             </a:rPr>
                             <m:t>𝐻</m:t>
                           </m:r>
                           <m:r>
-                            <a:rPr lang="fr-CA" b="0" i="1" smtClean="0">
+                            <a:rPr lang="fr-CA" b="0" i="1" noProof="0" smtClean="0">
                               <a:latin typeface="Cambria Math" panose="02040503050406030204" pitchFamily="18" charset="0"/>
                             </a:rPr>
                             <m:t>∗(</m:t>
                           </m:r>
                           <m:r>
-                            <a:rPr lang="fr-CA" b="0" i="1" smtClean="0">
+                            <a:rPr lang="fr-CA" b="0" i="1" noProof="0" smtClean="0">
                               <a:latin typeface="Cambria Math" panose="02040503050406030204" pitchFamily="18" charset="0"/>
                             </a:rPr>
                             <m:t>𝑇</m:t>
                           </m:r>
                           <m:r>
-                            <a:rPr lang="fr-CA" b="0" i="1" smtClean="0">
+                            <a:rPr lang="fr-CA" b="0" i="1" noProof="0" smtClean="0">
                               <a:latin typeface="Cambria Math" panose="02040503050406030204" pitchFamily="18" charset="0"/>
                             </a:rPr>
                             <m:t>−</m:t>
@@ -31866,14 +37261,14 @@
                           <m:sSub>
                             <m:sSubPr>
                               <m:ctrlPr>
-                                <a:rPr lang="fr-CA" b="0" i="1" smtClean="0">
+                                <a:rPr lang="fr-CA" b="0" i="1" noProof="0" smtClean="0">
                                   <a:latin typeface="Cambria Math" panose="02040503050406030204" pitchFamily="18" charset="0"/>
                                 </a:rPr>
                               </m:ctrlPr>
                             </m:sSubPr>
                             <m:e>
                               <m:r>
-                                <a:rPr lang="fr-CA" b="0" i="1" smtClean="0">
+                                <a:rPr lang="fr-CA" b="0" i="1" noProof="0" smtClean="0">
                                   <a:latin typeface="Cambria Math" panose="02040503050406030204" pitchFamily="18" charset="0"/>
                                 </a:rPr>
                                 <m:t>𝑇</m:t>
@@ -31881,7 +37276,7 @@
                             </m:e>
                             <m:sub>
                               <m:r>
-                                <a:rPr lang="fr-CA" b="0" i="1" smtClean="0">
+                                <a:rPr lang="fr-CA" b="0" i="1" noProof="0" smtClean="0">
                                   <a:latin typeface="Cambria Math" panose="02040503050406030204" pitchFamily="18" charset="0"/>
                                 </a:rPr>
                                 <m:t>𝑜𝑢𝑡</m:t>
@@ -31889,7 +37284,7 @@
                             </m:sub>
                           </m:sSub>
                           <m:r>
-                            <a:rPr lang="fr-CA" b="0" i="1" smtClean="0">
+                            <a:rPr lang="fr-CA" b="0" i="1" noProof="0" smtClean="0">
                               <a:latin typeface="Cambria Math" panose="02040503050406030204" pitchFamily="18" charset="0"/>
                             </a:rPr>
                             <m:t>)</m:t>
@@ -31899,7 +37294,7 @@
                           <m:sSub>
                             <m:sSubPr>
                               <m:ctrlPr>
-                                <a:rPr lang="fr-CA" i="1">
+                                <a:rPr lang="fr-CA" i="1" noProof="0">
                                   <a:latin typeface="Cambria Math" panose="02040503050406030204" pitchFamily="18" charset="0"/>
                                 </a:rPr>
                               </m:ctrlPr>
@@ -31909,14 +37304,14 @@
                                 <m:accPr>
                                   <m:chr m:val="̇"/>
                                   <m:ctrlPr>
-                                    <a:rPr lang="fr-CA" i="1">
+                                    <a:rPr lang="fr-CA" i="1" noProof="0">
                                       <a:latin typeface="Cambria Math" panose="02040503050406030204" pitchFamily="18" charset="0"/>
                                     </a:rPr>
                                   </m:ctrlPr>
                                 </m:accPr>
                                 <m:e>
                                   <m:r>
-                                    <a:rPr lang="fr-CA" i="1">
+                                    <a:rPr lang="fr-CA" i="1" noProof="0">
                                       <a:latin typeface="Cambria Math" panose="02040503050406030204" pitchFamily="18" charset="0"/>
                                     </a:rPr>
                                     <m:t>𝑚</m:t>
@@ -31924,7 +37319,7 @@
                                 </m:e>
                               </m:acc>
                               <m:r>
-                                <a:rPr lang="fr-CA" i="1">
+                                <a:rPr lang="fr-CA" i="1" noProof="0">
                                   <a:latin typeface="Cambria Math" panose="02040503050406030204" pitchFamily="18" charset="0"/>
                                 </a:rPr>
                                 <m:t>𝐶</m:t>
@@ -31932,7 +37327,7 @@
                             </m:e>
                             <m:sub>
                               <m:r>
-                                <a:rPr lang="fr-CA" i="1">
+                                <a:rPr lang="fr-CA" i="1" noProof="0">
                                   <a:latin typeface="Cambria Math" panose="02040503050406030204" pitchFamily="18" charset="0"/>
                                 </a:rPr>
                                 <m:t>𝑣</m:t>
@@ -31944,7 +37339,7 @@
                     </m:oMath>
                   </m:oMathPara>
                 </a14:m>
-                <a:endParaRPr lang="fr-CA" dirty="0"/>
+                <a:endParaRPr lang="fr-CA" noProof="0" dirty="0"/>
               </a:p>
             </p:txBody>
           </p:sp>
@@ -33026,10 +38421,9 @@
           <a:lstStyle/>
           <a:p>
             <a:r>
-              <a:rPr lang="en" sz="2800" dirty="0"/>
+              <a:rPr lang="fr-CA" sz="2800" noProof="0" dirty="0"/>
               <a:t>Équations du modèle</a:t>
             </a:r>
-            <a:endParaRPr lang="en-CA" sz="2800" dirty="0"/>
           </a:p>
         </p:txBody>
       </p:sp>
@@ -33071,10 +38465,10 @@
                   <a:buNone/>
                 </a:pPr>
                 <a:r>
-                  <a:rPr lang="fr-CA" dirty="0"/>
+                  <a:rPr lang="fr-CA" noProof="0" dirty="0"/>
                   <a:t>Pression dans le système ( accumulation de vapeur dans le dégazeur)</a:t>
                 </a:r>
-                <a:endParaRPr lang="fr-CA" i="1" dirty="0">
+                <a:endParaRPr lang="fr-CA" i="1" noProof="0" dirty="0">
                   <a:latin typeface="Cambria Math" panose="02040503050406030204" pitchFamily="18" charset="0"/>
                 </a:endParaRPr>
               </a:p>
@@ -33092,13 +38486,13 @@
                     </m:oMathParaPr>
                     <m:oMath xmlns:m="http://schemas.openxmlformats.org/officeDocument/2006/math">
                       <m:r>
-                        <a:rPr lang="fr-CA" i="1">
+                        <a:rPr lang="fr-CA" i="1" noProof="0">
                           <a:latin typeface="Cambria Math" panose="02040503050406030204" pitchFamily="18" charset="0"/>
                         </a:rPr>
                         <m:t>𝑃</m:t>
                       </m:r>
                       <m:r>
-                        <a:rPr lang="fr-CA" i="1">
+                        <a:rPr lang="fr-CA" i="1" noProof="0">
                           <a:latin typeface="Cambria Math" panose="02040503050406030204" pitchFamily="18" charset="0"/>
                         </a:rPr>
                         <m:t>=</m:t>
@@ -33106,14 +38500,14 @@
                       <m:sSub>
                         <m:sSubPr>
                           <m:ctrlPr>
-                            <a:rPr lang="fr-CA" i="1">
+                            <a:rPr lang="fr-CA" i="1" noProof="0">
                               <a:latin typeface="Cambria Math" panose="02040503050406030204" pitchFamily="18" charset="0"/>
                             </a:rPr>
                           </m:ctrlPr>
                         </m:sSubPr>
                         <m:e>
                           <m:r>
-                            <a:rPr lang="fr-CA" i="1">
+                            <a:rPr lang="fr-CA" i="1" noProof="0">
                               <a:latin typeface="Cambria Math" panose="02040503050406030204" pitchFamily="18" charset="0"/>
                             </a:rPr>
                             <m:t>𝑃</m:t>
@@ -33121,7 +38515,7 @@
                         </m:e>
                         <m:sub>
                           <m:r>
-                            <a:rPr lang="fr-CA" i="1">
+                            <a:rPr lang="fr-CA" i="1" noProof="0">
                               <a:latin typeface="Cambria Math" panose="02040503050406030204" pitchFamily="18" charset="0"/>
                             </a:rPr>
                             <m:t>𝑖𝑛𝑖𝑡𝑖𝑎𝑙</m:t>
@@ -33129,7 +38523,7 @@
                         </m:sub>
                       </m:sSub>
                       <m:r>
-                        <a:rPr lang="fr-CA" i="1">
+                        <a:rPr lang="fr-CA" i="1" noProof="0">
                           <a:latin typeface="Cambria Math" panose="02040503050406030204" pitchFamily="18" charset="0"/>
                         </a:rPr>
                         <m:t>∗</m:t>
@@ -33137,14 +38531,14 @@
                       <m:f>
                         <m:fPr>
                           <m:ctrlPr>
-                            <a:rPr lang="fr-CA" i="1">
+                            <a:rPr lang="fr-CA" i="1" noProof="0">
                               <a:latin typeface="Cambria Math" panose="02040503050406030204" pitchFamily="18" charset="0"/>
                             </a:rPr>
                           </m:ctrlPr>
                         </m:fPr>
                         <m:num>
                           <m:r>
-                            <a:rPr lang="fr-CA" i="1">
+                            <a:rPr lang="fr-CA" i="1" noProof="0">
                               <a:latin typeface="Cambria Math" panose="02040503050406030204" pitchFamily="18" charset="0"/>
                             </a:rPr>
                             <m:t>𝑇</m:t>
@@ -33154,14 +38548,14 @@
                           <m:sSub>
                             <m:sSubPr>
                               <m:ctrlPr>
-                                <a:rPr lang="fr-CA" i="1">
+                                <a:rPr lang="fr-CA" i="1" noProof="0">
                                   <a:latin typeface="Cambria Math" panose="02040503050406030204" pitchFamily="18" charset="0"/>
                                 </a:rPr>
                               </m:ctrlPr>
                             </m:sSubPr>
                             <m:e>
                               <m:r>
-                                <a:rPr lang="fr-CA" i="1">
+                                <a:rPr lang="fr-CA" i="1" noProof="0">
                                   <a:latin typeface="Cambria Math" panose="02040503050406030204" pitchFamily="18" charset="0"/>
                                 </a:rPr>
                                 <m:t>𝑇</m:t>
@@ -33169,7 +38563,7 @@
                             </m:e>
                             <m:sub>
                               <m:r>
-                                <a:rPr lang="fr-CA" i="1">
+                                <a:rPr lang="fr-CA" i="1" noProof="0">
                                   <a:latin typeface="Cambria Math" panose="02040503050406030204" pitchFamily="18" charset="0"/>
                                 </a:rPr>
                                 <m:t>𝑖𝑛𝑖𝑡𝑖𝑎𝑙</m:t>
@@ -33179,7 +38573,7 @@
                         </m:den>
                       </m:f>
                       <m:r>
-                        <a:rPr lang="fr-CA" i="1">
+                        <a:rPr lang="fr-CA" i="1" noProof="0">
                           <a:latin typeface="Cambria Math" panose="02040503050406030204" pitchFamily="18" charset="0"/>
                         </a:rPr>
                         <m:t>+</m:t>
@@ -33187,7 +38581,7 @@
                       <m:f>
                         <m:fPr>
                           <m:ctrlPr>
-                            <a:rPr lang="fr-CA" i="1">
+                            <a:rPr lang="fr-CA" i="1" noProof="0">
                               <a:latin typeface="Cambria Math" panose="02040503050406030204" pitchFamily="18" charset="0"/>
                             </a:rPr>
                           </m:ctrlPr>
@@ -33196,14 +38590,14 @@
                           <m:sSubSup>
                             <m:sSubSupPr>
                               <m:ctrlPr>
-                                <a:rPr lang="fr-CA" i="1" smtClean="0">
+                                <a:rPr lang="fr-CA" i="1" noProof="0" smtClean="0">
                                   <a:latin typeface="Cambria Math" panose="02040503050406030204" pitchFamily="18" charset="0"/>
                                 </a:rPr>
                               </m:ctrlPr>
                             </m:sSubSupPr>
                             <m:e>
                               <m:r>
-                                <a:rPr lang="fr-CA" b="0" i="1" smtClean="0">
+                                <a:rPr lang="fr-CA" b="0" i="1" noProof="0" smtClean="0">
                                   <a:latin typeface="Cambria Math" panose="02040503050406030204" pitchFamily="18" charset="0"/>
                                 </a:rPr>
                                 <m:t>𝑚</m:t>
@@ -33211,7 +38605,7 @@
                             </m:e>
                             <m:sub>
                               <m:r>
-                                <a:rPr lang="fr-CA" b="0" i="1" smtClean="0">
+                                <a:rPr lang="fr-CA" b="0" i="1" noProof="0" smtClean="0">
                                   <a:latin typeface="Cambria Math" panose="02040503050406030204" pitchFamily="18" charset="0"/>
                                 </a:rPr>
                                 <m:t>𝑣𝑎𝑝</m:t>
@@ -33219,7 +38613,7 @@
                             </m:sub>
                             <m:sup>
                               <m:r>
-                                <a:rPr lang="fr-CA" b="0" i="1" smtClean="0">
+                                <a:rPr lang="fr-CA" b="0" i="1" noProof="0" smtClean="0">
                                   <a:latin typeface="Cambria Math" panose="02040503050406030204" pitchFamily="18" charset="0"/>
                                 </a:rPr>
                                 <m:t>𝑛</m:t>
@@ -33227,7 +38621,7 @@
                             </m:sup>
                           </m:sSubSup>
                           <m:r>
-                            <a:rPr lang="fr-CA" i="1">
+                            <a:rPr lang="fr-CA" i="1" noProof="0">
                               <a:latin typeface="Cambria Math" panose="02040503050406030204" pitchFamily="18" charset="0"/>
                             </a:rPr>
                             <m:t>∗</m:t>
@@ -33235,14 +38629,14 @@
                           <m:sSub>
                             <m:sSubPr>
                               <m:ctrlPr>
-                                <a:rPr lang="fr-CA" i="1" smtClean="0">
+                                <a:rPr lang="fr-CA" i="1" noProof="0" smtClean="0">
                                   <a:latin typeface="Cambria Math" panose="02040503050406030204" pitchFamily="18" charset="0"/>
                                 </a:rPr>
                               </m:ctrlPr>
                             </m:sSubPr>
                             <m:e>
                               <m:r>
-                                <a:rPr lang="fr-CA" b="0" i="1" smtClean="0">
+                                <a:rPr lang="fr-CA" b="0" i="1" noProof="0" smtClean="0">
                                   <a:latin typeface="Cambria Math" panose="02040503050406030204" pitchFamily="18" charset="0"/>
                                 </a:rPr>
                                 <m:t>𝑅</m:t>
@@ -33250,7 +38644,7 @@
                             </m:e>
                             <m:sub>
                               <m:r>
-                                <a:rPr lang="fr-CA" b="0" i="1" smtClean="0">
+                                <a:rPr lang="fr-CA" b="0" i="1" noProof="0" smtClean="0">
                                   <a:latin typeface="Cambria Math" panose="02040503050406030204" pitchFamily="18" charset="0"/>
                                 </a:rPr>
                                 <m:t>𝑠𝑝𝑒𝑐</m:t>
@@ -33258,13 +38652,13 @@
                             </m:sub>
                           </m:sSub>
                           <m:r>
-                            <a:rPr lang="fr-CA" i="1">
+                            <a:rPr lang="fr-CA" i="1" noProof="0">
                               <a:latin typeface="Cambria Math" panose="02040503050406030204" pitchFamily="18" charset="0"/>
                             </a:rPr>
                             <m:t>∗</m:t>
                           </m:r>
                           <m:r>
-                            <a:rPr lang="fr-CA" i="1">
+                            <a:rPr lang="fr-CA" i="1" noProof="0">
                               <a:latin typeface="Cambria Math" panose="02040503050406030204" pitchFamily="18" charset="0"/>
                             </a:rPr>
                             <m:t>𝑇</m:t>
@@ -33273,7 +38667,7 @@
                             <m:rPr>
                               <m:nor/>
                             </m:rPr>
-                            <a:rPr lang="fr-CA" dirty="0"/>
+                            <a:rPr lang="fr-CA" noProof="0"/>
                             <m:t> </m:t>
                           </m:r>
                         </m:num>
@@ -33281,14 +38675,14 @@
                           <m:sSub>
                             <m:sSubPr>
                               <m:ctrlPr>
-                                <a:rPr lang="fr-CA" i="1">
+                                <a:rPr lang="fr-CA" i="1" noProof="0">
                                   <a:latin typeface="Cambria Math" panose="02040503050406030204" pitchFamily="18" charset="0"/>
                                 </a:rPr>
                               </m:ctrlPr>
                             </m:sSubPr>
                             <m:e>
                               <m:r>
-                                <a:rPr lang="fr-CA" i="1">
+                                <a:rPr lang="fr-CA" i="1" noProof="0">
                                   <a:latin typeface="Cambria Math" panose="02040503050406030204" pitchFamily="18" charset="0"/>
                                 </a:rPr>
                                 <m:t>𝑉</m:t>
@@ -33296,7 +38690,7 @@
                             </m:e>
                             <m:sub>
                               <m:r>
-                                <a:rPr lang="fr-CA" i="1">
+                                <a:rPr lang="fr-CA" i="1" noProof="0">
                                   <a:latin typeface="Cambria Math" panose="02040503050406030204" pitchFamily="18" charset="0"/>
                                 </a:rPr>
                                 <m:t>𝑔𝑎𝑧</m:t>
@@ -33308,7 +38702,7 @@
                     </m:oMath>
                   </m:oMathPara>
                 </a14:m>
-                <a:endParaRPr lang="en-CA" dirty="0"/>
+                <a:endParaRPr lang="fr-CA" noProof="0" dirty="0"/>
               </a:p>
               <a:p>
                 <a:pPr marL="0" indent="0" algn="ctr">
@@ -33326,14 +38720,14 @@
                       <m:sSubSup>
                         <m:sSubSupPr>
                           <m:ctrlPr>
-                            <a:rPr lang="fr-CA" i="1">
+                            <a:rPr lang="fr-CA" i="1" noProof="0">
                               <a:latin typeface="Cambria Math" panose="02040503050406030204" pitchFamily="18" charset="0"/>
                             </a:rPr>
                           </m:ctrlPr>
                         </m:sSubSupPr>
                         <m:e>
                           <m:r>
-                            <a:rPr lang="fr-CA" i="1">
+                            <a:rPr lang="fr-CA" i="1" noProof="0">
                               <a:latin typeface="Cambria Math" panose="02040503050406030204" pitchFamily="18" charset="0"/>
                             </a:rPr>
                             <m:t>𝑚</m:t>
@@ -33341,7 +38735,7 @@
                         </m:e>
                         <m:sub>
                           <m:r>
-                            <a:rPr lang="fr-CA" i="1">
+                            <a:rPr lang="fr-CA" i="1" noProof="0">
                               <a:latin typeface="Cambria Math" panose="02040503050406030204" pitchFamily="18" charset="0"/>
                             </a:rPr>
                             <m:t>𝑣𝑎𝑝</m:t>
@@ -33349,7 +38743,7 @@
                         </m:sub>
                         <m:sup>
                           <m:r>
-                            <a:rPr lang="fr-CA" i="1">
+                            <a:rPr lang="fr-CA" i="1" noProof="0">
                               <a:latin typeface="Cambria Math" panose="02040503050406030204" pitchFamily="18" charset="0"/>
                             </a:rPr>
                             <m:t>𝑛</m:t>
@@ -33357,7 +38751,7 @@
                         </m:sup>
                       </m:sSubSup>
                       <m:r>
-                        <a:rPr lang="fr-CA" i="1">
+                        <a:rPr lang="fr-CA" i="1" noProof="0">
                           <a:latin typeface="Cambria Math" panose="02040503050406030204" pitchFamily="18" charset="0"/>
                         </a:rPr>
                         <m:t>=</m:t>
@@ -33368,7 +38762,7 @@
                           <m:subHide m:val="on"/>
                           <m:supHide m:val="on"/>
                           <m:ctrlPr>
-                            <a:rPr lang="fr-CA" i="1" smtClean="0">
+                            <a:rPr lang="fr-CA" i="1" noProof="0" smtClean="0">
                               <a:latin typeface="Cambria Math" panose="02040503050406030204" pitchFamily="18" charset="0"/>
                             </a:rPr>
                           </m:ctrlPr>
@@ -33377,7 +38771,7 @@
                         <m:sup/>
                         <m:e>
                           <m:r>
-                            <a:rPr lang="fr-CA" b="0" i="1" smtClean="0">
+                            <a:rPr lang="fr-CA" b="0" i="1" noProof="0" smtClean="0">
                               <a:latin typeface="Cambria Math" panose="02040503050406030204" pitchFamily="18" charset="0"/>
                             </a:rPr>
                             <m:t>𝑋</m:t>
@@ -33388,14 +38782,14 @@
                         <m:accPr>
                           <m:chr m:val="̇"/>
                           <m:ctrlPr>
-                            <a:rPr lang="fr-CA" i="1" smtClean="0">
+                            <a:rPr lang="fr-CA" i="1" noProof="0" smtClean="0">
                               <a:latin typeface="Cambria Math" panose="02040503050406030204" pitchFamily="18" charset="0"/>
                             </a:rPr>
                           </m:ctrlPr>
                         </m:accPr>
                         <m:e>
                           <m:r>
-                            <a:rPr lang="fr-CA" b="0" i="1" smtClean="0">
+                            <a:rPr lang="fr-CA" b="0" i="1" noProof="0" smtClean="0">
                               <a:latin typeface="Cambria Math" panose="02040503050406030204" pitchFamily="18" charset="0"/>
                             </a:rPr>
                             <m:t>𝑚</m:t>
@@ -33403,7 +38797,7 @@
                         </m:e>
                       </m:acc>
                       <m:r>
-                        <a:rPr lang="fr-CA" b="0" i="1" smtClean="0">
+                        <a:rPr lang="fr-CA" b="0" i="1" noProof="0" smtClean="0">
                           <a:latin typeface="Cambria Math" panose="02040503050406030204" pitchFamily="18" charset="0"/>
                         </a:rPr>
                         <m:t>−</m:t>
@@ -33411,7 +38805,7 @@
                       <m:f>
                         <m:fPr>
                           <m:ctrlPr>
-                            <a:rPr lang="fr-CA" b="0" i="1" smtClean="0">
+                            <a:rPr lang="fr-CA" b="0" i="1" noProof="0" smtClean="0">
                               <a:latin typeface="Cambria Math" panose="02040503050406030204" pitchFamily="18" charset="0"/>
                             </a:rPr>
                           </m:ctrlPr>
@@ -33420,7 +38814,7 @@
                           <m:sSub>
                             <m:sSubPr>
                               <m:ctrlPr>
-                                <a:rPr lang="fr-CA" i="1">
+                                <a:rPr lang="fr-CA" i="1" noProof="0">
                                   <a:latin typeface="Cambria Math" panose="02040503050406030204" pitchFamily="18" charset="0"/>
                                 </a:rPr>
                               </m:ctrlPr>
@@ -33430,14 +38824,14 @@
                                 <m:accPr>
                                   <m:chr m:val="̇"/>
                                   <m:ctrlPr>
-                                    <a:rPr lang="fr-CA" i="1">
+                                    <a:rPr lang="fr-CA" i="1" noProof="0">
                                       <a:latin typeface="Cambria Math" panose="02040503050406030204" pitchFamily="18" charset="0"/>
                                     </a:rPr>
                                   </m:ctrlPr>
                                 </m:accPr>
                                 <m:e>
                                   <m:r>
-                                    <a:rPr lang="fr-CA" i="1">
+                                    <a:rPr lang="fr-CA" i="1" noProof="0">
                                       <a:latin typeface="Cambria Math" panose="02040503050406030204" pitchFamily="18" charset="0"/>
                                     </a:rPr>
                                     <m:t>𝑄</m:t>
@@ -33447,7 +38841,7 @@
                             </m:e>
                             <m:sub>
                               <m:r>
-                                <a:rPr lang="fr-CA" i="1">
+                                <a:rPr lang="fr-CA" i="1" noProof="0">
                                   <a:latin typeface="Cambria Math" panose="02040503050406030204" pitchFamily="18" charset="0"/>
                                 </a:rPr>
                                 <m:t>𝑜𝑢𝑡</m:t>
@@ -33459,14 +38853,14 @@
                           <m:sSub>
                             <m:sSubPr>
                               <m:ctrlPr>
-                                <a:rPr lang="fr-CA" i="1">
+                                <a:rPr lang="fr-CA" i="1" noProof="0">
                                   <a:latin typeface="Cambria Math" panose="02040503050406030204" pitchFamily="18" charset="0"/>
                                 </a:rPr>
                               </m:ctrlPr>
                             </m:sSubPr>
                             <m:e>
                               <m:r>
-                                <a:rPr lang="fr-CA" i="1">
+                                <a:rPr lang="fr-CA" i="1" noProof="0">
                                   <a:latin typeface="Cambria Math" panose="02040503050406030204" pitchFamily="18" charset="0"/>
                                 </a:rPr>
                                 <m:t>𝐸</m:t>
@@ -33474,7 +38868,7 @@
                             </m:e>
                             <m:sub>
                               <m:r>
-                                <a:rPr lang="fr-CA" i="1">
+                                <a:rPr lang="fr-CA" i="1" noProof="0">
                                   <a:latin typeface="Cambria Math" panose="02040503050406030204" pitchFamily="18" charset="0"/>
                                 </a:rPr>
                                 <m:t>𝑣𝑎𝑝</m:t>
@@ -33484,13 +38878,13 @@
                         </m:den>
                       </m:f>
                       <m:r>
-                        <a:rPr lang="fr-CA" b="0" i="1" smtClean="0">
+                        <a:rPr lang="fr-CA" b="0" i="1" noProof="0" smtClean="0">
                           <a:latin typeface="Cambria Math" panose="02040503050406030204" pitchFamily="18" charset="0"/>
                         </a:rPr>
                         <m:t> </m:t>
                       </m:r>
                       <m:r>
-                        <a:rPr lang="fr-CA" b="0" i="1" smtClean="0">
+                        <a:rPr lang="fr-CA" b="0" i="1" noProof="0" smtClean="0">
                           <a:latin typeface="Cambria Math" panose="02040503050406030204" pitchFamily="18" charset="0"/>
                         </a:rPr>
                         <m:t>𝑑𝑡</m:t>
@@ -33498,7 +38892,7 @@
                     </m:oMath>
                   </m:oMathPara>
                 </a14:m>
-                <a:endParaRPr lang="en-CA" dirty="0"/>
+                <a:endParaRPr lang="fr-CA" noProof="0" dirty="0"/>
               </a:p>
               <a:p>
                 <a:pPr marL="0" indent="0" algn="ctr">
@@ -33507,7 +38901,7 @@
                   </a:spcAft>
                   <a:buNone/>
                 </a:pPr>
-                <a:endParaRPr lang="en-CA" dirty="0"/>
+                <a:endParaRPr lang="fr-CA" noProof="0" dirty="0"/>
               </a:p>
             </p:txBody>
           </p:sp>
@@ -34533,19 +39927,7 @@
                         <a:rPr lang="fr-CA" b="0" i="1" smtClean="0">
                           <a:latin typeface="Cambria Math" panose="02040503050406030204" pitchFamily="18" charset="0"/>
                         </a:rPr>
-                        <m:t>𝑐</m:t>
-                      </m:r>
-                      <m:r>
-                        <a:rPr lang="fr-CA" b="0" i="1" smtClean="0">
-                          <a:latin typeface="Cambria Math" panose="02040503050406030204" pitchFamily="18" charset="0"/>
-                        </a:rPr>
-                        <m:t>h</m:t>
-                      </m:r>
-                      <m:r>
-                        <a:rPr lang="fr-CA" b="0" i="1" smtClean="0">
-                          <a:latin typeface="Cambria Math" panose="02040503050406030204" pitchFamily="18" charset="0"/>
-                        </a:rPr>
-                        <m:t>𝑎𝑙𝑒𝑢𝑟</m:t>
+                        <m:t>𝑐h𝑎𝑙𝑒𝑢𝑟</m:t>
                       </m:r>
                       <m:r>
                         <a:rPr lang="fr-CA" b="0" i="1" smtClean="0">
@@ -34876,19 +40258,19 @@
 
 <file path=ppt/tags/tag33.xml><?xml version="1.0" encoding="utf-8"?>
 <p:tagLst xmlns:a="http://schemas.openxmlformats.org/drawingml/2006/main" xmlns:r="http://schemas.openxmlformats.org/officeDocument/2006/relationships" xmlns:p="http://schemas.openxmlformats.org/presentationml/2006/main">
-  <p:tag name="NUM" val="2"/>
+  <p:tag name="NUM" val="1"/>
 </p:tagLst>
 </file>
 
 <file path=ppt/tags/tag34.xml><?xml version="1.0" encoding="utf-8"?>
 <p:tagLst xmlns:a="http://schemas.openxmlformats.org/drawingml/2006/main" xmlns:r="http://schemas.openxmlformats.org/officeDocument/2006/relationships" xmlns:p="http://schemas.openxmlformats.org/presentationml/2006/main">
-  <p:tag name="NUM" val="3"/>
+  <p:tag name="NUM" val="2"/>
 </p:tagLst>
 </file>
 
 <file path=ppt/tags/tag35.xml><?xml version="1.0" encoding="utf-8"?>
 <p:tagLst xmlns:a="http://schemas.openxmlformats.org/drawingml/2006/main" xmlns:r="http://schemas.openxmlformats.org/officeDocument/2006/relationships" xmlns:p="http://schemas.openxmlformats.org/presentationml/2006/main">
-  <p:tag name="NUM" val="4"/>
+  <p:tag name="NUM" val="3"/>
 </p:tagLst>
 </file>
 
@@ -34924,13 +40306,13 @@
 
 <file path=ppt/tags/tag40.xml><?xml version="1.0" encoding="utf-8"?>
 <p:tagLst xmlns:a="http://schemas.openxmlformats.org/drawingml/2006/main" xmlns:r="http://schemas.openxmlformats.org/officeDocument/2006/relationships" xmlns:p="http://schemas.openxmlformats.org/presentationml/2006/main">
-  <p:tag name="NUM" val="2"/>
+  <p:tag name="NUM" val="1"/>
 </p:tagLst>
 </file>
 
 <file path=ppt/tags/tag41.xml><?xml version="1.0" encoding="utf-8"?>
 <p:tagLst xmlns:a="http://schemas.openxmlformats.org/drawingml/2006/main" xmlns:r="http://schemas.openxmlformats.org/officeDocument/2006/relationships" xmlns:p="http://schemas.openxmlformats.org/presentationml/2006/main">
-  <p:tag name="NUM" val="3"/>
+  <p:tag name="NUM" val="1"/>
 </p:tagLst>
 </file>
 
@@ -34942,13 +40324,13 @@
 
 <file path=ppt/tags/tag43.xml><?xml version="1.0" encoding="utf-8"?>
 <p:tagLst xmlns:a="http://schemas.openxmlformats.org/drawingml/2006/main" xmlns:r="http://schemas.openxmlformats.org/officeDocument/2006/relationships" xmlns:p="http://schemas.openxmlformats.org/presentationml/2006/main">
-  <p:tag name="NUM" val="2"/>
+  <p:tag name="NUM" val="3"/>
 </p:tagLst>
 </file>
 
 <file path=ppt/tags/tag44.xml><?xml version="1.0" encoding="utf-8"?>
 <p:tagLst xmlns:a="http://schemas.openxmlformats.org/drawingml/2006/main" xmlns:r="http://schemas.openxmlformats.org/officeDocument/2006/relationships" xmlns:p="http://schemas.openxmlformats.org/presentationml/2006/main">
-  <p:tag name="NUM" val="3"/>
+  <p:tag name="NUM" val="4"/>
 </p:tagLst>
 </file>
 
@@ -34988,75 +40370,9 @@
 </p:tagLst>
 </file>
 
-<file path=ppt/tags/tag50.xml><?xml version="1.0" encoding="utf-8"?>
-<p:tagLst xmlns:a="http://schemas.openxmlformats.org/drawingml/2006/main" xmlns:r="http://schemas.openxmlformats.org/officeDocument/2006/relationships" xmlns:p="http://schemas.openxmlformats.org/presentationml/2006/main">
-  <p:tag name="NUM" val="3"/>
-</p:tagLst>
-</file>
-
-<file path=ppt/tags/tag51.xml><?xml version="1.0" encoding="utf-8"?>
-<p:tagLst xmlns:a="http://schemas.openxmlformats.org/drawingml/2006/main" xmlns:r="http://schemas.openxmlformats.org/officeDocument/2006/relationships" xmlns:p="http://schemas.openxmlformats.org/presentationml/2006/main">
-  <p:tag name="NUM" val="1"/>
-</p:tagLst>
-</file>
-
-<file path=ppt/tags/tag52.xml><?xml version="1.0" encoding="utf-8"?>
-<p:tagLst xmlns:a="http://schemas.openxmlformats.org/drawingml/2006/main" xmlns:r="http://schemas.openxmlformats.org/officeDocument/2006/relationships" xmlns:p="http://schemas.openxmlformats.org/presentationml/2006/main">
-  <p:tag name="NUM" val="2"/>
-</p:tagLst>
-</file>
-
-<file path=ppt/tags/tag53.xml><?xml version="1.0" encoding="utf-8"?>
-<p:tagLst xmlns:a="http://schemas.openxmlformats.org/drawingml/2006/main" xmlns:r="http://schemas.openxmlformats.org/officeDocument/2006/relationships" xmlns:p="http://schemas.openxmlformats.org/presentationml/2006/main">
-  <p:tag name="NUM" val="3"/>
-</p:tagLst>
-</file>
-
-<file path=ppt/tags/tag54.xml><?xml version="1.0" encoding="utf-8"?>
-<p:tagLst xmlns:a="http://schemas.openxmlformats.org/drawingml/2006/main" xmlns:r="http://schemas.openxmlformats.org/officeDocument/2006/relationships" xmlns:p="http://schemas.openxmlformats.org/presentationml/2006/main">
-  <p:tag name="NUM" val="4"/>
-</p:tagLst>
-</file>
-
-<file path=ppt/tags/tag55.xml><?xml version="1.0" encoding="utf-8"?>
-<p:tagLst xmlns:a="http://schemas.openxmlformats.org/drawingml/2006/main" xmlns:r="http://schemas.openxmlformats.org/officeDocument/2006/relationships" xmlns:p="http://schemas.openxmlformats.org/presentationml/2006/main">
-  <p:tag name="NUM" val="5"/>
-</p:tagLst>
-</file>
-
-<file path=ppt/tags/tag56.xml><?xml version="1.0" encoding="utf-8"?>
-<p:tagLst xmlns:a="http://schemas.openxmlformats.org/drawingml/2006/main" xmlns:r="http://schemas.openxmlformats.org/officeDocument/2006/relationships" xmlns:p="http://schemas.openxmlformats.org/presentationml/2006/main">
-  <p:tag name="NUM" val="1"/>
-</p:tagLst>
-</file>
-
-<file path=ppt/tags/tag57.xml><?xml version="1.0" encoding="utf-8"?>
-<p:tagLst xmlns:a="http://schemas.openxmlformats.org/drawingml/2006/main" xmlns:r="http://schemas.openxmlformats.org/officeDocument/2006/relationships" xmlns:p="http://schemas.openxmlformats.org/presentationml/2006/main">
-  <p:tag name="NUM" val="2"/>
-</p:tagLst>
-</file>
-
-<file path=ppt/tags/tag58.xml><?xml version="1.0" encoding="utf-8"?>
-<p:tagLst xmlns:a="http://schemas.openxmlformats.org/drawingml/2006/main" xmlns:r="http://schemas.openxmlformats.org/officeDocument/2006/relationships" xmlns:p="http://schemas.openxmlformats.org/presentationml/2006/main">
-  <p:tag name="NUM" val="3"/>
-</p:tagLst>
-</file>
-
-<file path=ppt/tags/tag59.xml><?xml version="1.0" encoding="utf-8"?>
-<p:tagLst xmlns:a="http://schemas.openxmlformats.org/drawingml/2006/main" xmlns:r="http://schemas.openxmlformats.org/officeDocument/2006/relationships" xmlns:p="http://schemas.openxmlformats.org/presentationml/2006/main">
-  <p:tag name="NUM" val="1"/>
-</p:tagLst>
-</file>
-
 <file path=ppt/tags/tag6.xml><?xml version="1.0" encoding="utf-8"?>
 <p:tagLst xmlns:a="http://schemas.openxmlformats.org/drawingml/2006/main" xmlns:r="http://schemas.openxmlformats.org/officeDocument/2006/relationships" xmlns:p="http://schemas.openxmlformats.org/presentationml/2006/main">
   <p:tag name="NUM" val="1"/>
-</p:tagLst>
-</file>
-
-<file path=ppt/tags/tag60.xml><?xml version="1.0" encoding="utf-8"?>
-<p:tagLst xmlns:a="http://schemas.openxmlformats.org/drawingml/2006/main" xmlns:r="http://schemas.openxmlformats.org/officeDocument/2006/relationships" xmlns:p="http://schemas.openxmlformats.org/presentationml/2006/main">
-  <p:tag name="NUM" val="2"/>
 </p:tagLst>
 </file>
 

--- a/Presentation-projet-de-session.pptx
+++ b/Presentation-projet-de-session.pptx
@@ -5,7 +5,7 @@
     <p:sldMasterId id="2147483659" r:id="rId1"/>
   </p:sldMasterIdLst>
   <p:notesMasterIdLst>
-    <p:notesMasterId r:id="rId34"/>
+    <p:notesMasterId r:id="rId36"/>
   </p:notesMasterIdLst>
   <p:sldIdLst>
     <p:sldId id="256" r:id="rId2"/>
@@ -29,50 +29,52 @@
     <p:sldId id="289" r:id="rId20"/>
     <p:sldId id="270" r:id="rId21"/>
     <p:sldId id="271" r:id="rId22"/>
-    <p:sldId id="290" r:id="rId23"/>
-    <p:sldId id="272" r:id="rId24"/>
-    <p:sldId id="273" r:id="rId25"/>
-    <p:sldId id="274" r:id="rId26"/>
-    <p:sldId id="275" r:id="rId27"/>
-    <p:sldId id="276" r:id="rId28"/>
-    <p:sldId id="277" r:id="rId29"/>
-    <p:sldId id="291" r:id="rId30"/>
-    <p:sldId id="278" r:id="rId31"/>
-    <p:sldId id="279" r:id="rId32"/>
-    <p:sldId id="280" r:id="rId33"/>
+    <p:sldId id="293" r:id="rId23"/>
+    <p:sldId id="290" r:id="rId24"/>
+    <p:sldId id="272" r:id="rId25"/>
+    <p:sldId id="273" r:id="rId26"/>
+    <p:sldId id="274" r:id="rId27"/>
+    <p:sldId id="275" r:id="rId28"/>
+    <p:sldId id="276" r:id="rId29"/>
+    <p:sldId id="277" r:id="rId30"/>
+    <p:sldId id="291" r:id="rId31"/>
+    <p:sldId id="278" r:id="rId32"/>
+    <p:sldId id="279" r:id="rId33"/>
+    <p:sldId id="292" r:id="rId34"/>
+    <p:sldId id="280" r:id="rId35"/>
   </p:sldIdLst>
   <p:sldSz cx="9144000" cy="5143500" type="screen16x9"/>
   <p:notesSz cx="6858000" cy="9144000"/>
   <p:embeddedFontLst>
     <p:embeddedFont>
       <p:font typeface="Calibri" panose="020F0502020204030204" pitchFamily="34" charset="0"/>
-      <p:regular r:id="rId35"/>
-      <p:bold r:id="rId36"/>
-      <p:italic r:id="rId37"/>
-      <p:boldItalic r:id="rId38"/>
+      <p:regular r:id="rId37"/>
+      <p:bold r:id="rId38"/>
+      <p:italic r:id="rId39"/>
+      <p:boldItalic r:id="rId40"/>
     </p:embeddedFont>
     <p:embeddedFont>
       <p:font typeface="Cambria Math" panose="02040503050406030204" pitchFamily="18" charset="0"/>
-      <p:regular r:id="rId39"/>
+      <p:regular r:id="rId41"/>
     </p:embeddedFont>
     <p:embeddedFont>
       <p:font typeface="Lato" panose="020B0604020202020204" charset="0"/>
-      <p:regular r:id="rId40"/>
-      <p:bold r:id="rId41"/>
-      <p:italic r:id="rId42"/>
-      <p:boldItalic r:id="rId43"/>
+      <p:regular r:id="rId42"/>
+      <p:bold r:id="rId43"/>
+      <p:italic r:id="rId44"/>
+      <p:boldItalic r:id="rId45"/>
     </p:embeddedFont>
     <p:embeddedFont>
       <p:font typeface="Leelawadee" panose="020B0502040204020203" pitchFamily="34" charset="-34"/>
-      <p:regular r:id="rId44"/>
-      <p:bold r:id="rId45"/>
+      <p:regular r:id="rId46"/>
+      <p:bold r:id="rId47"/>
     </p:embeddedFont>
     <p:embeddedFont>
       <p:font typeface="Montserrat" panose="020B0604020202020204" charset="0"/>
-      <p:regular r:id="rId46"/>
-      <p:bold r:id="rId47"/>
-      <p:italic r:id="rId48"/>
-      <p:boldItalic r:id="rId49"/>
+      <p:regular r:id="rId48"/>
+      <p:bold r:id="rId49"/>
+      <p:italic r:id="rId50"/>
+      <p:boldItalic r:id="rId51"/>
     </p:embeddedFont>
   </p:embeddedFontLst>
   <p:defaultTextStyle>
@@ -346,6 +348,7 @@
             <p14:sldId id="289"/>
             <p14:sldId id="270"/>
             <p14:sldId id="271"/>
+            <p14:sldId id="293"/>
           </p14:sldIdLst>
         </p14:section>
         <p14:section name="Propagation des incertitudes" id="{47FFA5EE-ECDC-4BB7-949F-BD6A4F888228}">
@@ -364,6 +367,11 @@
             <p14:sldId id="291"/>
             <p14:sldId id="278"/>
             <p14:sldId id="279"/>
+          </p14:sldIdLst>
+        </p14:section>
+        <p14:section name="Prédiction" id="{91E95C82-07BB-4105-9D99-55F76213AB4D}">
+          <p14:sldIdLst>
+            <p14:sldId id="292"/>
           </p14:sldIdLst>
         </p14:section>
         <p14:section name="Conclusion" id="{4AE7BFB5-CDDA-4745-8E6E-3F448DE84E28}">
@@ -394,7 +402,1293 @@
 <file path=ppt/charts/chart1.xml><?xml version="1.0" encoding="utf-8"?>
 <c:chartSpace xmlns:c="http://schemas.openxmlformats.org/drawingml/2006/chart" xmlns:a="http://schemas.openxmlformats.org/drawingml/2006/main" xmlns:r="http://schemas.openxmlformats.org/officeDocument/2006/relationships" xmlns:c16r2="http://schemas.microsoft.com/office/drawing/2015/06/chart">
   <c:date1904 val="0"/>
-  <c:lang val="en-US"/>
+  <c:lang val="fr-FR"/>
+  <c:roundedCorners val="0"/>
+  <mc:AlternateContent xmlns:mc="http://schemas.openxmlformats.org/markup-compatibility/2006">
+    <mc:Choice xmlns:c14="http://schemas.microsoft.com/office/drawing/2007/8/2/chart" Requires="c14">
+      <c14:style val="102"/>
+    </mc:Choice>
+    <mc:Fallback>
+      <c:style val="2"/>
+    </mc:Fallback>
+  </mc:AlternateContent>
+  <c:chart>
+    <c:title>
+      <c:tx>
+        <c:rich>
+          <a:bodyPr rot="0" spcFirstLastPara="1" vertOverflow="ellipsis" vert="horz" wrap="square" anchor="ctr" anchorCtr="1"/>
+          <a:lstStyle/>
+          <a:p>
+            <a:pPr>
+              <a:defRPr sz="1400" b="0" i="0" u="none" strike="noStrike" kern="1200" spc="0" baseline="0">
+                <a:solidFill>
+                  <a:schemeClr val="tx1">
+                    <a:lumMod val="65000"/>
+                    <a:lumOff val="35000"/>
+                  </a:schemeClr>
+                </a:solidFill>
+                <a:latin typeface="+mn-lt"/>
+                <a:ea typeface="+mn-ea"/>
+                <a:cs typeface="+mn-cs"/>
+              </a:defRPr>
+            </a:pPr>
+            <a:r>
+              <a:rPr lang="en-CA" dirty="0">
+                <a:solidFill>
+                  <a:schemeClr val="bg1"/>
+                </a:solidFill>
+              </a:rPr>
+              <a:t>Convergence de la </a:t>
+            </a:r>
+            <a:r>
+              <a:rPr lang="en-CA" dirty="0" err="1">
+                <a:solidFill>
+                  <a:schemeClr val="bg1"/>
+                </a:solidFill>
+              </a:rPr>
+              <a:t>température</a:t>
+            </a:r>
+            <a:r>
+              <a:rPr lang="en-CA" baseline="0" dirty="0">
+                <a:solidFill>
+                  <a:schemeClr val="bg1"/>
+                </a:solidFill>
+              </a:rPr>
+              <a:t> </a:t>
+            </a:r>
+            <a:r>
+              <a:rPr lang="en-CA" baseline="0" dirty="0" err="1">
+                <a:solidFill>
+                  <a:schemeClr val="bg1"/>
+                </a:solidFill>
+              </a:rPr>
+              <a:t>moyenne</a:t>
+            </a:r>
+            <a:r>
+              <a:rPr lang="en-CA" baseline="0" dirty="0">
+                <a:solidFill>
+                  <a:schemeClr val="bg1"/>
+                </a:solidFill>
+              </a:rPr>
+              <a:t> après 50</a:t>
+            </a:r>
+            <a:r>
+              <a:rPr lang="en-CA" dirty="0">
+                <a:solidFill>
+                  <a:schemeClr val="bg1"/>
+                </a:solidFill>
+              </a:rPr>
+              <a:t> </a:t>
+            </a:r>
+            <a:r>
+              <a:rPr lang="en-CA" dirty="0" err="1">
+                <a:solidFill>
+                  <a:schemeClr val="bg1"/>
+                </a:solidFill>
+              </a:rPr>
+              <a:t>secondes</a:t>
+            </a:r>
+            <a:r>
+              <a:rPr lang="en-CA" dirty="0">
+                <a:solidFill>
+                  <a:schemeClr val="bg1"/>
+                </a:solidFill>
+              </a:rPr>
+              <a:t> </a:t>
+            </a:r>
+            <a:r>
+              <a:rPr lang="en-CA" dirty="0" err="1">
+                <a:solidFill>
+                  <a:schemeClr val="bg1"/>
+                </a:solidFill>
+              </a:rPr>
+              <a:t>en</a:t>
+            </a:r>
+            <a:r>
+              <a:rPr lang="en-CA" dirty="0">
+                <a:solidFill>
+                  <a:schemeClr val="bg1"/>
+                </a:solidFill>
+              </a:rPr>
+              <a:t> </a:t>
+            </a:r>
+            <a:r>
+              <a:rPr lang="en-CA" dirty="0" err="1">
+                <a:solidFill>
+                  <a:schemeClr val="bg1"/>
+                </a:solidFill>
+              </a:rPr>
+              <a:t>fonction</a:t>
+            </a:r>
+            <a:r>
+              <a:rPr lang="en-CA" dirty="0">
+                <a:solidFill>
+                  <a:schemeClr val="bg1"/>
+                </a:solidFill>
+              </a:rPr>
+              <a:t> de</a:t>
+            </a:r>
+            <a:r>
+              <a:rPr lang="en-CA" baseline="0" dirty="0">
+                <a:solidFill>
+                  <a:schemeClr val="bg1"/>
+                </a:solidFill>
+              </a:rPr>
+              <a:t> la </a:t>
+            </a:r>
+            <a:r>
+              <a:rPr lang="en-CA" baseline="0" dirty="0" err="1">
+                <a:solidFill>
+                  <a:schemeClr val="bg1"/>
+                </a:solidFill>
+              </a:rPr>
+              <a:t>discrétisation</a:t>
+            </a:r>
+            <a:endParaRPr lang="en-CA" dirty="0">
+              <a:solidFill>
+                <a:schemeClr val="bg1"/>
+              </a:solidFill>
+            </a:endParaRPr>
+          </a:p>
+        </c:rich>
+      </c:tx>
+      <c:overlay val="0"/>
+      <c:spPr>
+        <a:noFill/>
+        <a:ln>
+          <a:noFill/>
+        </a:ln>
+        <a:effectLst/>
+      </c:spPr>
+      <c:txPr>
+        <a:bodyPr rot="0" spcFirstLastPara="1" vertOverflow="ellipsis" vert="horz" wrap="square" anchor="ctr" anchorCtr="1"/>
+        <a:lstStyle/>
+        <a:p>
+          <a:pPr>
+            <a:defRPr sz="1400" b="0" i="0" u="none" strike="noStrike" kern="1200" spc="0" baseline="0">
+              <a:solidFill>
+                <a:schemeClr val="tx1">
+                  <a:lumMod val="65000"/>
+                  <a:lumOff val="35000"/>
+                </a:schemeClr>
+              </a:solidFill>
+              <a:latin typeface="+mn-lt"/>
+              <a:ea typeface="+mn-ea"/>
+              <a:cs typeface="+mn-cs"/>
+            </a:defRPr>
+          </a:pPr>
+          <a:endParaRPr lang="en-US"/>
+        </a:p>
+      </c:txPr>
+    </c:title>
+    <c:autoTitleDeleted val="0"/>
+    <c:plotArea>
+      <c:layout/>
+      <c:scatterChart>
+        <c:scatterStyle val="smoothMarker"/>
+        <c:varyColors val="0"/>
+        <c:ser>
+          <c:idx val="1"/>
+          <c:order val="1"/>
+          <c:tx>
+            <c:v>Ordre de convergence</c:v>
+          </c:tx>
+          <c:spPr>
+            <a:ln w="19050" cap="rnd">
+              <a:solidFill>
+                <a:schemeClr val="accent2"/>
+              </a:solidFill>
+              <a:round/>
+            </a:ln>
+            <a:effectLst/>
+          </c:spPr>
+          <c:marker>
+            <c:symbol val="circle"/>
+            <c:size val="5"/>
+            <c:spPr>
+              <a:solidFill>
+                <a:schemeClr val="accent2"/>
+              </a:solidFill>
+              <a:ln w="9525">
+                <a:solidFill>
+                  <a:schemeClr val="accent2"/>
+                </a:solidFill>
+              </a:ln>
+              <a:effectLst/>
+            </c:spPr>
+          </c:marker>
+          <c:xVal>
+            <c:numRef>
+              <c:f>Feuil1!$E$19:$E$21</c:f>
+              <c:numCache>
+                <c:formatCode>General</c:formatCode>
+                <c:ptCount val="3"/>
+                <c:pt idx="0">
+                  <c:v>4.6020599913279625</c:v>
+                </c:pt>
+                <c:pt idx="1">
+                  <c:v>4.9030899869919438</c:v>
+                </c:pt>
+                <c:pt idx="2">
+                  <c:v>5.204119982655925</c:v>
+                </c:pt>
+              </c:numCache>
+            </c:numRef>
+          </c:xVal>
+          <c:yVal>
+            <c:numRef>
+              <c:f>Feuil1!$K$19:$K$21</c:f>
+              <c:numCache>
+                <c:formatCode>General</c:formatCode>
+                <c:ptCount val="3"/>
+                <c:pt idx="0">
+                  <c:v>0.99484162729223102</c:v>
+                </c:pt>
+                <c:pt idx="1">
+                  <c:v>1.0883665447502329</c:v>
+                </c:pt>
+                <c:pt idx="2">
+                  <c:v>0.79028461583484466</c:v>
+                </c:pt>
+              </c:numCache>
+            </c:numRef>
+          </c:yVal>
+          <c:smooth val="1"/>
+          <c:extLst>
+            <c:ext xmlns:c16="http://schemas.microsoft.com/office/drawing/2014/chart" uri="{C3380CC4-5D6E-409C-BE32-E72D297353CC}">
+              <c16:uniqueId val="{00000000-2B15-4884-BB21-676626D094F3}"/>
+            </c:ext>
+          </c:extLst>
+        </c:ser>
+        <c:dLbls>
+          <c:showLegendKey val="0"/>
+          <c:showVal val="0"/>
+          <c:showCatName val="0"/>
+          <c:showSerName val="0"/>
+          <c:showPercent val="0"/>
+          <c:showBubbleSize val="0"/>
+        </c:dLbls>
+        <c:axId val="659463615"/>
+        <c:axId val="659902527"/>
+      </c:scatterChart>
+      <c:scatterChart>
+        <c:scatterStyle val="smoothMarker"/>
+        <c:varyColors val="0"/>
+        <c:ser>
+          <c:idx val="0"/>
+          <c:order val="0"/>
+          <c:tx>
+            <c:v>Température moyenne</c:v>
+          </c:tx>
+          <c:spPr>
+            <a:ln w="19050" cap="rnd">
+              <a:solidFill>
+                <a:schemeClr val="accent1"/>
+              </a:solidFill>
+              <a:round/>
+            </a:ln>
+            <a:effectLst/>
+          </c:spPr>
+          <c:marker>
+            <c:symbol val="circle"/>
+            <c:size val="5"/>
+            <c:spPr>
+              <a:solidFill>
+                <a:schemeClr val="accent1"/>
+              </a:solidFill>
+              <a:ln w="9525">
+                <a:solidFill>
+                  <a:schemeClr val="accent1"/>
+                </a:solidFill>
+              </a:ln>
+              <a:effectLst/>
+            </c:spPr>
+          </c:marker>
+          <c:xVal>
+            <c:numRef>
+              <c:f>Feuil1!$E$18:$E$22</c:f>
+              <c:numCache>
+                <c:formatCode>General</c:formatCode>
+                <c:ptCount val="5"/>
+                <c:pt idx="0">
+                  <c:v>4.3010299956639813</c:v>
+                </c:pt>
+                <c:pt idx="1">
+                  <c:v>4.6020599913279625</c:v>
+                </c:pt>
+                <c:pt idx="2">
+                  <c:v>4.9030899869919438</c:v>
+                </c:pt>
+                <c:pt idx="3">
+                  <c:v>5.204119982655925</c:v>
+                </c:pt>
+                <c:pt idx="4">
+                  <c:v>5.5051499783199063</c:v>
+                </c:pt>
+              </c:numCache>
+            </c:numRef>
+          </c:xVal>
+          <c:yVal>
+            <c:numRef>
+              <c:f>Feuil1!$J$18:$J$22</c:f>
+              <c:numCache>
+                <c:formatCode>General</c:formatCode>
+                <c:ptCount val="5"/>
+                <c:pt idx="0">
+                  <c:v>51.686795704613402</c:v>
+                </c:pt>
+                <c:pt idx="1">
+                  <c:v>51.661737683586999</c:v>
+                </c:pt>
+                <c:pt idx="2">
+                  <c:v>51.649163795269899</c:v>
+                </c:pt>
+                <c:pt idx="3">
+                  <c:v>51.643250376678999</c:v>
+                </c:pt>
+                <c:pt idx="4">
+                  <c:v>51.639831060605196</c:v>
+                </c:pt>
+              </c:numCache>
+            </c:numRef>
+          </c:yVal>
+          <c:smooth val="1"/>
+          <c:extLst>
+            <c:ext xmlns:c16="http://schemas.microsoft.com/office/drawing/2014/chart" uri="{C3380CC4-5D6E-409C-BE32-E72D297353CC}">
+              <c16:uniqueId val="{00000001-2B15-4884-BB21-676626D094F3}"/>
+            </c:ext>
+          </c:extLst>
+        </c:ser>
+        <c:dLbls>
+          <c:showLegendKey val="0"/>
+          <c:showVal val="0"/>
+          <c:showCatName val="0"/>
+          <c:showSerName val="0"/>
+          <c:showPercent val="0"/>
+          <c:showBubbleSize val="0"/>
+        </c:dLbls>
+        <c:axId val="657145631"/>
+        <c:axId val="659464031"/>
+      </c:scatterChart>
+      <c:valAx>
+        <c:axId val="659902527"/>
+        <c:scaling>
+          <c:orientation val="minMax"/>
+        </c:scaling>
+        <c:delete val="0"/>
+        <c:axPos val="l"/>
+        <c:majorGridlines>
+          <c:spPr>
+            <a:ln w="9525" cap="flat" cmpd="sng" algn="ctr">
+              <a:solidFill>
+                <a:schemeClr val="tx1">
+                  <a:lumMod val="15000"/>
+                  <a:lumOff val="85000"/>
+                </a:schemeClr>
+              </a:solidFill>
+              <a:round/>
+            </a:ln>
+            <a:effectLst/>
+          </c:spPr>
+        </c:majorGridlines>
+        <c:title>
+          <c:tx>
+            <c:rich>
+              <a:bodyPr rot="-5400000" spcFirstLastPara="1" vertOverflow="ellipsis" vert="horz" wrap="square" anchor="ctr" anchorCtr="1"/>
+              <a:lstStyle/>
+              <a:p>
+                <a:pPr>
+                  <a:defRPr sz="1000" b="0" i="0" u="none" strike="noStrike" kern="1200" baseline="0">
+                    <a:solidFill>
+                      <a:schemeClr val="bg1"/>
+                    </a:solidFill>
+                    <a:latin typeface="+mn-lt"/>
+                    <a:ea typeface="+mn-ea"/>
+                    <a:cs typeface="+mn-cs"/>
+                  </a:defRPr>
+                </a:pPr>
+                <a:r>
+                  <a:rPr lang="en-CA">
+                    <a:solidFill>
+                      <a:schemeClr val="bg1"/>
+                    </a:solidFill>
+                  </a:rPr>
+                  <a:t>ordre de convergence approximatif</a:t>
+                </a:r>
+              </a:p>
+            </c:rich>
+          </c:tx>
+          <c:layout>
+            <c:manualLayout>
+              <c:xMode val="edge"/>
+              <c:yMode val="edge"/>
+              <c:x val="2.1388962086421614E-2"/>
+              <c:y val="0.1786961169014345"/>
+            </c:manualLayout>
+          </c:layout>
+          <c:overlay val="0"/>
+          <c:spPr>
+            <a:noFill/>
+            <a:ln>
+              <a:noFill/>
+            </a:ln>
+            <a:effectLst/>
+          </c:spPr>
+          <c:txPr>
+            <a:bodyPr rot="-5400000" spcFirstLastPara="1" vertOverflow="ellipsis" vert="horz" wrap="square" anchor="ctr" anchorCtr="1"/>
+            <a:lstStyle/>
+            <a:p>
+              <a:pPr>
+                <a:defRPr sz="1000" b="0" i="0" u="none" strike="noStrike" kern="1200" baseline="0">
+                  <a:solidFill>
+                    <a:schemeClr val="bg1"/>
+                  </a:solidFill>
+                  <a:latin typeface="+mn-lt"/>
+                  <a:ea typeface="+mn-ea"/>
+                  <a:cs typeface="+mn-cs"/>
+                </a:defRPr>
+              </a:pPr>
+              <a:endParaRPr lang="en-US"/>
+            </a:p>
+          </c:txPr>
+        </c:title>
+        <c:numFmt formatCode="General" sourceLinked="1"/>
+        <c:majorTickMark val="none"/>
+        <c:minorTickMark val="none"/>
+        <c:tickLblPos val="nextTo"/>
+        <c:spPr>
+          <a:noFill/>
+          <a:ln w="9525" cap="flat" cmpd="sng" algn="ctr">
+            <a:solidFill>
+              <a:schemeClr val="tx1">
+                <a:lumMod val="25000"/>
+                <a:lumOff val="75000"/>
+              </a:schemeClr>
+            </a:solidFill>
+            <a:round/>
+          </a:ln>
+          <a:effectLst/>
+        </c:spPr>
+        <c:txPr>
+          <a:bodyPr rot="-60000000" spcFirstLastPara="1" vertOverflow="ellipsis" vert="horz" wrap="square" anchor="ctr" anchorCtr="1"/>
+          <a:lstStyle/>
+          <a:p>
+            <a:pPr>
+              <a:defRPr sz="900" b="0" i="0" u="none" strike="noStrike" kern="1200" baseline="0">
+                <a:solidFill>
+                  <a:schemeClr val="bg1"/>
+                </a:solidFill>
+                <a:latin typeface="+mn-lt"/>
+                <a:ea typeface="+mn-ea"/>
+                <a:cs typeface="+mn-cs"/>
+              </a:defRPr>
+            </a:pPr>
+            <a:endParaRPr lang="en-US"/>
+          </a:p>
+        </c:txPr>
+        <c:crossAx val="659463615"/>
+        <c:crosses val="autoZero"/>
+        <c:crossBetween val="midCat"/>
+      </c:valAx>
+      <c:valAx>
+        <c:axId val="659463615"/>
+        <c:scaling>
+          <c:orientation val="minMax"/>
+          <c:min val="4"/>
+        </c:scaling>
+        <c:delete val="0"/>
+        <c:axPos val="b"/>
+        <c:title>
+          <c:tx>
+            <c:rich>
+              <a:bodyPr rot="0" spcFirstLastPara="1" vertOverflow="ellipsis" vert="horz" wrap="square" anchor="ctr" anchorCtr="1"/>
+              <a:lstStyle/>
+              <a:p>
+                <a:pPr>
+                  <a:defRPr sz="1000" b="0" i="0" u="none" strike="noStrike" kern="1200" baseline="0">
+                    <a:solidFill>
+                      <a:schemeClr val="bg1"/>
+                    </a:solidFill>
+                    <a:latin typeface="+mn-lt"/>
+                    <a:ea typeface="+mn-ea"/>
+                    <a:cs typeface="+mn-cs"/>
+                  </a:defRPr>
+                </a:pPr>
+                <a:r>
+                  <a:rPr lang="en-CA">
+                    <a:solidFill>
+                      <a:schemeClr val="bg1"/>
+                    </a:solidFill>
+                  </a:rPr>
+                  <a:t>ln(1/dv)</a:t>
+                </a:r>
+              </a:p>
+            </c:rich>
+          </c:tx>
+          <c:overlay val="0"/>
+          <c:spPr>
+            <a:noFill/>
+            <a:ln>
+              <a:noFill/>
+            </a:ln>
+            <a:effectLst/>
+          </c:spPr>
+          <c:txPr>
+            <a:bodyPr rot="0" spcFirstLastPara="1" vertOverflow="ellipsis" vert="horz" wrap="square" anchor="ctr" anchorCtr="1"/>
+            <a:lstStyle/>
+            <a:p>
+              <a:pPr>
+                <a:defRPr sz="1000" b="0" i="0" u="none" strike="noStrike" kern="1200" baseline="0">
+                  <a:solidFill>
+                    <a:schemeClr val="bg1"/>
+                  </a:solidFill>
+                  <a:latin typeface="+mn-lt"/>
+                  <a:ea typeface="+mn-ea"/>
+                  <a:cs typeface="+mn-cs"/>
+                </a:defRPr>
+              </a:pPr>
+              <a:endParaRPr lang="en-US"/>
+            </a:p>
+          </c:txPr>
+        </c:title>
+        <c:numFmt formatCode="General" sourceLinked="1"/>
+        <c:majorTickMark val="none"/>
+        <c:minorTickMark val="none"/>
+        <c:tickLblPos val="nextTo"/>
+        <c:spPr>
+          <a:noFill/>
+          <a:ln w="9525" cap="flat" cmpd="sng" algn="ctr">
+            <a:solidFill>
+              <a:schemeClr val="tx1">
+                <a:lumMod val="25000"/>
+                <a:lumOff val="75000"/>
+              </a:schemeClr>
+            </a:solidFill>
+            <a:round/>
+          </a:ln>
+          <a:effectLst/>
+        </c:spPr>
+        <c:txPr>
+          <a:bodyPr rot="-60000000" spcFirstLastPara="1" vertOverflow="ellipsis" vert="horz" wrap="square" anchor="ctr" anchorCtr="1"/>
+          <a:lstStyle/>
+          <a:p>
+            <a:pPr>
+              <a:defRPr sz="900" b="0" i="0" u="none" strike="noStrike" kern="1200" baseline="0">
+                <a:solidFill>
+                  <a:schemeClr val="bg1"/>
+                </a:solidFill>
+                <a:latin typeface="+mn-lt"/>
+                <a:ea typeface="+mn-ea"/>
+                <a:cs typeface="+mn-cs"/>
+              </a:defRPr>
+            </a:pPr>
+            <a:endParaRPr lang="en-US"/>
+          </a:p>
+        </c:txPr>
+        <c:crossAx val="659902527"/>
+        <c:crosses val="autoZero"/>
+        <c:crossBetween val="midCat"/>
+      </c:valAx>
+      <c:valAx>
+        <c:axId val="659464031"/>
+        <c:scaling>
+          <c:orientation val="minMax"/>
+        </c:scaling>
+        <c:delete val="0"/>
+        <c:axPos val="r"/>
+        <c:numFmt formatCode="General" sourceLinked="1"/>
+        <c:majorTickMark val="out"/>
+        <c:minorTickMark val="none"/>
+        <c:tickLblPos val="nextTo"/>
+        <c:spPr>
+          <a:noFill/>
+          <a:ln w="9525" cap="flat" cmpd="sng" algn="ctr">
+            <a:solidFill>
+              <a:schemeClr val="tx1">
+                <a:lumMod val="25000"/>
+                <a:lumOff val="75000"/>
+              </a:schemeClr>
+            </a:solidFill>
+            <a:round/>
+          </a:ln>
+          <a:effectLst/>
+        </c:spPr>
+        <c:txPr>
+          <a:bodyPr rot="-60000000" spcFirstLastPara="1" vertOverflow="ellipsis" vert="horz" wrap="square" anchor="ctr" anchorCtr="1"/>
+          <a:lstStyle/>
+          <a:p>
+            <a:pPr>
+              <a:defRPr sz="900" b="0" i="0" u="none" strike="noStrike" kern="1200" baseline="0">
+                <a:solidFill>
+                  <a:schemeClr val="bg1"/>
+                </a:solidFill>
+                <a:latin typeface="+mn-lt"/>
+                <a:ea typeface="+mn-ea"/>
+                <a:cs typeface="+mn-cs"/>
+              </a:defRPr>
+            </a:pPr>
+            <a:endParaRPr lang="en-US"/>
+          </a:p>
+        </c:txPr>
+        <c:crossAx val="657145631"/>
+        <c:crosses val="max"/>
+        <c:crossBetween val="midCat"/>
+      </c:valAx>
+      <c:valAx>
+        <c:axId val="657145631"/>
+        <c:scaling>
+          <c:orientation val="minMax"/>
+        </c:scaling>
+        <c:delete val="1"/>
+        <c:axPos val="b"/>
+        <c:numFmt formatCode="General" sourceLinked="1"/>
+        <c:majorTickMark val="out"/>
+        <c:minorTickMark val="none"/>
+        <c:tickLblPos val="nextTo"/>
+        <c:crossAx val="659464031"/>
+        <c:crosses val="autoZero"/>
+        <c:crossBetween val="midCat"/>
+      </c:valAx>
+      <c:spPr>
+        <a:solidFill>
+          <a:schemeClr val="bg1">
+            <a:lumMod val="65000"/>
+          </a:schemeClr>
+        </a:solidFill>
+        <a:ln>
+          <a:noFill/>
+        </a:ln>
+        <a:effectLst/>
+      </c:spPr>
+    </c:plotArea>
+    <c:legend>
+      <c:legendPos val="r"/>
+      <c:overlay val="0"/>
+      <c:spPr>
+        <a:noFill/>
+        <a:ln>
+          <a:noFill/>
+        </a:ln>
+        <a:effectLst/>
+      </c:spPr>
+      <c:txPr>
+        <a:bodyPr rot="0" spcFirstLastPara="1" vertOverflow="ellipsis" vert="horz" wrap="square" anchor="ctr" anchorCtr="1"/>
+        <a:lstStyle/>
+        <a:p>
+          <a:pPr>
+            <a:defRPr sz="900" b="0" i="0" u="none" strike="noStrike" kern="1200" baseline="0">
+              <a:solidFill>
+                <a:schemeClr val="tx1">
+                  <a:lumMod val="65000"/>
+                  <a:lumOff val="35000"/>
+                </a:schemeClr>
+              </a:solidFill>
+              <a:latin typeface="+mn-lt"/>
+              <a:ea typeface="+mn-ea"/>
+              <a:cs typeface="+mn-cs"/>
+            </a:defRPr>
+          </a:pPr>
+          <a:endParaRPr lang="en-US"/>
+        </a:p>
+      </c:txPr>
+    </c:legend>
+    <c:plotVisOnly val="1"/>
+    <c:dispBlanksAs val="gap"/>
+    <c:extLst>
+      <c:ext xmlns:c16r3="http://schemas.microsoft.com/office/drawing/2017/03/chart" uri="{56B9EC1D-385E-4148-901F-78D8002777C0}">
+        <c16r3:dataDisplayOptions16>
+          <c16r3:dispNaAsBlank val="1"/>
+        </c16r3:dataDisplayOptions16>
+      </c:ext>
+    </c:extLst>
+    <c:showDLblsOverMax val="0"/>
+  </c:chart>
+  <c:spPr>
+    <a:noFill/>
+    <a:ln>
+      <a:noFill/>
+    </a:ln>
+    <a:effectLst/>
+  </c:spPr>
+  <c:txPr>
+    <a:bodyPr/>
+    <a:lstStyle/>
+    <a:p>
+      <a:pPr>
+        <a:defRPr/>
+      </a:pPr>
+      <a:endParaRPr lang="en-US"/>
+    </a:p>
+  </c:txPr>
+  <c:externalData r:id="rId3">
+    <c:autoUpdate val="0"/>
+  </c:externalData>
+</c:chartSpace>
+</file>
+
+<file path=ppt/charts/chart2.xml><?xml version="1.0" encoding="utf-8"?>
+<c:chartSpace xmlns:c="http://schemas.openxmlformats.org/drawingml/2006/chart" xmlns:a="http://schemas.openxmlformats.org/drawingml/2006/main" xmlns:r="http://schemas.openxmlformats.org/officeDocument/2006/relationships" xmlns:c16r2="http://schemas.microsoft.com/office/drawing/2015/06/chart">
+  <c:date1904 val="0"/>
+  <c:lang val="fr-FR"/>
+  <c:roundedCorners val="0"/>
+  <mc:AlternateContent xmlns:mc="http://schemas.openxmlformats.org/markup-compatibility/2006">
+    <mc:Choice xmlns:c14="http://schemas.microsoft.com/office/drawing/2007/8/2/chart" Requires="c14">
+      <c14:style val="102"/>
+    </mc:Choice>
+    <mc:Fallback>
+      <c:style val="2"/>
+    </mc:Fallback>
+  </mc:AlternateContent>
+  <c:chart>
+    <c:title>
+      <c:tx>
+        <c:rich>
+          <a:bodyPr rot="0" spcFirstLastPara="1" vertOverflow="ellipsis" vert="horz" wrap="square" anchor="ctr" anchorCtr="1"/>
+          <a:lstStyle/>
+          <a:p>
+            <a:pPr>
+              <a:defRPr sz="1400" b="0" i="0" u="none" strike="noStrike" kern="1200" spc="0" baseline="0">
+                <a:solidFill>
+                  <a:schemeClr val="bg1"/>
+                </a:solidFill>
+                <a:latin typeface="+mn-lt"/>
+                <a:ea typeface="+mn-ea"/>
+                <a:cs typeface="+mn-cs"/>
+              </a:defRPr>
+            </a:pPr>
+            <a:r>
+              <a:rPr lang="en-CA" dirty="0">
+                <a:solidFill>
+                  <a:schemeClr val="bg1"/>
+                </a:solidFill>
+              </a:rPr>
+              <a:t>Estimation</a:t>
+            </a:r>
+            <a:r>
+              <a:rPr lang="en-CA" baseline="0" dirty="0">
+                <a:solidFill>
+                  <a:schemeClr val="bg1"/>
+                </a:solidFill>
+              </a:rPr>
+              <a:t> de </a:t>
+            </a:r>
+            <a:r>
+              <a:rPr lang="en-CA" baseline="0" dirty="0" err="1">
+                <a:solidFill>
+                  <a:schemeClr val="bg1"/>
+                </a:solidFill>
+              </a:rPr>
+              <a:t>l’erreur</a:t>
+            </a:r>
+            <a:r>
+              <a:rPr lang="en-CA" baseline="0" dirty="0">
+                <a:solidFill>
+                  <a:schemeClr val="bg1"/>
+                </a:solidFill>
+              </a:rPr>
+              <a:t> de </a:t>
+            </a:r>
+            <a:r>
+              <a:rPr lang="en-CA" baseline="0" dirty="0" err="1">
+                <a:solidFill>
+                  <a:schemeClr val="bg1"/>
+                </a:solidFill>
+              </a:rPr>
+              <a:t>modélisation</a:t>
+            </a:r>
+            <a:r>
+              <a:rPr lang="en-CA" baseline="0" dirty="0">
+                <a:solidFill>
+                  <a:schemeClr val="bg1"/>
+                </a:solidFill>
+              </a:rPr>
+              <a:t> (</a:t>
+            </a:r>
+            <a:r>
+              <a:rPr lang="en-CA" dirty="0">
+                <a:solidFill>
+                  <a:schemeClr val="bg1"/>
+                </a:solidFill>
+              </a:rPr>
+              <a:t>GCI) </a:t>
+            </a:r>
+            <a:r>
+              <a:rPr lang="en-CA" dirty="0" err="1">
+                <a:solidFill>
+                  <a:schemeClr val="bg1"/>
+                </a:solidFill>
+              </a:rPr>
+              <a:t>en</a:t>
+            </a:r>
+            <a:r>
+              <a:rPr lang="en-CA" dirty="0">
+                <a:solidFill>
+                  <a:schemeClr val="bg1"/>
+                </a:solidFill>
+              </a:rPr>
+              <a:t> </a:t>
+            </a:r>
+            <a:r>
+              <a:rPr lang="en-CA" dirty="0" err="1">
+                <a:solidFill>
+                  <a:schemeClr val="bg1"/>
+                </a:solidFill>
+              </a:rPr>
+              <a:t>fonction</a:t>
+            </a:r>
+            <a:r>
+              <a:rPr lang="en-CA" dirty="0">
+                <a:solidFill>
+                  <a:schemeClr val="bg1"/>
+                </a:solidFill>
+              </a:rPr>
+              <a:t> de</a:t>
+            </a:r>
+            <a:r>
+              <a:rPr lang="en-CA" baseline="0" dirty="0">
+                <a:solidFill>
+                  <a:schemeClr val="bg1"/>
+                </a:solidFill>
+              </a:rPr>
+              <a:t> la </a:t>
+            </a:r>
+            <a:r>
+              <a:rPr lang="en-CA" baseline="0" dirty="0" err="1">
+                <a:solidFill>
+                  <a:schemeClr val="bg1"/>
+                </a:solidFill>
+              </a:rPr>
+              <a:t>taille</a:t>
+            </a:r>
+            <a:r>
+              <a:rPr lang="en-CA" baseline="0" dirty="0">
+                <a:solidFill>
+                  <a:schemeClr val="bg1"/>
+                </a:solidFill>
+              </a:rPr>
+              <a:t> des volumes </a:t>
+            </a:r>
+            <a:r>
+              <a:rPr lang="en-CA" baseline="0" dirty="0" err="1">
+                <a:solidFill>
+                  <a:schemeClr val="bg1"/>
+                </a:solidFill>
+              </a:rPr>
+              <a:t>d’eau</a:t>
+            </a:r>
+            <a:endParaRPr lang="en-CA" dirty="0">
+              <a:solidFill>
+                <a:schemeClr val="bg1"/>
+              </a:solidFill>
+            </a:endParaRPr>
+          </a:p>
+        </c:rich>
+      </c:tx>
+      <c:overlay val="0"/>
+      <c:spPr>
+        <a:noFill/>
+        <a:ln>
+          <a:noFill/>
+        </a:ln>
+        <a:effectLst/>
+      </c:spPr>
+      <c:txPr>
+        <a:bodyPr rot="0" spcFirstLastPara="1" vertOverflow="ellipsis" vert="horz" wrap="square" anchor="ctr" anchorCtr="1"/>
+        <a:lstStyle/>
+        <a:p>
+          <a:pPr>
+            <a:defRPr sz="1400" b="0" i="0" u="none" strike="noStrike" kern="1200" spc="0" baseline="0">
+              <a:solidFill>
+                <a:schemeClr val="bg1"/>
+              </a:solidFill>
+              <a:latin typeface="+mn-lt"/>
+              <a:ea typeface="+mn-ea"/>
+              <a:cs typeface="+mn-cs"/>
+            </a:defRPr>
+          </a:pPr>
+          <a:endParaRPr lang="en-US"/>
+        </a:p>
+      </c:txPr>
+    </c:title>
+    <c:autoTitleDeleted val="0"/>
+    <c:plotArea>
+      <c:layout/>
+      <c:scatterChart>
+        <c:scatterStyle val="smoothMarker"/>
+        <c:varyColors val="0"/>
+        <c:ser>
+          <c:idx val="0"/>
+          <c:order val="0"/>
+          <c:tx>
+            <c:v>GCI</c:v>
+          </c:tx>
+          <c:spPr>
+            <a:ln w="19050" cap="rnd">
+              <a:solidFill>
+                <a:schemeClr val="accent1"/>
+              </a:solidFill>
+              <a:round/>
+            </a:ln>
+            <a:effectLst/>
+          </c:spPr>
+          <c:marker>
+            <c:symbol val="circle"/>
+            <c:size val="5"/>
+            <c:spPr>
+              <a:solidFill>
+                <a:schemeClr val="accent1"/>
+              </a:solidFill>
+              <a:ln w="9525">
+                <a:solidFill>
+                  <a:schemeClr val="accent1"/>
+                </a:solidFill>
+              </a:ln>
+              <a:effectLst/>
+            </c:spPr>
+          </c:marker>
+          <c:xVal>
+            <c:numRef>
+              <c:f>Feuil1!$E$19:$E$21</c:f>
+              <c:numCache>
+                <c:formatCode>General</c:formatCode>
+                <c:ptCount val="3"/>
+                <c:pt idx="0">
+                  <c:v>4.6020599913279625</c:v>
+                </c:pt>
+                <c:pt idx="1">
+                  <c:v>4.9030899869919438</c:v>
+                </c:pt>
+                <c:pt idx="2">
+                  <c:v>5.204119982655925</c:v>
+                </c:pt>
+              </c:numCache>
+            </c:numRef>
+          </c:xVal>
+          <c:yVal>
+            <c:numRef>
+              <c:f>Feuil1!$L$19:$L$21</c:f>
+              <c:numCache>
+                <c:formatCode>General</c:formatCode>
+                <c:ptCount val="3"/>
+                <c:pt idx="0">
+                  <c:v>3.1322526283004137E-2</c:v>
+                </c:pt>
+                <c:pt idx="1">
+                  <c:v>1.5717360396374502E-2</c:v>
+                </c:pt>
+                <c:pt idx="2">
+                  <c:v>2.4321190208155617E-2</c:v>
+                </c:pt>
+              </c:numCache>
+            </c:numRef>
+          </c:yVal>
+          <c:smooth val="1"/>
+          <c:extLst>
+            <c:ext xmlns:c16="http://schemas.microsoft.com/office/drawing/2014/chart" uri="{C3380CC4-5D6E-409C-BE32-E72D297353CC}">
+              <c16:uniqueId val="{00000000-113A-466A-88A9-73AC18649F18}"/>
+            </c:ext>
+          </c:extLst>
+        </c:ser>
+        <c:dLbls>
+          <c:showLegendKey val="0"/>
+          <c:showVal val="0"/>
+          <c:showCatName val="0"/>
+          <c:showSerName val="0"/>
+          <c:showPercent val="0"/>
+          <c:showBubbleSize val="0"/>
+        </c:dLbls>
+        <c:axId val="801667887"/>
+        <c:axId val="749662719"/>
+      </c:scatterChart>
+      <c:valAx>
+        <c:axId val="801667887"/>
+        <c:scaling>
+          <c:orientation val="minMax"/>
+        </c:scaling>
+        <c:delete val="0"/>
+        <c:axPos val="b"/>
+        <c:title>
+          <c:tx>
+            <c:rich>
+              <a:bodyPr rot="0" spcFirstLastPara="1" vertOverflow="ellipsis" vert="horz" wrap="square" anchor="ctr" anchorCtr="1"/>
+              <a:lstStyle/>
+              <a:p>
+                <a:pPr>
+                  <a:defRPr sz="1000" b="0" i="0" u="none" strike="noStrike" kern="1200" baseline="0">
+                    <a:solidFill>
+                      <a:schemeClr val="bg1"/>
+                    </a:solidFill>
+                    <a:latin typeface="+mn-lt"/>
+                    <a:ea typeface="+mn-ea"/>
+                    <a:cs typeface="+mn-cs"/>
+                  </a:defRPr>
+                </a:pPr>
+                <a:r>
+                  <a:rPr lang="en-CA" sz="1000" b="0" i="0" u="none" strike="noStrike" baseline="0">
+                    <a:solidFill>
+                      <a:schemeClr val="bg1"/>
+                    </a:solidFill>
+                    <a:effectLst/>
+                  </a:rPr>
+                  <a:t>ln(1/dv)</a:t>
+                </a:r>
+              </a:p>
+            </c:rich>
+          </c:tx>
+          <c:overlay val="0"/>
+          <c:spPr>
+            <a:noFill/>
+            <a:ln>
+              <a:noFill/>
+            </a:ln>
+            <a:effectLst/>
+          </c:spPr>
+          <c:txPr>
+            <a:bodyPr rot="0" spcFirstLastPara="1" vertOverflow="ellipsis" vert="horz" wrap="square" anchor="ctr" anchorCtr="1"/>
+            <a:lstStyle/>
+            <a:p>
+              <a:pPr>
+                <a:defRPr sz="1000" b="0" i="0" u="none" strike="noStrike" kern="1200" baseline="0">
+                  <a:solidFill>
+                    <a:schemeClr val="bg1"/>
+                  </a:solidFill>
+                  <a:latin typeface="+mn-lt"/>
+                  <a:ea typeface="+mn-ea"/>
+                  <a:cs typeface="+mn-cs"/>
+                </a:defRPr>
+              </a:pPr>
+              <a:endParaRPr lang="en-US"/>
+            </a:p>
+          </c:txPr>
+        </c:title>
+        <c:numFmt formatCode="General" sourceLinked="1"/>
+        <c:majorTickMark val="none"/>
+        <c:minorTickMark val="none"/>
+        <c:tickLblPos val="nextTo"/>
+        <c:spPr>
+          <a:noFill/>
+          <a:ln w="9525" cap="flat" cmpd="sng" algn="ctr">
+            <a:solidFill>
+              <a:schemeClr val="tx1">
+                <a:lumMod val="25000"/>
+                <a:lumOff val="75000"/>
+              </a:schemeClr>
+            </a:solidFill>
+            <a:round/>
+          </a:ln>
+          <a:effectLst/>
+        </c:spPr>
+        <c:txPr>
+          <a:bodyPr rot="-60000000" spcFirstLastPara="1" vertOverflow="ellipsis" vert="horz" wrap="square" anchor="ctr" anchorCtr="1"/>
+          <a:lstStyle/>
+          <a:p>
+            <a:pPr>
+              <a:defRPr sz="900" b="0" i="0" u="none" strike="noStrike" kern="1200" baseline="0">
+                <a:solidFill>
+                  <a:schemeClr val="bg1"/>
+                </a:solidFill>
+                <a:latin typeface="+mn-lt"/>
+                <a:ea typeface="+mn-ea"/>
+                <a:cs typeface="+mn-cs"/>
+              </a:defRPr>
+            </a:pPr>
+            <a:endParaRPr lang="en-US"/>
+          </a:p>
+        </c:txPr>
+        <c:crossAx val="749662719"/>
+        <c:crosses val="autoZero"/>
+        <c:crossBetween val="midCat"/>
+      </c:valAx>
+      <c:valAx>
+        <c:axId val="749662719"/>
+        <c:scaling>
+          <c:orientation val="minMax"/>
+        </c:scaling>
+        <c:delete val="0"/>
+        <c:axPos val="l"/>
+        <c:majorGridlines>
+          <c:spPr>
+            <a:ln w="9525" cap="flat" cmpd="sng" algn="ctr">
+              <a:solidFill>
+                <a:schemeClr val="tx1">
+                  <a:lumMod val="15000"/>
+                  <a:lumOff val="85000"/>
+                </a:schemeClr>
+              </a:solidFill>
+              <a:round/>
+            </a:ln>
+            <a:effectLst/>
+          </c:spPr>
+        </c:majorGridlines>
+        <c:title>
+          <c:tx>
+            <c:rich>
+              <a:bodyPr rot="-5400000" spcFirstLastPara="1" vertOverflow="ellipsis" vert="horz" wrap="square" anchor="ctr" anchorCtr="1"/>
+              <a:lstStyle/>
+              <a:p>
+                <a:pPr>
+                  <a:defRPr sz="1000" b="0" i="0" u="none" strike="noStrike" kern="1200" baseline="0">
+                    <a:solidFill>
+                      <a:schemeClr val="bg1"/>
+                    </a:solidFill>
+                    <a:latin typeface="+mn-lt"/>
+                    <a:ea typeface="+mn-ea"/>
+                    <a:cs typeface="+mn-cs"/>
+                  </a:defRPr>
+                </a:pPr>
+                <a:r>
+                  <a:rPr lang="en-CA">
+                    <a:solidFill>
+                      <a:schemeClr val="bg1"/>
+                    </a:solidFill>
+                  </a:rPr>
+                  <a:t>GCI de la température</a:t>
+                </a:r>
+              </a:p>
+            </c:rich>
+          </c:tx>
+          <c:overlay val="0"/>
+          <c:spPr>
+            <a:noFill/>
+            <a:ln>
+              <a:noFill/>
+            </a:ln>
+            <a:effectLst/>
+          </c:spPr>
+          <c:txPr>
+            <a:bodyPr rot="-5400000" spcFirstLastPara="1" vertOverflow="ellipsis" vert="horz" wrap="square" anchor="ctr" anchorCtr="1"/>
+            <a:lstStyle/>
+            <a:p>
+              <a:pPr>
+                <a:defRPr sz="1000" b="0" i="0" u="none" strike="noStrike" kern="1200" baseline="0">
+                  <a:solidFill>
+                    <a:schemeClr val="bg1"/>
+                  </a:solidFill>
+                  <a:latin typeface="+mn-lt"/>
+                  <a:ea typeface="+mn-ea"/>
+                  <a:cs typeface="+mn-cs"/>
+                </a:defRPr>
+              </a:pPr>
+              <a:endParaRPr lang="en-US"/>
+            </a:p>
+          </c:txPr>
+        </c:title>
+        <c:numFmt formatCode="General" sourceLinked="1"/>
+        <c:majorTickMark val="none"/>
+        <c:minorTickMark val="none"/>
+        <c:tickLblPos val="nextTo"/>
+        <c:spPr>
+          <a:noFill/>
+          <a:ln w="9525" cap="flat" cmpd="sng" algn="ctr">
+            <a:solidFill>
+              <a:schemeClr val="tx1">
+                <a:lumMod val="25000"/>
+                <a:lumOff val="75000"/>
+              </a:schemeClr>
+            </a:solidFill>
+            <a:round/>
+          </a:ln>
+          <a:effectLst/>
+        </c:spPr>
+        <c:txPr>
+          <a:bodyPr rot="-60000000" spcFirstLastPara="1" vertOverflow="ellipsis" vert="horz" wrap="square" anchor="ctr" anchorCtr="1"/>
+          <a:lstStyle/>
+          <a:p>
+            <a:pPr>
+              <a:defRPr sz="900" b="0" i="0" u="none" strike="noStrike" kern="1200" baseline="0">
+                <a:solidFill>
+                  <a:schemeClr val="bg1"/>
+                </a:solidFill>
+                <a:latin typeface="+mn-lt"/>
+                <a:ea typeface="+mn-ea"/>
+                <a:cs typeface="+mn-cs"/>
+              </a:defRPr>
+            </a:pPr>
+            <a:endParaRPr lang="en-US"/>
+          </a:p>
+        </c:txPr>
+        <c:crossAx val="801667887"/>
+        <c:crosses val="autoZero"/>
+        <c:crossBetween val="midCat"/>
+      </c:valAx>
+      <c:spPr>
+        <a:solidFill>
+          <a:schemeClr val="bg1">
+            <a:lumMod val="75000"/>
+          </a:schemeClr>
+        </a:solidFill>
+        <a:ln>
+          <a:noFill/>
+        </a:ln>
+        <a:effectLst/>
+      </c:spPr>
+    </c:plotArea>
+    <c:legend>
+      <c:legendPos val="r"/>
+      <c:overlay val="0"/>
+      <c:spPr>
+        <a:noFill/>
+        <a:ln>
+          <a:noFill/>
+        </a:ln>
+        <a:effectLst/>
+      </c:spPr>
+      <c:txPr>
+        <a:bodyPr rot="0" spcFirstLastPara="1" vertOverflow="ellipsis" vert="horz" wrap="square" anchor="ctr" anchorCtr="1"/>
+        <a:lstStyle/>
+        <a:p>
+          <a:pPr>
+            <a:defRPr sz="900" b="0" i="0" u="none" strike="noStrike" kern="1200" baseline="0">
+              <a:solidFill>
+                <a:schemeClr val="bg1"/>
+              </a:solidFill>
+              <a:latin typeface="+mn-lt"/>
+              <a:ea typeface="+mn-ea"/>
+              <a:cs typeface="+mn-cs"/>
+            </a:defRPr>
+          </a:pPr>
+          <a:endParaRPr lang="en-US"/>
+        </a:p>
+      </c:txPr>
+    </c:legend>
+    <c:plotVisOnly val="1"/>
+    <c:dispBlanksAs val="gap"/>
+    <c:extLst>
+      <c:ext xmlns:c16r3="http://schemas.microsoft.com/office/drawing/2017/03/chart" uri="{56B9EC1D-385E-4148-901F-78D8002777C0}">
+        <c16r3:dataDisplayOptions16>
+          <c16r3:dispNaAsBlank val="1"/>
+        </c16r3:dataDisplayOptions16>
+      </c:ext>
+    </c:extLst>
+    <c:showDLblsOverMax val="0"/>
+  </c:chart>
+  <c:spPr>
+    <a:noFill/>
+    <a:ln>
+      <a:noFill/>
+    </a:ln>
+    <a:effectLst/>
+  </c:spPr>
+  <c:txPr>
+    <a:bodyPr/>
+    <a:lstStyle/>
+    <a:p>
+      <a:pPr>
+        <a:defRPr/>
+      </a:pPr>
+      <a:endParaRPr lang="en-US"/>
+    </a:p>
+  </c:txPr>
+  <c:externalData r:id="rId3">
+    <c:autoUpdate val="0"/>
+  </c:externalData>
+</c:chartSpace>
+</file>
+
+<file path=ppt/charts/chart3.xml><?xml version="1.0" encoding="utf-8"?>
+<c:chartSpace xmlns:c="http://schemas.openxmlformats.org/drawingml/2006/chart" xmlns:a="http://schemas.openxmlformats.org/drawingml/2006/main" xmlns:r="http://schemas.openxmlformats.org/officeDocument/2006/relationships" xmlns:c16r2="http://schemas.microsoft.com/office/drawing/2015/06/chart">
+  <c:date1904 val="0"/>
+  <c:lang val="fr-FR"/>
   <c:roundedCorners val="0"/>
   <mc:AlternateContent xmlns:mc="http://schemas.openxmlformats.org/markup-compatibility/2006">
     <mc:Choice xmlns:c14="http://schemas.microsoft.com/office/drawing/2007/8/2/chart" Requires="c14">
@@ -1499,10 +2793,10 @@
 </c:chartSpace>
 </file>
 
-<file path=ppt/charts/chart2.xml><?xml version="1.0" encoding="utf-8"?>
+<file path=ppt/charts/chart4.xml><?xml version="1.0" encoding="utf-8"?>
 <c:chartSpace xmlns:c="http://schemas.openxmlformats.org/drawingml/2006/chart" xmlns:a="http://schemas.openxmlformats.org/drawingml/2006/main" xmlns:r="http://schemas.openxmlformats.org/officeDocument/2006/relationships" xmlns:c16r2="http://schemas.microsoft.com/office/drawing/2015/06/chart">
   <c:date1904 val="0"/>
-  <c:lang val="en-US"/>
+  <c:lang val="fr-FR"/>
   <c:roundedCorners val="0"/>
   <mc:AlternateContent xmlns:mc="http://schemas.openxmlformats.org/markup-compatibility/2006">
     <mc:Choice xmlns:c14="http://schemas.microsoft.com/office/drawing/2007/8/2/chart" Requires="c14">
@@ -2585,10 +3879,10 @@
 </c:chartSpace>
 </file>
 
-<file path=ppt/charts/chart3.xml><?xml version="1.0" encoding="utf-8"?>
+<file path=ppt/charts/chart5.xml><?xml version="1.0" encoding="utf-8"?>
 <c:chartSpace xmlns:c="http://schemas.openxmlformats.org/drawingml/2006/chart" xmlns:a="http://schemas.openxmlformats.org/drawingml/2006/main" xmlns:r="http://schemas.openxmlformats.org/officeDocument/2006/relationships" xmlns:c16r2="http://schemas.microsoft.com/office/drawing/2015/06/chart">
   <c:date1904 val="0"/>
-  <c:lang val="en-US"/>
+  <c:lang val="fr-FR"/>
   <c:roundedCorners val="0"/>
   <mc:AlternateContent xmlns:mc="http://schemas.openxmlformats.org/markup-compatibility/2006">
     <mc:Choice xmlns:c14="http://schemas.microsoft.com/office/drawing/2007/8/2/chart" Requires="c14">
@@ -3638,8 +4932,42 @@
 </file>
 
 <file path=ppt/charts/colors1.xml><?xml version="1.0" encoding="utf-8"?>
-<cs:colorStyle xmlns:cs="http://schemas.microsoft.com/office/drawing/2012/chartStyle" xmlns:a="http://schemas.openxmlformats.org/drawingml/2006/main" meth="withinLinear" id="14">
+<cs:colorStyle xmlns:cs="http://schemas.microsoft.com/office/drawing/2012/chartStyle" xmlns:a="http://schemas.openxmlformats.org/drawingml/2006/main" meth="cycle" id="10">
   <a:schemeClr val="accent1"/>
+  <a:schemeClr val="accent2"/>
+  <a:schemeClr val="accent3"/>
+  <a:schemeClr val="accent4"/>
+  <a:schemeClr val="accent5"/>
+  <a:schemeClr val="accent6"/>
+  <cs:variation/>
+  <cs:variation>
+    <a:lumMod val="60000"/>
+  </cs:variation>
+  <cs:variation>
+    <a:lumMod val="80000"/>
+    <a:lumOff val="20000"/>
+  </cs:variation>
+  <cs:variation>
+    <a:lumMod val="80000"/>
+  </cs:variation>
+  <cs:variation>
+    <a:lumMod val="60000"/>
+    <a:lumOff val="40000"/>
+  </cs:variation>
+  <cs:variation>
+    <a:lumMod val="50000"/>
+  </cs:variation>
+  <cs:variation>
+    <a:lumMod val="70000"/>
+    <a:lumOff val="30000"/>
+  </cs:variation>
+  <cs:variation>
+    <a:lumMod val="70000"/>
+  </cs:variation>
+  <cs:variation>
+    <a:lumMod val="50000"/>
+    <a:lumOff val="50000"/>
+  </cs:variation>
 </cs:colorStyle>
 </file>
 
@@ -3684,6 +5012,52 @@
 </file>
 
 <file path=ppt/charts/colors3.xml><?xml version="1.0" encoding="utf-8"?>
+<cs:colorStyle xmlns:cs="http://schemas.microsoft.com/office/drawing/2012/chartStyle" xmlns:a="http://schemas.openxmlformats.org/drawingml/2006/main" meth="withinLinear" id="14">
+  <a:schemeClr val="accent1"/>
+</cs:colorStyle>
+</file>
+
+<file path=ppt/charts/colors4.xml><?xml version="1.0" encoding="utf-8"?>
+<cs:colorStyle xmlns:cs="http://schemas.microsoft.com/office/drawing/2012/chartStyle" xmlns:a="http://schemas.openxmlformats.org/drawingml/2006/main" meth="cycle" id="10">
+  <a:schemeClr val="accent1"/>
+  <a:schemeClr val="accent2"/>
+  <a:schemeClr val="accent3"/>
+  <a:schemeClr val="accent4"/>
+  <a:schemeClr val="accent5"/>
+  <a:schemeClr val="accent6"/>
+  <cs:variation/>
+  <cs:variation>
+    <a:lumMod val="60000"/>
+  </cs:variation>
+  <cs:variation>
+    <a:lumMod val="80000"/>
+    <a:lumOff val="20000"/>
+  </cs:variation>
+  <cs:variation>
+    <a:lumMod val="80000"/>
+  </cs:variation>
+  <cs:variation>
+    <a:lumMod val="60000"/>
+    <a:lumOff val="40000"/>
+  </cs:variation>
+  <cs:variation>
+    <a:lumMod val="50000"/>
+  </cs:variation>
+  <cs:variation>
+    <a:lumMod val="70000"/>
+    <a:lumOff val="30000"/>
+  </cs:variation>
+  <cs:variation>
+    <a:lumMod val="70000"/>
+  </cs:variation>
+  <cs:variation>
+    <a:lumMod val="50000"/>
+    <a:lumOff val="50000"/>
+  </cs:variation>
+</cs:colorStyle>
+</file>
+
+<file path=ppt/charts/colors5.xml><?xml version="1.0" encoding="utf-8"?>
 <cs:colorStyle xmlns:cs="http://schemas.microsoft.com/office/drawing/2012/chartStyle" xmlns:a="http://schemas.openxmlformats.org/drawingml/2006/main" meth="cycle" id="10">
   <a:schemeClr val="accent1"/>
   <a:schemeClr val="accent2"/>
@@ -4756,6 +6130,1038 @@
 </file>
 
 <file path=ppt/charts/style3.xml><?xml version="1.0" encoding="utf-8"?>
+<cs:chartStyle xmlns:cs="http://schemas.microsoft.com/office/drawing/2012/chartStyle" xmlns:a="http://schemas.openxmlformats.org/drawingml/2006/main" id="240">
+  <cs:axisTitle>
+    <cs:lnRef idx="0"/>
+    <cs:fillRef idx="0"/>
+    <cs:effectRef idx="0"/>
+    <cs:fontRef idx="minor">
+      <a:schemeClr val="tx1">
+        <a:lumMod val="65000"/>
+        <a:lumOff val="35000"/>
+      </a:schemeClr>
+    </cs:fontRef>
+    <cs:defRPr sz="1000" kern="1200"/>
+  </cs:axisTitle>
+  <cs:categoryAxis>
+    <cs:lnRef idx="0"/>
+    <cs:fillRef idx="0"/>
+    <cs:effectRef idx="0"/>
+    <cs:fontRef idx="minor">
+      <a:schemeClr val="tx1">
+        <a:lumMod val="65000"/>
+        <a:lumOff val="35000"/>
+      </a:schemeClr>
+    </cs:fontRef>
+    <cs:spPr>
+      <a:ln w="9525" cap="flat" cmpd="sng" algn="ctr">
+        <a:solidFill>
+          <a:schemeClr val="tx1">
+            <a:lumMod val="25000"/>
+            <a:lumOff val="75000"/>
+          </a:schemeClr>
+        </a:solidFill>
+        <a:round/>
+      </a:ln>
+    </cs:spPr>
+    <cs:defRPr sz="900" kern="1200"/>
+  </cs:categoryAxis>
+  <cs:chartArea mods="allowNoFillOverride allowNoLineOverride">
+    <cs:lnRef idx="0"/>
+    <cs:fillRef idx="0"/>
+    <cs:effectRef idx="0"/>
+    <cs:fontRef idx="minor">
+      <a:schemeClr val="tx1"/>
+    </cs:fontRef>
+    <cs:spPr>
+      <a:solidFill>
+        <a:schemeClr val="bg1"/>
+      </a:solidFill>
+      <a:ln w="9525" cap="flat" cmpd="sng" algn="ctr">
+        <a:solidFill>
+          <a:schemeClr val="tx1">
+            <a:lumMod val="15000"/>
+            <a:lumOff val="85000"/>
+          </a:schemeClr>
+        </a:solidFill>
+        <a:round/>
+      </a:ln>
+    </cs:spPr>
+    <cs:defRPr sz="1000" kern="1200"/>
+  </cs:chartArea>
+  <cs:dataLabel>
+    <cs:lnRef idx="0"/>
+    <cs:fillRef idx="0"/>
+    <cs:effectRef idx="0"/>
+    <cs:fontRef idx="minor">
+      <a:schemeClr val="tx1">
+        <a:lumMod val="75000"/>
+        <a:lumOff val="25000"/>
+      </a:schemeClr>
+    </cs:fontRef>
+    <cs:defRPr sz="900" kern="1200"/>
+  </cs:dataLabel>
+  <cs:dataLabelCallout>
+    <cs:lnRef idx="0"/>
+    <cs:fillRef idx="0"/>
+    <cs:effectRef idx="0"/>
+    <cs:fontRef idx="minor">
+      <a:schemeClr val="dk1">
+        <a:lumMod val="65000"/>
+        <a:lumOff val="35000"/>
+      </a:schemeClr>
+    </cs:fontRef>
+    <cs:spPr>
+      <a:solidFill>
+        <a:schemeClr val="lt1"/>
+      </a:solidFill>
+      <a:ln>
+        <a:solidFill>
+          <a:schemeClr val="dk1">
+            <a:lumMod val="25000"/>
+            <a:lumOff val="75000"/>
+          </a:schemeClr>
+        </a:solidFill>
+      </a:ln>
+    </cs:spPr>
+    <cs:defRPr sz="900" kern="1200"/>
+    <cs:bodyPr rot="0" spcFirstLastPara="1" vertOverflow="clip" horzOverflow="clip" vert="horz" wrap="square" lIns="36576" tIns="18288" rIns="36576" bIns="18288" anchor="ctr" anchorCtr="1">
+      <a:spAutoFit/>
+    </cs:bodyPr>
+  </cs:dataLabelCallout>
+  <cs:dataPoint>
+    <cs:lnRef idx="0"/>
+    <cs:fillRef idx="1">
+      <cs:styleClr val="auto"/>
+    </cs:fillRef>
+    <cs:effectRef idx="0"/>
+    <cs:fontRef idx="minor">
+      <a:schemeClr val="tx1"/>
+    </cs:fontRef>
+  </cs:dataPoint>
+  <cs:dataPoint3D>
+    <cs:lnRef idx="0"/>
+    <cs:fillRef idx="1">
+      <cs:styleClr val="auto"/>
+    </cs:fillRef>
+    <cs:effectRef idx="0"/>
+    <cs:fontRef idx="minor">
+      <a:schemeClr val="tx1"/>
+    </cs:fontRef>
+  </cs:dataPoint3D>
+  <cs:dataPointLine>
+    <cs:lnRef idx="0">
+      <cs:styleClr val="auto"/>
+    </cs:lnRef>
+    <cs:fillRef idx="1"/>
+    <cs:effectRef idx="0"/>
+    <cs:fontRef idx="minor">
+      <a:schemeClr val="tx1"/>
+    </cs:fontRef>
+    <cs:spPr>
+      <a:ln w="19050" cap="rnd">
+        <a:solidFill>
+          <a:schemeClr val="phClr"/>
+        </a:solidFill>
+        <a:round/>
+      </a:ln>
+    </cs:spPr>
+  </cs:dataPointLine>
+  <cs:dataPointMarker>
+    <cs:lnRef idx="0">
+      <cs:styleClr val="auto"/>
+    </cs:lnRef>
+    <cs:fillRef idx="1">
+      <cs:styleClr val="auto"/>
+    </cs:fillRef>
+    <cs:effectRef idx="0"/>
+    <cs:fontRef idx="minor">
+      <a:schemeClr val="tx1"/>
+    </cs:fontRef>
+    <cs:spPr>
+      <a:ln w="9525">
+        <a:solidFill>
+          <a:schemeClr val="phClr"/>
+        </a:solidFill>
+      </a:ln>
+    </cs:spPr>
+  </cs:dataPointMarker>
+  <cs:dataPointMarkerLayout symbol="circle" size="5"/>
+  <cs:dataPointWireframe>
+    <cs:lnRef idx="0">
+      <cs:styleClr val="auto"/>
+    </cs:lnRef>
+    <cs:fillRef idx="0"/>
+    <cs:effectRef idx="0"/>
+    <cs:fontRef idx="minor">
+      <a:schemeClr val="dk1"/>
+    </cs:fontRef>
+    <cs:spPr>
+      <a:ln w="9525" cap="rnd">
+        <a:solidFill>
+          <a:schemeClr val="phClr"/>
+        </a:solidFill>
+        <a:round/>
+      </a:ln>
+    </cs:spPr>
+  </cs:dataPointWireframe>
+  <cs:dataTable>
+    <cs:lnRef idx="0"/>
+    <cs:fillRef idx="0"/>
+    <cs:effectRef idx="0"/>
+    <cs:fontRef idx="minor">
+      <a:schemeClr val="tx1">
+        <a:lumMod val="65000"/>
+        <a:lumOff val="35000"/>
+      </a:schemeClr>
+    </cs:fontRef>
+    <cs:spPr>
+      <a:noFill/>
+      <a:ln w="9525" cap="flat" cmpd="sng" algn="ctr">
+        <a:solidFill>
+          <a:schemeClr val="tx1">
+            <a:lumMod val="15000"/>
+            <a:lumOff val="85000"/>
+          </a:schemeClr>
+        </a:solidFill>
+        <a:round/>
+      </a:ln>
+    </cs:spPr>
+    <cs:defRPr sz="900" kern="1200"/>
+  </cs:dataTable>
+  <cs:downBar>
+    <cs:lnRef idx="0"/>
+    <cs:fillRef idx="0"/>
+    <cs:effectRef idx="0"/>
+    <cs:fontRef idx="minor">
+      <a:schemeClr val="tx1"/>
+    </cs:fontRef>
+    <cs:spPr>
+      <a:solidFill>
+        <a:schemeClr val="dk1">
+          <a:lumMod val="75000"/>
+          <a:lumOff val="25000"/>
+        </a:schemeClr>
+      </a:solidFill>
+      <a:ln w="9525" cap="flat" cmpd="sng" algn="ctr">
+        <a:solidFill>
+          <a:schemeClr val="tx1">
+            <a:lumMod val="65000"/>
+            <a:lumOff val="35000"/>
+          </a:schemeClr>
+        </a:solidFill>
+        <a:round/>
+      </a:ln>
+    </cs:spPr>
+  </cs:downBar>
+  <cs:dropLine>
+    <cs:lnRef idx="0"/>
+    <cs:fillRef idx="0"/>
+    <cs:effectRef idx="0"/>
+    <cs:fontRef idx="minor">
+      <a:schemeClr val="tx1"/>
+    </cs:fontRef>
+    <cs:spPr>
+      <a:ln w="9525" cap="flat" cmpd="sng" algn="ctr">
+        <a:solidFill>
+          <a:schemeClr val="tx1">
+            <a:lumMod val="35000"/>
+            <a:lumOff val="65000"/>
+          </a:schemeClr>
+        </a:solidFill>
+        <a:round/>
+      </a:ln>
+    </cs:spPr>
+  </cs:dropLine>
+  <cs:errorBar>
+    <cs:lnRef idx="0"/>
+    <cs:fillRef idx="0"/>
+    <cs:effectRef idx="0"/>
+    <cs:fontRef idx="minor">
+      <a:schemeClr val="tx1"/>
+    </cs:fontRef>
+    <cs:spPr>
+      <a:ln w="9525" cap="flat" cmpd="sng" algn="ctr">
+        <a:solidFill>
+          <a:schemeClr val="tx1">
+            <a:lumMod val="65000"/>
+            <a:lumOff val="35000"/>
+          </a:schemeClr>
+        </a:solidFill>
+        <a:round/>
+      </a:ln>
+    </cs:spPr>
+  </cs:errorBar>
+  <cs:floor>
+    <cs:lnRef idx="0"/>
+    <cs:fillRef idx="0"/>
+    <cs:effectRef idx="0"/>
+    <cs:fontRef idx="minor">
+      <a:schemeClr val="tx1"/>
+    </cs:fontRef>
+    <cs:spPr>
+      <a:noFill/>
+      <a:ln>
+        <a:noFill/>
+      </a:ln>
+    </cs:spPr>
+  </cs:floor>
+  <cs:gridlineMajor>
+    <cs:lnRef idx="0"/>
+    <cs:fillRef idx="0"/>
+    <cs:effectRef idx="0"/>
+    <cs:fontRef idx="minor">
+      <a:schemeClr val="tx1"/>
+    </cs:fontRef>
+    <cs:spPr>
+      <a:ln w="9525" cap="flat" cmpd="sng" algn="ctr">
+        <a:solidFill>
+          <a:schemeClr val="tx1">
+            <a:lumMod val="15000"/>
+            <a:lumOff val="85000"/>
+          </a:schemeClr>
+        </a:solidFill>
+        <a:round/>
+      </a:ln>
+    </cs:spPr>
+  </cs:gridlineMajor>
+  <cs:gridlineMinor>
+    <cs:lnRef idx="0"/>
+    <cs:fillRef idx="0"/>
+    <cs:effectRef idx="0"/>
+    <cs:fontRef idx="minor">
+      <a:schemeClr val="tx1"/>
+    </cs:fontRef>
+    <cs:spPr>
+      <a:ln w="9525" cap="flat" cmpd="sng" algn="ctr">
+        <a:solidFill>
+          <a:schemeClr val="tx1">
+            <a:lumMod val="5000"/>
+            <a:lumOff val="95000"/>
+          </a:schemeClr>
+        </a:solidFill>
+        <a:round/>
+      </a:ln>
+    </cs:spPr>
+  </cs:gridlineMinor>
+  <cs:hiLoLine>
+    <cs:lnRef idx="0"/>
+    <cs:fillRef idx="0"/>
+    <cs:effectRef idx="0"/>
+    <cs:fontRef idx="minor">
+      <a:schemeClr val="tx1"/>
+    </cs:fontRef>
+    <cs:spPr>
+      <a:ln w="9525" cap="flat" cmpd="sng" algn="ctr">
+        <a:solidFill>
+          <a:schemeClr val="tx1">
+            <a:lumMod val="50000"/>
+            <a:lumOff val="50000"/>
+          </a:schemeClr>
+        </a:solidFill>
+        <a:round/>
+      </a:ln>
+    </cs:spPr>
+  </cs:hiLoLine>
+  <cs:leaderLine>
+    <cs:lnRef idx="0"/>
+    <cs:fillRef idx="0"/>
+    <cs:effectRef idx="0"/>
+    <cs:fontRef idx="minor">
+      <a:schemeClr val="tx1"/>
+    </cs:fontRef>
+    <cs:spPr>
+      <a:ln w="9525" cap="flat" cmpd="sng" algn="ctr">
+        <a:solidFill>
+          <a:schemeClr val="tx1">
+            <a:lumMod val="35000"/>
+            <a:lumOff val="65000"/>
+          </a:schemeClr>
+        </a:solidFill>
+        <a:round/>
+      </a:ln>
+    </cs:spPr>
+  </cs:leaderLine>
+  <cs:legend>
+    <cs:lnRef idx="0"/>
+    <cs:fillRef idx="0"/>
+    <cs:effectRef idx="0"/>
+    <cs:fontRef idx="minor">
+      <a:schemeClr val="tx1">
+        <a:lumMod val="65000"/>
+        <a:lumOff val="35000"/>
+      </a:schemeClr>
+    </cs:fontRef>
+    <cs:defRPr sz="900" kern="1200"/>
+  </cs:legend>
+  <cs:plotArea mods="allowNoFillOverride allowNoLineOverride">
+    <cs:lnRef idx="0"/>
+    <cs:fillRef idx="0"/>
+    <cs:effectRef idx="0"/>
+    <cs:fontRef idx="minor">
+      <a:schemeClr val="tx1"/>
+    </cs:fontRef>
+  </cs:plotArea>
+  <cs:plotArea3D mods="allowNoFillOverride allowNoLineOverride">
+    <cs:lnRef idx="0"/>
+    <cs:fillRef idx="0"/>
+    <cs:effectRef idx="0"/>
+    <cs:fontRef idx="minor">
+      <a:schemeClr val="tx1"/>
+    </cs:fontRef>
+  </cs:plotArea3D>
+  <cs:seriesAxis>
+    <cs:lnRef idx="0"/>
+    <cs:fillRef idx="0"/>
+    <cs:effectRef idx="0"/>
+    <cs:fontRef idx="minor">
+      <a:schemeClr val="tx1">
+        <a:lumMod val="65000"/>
+        <a:lumOff val="35000"/>
+      </a:schemeClr>
+    </cs:fontRef>
+    <cs:defRPr sz="900" kern="1200"/>
+  </cs:seriesAxis>
+  <cs:seriesLine>
+    <cs:lnRef idx="0"/>
+    <cs:fillRef idx="0"/>
+    <cs:effectRef idx="0"/>
+    <cs:fontRef idx="minor">
+      <a:schemeClr val="tx1"/>
+    </cs:fontRef>
+    <cs:spPr>
+      <a:ln w="9525" cap="flat" cmpd="sng" algn="ctr">
+        <a:solidFill>
+          <a:schemeClr val="tx1">
+            <a:lumMod val="35000"/>
+            <a:lumOff val="65000"/>
+          </a:schemeClr>
+        </a:solidFill>
+        <a:round/>
+      </a:ln>
+    </cs:spPr>
+  </cs:seriesLine>
+  <cs:title>
+    <cs:lnRef idx="0"/>
+    <cs:fillRef idx="0"/>
+    <cs:effectRef idx="0"/>
+    <cs:fontRef idx="minor">
+      <a:schemeClr val="tx1">
+        <a:lumMod val="65000"/>
+        <a:lumOff val="35000"/>
+      </a:schemeClr>
+    </cs:fontRef>
+    <cs:defRPr sz="1400" b="0" kern="1200" spc="0" baseline="0"/>
+  </cs:title>
+  <cs:trendline>
+    <cs:lnRef idx="0">
+      <cs:styleClr val="auto"/>
+    </cs:lnRef>
+    <cs:fillRef idx="0"/>
+    <cs:effectRef idx="0"/>
+    <cs:fontRef idx="minor">
+      <a:schemeClr val="tx1"/>
+    </cs:fontRef>
+    <cs:spPr>
+      <a:ln w="19050" cap="rnd">
+        <a:solidFill>
+          <a:schemeClr val="phClr"/>
+        </a:solidFill>
+        <a:prstDash val="sysDot"/>
+      </a:ln>
+    </cs:spPr>
+  </cs:trendline>
+  <cs:trendlineLabel>
+    <cs:lnRef idx="0"/>
+    <cs:fillRef idx="0"/>
+    <cs:effectRef idx="0"/>
+    <cs:fontRef idx="minor">
+      <a:schemeClr val="tx1">
+        <a:lumMod val="65000"/>
+        <a:lumOff val="35000"/>
+      </a:schemeClr>
+    </cs:fontRef>
+    <cs:defRPr sz="900" kern="1200"/>
+  </cs:trendlineLabel>
+  <cs:upBar>
+    <cs:lnRef idx="0"/>
+    <cs:fillRef idx="0"/>
+    <cs:effectRef idx="0"/>
+    <cs:fontRef idx="minor">
+      <a:schemeClr val="tx1"/>
+    </cs:fontRef>
+    <cs:spPr>
+      <a:solidFill>
+        <a:schemeClr val="lt1"/>
+      </a:solidFill>
+      <a:ln w="9525" cap="flat" cmpd="sng" algn="ctr">
+        <a:solidFill>
+          <a:schemeClr val="tx1">
+            <a:lumMod val="65000"/>
+            <a:lumOff val="35000"/>
+          </a:schemeClr>
+        </a:solidFill>
+        <a:round/>
+      </a:ln>
+    </cs:spPr>
+  </cs:upBar>
+  <cs:valueAxis>
+    <cs:lnRef idx="0"/>
+    <cs:fillRef idx="0"/>
+    <cs:effectRef idx="0"/>
+    <cs:fontRef idx="minor">
+      <a:schemeClr val="tx1">
+        <a:lumMod val="65000"/>
+        <a:lumOff val="35000"/>
+      </a:schemeClr>
+    </cs:fontRef>
+    <cs:spPr>
+      <a:ln w="9525" cap="flat" cmpd="sng" algn="ctr">
+        <a:solidFill>
+          <a:schemeClr val="tx1">
+            <a:lumMod val="25000"/>
+            <a:lumOff val="75000"/>
+          </a:schemeClr>
+        </a:solidFill>
+        <a:round/>
+      </a:ln>
+    </cs:spPr>
+    <cs:defRPr sz="900" kern="1200"/>
+  </cs:valueAxis>
+  <cs:wall>
+    <cs:lnRef idx="0"/>
+    <cs:fillRef idx="0"/>
+    <cs:effectRef idx="0"/>
+    <cs:fontRef idx="minor">
+      <a:schemeClr val="tx1"/>
+    </cs:fontRef>
+    <cs:spPr>
+      <a:noFill/>
+      <a:ln>
+        <a:noFill/>
+      </a:ln>
+    </cs:spPr>
+  </cs:wall>
+</cs:chartStyle>
+</file>
+
+<file path=ppt/charts/style4.xml><?xml version="1.0" encoding="utf-8"?>
+<cs:chartStyle xmlns:cs="http://schemas.microsoft.com/office/drawing/2012/chartStyle" xmlns:a="http://schemas.openxmlformats.org/drawingml/2006/main" id="240">
+  <cs:axisTitle>
+    <cs:lnRef idx="0"/>
+    <cs:fillRef idx="0"/>
+    <cs:effectRef idx="0"/>
+    <cs:fontRef idx="minor">
+      <a:schemeClr val="tx1">
+        <a:lumMod val="65000"/>
+        <a:lumOff val="35000"/>
+      </a:schemeClr>
+    </cs:fontRef>
+    <cs:defRPr sz="1000" kern="1200"/>
+  </cs:axisTitle>
+  <cs:categoryAxis>
+    <cs:lnRef idx="0"/>
+    <cs:fillRef idx="0"/>
+    <cs:effectRef idx="0"/>
+    <cs:fontRef idx="minor">
+      <a:schemeClr val="tx1">
+        <a:lumMod val="65000"/>
+        <a:lumOff val="35000"/>
+      </a:schemeClr>
+    </cs:fontRef>
+    <cs:spPr>
+      <a:ln w="9525" cap="flat" cmpd="sng" algn="ctr">
+        <a:solidFill>
+          <a:schemeClr val="tx1">
+            <a:lumMod val="25000"/>
+            <a:lumOff val="75000"/>
+          </a:schemeClr>
+        </a:solidFill>
+        <a:round/>
+      </a:ln>
+    </cs:spPr>
+    <cs:defRPr sz="900" kern="1200"/>
+  </cs:categoryAxis>
+  <cs:chartArea mods="allowNoFillOverride allowNoLineOverride">
+    <cs:lnRef idx="0"/>
+    <cs:fillRef idx="0"/>
+    <cs:effectRef idx="0"/>
+    <cs:fontRef idx="minor">
+      <a:schemeClr val="tx1"/>
+    </cs:fontRef>
+    <cs:spPr>
+      <a:solidFill>
+        <a:schemeClr val="bg1"/>
+      </a:solidFill>
+      <a:ln w="9525" cap="flat" cmpd="sng" algn="ctr">
+        <a:solidFill>
+          <a:schemeClr val="tx1">
+            <a:lumMod val="15000"/>
+            <a:lumOff val="85000"/>
+          </a:schemeClr>
+        </a:solidFill>
+        <a:round/>
+      </a:ln>
+    </cs:spPr>
+    <cs:defRPr sz="1000" kern="1200"/>
+  </cs:chartArea>
+  <cs:dataLabel>
+    <cs:lnRef idx="0"/>
+    <cs:fillRef idx="0"/>
+    <cs:effectRef idx="0"/>
+    <cs:fontRef idx="minor">
+      <a:schemeClr val="tx1">
+        <a:lumMod val="75000"/>
+        <a:lumOff val="25000"/>
+      </a:schemeClr>
+    </cs:fontRef>
+    <cs:defRPr sz="900" kern="1200"/>
+  </cs:dataLabel>
+  <cs:dataLabelCallout>
+    <cs:lnRef idx="0"/>
+    <cs:fillRef idx="0"/>
+    <cs:effectRef idx="0"/>
+    <cs:fontRef idx="minor">
+      <a:schemeClr val="dk1">
+        <a:lumMod val="65000"/>
+        <a:lumOff val="35000"/>
+      </a:schemeClr>
+    </cs:fontRef>
+    <cs:spPr>
+      <a:solidFill>
+        <a:schemeClr val="lt1"/>
+      </a:solidFill>
+      <a:ln>
+        <a:solidFill>
+          <a:schemeClr val="dk1">
+            <a:lumMod val="25000"/>
+            <a:lumOff val="75000"/>
+          </a:schemeClr>
+        </a:solidFill>
+      </a:ln>
+    </cs:spPr>
+    <cs:defRPr sz="900" kern="1200"/>
+    <cs:bodyPr rot="0" spcFirstLastPara="1" vertOverflow="clip" horzOverflow="clip" vert="horz" wrap="square" lIns="36576" tIns="18288" rIns="36576" bIns="18288" anchor="ctr" anchorCtr="1">
+      <a:spAutoFit/>
+    </cs:bodyPr>
+  </cs:dataLabelCallout>
+  <cs:dataPoint>
+    <cs:lnRef idx="0"/>
+    <cs:fillRef idx="1">
+      <cs:styleClr val="auto"/>
+    </cs:fillRef>
+    <cs:effectRef idx="0"/>
+    <cs:fontRef idx="minor">
+      <a:schemeClr val="tx1"/>
+    </cs:fontRef>
+  </cs:dataPoint>
+  <cs:dataPoint3D>
+    <cs:lnRef idx="0"/>
+    <cs:fillRef idx="1">
+      <cs:styleClr val="auto"/>
+    </cs:fillRef>
+    <cs:effectRef idx="0"/>
+    <cs:fontRef idx="minor">
+      <a:schemeClr val="tx1"/>
+    </cs:fontRef>
+  </cs:dataPoint3D>
+  <cs:dataPointLine>
+    <cs:lnRef idx="0">
+      <cs:styleClr val="auto"/>
+    </cs:lnRef>
+    <cs:fillRef idx="1"/>
+    <cs:effectRef idx="0"/>
+    <cs:fontRef idx="minor">
+      <a:schemeClr val="tx1"/>
+    </cs:fontRef>
+    <cs:spPr>
+      <a:ln w="19050" cap="rnd">
+        <a:solidFill>
+          <a:schemeClr val="phClr"/>
+        </a:solidFill>
+        <a:round/>
+      </a:ln>
+    </cs:spPr>
+  </cs:dataPointLine>
+  <cs:dataPointMarker>
+    <cs:lnRef idx="0">
+      <cs:styleClr val="auto"/>
+    </cs:lnRef>
+    <cs:fillRef idx="1">
+      <cs:styleClr val="auto"/>
+    </cs:fillRef>
+    <cs:effectRef idx="0"/>
+    <cs:fontRef idx="minor">
+      <a:schemeClr val="tx1"/>
+    </cs:fontRef>
+    <cs:spPr>
+      <a:ln w="9525">
+        <a:solidFill>
+          <a:schemeClr val="phClr"/>
+        </a:solidFill>
+      </a:ln>
+    </cs:spPr>
+  </cs:dataPointMarker>
+  <cs:dataPointMarkerLayout symbol="circle" size="5"/>
+  <cs:dataPointWireframe>
+    <cs:lnRef idx="0">
+      <cs:styleClr val="auto"/>
+    </cs:lnRef>
+    <cs:fillRef idx="0"/>
+    <cs:effectRef idx="0"/>
+    <cs:fontRef idx="minor">
+      <a:schemeClr val="dk1"/>
+    </cs:fontRef>
+    <cs:spPr>
+      <a:ln w="9525" cap="rnd">
+        <a:solidFill>
+          <a:schemeClr val="phClr"/>
+        </a:solidFill>
+        <a:round/>
+      </a:ln>
+    </cs:spPr>
+  </cs:dataPointWireframe>
+  <cs:dataTable>
+    <cs:lnRef idx="0"/>
+    <cs:fillRef idx="0"/>
+    <cs:effectRef idx="0"/>
+    <cs:fontRef idx="minor">
+      <a:schemeClr val="tx1">
+        <a:lumMod val="65000"/>
+        <a:lumOff val="35000"/>
+      </a:schemeClr>
+    </cs:fontRef>
+    <cs:spPr>
+      <a:noFill/>
+      <a:ln w="9525" cap="flat" cmpd="sng" algn="ctr">
+        <a:solidFill>
+          <a:schemeClr val="tx1">
+            <a:lumMod val="15000"/>
+            <a:lumOff val="85000"/>
+          </a:schemeClr>
+        </a:solidFill>
+        <a:round/>
+      </a:ln>
+    </cs:spPr>
+    <cs:defRPr sz="900" kern="1200"/>
+  </cs:dataTable>
+  <cs:downBar>
+    <cs:lnRef idx="0"/>
+    <cs:fillRef idx="0"/>
+    <cs:effectRef idx="0"/>
+    <cs:fontRef idx="minor">
+      <a:schemeClr val="tx1"/>
+    </cs:fontRef>
+    <cs:spPr>
+      <a:solidFill>
+        <a:schemeClr val="dk1">
+          <a:lumMod val="75000"/>
+          <a:lumOff val="25000"/>
+        </a:schemeClr>
+      </a:solidFill>
+      <a:ln w="9525" cap="flat" cmpd="sng" algn="ctr">
+        <a:solidFill>
+          <a:schemeClr val="tx1">
+            <a:lumMod val="65000"/>
+            <a:lumOff val="35000"/>
+          </a:schemeClr>
+        </a:solidFill>
+        <a:round/>
+      </a:ln>
+    </cs:spPr>
+  </cs:downBar>
+  <cs:dropLine>
+    <cs:lnRef idx="0"/>
+    <cs:fillRef idx="0"/>
+    <cs:effectRef idx="0"/>
+    <cs:fontRef idx="minor">
+      <a:schemeClr val="tx1"/>
+    </cs:fontRef>
+    <cs:spPr>
+      <a:ln w="9525" cap="flat" cmpd="sng" algn="ctr">
+        <a:solidFill>
+          <a:schemeClr val="tx1">
+            <a:lumMod val="35000"/>
+            <a:lumOff val="65000"/>
+          </a:schemeClr>
+        </a:solidFill>
+        <a:round/>
+      </a:ln>
+    </cs:spPr>
+  </cs:dropLine>
+  <cs:errorBar>
+    <cs:lnRef idx="0"/>
+    <cs:fillRef idx="0"/>
+    <cs:effectRef idx="0"/>
+    <cs:fontRef idx="minor">
+      <a:schemeClr val="tx1"/>
+    </cs:fontRef>
+    <cs:spPr>
+      <a:ln w="9525" cap="flat" cmpd="sng" algn="ctr">
+        <a:solidFill>
+          <a:schemeClr val="tx1">
+            <a:lumMod val="65000"/>
+            <a:lumOff val="35000"/>
+          </a:schemeClr>
+        </a:solidFill>
+        <a:round/>
+      </a:ln>
+    </cs:spPr>
+  </cs:errorBar>
+  <cs:floor>
+    <cs:lnRef idx="0"/>
+    <cs:fillRef idx="0"/>
+    <cs:effectRef idx="0"/>
+    <cs:fontRef idx="minor">
+      <a:schemeClr val="tx1"/>
+    </cs:fontRef>
+    <cs:spPr>
+      <a:noFill/>
+      <a:ln>
+        <a:noFill/>
+      </a:ln>
+    </cs:spPr>
+  </cs:floor>
+  <cs:gridlineMajor>
+    <cs:lnRef idx="0"/>
+    <cs:fillRef idx="0"/>
+    <cs:effectRef idx="0"/>
+    <cs:fontRef idx="minor">
+      <a:schemeClr val="tx1"/>
+    </cs:fontRef>
+    <cs:spPr>
+      <a:ln w="9525" cap="flat" cmpd="sng" algn="ctr">
+        <a:solidFill>
+          <a:schemeClr val="tx1">
+            <a:lumMod val="15000"/>
+            <a:lumOff val="85000"/>
+          </a:schemeClr>
+        </a:solidFill>
+        <a:round/>
+      </a:ln>
+    </cs:spPr>
+  </cs:gridlineMajor>
+  <cs:gridlineMinor>
+    <cs:lnRef idx="0"/>
+    <cs:fillRef idx="0"/>
+    <cs:effectRef idx="0"/>
+    <cs:fontRef idx="minor">
+      <a:schemeClr val="tx1"/>
+    </cs:fontRef>
+    <cs:spPr>
+      <a:ln w="9525" cap="flat" cmpd="sng" algn="ctr">
+        <a:solidFill>
+          <a:schemeClr val="tx1">
+            <a:lumMod val="5000"/>
+            <a:lumOff val="95000"/>
+          </a:schemeClr>
+        </a:solidFill>
+        <a:round/>
+      </a:ln>
+    </cs:spPr>
+  </cs:gridlineMinor>
+  <cs:hiLoLine>
+    <cs:lnRef idx="0"/>
+    <cs:fillRef idx="0"/>
+    <cs:effectRef idx="0"/>
+    <cs:fontRef idx="minor">
+      <a:schemeClr val="tx1"/>
+    </cs:fontRef>
+    <cs:spPr>
+      <a:ln w="9525" cap="flat" cmpd="sng" algn="ctr">
+        <a:solidFill>
+          <a:schemeClr val="tx1">
+            <a:lumMod val="50000"/>
+            <a:lumOff val="50000"/>
+          </a:schemeClr>
+        </a:solidFill>
+        <a:round/>
+      </a:ln>
+    </cs:spPr>
+  </cs:hiLoLine>
+  <cs:leaderLine>
+    <cs:lnRef idx="0"/>
+    <cs:fillRef idx="0"/>
+    <cs:effectRef idx="0"/>
+    <cs:fontRef idx="minor">
+      <a:schemeClr val="tx1"/>
+    </cs:fontRef>
+    <cs:spPr>
+      <a:ln w="9525" cap="flat" cmpd="sng" algn="ctr">
+        <a:solidFill>
+          <a:schemeClr val="tx1">
+            <a:lumMod val="35000"/>
+            <a:lumOff val="65000"/>
+          </a:schemeClr>
+        </a:solidFill>
+        <a:round/>
+      </a:ln>
+    </cs:spPr>
+  </cs:leaderLine>
+  <cs:legend>
+    <cs:lnRef idx="0"/>
+    <cs:fillRef idx="0"/>
+    <cs:effectRef idx="0"/>
+    <cs:fontRef idx="minor">
+      <a:schemeClr val="tx1">
+        <a:lumMod val="65000"/>
+        <a:lumOff val="35000"/>
+      </a:schemeClr>
+    </cs:fontRef>
+    <cs:defRPr sz="900" kern="1200"/>
+  </cs:legend>
+  <cs:plotArea mods="allowNoFillOverride allowNoLineOverride">
+    <cs:lnRef idx="0"/>
+    <cs:fillRef idx="0"/>
+    <cs:effectRef idx="0"/>
+    <cs:fontRef idx="minor">
+      <a:schemeClr val="tx1"/>
+    </cs:fontRef>
+  </cs:plotArea>
+  <cs:plotArea3D mods="allowNoFillOverride allowNoLineOverride">
+    <cs:lnRef idx="0"/>
+    <cs:fillRef idx="0"/>
+    <cs:effectRef idx="0"/>
+    <cs:fontRef idx="minor">
+      <a:schemeClr val="tx1"/>
+    </cs:fontRef>
+  </cs:plotArea3D>
+  <cs:seriesAxis>
+    <cs:lnRef idx="0"/>
+    <cs:fillRef idx="0"/>
+    <cs:effectRef idx="0"/>
+    <cs:fontRef idx="minor">
+      <a:schemeClr val="tx1">
+        <a:lumMod val="65000"/>
+        <a:lumOff val="35000"/>
+      </a:schemeClr>
+    </cs:fontRef>
+    <cs:defRPr sz="900" kern="1200"/>
+  </cs:seriesAxis>
+  <cs:seriesLine>
+    <cs:lnRef idx="0"/>
+    <cs:fillRef idx="0"/>
+    <cs:effectRef idx="0"/>
+    <cs:fontRef idx="minor">
+      <a:schemeClr val="tx1"/>
+    </cs:fontRef>
+    <cs:spPr>
+      <a:ln w="9525" cap="flat" cmpd="sng" algn="ctr">
+        <a:solidFill>
+          <a:schemeClr val="tx1">
+            <a:lumMod val="35000"/>
+            <a:lumOff val="65000"/>
+          </a:schemeClr>
+        </a:solidFill>
+        <a:round/>
+      </a:ln>
+    </cs:spPr>
+  </cs:seriesLine>
+  <cs:title>
+    <cs:lnRef idx="0"/>
+    <cs:fillRef idx="0"/>
+    <cs:effectRef idx="0"/>
+    <cs:fontRef idx="minor">
+      <a:schemeClr val="tx1">
+        <a:lumMod val="65000"/>
+        <a:lumOff val="35000"/>
+      </a:schemeClr>
+    </cs:fontRef>
+    <cs:defRPr sz="1400" b="0" kern="1200" spc="0" baseline="0"/>
+  </cs:title>
+  <cs:trendline>
+    <cs:lnRef idx="0">
+      <cs:styleClr val="auto"/>
+    </cs:lnRef>
+    <cs:fillRef idx="0"/>
+    <cs:effectRef idx="0"/>
+    <cs:fontRef idx="minor">
+      <a:schemeClr val="tx1"/>
+    </cs:fontRef>
+    <cs:spPr>
+      <a:ln w="19050" cap="rnd">
+        <a:solidFill>
+          <a:schemeClr val="phClr"/>
+        </a:solidFill>
+        <a:prstDash val="sysDot"/>
+      </a:ln>
+    </cs:spPr>
+  </cs:trendline>
+  <cs:trendlineLabel>
+    <cs:lnRef idx="0"/>
+    <cs:fillRef idx="0"/>
+    <cs:effectRef idx="0"/>
+    <cs:fontRef idx="minor">
+      <a:schemeClr val="tx1">
+        <a:lumMod val="65000"/>
+        <a:lumOff val="35000"/>
+      </a:schemeClr>
+    </cs:fontRef>
+    <cs:defRPr sz="900" kern="1200"/>
+  </cs:trendlineLabel>
+  <cs:upBar>
+    <cs:lnRef idx="0"/>
+    <cs:fillRef idx="0"/>
+    <cs:effectRef idx="0"/>
+    <cs:fontRef idx="minor">
+      <a:schemeClr val="tx1"/>
+    </cs:fontRef>
+    <cs:spPr>
+      <a:solidFill>
+        <a:schemeClr val="lt1"/>
+      </a:solidFill>
+      <a:ln w="9525" cap="flat" cmpd="sng" algn="ctr">
+        <a:solidFill>
+          <a:schemeClr val="tx1">
+            <a:lumMod val="65000"/>
+            <a:lumOff val="35000"/>
+          </a:schemeClr>
+        </a:solidFill>
+        <a:round/>
+      </a:ln>
+    </cs:spPr>
+  </cs:upBar>
+  <cs:valueAxis>
+    <cs:lnRef idx="0"/>
+    <cs:fillRef idx="0"/>
+    <cs:effectRef idx="0"/>
+    <cs:fontRef idx="minor">
+      <a:schemeClr val="tx1">
+        <a:lumMod val="65000"/>
+        <a:lumOff val="35000"/>
+      </a:schemeClr>
+    </cs:fontRef>
+    <cs:spPr>
+      <a:ln w="9525" cap="flat" cmpd="sng" algn="ctr">
+        <a:solidFill>
+          <a:schemeClr val="tx1">
+            <a:lumMod val="25000"/>
+            <a:lumOff val="75000"/>
+          </a:schemeClr>
+        </a:solidFill>
+        <a:round/>
+      </a:ln>
+    </cs:spPr>
+    <cs:defRPr sz="900" kern="1200"/>
+  </cs:valueAxis>
+  <cs:wall>
+    <cs:lnRef idx="0"/>
+    <cs:fillRef idx="0"/>
+    <cs:effectRef idx="0"/>
+    <cs:fontRef idx="minor">
+      <a:schemeClr val="tx1"/>
+    </cs:fontRef>
+    <cs:spPr>
+      <a:noFill/>
+      <a:ln>
+        <a:noFill/>
+      </a:ln>
+    </cs:spPr>
+  </cs:wall>
+</cs:chartStyle>
+</file>
+
+<file path=ppt/charts/style5.xml><?xml version="1.0" encoding="utf-8"?>
 <cs:chartStyle xmlns:cs="http://schemas.microsoft.com/office/drawing/2012/chartStyle" xmlns:a="http://schemas.openxmlformats.org/drawingml/2006/main" id="240">
   <cs:axisTitle>
     <cs:lnRef idx="0"/>
@@ -7200,7 +9606,7 @@
   <dgm:whole/>
   <dgm:extLst>
     <a:ext uri="http://schemas.microsoft.com/office/drawing/2008/diagram">
-      <dsp:dataModelExt xmlns:dsp="http://schemas.microsoft.com/office/drawing/2008/diagram" relId="rId9" minVer="http://schemas.openxmlformats.org/drawingml/2006/diagram"/>
+      <dsp:dataModelExt xmlns:dsp="http://schemas.microsoft.com/office/drawing/2008/diagram" relId="rId11" minVer="http://schemas.openxmlformats.org/drawingml/2006/diagram"/>
     </a:ext>
     <a:ext uri="{C62137D5-CB1D-491B-B009-E17868A290BF}">
       <dgm14:recolorImg xmlns:dgm14="http://schemas.microsoft.com/office/drawing/2010/diagram" val="1"/>
@@ -7797,7 +10203,7 @@
   <dgm:whole/>
   <dgm:extLst>
     <a:ext uri="http://schemas.microsoft.com/office/drawing/2008/diagram">
-      <dsp:dataModelExt xmlns:dsp="http://schemas.microsoft.com/office/drawing/2008/diagram" relId="rId8" minVer="http://schemas.openxmlformats.org/drawingml/2006/diagram"/>
+      <dsp:dataModelExt xmlns:dsp="http://schemas.microsoft.com/office/drawing/2008/diagram" relId="rId11" minVer="http://schemas.openxmlformats.org/drawingml/2006/diagram"/>
     </a:ext>
   </dgm:extLst>
 </dgm:dataModel>
@@ -14740,7 +17146,7 @@
             </a:pPr>
             <a:fld id="{00000000-1234-1234-1234-123412341234}" type="slidenum">
               <a:rPr lang="en"/>
-              <a:t>‹#›</a:t>
+              <a:t>‹N°›</a:t>
             </a:fld>
             <a:endParaRPr/>
           </a:p>
@@ -15907,7 +18313,7 @@
             </a:pPr>
             <a:fld id="{00000000-1234-1234-1234-123412341234}" type="slidenum">
               <a:rPr lang="en"/>
-              <a:t>‹#›</a:t>
+              <a:t>‹N°›</a:t>
             </a:fld>
             <a:endParaRPr/>
           </a:p>
@@ -16011,7 +18417,7 @@
             </a:pPr>
             <a:fld id="{00000000-1234-1234-1234-123412341234}" type="slidenum">
               <a:rPr lang="en"/>
-              <a:t>‹#›</a:t>
+              <a:t>‹N°›</a:t>
             </a:fld>
             <a:endParaRPr/>
           </a:p>
@@ -16103,7 +18509,7 @@
             </a:pPr>
             <a:fld id="{00000000-1234-1234-1234-123412341234}" type="slidenum">
               <a:rPr lang="en" smtClean="0"/>
-              <a:t>‹#›</a:t>
+              <a:t>‹N°›</a:t>
             </a:fld>
             <a:endParaRPr lang="en"/>
           </a:p>
@@ -17144,7 +19550,7 @@
             </a:pPr>
             <a:fld id="{00000000-1234-1234-1234-123412341234}" type="slidenum">
               <a:rPr lang="en"/>
-              <a:t>‹#›</a:t>
+              <a:t>‹N°›</a:t>
             </a:fld>
             <a:endParaRPr/>
           </a:p>
@@ -17605,7 +20011,7 @@
             </a:pPr>
             <a:fld id="{00000000-1234-1234-1234-123412341234}" type="slidenum">
               <a:rPr lang="en"/>
-              <a:t>‹#›</a:t>
+              <a:t>‹N°›</a:t>
             </a:fld>
             <a:endParaRPr/>
           </a:p>
@@ -18195,7 +20601,7 @@
             </a:pPr>
             <a:fld id="{00000000-1234-1234-1234-123412341234}" type="slidenum">
               <a:rPr lang="en"/>
-              <a:t>‹#›</a:t>
+              <a:t>‹N°›</a:t>
             </a:fld>
             <a:endParaRPr/>
           </a:p>
@@ -18527,7 +20933,7 @@
             </a:pPr>
             <a:fld id="{00000000-1234-1234-1234-123412341234}" type="slidenum">
               <a:rPr lang="en"/>
-              <a:t>‹#›</a:t>
+              <a:t>‹N°›</a:t>
             </a:fld>
             <a:endParaRPr/>
           </a:p>
@@ -18988,7 +21394,7 @@
             </a:pPr>
             <a:fld id="{00000000-1234-1234-1234-123412341234}" type="slidenum">
               <a:rPr lang="en"/>
-              <a:t>‹#›</a:t>
+              <a:t>‹N°›</a:t>
             </a:fld>
             <a:endParaRPr/>
           </a:p>
@@ -20024,7 +22430,7 @@
             </a:pPr>
             <a:fld id="{00000000-1234-1234-1234-123412341234}" type="slidenum">
               <a:rPr lang="en"/>
-              <a:t>‹#›</a:t>
+              <a:t>‹N°›</a:t>
             </a:fld>
             <a:endParaRPr/>
           </a:p>
@@ -20641,7 +23047,7 @@
             </a:pPr>
             <a:fld id="{00000000-1234-1234-1234-123412341234}" type="slidenum">
               <a:rPr lang="en"/>
-              <a:t>‹#›</a:t>
+              <a:t>‹N°›</a:t>
             </a:fld>
             <a:endParaRPr/>
           </a:p>
@@ -20892,7 +23298,7 @@
             </a:pPr>
             <a:fld id="{00000000-1234-1234-1234-123412341234}" type="slidenum">
               <a:rPr lang="en"/>
-              <a:t>‹#›</a:t>
+              <a:t>‹N°›</a:t>
             </a:fld>
             <a:endParaRPr/>
           </a:p>
@@ -21589,7 +23995,7 @@
             </a:pPr>
             <a:fld id="{00000000-1234-1234-1234-123412341234}" type="slidenum">
               <a:rPr lang="en"/>
-              <a:t>‹#›</a:t>
+              <a:t>‹N°›</a:t>
             </a:fld>
             <a:endParaRPr/>
           </a:p>
@@ -22428,7 +24834,11 @@
             </a:extLst>
           </p:cNvPr>
           <p:cNvSpPr txBox="1"/>
-          <p:nvPr/>
+          <p:nvPr>
+            <p:custDataLst>
+              <p:tags r:id="rId3"/>
+            </p:custDataLst>
+          </p:nvPr>
         </p:nvSpPr>
         <p:spPr>
           <a:xfrm>
@@ -22472,7 +24882,11 @@
             </a:extLst>
           </p:cNvPr>
           <p:cNvSpPr txBox="1"/>
-          <p:nvPr/>
+          <p:nvPr>
+            <p:custDataLst>
+              <p:tags r:id="rId4"/>
+            </p:custDataLst>
+          </p:nvPr>
         </p:nvSpPr>
         <p:spPr>
           <a:xfrm>
@@ -22545,6 +24959,9 @@
           </p:cNvSpPr>
           <p:nvPr>
             <p:ph type="title"/>
+            <p:custDataLst>
+              <p:tags r:id="rId1"/>
+            </p:custDataLst>
           </p:nvPr>
         </p:nvSpPr>
         <p:spPr>
@@ -22578,6 +24995,9 @@
           </p:cNvSpPr>
           <p:nvPr>
             <p:ph type="sldNum" idx="12"/>
+            <p:custDataLst>
+              <p:tags r:id="rId2"/>
+            </p:custDataLst>
           </p:nvPr>
         </p:nvSpPr>
         <p:spPr/>
@@ -22747,6 +25167,9 @@
           </p:cNvSpPr>
           <p:nvPr>
             <p:ph type="sldNum" idx="12"/>
+            <p:custDataLst>
+              <p:tags r:id="rId3"/>
+            </p:custDataLst>
           </p:nvPr>
         </p:nvSpPr>
         <p:spPr/>
@@ -22781,7 +25204,11 @@
             </a:extLst>
           </p:cNvPr>
           <p:cNvGrpSpPr/>
-          <p:nvPr/>
+          <p:nvPr>
+            <p:custDataLst>
+              <p:tags r:id="rId4"/>
+            </p:custDataLst>
+          </p:nvPr>
         </p:nvGrpSpPr>
         <p:grpSpPr>
           <a:xfrm>
@@ -25579,7 +28006,11 @@
             </a:extLst>
           </p:cNvPr>
           <p:cNvGrpSpPr/>
-          <p:nvPr/>
+          <p:nvPr>
+            <p:custDataLst>
+              <p:tags r:id="rId5"/>
+            </p:custDataLst>
+          </p:nvPr>
         </p:nvGrpSpPr>
         <p:grpSpPr>
           <a:xfrm>
@@ -26474,7 +28905,7 @@
                   <a:avLst/>
                 </a:prstGeom>
                 <a:blipFill>
-                  <a:blip r:embed="rId5"/>
+                  <a:blip r:embed="rId8"/>
                   <a:stretch>
                     <a:fillRect/>
                   </a:stretch>
@@ -26579,6 +29010,9 @@
           </p:cNvSpPr>
           <p:nvPr>
             <p:ph type="sldNum" idx="12"/>
+            <p:custDataLst>
+              <p:tags r:id="rId2"/>
+            </p:custDataLst>
           </p:nvPr>
         </p:nvSpPr>
         <p:spPr/>
@@ -26613,7 +29047,11 @@
             </a:extLst>
           </p:cNvPr>
           <p:cNvGrpSpPr/>
-          <p:nvPr/>
+          <p:nvPr>
+            <p:custDataLst>
+              <p:tags r:id="rId3"/>
+            </p:custDataLst>
+          </p:nvPr>
         </p:nvGrpSpPr>
         <p:grpSpPr>
           <a:xfrm>
@@ -26730,16 +29168,7 @@
                                 </a:solidFill>
                                 <a:latin typeface="Cambria Math" panose="02040503050406030204" pitchFamily="18" charset="0"/>
                               </a:rPr>
-                              <m:t>+</m:t>
-                            </m:r>
-                            <m:r>
-                              <a:rPr lang="fr-CA" i="1">
-                                <a:solidFill>
-                                  <a:schemeClr val="bg1"/>
-                                </a:solidFill>
-                                <a:latin typeface="Cambria Math" panose="02040503050406030204" pitchFamily="18" charset="0"/>
-                              </a:rPr>
-                              <m:t>1</m:t>
+                              <m:t>+1</m:t>
                             </m:r>
                           </m:sup>
                         </m:sSubSup>
@@ -27054,16 +29483,7 @@
                                 </a:solidFill>
                                 <a:latin typeface="Cambria Math" panose="02040503050406030204" pitchFamily="18" charset="0"/>
                               </a:rPr>
-                              <m:t>+</m:t>
-                            </m:r>
-                            <m:r>
-                              <a:rPr lang="fr-CA" i="1">
-                                <a:solidFill>
-                                  <a:schemeClr val="bg1"/>
-                                </a:solidFill>
-                                <a:latin typeface="Cambria Math" panose="02040503050406030204" pitchFamily="18" charset="0"/>
-                              </a:rPr>
-                              <m:t>1</m:t>
+                              <m:t>+1</m:t>
                             </m:r>
                           </m:sup>
                         </m:sSubSup>
@@ -27342,7 +29762,7 @@
                   <a:avLst/>
                 </a:prstGeom>
                 <a:blipFill>
-                  <a:blip r:embed="rId5"/>
+                  <a:blip r:embed="rId7"/>
                   <a:stretch>
                     <a:fillRect t="-1224"/>
                   </a:stretch>
@@ -27465,16 +29885,7 @@
                                 </a:solidFill>
                                 <a:latin typeface="Cambria Math" panose="02040503050406030204" pitchFamily="18" charset="0"/>
                               </a:rPr>
-                              <m:t>+</m:t>
-                            </m:r>
-                            <m:r>
-                              <a:rPr lang="fr-CA" i="1">
-                                <a:solidFill>
-                                  <a:schemeClr val="bg1"/>
-                                </a:solidFill>
-                                <a:latin typeface="Cambria Math" panose="02040503050406030204" pitchFamily="18" charset="0"/>
-                              </a:rPr>
-                              <m:t>1</m:t>
+                              <m:t>+1</m:t>
                             </m:r>
                           </m:sup>
                         </m:sSubSup>
@@ -27650,25 +30061,7 @@
                             </a:solidFill>
                             <a:latin typeface="Cambria Math" panose="02040503050406030204" pitchFamily="18" charset="0"/>
                           </a:rPr>
-                          <m:t>∗(</m:t>
-                        </m:r>
-                        <m:r>
-                          <a:rPr lang="fr-CA" i="1">
-                            <a:solidFill>
-                              <a:schemeClr val="bg1"/>
-                            </a:solidFill>
-                            <a:latin typeface="Cambria Math" panose="02040503050406030204" pitchFamily="18" charset="0"/>
-                          </a:rPr>
-                          <m:t>1</m:t>
-                        </m:r>
-                        <m:r>
-                          <a:rPr lang="fr-CA" i="1">
-                            <a:solidFill>
-                              <a:schemeClr val="bg1"/>
-                            </a:solidFill>
-                            <a:latin typeface="Cambria Math" panose="02040503050406030204" pitchFamily="18" charset="0"/>
-                          </a:rPr>
-                          <m:t>−</m:t>
+                          <m:t>∗(1−</m:t>
                         </m:r>
                         <m:sSup>
                           <m:sSupPr>
@@ -27928,7 +30321,7 @@
                   <a:avLst/>
                 </a:prstGeom>
                 <a:blipFill>
-                  <a:blip r:embed="rId6"/>
+                  <a:blip r:embed="rId8"/>
                   <a:stretch>
                     <a:fillRect t="-1829"/>
                   </a:stretch>
@@ -28481,7 +30874,7 @@
                   <a:avLst/>
                 </a:prstGeom>
                 <a:blipFill>
-                  <a:blip r:embed="rId7"/>
+                  <a:blip r:embed="rId9"/>
                   <a:stretch>
                     <a:fillRect t="-1408"/>
                   </a:stretch>
@@ -28503,8 +30896,8 @@
           </mc:Fallback>
         </mc:AlternateContent>
       </p:grpSp>
-      <mc:AlternateContent xmlns:mc="http://schemas.openxmlformats.org/markup-compatibility/2006">
-        <mc:Choice xmlns:a14="http://schemas.microsoft.com/office/drawing/2010/main" Requires="a14">
+      <mc:AlternateContent xmlns:mc="http://schemas.openxmlformats.org/markup-compatibility/2006" xmlns:a14="http://schemas.microsoft.com/office/drawing/2010/main">
+        <mc:Choice Requires="a14">
           <p:sp>
             <p:nvSpPr>
               <p:cNvPr id="11" name="Google Shape;187;p21">
@@ -28520,7 +30913,7 @@
               <p:nvPr>
                 <p:ph type="body" idx="1"/>
                 <p:custDataLst>
-                  <p:tags r:id="rId2"/>
+                  <p:tags r:id="rId4"/>
                 </p:custDataLst>
               </p:nvPr>
             </p:nvSpPr>
@@ -28671,7 +31064,7 @@
             </p:txBody>
           </p:sp>
         </mc:Choice>
-        <mc:Fallback>
+        <mc:Fallback xmlns="">
           <p:sp>
             <p:nvSpPr>
               <p:cNvPr id="11" name="Google Shape;187;p21">
@@ -28687,7 +31080,7 @@
               <p:nvPr>
                 <p:ph type="body" idx="1"/>
                 <p:custDataLst>
-                  <p:tags r:id="rId2"/>
+                  <p:tags r:id="rId10"/>
                 </p:custDataLst>
               </p:nvPr>
             </p:nvSpPr>
@@ -28700,7 +31093,7 @@
                 <a:avLst/>
               </a:prstGeom>
               <a:blipFill>
-                <a:blip r:embed="rId8"/>
+                <a:blip r:embed="rId11"/>
                 <a:stretch>
                   <a:fillRect l="-1109"/>
                 </a:stretch>
@@ -28765,6 +31158,9 @@
           </p:cNvSpPr>
           <p:nvPr>
             <p:ph type="title"/>
+            <p:custDataLst>
+              <p:tags r:id="rId1"/>
+            </p:custDataLst>
           </p:nvPr>
         </p:nvSpPr>
         <p:spPr/>
@@ -28793,6 +31189,9 @@
           </p:cNvSpPr>
           <p:nvPr>
             <p:ph type="sldNum" idx="12"/>
+            <p:custDataLst>
+              <p:tags r:id="rId2"/>
+            </p:custDataLst>
           </p:nvPr>
         </p:nvSpPr>
         <p:spPr/>
@@ -29012,6 +31411,9 @@
           </p:cNvSpPr>
           <p:nvPr>
             <p:ph type="sldNum" idx="12"/>
+            <p:custDataLst>
+              <p:tags r:id="rId3"/>
+            </p:custDataLst>
           </p:nvPr>
         </p:nvSpPr>
         <p:spPr/>
@@ -29163,6 +31565,9 @@
           </p:cNvSpPr>
           <p:nvPr>
             <p:ph type="sldNum" idx="12"/>
+            <p:custDataLst>
+              <p:tags r:id="rId3"/>
+            </p:custDataLst>
           </p:nvPr>
         </p:nvSpPr>
         <p:spPr/>
@@ -29197,7 +31602,11 @@
             </a:extLst>
           </p:cNvPr>
           <p:cNvSpPr txBox="1"/>
-          <p:nvPr/>
+          <p:nvPr>
+            <p:custDataLst>
+              <p:tags r:id="rId4"/>
+            </p:custDataLst>
+          </p:nvPr>
         </p:nvSpPr>
         <p:spPr>
           <a:xfrm>
@@ -29243,7 +31652,11 @@
             </a:extLst>
           </p:cNvPr>
           <p:cNvGrpSpPr/>
-          <p:nvPr/>
+          <p:nvPr>
+            <p:custDataLst>
+              <p:tags r:id="rId5"/>
+            </p:custDataLst>
+          </p:nvPr>
         </p:nvGrpSpPr>
         <p:grpSpPr>
           <a:xfrm>
@@ -29253,8 +31666,8 @@
             <a:chExt cx="7682780" cy="1401602"/>
           </a:xfrm>
         </p:grpSpPr>
-        <mc:AlternateContent xmlns:mc="http://schemas.openxmlformats.org/markup-compatibility/2006">
-          <mc:Choice xmlns:a14="http://schemas.microsoft.com/office/drawing/2010/main" Requires="a14">
+        <mc:AlternateContent xmlns:mc="http://schemas.openxmlformats.org/markup-compatibility/2006" xmlns:a14="http://schemas.microsoft.com/office/drawing/2010/main">
+          <mc:Choice Requires="a14">
             <p:sp>
               <p:nvSpPr>
                 <p:cNvPr id="3" name="TextBox 2">
@@ -29507,7 +31920,7 @@
               </p:txBody>
             </p:sp>
           </mc:Choice>
-          <mc:Fallback>
+          <mc:Fallback xmlns="">
             <p:sp>
               <p:nvSpPr>
                 <p:cNvPr id="3" name="TextBox 2">
@@ -29531,7 +31944,7 @@
                   <a:avLst/>
                 </a:prstGeom>
                 <a:blipFill>
-                  <a:blip r:embed="rId5"/>
+                  <a:blip r:embed="rId8"/>
                   <a:stretch>
                     <a:fillRect/>
                   </a:stretch>
@@ -29552,8 +31965,8 @@
             </p:sp>
           </mc:Fallback>
         </mc:AlternateContent>
-        <mc:AlternateContent xmlns:mc="http://schemas.openxmlformats.org/markup-compatibility/2006">
-          <mc:Choice xmlns:a14="http://schemas.microsoft.com/office/drawing/2010/main" Requires="a14">
+        <mc:AlternateContent xmlns:mc="http://schemas.openxmlformats.org/markup-compatibility/2006" xmlns:a14="http://schemas.microsoft.com/office/drawing/2010/main">
+          <mc:Choice Requires="a14">
             <p:sp>
               <p:nvSpPr>
                 <p:cNvPr id="4" name="TextBox 3">
@@ -29582,6 +31995,7 @@
                 </a:bodyPr>
                 <a:lstStyle/>
                 <a:p>
+                  <a:pPr/>
                   <a14:m>
                     <m:oMathPara xmlns:m="http://schemas.openxmlformats.org/officeDocument/2006/math">
                       <m:oMathParaPr>
@@ -29862,7 +32276,7 @@
               </p:txBody>
             </p:sp>
           </mc:Choice>
-          <mc:Fallback>
+          <mc:Fallback xmlns="">
             <p:sp>
               <p:nvSpPr>
                 <p:cNvPr id="4" name="TextBox 3">
@@ -29886,7 +32300,7 @@
                   <a:avLst/>
                 </a:prstGeom>
                 <a:blipFill>
-                  <a:blip r:embed="rId6"/>
+                  <a:blip r:embed="rId9"/>
                   <a:stretch>
                     <a:fillRect b="-5882"/>
                   </a:stretch>
@@ -29951,8 +32365,8 @@
             </a:p>
           </p:txBody>
         </p:sp>
-        <mc:AlternateContent xmlns:mc="http://schemas.openxmlformats.org/markup-compatibility/2006">
-          <mc:Choice xmlns:a14="http://schemas.microsoft.com/office/drawing/2010/main" Requires="a14">
+        <mc:AlternateContent xmlns:mc="http://schemas.openxmlformats.org/markup-compatibility/2006" xmlns:a14="http://schemas.microsoft.com/office/drawing/2010/main">
+          <mc:Choice Requires="a14">
             <p:sp>
               <p:nvSpPr>
                 <p:cNvPr id="8" name="TextBox 7">
@@ -30359,7 +32773,7 @@
               </p:txBody>
             </p:sp>
           </mc:Choice>
-          <mc:Fallback>
+          <mc:Fallback xmlns="">
             <p:sp>
               <p:nvSpPr>
                 <p:cNvPr id="8" name="TextBox 7">
@@ -30383,7 +32797,7 @@
                   <a:avLst/>
                 </a:prstGeom>
                 <a:blipFill>
-                  <a:blip r:embed="rId7"/>
+                  <a:blip r:embed="rId10"/>
                   <a:stretch>
                     <a:fillRect t="-870" b="-2174"/>
                   </a:stretch>
@@ -30532,6 +32946,9 @@
           </p:cNvSpPr>
           <p:nvPr>
             <p:ph type="sldNum" idx="12"/>
+            <p:custDataLst>
+              <p:tags r:id="rId3"/>
+            </p:custDataLst>
           </p:nvPr>
         </p:nvSpPr>
         <p:spPr/>
@@ -30556,8 +32973,8 @@
           </a:p>
         </p:txBody>
       </p:sp>
-      <mc:AlternateContent xmlns:mc="http://schemas.openxmlformats.org/markup-compatibility/2006">
-        <mc:Choice xmlns:a14="http://schemas.microsoft.com/office/drawing/2010/main" Requires="a14">
+      <mc:AlternateContent xmlns:mc="http://schemas.openxmlformats.org/markup-compatibility/2006" xmlns:a14="http://schemas.microsoft.com/office/drawing/2010/main">
+        <mc:Choice Requires="a14">
           <p:sp>
             <p:nvSpPr>
               <p:cNvPr id="3" name="TextBox 2">
@@ -30568,7 +32985,11 @@
                 </a:extLst>
               </p:cNvPr>
               <p:cNvSpPr txBox="1"/>
-              <p:nvPr/>
+              <p:nvPr>
+                <p:custDataLst>
+                  <p:tags r:id="rId4"/>
+                </p:custDataLst>
+              </p:nvPr>
             </p:nvSpPr>
             <p:spPr>
               <a:xfrm>
@@ -30586,6 +33007,7 @@
               </a:bodyPr>
               <a:lstStyle/>
               <a:p>
+                <a:pPr/>
                 <a14:m>
                   <m:oMathPara xmlns:m="http://schemas.openxmlformats.org/officeDocument/2006/math">
                     <m:oMathParaPr>
@@ -30754,7 +33176,7 @@
             </p:txBody>
           </p:sp>
         </mc:Choice>
-        <mc:Fallback>
+        <mc:Fallback xmlns="">
           <p:sp>
             <p:nvSpPr>
               <p:cNvPr id="3" name="TextBox 2">
@@ -30778,7 +33200,7 @@
                 <a:avLst/>
               </a:prstGeom>
               <a:blipFill>
-                <a:blip r:embed="rId5"/>
+                <a:blip r:embed="rId9"/>
                 <a:stretch>
                   <a:fillRect/>
                 </a:stretch>
@@ -30809,7 +33231,11 @@
             </a:extLst>
           </p:cNvPr>
           <p:cNvGrpSpPr/>
-          <p:nvPr/>
+          <p:nvPr>
+            <p:custDataLst>
+              <p:tags r:id="rId5"/>
+            </p:custDataLst>
+          </p:nvPr>
         </p:nvGrpSpPr>
         <p:grpSpPr>
           <a:xfrm>
@@ -30908,7 +33334,11 @@
             </a:extLst>
           </p:cNvPr>
           <p:cNvSpPr txBox="1"/>
-          <p:nvPr/>
+          <p:nvPr>
+            <p:custDataLst>
+              <p:tags r:id="rId6"/>
+            </p:custDataLst>
+          </p:nvPr>
         </p:nvSpPr>
         <p:spPr>
           <a:xfrm>
@@ -31071,6 +33501,9 @@
           </p:cNvSpPr>
           <p:nvPr>
             <p:ph type="sldNum" idx="12"/>
+            <p:custDataLst>
+              <p:tags r:id="rId3"/>
+            </p:custDataLst>
           </p:nvPr>
         </p:nvSpPr>
         <p:spPr/>
@@ -31105,7 +33538,11 @@
             </a:extLst>
           </p:cNvPr>
           <p:cNvSpPr txBox="1"/>
-          <p:nvPr/>
+          <p:nvPr>
+            <p:custDataLst>
+              <p:tags r:id="rId4"/>
+            </p:custDataLst>
+          </p:nvPr>
         </p:nvSpPr>
         <p:spPr>
           <a:xfrm>
@@ -31141,8 +33578,8 @@
           </a:p>
         </p:txBody>
       </p:sp>
-      <mc:AlternateContent xmlns:mc="http://schemas.openxmlformats.org/markup-compatibility/2006">
-        <mc:Choice xmlns:a14="http://schemas.microsoft.com/office/drawing/2010/main" Requires="a14">
+      <mc:AlternateContent xmlns:mc="http://schemas.openxmlformats.org/markup-compatibility/2006" xmlns:a14="http://schemas.microsoft.com/office/drawing/2010/main">
+        <mc:Choice Requires="a14">
           <p:sp>
             <p:nvSpPr>
               <p:cNvPr id="5" name="TextBox 4">
@@ -31153,7 +33590,11 @@
                 </a:extLst>
               </p:cNvPr>
               <p:cNvSpPr txBox="1"/>
-              <p:nvPr/>
+              <p:nvPr>
+                <p:custDataLst>
+                  <p:tags r:id="rId5"/>
+                </p:custDataLst>
+              </p:nvPr>
             </p:nvSpPr>
             <p:spPr>
               <a:xfrm>
@@ -31171,6 +33612,7 @@
               </a:bodyPr>
               <a:lstStyle/>
               <a:p>
+                <a:pPr/>
                 <a14:m>
                   <m:oMathPara xmlns:m="http://schemas.openxmlformats.org/officeDocument/2006/math">
                     <m:oMathParaPr>
@@ -31500,7 +33942,7 @@
             </p:txBody>
           </p:sp>
         </mc:Choice>
-        <mc:Fallback>
+        <mc:Fallback xmlns="">
           <p:sp>
             <p:nvSpPr>
               <p:cNvPr id="5" name="TextBox 4">
@@ -31524,7 +33966,7 @@
                 <a:avLst/>
               </a:prstGeom>
               <a:blipFill>
-                <a:blip r:embed="rId5"/>
+                <a:blip r:embed="rId8"/>
                 <a:stretch>
                   <a:fillRect/>
                 </a:stretch>
@@ -31702,6 +34144,9 @@
           </p:cNvSpPr>
           <p:nvPr>
             <p:ph type="sldNum" idx="12"/>
+            <p:custDataLst>
+              <p:tags r:id="rId3"/>
+            </p:custDataLst>
           </p:nvPr>
         </p:nvSpPr>
         <p:spPr/>
@@ -31765,6 +34210,9 @@
           </p:cNvSpPr>
           <p:nvPr>
             <p:ph type="title"/>
+            <p:custDataLst>
+              <p:tags r:id="rId1"/>
+            </p:custDataLst>
           </p:nvPr>
         </p:nvSpPr>
         <p:spPr/>
@@ -31793,6 +34241,9 @@
           </p:cNvSpPr>
           <p:nvPr>
             <p:ph type="sldNum" idx="12"/>
+            <p:custDataLst>
+              <p:tags r:id="rId2"/>
+            </p:custDataLst>
           </p:nvPr>
         </p:nvSpPr>
         <p:spPr/>
@@ -31861,6 +34312,9 @@
           </p:cNvSpPr>
           <p:nvPr>
             <p:ph type="title"/>
+            <p:custDataLst>
+              <p:tags r:id="rId1"/>
+            </p:custDataLst>
           </p:nvPr>
         </p:nvSpPr>
         <p:spPr>
@@ -31894,6 +34348,9 @@
           </p:cNvSpPr>
           <p:nvPr>
             <p:ph type="body" idx="1"/>
+            <p:custDataLst>
+              <p:tags r:id="rId2"/>
+            </p:custDataLst>
           </p:nvPr>
         </p:nvSpPr>
         <p:spPr>
@@ -31987,6 +34444,9 @@
           </p:cNvSpPr>
           <p:nvPr>
             <p:ph type="sldNum" idx="12"/>
+            <p:custDataLst>
+              <p:tags r:id="rId3"/>
+            </p:custDataLst>
           </p:nvPr>
         </p:nvSpPr>
         <p:spPr/>
@@ -32139,15 +34599,7 @@
             </a:pPr>
             <a:r>
               <a:rPr lang="fr-CA" noProof="0" dirty="0"/>
-              <a:t>Toutefois, nous voulons étudier le comportement du </a:t>
-            </a:r>
-            <a:r>
-              <a:rPr lang="fr-CA" noProof="0" dirty="0" err="1"/>
-              <a:t>systems</a:t>
-            </a:r>
-            <a:r>
-              <a:rPr lang="fr-CA" noProof="0" dirty="0"/>
-              <a:t> lorsque ces deux grandeurs sont variables dans le temps. La solution pour ce cas ne sera pas exacte.</a:t>
+              <a:t>Toutefois, nous voulons étudier le comportement du systèmes lorsque ces deux grandeurs sont variables dans le temps. La solution pour ce cas ne sera pas exacte.</a:t>
             </a:r>
           </a:p>
           <a:p>
@@ -32189,6 +34641,9 @@
           </p:cNvSpPr>
           <p:nvPr>
             <p:ph type="sldNum" idx="12"/>
+            <p:custDataLst>
+              <p:tags r:id="rId3"/>
+            </p:custDataLst>
           </p:nvPr>
         </p:nvSpPr>
         <p:spPr/>
@@ -32321,7 +34776,15 @@
             </a:pPr>
             <a:r>
               <a:rPr lang="fr-CA" noProof="0" dirty="0"/>
-              <a:t>Convergence numérique  ordre 1.25.</a:t>
+              <a:t>Convergence numérique  ordre </a:t>
+            </a:r>
+            <a:r>
+              <a:rPr lang="fr-CA" dirty="0"/>
+              <a:t>0.95 </a:t>
+            </a:r>
+            <a:r>
+              <a:rPr lang="fr-CA" noProof="0" dirty="0"/>
+              <a:t>.</a:t>
             </a:r>
           </a:p>
           <a:p>
@@ -32341,38 +34804,6 @@
           </a:p>
         </p:txBody>
       </p:sp>
-      <p:pic>
-        <p:nvPicPr>
-          <p:cNvPr id="229" name="Google Shape;229;p28"/>
-          <p:cNvPicPr preferRelativeResize="0"/>
-          <p:nvPr>
-            <p:custDataLst>
-              <p:tags r:id="rId3"/>
-            </p:custDataLst>
-          </p:nvPr>
-        </p:nvPicPr>
-        <p:blipFill>
-          <a:blip r:embed="rId6">
-            <a:alphaModFix/>
-          </a:blip>
-          <a:stretch>
-            <a:fillRect/>
-          </a:stretch>
-        </p:blipFill>
-        <p:spPr>
-          <a:xfrm>
-            <a:off x="3109792" y="1507357"/>
-            <a:ext cx="5362666" cy="3040791"/>
-          </a:xfrm>
-          <a:prstGeom prst="rect">
-            <a:avLst/>
-          </a:prstGeom>
-          <a:noFill/>
-          <a:ln>
-            <a:noFill/>
-          </a:ln>
-        </p:spPr>
-      </p:pic>
       <p:sp>
         <p:nvSpPr>
           <p:cNvPr id="2" name="Slide Number Placeholder 1">
@@ -32387,6 +34818,9 @@
           </p:cNvSpPr>
           <p:nvPr>
             <p:ph type="sldNum" idx="12"/>
+            <p:custDataLst>
+              <p:tags r:id="rId3"/>
+            </p:custDataLst>
           </p:nvPr>
         </p:nvSpPr>
         <p:spPr/>
@@ -32411,6 +34845,39 @@
           </a:p>
         </p:txBody>
       </p:sp>
+      <p:graphicFrame>
+        <p:nvGraphicFramePr>
+          <p:cNvPr id="6" name="Graphique 5">
+            <a:extLst>
+              <a:ext uri="{FF2B5EF4-FFF2-40B4-BE49-F238E27FC236}">
+                <a16:creationId xmlns:a16="http://schemas.microsoft.com/office/drawing/2014/main" id="{4993D497-A34F-4D5E-9CC3-43124EECF097}"/>
+              </a:ext>
+            </a:extLst>
+          </p:cNvPr>
+          <p:cNvGraphicFramePr>
+            <a:graphicFrameLocks/>
+          </p:cNvGraphicFramePr>
+          <p:nvPr>
+            <p:custDataLst>
+              <p:tags r:id="rId4"/>
+            </p:custDataLst>
+            <p:extLst>
+              <p:ext uri="{D42A27DB-BD31-4B8C-83A1-F6EECF244321}">
+                <p14:modId xmlns:p14="http://schemas.microsoft.com/office/powerpoint/2010/main" val="3458882902"/>
+              </p:ext>
+            </p:extLst>
+          </p:nvPr>
+        </p:nvGraphicFramePr>
+        <p:xfrm>
+          <a:off x="3200399" y="1496523"/>
+          <a:ext cx="5183842" cy="2810436"/>
+        </p:xfrm>
+        <a:graphic>
+          <a:graphicData uri="http://schemas.openxmlformats.org/drawingml/2006/chart">
+            <c:chart xmlns:c="http://schemas.openxmlformats.org/drawingml/2006/chart" xmlns:r="http://schemas.openxmlformats.org/officeDocument/2006/relationships" r:id="rId7"/>
+          </a:graphicData>
+        </a:graphic>
+      </p:graphicFrame>
     </p:spTree>
   </p:cSld>
   <p:clrMapOvr>
@@ -32420,6 +34887,191 @@
 </file>
 
 <file path=ppt/slides/slide22.xml><?xml version="1.0" encoding="utf-8"?>
+<p:sld xmlns:a="http://schemas.openxmlformats.org/drawingml/2006/main" xmlns:r="http://schemas.openxmlformats.org/officeDocument/2006/relationships" xmlns:p="http://schemas.openxmlformats.org/presentationml/2006/main">
+  <p:cSld>
+    <p:spTree>
+      <p:nvGrpSpPr>
+        <p:cNvPr id="1" name=""/>
+        <p:cNvGrpSpPr/>
+        <p:nvPr/>
+      </p:nvGrpSpPr>
+      <p:grpSpPr>
+        <a:xfrm>
+          <a:off x="0" y="0"/>
+          <a:ext cx="0" cy="0"/>
+          <a:chOff x="0" y="0"/>
+          <a:chExt cx="0" cy="0"/>
+        </a:xfrm>
+      </p:grpSpPr>
+      <p:sp>
+        <p:nvSpPr>
+          <p:cNvPr id="2" name="Titre 1">
+            <a:extLst>
+              <a:ext uri="{FF2B5EF4-FFF2-40B4-BE49-F238E27FC236}">
+                <a16:creationId xmlns:a16="http://schemas.microsoft.com/office/drawing/2014/main" id="{FADA9D58-D58D-4491-B0BC-4F6287C39A32}"/>
+              </a:ext>
+            </a:extLst>
+          </p:cNvPr>
+          <p:cNvSpPr>
+            <a:spLocks noGrp="1"/>
+          </p:cNvSpPr>
+          <p:nvPr>
+            <p:ph type="title"/>
+            <p:custDataLst>
+              <p:tags r:id="rId1"/>
+            </p:custDataLst>
+          </p:nvPr>
+        </p:nvSpPr>
+        <p:spPr/>
+        <p:txBody>
+          <a:bodyPr/>
+          <a:lstStyle/>
+          <a:p>
+            <a:r>
+              <a:rPr lang="fr-CA" dirty="0"/>
+              <a:t>Estimation de l’erreur numérique ( GCI ) </a:t>
+            </a:r>
+            <a:endParaRPr lang="en-CA" dirty="0"/>
+          </a:p>
+        </p:txBody>
+      </p:sp>
+      <p:sp>
+        <p:nvSpPr>
+          <p:cNvPr id="3" name="Espace réservé du texte 2">
+            <a:extLst>
+              <a:ext uri="{FF2B5EF4-FFF2-40B4-BE49-F238E27FC236}">
+                <a16:creationId xmlns:a16="http://schemas.microsoft.com/office/drawing/2014/main" id="{2EA83793-7B39-472C-92AF-1AA978C0E5CB}"/>
+              </a:ext>
+            </a:extLst>
+          </p:cNvPr>
+          <p:cNvSpPr>
+            <a:spLocks noGrp="1"/>
+          </p:cNvSpPr>
+          <p:nvPr>
+            <p:ph type="body" idx="1"/>
+            <p:custDataLst>
+              <p:tags r:id="rId2"/>
+            </p:custDataLst>
+          </p:nvPr>
+        </p:nvSpPr>
+        <p:spPr>
+          <a:xfrm>
+            <a:off x="1297500" y="1735550"/>
+            <a:ext cx="3004336" cy="2743200"/>
+          </a:xfrm>
+        </p:spPr>
+        <p:txBody>
+          <a:bodyPr/>
+          <a:lstStyle/>
+          <a:p>
+            <a:pPr marL="146050" indent="0">
+              <a:buNone/>
+            </a:pPr>
+            <a:r>
+              <a:rPr lang="fr-CA" dirty="0"/>
+              <a:t>L’erreur numérique est approximable </a:t>
+            </a:r>
+          </a:p>
+          <a:p>
+            <a:pPr marL="146050" indent="0">
+              <a:buNone/>
+            </a:pPr>
+            <a:r>
+              <a:rPr lang="fr-CA" dirty="0"/>
+              <a:t>à l’aide du GCI. Dans le cas de notre modèle, l’erreur numérique est approximativement de 0,03 degré Celsius pour une discrétisation relativement grossière ce qui es parfaitement acceptable.</a:t>
+            </a:r>
+            <a:endParaRPr lang="en-CA" dirty="0"/>
+          </a:p>
+        </p:txBody>
+      </p:sp>
+      <p:sp>
+        <p:nvSpPr>
+          <p:cNvPr id="4" name="Espace réservé du numéro de diapositive 3">
+            <a:extLst>
+              <a:ext uri="{FF2B5EF4-FFF2-40B4-BE49-F238E27FC236}">
+                <a16:creationId xmlns:a16="http://schemas.microsoft.com/office/drawing/2014/main" id="{9FEE40E2-4BD8-489B-8360-2A39566D6F35}"/>
+              </a:ext>
+            </a:extLst>
+          </p:cNvPr>
+          <p:cNvSpPr>
+            <a:spLocks noGrp="1"/>
+          </p:cNvSpPr>
+          <p:nvPr>
+            <p:ph type="sldNum" idx="12"/>
+            <p:custDataLst>
+              <p:tags r:id="rId3"/>
+            </p:custDataLst>
+          </p:nvPr>
+        </p:nvSpPr>
+        <p:spPr/>
+        <p:txBody>
+          <a:bodyPr/>
+          <a:lstStyle/>
+          <a:p>
+            <a:pPr marL="0" lvl="0" indent="0" algn="r" rtl="0">
+              <a:spcBef>
+                <a:spcPts val="0"/>
+              </a:spcBef>
+              <a:spcAft>
+                <a:spcPts val="0"/>
+              </a:spcAft>
+              <a:buNone/>
+            </a:pPr>
+            <a:fld id="{00000000-1234-1234-1234-123412341234}" type="slidenum">
+              <a:rPr lang="en-CA" smtClean="0"/>
+              <a:t>22</a:t>
+            </a:fld>
+            <a:endParaRPr lang="en-CA"/>
+          </a:p>
+        </p:txBody>
+      </p:sp>
+      <p:graphicFrame>
+        <p:nvGraphicFramePr>
+          <p:cNvPr id="5" name="Graphique 4">
+            <a:extLst>
+              <a:ext uri="{FF2B5EF4-FFF2-40B4-BE49-F238E27FC236}">
+                <a16:creationId xmlns:a16="http://schemas.microsoft.com/office/drawing/2014/main" id="{3F94166A-FC38-48DE-89BF-F2EC71FCA42B}"/>
+              </a:ext>
+            </a:extLst>
+          </p:cNvPr>
+          <p:cNvGraphicFramePr>
+            <a:graphicFrameLocks/>
+          </p:cNvGraphicFramePr>
+          <p:nvPr>
+            <p:custDataLst>
+              <p:tags r:id="rId4"/>
+            </p:custDataLst>
+            <p:extLst>
+              <p:ext uri="{D42A27DB-BD31-4B8C-83A1-F6EECF244321}">
+                <p14:modId xmlns:p14="http://schemas.microsoft.com/office/powerpoint/2010/main" val="3436116986"/>
+              </p:ext>
+            </p:extLst>
+          </p:nvPr>
+        </p:nvGraphicFramePr>
+        <p:xfrm>
+          <a:off x="4449158" y="1788969"/>
+          <a:ext cx="4572000" cy="2743200"/>
+        </p:xfrm>
+        <a:graphic>
+          <a:graphicData uri="http://schemas.openxmlformats.org/drawingml/2006/chart">
+            <c:chart xmlns:c="http://schemas.openxmlformats.org/drawingml/2006/chart" xmlns:r="http://schemas.openxmlformats.org/officeDocument/2006/relationships" r:id="rId6"/>
+          </a:graphicData>
+        </a:graphic>
+      </p:graphicFrame>
+    </p:spTree>
+    <p:extLst>
+      <p:ext uri="{BB962C8B-B14F-4D97-AF65-F5344CB8AC3E}">
+        <p14:creationId xmlns:p14="http://schemas.microsoft.com/office/powerpoint/2010/main" val="3483725224"/>
+      </p:ext>
+    </p:extLst>
+  </p:cSld>
+  <p:clrMapOvr>
+    <a:masterClrMapping/>
+  </p:clrMapOvr>
+</p:sld>
+</file>
+
+<file path=ppt/slides/slide23.xml><?xml version="1.0" encoding="utf-8"?>
 <p:sld xmlns:a="http://schemas.openxmlformats.org/drawingml/2006/main" xmlns:r="http://schemas.openxmlformats.org/officeDocument/2006/relationships" xmlns:p="http://schemas.openxmlformats.org/presentationml/2006/main">
   <p:cSld>
     <p:spTree>
@@ -32450,6 +35102,9 @@
           </p:cNvSpPr>
           <p:nvPr>
             <p:ph type="title"/>
+            <p:custDataLst>
+              <p:tags r:id="rId1"/>
+            </p:custDataLst>
           </p:nvPr>
         </p:nvSpPr>
         <p:spPr/>
@@ -32478,6 +35133,9 @@
           </p:cNvSpPr>
           <p:nvPr>
             <p:ph type="sldNum" idx="12"/>
+            <p:custDataLst>
+              <p:tags r:id="rId2"/>
+            </p:custDataLst>
           </p:nvPr>
         </p:nvSpPr>
         <p:spPr/>
@@ -32496,7 +35154,7 @@
             </a:pPr>
             <a:fld id="{00000000-1234-1234-1234-123412341234}" type="slidenum">
               <a:rPr lang="en" smtClean="0"/>
-              <a:t>22</a:t>
+              <a:t>23</a:t>
             </a:fld>
             <a:endParaRPr lang="en"/>
           </a:p>
@@ -32515,7 +35173,7 @@
 </p:sld>
 </file>
 
-<file path=ppt/slides/slide23.xml><?xml version="1.0" encoding="utf-8"?>
+<file path=ppt/slides/slide24.xml><?xml version="1.0" encoding="utf-8"?>
 <p:sld xmlns:a="http://schemas.openxmlformats.org/drawingml/2006/main" xmlns:r="http://schemas.openxmlformats.org/officeDocument/2006/relationships" xmlns:p="http://schemas.openxmlformats.org/presentationml/2006/main">
   <p:cSld>
     <p:spTree>
@@ -32590,6 +35248,9 @@
           </p:cNvSpPr>
           <p:nvPr>
             <p:ph type="sldNum" idx="12"/>
+            <p:custDataLst>
+              <p:tags r:id="rId2"/>
+            </p:custDataLst>
           </p:nvPr>
         </p:nvSpPr>
         <p:spPr/>
@@ -32608,7 +35269,7 @@
             </a:pPr>
             <a:fld id="{00000000-1234-1234-1234-123412341234}" type="slidenum">
               <a:rPr lang="en" smtClean="0"/>
-              <a:t>23</a:t>
+              <a:t>24</a:t>
             </a:fld>
             <a:endParaRPr lang="en"/>
           </a:p>
@@ -32627,6 +35288,9 @@
             <a:graphicFrameLocks noGrp="1"/>
           </p:cNvGraphicFramePr>
           <p:nvPr>
+            <p:custDataLst>
+              <p:tags r:id="rId3"/>
+            </p:custDataLst>
             <p:extLst>
               <p:ext uri="{D42A27DB-BD31-4B8C-83A1-F6EECF244321}">
                 <p14:modId xmlns:p14="http://schemas.microsoft.com/office/powerpoint/2010/main" val="3410648745"/>
@@ -33147,7 +35811,11 @@
             </a:extLst>
           </p:cNvPr>
           <p:cNvSpPr txBox="1"/>
-          <p:nvPr/>
+          <p:nvPr>
+            <p:custDataLst>
+              <p:tags r:id="rId4"/>
+            </p:custDataLst>
+          </p:nvPr>
         </p:nvSpPr>
         <p:spPr>
           <a:xfrm>
@@ -33192,7 +35860,11 @@
             </a:extLst>
           </p:cNvPr>
           <p:cNvSpPr txBox="1"/>
-          <p:nvPr/>
+          <p:nvPr>
+            <p:custDataLst>
+              <p:tags r:id="rId5"/>
+            </p:custDataLst>
+          </p:nvPr>
         </p:nvSpPr>
         <p:spPr>
           <a:xfrm>
@@ -33280,7 +35952,7 @@
 </p:sld>
 </file>
 
-<file path=ppt/slides/slide24.xml><?xml version="1.0" encoding="utf-8"?>
+<file path=ppt/slides/slide25.xml><?xml version="1.0" encoding="utf-8"?>
 <p:sld xmlns:a="http://schemas.openxmlformats.org/drawingml/2006/main" xmlns:r="http://schemas.openxmlformats.org/officeDocument/2006/relationships" xmlns:p="http://schemas.openxmlformats.org/presentationml/2006/main">
   <p:cSld>
     <p:spTree>
@@ -33423,7 +36095,7 @@
           </p:nvPr>
         </p:nvPicPr>
         <p:blipFill>
-          <a:blip r:embed="rId6">
+          <a:blip r:embed="rId7">
             <a:alphaModFix/>
           </a:blip>
           <a:stretch>
@@ -33458,6 +36130,9 @@
           </p:cNvSpPr>
           <p:nvPr>
             <p:ph type="sldNum" idx="12"/>
+            <p:custDataLst>
+              <p:tags r:id="rId4"/>
+            </p:custDataLst>
           </p:nvPr>
         </p:nvSpPr>
         <p:spPr/>
@@ -33476,7 +36151,7 @@
             </a:pPr>
             <a:fld id="{00000000-1234-1234-1234-123412341234}" type="slidenum">
               <a:rPr lang="en" smtClean="0"/>
-              <a:t>24</a:t>
+              <a:t>25</a:t>
             </a:fld>
             <a:endParaRPr lang="en"/>
           </a:p>
@@ -33490,7 +36165,7 @@
 </p:sld>
 </file>
 
-<file path=ppt/slides/slide25.xml><?xml version="1.0" encoding="utf-8"?>
+<file path=ppt/slides/slide26.xml><?xml version="1.0" encoding="utf-8"?>
 <p:sld xmlns:a="http://schemas.openxmlformats.org/drawingml/2006/main" xmlns:r="http://schemas.openxmlformats.org/officeDocument/2006/relationships" xmlns:p="http://schemas.openxmlformats.org/presentationml/2006/main">
   <p:cSld>
     <p:spTree>
@@ -33629,7 +36304,7 @@
           </p:nvPr>
         </p:nvPicPr>
         <p:blipFill>
-          <a:blip r:embed="rId6">
+          <a:blip r:embed="rId7">
             <a:alphaModFix/>
           </a:blip>
           <a:stretch>
@@ -33664,6 +36339,9 @@
           </p:cNvSpPr>
           <p:nvPr>
             <p:ph type="sldNum" idx="12"/>
+            <p:custDataLst>
+              <p:tags r:id="rId4"/>
+            </p:custDataLst>
           </p:nvPr>
         </p:nvSpPr>
         <p:spPr/>
@@ -33682,7 +36360,7 @@
             </a:pPr>
             <a:fld id="{00000000-1234-1234-1234-123412341234}" type="slidenum">
               <a:rPr lang="en" smtClean="0"/>
-              <a:t>25</a:t>
+              <a:t>26</a:t>
             </a:fld>
             <a:endParaRPr lang="en"/>
           </a:p>
@@ -33696,7 +36374,7 @@
 </p:sld>
 </file>
 
-<file path=ppt/slides/slide26.xml><?xml version="1.0" encoding="utf-8"?>
+<file path=ppt/slides/slide27.xml><?xml version="1.0" encoding="utf-8"?>
 <p:sld xmlns:a="http://schemas.openxmlformats.org/drawingml/2006/main" xmlns:r="http://schemas.openxmlformats.org/officeDocument/2006/relationships" xmlns:p="http://schemas.openxmlformats.org/presentationml/2006/main">
   <p:cSld>
     <p:spTree>
@@ -33771,6 +36449,9 @@
           </p:cNvSpPr>
           <p:nvPr>
             <p:ph type="sldNum" idx="12"/>
+            <p:custDataLst>
+              <p:tags r:id="rId2"/>
+            </p:custDataLst>
           </p:nvPr>
         </p:nvSpPr>
         <p:spPr/>
@@ -33789,7 +36470,7 @@
             </a:pPr>
             <a:fld id="{00000000-1234-1234-1234-123412341234}" type="slidenum">
               <a:rPr lang="en" smtClean="0"/>
-              <a:t>26</a:t>
+              <a:t>27</a:t>
             </a:fld>
             <a:endParaRPr lang="en"/>
           </a:p>
@@ -33808,6 +36489,9 @@
             <a:graphicFrameLocks/>
           </p:cNvGraphicFramePr>
           <p:nvPr>
+            <p:custDataLst>
+              <p:tags r:id="rId3"/>
+            </p:custDataLst>
             <p:extLst>
               <p:ext uri="{D42A27DB-BD31-4B8C-83A1-F6EECF244321}">
                 <p14:modId xmlns:p14="http://schemas.microsoft.com/office/powerpoint/2010/main" val="3885764377"/>
@@ -33821,7 +36505,7 @@
         </p:xfrm>
         <a:graphic>
           <a:graphicData uri="http://schemas.openxmlformats.org/drawingml/2006/chart">
-            <c:chart xmlns:c="http://schemas.openxmlformats.org/drawingml/2006/chart" xmlns:r="http://schemas.openxmlformats.org/officeDocument/2006/relationships" r:id="rId4"/>
+            <c:chart xmlns:c="http://schemas.openxmlformats.org/drawingml/2006/chart" xmlns:r="http://schemas.openxmlformats.org/officeDocument/2006/relationships" r:id="rId6"/>
           </a:graphicData>
         </a:graphic>
       </p:graphicFrame>
@@ -33833,7 +36517,7 @@
 </p:sld>
 </file>
 
-<file path=ppt/slides/slide27.xml><?xml version="1.0" encoding="utf-8"?>
+<file path=ppt/slides/slide28.xml><?xml version="1.0" encoding="utf-8"?>
 <p:sld xmlns:a="http://schemas.openxmlformats.org/drawingml/2006/main" xmlns:r="http://schemas.openxmlformats.org/officeDocument/2006/relationships" xmlns:p="http://schemas.openxmlformats.org/presentationml/2006/main">
   <p:cSld>
     <p:spTree>
@@ -33908,6 +36592,9 @@
           </p:cNvSpPr>
           <p:nvPr>
             <p:ph type="sldNum" idx="12"/>
+            <p:custDataLst>
+              <p:tags r:id="rId2"/>
+            </p:custDataLst>
           </p:nvPr>
         </p:nvSpPr>
         <p:spPr/>
@@ -33926,7 +36613,7 @@
             </a:pPr>
             <a:fld id="{00000000-1234-1234-1234-123412341234}" type="slidenum">
               <a:rPr lang="en" smtClean="0"/>
-              <a:t>27</a:t>
+              <a:t>28</a:t>
             </a:fld>
             <a:endParaRPr lang="en"/>
           </a:p>
@@ -33945,6 +36632,9 @@
             <a:graphicFrameLocks/>
           </p:cNvGraphicFramePr>
           <p:nvPr>
+            <p:custDataLst>
+              <p:tags r:id="rId3"/>
+            </p:custDataLst>
             <p:extLst>
               <p:ext uri="{D42A27DB-BD31-4B8C-83A1-F6EECF244321}">
                 <p14:modId xmlns:p14="http://schemas.microsoft.com/office/powerpoint/2010/main" val="2354974381"/>
@@ -33958,7 +36648,7 @@
         </p:xfrm>
         <a:graphic>
           <a:graphicData uri="http://schemas.openxmlformats.org/drawingml/2006/chart">
-            <c:chart xmlns:c="http://schemas.openxmlformats.org/drawingml/2006/chart" xmlns:r="http://schemas.openxmlformats.org/officeDocument/2006/relationships" r:id="rId4"/>
+            <c:chart xmlns:c="http://schemas.openxmlformats.org/drawingml/2006/chart" xmlns:r="http://schemas.openxmlformats.org/officeDocument/2006/relationships" r:id="rId6"/>
           </a:graphicData>
         </a:graphic>
       </p:graphicFrame>
@@ -33970,7 +36660,7 @@
 </p:sld>
 </file>
 
-<file path=ppt/slides/slide28.xml><?xml version="1.0" encoding="utf-8"?>
+<file path=ppt/slides/slide29.xml><?xml version="1.0" encoding="utf-8"?>
 <p:sld xmlns:a="http://schemas.openxmlformats.org/drawingml/2006/main" xmlns:r="http://schemas.openxmlformats.org/officeDocument/2006/relationships" xmlns:p="http://schemas.openxmlformats.org/presentationml/2006/main">
   <p:cSld>
     <p:spTree>
@@ -34045,6 +36735,9 @@
           </p:cNvSpPr>
           <p:nvPr>
             <p:ph type="sldNum" idx="12"/>
+            <p:custDataLst>
+              <p:tags r:id="rId2"/>
+            </p:custDataLst>
           </p:nvPr>
         </p:nvSpPr>
         <p:spPr/>
@@ -34063,7 +36756,7 @@
             </a:pPr>
             <a:fld id="{00000000-1234-1234-1234-123412341234}" type="slidenum">
               <a:rPr lang="en" smtClean="0"/>
-              <a:t>28</a:t>
+              <a:t>29</a:t>
             </a:fld>
             <a:endParaRPr lang="en"/>
           </a:p>
@@ -34082,6 +36775,9 @@
             <a:graphicFrameLocks/>
           </p:cNvGraphicFramePr>
           <p:nvPr>
+            <p:custDataLst>
+              <p:tags r:id="rId3"/>
+            </p:custDataLst>
             <p:extLst>
               <p:ext uri="{D42A27DB-BD31-4B8C-83A1-F6EECF244321}">
                 <p14:modId xmlns:p14="http://schemas.microsoft.com/office/powerpoint/2010/main" val="1789251493"/>
@@ -34095,112 +36791,11 @@
         </p:xfrm>
         <a:graphic>
           <a:graphicData uri="http://schemas.openxmlformats.org/drawingml/2006/chart">
-            <c:chart xmlns:c="http://schemas.openxmlformats.org/drawingml/2006/chart" xmlns:r="http://schemas.openxmlformats.org/officeDocument/2006/relationships" r:id="rId4"/>
+            <c:chart xmlns:c="http://schemas.openxmlformats.org/drawingml/2006/chart" xmlns:r="http://schemas.openxmlformats.org/officeDocument/2006/relationships" r:id="rId6"/>
           </a:graphicData>
         </a:graphic>
       </p:graphicFrame>
     </p:spTree>
-  </p:cSld>
-  <p:clrMapOvr>
-    <a:masterClrMapping/>
-  </p:clrMapOvr>
-</p:sld>
-</file>
-
-<file path=ppt/slides/slide29.xml><?xml version="1.0" encoding="utf-8"?>
-<p:sld xmlns:a="http://schemas.openxmlformats.org/drawingml/2006/main" xmlns:r="http://schemas.openxmlformats.org/officeDocument/2006/relationships" xmlns:p="http://schemas.openxmlformats.org/presentationml/2006/main">
-  <p:cSld>
-    <p:spTree>
-      <p:nvGrpSpPr>
-        <p:cNvPr id="1" name=""/>
-        <p:cNvGrpSpPr/>
-        <p:nvPr/>
-      </p:nvGrpSpPr>
-      <p:grpSpPr>
-        <a:xfrm>
-          <a:off x="0" y="0"/>
-          <a:ext cx="0" cy="0"/>
-          <a:chOff x="0" y="0"/>
-          <a:chExt cx="0" cy="0"/>
-        </a:xfrm>
-      </p:grpSpPr>
-      <p:sp>
-        <p:nvSpPr>
-          <p:cNvPr id="2" name="Title 1">
-            <a:extLst>
-              <a:ext uri="{FF2B5EF4-FFF2-40B4-BE49-F238E27FC236}">
-                <a16:creationId xmlns:a16="http://schemas.microsoft.com/office/drawing/2014/main" id="{49B61483-3954-41CA-8349-EA3A45179113}"/>
-              </a:ext>
-            </a:extLst>
-          </p:cNvPr>
-          <p:cNvSpPr>
-            <a:spLocks noGrp="1"/>
-          </p:cNvSpPr>
-          <p:nvPr>
-            <p:ph type="title"/>
-          </p:nvPr>
-        </p:nvSpPr>
-        <p:spPr>
-          <a:xfrm>
-            <a:off x="1417320" y="2053000"/>
-            <a:ext cx="3993530" cy="1148700"/>
-          </a:xfrm>
-        </p:spPr>
-        <p:txBody>
-          <a:bodyPr/>
-          <a:lstStyle/>
-          <a:p>
-            <a:r>
-              <a:rPr lang="fr-CA" sz="4000" noProof="0" dirty="0"/>
-              <a:t>Validation</a:t>
-            </a:r>
-          </a:p>
-        </p:txBody>
-      </p:sp>
-      <p:sp>
-        <p:nvSpPr>
-          <p:cNvPr id="3" name="Slide Number Placeholder 2">
-            <a:extLst>
-              <a:ext uri="{FF2B5EF4-FFF2-40B4-BE49-F238E27FC236}">
-                <a16:creationId xmlns:a16="http://schemas.microsoft.com/office/drawing/2014/main" id="{7E8DDA18-1A48-4A48-903E-D2BEED73B778}"/>
-              </a:ext>
-            </a:extLst>
-          </p:cNvPr>
-          <p:cNvSpPr>
-            <a:spLocks noGrp="1"/>
-          </p:cNvSpPr>
-          <p:nvPr>
-            <p:ph type="sldNum" idx="12"/>
-          </p:nvPr>
-        </p:nvSpPr>
-        <p:spPr/>
-        <p:txBody>
-          <a:bodyPr/>
-          <a:lstStyle/>
-          <a:p>
-            <a:pPr marL="0" lvl="0" indent="0" algn="r" rtl="0">
-              <a:spcBef>
-                <a:spcPts val="0"/>
-              </a:spcBef>
-              <a:spcAft>
-                <a:spcPts val="0"/>
-              </a:spcAft>
-              <a:buNone/>
-            </a:pPr>
-            <a:fld id="{00000000-1234-1234-1234-123412341234}" type="slidenum">
-              <a:rPr lang="en" smtClean="0"/>
-              <a:t>29</a:t>
-            </a:fld>
-            <a:endParaRPr lang="en"/>
-          </a:p>
-        </p:txBody>
-      </p:sp>
-    </p:spTree>
-    <p:extLst>
-      <p:ext uri="{BB962C8B-B14F-4D97-AF65-F5344CB8AC3E}">
-        <p14:creationId xmlns:p14="http://schemas.microsoft.com/office/powerpoint/2010/main" val="344111624"/>
-      </p:ext>
-    </p:extLst>
   </p:cSld>
   <p:clrMapOvr>
     <a:masterClrMapping/>
@@ -34239,6 +36834,9 @@
           </p:cNvSpPr>
           <p:nvPr>
             <p:ph type="title"/>
+            <p:custDataLst>
+              <p:tags r:id="rId1"/>
+            </p:custDataLst>
           </p:nvPr>
         </p:nvSpPr>
         <p:spPr/>
@@ -34267,6 +36865,9 @@
           </p:cNvSpPr>
           <p:nvPr>
             <p:ph type="sldNum" idx="12"/>
+            <p:custDataLst>
+              <p:tags r:id="rId2"/>
+            </p:custDataLst>
           </p:nvPr>
         </p:nvSpPr>
         <p:spPr/>
@@ -34305,6 +36906,113 @@
 </file>
 
 <file path=ppt/slides/slide30.xml><?xml version="1.0" encoding="utf-8"?>
+<p:sld xmlns:a="http://schemas.openxmlformats.org/drawingml/2006/main" xmlns:r="http://schemas.openxmlformats.org/officeDocument/2006/relationships" xmlns:p="http://schemas.openxmlformats.org/presentationml/2006/main">
+  <p:cSld>
+    <p:spTree>
+      <p:nvGrpSpPr>
+        <p:cNvPr id="1" name=""/>
+        <p:cNvGrpSpPr/>
+        <p:nvPr/>
+      </p:nvGrpSpPr>
+      <p:grpSpPr>
+        <a:xfrm>
+          <a:off x="0" y="0"/>
+          <a:ext cx="0" cy="0"/>
+          <a:chOff x="0" y="0"/>
+          <a:chExt cx="0" cy="0"/>
+        </a:xfrm>
+      </p:grpSpPr>
+      <p:sp>
+        <p:nvSpPr>
+          <p:cNvPr id="2" name="Title 1">
+            <a:extLst>
+              <a:ext uri="{FF2B5EF4-FFF2-40B4-BE49-F238E27FC236}">
+                <a16:creationId xmlns:a16="http://schemas.microsoft.com/office/drawing/2014/main" id="{49B61483-3954-41CA-8349-EA3A45179113}"/>
+              </a:ext>
+            </a:extLst>
+          </p:cNvPr>
+          <p:cNvSpPr>
+            <a:spLocks noGrp="1"/>
+          </p:cNvSpPr>
+          <p:nvPr>
+            <p:ph type="title"/>
+            <p:custDataLst>
+              <p:tags r:id="rId1"/>
+            </p:custDataLst>
+          </p:nvPr>
+        </p:nvSpPr>
+        <p:spPr>
+          <a:xfrm>
+            <a:off x="1417320" y="2053000"/>
+            <a:ext cx="3993530" cy="1148700"/>
+          </a:xfrm>
+        </p:spPr>
+        <p:txBody>
+          <a:bodyPr/>
+          <a:lstStyle/>
+          <a:p>
+            <a:r>
+              <a:rPr lang="fr-CA" sz="4000" noProof="0" dirty="0"/>
+              <a:t>Validation</a:t>
+            </a:r>
+          </a:p>
+        </p:txBody>
+      </p:sp>
+      <p:sp>
+        <p:nvSpPr>
+          <p:cNvPr id="3" name="Slide Number Placeholder 2">
+            <a:extLst>
+              <a:ext uri="{FF2B5EF4-FFF2-40B4-BE49-F238E27FC236}">
+                <a16:creationId xmlns:a16="http://schemas.microsoft.com/office/drawing/2014/main" id="{7E8DDA18-1A48-4A48-903E-D2BEED73B778}"/>
+              </a:ext>
+            </a:extLst>
+          </p:cNvPr>
+          <p:cNvSpPr>
+            <a:spLocks noGrp="1"/>
+          </p:cNvSpPr>
+          <p:nvPr>
+            <p:ph type="sldNum" idx="12"/>
+            <p:custDataLst>
+              <p:tags r:id="rId2"/>
+            </p:custDataLst>
+          </p:nvPr>
+        </p:nvSpPr>
+        <p:spPr/>
+        <p:txBody>
+          <a:bodyPr/>
+          <a:lstStyle/>
+          <a:p>
+            <a:pPr marL="0" lvl="0" indent="0" algn="r" rtl="0">
+              <a:spcBef>
+                <a:spcPts val="0"/>
+              </a:spcBef>
+              <a:spcAft>
+                <a:spcPts val="0"/>
+              </a:spcAft>
+              <a:buNone/>
+            </a:pPr>
+            <a:fld id="{00000000-1234-1234-1234-123412341234}" type="slidenum">
+              <a:rPr lang="en" smtClean="0"/>
+              <a:t>30</a:t>
+            </a:fld>
+            <a:endParaRPr lang="en"/>
+          </a:p>
+        </p:txBody>
+      </p:sp>
+    </p:spTree>
+    <p:extLst>
+      <p:ext uri="{BB962C8B-B14F-4D97-AF65-F5344CB8AC3E}">
+        <p14:creationId xmlns:p14="http://schemas.microsoft.com/office/powerpoint/2010/main" val="344111624"/>
+      </p:ext>
+    </p:extLst>
+  </p:cSld>
+  <p:clrMapOvr>
+    <a:masterClrMapping/>
+  </p:clrMapOvr>
+</p:sld>
+</file>
+
+<file path=ppt/slides/slide31.xml><?xml version="1.0" encoding="utf-8"?>
 <p:sld xmlns:a="http://schemas.openxmlformats.org/drawingml/2006/main" xmlns:r="http://schemas.openxmlformats.org/officeDocument/2006/relationships" xmlns:p="http://schemas.openxmlformats.org/presentationml/2006/main">
   <p:cSld>
     <p:spTree>
@@ -34450,7 +37158,7 @@
           </p:nvPr>
         </p:nvPicPr>
         <p:blipFill>
-          <a:blip r:embed="rId6">
+          <a:blip r:embed="rId8">
             <a:alphaModFix/>
           </a:blip>
           <a:stretch>
@@ -34485,6 +37193,9 @@
           </p:cNvSpPr>
           <p:nvPr>
             <p:ph type="sldNum" idx="12"/>
+            <p:custDataLst>
+              <p:tags r:id="rId4"/>
+            </p:custDataLst>
           </p:nvPr>
         </p:nvSpPr>
         <p:spPr/>
@@ -34503,7 +37214,7 @@
             </a:pPr>
             <a:fld id="{00000000-1234-1234-1234-123412341234}" type="slidenum">
               <a:rPr lang="en" smtClean="0"/>
-              <a:t>30</a:t>
+              <a:t>31</a:t>
             </a:fld>
             <a:endParaRPr lang="en"/>
           </a:p>
@@ -34522,6 +37233,9 @@
             <a:graphicFrameLocks noGrp="1"/>
           </p:cNvGraphicFramePr>
           <p:nvPr>
+            <p:custDataLst>
+              <p:tags r:id="rId5"/>
+            </p:custDataLst>
             <p:extLst>
               <p:ext uri="{D42A27DB-BD31-4B8C-83A1-F6EECF244321}">
                 <p14:modId xmlns:p14="http://schemas.microsoft.com/office/powerpoint/2010/main" val="690079348"/>
@@ -35220,7 +37934,7 @@
 </p:sld>
 </file>
 
-<file path=ppt/slides/slide31.xml><?xml version="1.0" encoding="utf-8"?>
+<file path=ppt/slides/slide32.xml><?xml version="1.0" encoding="utf-8"?>
 <p:sld xmlns:a="http://schemas.openxmlformats.org/drawingml/2006/main" xmlns:r="http://schemas.openxmlformats.org/officeDocument/2006/relationships" xmlns:p="http://schemas.openxmlformats.org/presentationml/2006/main">
   <p:cSld>
     <p:spTree>
@@ -35388,7 +38102,7 @@
           </p:nvPr>
         </p:nvPicPr>
         <p:blipFill>
-          <a:blip r:embed="rId6">
+          <a:blip r:embed="rId7">
             <a:alphaModFix/>
           </a:blip>
           <a:stretch>
@@ -35423,6 +38137,9 @@
           </p:cNvSpPr>
           <p:nvPr>
             <p:ph type="sldNum" idx="12"/>
+            <p:custDataLst>
+              <p:tags r:id="rId4"/>
+            </p:custDataLst>
           </p:nvPr>
         </p:nvSpPr>
         <p:spPr/>
@@ -35441,7 +38158,7 @@
             </a:pPr>
             <a:fld id="{00000000-1234-1234-1234-123412341234}" type="slidenum">
               <a:rPr lang="en" smtClean="0"/>
-              <a:t>31</a:t>
+              <a:t>32</a:t>
             </a:fld>
             <a:endParaRPr lang="en"/>
           </a:p>
@@ -35455,7 +38172,231 @@
 </p:sld>
 </file>
 
-<file path=ppt/slides/slide32.xml><?xml version="1.0" encoding="utf-8"?>
+<file path=ppt/slides/slide33.xml><?xml version="1.0" encoding="utf-8"?>
+<p:sld xmlns:a="http://schemas.openxmlformats.org/drawingml/2006/main" xmlns:r="http://schemas.openxmlformats.org/officeDocument/2006/relationships" xmlns:p="http://schemas.openxmlformats.org/presentationml/2006/main">
+  <p:cSld>
+    <p:spTree>
+      <p:nvGrpSpPr>
+        <p:cNvPr id="1" name=""/>
+        <p:cNvGrpSpPr/>
+        <p:nvPr/>
+      </p:nvGrpSpPr>
+      <p:grpSpPr>
+        <a:xfrm>
+          <a:off x="0" y="0"/>
+          <a:ext cx="0" cy="0"/>
+          <a:chOff x="0" y="0"/>
+          <a:chExt cx="0" cy="0"/>
+        </a:xfrm>
+      </p:grpSpPr>
+      <p:sp>
+        <p:nvSpPr>
+          <p:cNvPr id="2" name="Titre 1">
+            <a:extLst>
+              <a:ext uri="{FF2B5EF4-FFF2-40B4-BE49-F238E27FC236}">
+                <a16:creationId xmlns:a16="http://schemas.microsoft.com/office/drawing/2014/main" id="{503A29BE-9111-4CB0-8F03-C435C4B35B76}"/>
+              </a:ext>
+            </a:extLst>
+          </p:cNvPr>
+          <p:cNvSpPr>
+            <a:spLocks noGrp="1"/>
+          </p:cNvSpPr>
+          <p:nvPr>
+            <p:ph type="title"/>
+            <p:custDataLst>
+              <p:tags r:id="rId1"/>
+            </p:custDataLst>
+          </p:nvPr>
+        </p:nvSpPr>
+        <p:spPr/>
+        <p:txBody>
+          <a:bodyPr/>
+          <a:lstStyle/>
+          <a:p>
+            <a:r>
+              <a:rPr lang="fr-CA" dirty="0"/>
+              <a:t>Capacité de prédiction</a:t>
+            </a:r>
+            <a:endParaRPr lang="en-CA" dirty="0"/>
+          </a:p>
+        </p:txBody>
+      </p:sp>
+      <p:sp>
+        <p:nvSpPr>
+          <p:cNvPr id="3" name="Espace réservé du texte 2">
+            <a:extLst>
+              <a:ext uri="{FF2B5EF4-FFF2-40B4-BE49-F238E27FC236}">
+                <a16:creationId xmlns:a16="http://schemas.microsoft.com/office/drawing/2014/main" id="{24921580-62D3-4C61-85CC-AFD597169FBC}"/>
+              </a:ext>
+            </a:extLst>
+          </p:cNvPr>
+          <p:cNvSpPr>
+            <a:spLocks noGrp="1"/>
+          </p:cNvSpPr>
+          <p:nvPr>
+            <p:ph type="body" idx="1"/>
+            <p:custDataLst>
+              <p:tags r:id="rId2"/>
+            </p:custDataLst>
+          </p:nvPr>
+        </p:nvSpPr>
+        <p:spPr>
+          <a:xfrm>
+            <a:off x="1297499" y="1307849"/>
+            <a:ext cx="4431356" cy="3355368"/>
+          </a:xfrm>
+        </p:spPr>
+        <p:txBody>
+          <a:bodyPr/>
+          <a:lstStyle/>
+          <a:p>
+            <a:pPr marL="146050" indent="0">
+              <a:buNone/>
+            </a:pPr>
+            <a:r>
+              <a:rPr lang="fr-CA" dirty="0"/>
+              <a:t>La capacité de prédiction du modèle n’a pas pu être déterminée avec précision par manque de donnée afin d’être capable de prédire adéquatement l’erreur de modélisation du modèle numérique développé. En effet, le modèle représente le système de refroidissement sans ventilateur. Toutefois, la forte majorité des essais ont été réalisés avec un ventilateur pour le refroidissement et le modèle n’est pas capable de représenter l’effet de cette composante pour le moment.</a:t>
+            </a:r>
+          </a:p>
+          <a:p>
+            <a:pPr marL="146050" indent="0">
+              <a:buNone/>
+            </a:pPr>
+            <a:endParaRPr lang="fr-CA" dirty="0"/>
+          </a:p>
+          <a:p>
+            <a:pPr marL="146050" indent="0">
+              <a:buNone/>
+            </a:pPr>
+            <a:r>
+              <a:rPr lang="fr-CA" dirty="0"/>
+              <a:t>Or , en se basant sur la donnée de validation le modèle présente une erreur de 1,39</a:t>
+            </a:r>
+            <a:r>
+              <a:rPr lang="fr-CA" dirty="0">
+                <a:latin typeface="Leelawadee" panose="020B0502040204020203" pitchFamily="34" charset="-34"/>
+                <a:cs typeface="Leelawadee" panose="020B0502040204020203" pitchFamily="34" charset="-34"/>
+              </a:rPr>
+              <a:t>°C en moyenne ce qui est parfaitement acceptable pour l’utilisation désirée de ce modèle.</a:t>
+            </a:r>
+            <a:endParaRPr lang="fr-CA" dirty="0"/>
+          </a:p>
+          <a:p>
+            <a:pPr marL="146050" indent="0">
+              <a:buNone/>
+            </a:pPr>
+            <a:endParaRPr lang="en-CA" dirty="0"/>
+          </a:p>
+          <a:p>
+            <a:pPr marL="146050" indent="0">
+              <a:buNone/>
+            </a:pPr>
+            <a:endParaRPr lang="en-CA" dirty="0"/>
+          </a:p>
+        </p:txBody>
+      </p:sp>
+      <p:sp>
+        <p:nvSpPr>
+          <p:cNvPr id="4" name="Espace réservé du numéro de diapositive 3">
+            <a:extLst>
+              <a:ext uri="{FF2B5EF4-FFF2-40B4-BE49-F238E27FC236}">
+                <a16:creationId xmlns:a16="http://schemas.microsoft.com/office/drawing/2014/main" id="{E639A505-A693-4190-8B08-9F42616C6D8E}"/>
+              </a:ext>
+            </a:extLst>
+          </p:cNvPr>
+          <p:cNvSpPr>
+            <a:spLocks noGrp="1"/>
+          </p:cNvSpPr>
+          <p:nvPr>
+            <p:ph type="sldNum" idx="12"/>
+            <p:custDataLst>
+              <p:tags r:id="rId3"/>
+            </p:custDataLst>
+          </p:nvPr>
+        </p:nvSpPr>
+        <p:spPr/>
+        <p:txBody>
+          <a:bodyPr/>
+          <a:lstStyle/>
+          <a:p>
+            <a:pPr marL="0" lvl="0" indent="0" algn="r" rtl="0">
+              <a:spcBef>
+                <a:spcPts val="0"/>
+              </a:spcBef>
+              <a:spcAft>
+                <a:spcPts val="0"/>
+              </a:spcAft>
+              <a:buNone/>
+            </a:pPr>
+            <a:fld id="{00000000-1234-1234-1234-123412341234}" type="slidenum">
+              <a:rPr lang="en-CA" smtClean="0"/>
+              <a:t>33</a:t>
+            </a:fld>
+            <a:endParaRPr lang="en-CA"/>
+          </a:p>
+        </p:txBody>
+      </p:sp>
+      <p:pic>
+        <p:nvPicPr>
+          <p:cNvPr id="1026" name="Picture 2" descr="https://scontent.fyhu1-1.fna.fbcdn.net/v/t1.15752-9/77276681_445528332805691_3574152546849128448_n.jpg?_nc_cat=103&amp;_nc_ohc=WUzCImYHG9EAQlgtIOoopOVPHLgD96dt3-jYpbJX-PbfsnldD2JIE4QwA&amp;_nc_ht=scontent.fyhu1-1.fna&amp;oh=f3730cfacdb336862c5cadb687db150e&amp;oe=5E723019">
+            <a:extLst>
+              <a:ext uri="{FF2B5EF4-FFF2-40B4-BE49-F238E27FC236}">
+                <a16:creationId xmlns:a16="http://schemas.microsoft.com/office/drawing/2014/main" id="{C9F150A4-F92E-4C9A-B0F0-FB68B3A0F70C}"/>
+              </a:ext>
+            </a:extLst>
+          </p:cNvPr>
+          <p:cNvPicPr>
+            <a:picLocks noChangeAspect="1" noChangeArrowheads="1"/>
+          </p:cNvPicPr>
+          <p:nvPr/>
+        </p:nvPicPr>
+        <p:blipFill>
+          <a:blip r:embed="rId5">
+            <a:extLst>
+              <a:ext uri="{28A0092B-C50C-407E-A947-70E740481C1C}">
+                <a14:useLocalDpi xmlns:a14="http://schemas.microsoft.com/office/drawing/2010/main" val="0"/>
+              </a:ext>
+            </a:extLst>
+          </a:blip>
+          <a:srcRect/>
+          <a:stretch>
+            <a:fillRect/>
+          </a:stretch>
+        </p:blipFill>
+        <p:spPr bwMode="auto">
+          <a:xfrm>
+            <a:off x="6208608" y="1499633"/>
+            <a:ext cx="2187245" cy="2971800"/>
+          </a:xfrm>
+          <a:prstGeom prst="rect">
+            <a:avLst/>
+          </a:prstGeom>
+          <a:noFill/>
+          <a:extLst>
+            <a:ext uri="{909E8E84-426E-40DD-AFC4-6F175D3DCCD1}">
+              <a14:hiddenFill xmlns:a14="http://schemas.microsoft.com/office/drawing/2010/main">
+                <a:solidFill>
+                  <a:srgbClr val="FFFFFF"/>
+                </a:solidFill>
+              </a14:hiddenFill>
+            </a:ext>
+          </a:extLst>
+        </p:spPr>
+      </p:pic>
+    </p:spTree>
+    <p:extLst>
+      <p:ext uri="{BB962C8B-B14F-4D97-AF65-F5344CB8AC3E}">
+        <p14:creationId xmlns:p14="http://schemas.microsoft.com/office/powerpoint/2010/main" val="557488647"/>
+      </p:ext>
+    </p:extLst>
+  </p:cSld>
+  <p:clrMapOvr>
+    <a:masterClrMapping/>
+  </p:clrMapOvr>
+</p:sld>
+</file>
+
+<file path=ppt/slides/slide34.xml><?xml version="1.0" encoding="utf-8"?>
 <p:sld xmlns:a="http://schemas.openxmlformats.org/drawingml/2006/main" xmlns:r="http://schemas.openxmlformats.org/officeDocument/2006/relationships" xmlns:p="http://schemas.openxmlformats.org/presentationml/2006/main">
   <p:cSld>
     <p:spTree>
@@ -35605,6 +38546,9 @@
           </p:cNvSpPr>
           <p:nvPr>
             <p:ph type="sldNum" idx="12"/>
+            <p:custDataLst>
+              <p:tags r:id="rId3"/>
+            </p:custDataLst>
           </p:nvPr>
         </p:nvSpPr>
         <p:spPr/>
@@ -35623,7 +38567,7 @@
             </a:pPr>
             <a:fld id="{00000000-1234-1234-1234-123412341234}" type="slidenum">
               <a:rPr lang="en" smtClean="0"/>
-              <a:t>32</a:t>
+              <a:t>34</a:t>
             </a:fld>
             <a:endParaRPr lang="en"/>
           </a:p>
@@ -35807,6 +38751,9 @@
           </p:cNvPr>
           <p:cNvGraphicFramePr/>
           <p:nvPr>
+            <p:custDataLst>
+              <p:tags r:id="rId3"/>
+            </p:custDataLst>
             <p:extLst>
               <p:ext uri="{D42A27DB-BD31-4B8C-83A1-F6EECF244321}">
                 <p14:modId xmlns:p14="http://schemas.microsoft.com/office/powerpoint/2010/main" val="2512250222"/>
@@ -35820,7 +38767,7 @@
         </p:xfrm>
         <a:graphic>
           <a:graphicData uri="http://schemas.openxmlformats.org/drawingml/2006/diagram">
-            <dgm:relIds xmlns:dgm="http://schemas.openxmlformats.org/drawingml/2006/diagram" xmlns:r="http://schemas.openxmlformats.org/officeDocument/2006/relationships" r:dm="rId5" r:lo="rId6" r:qs="rId7" r:cs="rId8"/>
+            <dgm:relIds xmlns:dgm="http://schemas.openxmlformats.org/drawingml/2006/diagram" xmlns:r="http://schemas.openxmlformats.org/officeDocument/2006/relationships" r:dm="rId7" r:lo="rId8" r:qs="rId9" r:cs="rId10"/>
           </a:graphicData>
         </a:graphic>
       </p:graphicFrame>
@@ -35838,6 +38785,9 @@
           </p:cNvSpPr>
           <p:nvPr>
             <p:ph type="sldNum" idx="12"/>
+            <p:custDataLst>
+              <p:tags r:id="rId4"/>
+            </p:custDataLst>
           </p:nvPr>
         </p:nvSpPr>
         <p:spPr/>
@@ -35945,6 +38895,9 @@
           </p:cNvSpPr>
           <p:nvPr>
             <p:ph type="sldNum" idx="12"/>
+            <p:custDataLst>
+              <p:tags r:id="rId2"/>
+            </p:custDataLst>
           </p:nvPr>
         </p:nvSpPr>
         <p:spPr/>
@@ -35980,6 +38933,9 @@
           </p:cNvPr>
           <p:cNvGraphicFramePr/>
           <p:nvPr>
+            <p:custDataLst>
+              <p:tags r:id="rId3"/>
+            </p:custDataLst>
             <p:extLst>
               <p:ext uri="{D42A27DB-BD31-4B8C-83A1-F6EECF244321}">
                 <p14:modId xmlns:p14="http://schemas.microsoft.com/office/powerpoint/2010/main" val="510031284"/>
@@ -35993,7 +38949,7 @@
         </p:xfrm>
         <a:graphic>
           <a:graphicData uri="http://schemas.openxmlformats.org/drawingml/2006/diagram">
-            <dgm:relIds xmlns:dgm="http://schemas.openxmlformats.org/drawingml/2006/diagram" xmlns:r="http://schemas.openxmlformats.org/officeDocument/2006/relationships" r:dm="rId4" r:lo="rId5" r:qs="rId6" r:cs="rId7"/>
+            <dgm:relIds xmlns:dgm="http://schemas.openxmlformats.org/drawingml/2006/diagram" xmlns:r="http://schemas.openxmlformats.org/officeDocument/2006/relationships" r:dm="rId7" r:lo="rId8" r:qs="rId9" r:cs="rId10"/>
           </a:graphicData>
         </a:graphic>
       </p:graphicFrame>
@@ -36007,7 +38963,11 @@
             </a:extLst>
           </p:cNvPr>
           <p:cNvSpPr txBox="1"/>
-          <p:nvPr/>
+          <p:nvPr>
+            <p:custDataLst>
+              <p:tags r:id="rId4"/>
+            </p:custDataLst>
+          </p:nvPr>
         </p:nvSpPr>
         <p:spPr>
           <a:xfrm>
@@ -36141,6 +39101,9 @@
           </p:cNvSpPr>
           <p:nvPr>
             <p:ph type="sldNum" idx="12"/>
+            <p:custDataLst>
+              <p:tags r:id="rId2"/>
+            </p:custDataLst>
           </p:nvPr>
         </p:nvSpPr>
         <p:spPr/>
@@ -36175,7 +39138,11 @@
             </a:extLst>
           </p:cNvPr>
           <p:cNvSpPr txBox="1"/>
-          <p:nvPr/>
+          <p:nvPr>
+            <p:custDataLst>
+              <p:tags r:id="rId3"/>
+            </p:custDataLst>
+          </p:nvPr>
         </p:nvSpPr>
         <p:spPr>
           <a:xfrm>
@@ -36351,7 +39318,11 @@
             </a:extLst>
           </p:cNvPr>
           <p:cNvSpPr txBox="1"/>
-          <p:nvPr/>
+          <p:nvPr>
+            <p:custDataLst>
+              <p:tags r:id="rId4"/>
+            </p:custDataLst>
+          </p:nvPr>
         </p:nvSpPr>
         <p:spPr>
           <a:xfrm>
@@ -36484,6 +39455,9 @@
           </p:cNvSpPr>
           <p:nvPr>
             <p:ph type="title"/>
+            <p:custDataLst>
+              <p:tags r:id="rId1"/>
+            </p:custDataLst>
           </p:nvPr>
         </p:nvSpPr>
         <p:spPr/>
@@ -36512,6 +39486,9 @@
           </p:cNvSpPr>
           <p:nvPr>
             <p:ph type="sldNum" idx="12"/>
+            <p:custDataLst>
+              <p:tags r:id="rId2"/>
+            </p:custDataLst>
           </p:nvPr>
         </p:nvSpPr>
         <p:spPr/>
@@ -36546,7 +39523,11 @@
             </a:extLst>
           </p:cNvPr>
           <p:cNvSpPr txBox="1"/>
-          <p:nvPr/>
+          <p:nvPr>
+            <p:custDataLst>
+              <p:tags r:id="rId3"/>
+            </p:custDataLst>
+          </p:nvPr>
         </p:nvSpPr>
         <p:spPr>
           <a:xfrm>
@@ -36698,7 +39679,11 @@
             </a:extLst>
           </p:cNvPr>
           <p:cNvSpPr txBox="1"/>
-          <p:nvPr/>
+          <p:nvPr>
+            <p:custDataLst>
+              <p:tags r:id="rId4"/>
+            </p:custDataLst>
+          </p:nvPr>
         </p:nvSpPr>
         <p:spPr>
           <a:xfrm>
@@ -37354,7 +40339,7 @@
               <p:nvPr>
                 <p:ph type="body" idx="1"/>
                 <p:custDataLst>
-                  <p:tags r:id="rId6"/>
+                  <p:tags r:id="rId7"/>
                 </p:custDataLst>
               </p:nvPr>
             </p:nvSpPr>
@@ -37367,7 +40352,7 @@
                 <a:avLst/>
               </a:prstGeom>
               <a:blipFill>
-                <a:blip r:embed="rId7"/>
+                <a:blip r:embed="rId8"/>
                 <a:stretch>
                   <a:fillRect l="-274"/>
                 </a:stretch>
@@ -37762,19 +40747,7 @@
                         <a:rPr lang="fr-CA" b="0" i="1" smtClean="0">
                           <a:latin typeface="Cambria Math" panose="02040503050406030204" pitchFamily="18" charset="0"/>
                         </a:rPr>
-                        <m:t>𝐶</m:t>
-                      </m:r>
-                      <m:r>
-                        <a:rPr lang="fr-CA" b="0" i="1" smtClean="0">
-                          <a:latin typeface="Cambria Math" panose="02040503050406030204" pitchFamily="18" charset="0"/>
-                        </a:rPr>
-                        <m:t>h</m:t>
-                      </m:r>
-                      <m:r>
-                        <a:rPr lang="fr-CA" b="0" i="1" smtClean="0">
-                          <a:latin typeface="Cambria Math" panose="02040503050406030204" pitchFamily="18" charset="0"/>
-                        </a:rPr>
-                        <m:t>𝑎𝑙𝑒𝑢𝑟</m:t>
+                        <m:t>𝐶h𝑎𝑙𝑒𝑢𝑟</m:t>
                       </m:r>
                       <m:r>
                         <a:rPr lang="fr-CA" b="0" i="1" smtClean="0">
@@ -37967,19 +40940,7 @@
                         <a:rPr lang="fr-CA" b="0" i="1" smtClean="0">
                           <a:latin typeface="Cambria Math" panose="02040503050406030204" pitchFamily="18" charset="0"/>
                         </a:rPr>
-                        <m:t>𝑡</m:t>
-                      </m:r>
-                      <m:r>
-                        <a:rPr lang="fr-CA" b="0" i="1" smtClean="0">
-                          <a:latin typeface="Cambria Math" panose="02040503050406030204" pitchFamily="18" charset="0"/>
-                        </a:rPr>
-                        <m:t>h</m:t>
-                      </m:r>
-                      <m:r>
-                        <a:rPr lang="fr-CA" b="0" i="1" smtClean="0">
-                          <a:latin typeface="Cambria Math" panose="02040503050406030204" pitchFamily="18" charset="0"/>
-                        </a:rPr>
-                        <m:t>𝑒𝑟𝑚𝑖𝑞𝑢𝑒</m:t>
+                        <m:t>𝑡h𝑒𝑟𝑚𝑖𝑞𝑢𝑒</m:t>
                       </m:r>
                       <m:r>
                         <a:rPr lang="fr-CA" b="0" i="1" smtClean="0">
@@ -38296,7 +41257,7 @@
               </p:cNvSpPr>
               <p:nvPr>
                 <p:custDataLst>
-                  <p:tags r:id="rId8"/>
+                  <p:tags r:id="rId9"/>
                 </p:custDataLst>
               </p:nvPr>
             </p:nvSpPr>
@@ -38309,7 +41270,7 @@
                 <a:avLst/>
               </a:prstGeom>
               <a:blipFill>
-                <a:blip r:embed="rId9"/>
+                <a:blip r:embed="rId10"/>
                 <a:stretch>
                   <a:fillRect/>
                 </a:stretch>
@@ -38347,6 +41308,9 @@
           </p:cNvSpPr>
           <p:nvPr>
             <p:ph type="sldNum" idx="12"/>
+            <p:custDataLst>
+              <p:tags r:id="rId4"/>
+            </p:custDataLst>
           </p:nvPr>
         </p:nvSpPr>
         <p:spPr/>
@@ -38922,7 +41886,7 @@
               <p:nvPr>
                 <p:ph type="body" idx="1"/>
                 <p:custDataLst>
-                  <p:tags r:id="rId5"/>
+                  <p:tags r:id="rId6"/>
                 </p:custDataLst>
               </p:nvPr>
             </p:nvSpPr>
@@ -38932,7 +41896,7 @@
                 <a:ext cx="3879476" cy="2517147"/>
               </a:xfrm>
               <a:blipFill>
-                <a:blip r:embed="rId6"/>
+                <a:blip r:embed="rId7"/>
                 <a:stretch>
                   <a:fillRect l="-157"/>
                 </a:stretch>
@@ -40012,7 +42976,7 @@
               </p:cNvSpPr>
               <p:nvPr>
                 <p:custDataLst>
-                  <p:tags r:id="rId7"/>
+                  <p:tags r:id="rId8"/>
                 </p:custDataLst>
               </p:nvPr>
             </p:nvSpPr>
@@ -40025,7 +42989,7 @@
                 <a:avLst/>
               </a:prstGeom>
               <a:blipFill>
-                <a:blip r:embed="rId8"/>
+                <a:blip r:embed="rId9"/>
                 <a:stretch>
                   <a:fillRect/>
                 </a:stretch>
@@ -40063,6 +43027,9 @@
           </p:cNvSpPr>
           <p:nvPr>
             <p:ph type="sldNum" idx="12"/>
+            <p:custDataLst>
+              <p:tags r:id="rId4"/>
+            </p:custDataLst>
           </p:nvPr>
         </p:nvSpPr>
         <p:spPr/>
@@ -40112,9 +43079,129 @@
 </p:tagLst>
 </file>
 
+<file path=ppt/tags/tag100.xml><?xml version="1.0" encoding="utf-8"?>
+<p:tagLst xmlns:a="http://schemas.openxmlformats.org/drawingml/2006/main" xmlns:r="http://schemas.openxmlformats.org/officeDocument/2006/relationships" xmlns:p="http://schemas.openxmlformats.org/presentationml/2006/main">
+  <p:tag name="NUM" val="1"/>
+</p:tagLst>
+</file>
+
+<file path=ppt/tags/tag101.xml><?xml version="1.0" encoding="utf-8"?>
+<p:tagLst xmlns:a="http://schemas.openxmlformats.org/drawingml/2006/main" xmlns:r="http://schemas.openxmlformats.org/officeDocument/2006/relationships" xmlns:p="http://schemas.openxmlformats.org/presentationml/2006/main">
+  <p:tag name="NUM" val="2"/>
+</p:tagLst>
+</file>
+
+<file path=ppt/tags/tag102.xml><?xml version="1.0" encoding="utf-8"?>
+<p:tagLst xmlns:a="http://schemas.openxmlformats.org/drawingml/2006/main" xmlns:r="http://schemas.openxmlformats.org/officeDocument/2006/relationships" xmlns:p="http://schemas.openxmlformats.org/presentationml/2006/main">
+  <p:tag name="NUM" val="3"/>
+</p:tagLst>
+</file>
+
+<file path=ppt/tags/tag103.xml><?xml version="1.0" encoding="utf-8"?>
+<p:tagLst xmlns:a="http://schemas.openxmlformats.org/drawingml/2006/main" xmlns:r="http://schemas.openxmlformats.org/officeDocument/2006/relationships" xmlns:p="http://schemas.openxmlformats.org/presentationml/2006/main">
+  <p:tag name="NUM" val="1"/>
+</p:tagLst>
+</file>
+
+<file path=ppt/tags/tag104.xml><?xml version="1.0" encoding="utf-8"?>
+<p:tagLst xmlns:a="http://schemas.openxmlformats.org/drawingml/2006/main" xmlns:r="http://schemas.openxmlformats.org/officeDocument/2006/relationships" xmlns:p="http://schemas.openxmlformats.org/presentationml/2006/main">
+  <p:tag name="NUM" val="2"/>
+</p:tagLst>
+</file>
+
+<file path=ppt/tags/tag105.xml><?xml version="1.0" encoding="utf-8"?>
+<p:tagLst xmlns:a="http://schemas.openxmlformats.org/drawingml/2006/main" xmlns:r="http://schemas.openxmlformats.org/officeDocument/2006/relationships" xmlns:p="http://schemas.openxmlformats.org/presentationml/2006/main">
+  <p:tag name="NUM" val="3"/>
+</p:tagLst>
+</file>
+
+<file path=ppt/tags/tag106.xml><?xml version="1.0" encoding="utf-8"?>
+<p:tagLst xmlns:a="http://schemas.openxmlformats.org/drawingml/2006/main" xmlns:r="http://schemas.openxmlformats.org/officeDocument/2006/relationships" xmlns:p="http://schemas.openxmlformats.org/presentationml/2006/main">
+  <p:tag name="NUM" val="1"/>
+</p:tagLst>
+</file>
+
+<file path=ppt/tags/tag107.xml><?xml version="1.0" encoding="utf-8"?>
+<p:tagLst xmlns:a="http://schemas.openxmlformats.org/drawingml/2006/main" xmlns:r="http://schemas.openxmlformats.org/officeDocument/2006/relationships" xmlns:p="http://schemas.openxmlformats.org/presentationml/2006/main">
+  <p:tag name="NUM" val="2"/>
+</p:tagLst>
+</file>
+
+<file path=ppt/tags/tag108.xml><?xml version="1.0" encoding="utf-8"?>
+<p:tagLst xmlns:a="http://schemas.openxmlformats.org/drawingml/2006/main" xmlns:r="http://schemas.openxmlformats.org/officeDocument/2006/relationships" xmlns:p="http://schemas.openxmlformats.org/presentationml/2006/main">
+  <p:tag name="NUM" val="1"/>
+</p:tagLst>
+</file>
+
+<file path=ppt/tags/tag109.xml><?xml version="1.0" encoding="utf-8"?>
+<p:tagLst xmlns:a="http://schemas.openxmlformats.org/drawingml/2006/main" xmlns:r="http://schemas.openxmlformats.org/officeDocument/2006/relationships" xmlns:p="http://schemas.openxmlformats.org/presentationml/2006/main">
+  <p:tag name="NUM" val="2"/>
+</p:tagLst>
+</file>
+
 <file path=ppt/tags/tag11.xml><?xml version="1.0" encoding="utf-8"?>
 <p:tagLst xmlns:a="http://schemas.openxmlformats.org/drawingml/2006/main" xmlns:r="http://schemas.openxmlformats.org/officeDocument/2006/relationships" xmlns:p="http://schemas.openxmlformats.org/presentationml/2006/main">
   <p:tag name="NUM" val="2"/>
+</p:tagLst>
+</file>
+
+<file path=ppt/tags/tag110.xml><?xml version="1.0" encoding="utf-8"?>
+<p:tagLst xmlns:a="http://schemas.openxmlformats.org/drawingml/2006/main" xmlns:r="http://schemas.openxmlformats.org/officeDocument/2006/relationships" xmlns:p="http://schemas.openxmlformats.org/presentationml/2006/main">
+  <p:tag name="NUM" val="3"/>
+</p:tagLst>
+</file>
+
+<file path=ppt/tags/tag111.xml><?xml version="1.0" encoding="utf-8"?>
+<p:tagLst xmlns:a="http://schemas.openxmlformats.org/drawingml/2006/main" xmlns:r="http://schemas.openxmlformats.org/officeDocument/2006/relationships" xmlns:p="http://schemas.openxmlformats.org/presentationml/2006/main">
+  <p:tag name="NUM" val="4"/>
+</p:tagLst>
+</file>
+
+<file path=ppt/tags/tag112.xml><?xml version="1.0" encoding="utf-8"?>
+<p:tagLst xmlns:a="http://schemas.openxmlformats.org/drawingml/2006/main" xmlns:r="http://schemas.openxmlformats.org/officeDocument/2006/relationships" xmlns:p="http://schemas.openxmlformats.org/presentationml/2006/main">
+  <p:tag name="NUM" val="5"/>
+</p:tagLst>
+</file>
+
+<file path=ppt/tags/tag113.xml><?xml version="1.0" encoding="utf-8"?>
+<p:tagLst xmlns:a="http://schemas.openxmlformats.org/drawingml/2006/main" xmlns:r="http://schemas.openxmlformats.org/officeDocument/2006/relationships" xmlns:p="http://schemas.openxmlformats.org/presentationml/2006/main">
+  <p:tag name="NUM" val="1"/>
+</p:tagLst>
+</file>
+
+<file path=ppt/tags/tag114.xml><?xml version="1.0" encoding="utf-8"?>
+<p:tagLst xmlns:a="http://schemas.openxmlformats.org/drawingml/2006/main" xmlns:r="http://schemas.openxmlformats.org/officeDocument/2006/relationships" xmlns:p="http://schemas.openxmlformats.org/presentationml/2006/main">
+  <p:tag name="NUM" val="2"/>
+</p:tagLst>
+</file>
+
+<file path=ppt/tags/tag115.xml><?xml version="1.0" encoding="utf-8"?>
+<p:tagLst xmlns:a="http://schemas.openxmlformats.org/drawingml/2006/main" xmlns:r="http://schemas.openxmlformats.org/officeDocument/2006/relationships" xmlns:p="http://schemas.openxmlformats.org/presentationml/2006/main">
+  <p:tag name="NUM" val="3"/>
+</p:tagLst>
+</file>
+
+<file path=ppt/tags/tag116.xml><?xml version="1.0" encoding="utf-8"?>
+<p:tagLst xmlns:a="http://schemas.openxmlformats.org/drawingml/2006/main" xmlns:r="http://schemas.openxmlformats.org/officeDocument/2006/relationships" xmlns:p="http://schemas.openxmlformats.org/presentationml/2006/main">
+  <p:tag name="NUM" val="4"/>
+</p:tagLst>
+</file>
+
+<file path=ppt/tags/tag117.xml><?xml version="1.0" encoding="utf-8"?>
+<p:tagLst xmlns:a="http://schemas.openxmlformats.org/drawingml/2006/main" xmlns:r="http://schemas.openxmlformats.org/officeDocument/2006/relationships" xmlns:p="http://schemas.openxmlformats.org/presentationml/2006/main">
+  <p:tag name="NUM" val="1"/>
+</p:tagLst>
+</file>
+
+<file path=ppt/tags/tag118.xml><?xml version="1.0" encoding="utf-8"?>
+<p:tagLst xmlns:a="http://schemas.openxmlformats.org/drawingml/2006/main" xmlns:r="http://schemas.openxmlformats.org/officeDocument/2006/relationships" xmlns:p="http://schemas.openxmlformats.org/presentationml/2006/main">
+  <p:tag name="NUM" val="2"/>
+</p:tagLst>
+</file>
+
+<file path=ppt/tags/tag119.xml><?xml version="1.0" encoding="utf-8"?>
+<p:tagLst xmlns:a="http://schemas.openxmlformats.org/drawingml/2006/main" xmlns:r="http://schemas.openxmlformats.org/officeDocument/2006/relationships" xmlns:p="http://schemas.openxmlformats.org/presentationml/2006/main">
+  <p:tag name="NUM" val="3"/>
 </p:tagLst>
 </file>
 
@@ -40124,45 +43211,63 @@
 </p:tagLst>
 </file>
 
-<file path=ppt/tags/tag13.xml><?xml version="1.0" encoding="utf-8"?>
+<file path=ppt/tags/tag120.xml><?xml version="1.0" encoding="utf-8"?>
 <p:tagLst xmlns:a="http://schemas.openxmlformats.org/drawingml/2006/main" xmlns:r="http://schemas.openxmlformats.org/officeDocument/2006/relationships" xmlns:p="http://schemas.openxmlformats.org/presentationml/2006/main">
   <p:tag name="NUM" val="1"/>
 </p:tagLst>
 </file>
 
-<file path=ppt/tags/tag14.xml><?xml version="1.0" encoding="utf-8"?>
+<file path=ppt/tags/tag121.xml><?xml version="1.0" encoding="utf-8"?>
 <p:tagLst xmlns:a="http://schemas.openxmlformats.org/drawingml/2006/main" xmlns:r="http://schemas.openxmlformats.org/officeDocument/2006/relationships" xmlns:p="http://schemas.openxmlformats.org/presentationml/2006/main">
   <p:tag name="NUM" val="2"/>
 </p:tagLst>
 </file>
 
-<file path=ppt/tags/tag15.xml><?xml version="1.0" encoding="utf-8"?>
+<file path=ppt/tags/tag122.xml><?xml version="1.0" encoding="utf-8"?>
+<p:tagLst xmlns:a="http://schemas.openxmlformats.org/drawingml/2006/main" xmlns:r="http://schemas.openxmlformats.org/officeDocument/2006/relationships" xmlns:p="http://schemas.openxmlformats.org/presentationml/2006/main">
+  <p:tag name="NUM" val="3"/>
+</p:tagLst>
+</file>
+
+<file path=ppt/tags/tag13.xml><?xml version="1.0" encoding="utf-8"?>
+<p:tagLst xmlns:a="http://schemas.openxmlformats.org/drawingml/2006/main" xmlns:r="http://schemas.openxmlformats.org/officeDocument/2006/relationships" xmlns:p="http://schemas.openxmlformats.org/presentationml/2006/main">
+  <p:tag name="NUM" val="4"/>
+</p:tagLst>
+</file>
+
+<file path=ppt/tags/tag14.xml><?xml version="1.0" encoding="utf-8"?>
 <p:tagLst xmlns:a="http://schemas.openxmlformats.org/drawingml/2006/main" xmlns:r="http://schemas.openxmlformats.org/officeDocument/2006/relationships" xmlns:p="http://schemas.openxmlformats.org/presentationml/2006/main">
   <p:tag name="NUM" val="1"/>
 </p:tagLst>
 </file>
 
-<file path=ppt/tags/tag16.xml><?xml version="1.0" encoding="utf-8"?>
+<file path=ppt/tags/tag15.xml><?xml version="1.0" encoding="utf-8"?>
 <p:tagLst xmlns:a="http://schemas.openxmlformats.org/drawingml/2006/main" xmlns:r="http://schemas.openxmlformats.org/officeDocument/2006/relationships" xmlns:p="http://schemas.openxmlformats.org/presentationml/2006/main">
   <p:tag name="NUM" val="2"/>
 </p:tagLst>
 </file>
 
+<file path=ppt/tags/tag16.xml><?xml version="1.0" encoding="utf-8"?>
+<p:tagLst xmlns:a="http://schemas.openxmlformats.org/drawingml/2006/main" xmlns:r="http://schemas.openxmlformats.org/officeDocument/2006/relationships" xmlns:p="http://schemas.openxmlformats.org/presentationml/2006/main">
+  <p:tag name="NUM" val="3"/>
+</p:tagLst>
+</file>
+
 <file path=ppt/tags/tag17.xml><?xml version="1.0" encoding="utf-8"?>
+<p:tagLst xmlns:a="http://schemas.openxmlformats.org/drawingml/2006/main" xmlns:r="http://schemas.openxmlformats.org/officeDocument/2006/relationships" xmlns:p="http://schemas.openxmlformats.org/presentationml/2006/main">
+  <p:tag name="NUM" val="4"/>
+</p:tagLst>
+</file>
+
+<file path=ppt/tags/tag18.xml><?xml version="1.0" encoding="utf-8"?>
 <p:tagLst xmlns:a="http://schemas.openxmlformats.org/drawingml/2006/main" xmlns:r="http://schemas.openxmlformats.org/officeDocument/2006/relationships" xmlns:p="http://schemas.openxmlformats.org/presentationml/2006/main">
   <p:tag name="NUM" val="1"/>
 </p:tagLst>
 </file>
 
-<file path=ppt/tags/tag18.xml><?xml version="1.0" encoding="utf-8"?>
+<file path=ppt/tags/tag19.xml><?xml version="1.0" encoding="utf-8"?>
 <p:tagLst xmlns:a="http://schemas.openxmlformats.org/drawingml/2006/main" xmlns:r="http://schemas.openxmlformats.org/officeDocument/2006/relationships" xmlns:p="http://schemas.openxmlformats.org/presentationml/2006/main">
   <p:tag name="NUM" val="2"/>
-</p:tagLst>
-</file>
-
-<file path=ppt/tags/tag19.xml><?xml version="1.0" encoding="utf-8"?>
-<p:tagLst xmlns:a="http://schemas.openxmlformats.org/drawingml/2006/main" xmlns:r="http://schemas.openxmlformats.org/officeDocument/2006/relationships" xmlns:p="http://schemas.openxmlformats.org/presentationml/2006/main">
-  <p:tag name="NUM" val="1"/>
 </p:tagLst>
 </file>
 
@@ -40174,103 +43279,103 @@
 
 <file path=ppt/tags/tag20.xml><?xml version="1.0" encoding="utf-8"?>
 <p:tagLst xmlns:a="http://schemas.openxmlformats.org/drawingml/2006/main" xmlns:r="http://schemas.openxmlformats.org/officeDocument/2006/relationships" xmlns:p="http://schemas.openxmlformats.org/presentationml/2006/main">
-  <p:tag name="NUM" val="2"/>
+  <p:tag name="NUM" val="3"/>
 </p:tagLst>
 </file>
 
 <file path=ppt/tags/tag21.xml><?xml version="1.0" encoding="utf-8"?>
 <p:tagLst xmlns:a="http://schemas.openxmlformats.org/drawingml/2006/main" xmlns:r="http://schemas.openxmlformats.org/officeDocument/2006/relationships" xmlns:p="http://schemas.openxmlformats.org/presentationml/2006/main">
-  <p:tag name="NUM" val="1"/>
+  <p:tag name="NUM" val="4"/>
 </p:tagLst>
 </file>
 
 <file path=ppt/tags/tag22.xml><?xml version="1.0" encoding="utf-8"?>
 <p:tagLst xmlns:a="http://schemas.openxmlformats.org/drawingml/2006/main" xmlns:r="http://schemas.openxmlformats.org/officeDocument/2006/relationships" xmlns:p="http://schemas.openxmlformats.org/presentationml/2006/main">
-  <p:tag name="NUM" val="2"/>
+  <p:tag name="NUM" val="1"/>
 </p:tagLst>
 </file>
 
 <file path=ppt/tags/tag23.xml><?xml version="1.0" encoding="utf-8"?>
 <p:tagLst xmlns:a="http://schemas.openxmlformats.org/drawingml/2006/main" xmlns:r="http://schemas.openxmlformats.org/officeDocument/2006/relationships" xmlns:p="http://schemas.openxmlformats.org/presentationml/2006/main">
-  <p:tag name="NUM" val="1"/>
+  <p:tag name="NUM" val="2"/>
 </p:tagLst>
 </file>
 
 <file path=ppt/tags/tag24.xml><?xml version="1.0" encoding="utf-8"?>
 <p:tagLst xmlns:a="http://schemas.openxmlformats.org/drawingml/2006/main" xmlns:r="http://schemas.openxmlformats.org/officeDocument/2006/relationships" xmlns:p="http://schemas.openxmlformats.org/presentationml/2006/main">
-  <p:tag name="NUM" val="2"/>
+  <p:tag name="NUM" val="3"/>
 </p:tagLst>
 </file>
 
 <file path=ppt/tags/tag25.xml><?xml version="1.0" encoding="utf-8"?>
 <p:tagLst xmlns:a="http://schemas.openxmlformats.org/drawingml/2006/main" xmlns:r="http://schemas.openxmlformats.org/officeDocument/2006/relationships" xmlns:p="http://schemas.openxmlformats.org/presentationml/2006/main">
-  <p:tag name="NUM" val="1"/>
+  <p:tag name="NUM" val="4"/>
 </p:tagLst>
 </file>
 
 <file path=ppt/tags/tag26.xml><?xml version="1.0" encoding="utf-8"?>
 <p:tagLst xmlns:a="http://schemas.openxmlformats.org/drawingml/2006/main" xmlns:r="http://schemas.openxmlformats.org/officeDocument/2006/relationships" xmlns:p="http://schemas.openxmlformats.org/presentationml/2006/main">
-  <p:tag name="NUM" val="2"/>
+  <p:tag name="NUM" val="1"/>
 </p:tagLst>
 </file>
 
 <file path=ppt/tags/tag27.xml><?xml version="1.0" encoding="utf-8"?>
 <p:tagLst xmlns:a="http://schemas.openxmlformats.org/drawingml/2006/main" xmlns:r="http://schemas.openxmlformats.org/officeDocument/2006/relationships" xmlns:p="http://schemas.openxmlformats.org/presentationml/2006/main">
-  <p:tag name="NUM" val="1"/>
+  <p:tag name="NUM" val="2"/>
 </p:tagLst>
 </file>
 
 <file path=ppt/tags/tag28.xml><?xml version="1.0" encoding="utf-8"?>
 <p:tagLst xmlns:a="http://schemas.openxmlformats.org/drawingml/2006/main" xmlns:r="http://schemas.openxmlformats.org/officeDocument/2006/relationships" xmlns:p="http://schemas.openxmlformats.org/presentationml/2006/main">
-  <p:tag name="NUM" val="2"/>
+  <p:tag name="NUM" val="3"/>
 </p:tagLst>
 </file>
 
 <file path=ppt/tags/tag29.xml><?xml version="1.0" encoding="utf-8"?>
 <p:tagLst xmlns:a="http://schemas.openxmlformats.org/drawingml/2006/main" xmlns:r="http://schemas.openxmlformats.org/officeDocument/2006/relationships" xmlns:p="http://schemas.openxmlformats.org/presentationml/2006/main">
-  <p:tag name="NUM" val="1"/>
+  <p:tag name="NUM" val="4"/>
 </p:tagLst>
 </file>
 
 <file path=ppt/tags/tag3.xml><?xml version="1.0" encoding="utf-8"?>
 <p:tagLst xmlns:a="http://schemas.openxmlformats.org/drawingml/2006/main" xmlns:r="http://schemas.openxmlformats.org/officeDocument/2006/relationships" xmlns:p="http://schemas.openxmlformats.org/presentationml/2006/main">
-  <p:tag name="NUM" val="1"/>
+  <p:tag name="NUM" val="3"/>
 </p:tagLst>
 </file>
 
 <file path=ppt/tags/tag30.xml><?xml version="1.0" encoding="utf-8"?>
 <p:tagLst xmlns:a="http://schemas.openxmlformats.org/drawingml/2006/main" xmlns:r="http://schemas.openxmlformats.org/officeDocument/2006/relationships" xmlns:p="http://schemas.openxmlformats.org/presentationml/2006/main">
-  <p:tag name="NUM" val="2"/>
+  <p:tag name="NUM" val="1"/>
 </p:tagLst>
 </file>
 
 <file path=ppt/tags/tag31.xml><?xml version="1.0" encoding="utf-8"?>
 <p:tagLst xmlns:a="http://schemas.openxmlformats.org/drawingml/2006/main" xmlns:r="http://schemas.openxmlformats.org/officeDocument/2006/relationships" xmlns:p="http://schemas.openxmlformats.org/presentationml/2006/main">
-  <p:tag name="NUM" val="3"/>
+  <p:tag name="NUM" val="2"/>
 </p:tagLst>
 </file>
 
 <file path=ppt/tags/tag32.xml><?xml version="1.0" encoding="utf-8"?>
 <p:tagLst xmlns:a="http://schemas.openxmlformats.org/drawingml/2006/main" xmlns:r="http://schemas.openxmlformats.org/officeDocument/2006/relationships" xmlns:p="http://schemas.openxmlformats.org/presentationml/2006/main">
-  <p:tag name="NUM" val="1"/>
+  <p:tag name="NUM" val="3"/>
 </p:tagLst>
 </file>
 
 <file path=ppt/tags/tag33.xml><?xml version="1.0" encoding="utf-8"?>
 <p:tagLst xmlns:a="http://schemas.openxmlformats.org/drawingml/2006/main" xmlns:r="http://schemas.openxmlformats.org/officeDocument/2006/relationships" xmlns:p="http://schemas.openxmlformats.org/presentationml/2006/main">
-  <p:tag name="NUM" val="1"/>
+  <p:tag name="NUM" val="4"/>
 </p:tagLst>
 </file>
 
 <file path=ppt/tags/tag34.xml><?xml version="1.0" encoding="utf-8"?>
 <p:tagLst xmlns:a="http://schemas.openxmlformats.org/drawingml/2006/main" xmlns:r="http://schemas.openxmlformats.org/officeDocument/2006/relationships" xmlns:p="http://schemas.openxmlformats.org/presentationml/2006/main">
-  <p:tag name="NUM" val="2"/>
+  <p:tag name="NUM" val="1"/>
 </p:tagLst>
 </file>
 
 <file path=ppt/tags/tag35.xml><?xml version="1.0" encoding="utf-8"?>
 <p:tagLst xmlns:a="http://schemas.openxmlformats.org/drawingml/2006/main" xmlns:r="http://schemas.openxmlformats.org/officeDocument/2006/relationships" xmlns:p="http://schemas.openxmlformats.org/presentationml/2006/main">
-  <p:tag name="NUM" val="3"/>
+  <p:tag name="NUM" val="2"/>
 </p:tagLst>
 </file>
 
@@ -40294,19 +43399,19 @@
 
 <file path=ppt/tags/tag39.xml><?xml version="1.0" encoding="utf-8"?>
 <p:tagLst xmlns:a="http://schemas.openxmlformats.org/drawingml/2006/main" xmlns:r="http://schemas.openxmlformats.org/officeDocument/2006/relationships" xmlns:p="http://schemas.openxmlformats.org/presentationml/2006/main">
-  <p:tag name="NUM" val="1"/>
+  <p:tag name="NUM" val="4"/>
 </p:tagLst>
 </file>
 
 <file path=ppt/tags/tag4.xml><?xml version="1.0" encoding="utf-8"?>
 <p:tagLst xmlns:a="http://schemas.openxmlformats.org/drawingml/2006/main" xmlns:r="http://schemas.openxmlformats.org/officeDocument/2006/relationships" xmlns:p="http://schemas.openxmlformats.org/presentationml/2006/main">
-  <p:tag name="NUM" val="2"/>
+  <p:tag name="NUM" val="4"/>
 </p:tagLst>
 </file>
 
 <file path=ppt/tags/tag40.xml><?xml version="1.0" encoding="utf-8"?>
 <p:tagLst xmlns:a="http://schemas.openxmlformats.org/drawingml/2006/main" xmlns:r="http://schemas.openxmlformats.org/officeDocument/2006/relationships" xmlns:p="http://schemas.openxmlformats.org/presentationml/2006/main">
-  <p:tag name="NUM" val="1"/>
+  <p:tag name="NUM" val="5"/>
 </p:tagLst>
 </file>
 
@@ -40318,7 +43423,7 @@
 
 <file path=ppt/tags/tag42.xml><?xml version="1.0" encoding="utf-8"?>
 <p:tagLst xmlns:a="http://schemas.openxmlformats.org/drawingml/2006/main" xmlns:r="http://schemas.openxmlformats.org/officeDocument/2006/relationships" xmlns:p="http://schemas.openxmlformats.org/presentationml/2006/main">
-  <p:tag name="NUM" val="1"/>
+  <p:tag name="NUM" val="2"/>
 </p:tagLst>
 </file>
 
@@ -40348,19 +43453,19 @@
 
 <file path=ppt/tags/tag47.xml><?xml version="1.0" encoding="utf-8"?>
 <p:tagLst xmlns:a="http://schemas.openxmlformats.org/drawingml/2006/main" xmlns:r="http://schemas.openxmlformats.org/officeDocument/2006/relationships" xmlns:p="http://schemas.openxmlformats.org/presentationml/2006/main">
-  <p:tag name="NUM" val="3"/>
+  <p:tag name="NUM" val="1"/>
 </p:tagLst>
 </file>
 
 <file path=ppt/tags/tag48.xml><?xml version="1.0" encoding="utf-8"?>
 <p:tagLst xmlns:a="http://schemas.openxmlformats.org/drawingml/2006/main" xmlns:r="http://schemas.openxmlformats.org/officeDocument/2006/relationships" xmlns:p="http://schemas.openxmlformats.org/presentationml/2006/main">
-  <p:tag name="NUM" val="1"/>
+  <p:tag name="NUM" val="2"/>
 </p:tagLst>
 </file>
 
 <file path=ppt/tags/tag49.xml><?xml version="1.0" encoding="utf-8"?>
 <p:tagLst xmlns:a="http://schemas.openxmlformats.org/drawingml/2006/main" xmlns:r="http://schemas.openxmlformats.org/officeDocument/2006/relationships" xmlns:p="http://schemas.openxmlformats.org/presentationml/2006/main">
-  <p:tag name="NUM" val="2"/>
+  <p:tag name="NUM" val="3"/>
 </p:tagLst>
 </file>
 
@@ -40370,7 +43475,127 @@
 </p:tagLst>
 </file>
 
+<file path=ppt/tags/tag50.xml><?xml version="1.0" encoding="utf-8"?>
+<p:tagLst xmlns:a="http://schemas.openxmlformats.org/drawingml/2006/main" xmlns:r="http://schemas.openxmlformats.org/officeDocument/2006/relationships" xmlns:p="http://schemas.openxmlformats.org/presentationml/2006/main">
+  <p:tag name="NUM" val="1"/>
+</p:tagLst>
+</file>
+
+<file path=ppt/tags/tag51.xml><?xml version="1.0" encoding="utf-8"?>
+<p:tagLst xmlns:a="http://schemas.openxmlformats.org/drawingml/2006/main" xmlns:r="http://schemas.openxmlformats.org/officeDocument/2006/relationships" xmlns:p="http://schemas.openxmlformats.org/presentationml/2006/main">
+  <p:tag name="NUM" val="2"/>
+</p:tagLst>
+</file>
+
+<file path=ppt/tags/tag52.xml><?xml version="1.0" encoding="utf-8"?>
+<p:tagLst xmlns:a="http://schemas.openxmlformats.org/drawingml/2006/main" xmlns:r="http://schemas.openxmlformats.org/officeDocument/2006/relationships" xmlns:p="http://schemas.openxmlformats.org/presentationml/2006/main">
+  <p:tag name="NUM" val="3"/>
+</p:tagLst>
+</file>
+
+<file path=ppt/tags/tag53.xml><?xml version="1.0" encoding="utf-8"?>
+<p:tagLst xmlns:a="http://schemas.openxmlformats.org/drawingml/2006/main" xmlns:r="http://schemas.openxmlformats.org/officeDocument/2006/relationships" xmlns:p="http://schemas.openxmlformats.org/presentationml/2006/main">
+  <p:tag name="NUM" val="4"/>
+</p:tagLst>
+</file>
+
+<file path=ppt/tags/tag54.xml><?xml version="1.0" encoding="utf-8"?>
+<p:tagLst xmlns:a="http://schemas.openxmlformats.org/drawingml/2006/main" xmlns:r="http://schemas.openxmlformats.org/officeDocument/2006/relationships" xmlns:p="http://schemas.openxmlformats.org/presentationml/2006/main">
+  <p:tag name="NUM" val="5"/>
+</p:tagLst>
+</file>
+
+<file path=ppt/tags/tag55.xml><?xml version="1.0" encoding="utf-8"?>
+<p:tagLst xmlns:a="http://schemas.openxmlformats.org/drawingml/2006/main" xmlns:r="http://schemas.openxmlformats.org/officeDocument/2006/relationships" xmlns:p="http://schemas.openxmlformats.org/presentationml/2006/main">
+  <p:tag name="NUM" val="1"/>
+</p:tagLst>
+</file>
+
+<file path=ppt/tags/tag56.xml><?xml version="1.0" encoding="utf-8"?>
+<p:tagLst xmlns:a="http://schemas.openxmlformats.org/drawingml/2006/main" xmlns:r="http://schemas.openxmlformats.org/officeDocument/2006/relationships" xmlns:p="http://schemas.openxmlformats.org/presentationml/2006/main">
+  <p:tag name="NUM" val="2"/>
+</p:tagLst>
+</file>
+
+<file path=ppt/tags/tag57.xml><?xml version="1.0" encoding="utf-8"?>
+<p:tagLst xmlns:a="http://schemas.openxmlformats.org/drawingml/2006/main" xmlns:r="http://schemas.openxmlformats.org/officeDocument/2006/relationships" xmlns:p="http://schemas.openxmlformats.org/presentationml/2006/main">
+  <p:tag name="NUM" val="3"/>
+</p:tagLst>
+</file>
+
+<file path=ppt/tags/tag58.xml><?xml version="1.0" encoding="utf-8"?>
+<p:tagLst xmlns:a="http://schemas.openxmlformats.org/drawingml/2006/main" xmlns:r="http://schemas.openxmlformats.org/officeDocument/2006/relationships" xmlns:p="http://schemas.openxmlformats.org/presentationml/2006/main">
+  <p:tag name="NUM" val="4"/>
+</p:tagLst>
+</file>
+
+<file path=ppt/tags/tag59.xml><?xml version="1.0" encoding="utf-8"?>
+<p:tagLst xmlns:a="http://schemas.openxmlformats.org/drawingml/2006/main" xmlns:r="http://schemas.openxmlformats.org/officeDocument/2006/relationships" xmlns:p="http://schemas.openxmlformats.org/presentationml/2006/main">
+  <p:tag name="NUM" val="5"/>
+</p:tagLst>
+</file>
+
 <file path=ppt/tags/tag6.xml><?xml version="1.0" encoding="utf-8"?>
+<p:tagLst xmlns:a="http://schemas.openxmlformats.org/drawingml/2006/main" xmlns:r="http://schemas.openxmlformats.org/officeDocument/2006/relationships" xmlns:p="http://schemas.openxmlformats.org/presentationml/2006/main">
+  <p:tag name="NUM" val="2"/>
+</p:tagLst>
+</file>
+
+<file path=ppt/tags/tag60.xml><?xml version="1.0" encoding="utf-8"?>
+<p:tagLst xmlns:a="http://schemas.openxmlformats.org/drawingml/2006/main" xmlns:r="http://schemas.openxmlformats.org/officeDocument/2006/relationships" xmlns:p="http://schemas.openxmlformats.org/presentationml/2006/main">
+  <p:tag name="NUM" val="6"/>
+</p:tagLst>
+</file>
+
+<file path=ppt/tags/tag61.xml><?xml version="1.0" encoding="utf-8"?>
+<p:tagLst xmlns:a="http://schemas.openxmlformats.org/drawingml/2006/main" xmlns:r="http://schemas.openxmlformats.org/officeDocument/2006/relationships" xmlns:p="http://schemas.openxmlformats.org/presentationml/2006/main">
+  <p:tag name="NUM" val="1"/>
+</p:tagLst>
+</file>
+
+<file path=ppt/tags/tag62.xml><?xml version="1.0" encoding="utf-8"?>
+<p:tagLst xmlns:a="http://schemas.openxmlformats.org/drawingml/2006/main" xmlns:r="http://schemas.openxmlformats.org/officeDocument/2006/relationships" xmlns:p="http://schemas.openxmlformats.org/presentationml/2006/main">
+  <p:tag name="NUM" val="2"/>
+</p:tagLst>
+</file>
+
+<file path=ppt/tags/tag63.xml><?xml version="1.0" encoding="utf-8"?>
+<p:tagLst xmlns:a="http://schemas.openxmlformats.org/drawingml/2006/main" xmlns:r="http://schemas.openxmlformats.org/officeDocument/2006/relationships" xmlns:p="http://schemas.openxmlformats.org/presentationml/2006/main">
+  <p:tag name="NUM" val="3"/>
+</p:tagLst>
+</file>
+
+<file path=ppt/tags/tag64.xml><?xml version="1.0" encoding="utf-8"?>
+<p:tagLst xmlns:a="http://schemas.openxmlformats.org/drawingml/2006/main" xmlns:r="http://schemas.openxmlformats.org/officeDocument/2006/relationships" xmlns:p="http://schemas.openxmlformats.org/presentationml/2006/main">
+  <p:tag name="NUM" val="4"/>
+</p:tagLst>
+</file>
+
+<file path=ppt/tags/tag65.xml><?xml version="1.0" encoding="utf-8"?>
+<p:tagLst xmlns:a="http://schemas.openxmlformats.org/drawingml/2006/main" xmlns:r="http://schemas.openxmlformats.org/officeDocument/2006/relationships" xmlns:p="http://schemas.openxmlformats.org/presentationml/2006/main">
+  <p:tag name="NUM" val="5"/>
+</p:tagLst>
+</file>
+
+<file path=ppt/tags/tag66.xml><?xml version="1.0" encoding="utf-8"?>
+<p:tagLst xmlns:a="http://schemas.openxmlformats.org/drawingml/2006/main" xmlns:r="http://schemas.openxmlformats.org/officeDocument/2006/relationships" xmlns:p="http://schemas.openxmlformats.org/presentationml/2006/main">
+  <p:tag name="NUM" val="1"/>
+</p:tagLst>
+</file>
+
+<file path=ppt/tags/tag67.xml><?xml version="1.0" encoding="utf-8"?>
+<p:tagLst xmlns:a="http://schemas.openxmlformats.org/drawingml/2006/main" xmlns:r="http://schemas.openxmlformats.org/officeDocument/2006/relationships" xmlns:p="http://schemas.openxmlformats.org/presentationml/2006/main">
+  <p:tag name="NUM" val="2"/>
+</p:tagLst>
+</file>
+
+<file path=ppt/tags/tag68.xml><?xml version="1.0" encoding="utf-8"?>
+<p:tagLst xmlns:a="http://schemas.openxmlformats.org/drawingml/2006/main" xmlns:r="http://schemas.openxmlformats.org/officeDocument/2006/relationships" xmlns:p="http://schemas.openxmlformats.org/presentationml/2006/main">
+  <p:tag name="NUM" val="3"/>
+</p:tagLst>
+</file>
+
+<file path=ppt/tags/tag69.xml><?xml version="1.0" encoding="utf-8"?>
 <p:tagLst xmlns:a="http://schemas.openxmlformats.org/drawingml/2006/main" xmlns:r="http://schemas.openxmlformats.org/officeDocument/2006/relationships" xmlns:p="http://schemas.openxmlformats.org/presentationml/2006/main">
   <p:tag name="NUM" val="1"/>
 </p:tagLst>
@@ -40378,17 +43603,197 @@
 
 <file path=ppt/tags/tag7.xml><?xml version="1.0" encoding="utf-8"?>
 <p:tagLst xmlns:a="http://schemas.openxmlformats.org/drawingml/2006/main" xmlns:r="http://schemas.openxmlformats.org/officeDocument/2006/relationships" xmlns:p="http://schemas.openxmlformats.org/presentationml/2006/main">
+  <p:tag name="NUM" val="3"/>
+</p:tagLst>
+</file>
+
+<file path=ppt/tags/tag70.xml><?xml version="1.0" encoding="utf-8"?>
+<p:tagLst xmlns:a="http://schemas.openxmlformats.org/drawingml/2006/main" xmlns:r="http://schemas.openxmlformats.org/officeDocument/2006/relationships" xmlns:p="http://schemas.openxmlformats.org/presentationml/2006/main">
+  <p:tag name="NUM" val="2"/>
+</p:tagLst>
+</file>
+
+<file path=ppt/tags/tag71.xml><?xml version="1.0" encoding="utf-8"?>
+<p:tagLst xmlns:a="http://schemas.openxmlformats.org/drawingml/2006/main" xmlns:r="http://schemas.openxmlformats.org/officeDocument/2006/relationships" xmlns:p="http://schemas.openxmlformats.org/presentationml/2006/main">
   <p:tag name="NUM" val="1"/>
+</p:tagLst>
+</file>
+
+<file path=ppt/tags/tag72.xml><?xml version="1.0" encoding="utf-8"?>
+<p:tagLst xmlns:a="http://schemas.openxmlformats.org/drawingml/2006/main" xmlns:r="http://schemas.openxmlformats.org/officeDocument/2006/relationships" xmlns:p="http://schemas.openxmlformats.org/presentationml/2006/main">
+  <p:tag name="NUM" val="2"/>
+</p:tagLst>
+</file>
+
+<file path=ppt/tags/tag73.xml><?xml version="1.0" encoding="utf-8"?>
+<p:tagLst xmlns:a="http://schemas.openxmlformats.org/drawingml/2006/main" xmlns:r="http://schemas.openxmlformats.org/officeDocument/2006/relationships" xmlns:p="http://schemas.openxmlformats.org/presentationml/2006/main">
+  <p:tag name="NUM" val="3"/>
+</p:tagLst>
+</file>
+
+<file path=ppt/tags/tag74.xml><?xml version="1.0" encoding="utf-8"?>
+<p:tagLst xmlns:a="http://schemas.openxmlformats.org/drawingml/2006/main" xmlns:r="http://schemas.openxmlformats.org/officeDocument/2006/relationships" xmlns:p="http://schemas.openxmlformats.org/presentationml/2006/main">
+  <p:tag name="NUM" val="1"/>
+</p:tagLst>
+</file>
+
+<file path=ppt/tags/tag75.xml><?xml version="1.0" encoding="utf-8"?>
+<p:tagLst xmlns:a="http://schemas.openxmlformats.org/drawingml/2006/main" xmlns:r="http://schemas.openxmlformats.org/officeDocument/2006/relationships" xmlns:p="http://schemas.openxmlformats.org/presentationml/2006/main">
+  <p:tag name="NUM" val="2"/>
+</p:tagLst>
+</file>
+
+<file path=ppt/tags/tag76.xml><?xml version="1.0" encoding="utf-8"?>
+<p:tagLst xmlns:a="http://schemas.openxmlformats.org/drawingml/2006/main" xmlns:r="http://schemas.openxmlformats.org/officeDocument/2006/relationships" xmlns:p="http://schemas.openxmlformats.org/presentationml/2006/main">
+  <p:tag name="NUM" val="3"/>
+</p:tagLst>
+</file>
+
+<file path=ppt/tags/tag77.xml><?xml version="1.0" encoding="utf-8"?>
+<p:tagLst xmlns:a="http://schemas.openxmlformats.org/drawingml/2006/main" xmlns:r="http://schemas.openxmlformats.org/officeDocument/2006/relationships" xmlns:p="http://schemas.openxmlformats.org/presentationml/2006/main">
+  <p:tag name="NUM" val="4"/>
+</p:tagLst>
+</file>
+
+<file path=ppt/tags/tag78.xml><?xml version="1.0" encoding="utf-8"?>
+<p:tagLst xmlns:a="http://schemas.openxmlformats.org/drawingml/2006/main" xmlns:r="http://schemas.openxmlformats.org/officeDocument/2006/relationships" xmlns:p="http://schemas.openxmlformats.org/presentationml/2006/main">
+  <p:tag name="NUM" val="1"/>
+</p:tagLst>
+</file>
+
+<file path=ppt/tags/tag79.xml><?xml version="1.0" encoding="utf-8"?>
+<p:tagLst xmlns:a="http://schemas.openxmlformats.org/drawingml/2006/main" xmlns:r="http://schemas.openxmlformats.org/officeDocument/2006/relationships" xmlns:p="http://schemas.openxmlformats.org/presentationml/2006/main">
+  <p:tag name="NUM" val="2"/>
 </p:tagLst>
 </file>
 
 <file path=ppt/tags/tag8.xml><?xml version="1.0" encoding="utf-8"?>
 <p:tagLst xmlns:a="http://schemas.openxmlformats.org/drawingml/2006/main" xmlns:r="http://schemas.openxmlformats.org/officeDocument/2006/relationships" xmlns:p="http://schemas.openxmlformats.org/presentationml/2006/main">
+  <p:tag name="NUM" val="1"/>
+</p:tagLst>
+</file>
+
+<file path=ppt/tags/tag80.xml><?xml version="1.0" encoding="utf-8"?>
+<p:tagLst xmlns:a="http://schemas.openxmlformats.org/drawingml/2006/main" xmlns:r="http://schemas.openxmlformats.org/officeDocument/2006/relationships" xmlns:p="http://schemas.openxmlformats.org/presentationml/2006/main">
+  <p:tag name="NUM" val="3"/>
+</p:tagLst>
+</file>
+
+<file path=ppt/tags/tag81.xml><?xml version="1.0" encoding="utf-8"?>
+<p:tagLst xmlns:a="http://schemas.openxmlformats.org/drawingml/2006/main" xmlns:r="http://schemas.openxmlformats.org/officeDocument/2006/relationships" xmlns:p="http://schemas.openxmlformats.org/presentationml/2006/main">
+  <p:tag name="NUM" val="4"/>
+</p:tagLst>
+</file>
+
+<file path=ppt/tags/tag82.xml><?xml version="1.0" encoding="utf-8"?>
+<p:tagLst xmlns:a="http://schemas.openxmlformats.org/drawingml/2006/main" xmlns:r="http://schemas.openxmlformats.org/officeDocument/2006/relationships" xmlns:p="http://schemas.openxmlformats.org/presentationml/2006/main">
+  <p:tag name="NUM" val="1"/>
+</p:tagLst>
+</file>
+
+<file path=ppt/tags/tag83.xml><?xml version="1.0" encoding="utf-8"?>
+<p:tagLst xmlns:a="http://schemas.openxmlformats.org/drawingml/2006/main" xmlns:r="http://schemas.openxmlformats.org/officeDocument/2006/relationships" xmlns:p="http://schemas.openxmlformats.org/presentationml/2006/main">
   <p:tag name="NUM" val="2"/>
 </p:tagLst>
 </file>
 
+<file path=ppt/tags/tag84.xml><?xml version="1.0" encoding="utf-8"?>
+<p:tagLst xmlns:a="http://schemas.openxmlformats.org/drawingml/2006/main" xmlns:r="http://schemas.openxmlformats.org/officeDocument/2006/relationships" xmlns:p="http://schemas.openxmlformats.org/presentationml/2006/main">
+  <p:tag name="NUM" val="1"/>
+</p:tagLst>
+</file>
+
+<file path=ppt/tags/tag85.xml><?xml version="1.0" encoding="utf-8"?>
+<p:tagLst xmlns:a="http://schemas.openxmlformats.org/drawingml/2006/main" xmlns:r="http://schemas.openxmlformats.org/officeDocument/2006/relationships" xmlns:p="http://schemas.openxmlformats.org/presentationml/2006/main">
+  <p:tag name="NUM" val="2"/>
+</p:tagLst>
+</file>
+
+<file path=ppt/tags/tag86.xml><?xml version="1.0" encoding="utf-8"?>
+<p:tagLst xmlns:a="http://schemas.openxmlformats.org/drawingml/2006/main" xmlns:r="http://schemas.openxmlformats.org/officeDocument/2006/relationships" xmlns:p="http://schemas.openxmlformats.org/presentationml/2006/main">
+  <p:tag name="NUM" val="3"/>
+</p:tagLst>
+</file>
+
+<file path=ppt/tags/tag87.xml><?xml version="1.0" encoding="utf-8"?>
+<p:tagLst xmlns:a="http://schemas.openxmlformats.org/drawingml/2006/main" xmlns:r="http://schemas.openxmlformats.org/officeDocument/2006/relationships" xmlns:p="http://schemas.openxmlformats.org/presentationml/2006/main">
+  <p:tag name="NUM" val="4"/>
+</p:tagLst>
+</file>
+
+<file path=ppt/tags/tag88.xml><?xml version="1.0" encoding="utf-8"?>
+<p:tagLst xmlns:a="http://schemas.openxmlformats.org/drawingml/2006/main" xmlns:r="http://schemas.openxmlformats.org/officeDocument/2006/relationships" xmlns:p="http://schemas.openxmlformats.org/presentationml/2006/main">
+  <p:tag name="NUM" val="5"/>
+</p:tagLst>
+</file>
+
+<file path=ppt/tags/tag89.xml><?xml version="1.0" encoding="utf-8"?>
+<p:tagLst xmlns:a="http://schemas.openxmlformats.org/drawingml/2006/main" xmlns:r="http://schemas.openxmlformats.org/officeDocument/2006/relationships" xmlns:p="http://schemas.openxmlformats.org/presentationml/2006/main">
+  <p:tag name="NUM" val="1"/>
+</p:tagLst>
+</file>
+
 <file path=ppt/tags/tag9.xml><?xml version="1.0" encoding="utf-8"?>
+<p:tagLst xmlns:a="http://schemas.openxmlformats.org/drawingml/2006/main" xmlns:r="http://schemas.openxmlformats.org/officeDocument/2006/relationships" xmlns:p="http://schemas.openxmlformats.org/presentationml/2006/main">
+  <p:tag name="NUM" val="2"/>
+</p:tagLst>
+</file>
+
+<file path=ppt/tags/tag90.xml><?xml version="1.0" encoding="utf-8"?>
+<p:tagLst xmlns:a="http://schemas.openxmlformats.org/drawingml/2006/main" xmlns:r="http://schemas.openxmlformats.org/officeDocument/2006/relationships" xmlns:p="http://schemas.openxmlformats.org/presentationml/2006/main">
+  <p:tag name="NUM" val="2"/>
+</p:tagLst>
+</file>
+
+<file path=ppt/tags/tag91.xml><?xml version="1.0" encoding="utf-8"?>
+<p:tagLst xmlns:a="http://schemas.openxmlformats.org/drawingml/2006/main" xmlns:r="http://schemas.openxmlformats.org/officeDocument/2006/relationships" xmlns:p="http://schemas.openxmlformats.org/presentationml/2006/main">
+  <p:tag name="NUM" val="3"/>
+</p:tagLst>
+</file>
+
+<file path=ppt/tags/tag92.xml><?xml version="1.0" encoding="utf-8"?>
+<p:tagLst xmlns:a="http://schemas.openxmlformats.org/drawingml/2006/main" xmlns:r="http://schemas.openxmlformats.org/officeDocument/2006/relationships" xmlns:p="http://schemas.openxmlformats.org/presentationml/2006/main">
+  <p:tag name="NUM" val="4"/>
+</p:tagLst>
+</file>
+
+<file path=ppt/tags/tag93.xml><?xml version="1.0" encoding="utf-8"?>
+<p:tagLst xmlns:a="http://schemas.openxmlformats.org/drawingml/2006/main" xmlns:r="http://schemas.openxmlformats.org/officeDocument/2006/relationships" xmlns:p="http://schemas.openxmlformats.org/presentationml/2006/main">
+  <p:tag name="NUM" val="1"/>
+</p:tagLst>
+</file>
+
+<file path=ppt/tags/tag94.xml><?xml version="1.0" encoding="utf-8"?>
+<p:tagLst xmlns:a="http://schemas.openxmlformats.org/drawingml/2006/main" xmlns:r="http://schemas.openxmlformats.org/officeDocument/2006/relationships" xmlns:p="http://schemas.openxmlformats.org/presentationml/2006/main">
+  <p:tag name="NUM" val="2"/>
+</p:tagLst>
+</file>
+
+<file path=ppt/tags/tag95.xml><?xml version="1.0" encoding="utf-8"?>
+<p:tagLst xmlns:a="http://schemas.openxmlformats.org/drawingml/2006/main" xmlns:r="http://schemas.openxmlformats.org/officeDocument/2006/relationships" xmlns:p="http://schemas.openxmlformats.org/presentationml/2006/main">
+  <p:tag name="NUM" val="3"/>
+</p:tagLst>
+</file>
+
+<file path=ppt/tags/tag96.xml><?xml version="1.0" encoding="utf-8"?>
+<p:tagLst xmlns:a="http://schemas.openxmlformats.org/drawingml/2006/main" xmlns:r="http://schemas.openxmlformats.org/officeDocument/2006/relationships" xmlns:p="http://schemas.openxmlformats.org/presentationml/2006/main">
+  <p:tag name="NUM" val="4"/>
+</p:tagLst>
+</file>
+
+<file path=ppt/tags/tag97.xml><?xml version="1.0" encoding="utf-8"?>
+<p:tagLst xmlns:a="http://schemas.openxmlformats.org/drawingml/2006/main" xmlns:r="http://schemas.openxmlformats.org/officeDocument/2006/relationships" xmlns:p="http://schemas.openxmlformats.org/presentationml/2006/main">
+  <p:tag name="NUM" val="1"/>
+</p:tagLst>
+</file>
+
+<file path=ppt/tags/tag98.xml><?xml version="1.0" encoding="utf-8"?>
+<p:tagLst xmlns:a="http://schemas.openxmlformats.org/drawingml/2006/main" xmlns:r="http://schemas.openxmlformats.org/officeDocument/2006/relationships" xmlns:p="http://schemas.openxmlformats.org/presentationml/2006/main">
+  <p:tag name="NUM" val="2"/>
+</p:tagLst>
+</file>
+
+<file path=ppt/tags/tag99.xml><?xml version="1.0" encoding="utf-8"?>
 <p:tagLst xmlns:a="http://schemas.openxmlformats.org/drawingml/2006/main" xmlns:r="http://schemas.openxmlformats.org/officeDocument/2006/relationships" xmlns:p="http://schemas.openxmlformats.org/presentationml/2006/main">
   <p:tag name="NUM" val="3"/>
 </p:tagLst>

--- a/Presentation-projet-de-session.pptx
+++ b/Presentation-projet-de-session.pptx
@@ -1063,6 +1063,16 @@
     </c:plotArea>
     <c:legend>
       <c:legendPos val="r"/>
+      <c:layout>
+        <c:manualLayout>
+          <c:xMode val="edge"/>
+          <c:yMode val="edge"/>
+          <c:x val="0.69367276240286646"/>
+          <c:y val="0.52101488879305569"/>
+          <c:w val="0.29652755620252313"/>
+          <c:h val="0.14414774077758755"/>
+        </c:manualLayout>
+      </c:layout>
       <c:overlay val="0"/>
       <c:spPr>
         <a:noFill/>
@@ -1078,10 +1088,7 @@
           <a:pPr>
             <a:defRPr sz="900" b="0" i="0" u="none" strike="noStrike" kern="1200" baseline="0">
               <a:solidFill>
-                <a:schemeClr val="tx1">
-                  <a:lumMod val="65000"/>
-                  <a:lumOff val="35000"/>
-                </a:schemeClr>
+                <a:schemeClr val="bg1"/>
               </a:solidFill>
               <a:latin typeface="+mn-lt"/>
               <a:ea typeface="+mn-ea"/>
@@ -34413,8 +34420,8 @@
               </a:lnSpc>
             </a:pPr>
             <a:r>
-              <a:rPr lang="fr-CA" sz="1600" noProof="0" dirty="0"/>
-              <a:t>Validation</a:t>
+              <a:rPr lang="fr-CA" sz="1600" dirty="0"/>
+              <a:t>Propagation des incertitudes et sensibilité</a:t>
             </a:r>
           </a:p>
           <a:p>
@@ -34425,7 +34432,7 @@
             </a:pPr>
             <a:r>
               <a:rPr lang="fr-CA" sz="1600" noProof="0" dirty="0"/>
-              <a:t>Propagation des incertitudes</a:t>
+              <a:t>Validation</a:t>
             </a:r>
           </a:p>
         </p:txBody>
@@ -34863,7 +34870,7 @@
             </p:custDataLst>
             <p:extLst>
               <p:ext uri="{D42A27DB-BD31-4B8C-83A1-F6EECF244321}">
-                <p14:modId xmlns:p14="http://schemas.microsoft.com/office/powerpoint/2010/main" val="3458882902"/>
+                <p14:modId xmlns:p14="http://schemas.microsoft.com/office/powerpoint/2010/main" val="1193439918"/>
               </p:ext>
             </p:extLst>
           </p:nvPr>
